--- a/doc/scheme.pptx
+++ b/doc/scheme.pptx
@@ -3321,1119 +3321,138 @@
           <a:chExt cx="0" cy="0"/>
         </a:xfrm>
       </p:grpSpPr>
-      <p:grpSp>
-        <p:nvGrpSpPr>
-          <p:cNvPr id="59" name="群組 58">
-            <a:extLst>
-              <a:ext uri="{FF2B5EF4-FFF2-40B4-BE49-F238E27FC236}">
-                <a16:creationId xmlns:a16="http://schemas.microsoft.com/office/drawing/2014/main" id="{AD69707F-94B1-3AE2-0D04-5FDC858C4759}"/>
-              </a:ext>
-            </a:extLst>
-          </p:cNvPr>
-          <p:cNvGrpSpPr/>
+      <p:cxnSp>
+        <p:nvCxnSpPr>
+          <p:cNvPr id="5" name="直線箭頭接點 4">
+            <a:extLst>
+              <a:ext uri="{FF2B5EF4-FFF2-40B4-BE49-F238E27FC236}">
+                <a16:creationId xmlns:a16="http://schemas.microsoft.com/office/drawing/2014/main" id="{990BBB69-4D66-92B4-2F57-000BCEFD3781}"/>
+              </a:ext>
+            </a:extLst>
+          </p:cNvPr>
+          <p:cNvCxnSpPr>
+            <a:cxnSpLocks/>
+          </p:cNvCxnSpPr>
           <p:nvPr/>
-        </p:nvGrpSpPr>
-        <p:grpSpPr>
-          <a:xfrm>
-            <a:off x="1127292" y="661736"/>
-            <a:ext cx="4479423" cy="3501657"/>
-            <a:chOff x="1127292" y="661736"/>
-            <a:chExt cx="4479423" cy="3501657"/>
-          </a:xfrm>
-        </p:grpSpPr>
-        <p:cxnSp>
-          <p:nvCxnSpPr>
-            <p:cNvPr id="5" name="直線箭頭接點 4">
-              <a:extLst>
-                <a:ext uri="{FF2B5EF4-FFF2-40B4-BE49-F238E27FC236}">
-                  <a16:creationId xmlns:a16="http://schemas.microsoft.com/office/drawing/2014/main" id="{990BBB69-4D66-92B4-2F57-000BCEFD3781}"/>
-                </a:ext>
-              </a:extLst>
-            </p:cNvPr>
-            <p:cNvCxnSpPr>
-              <a:cxnSpLocks/>
-            </p:cNvCxnSpPr>
-            <p:nvPr/>
-          </p:nvCxnSpPr>
-          <p:spPr>
-            <a:xfrm flipV="1">
-              <a:off x="2175282" y="661736"/>
-              <a:ext cx="0" cy="2132750"/>
-            </a:xfrm>
-            <a:prstGeom prst="straightConnector1">
-              <a:avLst/>
-            </a:prstGeom>
-            <a:ln w="15875">
-              <a:headEnd w="lg" len="lg"/>
-              <a:tailEnd type="stealth" w="lg" len="lg"/>
-            </a:ln>
-          </p:spPr>
-          <p:style>
-            <a:lnRef idx="1">
-              <a:schemeClr val="dk1"/>
-            </a:lnRef>
-            <a:fillRef idx="0">
-              <a:schemeClr val="dk1"/>
-            </a:fillRef>
-            <a:effectRef idx="0">
-              <a:schemeClr val="dk1"/>
-            </a:effectRef>
-            <a:fontRef idx="minor">
-              <a:schemeClr val="tx1"/>
-            </a:fontRef>
-          </p:style>
-        </p:cxnSp>
-        <p:cxnSp>
-          <p:nvCxnSpPr>
-            <p:cNvPr id="7" name="直線箭頭接點 6">
-              <a:extLst>
-                <a:ext uri="{FF2B5EF4-FFF2-40B4-BE49-F238E27FC236}">
-                  <a16:creationId xmlns:a16="http://schemas.microsoft.com/office/drawing/2014/main" id="{0C37EA49-E7A5-8B90-93E7-A941AE8E4CD5}"/>
-                </a:ext>
-              </a:extLst>
-            </p:cNvPr>
-            <p:cNvCxnSpPr>
-              <a:cxnSpLocks/>
-            </p:cNvCxnSpPr>
-            <p:nvPr/>
-          </p:nvCxnSpPr>
-          <p:spPr>
-            <a:xfrm>
-              <a:off x="2175282" y="2794486"/>
-              <a:ext cx="3431433" cy="0"/>
-            </a:xfrm>
-            <a:prstGeom prst="straightConnector1">
-              <a:avLst/>
-            </a:prstGeom>
-            <a:ln w="15875">
-              <a:headEnd w="lg" len="lg"/>
-              <a:tailEnd type="stealth" w="lg" len="lg"/>
-            </a:ln>
-          </p:spPr>
-          <p:style>
-            <a:lnRef idx="1">
-              <a:schemeClr val="dk1"/>
-            </a:lnRef>
-            <a:fillRef idx="0">
-              <a:schemeClr val="dk1"/>
-            </a:fillRef>
-            <a:effectRef idx="0">
-              <a:schemeClr val="dk1"/>
-            </a:effectRef>
-            <a:fontRef idx="minor">
-              <a:schemeClr val="tx1"/>
-            </a:fontRef>
-          </p:style>
-        </p:cxnSp>
-        <p:cxnSp>
-          <p:nvCxnSpPr>
-            <p:cNvPr id="10" name="直線箭頭接點 9">
-              <a:extLst>
-                <a:ext uri="{FF2B5EF4-FFF2-40B4-BE49-F238E27FC236}">
-                  <a16:creationId xmlns:a16="http://schemas.microsoft.com/office/drawing/2014/main" id="{BA36330D-EA9A-DD8A-7BFB-1C2CC09E2FC4}"/>
-                </a:ext>
-              </a:extLst>
-            </p:cNvPr>
-            <p:cNvCxnSpPr>
-              <a:cxnSpLocks/>
-            </p:cNvCxnSpPr>
-            <p:nvPr/>
-          </p:nvCxnSpPr>
-          <p:spPr>
-            <a:xfrm flipH="1">
-              <a:off x="1127292" y="2789868"/>
-              <a:ext cx="1047990" cy="1219636"/>
-            </a:xfrm>
-            <a:prstGeom prst="straightConnector1">
-              <a:avLst/>
-            </a:prstGeom>
-            <a:ln w="15875">
-              <a:headEnd w="lg" len="lg"/>
-              <a:tailEnd type="stealth" w="lg" len="lg"/>
-            </a:ln>
-          </p:spPr>
-          <p:style>
-            <a:lnRef idx="1">
-              <a:schemeClr val="dk1"/>
-            </a:lnRef>
-            <a:fillRef idx="0">
-              <a:schemeClr val="dk1"/>
-            </a:fillRef>
-            <a:effectRef idx="0">
-              <a:schemeClr val="dk1"/>
-            </a:effectRef>
-            <a:fontRef idx="minor">
-              <a:schemeClr val="tx1"/>
-            </a:fontRef>
-          </p:style>
-        </p:cxnSp>
-        <p:sp>
-          <p:nvSpPr>
-            <p:cNvPr id="12" name="三角形 11">
-              <a:extLst>
-                <a:ext uri="{FF2B5EF4-FFF2-40B4-BE49-F238E27FC236}">
-                  <a16:creationId xmlns:a16="http://schemas.microsoft.com/office/drawing/2014/main" id="{7435879D-D981-A871-6756-25D5F9D58DC1}"/>
-                </a:ext>
-              </a:extLst>
-            </p:cNvPr>
-            <p:cNvSpPr/>
-            <p:nvPr/>
-          </p:nvSpPr>
-          <p:spPr>
-            <a:xfrm>
-              <a:off x="2175281" y="1409041"/>
-              <a:ext cx="2770909" cy="1380828"/>
-            </a:xfrm>
-            <a:prstGeom prst="triangle">
-              <a:avLst>
-                <a:gd name="adj" fmla="val 37000"/>
-              </a:avLst>
-            </a:prstGeom>
-            <a:solidFill>
-              <a:schemeClr val="accent1">
-                <a:alpha val="32653"/>
-              </a:schemeClr>
-            </a:solidFill>
-          </p:spPr>
-          <p:style>
-            <a:lnRef idx="2">
-              <a:schemeClr val="accent1">
-                <a:shade val="50000"/>
-              </a:schemeClr>
-            </a:lnRef>
-            <a:fillRef idx="1">
-              <a:schemeClr val="accent1"/>
-            </a:fillRef>
-            <a:effectRef idx="0">
-              <a:schemeClr val="accent1"/>
-            </a:effectRef>
-            <a:fontRef idx="minor">
-              <a:schemeClr val="lt1"/>
-            </a:fontRef>
-          </p:style>
-          <p:txBody>
-            <a:bodyPr rtlCol="0" anchor="ctr"/>
-            <a:lstStyle/>
-            <a:p>
-              <a:pPr algn="ctr"/>
-              <a:endParaRPr kumimoji="1" lang="zh-TW" altLang="en-US"/>
-            </a:p>
-          </p:txBody>
-        </p:sp>
-        <p:cxnSp>
-          <p:nvCxnSpPr>
-            <p:cNvPr id="16" name="直線接點 15">
-              <a:extLst>
-                <a:ext uri="{FF2B5EF4-FFF2-40B4-BE49-F238E27FC236}">
-                  <a16:creationId xmlns:a16="http://schemas.microsoft.com/office/drawing/2014/main" id="{14D3F5EF-5CFB-9743-1D48-E0D53A389E36}"/>
-                </a:ext>
-              </a:extLst>
-            </p:cNvPr>
-            <p:cNvCxnSpPr>
-              <a:cxnSpLocks/>
-            </p:cNvCxnSpPr>
-            <p:nvPr/>
-          </p:nvCxnSpPr>
-          <p:spPr>
-            <a:xfrm>
-              <a:off x="3205729" y="1409041"/>
-              <a:ext cx="0" cy="618826"/>
-            </a:xfrm>
-            <a:prstGeom prst="line">
-              <a:avLst/>
-            </a:prstGeom>
-            <a:ln w="12700">
-              <a:solidFill>
-                <a:srgbClr val="2F528F"/>
-              </a:solidFill>
-            </a:ln>
-          </p:spPr>
-          <p:style>
-            <a:lnRef idx="1">
-              <a:schemeClr val="accent1"/>
-            </a:lnRef>
-            <a:fillRef idx="0">
-              <a:schemeClr val="accent1"/>
-            </a:fillRef>
-            <a:effectRef idx="0">
-              <a:schemeClr val="accent1"/>
-            </a:effectRef>
-            <a:fontRef idx="minor">
-              <a:schemeClr val="tx1"/>
-            </a:fontRef>
-          </p:style>
-        </p:cxnSp>
-        <p:cxnSp>
-          <p:nvCxnSpPr>
-            <p:cNvPr id="18" name="直線接點 17">
-              <a:extLst>
-                <a:ext uri="{FF2B5EF4-FFF2-40B4-BE49-F238E27FC236}">
-                  <a16:creationId xmlns:a16="http://schemas.microsoft.com/office/drawing/2014/main" id="{547D0596-CFF3-BCDB-3B5F-6FD4F49241D6}"/>
-                </a:ext>
-              </a:extLst>
-            </p:cNvPr>
-            <p:cNvCxnSpPr>
-              <a:cxnSpLocks/>
-            </p:cNvCxnSpPr>
-            <p:nvPr/>
-          </p:nvCxnSpPr>
-          <p:spPr>
-            <a:xfrm flipH="1">
-              <a:off x="3205729" y="2027867"/>
-              <a:ext cx="1389" cy="762001"/>
-            </a:xfrm>
-            <a:prstGeom prst="line">
-              <a:avLst/>
-            </a:prstGeom>
-            <a:ln w="12700">
-              <a:prstDash val="dash"/>
-            </a:ln>
-          </p:spPr>
-          <p:style>
-            <a:lnRef idx="1">
-              <a:schemeClr val="accent1"/>
-            </a:lnRef>
-            <a:fillRef idx="0">
-              <a:schemeClr val="accent1"/>
-            </a:fillRef>
-            <a:effectRef idx="0">
-              <a:schemeClr val="accent1"/>
-            </a:effectRef>
-            <a:fontRef idx="minor">
-              <a:schemeClr val="tx1"/>
-            </a:fontRef>
-          </p:style>
-        </p:cxnSp>
-        <p:sp>
-          <p:nvSpPr>
-            <p:cNvPr id="14" name="三角形 13">
-              <a:extLst>
-                <a:ext uri="{FF2B5EF4-FFF2-40B4-BE49-F238E27FC236}">
-                  <a16:creationId xmlns:a16="http://schemas.microsoft.com/office/drawing/2014/main" id="{6BE62F75-345D-5778-08EB-4C8AD9759B83}"/>
-                </a:ext>
-              </a:extLst>
-            </p:cNvPr>
-            <p:cNvSpPr/>
-            <p:nvPr/>
-          </p:nvSpPr>
-          <p:spPr>
-            <a:xfrm>
-              <a:off x="2175281" y="1732308"/>
-              <a:ext cx="2770909" cy="1062180"/>
-            </a:xfrm>
-            <a:prstGeom prst="triangle">
-              <a:avLst>
-                <a:gd name="adj" fmla="val 13001"/>
-              </a:avLst>
-            </a:prstGeom>
-            <a:solidFill>
-              <a:srgbClr val="FF2600">
-                <a:alpha val="33000"/>
-              </a:srgbClr>
-            </a:solidFill>
-            <a:ln>
-              <a:solidFill>
-                <a:srgbClr val="C00000"/>
-              </a:solidFill>
-            </a:ln>
-          </p:spPr>
-          <p:style>
-            <a:lnRef idx="2">
-              <a:schemeClr val="accent1">
-                <a:shade val="50000"/>
-              </a:schemeClr>
-            </a:lnRef>
-            <a:fillRef idx="1">
-              <a:schemeClr val="accent1"/>
-            </a:fillRef>
-            <a:effectRef idx="0">
-              <a:schemeClr val="accent1"/>
-            </a:effectRef>
-            <a:fontRef idx="minor">
-              <a:schemeClr val="lt1"/>
-            </a:fontRef>
-          </p:style>
-          <p:txBody>
-            <a:bodyPr rtlCol="0" anchor="ctr"/>
-            <a:lstStyle/>
-            <a:p>
-              <a:pPr algn="ctr"/>
-              <a:endParaRPr kumimoji="1" lang="zh-TW" altLang="en-US" dirty="0"/>
-            </a:p>
-          </p:txBody>
-        </p:sp>
-        <p:cxnSp>
-          <p:nvCxnSpPr>
-            <p:cNvPr id="21" name="直線接點 20">
-              <a:extLst>
-                <a:ext uri="{FF2B5EF4-FFF2-40B4-BE49-F238E27FC236}">
-                  <a16:creationId xmlns:a16="http://schemas.microsoft.com/office/drawing/2014/main" id="{183DC315-ACE9-9E8C-CFB1-11ABD7638104}"/>
-                </a:ext>
-              </a:extLst>
-            </p:cNvPr>
-            <p:cNvCxnSpPr>
-              <a:stCxn id="14" idx="0"/>
-            </p:cNvCxnSpPr>
-            <p:nvPr/>
-          </p:nvCxnSpPr>
-          <p:spPr>
-            <a:xfrm>
-              <a:off x="2535527" y="1732308"/>
-              <a:ext cx="670202" cy="1057560"/>
-            </a:xfrm>
-            <a:prstGeom prst="line">
-              <a:avLst/>
-            </a:prstGeom>
-            <a:ln w="12700">
-              <a:solidFill>
-                <a:srgbClr val="C00000"/>
-              </a:solidFill>
-            </a:ln>
-          </p:spPr>
-          <p:style>
-            <a:lnRef idx="1">
-              <a:schemeClr val="accent1"/>
-            </a:lnRef>
-            <a:fillRef idx="0">
-              <a:schemeClr val="accent1"/>
-            </a:fillRef>
-            <a:effectRef idx="0">
-              <a:schemeClr val="accent1"/>
-            </a:effectRef>
-            <a:fontRef idx="minor">
-              <a:schemeClr val="tx1"/>
-            </a:fontRef>
-          </p:style>
-        </p:cxnSp>
-        <p:sp>
-          <p:nvSpPr>
-            <p:cNvPr id="22" name="弧線 21">
-              <a:extLst>
-                <a:ext uri="{FF2B5EF4-FFF2-40B4-BE49-F238E27FC236}">
-                  <a16:creationId xmlns:a16="http://schemas.microsoft.com/office/drawing/2014/main" id="{B64A0F94-1D27-44BB-4229-639297404B35}"/>
-                </a:ext>
-              </a:extLst>
-            </p:cNvPr>
-            <p:cNvSpPr/>
-            <p:nvPr/>
-          </p:nvSpPr>
-          <p:spPr>
-            <a:xfrm>
-              <a:off x="3007604" y="2311178"/>
-              <a:ext cx="371476" cy="346984"/>
-            </a:xfrm>
-            <a:prstGeom prst="arc">
-              <a:avLst>
-                <a:gd name="adj1" fmla="val 11131666"/>
-                <a:gd name="adj2" fmla="val 16253523"/>
-              </a:avLst>
-            </a:prstGeom>
-            <a:ln w="9525">
-              <a:solidFill>
-                <a:schemeClr val="tx1"/>
-              </a:solidFill>
-              <a:headEnd type="stealth"/>
-            </a:ln>
-          </p:spPr>
-          <p:style>
-            <a:lnRef idx="1">
-              <a:schemeClr val="accent1"/>
-            </a:lnRef>
-            <a:fillRef idx="0">
-              <a:schemeClr val="accent1"/>
-            </a:fillRef>
-            <a:effectRef idx="0">
-              <a:schemeClr val="accent1"/>
-            </a:effectRef>
-            <a:fontRef idx="minor">
-              <a:schemeClr val="tx1"/>
-            </a:fontRef>
-          </p:style>
-          <p:txBody>
-            <a:bodyPr rtlCol="0" anchor="ctr"/>
-            <a:lstStyle/>
-            <a:p>
-              <a:pPr algn="ctr"/>
-              <a:endParaRPr kumimoji="1" lang="zh-TW" altLang="en-US"/>
-            </a:p>
-          </p:txBody>
-        </p:sp>
-        <p:pic>
-          <p:nvPicPr>
-            <p:cNvPr id="26" name="圖片 25">
-              <a:extLst>
-                <a:ext uri="{FF2B5EF4-FFF2-40B4-BE49-F238E27FC236}">
-                  <a16:creationId xmlns:a16="http://schemas.microsoft.com/office/drawing/2014/main" id="{FF9127CF-837E-7111-D9C6-BF90A7C7EAB3}"/>
-                </a:ext>
-              </a:extLst>
-            </p:cNvPr>
-            <p:cNvPicPr>
-              <a:picLocks noChangeAspect="1"/>
-            </p:cNvPicPr>
-            <p:nvPr/>
-          </p:nvPicPr>
-          <p:blipFill>
-            <a:blip r:embed="rId2"/>
-            <a:stretch>
-              <a:fillRect/>
-            </a:stretch>
-          </p:blipFill>
-          <p:spPr>
-            <a:xfrm>
-              <a:off x="2986414" y="2131070"/>
-              <a:ext cx="101600" cy="177800"/>
-            </a:xfrm>
-            <a:prstGeom prst="rect">
-              <a:avLst/>
-            </a:prstGeom>
-          </p:spPr>
-        </p:pic>
-        <p:sp>
-          <p:nvSpPr>
-            <p:cNvPr id="28" name="文字方塊 27">
-              <a:extLst>
-                <a:ext uri="{FF2B5EF4-FFF2-40B4-BE49-F238E27FC236}">
-                  <a16:creationId xmlns:a16="http://schemas.microsoft.com/office/drawing/2014/main" id="{08855A70-AF64-E8FC-299B-A27258D6FE61}"/>
-                </a:ext>
-              </a:extLst>
-            </p:cNvPr>
-            <p:cNvSpPr txBox="1"/>
-            <p:nvPr/>
-          </p:nvSpPr>
-          <p:spPr>
-            <a:xfrm>
-              <a:off x="3960137" y="1732308"/>
-              <a:ext cx="276038" cy="307777"/>
-            </a:xfrm>
-            <a:prstGeom prst="rect">
-              <a:avLst/>
-            </a:prstGeom>
-            <a:noFill/>
-          </p:spPr>
-          <p:txBody>
-            <a:bodyPr wrap="none" rtlCol="0">
-              <a:spAutoFit/>
-            </a:bodyPr>
-            <a:lstStyle/>
-            <a:p>
-              <a:r>
-                <a:rPr kumimoji="1" lang="en-US" altLang="zh-TW" sz="1400" i="1" dirty="0">
-                  <a:solidFill>
-                    <a:schemeClr val="accent1">
-                      <a:lumMod val="50000"/>
-                    </a:schemeClr>
-                  </a:solidFill>
-                  <a:latin typeface="Minion Pro" panose="02040503050306020203" pitchFamily="18" charset="0"/>
-                </a:rPr>
-                <a:t>d</a:t>
-              </a:r>
-              <a:endParaRPr kumimoji="1" lang="zh-TW" altLang="en-US" i="1" dirty="0">
-                <a:solidFill>
-                  <a:schemeClr val="accent1">
-                    <a:lumMod val="50000"/>
-                  </a:schemeClr>
-                </a:solidFill>
-                <a:latin typeface="Minion Pro" panose="02040503050306020203" pitchFamily="18" charset="0"/>
-              </a:endParaRPr>
-            </a:p>
-          </p:txBody>
-        </p:sp>
-        <p:sp>
-          <p:nvSpPr>
-            <p:cNvPr id="29" name="文字方塊 28">
-              <a:extLst>
-                <a:ext uri="{FF2B5EF4-FFF2-40B4-BE49-F238E27FC236}">
-                  <a16:creationId xmlns:a16="http://schemas.microsoft.com/office/drawing/2014/main" id="{14739C9E-AE93-445A-6415-791549FFC8CE}"/>
-                </a:ext>
-              </a:extLst>
-            </p:cNvPr>
-            <p:cNvSpPr txBox="1"/>
-            <p:nvPr/>
-          </p:nvSpPr>
-          <p:spPr>
-            <a:xfrm>
-              <a:off x="2616998" y="1495424"/>
-              <a:ext cx="311304" cy="307777"/>
-            </a:xfrm>
-            <a:prstGeom prst="rect">
-              <a:avLst/>
-            </a:prstGeom>
-            <a:noFill/>
-          </p:spPr>
-          <p:txBody>
-            <a:bodyPr wrap="none" rtlCol="0">
-              <a:spAutoFit/>
-            </a:bodyPr>
-            <a:lstStyle/>
-            <a:p>
-              <a:r>
-                <a:rPr kumimoji="1" lang="en-US" altLang="zh-TW" sz="1400" i="1" dirty="0">
-                  <a:solidFill>
-                    <a:schemeClr val="accent1">
-                      <a:lumMod val="50000"/>
-                    </a:schemeClr>
-                  </a:solidFill>
-                  <a:latin typeface="Minion Pro" panose="02040503050306020203" pitchFamily="18" charset="0"/>
-                </a:rPr>
-                <a:t>D</a:t>
-              </a:r>
-              <a:endParaRPr kumimoji="1" lang="zh-TW" altLang="en-US" i="1" dirty="0">
-                <a:solidFill>
-                  <a:schemeClr val="accent1">
-                    <a:lumMod val="50000"/>
-                  </a:schemeClr>
-                </a:solidFill>
-                <a:latin typeface="Minion Pro" panose="02040503050306020203" pitchFamily="18" charset="0"/>
-              </a:endParaRPr>
-            </a:p>
-          </p:txBody>
-        </p:sp>
-        <p:cxnSp>
-          <p:nvCxnSpPr>
-            <p:cNvPr id="32" name="直線接點 31">
-              <a:extLst>
-                <a:ext uri="{FF2B5EF4-FFF2-40B4-BE49-F238E27FC236}">
-                  <a16:creationId xmlns:a16="http://schemas.microsoft.com/office/drawing/2014/main" id="{B9FED0C7-B067-0DF0-BF25-F34361D9BB20}"/>
-                </a:ext>
-              </a:extLst>
-            </p:cNvPr>
-            <p:cNvCxnSpPr>
-              <a:cxnSpLocks/>
-              <a:stCxn id="12" idx="0"/>
-            </p:cNvCxnSpPr>
-            <p:nvPr/>
-          </p:nvCxnSpPr>
-          <p:spPr>
-            <a:xfrm flipH="1">
-              <a:off x="2267929" y="1409041"/>
-              <a:ext cx="932588" cy="2431085"/>
-            </a:xfrm>
-            <a:prstGeom prst="line">
-              <a:avLst/>
-            </a:prstGeom>
-            <a:ln w="12700">
-              <a:solidFill>
-                <a:srgbClr val="2F528F"/>
-              </a:solidFill>
-            </a:ln>
-          </p:spPr>
-          <p:style>
-            <a:lnRef idx="1">
-              <a:schemeClr val="accent1"/>
-            </a:lnRef>
-            <a:fillRef idx="0">
-              <a:schemeClr val="accent1"/>
-            </a:fillRef>
-            <a:effectRef idx="0">
-              <a:schemeClr val="accent1"/>
-            </a:effectRef>
-            <a:fontRef idx="minor">
-              <a:schemeClr val="tx1"/>
-            </a:fontRef>
-          </p:style>
-        </p:cxnSp>
-        <p:cxnSp>
-          <p:nvCxnSpPr>
-            <p:cNvPr id="34" name="直線接點 33">
-              <a:extLst>
-                <a:ext uri="{FF2B5EF4-FFF2-40B4-BE49-F238E27FC236}">
-                  <a16:creationId xmlns:a16="http://schemas.microsoft.com/office/drawing/2014/main" id="{71CFD9F6-1E55-E6F4-324D-4A9A8BAE9E15}"/>
-                </a:ext>
-              </a:extLst>
-            </p:cNvPr>
-            <p:cNvCxnSpPr>
-              <a:cxnSpLocks/>
-            </p:cNvCxnSpPr>
-            <p:nvPr/>
-          </p:nvCxnSpPr>
-          <p:spPr>
-            <a:xfrm flipH="1">
-              <a:off x="2269318" y="1732308"/>
-              <a:ext cx="269299" cy="2107818"/>
-            </a:xfrm>
-            <a:prstGeom prst="line">
-              <a:avLst/>
-            </a:prstGeom>
-            <a:ln w="12700">
-              <a:solidFill>
-                <a:srgbClr val="C00000"/>
-              </a:solidFill>
-            </a:ln>
-          </p:spPr>
-          <p:style>
-            <a:lnRef idx="1">
-              <a:schemeClr val="accent1"/>
-            </a:lnRef>
-            <a:fillRef idx="0">
-              <a:schemeClr val="accent1"/>
-            </a:fillRef>
-            <a:effectRef idx="0">
-              <a:schemeClr val="accent1"/>
-            </a:effectRef>
-            <a:fontRef idx="minor">
-              <a:schemeClr val="tx1"/>
-            </a:fontRef>
-          </p:style>
-        </p:cxnSp>
-        <p:sp>
-          <p:nvSpPr>
-            <p:cNvPr id="37" name="文字方塊 36">
-              <a:extLst>
-                <a:ext uri="{FF2B5EF4-FFF2-40B4-BE49-F238E27FC236}">
-                  <a16:creationId xmlns:a16="http://schemas.microsoft.com/office/drawing/2014/main" id="{5D58791A-A901-2011-151F-4F474AD2C753}"/>
-                </a:ext>
-              </a:extLst>
-            </p:cNvPr>
-            <p:cNvSpPr txBox="1"/>
-            <p:nvPr/>
-          </p:nvSpPr>
-          <p:spPr>
-            <a:xfrm>
-              <a:off x="3182992" y="1791678"/>
-              <a:ext cx="276038" cy="307777"/>
-            </a:xfrm>
-            <a:prstGeom prst="rect">
-              <a:avLst/>
-            </a:prstGeom>
-            <a:noFill/>
-          </p:spPr>
-          <p:txBody>
-            <a:bodyPr wrap="none" rtlCol="0">
-              <a:spAutoFit/>
-            </a:bodyPr>
-            <a:lstStyle/>
-            <a:p>
-              <a:r>
-                <a:rPr kumimoji="1" lang="en-US" altLang="zh-TW" sz="1400" i="1" dirty="0">
-                  <a:solidFill>
-                    <a:schemeClr val="accent1">
-                      <a:lumMod val="50000"/>
-                    </a:schemeClr>
-                  </a:solidFill>
-                  <a:latin typeface="Minion Pro" panose="02040503050306020203" pitchFamily="18" charset="0"/>
-                </a:rPr>
-                <a:t>h</a:t>
-              </a:r>
-              <a:endParaRPr kumimoji="1" lang="zh-TW" altLang="en-US" i="1" dirty="0">
-                <a:solidFill>
-                  <a:schemeClr val="accent1">
-                    <a:lumMod val="50000"/>
-                  </a:schemeClr>
-                </a:solidFill>
-                <a:latin typeface="Minion Pro" panose="02040503050306020203" pitchFamily="18" charset="0"/>
-              </a:endParaRPr>
-            </a:p>
-          </p:txBody>
-        </p:sp>
-        <p:cxnSp>
-          <p:nvCxnSpPr>
-            <p:cNvPr id="39" name="直線接點 38">
-              <a:extLst>
-                <a:ext uri="{FF2B5EF4-FFF2-40B4-BE49-F238E27FC236}">
-                  <a16:creationId xmlns:a16="http://schemas.microsoft.com/office/drawing/2014/main" id="{15C69628-F719-0971-4EA7-52F7958FBEB6}"/>
-                </a:ext>
-              </a:extLst>
-            </p:cNvPr>
-            <p:cNvCxnSpPr/>
-            <p:nvPr/>
-          </p:nvCxnSpPr>
-          <p:spPr>
-            <a:xfrm flipH="1">
-              <a:off x="2267929" y="2794486"/>
-              <a:ext cx="939189" cy="1045640"/>
-            </a:xfrm>
-            <a:prstGeom prst="line">
-              <a:avLst/>
-            </a:prstGeom>
-            <a:ln w="12700">
-              <a:solidFill>
-                <a:schemeClr val="tx1">
-                  <a:lumMod val="75000"/>
-                  <a:lumOff val="25000"/>
-                </a:schemeClr>
-              </a:solidFill>
-            </a:ln>
-          </p:spPr>
-          <p:style>
-            <a:lnRef idx="1">
-              <a:schemeClr val="accent1"/>
-            </a:lnRef>
-            <a:fillRef idx="0">
-              <a:schemeClr val="accent1"/>
-            </a:fillRef>
-            <a:effectRef idx="0">
-              <a:schemeClr val="accent1"/>
-            </a:effectRef>
-            <a:fontRef idx="minor">
-              <a:schemeClr val="tx1"/>
-            </a:fontRef>
-          </p:style>
-        </p:cxnSp>
-        <p:sp>
-          <p:nvSpPr>
-            <p:cNvPr id="40" name="文字方塊 39">
-              <a:extLst>
-                <a:ext uri="{FF2B5EF4-FFF2-40B4-BE49-F238E27FC236}">
-                  <a16:creationId xmlns:a16="http://schemas.microsoft.com/office/drawing/2014/main" id="{CB4D4B2A-2373-401E-B788-1AE18348B19B}"/>
-                </a:ext>
-              </a:extLst>
-            </p:cNvPr>
-            <p:cNvSpPr txBox="1"/>
-            <p:nvPr/>
-          </p:nvSpPr>
-          <p:spPr>
-            <a:xfrm>
-              <a:off x="2083587" y="3855616"/>
-              <a:ext cx="306494" cy="307777"/>
-            </a:xfrm>
-            <a:prstGeom prst="rect">
-              <a:avLst/>
-            </a:prstGeom>
-            <a:noFill/>
-          </p:spPr>
-          <p:txBody>
-            <a:bodyPr wrap="none" rtlCol="0">
-              <a:spAutoFit/>
-            </a:bodyPr>
-            <a:lstStyle/>
-            <a:p>
-              <a:r>
-                <a:rPr kumimoji="1" lang="en-US" altLang="zh-TW" sz="1400" i="1" dirty="0">
-                  <a:solidFill>
-                    <a:schemeClr val="tx1">
-                      <a:lumMod val="85000"/>
-                      <a:lumOff val="15000"/>
-                    </a:schemeClr>
-                  </a:solidFill>
-                  <a:latin typeface="Minion Pro" panose="02040503050306020203" pitchFamily="18" charset="0"/>
-                </a:rPr>
-                <a:t>G</a:t>
-              </a:r>
-              <a:endParaRPr kumimoji="1" lang="zh-TW" altLang="en-US" i="1" dirty="0">
-                <a:solidFill>
-                  <a:schemeClr val="tx1">
-                    <a:lumMod val="85000"/>
-                    <a:lumOff val="15000"/>
-                  </a:schemeClr>
-                </a:solidFill>
-                <a:latin typeface="Minion Pro" panose="02040503050306020203" pitchFamily="18" charset="0"/>
-              </a:endParaRPr>
-            </a:p>
-          </p:txBody>
-        </p:sp>
-        <p:sp>
-          <p:nvSpPr>
-            <p:cNvPr id="41" name="文字方塊 40">
-              <a:extLst>
-                <a:ext uri="{FF2B5EF4-FFF2-40B4-BE49-F238E27FC236}">
-                  <a16:creationId xmlns:a16="http://schemas.microsoft.com/office/drawing/2014/main" id="{1B6BF431-844C-C460-BD1F-CD758472B5E3}"/>
-                </a:ext>
-              </a:extLst>
-            </p:cNvPr>
-            <p:cNvSpPr txBox="1"/>
-            <p:nvPr/>
-          </p:nvSpPr>
-          <p:spPr>
-            <a:xfrm>
-              <a:off x="1899425" y="2578635"/>
-              <a:ext cx="268022" cy="307777"/>
-            </a:xfrm>
-            <a:prstGeom prst="rect">
-              <a:avLst/>
-            </a:prstGeom>
-            <a:noFill/>
-          </p:spPr>
-          <p:txBody>
-            <a:bodyPr wrap="none" rtlCol="0">
-              <a:spAutoFit/>
-            </a:bodyPr>
-            <a:lstStyle/>
-            <a:p>
-              <a:r>
-                <a:rPr kumimoji="1" lang="en-US" altLang="zh-TW" sz="1400" i="1" dirty="0">
-                  <a:solidFill>
-                    <a:schemeClr val="tx1">
-                      <a:lumMod val="85000"/>
-                      <a:lumOff val="15000"/>
-                    </a:schemeClr>
-                  </a:solidFill>
-                  <a:latin typeface="Minion Pro" panose="02040503050306020203" pitchFamily="18" charset="0"/>
-                </a:rPr>
-                <a:t>S</a:t>
-              </a:r>
-              <a:endParaRPr kumimoji="1" lang="zh-TW" altLang="en-US" i="1" dirty="0">
-                <a:solidFill>
-                  <a:schemeClr val="tx1">
-                    <a:lumMod val="85000"/>
-                    <a:lumOff val="15000"/>
-                  </a:schemeClr>
-                </a:solidFill>
-                <a:latin typeface="Minion Pro" panose="02040503050306020203" pitchFamily="18" charset="0"/>
-              </a:endParaRPr>
-            </a:p>
-          </p:txBody>
-        </p:sp>
-        <p:sp>
-          <p:nvSpPr>
-            <p:cNvPr id="42" name="文字方塊 41">
-              <a:extLst>
-                <a:ext uri="{FF2B5EF4-FFF2-40B4-BE49-F238E27FC236}">
-                  <a16:creationId xmlns:a16="http://schemas.microsoft.com/office/drawing/2014/main" id="{3D23BDCE-484E-171F-4F99-B696FC3C56FB}"/>
-                </a:ext>
-              </a:extLst>
-            </p:cNvPr>
-            <p:cNvSpPr txBox="1"/>
-            <p:nvPr/>
-          </p:nvSpPr>
-          <p:spPr>
-            <a:xfrm>
-              <a:off x="4919421" y="2504273"/>
-              <a:ext cx="285656" cy="307777"/>
-            </a:xfrm>
-            <a:prstGeom prst="rect">
-              <a:avLst/>
-            </a:prstGeom>
-            <a:noFill/>
-          </p:spPr>
-          <p:txBody>
-            <a:bodyPr wrap="none" rtlCol="0">
-              <a:spAutoFit/>
-            </a:bodyPr>
-            <a:lstStyle/>
-            <a:p>
-              <a:r>
-                <a:rPr kumimoji="1" lang="en-US" altLang="zh-TW" sz="1400" i="1" dirty="0">
-                  <a:solidFill>
-                    <a:schemeClr val="tx1">
-                      <a:lumMod val="85000"/>
-                      <a:lumOff val="15000"/>
-                    </a:schemeClr>
-                  </a:solidFill>
-                  <a:latin typeface="Minion Pro" panose="02040503050306020203" pitchFamily="18" charset="0"/>
-                </a:rPr>
-                <a:t>E</a:t>
-              </a:r>
-              <a:endParaRPr kumimoji="1" lang="zh-TW" altLang="en-US" i="1" dirty="0">
-                <a:solidFill>
-                  <a:schemeClr val="tx1">
-                    <a:lumMod val="85000"/>
-                    <a:lumOff val="15000"/>
-                  </a:schemeClr>
-                </a:solidFill>
-                <a:latin typeface="Minion Pro" panose="02040503050306020203" pitchFamily="18" charset="0"/>
-              </a:endParaRPr>
-            </a:p>
-          </p:txBody>
-        </p:sp>
-        <p:cxnSp>
-          <p:nvCxnSpPr>
-            <p:cNvPr id="44" name="直線接點 43">
-              <a:extLst>
-                <a:ext uri="{FF2B5EF4-FFF2-40B4-BE49-F238E27FC236}">
-                  <a16:creationId xmlns:a16="http://schemas.microsoft.com/office/drawing/2014/main" id="{2AEE3A88-8A74-2964-1DBF-0D49E1613951}"/>
-                </a:ext>
-              </a:extLst>
-            </p:cNvPr>
-            <p:cNvCxnSpPr>
-              <a:cxnSpLocks/>
-            </p:cNvCxnSpPr>
-            <p:nvPr/>
-          </p:nvCxnSpPr>
-          <p:spPr>
-            <a:xfrm flipH="1">
-              <a:off x="2272819" y="2794485"/>
-              <a:ext cx="2673371" cy="1037372"/>
-            </a:xfrm>
-            <a:prstGeom prst="line">
-              <a:avLst/>
-            </a:prstGeom>
-            <a:ln w="12700">
-              <a:solidFill>
-                <a:schemeClr val="tx1">
-                  <a:lumMod val="75000"/>
-                  <a:lumOff val="25000"/>
-                </a:schemeClr>
-              </a:solidFill>
-            </a:ln>
-          </p:spPr>
-          <p:style>
-            <a:lnRef idx="1">
-              <a:schemeClr val="accent1"/>
-            </a:lnRef>
-            <a:fillRef idx="0">
-              <a:schemeClr val="accent1"/>
-            </a:fillRef>
-            <a:effectRef idx="0">
-              <a:schemeClr val="accent1"/>
-            </a:effectRef>
-            <a:fontRef idx="minor">
-              <a:schemeClr val="tx1"/>
-            </a:fontRef>
-          </p:style>
-        </p:cxnSp>
-        <p:pic>
-          <p:nvPicPr>
-            <p:cNvPr id="50" name="圖片 49">
-              <a:extLst>
-                <a:ext uri="{FF2B5EF4-FFF2-40B4-BE49-F238E27FC236}">
-                  <a16:creationId xmlns:a16="http://schemas.microsoft.com/office/drawing/2014/main" id="{6BA760D4-4393-53EF-A2DD-BDE84073BE6D}"/>
-                </a:ext>
-              </a:extLst>
-            </p:cNvPr>
-            <p:cNvPicPr>
-              <a:picLocks noChangeAspect="1"/>
-            </p:cNvPicPr>
-            <p:nvPr/>
-          </p:nvPicPr>
-          <p:blipFill>
-            <a:blip r:embed="rId3"/>
-            <a:stretch>
-              <a:fillRect/>
-            </a:stretch>
-          </p:blipFill>
-          <p:spPr>
-            <a:xfrm>
-              <a:off x="3655390" y="3375188"/>
-              <a:ext cx="241300" cy="165100"/>
-            </a:xfrm>
-            <a:prstGeom prst="rect">
-              <a:avLst/>
-            </a:prstGeom>
-          </p:spPr>
-        </p:pic>
-        <p:pic>
-          <p:nvPicPr>
-            <p:cNvPr id="51" name="圖片 50">
-              <a:extLst>
-                <a:ext uri="{FF2B5EF4-FFF2-40B4-BE49-F238E27FC236}">
-                  <a16:creationId xmlns:a16="http://schemas.microsoft.com/office/drawing/2014/main" id="{8AB8F27A-6C0B-4A8A-6AB0-76B80930B44F}"/>
-                </a:ext>
-              </a:extLst>
-            </p:cNvPr>
-            <p:cNvPicPr>
-              <a:picLocks noChangeAspect="1"/>
-            </p:cNvPicPr>
-            <p:nvPr/>
-          </p:nvPicPr>
-          <p:blipFill>
-            <a:blip r:embed="rId4"/>
-            <a:stretch>
-              <a:fillRect/>
-            </a:stretch>
-          </p:blipFill>
-          <p:spPr>
-            <a:xfrm>
-              <a:off x="2955918" y="3118780"/>
-              <a:ext cx="88900" cy="139700"/>
-            </a:xfrm>
-            <a:prstGeom prst="rect">
-              <a:avLst/>
-            </a:prstGeom>
-          </p:spPr>
-        </p:pic>
-        <p:sp>
-          <p:nvSpPr>
-            <p:cNvPr id="52" name="文字方塊 51">
-              <a:extLst>
-                <a:ext uri="{FF2B5EF4-FFF2-40B4-BE49-F238E27FC236}">
-                  <a16:creationId xmlns:a16="http://schemas.microsoft.com/office/drawing/2014/main" id="{EFDC0A2C-E9CB-F366-37D4-BD8EB7B4FE2A}"/>
-                </a:ext>
-              </a:extLst>
-            </p:cNvPr>
-            <p:cNvSpPr txBox="1"/>
-            <p:nvPr/>
-          </p:nvSpPr>
-          <p:spPr>
-            <a:xfrm>
-              <a:off x="2747999" y="2399855"/>
-              <a:ext cx="250390" cy="307777"/>
-            </a:xfrm>
-            <a:prstGeom prst="rect">
-              <a:avLst/>
-            </a:prstGeom>
-            <a:noFill/>
-          </p:spPr>
-          <p:txBody>
-            <a:bodyPr wrap="none" rtlCol="0">
-              <a:spAutoFit/>
-            </a:bodyPr>
-            <a:lstStyle/>
-            <a:p>
-              <a:r>
-                <a:rPr kumimoji="1" lang="en-US" altLang="zh-TW" sz="1400" i="1" dirty="0">
-                  <a:solidFill>
-                    <a:schemeClr val="accent1">
-                      <a:lumMod val="50000"/>
-                    </a:schemeClr>
-                  </a:solidFill>
-                  <a:latin typeface="Minion Pro" panose="02040503050306020203" pitchFamily="18" charset="0"/>
-                </a:rPr>
-                <a:t>r</a:t>
-              </a:r>
-              <a:endParaRPr kumimoji="1" lang="zh-TW" altLang="en-US" i="1" dirty="0">
-                <a:solidFill>
-                  <a:schemeClr val="accent1">
-                    <a:lumMod val="50000"/>
-                  </a:schemeClr>
-                </a:solidFill>
-                <a:latin typeface="Minion Pro" panose="02040503050306020203" pitchFamily="18" charset="0"/>
-              </a:endParaRPr>
-            </a:p>
-          </p:txBody>
-        </p:sp>
-        <p:sp>
-          <p:nvSpPr>
-            <p:cNvPr id="53" name="文字方塊 52">
-              <a:extLst>
-                <a:ext uri="{FF2B5EF4-FFF2-40B4-BE49-F238E27FC236}">
-                  <a16:creationId xmlns:a16="http://schemas.microsoft.com/office/drawing/2014/main" id="{3AFA6232-E515-32B6-19A2-917FC5963C7B}"/>
-                </a:ext>
-              </a:extLst>
-            </p:cNvPr>
-            <p:cNvSpPr txBox="1"/>
-            <p:nvPr/>
-          </p:nvSpPr>
-          <p:spPr>
-            <a:xfrm>
-              <a:off x="2113503" y="2841448"/>
-              <a:ext cx="290464" cy="307777"/>
-            </a:xfrm>
-            <a:prstGeom prst="rect">
-              <a:avLst/>
-            </a:prstGeom>
-            <a:noFill/>
-          </p:spPr>
-          <p:txBody>
-            <a:bodyPr wrap="none" rtlCol="0">
-              <a:spAutoFit/>
-            </a:bodyPr>
-            <a:lstStyle/>
-            <a:p>
-              <a:r>
-                <a:rPr kumimoji="1" lang="en-US" altLang="zh-TW" sz="1400" i="1" dirty="0">
-                  <a:solidFill>
-                    <a:srgbClr val="C00000"/>
-                  </a:solidFill>
-                  <a:latin typeface="Minion Pro" panose="02040503050306020203" pitchFamily="18" charset="0"/>
-                </a:rPr>
-                <a:t>r′</a:t>
-              </a:r>
-              <a:endParaRPr kumimoji="1" lang="zh-TW" altLang="en-US" i="1" dirty="0">
-                <a:solidFill>
-                  <a:srgbClr val="C00000"/>
-                </a:solidFill>
-                <a:latin typeface="Minion Pro" panose="02040503050306020203" pitchFamily="18" charset="0"/>
-              </a:endParaRPr>
-            </a:p>
-          </p:txBody>
-        </p:sp>
-      </p:grpSp>
-      <p:sp>
-        <p:nvSpPr>
-          <p:cNvPr id="58" name="三角形 57">
-            <a:extLst>
-              <a:ext uri="{FF2B5EF4-FFF2-40B4-BE49-F238E27FC236}">
-                <a16:creationId xmlns:a16="http://schemas.microsoft.com/office/drawing/2014/main" id="{9781865B-ACEA-E4F8-1091-7BFFE3C0C950}"/>
+        </p:nvCxnSpPr>
+        <p:spPr>
+          <a:xfrm flipV="1">
+            <a:off x="2175282" y="661736"/>
+            <a:ext cx="0" cy="2132750"/>
+          </a:xfrm>
+          <a:prstGeom prst="straightConnector1">
+            <a:avLst/>
+          </a:prstGeom>
+          <a:ln w="15875">
+            <a:headEnd w="lg" len="lg"/>
+            <a:tailEnd type="stealth" w="lg" len="lg"/>
+          </a:ln>
+        </p:spPr>
+        <p:style>
+          <a:lnRef idx="1">
+            <a:schemeClr val="dk1"/>
+          </a:lnRef>
+          <a:fillRef idx="0">
+            <a:schemeClr val="dk1"/>
+          </a:fillRef>
+          <a:effectRef idx="0">
+            <a:schemeClr val="dk1"/>
+          </a:effectRef>
+          <a:fontRef idx="minor">
+            <a:schemeClr val="tx1"/>
+          </a:fontRef>
+        </p:style>
+      </p:cxnSp>
+      <p:cxnSp>
+        <p:nvCxnSpPr>
+          <p:cNvPr id="7" name="直線箭頭接點 6">
+            <a:extLst>
+              <a:ext uri="{FF2B5EF4-FFF2-40B4-BE49-F238E27FC236}">
+                <a16:creationId xmlns:a16="http://schemas.microsoft.com/office/drawing/2014/main" id="{0C37EA49-E7A5-8B90-93E7-A941AE8E4CD5}"/>
+              </a:ext>
+            </a:extLst>
+          </p:cNvPr>
+          <p:cNvCxnSpPr>
+            <a:cxnSpLocks/>
+          </p:cNvCxnSpPr>
+          <p:nvPr/>
+        </p:nvCxnSpPr>
+        <p:spPr>
+          <a:xfrm>
+            <a:off x="2175282" y="2794486"/>
+            <a:ext cx="3431433" cy="0"/>
+          </a:xfrm>
+          <a:prstGeom prst="straightConnector1">
+            <a:avLst/>
+          </a:prstGeom>
+          <a:ln w="15875">
+            <a:headEnd w="lg" len="lg"/>
+            <a:tailEnd type="stealth" w="lg" len="lg"/>
+          </a:ln>
+        </p:spPr>
+        <p:style>
+          <a:lnRef idx="1">
+            <a:schemeClr val="dk1"/>
+          </a:lnRef>
+          <a:fillRef idx="0">
+            <a:schemeClr val="dk1"/>
+          </a:fillRef>
+          <a:effectRef idx="0">
+            <a:schemeClr val="dk1"/>
+          </a:effectRef>
+          <a:fontRef idx="minor">
+            <a:schemeClr val="tx1"/>
+          </a:fontRef>
+        </p:style>
+      </p:cxnSp>
+      <p:cxnSp>
+        <p:nvCxnSpPr>
+          <p:cNvPr id="10" name="直線箭頭接點 9">
+            <a:extLst>
+              <a:ext uri="{FF2B5EF4-FFF2-40B4-BE49-F238E27FC236}">
+                <a16:creationId xmlns:a16="http://schemas.microsoft.com/office/drawing/2014/main" id="{BA36330D-EA9A-DD8A-7BFB-1C2CC09E2FC4}"/>
+              </a:ext>
+            </a:extLst>
+          </p:cNvPr>
+          <p:cNvCxnSpPr>
+            <a:cxnSpLocks/>
+          </p:cNvCxnSpPr>
+          <p:nvPr/>
+        </p:nvCxnSpPr>
+        <p:spPr>
+          <a:xfrm flipH="1">
+            <a:off x="1127292" y="2789868"/>
+            <a:ext cx="1047990" cy="1219636"/>
+          </a:xfrm>
+          <a:prstGeom prst="straightConnector1">
+            <a:avLst/>
+          </a:prstGeom>
+          <a:ln w="15875">
+            <a:headEnd w="lg" len="lg"/>
+            <a:tailEnd type="stealth" w="lg" len="lg"/>
+          </a:ln>
+        </p:spPr>
+        <p:style>
+          <a:lnRef idx="1">
+            <a:schemeClr val="dk1"/>
+          </a:lnRef>
+          <a:fillRef idx="0">
+            <a:schemeClr val="dk1"/>
+          </a:fillRef>
+          <a:effectRef idx="0">
+            <a:schemeClr val="dk1"/>
+          </a:effectRef>
+          <a:fontRef idx="minor">
+            <a:schemeClr val="tx1"/>
+          </a:fontRef>
+        </p:style>
+      </p:cxnSp>
+      <p:sp>
+        <p:nvSpPr>
+          <p:cNvPr id="12" name="三角形 11">
+            <a:extLst>
+              <a:ext uri="{FF2B5EF4-FFF2-40B4-BE49-F238E27FC236}">
+                <a16:creationId xmlns:a16="http://schemas.microsoft.com/office/drawing/2014/main" id="{7435879D-D981-A871-6756-25D5F9D58DC1}"/>
               </a:ext>
             </a:extLst>
           </p:cNvPr>
@@ -4442,8 +3461,8 @@
         </p:nvSpPr>
         <p:spPr>
           <a:xfrm>
-            <a:off x="6215364" y="1155061"/>
-            <a:ext cx="1954602" cy="974037"/>
+            <a:off x="2175281" y="1409041"/>
+            <a:ext cx="2770909" cy="1380828"/>
           </a:xfrm>
           <a:prstGeom prst="triangle">
             <a:avLst>
@@ -4481,6 +3500,2500 @@
           </a:p>
         </p:txBody>
       </p:sp>
+      <p:cxnSp>
+        <p:nvCxnSpPr>
+          <p:cNvPr id="16" name="直線接點 15">
+            <a:extLst>
+              <a:ext uri="{FF2B5EF4-FFF2-40B4-BE49-F238E27FC236}">
+                <a16:creationId xmlns:a16="http://schemas.microsoft.com/office/drawing/2014/main" id="{14D3F5EF-5CFB-9743-1D48-E0D53A389E36}"/>
+              </a:ext>
+            </a:extLst>
+          </p:cNvPr>
+          <p:cNvCxnSpPr>
+            <a:cxnSpLocks/>
+          </p:cNvCxnSpPr>
+          <p:nvPr/>
+        </p:nvCxnSpPr>
+        <p:spPr>
+          <a:xfrm>
+            <a:off x="3205729" y="1409041"/>
+            <a:ext cx="0" cy="618826"/>
+          </a:xfrm>
+          <a:prstGeom prst="line">
+            <a:avLst/>
+          </a:prstGeom>
+          <a:ln w="12700">
+            <a:solidFill>
+              <a:srgbClr val="2F528F"/>
+            </a:solidFill>
+          </a:ln>
+        </p:spPr>
+        <p:style>
+          <a:lnRef idx="1">
+            <a:schemeClr val="accent1"/>
+          </a:lnRef>
+          <a:fillRef idx="0">
+            <a:schemeClr val="accent1"/>
+          </a:fillRef>
+          <a:effectRef idx="0">
+            <a:schemeClr val="accent1"/>
+          </a:effectRef>
+          <a:fontRef idx="minor">
+            <a:schemeClr val="tx1"/>
+          </a:fontRef>
+        </p:style>
+      </p:cxnSp>
+      <p:cxnSp>
+        <p:nvCxnSpPr>
+          <p:cNvPr id="18" name="直線接點 17">
+            <a:extLst>
+              <a:ext uri="{FF2B5EF4-FFF2-40B4-BE49-F238E27FC236}">
+                <a16:creationId xmlns:a16="http://schemas.microsoft.com/office/drawing/2014/main" id="{547D0596-CFF3-BCDB-3B5F-6FD4F49241D6}"/>
+              </a:ext>
+            </a:extLst>
+          </p:cNvPr>
+          <p:cNvCxnSpPr>
+            <a:cxnSpLocks/>
+          </p:cNvCxnSpPr>
+          <p:nvPr/>
+        </p:nvCxnSpPr>
+        <p:spPr>
+          <a:xfrm flipH="1">
+            <a:off x="3205729" y="2027867"/>
+            <a:ext cx="1389" cy="762001"/>
+          </a:xfrm>
+          <a:prstGeom prst="line">
+            <a:avLst/>
+          </a:prstGeom>
+          <a:ln w="12700">
+            <a:prstDash val="dash"/>
+          </a:ln>
+        </p:spPr>
+        <p:style>
+          <a:lnRef idx="1">
+            <a:schemeClr val="accent1"/>
+          </a:lnRef>
+          <a:fillRef idx="0">
+            <a:schemeClr val="accent1"/>
+          </a:fillRef>
+          <a:effectRef idx="0">
+            <a:schemeClr val="accent1"/>
+          </a:effectRef>
+          <a:fontRef idx="minor">
+            <a:schemeClr val="tx1"/>
+          </a:fontRef>
+        </p:style>
+      </p:cxnSp>
+      <p:sp>
+        <p:nvSpPr>
+          <p:cNvPr id="14" name="三角形 13">
+            <a:extLst>
+              <a:ext uri="{FF2B5EF4-FFF2-40B4-BE49-F238E27FC236}">
+                <a16:creationId xmlns:a16="http://schemas.microsoft.com/office/drawing/2014/main" id="{6BE62F75-345D-5778-08EB-4C8AD9759B83}"/>
+              </a:ext>
+            </a:extLst>
+          </p:cNvPr>
+          <p:cNvSpPr/>
+          <p:nvPr/>
+        </p:nvSpPr>
+        <p:spPr>
+          <a:xfrm>
+            <a:off x="2175281" y="1732308"/>
+            <a:ext cx="2770909" cy="1062180"/>
+          </a:xfrm>
+          <a:prstGeom prst="triangle">
+            <a:avLst>
+              <a:gd name="adj" fmla="val 13001"/>
+            </a:avLst>
+          </a:prstGeom>
+          <a:solidFill>
+            <a:srgbClr val="FF2600">
+              <a:alpha val="33000"/>
+            </a:srgbClr>
+          </a:solidFill>
+          <a:ln>
+            <a:solidFill>
+              <a:srgbClr val="C00000"/>
+            </a:solidFill>
+          </a:ln>
+        </p:spPr>
+        <p:style>
+          <a:lnRef idx="2">
+            <a:schemeClr val="accent1">
+              <a:shade val="50000"/>
+            </a:schemeClr>
+          </a:lnRef>
+          <a:fillRef idx="1">
+            <a:schemeClr val="accent1"/>
+          </a:fillRef>
+          <a:effectRef idx="0">
+            <a:schemeClr val="accent1"/>
+          </a:effectRef>
+          <a:fontRef idx="minor">
+            <a:schemeClr val="lt1"/>
+          </a:fontRef>
+        </p:style>
+        <p:txBody>
+          <a:bodyPr rtlCol="0" anchor="ctr"/>
+          <a:lstStyle/>
+          <a:p>
+            <a:pPr algn="ctr"/>
+            <a:endParaRPr kumimoji="1" lang="zh-TW" altLang="en-US" dirty="0"/>
+          </a:p>
+        </p:txBody>
+      </p:sp>
+      <p:cxnSp>
+        <p:nvCxnSpPr>
+          <p:cNvPr id="21" name="直線接點 20">
+            <a:extLst>
+              <a:ext uri="{FF2B5EF4-FFF2-40B4-BE49-F238E27FC236}">
+                <a16:creationId xmlns:a16="http://schemas.microsoft.com/office/drawing/2014/main" id="{183DC315-ACE9-9E8C-CFB1-11ABD7638104}"/>
+              </a:ext>
+            </a:extLst>
+          </p:cNvPr>
+          <p:cNvCxnSpPr>
+            <a:stCxn id="14" idx="0"/>
+          </p:cNvCxnSpPr>
+          <p:nvPr/>
+        </p:nvCxnSpPr>
+        <p:spPr>
+          <a:xfrm>
+            <a:off x="2535527" y="1732308"/>
+            <a:ext cx="670202" cy="1057560"/>
+          </a:xfrm>
+          <a:prstGeom prst="line">
+            <a:avLst/>
+          </a:prstGeom>
+          <a:ln w="12700">
+            <a:solidFill>
+              <a:srgbClr val="C00000"/>
+            </a:solidFill>
+          </a:ln>
+        </p:spPr>
+        <p:style>
+          <a:lnRef idx="1">
+            <a:schemeClr val="accent1"/>
+          </a:lnRef>
+          <a:fillRef idx="0">
+            <a:schemeClr val="accent1"/>
+          </a:fillRef>
+          <a:effectRef idx="0">
+            <a:schemeClr val="accent1"/>
+          </a:effectRef>
+          <a:fontRef idx="minor">
+            <a:schemeClr val="tx1"/>
+          </a:fontRef>
+        </p:style>
+      </p:cxnSp>
+      <p:sp>
+        <p:nvSpPr>
+          <p:cNvPr id="22" name="弧線 21">
+            <a:extLst>
+              <a:ext uri="{FF2B5EF4-FFF2-40B4-BE49-F238E27FC236}">
+                <a16:creationId xmlns:a16="http://schemas.microsoft.com/office/drawing/2014/main" id="{B64A0F94-1D27-44BB-4229-639297404B35}"/>
+              </a:ext>
+            </a:extLst>
+          </p:cNvPr>
+          <p:cNvSpPr/>
+          <p:nvPr/>
+        </p:nvSpPr>
+        <p:spPr>
+          <a:xfrm>
+            <a:off x="3007604" y="2311178"/>
+            <a:ext cx="371476" cy="346984"/>
+          </a:xfrm>
+          <a:prstGeom prst="arc">
+            <a:avLst>
+              <a:gd name="adj1" fmla="val 11131666"/>
+              <a:gd name="adj2" fmla="val 16253523"/>
+            </a:avLst>
+          </a:prstGeom>
+          <a:ln w="12700">
+            <a:solidFill>
+              <a:schemeClr val="tx1"/>
+            </a:solidFill>
+            <a:headEnd type="stealth"/>
+          </a:ln>
+        </p:spPr>
+        <p:style>
+          <a:lnRef idx="1">
+            <a:schemeClr val="accent1"/>
+          </a:lnRef>
+          <a:fillRef idx="0">
+            <a:schemeClr val="accent1"/>
+          </a:fillRef>
+          <a:effectRef idx="0">
+            <a:schemeClr val="accent1"/>
+          </a:effectRef>
+          <a:fontRef idx="minor">
+            <a:schemeClr val="tx1"/>
+          </a:fontRef>
+        </p:style>
+        <p:txBody>
+          <a:bodyPr rtlCol="0" anchor="ctr"/>
+          <a:lstStyle/>
+          <a:p>
+            <a:pPr algn="ctr"/>
+            <a:endParaRPr kumimoji="1" lang="zh-TW" altLang="en-US"/>
+          </a:p>
+        </p:txBody>
+      </p:sp>
+      <p:pic>
+        <p:nvPicPr>
+          <p:cNvPr id="26" name="圖片 25">
+            <a:extLst>
+              <a:ext uri="{FF2B5EF4-FFF2-40B4-BE49-F238E27FC236}">
+                <a16:creationId xmlns:a16="http://schemas.microsoft.com/office/drawing/2014/main" id="{FF9127CF-837E-7111-D9C6-BF90A7C7EAB3}"/>
+              </a:ext>
+            </a:extLst>
+          </p:cNvPr>
+          <p:cNvPicPr>
+            <a:picLocks noChangeAspect="1"/>
+          </p:cNvPicPr>
+          <p:nvPr/>
+        </p:nvPicPr>
+        <p:blipFill>
+          <a:blip r:embed="rId2"/>
+          <a:stretch>
+            <a:fillRect/>
+          </a:stretch>
+        </p:blipFill>
+        <p:spPr>
+          <a:xfrm>
+            <a:off x="2986414" y="2131070"/>
+            <a:ext cx="101600" cy="177800"/>
+          </a:xfrm>
+          <a:prstGeom prst="rect">
+            <a:avLst/>
+          </a:prstGeom>
+        </p:spPr>
+      </p:pic>
+      <p:sp>
+        <p:nvSpPr>
+          <p:cNvPr id="28" name="文字方塊 27">
+            <a:extLst>
+              <a:ext uri="{FF2B5EF4-FFF2-40B4-BE49-F238E27FC236}">
+                <a16:creationId xmlns:a16="http://schemas.microsoft.com/office/drawing/2014/main" id="{08855A70-AF64-E8FC-299B-A27258D6FE61}"/>
+              </a:ext>
+            </a:extLst>
+          </p:cNvPr>
+          <p:cNvSpPr txBox="1"/>
+          <p:nvPr/>
+        </p:nvSpPr>
+        <p:spPr>
+          <a:xfrm>
+            <a:off x="3960137" y="1732308"/>
+            <a:ext cx="276038" cy="307777"/>
+          </a:xfrm>
+          <a:prstGeom prst="rect">
+            <a:avLst/>
+          </a:prstGeom>
+          <a:noFill/>
+        </p:spPr>
+        <p:txBody>
+          <a:bodyPr wrap="none" rtlCol="0">
+            <a:spAutoFit/>
+          </a:bodyPr>
+          <a:lstStyle/>
+          <a:p>
+            <a:r>
+              <a:rPr kumimoji="1" lang="en-US" altLang="zh-TW" sz="1400" i="1" dirty="0">
+                <a:solidFill>
+                  <a:schemeClr val="accent1">
+                    <a:lumMod val="50000"/>
+                  </a:schemeClr>
+                </a:solidFill>
+                <a:latin typeface="Minion Pro" panose="02040503050306020203" pitchFamily="18" charset="0"/>
+              </a:rPr>
+              <a:t>d</a:t>
+            </a:r>
+            <a:endParaRPr kumimoji="1" lang="zh-TW" altLang="en-US" i="1" dirty="0">
+              <a:solidFill>
+                <a:schemeClr val="accent1">
+                  <a:lumMod val="50000"/>
+                </a:schemeClr>
+              </a:solidFill>
+              <a:latin typeface="Minion Pro" panose="02040503050306020203" pitchFamily="18" charset="0"/>
+            </a:endParaRPr>
+          </a:p>
+        </p:txBody>
+      </p:sp>
+      <p:sp>
+        <p:nvSpPr>
+          <p:cNvPr id="29" name="文字方塊 28">
+            <a:extLst>
+              <a:ext uri="{FF2B5EF4-FFF2-40B4-BE49-F238E27FC236}">
+                <a16:creationId xmlns:a16="http://schemas.microsoft.com/office/drawing/2014/main" id="{14739C9E-AE93-445A-6415-791549FFC8CE}"/>
+              </a:ext>
+            </a:extLst>
+          </p:cNvPr>
+          <p:cNvSpPr txBox="1"/>
+          <p:nvPr/>
+        </p:nvSpPr>
+        <p:spPr>
+          <a:xfrm>
+            <a:off x="2616998" y="1495424"/>
+            <a:ext cx="311304" cy="307777"/>
+          </a:xfrm>
+          <a:prstGeom prst="rect">
+            <a:avLst/>
+          </a:prstGeom>
+          <a:noFill/>
+        </p:spPr>
+        <p:txBody>
+          <a:bodyPr wrap="none" rtlCol="0">
+            <a:spAutoFit/>
+          </a:bodyPr>
+          <a:lstStyle/>
+          <a:p>
+            <a:r>
+              <a:rPr kumimoji="1" lang="en-US" altLang="zh-TW" sz="1400" i="1" dirty="0">
+                <a:solidFill>
+                  <a:schemeClr val="accent1">
+                    <a:lumMod val="50000"/>
+                  </a:schemeClr>
+                </a:solidFill>
+                <a:latin typeface="Minion Pro" panose="02040503050306020203" pitchFamily="18" charset="0"/>
+              </a:rPr>
+              <a:t>D</a:t>
+            </a:r>
+            <a:endParaRPr kumimoji="1" lang="zh-TW" altLang="en-US" i="1" dirty="0">
+              <a:solidFill>
+                <a:schemeClr val="accent1">
+                  <a:lumMod val="50000"/>
+                </a:schemeClr>
+              </a:solidFill>
+              <a:latin typeface="Minion Pro" panose="02040503050306020203" pitchFamily="18" charset="0"/>
+            </a:endParaRPr>
+          </a:p>
+        </p:txBody>
+      </p:sp>
+      <p:cxnSp>
+        <p:nvCxnSpPr>
+          <p:cNvPr id="32" name="直線接點 31">
+            <a:extLst>
+              <a:ext uri="{FF2B5EF4-FFF2-40B4-BE49-F238E27FC236}">
+                <a16:creationId xmlns:a16="http://schemas.microsoft.com/office/drawing/2014/main" id="{B9FED0C7-B067-0DF0-BF25-F34361D9BB20}"/>
+              </a:ext>
+            </a:extLst>
+          </p:cNvPr>
+          <p:cNvCxnSpPr>
+            <a:cxnSpLocks/>
+            <a:stCxn id="12" idx="0"/>
+          </p:cNvCxnSpPr>
+          <p:nvPr/>
+        </p:nvCxnSpPr>
+        <p:spPr>
+          <a:xfrm flipH="1">
+            <a:off x="2267929" y="1409041"/>
+            <a:ext cx="932588" cy="2431085"/>
+          </a:xfrm>
+          <a:prstGeom prst="line">
+            <a:avLst/>
+          </a:prstGeom>
+          <a:ln w="12700">
+            <a:solidFill>
+              <a:srgbClr val="2F528F"/>
+            </a:solidFill>
+          </a:ln>
+        </p:spPr>
+        <p:style>
+          <a:lnRef idx="1">
+            <a:schemeClr val="accent1"/>
+          </a:lnRef>
+          <a:fillRef idx="0">
+            <a:schemeClr val="accent1"/>
+          </a:fillRef>
+          <a:effectRef idx="0">
+            <a:schemeClr val="accent1"/>
+          </a:effectRef>
+          <a:fontRef idx="minor">
+            <a:schemeClr val="tx1"/>
+          </a:fontRef>
+        </p:style>
+      </p:cxnSp>
+      <p:cxnSp>
+        <p:nvCxnSpPr>
+          <p:cNvPr id="34" name="直線接點 33">
+            <a:extLst>
+              <a:ext uri="{FF2B5EF4-FFF2-40B4-BE49-F238E27FC236}">
+                <a16:creationId xmlns:a16="http://schemas.microsoft.com/office/drawing/2014/main" id="{71CFD9F6-1E55-E6F4-324D-4A9A8BAE9E15}"/>
+              </a:ext>
+            </a:extLst>
+          </p:cNvPr>
+          <p:cNvCxnSpPr>
+            <a:cxnSpLocks/>
+          </p:cNvCxnSpPr>
+          <p:nvPr/>
+        </p:nvCxnSpPr>
+        <p:spPr>
+          <a:xfrm flipH="1">
+            <a:off x="2269318" y="1732308"/>
+            <a:ext cx="269299" cy="2107818"/>
+          </a:xfrm>
+          <a:prstGeom prst="line">
+            <a:avLst/>
+          </a:prstGeom>
+          <a:ln w="12700">
+            <a:solidFill>
+              <a:srgbClr val="C00000"/>
+            </a:solidFill>
+          </a:ln>
+        </p:spPr>
+        <p:style>
+          <a:lnRef idx="1">
+            <a:schemeClr val="accent1"/>
+          </a:lnRef>
+          <a:fillRef idx="0">
+            <a:schemeClr val="accent1"/>
+          </a:fillRef>
+          <a:effectRef idx="0">
+            <a:schemeClr val="accent1"/>
+          </a:effectRef>
+          <a:fontRef idx="minor">
+            <a:schemeClr val="tx1"/>
+          </a:fontRef>
+        </p:style>
+      </p:cxnSp>
+      <p:sp>
+        <p:nvSpPr>
+          <p:cNvPr id="37" name="文字方塊 36">
+            <a:extLst>
+              <a:ext uri="{FF2B5EF4-FFF2-40B4-BE49-F238E27FC236}">
+                <a16:creationId xmlns:a16="http://schemas.microsoft.com/office/drawing/2014/main" id="{5D58791A-A901-2011-151F-4F474AD2C753}"/>
+              </a:ext>
+            </a:extLst>
+          </p:cNvPr>
+          <p:cNvSpPr txBox="1"/>
+          <p:nvPr/>
+        </p:nvSpPr>
+        <p:spPr>
+          <a:xfrm>
+            <a:off x="3182992" y="1791678"/>
+            <a:ext cx="276038" cy="307777"/>
+          </a:xfrm>
+          <a:prstGeom prst="rect">
+            <a:avLst/>
+          </a:prstGeom>
+          <a:noFill/>
+        </p:spPr>
+        <p:txBody>
+          <a:bodyPr wrap="none" rtlCol="0">
+            <a:spAutoFit/>
+          </a:bodyPr>
+          <a:lstStyle/>
+          <a:p>
+            <a:r>
+              <a:rPr kumimoji="1" lang="en-US" altLang="zh-TW" sz="1400" i="1" dirty="0">
+                <a:solidFill>
+                  <a:schemeClr val="accent1">
+                    <a:lumMod val="50000"/>
+                  </a:schemeClr>
+                </a:solidFill>
+                <a:latin typeface="Minion Pro" panose="02040503050306020203" pitchFamily="18" charset="0"/>
+              </a:rPr>
+              <a:t>h</a:t>
+            </a:r>
+            <a:endParaRPr kumimoji="1" lang="zh-TW" altLang="en-US" i="1" dirty="0">
+              <a:solidFill>
+                <a:schemeClr val="accent1">
+                  <a:lumMod val="50000"/>
+                </a:schemeClr>
+              </a:solidFill>
+              <a:latin typeface="Minion Pro" panose="02040503050306020203" pitchFamily="18" charset="0"/>
+            </a:endParaRPr>
+          </a:p>
+        </p:txBody>
+      </p:sp>
+      <p:cxnSp>
+        <p:nvCxnSpPr>
+          <p:cNvPr id="39" name="直線接點 38">
+            <a:extLst>
+              <a:ext uri="{FF2B5EF4-FFF2-40B4-BE49-F238E27FC236}">
+                <a16:creationId xmlns:a16="http://schemas.microsoft.com/office/drawing/2014/main" id="{15C69628-F719-0971-4EA7-52F7958FBEB6}"/>
+              </a:ext>
+            </a:extLst>
+          </p:cNvPr>
+          <p:cNvCxnSpPr/>
+          <p:nvPr/>
+        </p:nvCxnSpPr>
+        <p:spPr>
+          <a:xfrm flipH="1">
+            <a:off x="2267929" y="2794486"/>
+            <a:ext cx="939189" cy="1045640"/>
+          </a:xfrm>
+          <a:prstGeom prst="line">
+            <a:avLst/>
+          </a:prstGeom>
+          <a:ln w="12700">
+            <a:solidFill>
+              <a:schemeClr val="tx1">
+                <a:lumMod val="75000"/>
+                <a:lumOff val="25000"/>
+              </a:schemeClr>
+            </a:solidFill>
+          </a:ln>
+        </p:spPr>
+        <p:style>
+          <a:lnRef idx="1">
+            <a:schemeClr val="accent1"/>
+          </a:lnRef>
+          <a:fillRef idx="0">
+            <a:schemeClr val="accent1"/>
+          </a:fillRef>
+          <a:effectRef idx="0">
+            <a:schemeClr val="accent1"/>
+          </a:effectRef>
+          <a:fontRef idx="minor">
+            <a:schemeClr val="tx1"/>
+          </a:fontRef>
+        </p:style>
+      </p:cxnSp>
+      <p:sp>
+        <p:nvSpPr>
+          <p:cNvPr id="40" name="文字方塊 39">
+            <a:extLst>
+              <a:ext uri="{FF2B5EF4-FFF2-40B4-BE49-F238E27FC236}">
+                <a16:creationId xmlns:a16="http://schemas.microsoft.com/office/drawing/2014/main" id="{CB4D4B2A-2373-401E-B788-1AE18348B19B}"/>
+              </a:ext>
+            </a:extLst>
+          </p:cNvPr>
+          <p:cNvSpPr txBox="1"/>
+          <p:nvPr/>
+        </p:nvSpPr>
+        <p:spPr>
+          <a:xfrm>
+            <a:off x="2083587" y="3855616"/>
+            <a:ext cx="306494" cy="307777"/>
+          </a:xfrm>
+          <a:prstGeom prst="rect">
+            <a:avLst/>
+          </a:prstGeom>
+          <a:noFill/>
+        </p:spPr>
+        <p:txBody>
+          <a:bodyPr wrap="none" rtlCol="0">
+            <a:spAutoFit/>
+          </a:bodyPr>
+          <a:lstStyle/>
+          <a:p>
+            <a:r>
+              <a:rPr kumimoji="1" lang="en-US" altLang="zh-TW" sz="1400" i="1" dirty="0">
+                <a:solidFill>
+                  <a:schemeClr val="tx1">
+                    <a:lumMod val="85000"/>
+                    <a:lumOff val="15000"/>
+                  </a:schemeClr>
+                </a:solidFill>
+                <a:latin typeface="Minion Pro" panose="02040503050306020203" pitchFamily="18" charset="0"/>
+              </a:rPr>
+              <a:t>G</a:t>
+            </a:r>
+            <a:endParaRPr kumimoji="1" lang="zh-TW" altLang="en-US" i="1" dirty="0">
+              <a:solidFill>
+                <a:schemeClr val="tx1">
+                  <a:lumMod val="85000"/>
+                  <a:lumOff val="15000"/>
+                </a:schemeClr>
+              </a:solidFill>
+              <a:latin typeface="Minion Pro" panose="02040503050306020203" pitchFamily="18" charset="0"/>
+            </a:endParaRPr>
+          </a:p>
+        </p:txBody>
+      </p:sp>
+      <p:sp>
+        <p:nvSpPr>
+          <p:cNvPr id="41" name="文字方塊 40">
+            <a:extLst>
+              <a:ext uri="{FF2B5EF4-FFF2-40B4-BE49-F238E27FC236}">
+                <a16:creationId xmlns:a16="http://schemas.microsoft.com/office/drawing/2014/main" id="{1B6BF431-844C-C460-BD1F-CD758472B5E3}"/>
+              </a:ext>
+            </a:extLst>
+          </p:cNvPr>
+          <p:cNvSpPr txBox="1"/>
+          <p:nvPr/>
+        </p:nvSpPr>
+        <p:spPr>
+          <a:xfrm>
+            <a:off x="1899425" y="2578635"/>
+            <a:ext cx="268022" cy="307777"/>
+          </a:xfrm>
+          <a:prstGeom prst="rect">
+            <a:avLst/>
+          </a:prstGeom>
+          <a:noFill/>
+        </p:spPr>
+        <p:txBody>
+          <a:bodyPr wrap="none" rtlCol="0">
+            <a:spAutoFit/>
+          </a:bodyPr>
+          <a:lstStyle/>
+          <a:p>
+            <a:r>
+              <a:rPr kumimoji="1" lang="en-US" altLang="zh-TW" sz="1400" i="1" dirty="0">
+                <a:solidFill>
+                  <a:schemeClr val="tx1">
+                    <a:lumMod val="85000"/>
+                    <a:lumOff val="15000"/>
+                  </a:schemeClr>
+                </a:solidFill>
+                <a:latin typeface="Minion Pro" panose="02040503050306020203" pitchFamily="18" charset="0"/>
+              </a:rPr>
+              <a:t>S</a:t>
+            </a:r>
+            <a:endParaRPr kumimoji="1" lang="zh-TW" altLang="en-US" i="1" dirty="0">
+              <a:solidFill>
+                <a:schemeClr val="tx1">
+                  <a:lumMod val="85000"/>
+                  <a:lumOff val="15000"/>
+                </a:schemeClr>
+              </a:solidFill>
+              <a:latin typeface="Minion Pro" panose="02040503050306020203" pitchFamily="18" charset="0"/>
+            </a:endParaRPr>
+          </a:p>
+        </p:txBody>
+      </p:sp>
+      <p:sp>
+        <p:nvSpPr>
+          <p:cNvPr id="42" name="文字方塊 41">
+            <a:extLst>
+              <a:ext uri="{FF2B5EF4-FFF2-40B4-BE49-F238E27FC236}">
+                <a16:creationId xmlns:a16="http://schemas.microsoft.com/office/drawing/2014/main" id="{3D23BDCE-484E-171F-4F99-B696FC3C56FB}"/>
+              </a:ext>
+            </a:extLst>
+          </p:cNvPr>
+          <p:cNvSpPr txBox="1"/>
+          <p:nvPr/>
+        </p:nvSpPr>
+        <p:spPr>
+          <a:xfrm>
+            <a:off x="4919421" y="2504273"/>
+            <a:ext cx="285656" cy="307777"/>
+          </a:xfrm>
+          <a:prstGeom prst="rect">
+            <a:avLst/>
+          </a:prstGeom>
+          <a:noFill/>
+        </p:spPr>
+        <p:txBody>
+          <a:bodyPr wrap="none" rtlCol="0">
+            <a:spAutoFit/>
+          </a:bodyPr>
+          <a:lstStyle/>
+          <a:p>
+            <a:r>
+              <a:rPr kumimoji="1" lang="en-US" altLang="zh-TW" sz="1400" i="1" dirty="0">
+                <a:solidFill>
+                  <a:schemeClr val="tx1">
+                    <a:lumMod val="85000"/>
+                    <a:lumOff val="15000"/>
+                  </a:schemeClr>
+                </a:solidFill>
+                <a:latin typeface="Minion Pro" panose="02040503050306020203" pitchFamily="18" charset="0"/>
+              </a:rPr>
+              <a:t>E</a:t>
+            </a:r>
+            <a:endParaRPr kumimoji="1" lang="zh-TW" altLang="en-US" i="1" dirty="0">
+              <a:solidFill>
+                <a:schemeClr val="tx1">
+                  <a:lumMod val="85000"/>
+                  <a:lumOff val="15000"/>
+                </a:schemeClr>
+              </a:solidFill>
+              <a:latin typeface="Minion Pro" panose="02040503050306020203" pitchFamily="18" charset="0"/>
+            </a:endParaRPr>
+          </a:p>
+        </p:txBody>
+      </p:sp>
+      <p:cxnSp>
+        <p:nvCxnSpPr>
+          <p:cNvPr id="44" name="直線接點 43">
+            <a:extLst>
+              <a:ext uri="{FF2B5EF4-FFF2-40B4-BE49-F238E27FC236}">
+                <a16:creationId xmlns:a16="http://schemas.microsoft.com/office/drawing/2014/main" id="{2AEE3A88-8A74-2964-1DBF-0D49E1613951}"/>
+              </a:ext>
+            </a:extLst>
+          </p:cNvPr>
+          <p:cNvCxnSpPr>
+            <a:cxnSpLocks/>
+          </p:cNvCxnSpPr>
+          <p:nvPr/>
+        </p:nvCxnSpPr>
+        <p:spPr>
+          <a:xfrm flipH="1">
+            <a:off x="2272819" y="2794485"/>
+            <a:ext cx="2673371" cy="1037372"/>
+          </a:xfrm>
+          <a:prstGeom prst="line">
+            <a:avLst/>
+          </a:prstGeom>
+          <a:ln w="12700">
+            <a:solidFill>
+              <a:schemeClr val="tx1">
+                <a:lumMod val="75000"/>
+                <a:lumOff val="25000"/>
+              </a:schemeClr>
+            </a:solidFill>
+          </a:ln>
+        </p:spPr>
+        <p:style>
+          <a:lnRef idx="1">
+            <a:schemeClr val="accent1"/>
+          </a:lnRef>
+          <a:fillRef idx="0">
+            <a:schemeClr val="accent1"/>
+          </a:fillRef>
+          <a:effectRef idx="0">
+            <a:schemeClr val="accent1"/>
+          </a:effectRef>
+          <a:fontRef idx="minor">
+            <a:schemeClr val="tx1"/>
+          </a:fontRef>
+        </p:style>
+      </p:cxnSp>
+      <p:pic>
+        <p:nvPicPr>
+          <p:cNvPr id="50" name="圖片 49">
+            <a:extLst>
+              <a:ext uri="{FF2B5EF4-FFF2-40B4-BE49-F238E27FC236}">
+                <a16:creationId xmlns:a16="http://schemas.microsoft.com/office/drawing/2014/main" id="{6BA760D4-4393-53EF-A2DD-BDE84073BE6D}"/>
+              </a:ext>
+            </a:extLst>
+          </p:cNvPr>
+          <p:cNvPicPr>
+            <a:picLocks noChangeAspect="1"/>
+          </p:cNvPicPr>
+          <p:nvPr/>
+        </p:nvPicPr>
+        <p:blipFill>
+          <a:blip r:embed="rId3"/>
+          <a:stretch>
+            <a:fillRect/>
+          </a:stretch>
+        </p:blipFill>
+        <p:spPr>
+          <a:xfrm>
+            <a:off x="3655390" y="3375188"/>
+            <a:ext cx="241300" cy="165100"/>
+          </a:xfrm>
+          <a:prstGeom prst="rect">
+            <a:avLst/>
+          </a:prstGeom>
+        </p:spPr>
+      </p:pic>
+      <p:pic>
+        <p:nvPicPr>
+          <p:cNvPr id="51" name="圖片 50">
+            <a:extLst>
+              <a:ext uri="{FF2B5EF4-FFF2-40B4-BE49-F238E27FC236}">
+                <a16:creationId xmlns:a16="http://schemas.microsoft.com/office/drawing/2014/main" id="{8AB8F27A-6C0B-4A8A-6AB0-76B80930B44F}"/>
+              </a:ext>
+            </a:extLst>
+          </p:cNvPr>
+          <p:cNvPicPr>
+            <a:picLocks noChangeAspect="1"/>
+          </p:cNvPicPr>
+          <p:nvPr/>
+        </p:nvPicPr>
+        <p:blipFill>
+          <a:blip r:embed="rId4"/>
+          <a:stretch>
+            <a:fillRect/>
+          </a:stretch>
+        </p:blipFill>
+        <p:spPr>
+          <a:xfrm>
+            <a:off x="2955918" y="3118780"/>
+            <a:ext cx="88900" cy="139700"/>
+          </a:xfrm>
+          <a:prstGeom prst="rect">
+            <a:avLst/>
+          </a:prstGeom>
+        </p:spPr>
+      </p:pic>
+      <p:sp>
+        <p:nvSpPr>
+          <p:cNvPr id="52" name="文字方塊 51">
+            <a:extLst>
+              <a:ext uri="{FF2B5EF4-FFF2-40B4-BE49-F238E27FC236}">
+                <a16:creationId xmlns:a16="http://schemas.microsoft.com/office/drawing/2014/main" id="{EFDC0A2C-E9CB-F366-37D4-BD8EB7B4FE2A}"/>
+              </a:ext>
+            </a:extLst>
+          </p:cNvPr>
+          <p:cNvSpPr txBox="1"/>
+          <p:nvPr/>
+        </p:nvSpPr>
+        <p:spPr>
+          <a:xfrm>
+            <a:off x="2747999" y="2399855"/>
+            <a:ext cx="250390" cy="307777"/>
+          </a:xfrm>
+          <a:prstGeom prst="rect">
+            <a:avLst/>
+          </a:prstGeom>
+          <a:noFill/>
+        </p:spPr>
+        <p:txBody>
+          <a:bodyPr wrap="none" rtlCol="0">
+            <a:spAutoFit/>
+          </a:bodyPr>
+          <a:lstStyle/>
+          <a:p>
+            <a:r>
+              <a:rPr kumimoji="1" lang="en-US" altLang="zh-TW" sz="1400" i="1" dirty="0">
+                <a:solidFill>
+                  <a:schemeClr val="accent1">
+                    <a:lumMod val="50000"/>
+                  </a:schemeClr>
+                </a:solidFill>
+                <a:latin typeface="Minion Pro" panose="02040503050306020203" pitchFamily="18" charset="0"/>
+              </a:rPr>
+              <a:t>r</a:t>
+            </a:r>
+            <a:endParaRPr kumimoji="1" lang="zh-TW" altLang="en-US" i="1" dirty="0">
+              <a:solidFill>
+                <a:schemeClr val="accent1">
+                  <a:lumMod val="50000"/>
+                </a:schemeClr>
+              </a:solidFill>
+              <a:latin typeface="Minion Pro" panose="02040503050306020203" pitchFamily="18" charset="0"/>
+            </a:endParaRPr>
+          </a:p>
+        </p:txBody>
+      </p:sp>
+      <p:sp>
+        <p:nvSpPr>
+          <p:cNvPr id="53" name="文字方塊 52">
+            <a:extLst>
+              <a:ext uri="{FF2B5EF4-FFF2-40B4-BE49-F238E27FC236}">
+                <a16:creationId xmlns:a16="http://schemas.microsoft.com/office/drawing/2014/main" id="{3AFA6232-E515-32B6-19A2-917FC5963C7B}"/>
+              </a:ext>
+            </a:extLst>
+          </p:cNvPr>
+          <p:cNvSpPr txBox="1"/>
+          <p:nvPr/>
+        </p:nvSpPr>
+        <p:spPr>
+          <a:xfrm>
+            <a:off x="2113503" y="2841448"/>
+            <a:ext cx="290464" cy="307777"/>
+          </a:xfrm>
+          <a:prstGeom prst="rect">
+            <a:avLst/>
+          </a:prstGeom>
+          <a:noFill/>
+        </p:spPr>
+        <p:txBody>
+          <a:bodyPr wrap="none" rtlCol="0">
+            <a:spAutoFit/>
+          </a:bodyPr>
+          <a:lstStyle/>
+          <a:p>
+            <a:r>
+              <a:rPr kumimoji="1" lang="en-US" altLang="zh-TW" sz="1400" i="1" dirty="0">
+                <a:solidFill>
+                  <a:srgbClr val="C00000"/>
+                </a:solidFill>
+                <a:latin typeface="Minion Pro" panose="02040503050306020203" pitchFamily="18" charset="0"/>
+              </a:rPr>
+              <a:t>r′</a:t>
+            </a:r>
+            <a:endParaRPr kumimoji="1" lang="zh-TW" altLang="en-US" i="1" dirty="0">
+              <a:solidFill>
+                <a:srgbClr val="C00000"/>
+              </a:solidFill>
+              <a:latin typeface="Minion Pro" panose="02040503050306020203" pitchFamily="18" charset="0"/>
+            </a:endParaRPr>
+          </a:p>
+        </p:txBody>
+      </p:sp>
+      <p:sp>
+        <p:nvSpPr>
+          <p:cNvPr id="58" name="三角形 57">
+            <a:extLst>
+              <a:ext uri="{FF2B5EF4-FFF2-40B4-BE49-F238E27FC236}">
+                <a16:creationId xmlns:a16="http://schemas.microsoft.com/office/drawing/2014/main" id="{9781865B-ACEA-E4F8-1091-7BFFE3C0C950}"/>
+              </a:ext>
+            </a:extLst>
+          </p:cNvPr>
+          <p:cNvSpPr/>
+          <p:nvPr/>
+        </p:nvSpPr>
+        <p:spPr>
+          <a:xfrm>
+            <a:off x="6171119" y="912160"/>
+            <a:ext cx="1241799" cy="618826"/>
+          </a:xfrm>
+          <a:prstGeom prst="triangle">
+            <a:avLst>
+              <a:gd name="adj" fmla="val 37000"/>
+            </a:avLst>
+          </a:prstGeom>
+          <a:solidFill>
+            <a:schemeClr val="accent1">
+              <a:alpha val="32653"/>
+            </a:schemeClr>
+          </a:solidFill>
+        </p:spPr>
+        <p:style>
+          <a:lnRef idx="2">
+            <a:schemeClr val="accent1">
+              <a:shade val="50000"/>
+            </a:schemeClr>
+          </a:lnRef>
+          <a:fillRef idx="1">
+            <a:schemeClr val="accent1"/>
+          </a:fillRef>
+          <a:effectRef idx="0">
+            <a:schemeClr val="accent1"/>
+          </a:effectRef>
+          <a:fontRef idx="minor">
+            <a:schemeClr val="lt1"/>
+          </a:fontRef>
+        </p:style>
+        <p:txBody>
+          <a:bodyPr rtlCol="0" anchor="ctr"/>
+          <a:lstStyle/>
+          <a:p>
+            <a:pPr algn="ctr"/>
+            <a:endParaRPr kumimoji="1" lang="zh-TW" altLang="en-US"/>
+          </a:p>
+        </p:txBody>
+      </p:sp>
+      <p:sp>
+        <p:nvSpPr>
+          <p:cNvPr id="60" name="三角形 59">
+            <a:extLst>
+              <a:ext uri="{FF2B5EF4-FFF2-40B4-BE49-F238E27FC236}">
+                <a16:creationId xmlns:a16="http://schemas.microsoft.com/office/drawing/2014/main" id="{7A433616-62F2-C9A9-DB6C-C2FA0C595EBB}"/>
+              </a:ext>
+            </a:extLst>
+          </p:cNvPr>
+          <p:cNvSpPr/>
+          <p:nvPr/>
+        </p:nvSpPr>
+        <p:spPr>
+          <a:xfrm>
+            <a:off x="7790984" y="912160"/>
+            <a:ext cx="1241799" cy="618826"/>
+          </a:xfrm>
+          <a:prstGeom prst="triangle">
+            <a:avLst>
+              <a:gd name="adj" fmla="val 37000"/>
+            </a:avLst>
+          </a:prstGeom>
+          <a:solidFill>
+            <a:srgbClr val="C00000">
+              <a:alpha val="32653"/>
+            </a:srgbClr>
+          </a:solidFill>
+          <a:ln>
+            <a:solidFill>
+              <a:srgbClr val="C00000"/>
+            </a:solidFill>
+          </a:ln>
+        </p:spPr>
+        <p:style>
+          <a:lnRef idx="2">
+            <a:schemeClr val="accent1">
+              <a:shade val="50000"/>
+            </a:schemeClr>
+          </a:lnRef>
+          <a:fillRef idx="1">
+            <a:schemeClr val="accent1"/>
+          </a:fillRef>
+          <a:effectRef idx="0">
+            <a:schemeClr val="accent1"/>
+          </a:effectRef>
+          <a:fontRef idx="minor">
+            <a:schemeClr val="lt1"/>
+          </a:fontRef>
+        </p:style>
+        <p:txBody>
+          <a:bodyPr rtlCol="0" anchor="ctr"/>
+          <a:lstStyle/>
+          <a:p>
+            <a:pPr algn="ctr"/>
+            <a:endParaRPr kumimoji="1" lang="zh-TW" altLang="en-US"/>
+          </a:p>
+        </p:txBody>
+      </p:sp>
+      <p:sp>
+        <p:nvSpPr>
+          <p:cNvPr id="61" name="文字方塊 60">
+            <a:extLst>
+              <a:ext uri="{FF2B5EF4-FFF2-40B4-BE49-F238E27FC236}">
+                <a16:creationId xmlns:a16="http://schemas.microsoft.com/office/drawing/2014/main" id="{FABA1A7C-0171-E39B-A2F1-4731879830B2}"/>
+              </a:ext>
+            </a:extLst>
+          </p:cNvPr>
+          <p:cNvSpPr txBox="1"/>
+          <p:nvPr/>
+        </p:nvSpPr>
+        <p:spPr>
+          <a:xfrm>
+            <a:off x="7463932" y="1085295"/>
+            <a:ext cx="292068" cy="307777"/>
+          </a:xfrm>
+          <a:prstGeom prst="rect">
+            <a:avLst/>
+          </a:prstGeom>
+          <a:noFill/>
+        </p:spPr>
+        <p:txBody>
+          <a:bodyPr wrap="none" rtlCol="0">
+            <a:spAutoFit/>
+          </a:bodyPr>
+          <a:lstStyle/>
+          <a:p>
+            <a:r>
+              <a:rPr kumimoji="1" lang="en-US" altLang="zh-TW" sz="1400" dirty="0">
+                <a:latin typeface="Minion Pro" panose="02040503050306020203" pitchFamily="18" charset="0"/>
+              </a:rPr>
+              <a:t>=</a:t>
+            </a:r>
+            <a:endParaRPr kumimoji="1" lang="zh-TW" altLang="en-US" dirty="0">
+              <a:latin typeface="Minion Pro" panose="02040503050306020203" pitchFamily="18" charset="0"/>
+            </a:endParaRPr>
+          </a:p>
+        </p:txBody>
+      </p:sp>
+      <p:sp>
+        <p:nvSpPr>
+          <p:cNvPr id="62" name="文字方塊 61">
+            <a:extLst>
+              <a:ext uri="{FF2B5EF4-FFF2-40B4-BE49-F238E27FC236}">
+                <a16:creationId xmlns:a16="http://schemas.microsoft.com/office/drawing/2014/main" id="{563CD6B6-7FA6-E135-1FB5-757ED657BAAC}"/>
+              </a:ext>
+            </a:extLst>
+          </p:cNvPr>
+          <p:cNvSpPr txBox="1"/>
+          <p:nvPr/>
+        </p:nvSpPr>
+        <p:spPr>
+          <a:xfrm>
+            <a:off x="893885" y="4050723"/>
+            <a:ext cx="264816" cy="307777"/>
+          </a:xfrm>
+          <a:prstGeom prst="rect">
+            <a:avLst/>
+          </a:prstGeom>
+          <a:noFill/>
+        </p:spPr>
+        <p:txBody>
+          <a:bodyPr wrap="none" rtlCol="0">
+            <a:spAutoFit/>
+          </a:bodyPr>
+          <a:lstStyle/>
+          <a:p>
+            <a:r>
+              <a:rPr kumimoji="1" lang="en-US" altLang="zh-TW" sz="1400" i="1" dirty="0">
+                <a:solidFill>
+                  <a:schemeClr val="tx1">
+                    <a:lumMod val="85000"/>
+                    <a:lumOff val="15000"/>
+                  </a:schemeClr>
+                </a:solidFill>
+                <a:latin typeface="Minion Pro" panose="02040503050306020203" pitchFamily="18" charset="0"/>
+              </a:rPr>
+              <a:t>y</a:t>
+            </a:r>
+            <a:endParaRPr kumimoji="1" lang="zh-TW" altLang="en-US" i="1" dirty="0">
+              <a:solidFill>
+                <a:schemeClr val="tx1">
+                  <a:lumMod val="85000"/>
+                  <a:lumOff val="15000"/>
+                </a:schemeClr>
+              </a:solidFill>
+              <a:latin typeface="Minion Pro" panose="02040503050306020203" pitchFamily="18" charset="0"/>
+            </a:endParaRPr>
+          </a:p>
+        </p:txBody>
+      </p:sp>
+      <p:sp>
+        <p:nvSpPr>
+          <p:cNvPr id="63" name="文字方塊 62">
+            <a:extLst>
+              <a:ext uri="{FF2B5EF4-FFF2-40B4-BE49-F238E27FC236}">
+                <a16:creationId xmlns:a16="http://schemas.microsoft.com/office/drawing/2014/main" id="{2A2074E9-4052-C5DE-ED5E-61AF5E921FDD}"/>
+              </a:ext>
+            </a:extLst>
+          </p:cNvPr>
+          <p:cNvSpPr txBox="1"/>
+          <p:nvPr/>
+        </p:nvSpPr>
+        <p:spPr>
+          <a:xfrm>
+            <a:off x="5627905" y="2624583"/>
+            <a:ext cx="269626" cy="307777"/>
+          </a:xfrm>
+          <a:prstGeom prst="rect">
+            <a:avLst/>
+          </a:prstGeom>
+          <a:noFill/>
+        </p:spPr>
+        <p:txBody>
+          <a:bodyPr wrap="none" rtlCol="0">
+            <a:spAutoFit/>
+          </a:bodyPr>
+          <a:lstStyle/>
+          <a:p>
+            <a:r>
+              <a:rPr kumimoji="1" lang="en-US" altLang="zh-TW" sz="1400" i="1" dirty="0">
+                <a:solidFill>
+                  <a:schemeClr val="tx1">
+                    <a:lumMod val="85000"/>
+                    <a:lumOff val="15000"/>
+                  </a:schemeClr>
+                </a:solidFill>
+                <a:latin typeface="Minion Pro" panose="02040503050306020203" pitchFamily="18" charset="0"/>
+              </a:rPr>
+              <a:t>x</a:t>
+            </a:r>
+            <a:endParaRPr kumimoji="1" lang="zh-TW" altLang="en-US" i="1" dirty="0">
+              <a:solidFill>
+                <a:schemeClr val="tx1">
+                  <a:lumMod val="85000"/>
+                  <a:lumOff val="15000"/>
+                </a:schemeClr>
+              </a:solidFill>
+              <a:latin typeface="Minion Pro" panose="02040503050306020203" pitchFamily="18" charset="0"/>
+            </a:endParaRPr>
+          </a:p>
+        </p:txBody>
+      </p:sp>
+      <p:sp>
+        <p:nvSpPr>
+          <p:cNvPr id="64" name="文字方塊 63">
+            <a:extLst>
+              <a:ext uri="{FF2B5EF4-FFF2-40B4-BE49-F238E27FC236}">
+                <a16:creationId xmlns:a16="http://schemas.microsoft.com/office/drawing/2014/main" id="{BF232E2A-E31F-1D70-6652-8AE0DCB0D82C}"/>
+              </a:ext>
+            </a:extLst>
+          </p:cNvPr>
+          <p:cNvSpPr txBox="1"/>
+          <p:nvPr/>
+        </p:nvSpPr>
+        <p:spPr>
+          <a:xfrm>
+            <a:off x="2045277" y="308328"/>
+            <a:ext cx="260008" cy="307777"/>
+          </a:xfrm>
+          <a:prstGeom prst="rect">
+            <a:avLst/>
+          </a:prstGeom>
+          <a:noFill/>
+        </p:spPr>
+        <p:txBody>
+          <a:bodyPr wrap="none" rtlCol="0">
+            <a:spAutoFit/>
+          </a:bodyPr>
+          <a:lstStyle/>
+          <a:p>
+            <a:r>
+              <a:rPr kumimoji="1" lang="en-US" altLang="zh-TW" sz="1400" i="1" dirty="0">
+                <a:solidFill>
+                  <a:schemeClr val="tx1">
+                    <a:lumMod val="85000"/>
+                    <a:lumOff val="15000"/>
+                  </a:schemeClr>
+                </a:solidFill>
+                <a:latin typeface="Minion Pro" panose="02040503050306020203" pitchFamily="18" charset="0"/>
+              </a:rPr>
+              <a:t>z</a:t>
+            </a:r>
+            <a:endParaRPr kumimoji="1" lang="zh-TW" altLang="en-US" i="1" dirty="0">
+              <a:solidFill>
+                <a:schemeClr val="tx1">
+                  <a:lumMod val="85000"/>
+                  <a:lumOff val="15000"/>
+                </a:schemeClr>
+              </a:solidFill>
+              <a:latin typeface="Minion Pro" panose="02040503050306020203" pitchFamily="18" charset="0"/>
+            </a:endParaRPr>
+          </a:p>
+        </p:txBody>
+      </p:sp>
+      <p:sp>
+        <p:nvSpPr>
+          <p:cNvPr id="65" name="直角三角形 64">
+            <a:extLst>
+              <a:ext uri="{FF2B5EF4-FFF2-40B4-BE49-F238E27FC236}">
+                <a16:creationId xmlns:a16="http://schemas.microsoft.com/office/drawing/2014/main" id="{09B71D5B-81C8-DF91-93BF-082712B8BF2A}"/>
+              </a:ext>
+            </a:extLst>
+          </p:cNvPr>
+          <p:cNvSpPr/>
+          <p:nvPr/>
+        </p:nvSpPr>
+        <p:spPr>
+          <a:xfrm flipH="1">
+            <a:off x="6486531" y="2217127"/>
+            <a:ext cx="1691450" cy="1062180"/>
+          </a:xfrm>
+          <a:prstGeom prst="rtTriangle">
+            <a:avLst/>
+          </a:prstGeom>
+          <a:noFill/>
+        </p:spPr>
+        <p:style>
+          <a:lnRef idx="2">
+            <a:schemeClr val="accent1">
+              <a:shade val="50000"/>
+            </a:schemeClr>
+          </a:lnRef>
+          <a:fillRef idx="1">
+            <a:schemeClr val="accent1"/>
+          </a:fillRef>
+          <a:effectRef idx="0">
+            <a:schemeClr val="accent1"/>
+          </a:effectRef>
+          <a:fontRef idx="minor">
+            <a:schemeClr val="lt1"/>
+          </a:fontRef>
+        </p:style>
+        <p:txBody>
+          <a:bodyPr rtlCol="0" anchor="ctr"/>
+          <a:lstStyle/>
+          <a:p>
+            <a:pPr algn="ctr"/>
+            <a:endParaRPr kumimoji="1" lang="zh-TW" altLang="en-US"/>
+          </a:p>
+        </p:txBody>
+      </p:sp>
+      <p:sp>
+        <p:nvSpPr>
+          <p:cNvPr id="66" name="三角形 65">
+            <a:extLst>
+              <a:ext uri="{FF2B5EF4-FFF2-40B4-BE49-F238E27FC236}">
+                <a16:creationId xmlns:a16="http://schemas.microsoft.com/office/drawing/2014/main" id="{B0028ACE-2200-E771-C2DD-86517F18F2A1}"/>
+              </a:ext>
+            </a:extLst>
+          </p:cNvPr>
+          <p:cNvSpPr/>
+          <p:nvPr/>
+        </p:nvSpPr>
+        <p:spPr>
+          <a:xfrm>
+            <a:off x="6486531" y="2315932"/>
+            <a:ext cx="1691450" cy="963646"/>
+          </a:xfrm>
+          <a:prstGeom prst="triangle">
+            <a:avLst>
+              <a:gd name="adj" fmla="val 68746"/>
+            </a:avLst>
+          </a:prstGeom>
+          <a:noFill/>
+          <a:ln>
+            <a:solidFill>
+              <a:srgbClr val="C00000"/>
+            </a:solidFill>
+          </a:ln>
+        </p:spPr>
+        <p:style>
+          <a:lnRef idx="2">
+            <a:schemeClr val="accent1">
+              <a:shade val="50000"/>
+            </a:schemeClr>
+          </a:lnRef>
+          <a:fillRef idx="1">
+            <a:schemeClr val="accent1"/>
+          </a:fillRef>
+          <a:effectRef idx="0">
+            <a:schemeClr val="accent1"/>
+          </a:effectRef>
+          <a:fontRef idx="minor">
+            <a:schemeClr val="lt1"/>
+          </a:fontRef>
+        </p:style>
+        <p:txBody>
+          <a:bodyPr rtlCol="0" anchor="ctr"/>
+          <a:lstStyle/>
+          <a:p>
+            <a:pPr algn="ctr"/>
+            <a:endParaRPr kumimoji="1" lang="zh-TW" altLang="en-US"/>
+          </a:p>
+        </p:txBody>
+      </p:sp>
+      <p:sp>
+        <p:nvSpPr>
+          <p:cNvPr id="67" name="文字方塊 66">
+            <a:extLst>
+              <a:ext uri="{FF2B5EF4-FFF2-40B4-BE49-F238E27FC236}">
+                <a16:creationId xmlns:a16="http://schemas.microsoft.com/office/drawing/2014/main" id="{203BE1B0-727B-BFB1-F0DD-137B704E0AB9}"/>
+              </a:ext>
+            </a:extLst>
+          </p:cNvPr>
+          <p:cNvSpPr txBox="1"/>
+          <p:nvPr/>
+        </p:nvSpPr>
+        <p:spPr>
+          <a:xfrm>
+            <a:off x="8177981" y="2578635"/>
+            <a:ext cx="854721" cy="307777"/>
+          </a:xfrm>
+          <a:prstGeom prst="rect">
+            <a:avLst/>
+          </a:prstGeom>
+          <a:noFill/>
+        </p:spPr>
+        <p:txBody>
+          <a:bodyPr wrap="none" rtlCol="0">
+            <a:spAutoFit/>
+          </a:bodyPr>
+          <a:lstStyle/>
+          <a:p>
+            <a:r>
+              <a:rPr kumimoji="1" lang="en-US" altLang="zh-TW" sz="1400" i="1" dirty="0">
+                <a:solidFill>
+                  <a:schemeClr val="accent1">
+                    <a:lumMod val="50000"/>
+                  </a:schemeClr>
+                </a:solidFill>
+                <a:latin typeface="Minion Pro" panose="02040503050306020203" pitchFamily="18" charset="0"/>
+              </a:rPr>
+              <a:t>h = </a:t>
+            </a:r>
+            <a:r>
+              <a:rPr kumimoji="1" lang="en-US" altLang="zh-TW" sz="1400" i="1" dirty="0" err="1">
+                <a:solidFill>
+                  <a:schemeClr val="accent1">
+                    <a:lumMod val="50000"/>
+                  </a:schemeClr>
+                </a:solidFill>
+                <a:latin typeface="Minion Pro" panose="02040503050306020203" pitchFamily="18" charset="0"/>
+              </a:rPr>
+              <a:t>d</a:t>
+            </a:r>
+            <a:r>
+              <a:rPr kumimoji="1" lang="en-US" altLang="zh-TW" sz="1400" dirty="0" err="1">
+                <a:solidFill>
+                  <a:schemeClr val="accent1">
+                    <a:lumMod val="50000"/>
+                  </a:schemeClr>
+                </a:solidFill>
+                <a:latin typeface="Minion Pro" panose="02040503050306020203" pitchFamily="18" charset="0"/>
+              </a:rPr>
+              <a:t>sin</a:t>
+            </a:r>
+            <a:r>
+              <a:rPr kumimoji="1" lang="en-US" altLang="zh-TW" sz="1400" i="1" dirty="0" err="1">
+                <a:solidFill>
+                  <a:schemeClr val="accent1">
+                    <a:lumMod val="50000"/>
+                  </a:schemeClr>
+                </a:solidFill>
+                <a:latin typeface="Minion Pro" panose="02040503050306020203" pitchFamily="18" charset="0"/>
+              </a:rPr>
+              <a:t>θ</a:t>
+            </a:r>
+            <a:endParaRPr kumimoji="1" lang="zh-TW" altLang="en-US" sz="2400" i="1" dirty="0">
+              <a:solidFill>
+                <a:schemeClr val="accent1">
+                  <a:lumMod val="50000"/>
+                </a:schemeClr>
+              </a:solidFill>
+              <a:latin typeface="Minion Pro" panose="02040503050306020203" pitchFamily="18" charset="0"/>
+            </a:endParaRPr>
+          </a:p>
+        </p:txBody>
+      </p:sp>
+      <p:sp>
+        <p:nvSpPr>
+          <p:cNvPr id="68" name="文字方塊 67">
+            <a:extLst>
+              <a:ext uri="{FF2B5EF4-FFF2-40B4-BE49-F238E27FC236}">
+                <a16:creationId xmlns:a16="http://schemas.microsoft.com/office/drawing/2014/main" id="{3FB4B808-2D18-87F1-1725-95BE0514C2A6}"/>
+              </a:ext>
+            </a:extLst>
+          </p:cNvPr>
+          <p:cNvSpPr txBox="1"/>
+          <p:nvPr/>
+        </p:nvSpPr>
+        <p:spPr>
+          <a:xfrm>
+            <a:off x="7611103" y="2672909"/>
+            <a:ext cx="276038" cy="307777"/>
+          </a:xfrm>
+          <a:prstGeom prst="rect">
+            <a:avLst/>
+          </a:prstGeom>
+          <a:noFill/>
+        </p:spPr>
+        <p:txBody>
+          <a:bodyPr wrap="none" rtlCol="0">
+            <a:spAutoFit/>
+          </a:bodyPr>
+          <a:lstStyle/>
+          <a:p>
+            <a:r>
+              <a:rPr kumimoji="1" lang="en-US" altLang="zh-TW" sz="1400" i="1" dirty="0">
+                <a:solidFill>
+                  <a:srgbClr val="C00000"/>
+                </a:solidFill>
+                <a:latin typeface="Minion Pro" panose="02040503050306020203" pitchFamily="18" charset="0"/>
+              </a:rPr>
+              <a:t>h</a:t>
+            </a:r>
+            <a:endParaRPr kumimoji="1" lang="zh-TW" altLang="en-US" i="1" dirty="0">
+              <a:solidFill>
+                <a:srgbClr val="C00000"/>
+              </a:solidFill>
+              <a:latin typeface="Minion Pro" panose="02040503050306020203" pitchFamily="18" charset="0"/>
+            </a:endParaRPr>
+          </a:p>
+        </p:txBody>
+      </p:sp>
+      <p:sp>
+        <p:nvSpPr>
+          <p:cNvPr id="69" name="文字方塊 68">
+            <a:extLst>
+              <a:ext uri="{FF2B5EF4-FFF2-40B4-BE49-F238E27FC236}">
+                <a16:creationId xmlns:a16="http://schemas.microsoft.com/office/drawing/2014/main" id="{3F046823-D69D-1959-E3B1-935DFB2AA3BC}"/>
+              </a:ext>
+            </a:extLst>
+          </p:cNvPr>
+          <p:cNvSpPr txBox="1"/>
+          <p:nvPr/>
+        </p:nvSpPr>
+        <p:spPr>
+          <a:xfrm>
+            <a:off x="7748649" y="2107834"/>
+            <a:ext cx="250390" cy="307777"/>
+          </a:xfrm>
+          <a:prstGeom prst="rect">
+            <a:avLst/>
+          </a:prstGeom>
+          <a:noFill/>
+        </p:spPr>
+        <p:txBody>
+          <a:bodyPr wrap="none" rtlCol="0">
+            <a:spAutoFit/>
+          </a:bodyPr>
+          <a:lstStyle/>
+          <a:p>
+            <a:r>
+              <a:rPr kumimoji="1" lang="en-US" altLang="zh-TW" sz="1400" i="1" dirty="0">
+                <a:solidFill>
+                  <a:schemeClr val="accent1">
+                    <a:lumMod val="50000"/>
+                  </a:schemeClr>
+                </a:solidFill>
+                <a:latin typeface="Minion Pro" panose="02040503050306020203" pitchFamily="18" charset="0"/>
+              </a:rPr>
+              <a:t>r</a:t>
+            </a:r>
+            <a:endParaRPr kumimoji="1" lang="zh-TW" altLang="en-US" i="1" dirty="0">
+              <a:solidFill>
+                <a:schemeClr val="accent1">
+                  <a:lumMod val="50000"/>
+                </a:schemeClr>
+              </a:solidFill>
+              <a:latin typeface="Minion Pro" panose="02040503050306020203" pitchFamily="18" charset="0"/>
+            </a:endParaRPr>
+          </a:p>
+        </p:txBody>
+      </p:sp>
+      <p:sp>
+        <p:nvSpPr>
+          <p:cNvPr id="70" name="文字方塊 69">
+            <a:extLst>
+              <a:ext uri="{FF2B5EF4-FFF2-40B4-BE49-F238E27FC236}">
+                <a16:creationId xmlns:a16="http://schemas.microsoft.com/office/drawing/2014/main" id="{31DFF67F-BD64-C0F2-4C8B-49306304A091}"/>
+              </a:ext>
+            </a:extLst>
+          </p:cNvPr>
+          <p:cNvSpPr txBox="1"/>
+          <p:nvPr/>
+        </p:nvSpPr>
+        <p:spPr>
+          <a:xfrm>
+            <a:off x="6838533" y="2504273"/>
+            <a:ext cx="290464" cy="307777"/>
+          </a:xfrm>
+          <a:prstGeom prst="rect">
+            <a:avLst/>
+          </a:prstGeom>
+          <a:noFill/>
+        </p:spPr>
+        <p:txBody>
+          <a:bodyPr wrap="none" rtlCol="0">
+            <a:spAutoFit/>
+          </a:bodyPr>
+          <a:lstStyle/>
+          <a:p>
+            <a:r>
+              <a:rPr kumimoji="1" lang="en-US" altLang="zh-TW" sz="1400" i="1" dirty="0">
+                <a:solidFill>
+                  <a:srgbClr val="C00000"/>
+                </a:solidFill>
+                <a:latin typeface="Minion Pro" panose="02040503050306020203" pitchFamily="18" charset="0"/>
+              </a:rPr>
+              <a:t>r′</a:t>
+            </a:r>
+            <a:endParaRPr kumimoji="1" lang="zh-TW" altLang="en-US" i="1" dirty="0">
+              <a:solidFill>
+                <a:srgbClr val="C00000"/>
+              </a:solidFill>
+              <a:latin typeface="Minion Pro" panose="02040503050306020203" pitchFamily="18" charset="0"/>
+            </a:endParaRPr>
+          </a:p>
+        </p:txBody>
+      </p:sp>
+      <p:pic>
+        <p:nvPicPr>
+          <p:cNvPr id="77" name="圖片 76">
+            <a:extLst>
+              <a:ext uri="{FF2B5EF4-FFF2-40B4-BE49-F238E27FC236}">
+                <a16:creationId xmlns:a16="http://schemas.microsoft.com/office/drawing/2014/main" id="{202CC747-52BE-70A6-CE56-CB69A34CED3C}"/>
+              </a:ext>
+            </a:extLst>
+          </p:cNvPr>
+          <p:cNvPicPr>
+            <a:picLocks noChangeAspect="1"/>
+          </p:cNvPicPr>
+          <p:nvPr/>
+        </p:nvPicPr>
+        <p:blipFill>
+          <a:blip r:embed="rId4"/>
+          <a:stretch>
+            <a:fillRect/>
+          </a:stretch>
+        </p:blipFill>
+        <p:spPr>
+          <a:xfrm>
+            <a:off x="7589794" y="3337664"/>
+            <a:ext cx="88900" cy="139700"/>
+          </a:xfrm>
+          <a:prstGeom prst="rect">
+            <a:avLst/>
+          </a:prstGeom>
+        </p:spPr>
+      </p:pic>
+      <p:sp>
+        <p:nvSpPr>
+          <p:cNvPr id="78" name="弧線 77">
+            <a:extLst>
+              <a:ext uri="{FF2B5EF4-FFF2-40B4-BE49-F238E27FC236}">
+                <a16:creationId xmlns:a16="http://schemas.microsoft.com/office/drawing/2014/main" id="{F23BA07B-2522-07F9-2C4E-5BAD7CACB098}"/>
+              </a:ext>
+            </a:extLst>
+          </p:cNvPr>
+          <p:cNvSpPr/>
+          <p:nvPr/>
+        </p:nvSpPr>
+        <p:spPr>
+          <a:xfrm>
+            <a:off x="8005478" y="2778471"/>
+            <a:ext cx="301644" cy="322362"/>
+          </a:xfrm>
+          <a:prstGeom prst="arc">
+            <a:avLst>
+              <a:gd name="adj1" fmla="val 11131666"/>
+              <a:gd name="adj2" fmla="val 16253523"/>
+            </a:avLst>
+          </a:prstGeom>
+          <a:ln w="12700">
+            <a:solidFill>
+              <a:schemeClr val="tx1"/>
+            </a:solidFill>
+            <a:headEnd type="stealth"/>
+          </a:ln>
+        </p:spPr>
+        <p:style>
+          <a:lnRef idx="1">
+            <a:schemeClr val="accent1"/>
+          </a:lnRef>
+          <a:fillRef idx="0">
+            <a:schemeClr val="accent1"/>
+          </a:fillRef>
+          <a:effectRef idx="0">
+            <a:schemeClr val="accent1"/>
+          </a:effectRef>
+          <a:fontRef idx="minor">
+            <a:schemeClr val="tx1"/>
+          </a:fontRef>
+        </p:style>
+        <p:txBody>
+          <a:bodyPr rtlCol="0" anchor="ctr"/>
+          <a:lstStyle/>
+          <a:p>
+            <a:pPr algn="ctr"/>
+            <a:endParaRPr kumimoji="1" lang="zh-TW" altLang="en-US"/>
+          </a:p>
+        </p:txBody>
+      </p:sp>
+      <p:pic>
+        <p:nvPicPr>
+          <p:cNvPr id="79" name="圖片 78">
+            <a:extLst>
+              <a:ext uri="{FF2B5EF4-FFF2-40B4-BE49-F238E27FC236}">
+                <a16:creationId xmlns:a16="http://schemas.microsoft.com/office/drawing/2014/main" id="{47677FA1-283D-3636-35BB-28B46E3F9F88}"/>
+              </a:ext>
+            </a:extLst>
+          </p:cNvPr>
+          <p:cNvPicPr>
+            <a:picLocks noChangeAspect="1"/>
+          </p:cNvPicPr>
+          <p:nvPr/>
+        </p:nvPicPr>
+        <p:blipFill>
+          <a:blip r:embed="rId2"/>
+          <a:stretch>
+            <a:fillRect/>
+          </a:stretch>
+        </p:blipFill>
+        <p:spPr>
+          <a:xfrm>
+            <a:off x="7981761" y="2571157"/>
+            <a:ext cx="101600" cy="177800"/>
+          </a:xfrm>
+          <a:prstGeom prst="rect">
+            <a:avLst/>
+          </a:prstGeom>
+        </p:spPr>
+      </p:pic>
+      <p:sp>
+        <p:nvSpPr>
+          <p:cNvPr id="80" name="弧線 79">
+            <a:extLst>
+              <a:ext uri="{FF2B5EF4-FFF2-40B4-BE49-F238E27FC236}">
+                <a16:creationId xmlns:a16="http://schemas.microsoft.com/office/drawing/2014/main" id="{903409C3-84CA-790A-CDA7-C115D4E5B02A}"/>
+              </a:ext>
+            </a:extLst>
+          </p:cNvPr>
+          <p:cNvSpPr/>
+          <p:nvPr/>
+        </p:nvSpPr>
+        <p:spPr>
+          <a:xfrm>
+            <a:off x="7913222" y="3104026"/>
+            <a:ext cx="301644" cy="357109"/>
+          </a:xfrm>
+          <a:prstGeom prst="arc">
+            <a:avLst>
+              <a:gd name="adj1" fmla="val 11131666"/>
+              <a:gd name="adj2" fmla="val 16253523"/>
+            </a:avLst>
+          </a:prstGeom>
+          <a:ln w="12700">
+            <a:solidFill>
+              <a:srgbClr val="B21D09"/>
+            </a:solidFill>
+            <a:headEnd type="none"/>
+          </a:ln>
+        </p:spPr>
+        <p:style>
+          <a:lnRef idx="1">
+            <a:schemeClr val="accent1"/>
+          </a:lnRef>
+          <a:fillRef idx="0">
+            <a:schemeClr val="accent1"/>
+          </a:fillRef>
+          <a:effectRef idx="0">
+            <a:schemeClr val="accent1"/>
+          </a:effectRef>
+          <a:fontRef idx="minor">
+            <a:schemeClr val="tx1"/>
+          </a:fontRef>
+        </p:style>
+        <p:txBody>
+          <a:bodyPr rtlCol="0" anchor="ctr"/>
+          <a:lstStyle/>
+          <a:p>
+            <a:pPr algn="ctr"/>
+            <a:endParaRPr kumimoji="1" lang="zh-TW" altLang="en-US"/>
+          </a:p>
+        </p:txBody>
+      </p:sp>
+      <p:pic>
+        <p:nvPicPr>
+          <p:cNvPr id="83" name="圖片 82">
+            <a:extLst>
+              <a:ext uri="{FF2B5EF4-FFF2-40B4-BE49-F238E27FC236}">
+                <a16:creationId xmlns:a16="http://schemas.microsoft.com/office/drawing/2014/main" id="{26B22B9A-74D2-16D1-2D2F-D9B53EC008CE}"/>
+              </a:ext>
+            </a:extLst>
+          </p:cNvPr>
+          <p:cNvPicPr>
+            <a:picLocks noChangeAspect="1"/>
+          </p:cNvPicPr>
+          <p:nvPr/>
+        </p:nvPicPr>
+        <p:blipFill>
+          <a:blip r:embed="rId5"/>
+          <a:stretch>
+            <a:fillRect/>
+          </a:stretch>
+        </p:blipFill>
+        <p:spPr>
+          <a:xfrm>
+            <a:off x="7481422" y="3023952"/>
+            <a:ext cx="431800" cy="203200"/>
+          </a:xfrm>
+          <a:prstGeom prst="rect">
+            <a:avLst/>
+          </a:prstGeom>
+        </p:spPr>
+      </p:pic>
+      <p:cxnSp>
+        <p:nvCxnSpPr>
+          <p:cNvPr id="85" name="直線接點 84">
+            <a:extLst>
+              <a:ext uri="{FF2B5EF4-FFF2-40B4-BE49-F238E27FC236}">
+                <a16:creationId xmlns:a16="http://schemas.microsoft.com/office/drawing/2014/main" id="{27F11973-3A09-05B4-326F-2078FB72DA3C}"/>
+              </a:ext>
+            </a:extLst>
+          </p:cNvPr>
+          <p:cNvCxnSpPr>
+            <a:stCxn id="58" idx="0"/>
+            <a:endCxn id="58" idx="3"/>
+          </p:cNvCxnSpPr>
+          <p:nvPr/>
+        </p:nvCxnSpPr>
+        <p:spPr>
+          <a:xfrm>
+            <a:off x="6630585" y="912160"/>
+            <a:ext cx="0" cy="618826"/>
+          </a:xfrm>
+          <a:prstGeom prst="line">
+            <a:avLst/>
+          </a:prstGeom>
+          <a:ln w="12700">
+            <a:solidFill>
+              <a:srgbClr val="2F528F"/>
+            </a:solidFill>
+          </a:ln>
+        </p:spPr>
+        <p:style>
+          <a:lnRef idx="1">
+            <a:schemeClr val="accent1"/>
+          </a:lnRef>
+          <a:fillRef idx="0">
+            <a:schemeClr val="accent1"/>
+          </a:fillRef>
+          <a:effectRef idx="0">
+            <a:schemeClr val="accent1"/>
+          </a:effectRef>
+          <a:fontRef idx="minor">
+            <a:schemeClr val="tx1"/>
+          </a:fontRef>
+        </p:style>
+      </p:cxnSp>
+      <p:sp>
+        <p:nvSpPr>
+          <p:cNvPr id="86" name="文字方塊 85">
+            <a:extLst>
+              <a:ext uri="{FF2B5EF4-FFF2-40B4-BE49-F238E27FC236}">
+                <a16:creationId xmlns:a16="http://schemas.microsoft.com/office/drawing/2014/main" id="{9C2C8D90-7802-E853-6020-48A748528B7B}"/>
+              </a:ext>
+            </a:extLst>
+          </p:cNvPr>
+          <p:cNvSpPr txBox="1"/>
+          <p:nvPr/>
+        </p:nvSpPr>
+        <p:spPr>
+          <a:xfrm>
+            <a:off x="6596531" y="1165849"/>
+            <a:ext cx="250390" cy="246221"/>
+          </a:xfrm>
+          <a:prstGeom prst="rect">
+            <a:avLst/>
+          </a:prstGeom>
+          <a:noFill/>
+        </p:spPr>
+        <p:txBody>
+          <a:bodyPr wrap="none" rtlCol="0">
+            <a:spAutoFit/>
+          </a:bodyPr>
+          <a:lstStyle/>
+          <a:p>
+            <a:r>
+              <a:rPr kumimoji="1" lang="en-US" altLang="zh-TW" sz="1000" i="1" dirty="0">
+                <a:solidFill>
+                  <a:schemeClr val="accent1">
+                    <a:lumMod val="50000"/>
+                  </a:schemeClr>
+                </a:solidFill>
+                <a:latin typeface="Minion Pro" panose="02040503050306020203" pitchFamily="18" charset="0"/>
+              </a:rPr>
+              <a:t>h</a:t>
+            </a:r>
+            <a:endParaRPr kumimoji="1" lang="zh-TW" altLang="en-US" sz="1100" i="1" dirty="0">
+              <a:solidFill>
+                <a:schemeClr val="accent1">
+                  <a:lumMod val="50000"/>
+                </a:schemeClr>
+              </a:solidFill>
+              <a:latin typeface="Minion Pro" panose="02040503050306020203" pitchFamily="18" charset="0"/>
+            </a:endParaRPr>
+          </a:p>
+        </p:txBody>
+      </p:sp>
+      <p:sp>
+        <p:nvSpPr>
+          <p:cNvPr id="87" name="文字方塊 86">
+            <a:extLst>
+              <a:ext uri="{FF2B5EF4-FFF2-40B4-BE49-F238E27FC236}">
+                <a16:creationId xmlns:a16="http://schemas.microsoft.com/office/drawing/2014/main" id="{745D00F3-9E45-64EE-0FF7-8BEC83D73EC3}"/>
+              </a:ext>
+            </a:extLst>
+          </p:cNvPr>
+          <p:cNvSpPr txBox="1"/>
+          <p:nvPr/>
+        </p:nvSpPr>
+        <p:spPr>
+          <a:xfrm>
+            <a:off x="6960103" y="975352"/>
+            <a:ext cx="250390" cy="246221"/>
+          </a:xfrm>
+          <a:prstGeom prst="rect">
+            <a:avLst/>
+          </a:prstGeom>
+          <a:noFill/>
+        </p:spPr>
+        <p:txBody>
+          <a:bodyPr wrap="none" rtlCol="0">
+            <a:spAutoFit/>
+          </a:bodyPr>
+          <a:lstStyle/>
+          <a:p>
+            <a:r>
+              <a:rPr kumimoji="1" lang="en-US" altLang="zh-TW" sz="1000" i="1" dirty="0">
+                <a:solidFill>
+                  <a:schemeClr val="accent1">
+                    <a:lumMod val="50000"/>
+                  </a:schemeClr>
+                </a:solidFill>
+                <a:latin typeface="Minion Pro" panose="02040503050306020203" pitchFamily="18" charset="0"/>
+              </a:rPr>
+              <a:t>d</a:t>
+            </a:r>
+            <a:endParaRPr kumimoji="1" lang="zh-TW" altLang="en-US" sz="1100" i="1" dirty="0">
+              <a:solidFill>
+                <a:schemeClr val="accent1">
+                  <a:lumMod val="50000"/>
+                </a:schemeClr>
+              </a:solidFill>
+              <a:latin typeface="Minion Pro" panose="02040503050306020203" pitchFamily="18" charset="0"/>
+            </a:endParaRPr>
+          </a:p>
+        </p:txBody>
+      </p:sp>
+      <p:sp>
+        <p:nvSpPr>
+          <p:cNvPr id="88" name="文字方塊 87">
+            <a:extLst>
+              <a:ext uri="{FF2B5EF4-FFF2-40B4-BE49-F238E27FC236}">
+                <a16:creationId xmlns:a16="http://schemas.microsoft.com/office/drawing/2014/main" id="{DB8B0FEE-CFD1-CCAC-E534-559A3965E424}"/>
+              </a:ext>
+            </a:extLst>
+          </p:cNvPr>
+          <p:cNvSpPr txBox="1"/>
+          <p:nvPr/>
+        </p:nvSpPr>
+        <p:spPr>
+          <a:xfrm>
+            <a:off x="6960103" y="1315686"/>
+            <a:ext cx="250390" cy="246221"/>
+          </a:xfrm>
+          <a:prstGeom prst="rect">
+            <a:avLst/>
+          </a:prstGeom>
+          <a:noFill/>
+        </p:spPr>
+        <p:txBody>
+          <a:bodyPr wrap="none" rtlCol="0">
+            <a:spAutoFit/>
+          </a:bodyPr>
+          <a:lstStyle/>
+          <a:p>
+            <a:r>
+              <a:rPr kumimoji="1" lang="en-US" altLang="zh-TW" sz="1000" i="1" dirty="0" err="1">
+                <a:solidFill>
+                  <a:schemeClr val="accent1">
+                    <a:lumMod val="50000"/>
+                  </a:schemeClr>
+                </a:solidFill>
+                <a:latin typeface="Minion Pro" panose="02040503050306020203" pitchFamily="18" charset="0"/>
+              </a:rPr>
+              <a:t>θ</a:t>
+            </a:r>
+            <a:endParaRPr kumimoji="1" lang="zh-TW" altLang="en-US" sz="1100" i="1" dirty="0">
+              <a:solidFill>
+                <a:schemeClr val="accent1">
+                  <a:lumMod val="50000"/>
+                </a:schemeClr>
+              </a:solidFill>
+              <a:latin typeface="Minion Pro" panose="02040503050306020203" pitchFamily="18" charset="0"/>
+            </a:endParaRPr>
+          </a:p>
+        </p:txBody>
+      </p:sp>
+      <p:sp>
+        <p:nvSpPr>
+          <p:cNvPr id="89" name="弧線 88">
+            <a:extLst>
+              <a:ext uri="{FF2B5EF4-FFF2-40B4-BE49-F238E27FC236}">
+                <a16:creationId xmlns:a16="http://schemas.microsoft.com/office/drawing/2014/main" id="{D7F1A100-4E4F-7844-1881-65E56B902896}"/>
+              </a:ext>
+            </a:extLst>
+          </p:cNvPr>
+          <p:cNvSpPr/>
+          <p:nvPr/>
+        </p:nvSpPr>
+        <p:spPr>
+          <a:xfrm>
+            <a:off x="7145839" y="1405445"/>
+            <a:ext cx="222629" cy="276502"/>
+          </a:xfrm>
+          <a:prstGeom prst="arc">
+            <a:avLst>
+              <a:gd name="adj1" fmla="val 11131666"/>
+              <a:gd name="adj2" fmla="val 16253523"/>
+            </a:avLst>
+          </a:prstGeom>
+          <a:ln w="9525">
+            <a:solidFill>
+              <a:srgbClr val="2F528F"/>
+            </a:solidFill>
+            <a:headEnd type="none"/>
+          </a:ln>
+        </p:spPr>
+        <p:style>
+          <a:lnRef idx="1">
+            <a:schemeClr val="accent1"/>
+          </a:lnRef>
+          <a:fillRef idx="0">
+            <a:schemeClr val="accent1"/>
+          </a:fillRef>
+          <a:effectRef idx="0">
+            <a:schemeClr val="accent1"/>
+          </a:effectRef>
+          <a:fontRef idx="minor">
+            <a:schemeClr val="tx1"/>
+          </a:fontRef>
+        </p:style>
+        <p:txBody>
+          <a:bodyPr rtlCol="0" anchor="ctr"/>
+          <a:lstStyle/>
+          <a:p>
+            <a:pPr algn="ctr"/>
+            <a:endParaRPr kumimoji="1" lang="zh-TW" altLang="en-US"/>
+          </a:p>
+        </p:txBody>
+      </p:sp>
+      <p:sp>
+        <p:nvSpPr>
+          <p:cNvPr id="96" name="文字方塊 95">
+            <a:extLst>
+              <a:ext uri="{FF2B5EF4-FFF2-40B4-BE49-F238E27FC236}">
+                <a16:creationId xmlns:a16="http://schemas.microsoft.com/office/drawing/2014/main" id="{503A4CF2-4B3F-0C83-D150-3946008F8611}"/>
+              </a:ext>
+            </a:extLst>
+          </p:cNvPr>
+          <p:cNvSpPr txBox="1"/>
+          <p:nvPr/>
+        </p:nvSpPr>
+        <p:spPr>
+          <a:xfrm>
+            <a:off x="6163990" y="3188630"/>
+            <a:ext cx="306494" cy="307777"/>
+          </a:xfrm>
+          <a:prstGeom prst="rect">
+            <a:avLst/>
+          </a:prstGeom>
+          <a:noFill/>
+        </p:spPr>
+        <p:txBody>
+          <a:bodyPr wrap="none" rtlCol="0">
+            <a:spAutoFit/>
+          </a:bodyPr>
+          <a:lstStyle/>
+          <a:p>
+            <a:r>
+              <a:rPr kumimoji="1" lang="en-US" altLang="zh-TW" sz="1400" i="1" dirty="0">
+                <a:solidFill>
+                  <a:schemeClr val="tx1">
+                    <a:lumMod val="85000"/>
+                    <a:lumOff val="15000"/>
+                  </a:schemeClr>
+                </a:solidFill>
+                <a:latin typeface="Minion Pro" panose="02040503050306020203" pitchFamily="18" charset="0"/>
+              </a:rPr>
+              <a:t>G</a:t>
+            </a:r>
+            <a:endParaRPr kumimoji="1" lang="zh-TW" altLang="en-US" i="1" dirty="0">
+              <a:solidFill>
+                <a:schemeClr val="tx1">
+                  <a:lumMod val="85000"/>
+                  <a:lumOff val="15000"/>
+                </a:schemeClr>
+              </a:solidFill>
+              <a:latin typeface="Minion Pro" panose="02040503050306020203" pitchFamily="18" charset="0"/>
+            </a:endParaRPr>
+          </a:p>
+        </p:txBody>
+      </p:sp>
+      <p:sp>
+        <p:nvSpPr>
+          <p:cNvPr id="98" name="三角形 97">
+            <a:extLst>
+              <a:ext uri="{FF2B5EF4-FFF2-40B4-BE49-F238E27FC236}">
+                <a16:creationId xmlns:a16="http://schemas.microsoft.com/office/drawing/2014/main" id="{F16B6D42-B91A-26EE-A54E-7FB0BDDAB367}"/>
+              </a:ext>
+            </a:extLst>
+          </p:cNvPr>
+          <p:cNvSpPr/>
+          <p:nvPr/>
+        </p:nvSpPr>
+        <p:spPr>
+          <a:xfrm rot="11640000" flipH="1" flipV="1">
+            <a:off x="6484489" y="3172830"/>
+            <a:ext cx="2487122" cy="415111"/>
+          </a:xfrm>
+          <a:prstGeom prst="triangle">
+            <a:avLst>
+              <a:gd name="adj" fmla="val 66705"/>
+            </a:avLst>
+          </a:prstGeom>
+          <a:noFill/>
+          <a:ln>
+            <a:solidFill>
+              <a:schemeClr val="tx1">
+                <a:lumMod val="85000"/>
+                <a:lumOff val="15000"/>
+              </a:schemeClr>
+            </a:solidFill>
+          </a:ln>
+        </p:spPr>
+        <p:style>
+          <a:lnRef idx="2">
+            <a:schemeClr val="accent1">
+              <a:shade val="50000"/>
+            </a:schemeClr>
+          </a:lnRef>
+          <a:fillRef idx="1">
+            <a:schemeClr val="accent1"/>
+          </a:fillRef>
+          <a:effectRef idx="0">
+            <a:schemeClr val="accent1"/>
+          </a:effectRef>
+          <a:fontRef idx="minor">
+            <a:schemeClr val="lt1"/>
+          </a:fontRef>
+        </p:style>
+        <p:txBody>
+          <a:bodyPr rtlCol="0" anchor="ctr"/>
+          <a:lstStyle/>
+          <a:p>
+            <a:pPr algn="ctr"/>
+            <a:endParaRPr kumimoji="1" lang="zh-TW" altLang="en-US" dirty="0"/>
+          </a:p>
+        </p:txBody>
+      </p:sp>
+      <p:pic>
+        <p:nvPicPr>
+          <p:cNvPr id="100" name="圖片 99">
+            <a:extLst>
+              <a:ext uri="{FF2B5EF4-FFF2-40B4-BE49-F238E27FC236}">
+                <a16:creationId xmlns:a16="http://schemas.microsoft.com/office/drawing/2014/main" id="{05ED86E0-BB38-F43B-349F-B55AED724EB5}"/>
+              </a:ext>
+            </a:extLst>
+          </p:cNvPr>
+          <p:cNvPicPr>
+            <a:picLocks noChangeAspect="1"/>
+          </p:cNvPicPr>
+          <p:nvPr/>
+        </p:nvPicPr>
+        <p:blipFill>
+          <a:blip r:embed="rId3"/>
+          <a:stretch>
+            <a:fillRect/>
+          </a:stretch>
+        </p:blipFill>
+        <p:spPr>
+          <a:xfrm>
+            <a:off x="7489316" y="3669157"/>
+            <a:ext cx="241300" cy="165100"/>
+          </a:xfrm>
+          <a:prstGeom prst="rect">
+            <a:avLst/>
+          </a:prstGeom>
+        </p:spPr>
+      </p:pic>
+      <p:sp>
+        <p:nvSpPr>
+          <p:cNvPr id="101" name="文字方塊 100">
+            <a:extLst>
+              <a:ext uri="{FF2B5EF4-FFF2-40B4-BE49-F238E27FC236}">
+                <a16:creationId xmlns:a16="http://schemas.microsoft.com/office/drawing/2014/main" id="{A9174747-1DC1-94F9-8948-147E74CA18F7}"/>
+              </a:ext>
+            </a:extLst>
+          </p:cNvPr>
+          <p:cNvSpPr txBox="1"/>
+          <p:nvPr/>
+        </p:nvSpPr>
+        <p:spPr>
+          <a:xfrm>
+            <a:off x="8884496" y="3780172"/>
+            <a:ext cx="285656" cy="307777"/>
+          </a:xfrm>
+          <a:prstGeom prst="rect">
+            <a:avLst/>
+          </a:prstGeom>
+          <a:noFill/>
+        </p:spPr>
+        <p:txBody>
+          <a:bodyPr wrap="none" rtlCol="0">
+            <a:spAutoFit/>
+          </a:bodyPr>
+          <a:lstStyle/>
+          <a:p>
+            <a:r>
+              <a:rPr kumimoji="1" lang="en-US" altLang="zh-TW" sz="1400" i="1" dirty="0">
+                <a:solidFill>
+                  <a:schemeClr val="tx1">
+                    <a:lumMod val="85000"/>
+                    <a:lumOff val="15000"/>
+                  </a:schemeClr>
+                </a:solidFill>
+                <a:latin typeface="Minion Pro" panose="02040503050306020203" pitchFamily="18" charset="0"/>
+              </a:rPr>
+              <a:t>E</a:t>
+            </a:r>
+            <a:endParaRPr kumimoji="1" lang="zh-TW" altLang="en-US" i="1" dirty="0">
+              <a:solidFill>
+                <a:schemeClr val="tx1">
+                  <a:lumMod val="85000"/>
+                  <a:lumOff val="15000"/>
+                </a:schemeClr>
+              </a:solidFill>
+              <a:latin typeface="Minion Pro" panose="02040503050306020203" pitchFamily="18" charset="0"/>
+            </a:endParaRPr>
+          </a:p>
+        </p:txBody>
+      </p:sp>
+      <p:sp>
+        <p:nvSpPr>
+          <p:cNvPr id="102" name="文字方塊 101">
+            <a:extLst>
+              <a:ext uri="{FF2B5EF4-FFF2-40B4-BE49-F238E27FC236}">
+                <a16:creationId xmlns:a16="http://schemas.microsoft.com/office/drawing/2014/main" id="{42C5ADB3-5345-09BE-8A63-FEF8A7F3325C}"/>
+              </a:ext>
+            </a:extLst>
+          </p:cNvPr>
+          <p:cNvSpPr txBox="1"/>
+          <p:nvPr/>
+        </p:nvSpPr>
+        <p:spPr>
+          <a:xfrm>
+            <a:off x="6750261" y="1541263"/>
+            <a:ext cx="478016" cy="246221"/>
+          </a:xfrm>
+          <a:prstGeom prst="rect">
+            <a:avLst/>
+          </a:prstGeom>
+          <a:noFill/>
+        </p:spPr>
+        <p:txBody>
+          <a:bodyPr wrap="none" rtlCol="0">
+            <a:spAutoFit/>
+          </a:bodyPr>
+          <a:lstStyle/>
+          <a:p>
+            <a:r>
+              <a:rPr kumimoji="1" lang="en-US" altLang="zh-TW" sz="1000" i="1" dirty="0" err="1">
+                <a:solidFill>
+                  <a:schemeClr val="accent1">
+                    <a:lumMod val="50000"/>
+                  </a:schemeClr>
+                </a:solidFill>
+                <a:latin typeface="Minion Pro" panose="02040503050306020203" pitchFamily="18" charset="0"/>
+              </a:rPr>
+              <a:t>d</a:t>
+            </a:r>
+            <a:r>
+              <a:rPr kumimoji="1" lang="en-US" altLang="zh-TW" sz="1000" dirty="0" err="1">
+                <a:solidFill>
+                  <a:schemeClr val="accent1">
+                    <a:lumMod val="50000"/>
+                  </a:schemeClr>
+                </a:solidFill>
+                <a:latin typeface="Minion Pro" panose="02040503050306020203" pitchFamily="18" charset="0"/>
+              </a:rPr>
+              <a:t>cos</a:t>
+            </a:r>
+            <a:r>
+              <a:rPr kumimoji="1" lang="en-US" altLang="zh-TW" sz="1000" i="1" dirty="0" err="1">
+                <a:solidFill>
+                  <a:schemeClr val="accent1">
+                    <a:lumMod val="50000"/>
+                  </a:schemeClr>
+                </a:solidFill>
+                <a:latin typeface="Minion Pro" panose="02040503050306020203" pitchFamily="18" charset="0"/>
+              </a:rPr>
+              <a:t>θ</a:t>
+            </a:r>
+            <a:endParaRPr kumimoji="1" lang="zh-TW" altLang="en-US" sz="1400" i="1" dirty="0">
+              <a:solidFill>
+                <a:schemeClr val="accent1">
+                  <a:lumMod val="50000"/>
+                </a:schemeClr>
+              </a:solidFill>
+              <a:latin typeface="Minion Pro" panose="02040503050306020203" pitchFamily="18" charset="0"/>
+            </a:endParaRPr>
+          </a:p>
+        </p:txBody>
+      </p:sp>
+      <p:sp>
+        <p:nvSpPr>
+          <p:cNvPr id="103" name="文字方塊 102">
+            <a:extLst>
+              <a:ext uri="{FF2B5EF4-FFF2-40B4-BE49-F238E27FC236}">
+                <a16:creationId xmlns:a16="http://schemas.microsoft.com/office/drawing/2014/main" id="{A19F5D21-00D5-A9AF-2052-8BC6DDBC278F}"/>
+              </a:ext>
+            </a:extLst>
+          </p:cNvPr>
+          <p:cNvSpPr txBox="1"/>
+          <p:nvPr/>
+        </p:nvSpPr>
+        <p:spPr>
+          <a:xfrm>
+            <a:off x="8492209" y="3285912"/>
+            <a:ext cx="593432" cy="307777"/>
+          </a:xfrm>
+          <a:prstGeom prst="rect">
+            <a:avLst/>
+          </a:prstGeom>
+          <a:noFill/>
+        </p:spPr>
+        <p:txBody>
+          <a:bodyPr wrap="none" rtlCol="0">
+            <a:spAutoFit/>
+          </a:bodyPr>
+          <a:lstStyle/>
+          <a:p>
+            <a:r>
+              <a:rPr kumimoji="1" lang="en-US" altLang="zh-TW" sz="1400" i="1" dirty="0" err="1">
+                <a:solidFill>
+                  <a:schemeClr val="tx1">
+                    <a:lumMod val="85000"/>
+                    <a:lumOff val="15000"/>
+                  </a:schemeClr>
+                </a:solidFill>
+                <a:latin typeface="Minion Pro" panose="02040503050306020203" pitchFamily="18" charset="0"/>
+              </a:rPr>
+              <a:t>d</a:t>
+            </a:r>
+            <a:r>
+              <a:rPr kumimoji="1" lang="en-US" altLang="zh-TW" sz="1400" dirty="0" err="1">
+                <a:solidFill>
+                  <a:schemeClr val="tx1">
+                    <a:lumMod val="85000"/>
+                    <a:lumOff val="15000"/>
+                  </a:schemeClr>
+                </a:solidFill>
+                <a:latin typeface="Minion Pro" panose="02040503050306020203" pitchFamily="18" charset="0"/>
+              </a:rPr>
+              <a:t>cos</a:t>
+            </a:r>
+            <a:r>
+              <a:rPr kumimoji="1" lang="en-US" altLang="zh-TW" sz="1400" i="1" dirty="0" err="1">
+                <a:solidFill>
+                  <a:schemeClr val="tx1">
+                    <a:lumMod val="85000"/>
+                    <a:lumOff val="15000"/>
+                  </a:schemeClr>
+                </a:solidFill>
+                <a:latin typeface="Minion Pro" panose="02040503050306020203" pitchFamily="18" charset="0"/>
+              </a:rPr>
+              <a:t>θ</a:t>
+            </a:r>
+            <a:endParaRPr kumimoji="1" lang="zh-TW" altLang="en-US" sz="2400" i="1" dirty="0">
+              <a:solidFill>
+                <a:schemeClr val="tx1">
+                  <a:lumMod val="85000"/>
+                  <a:lumOff val="15000"/>
+                </a:schemeClr>
+              </a:solidFill>
+              <a:latin typeface="Minion Pro" panose="02040503050306020203" pitchFamily="18" charset="0"/>
+            </a:endParaRPr>
+          </a:p>
+        </p:txBody>
+      </p:sp>
+      <p:sp>
+        <p:nvSpPr>
+          <p:cNvPr id="104" name="弧線 103">
+            <a:extLst>
+              <a:ext uri="{FF2B5EF4-FFF2-40B4-BE49-F238E27FC236}">
+                <a16:creationId xmlns:a16="http://schemas.microsoft.com/office/drawing/2014/main" id="{A32CDF0B-1326-4C5E-4A4A-AD20C290B84E}"/>
+              </a:ext>
+            </a:extLst>
+          </p:cNvPr>
+          <p:cNvSpPr/>
+          <p:nvPr/>
+        </p:nvSpPr>
+        <p:spPr>
+          <a:xfrm>
+            <a:off x="4361044" y="2765653"/>
+            <a:ext cx="202145" cy="211675"/>
+          </a:xfrm>
+          <a:prstGeom prst="arc">
+            <a:avLst>
+              <a:gd name="adj1" fmla="val 5960494"/>
+              <a:gd name="adj2" fmla="val 13126385"/>
+            </a:avLst>
+          </a:prstGeom>
+          <a:ln w="12700">
+            <a:solidFill>
+              <a:schemeClr val="tx1">
+                <a:lumMod val="85000"/>
+                <a:lumOff val="15000"/>
+              </a:schemeClr>
+            </a:solidFill>
+            <a:headEnd type="none"/>
+          </a:ln>
+        </p:spPr>
+        <p:style>
+          <a:lnRef idx="1">
+            <a:schemeClr val="accent1"/>
+          </a:lnRef>
+          <a:fillRef idx="0">
+            <a:schemeClr val="accent1"/>
+          </a:fillRef>
+          <a:effectRef idx="0">
+            <a:schemeClr val="accent1"/>
+          </a:effectRef>
+          <a:fontRef idx="minor">
+            <a:schemeClr val="tx1"/>
+          </a:fontRef>
+        </p:style>
+        <p:txBody>
+          <a:bodyPr rtlCol="0" anchor="ctr"/>
+          <a:lstStyle/>
+          <a:p>
+            <a:pPr algn="ctr"/>
+            <a:endParaRPr kumimoji="1" lang="zh-TW" altLang="en-US"/>
+          </a:p>
+        </p:txBody>
+      </p:sp>
+      <p:pic>
+        <p:nvPicPr>
+          <p:cNvPr id="105" name="圖片 104">
+            <a:extLst>
+              <a:ext uri="{FF2B5EF4-FFF2-40B4-BE49-F238E27FC236}">
+                <a16:creationId xmlns:a16="http://schemas.microsoft.com/office/drawing/2014/main" id="{329BCF34-7C42-01F1-4954-55981179BE82}"/>
+              </a:ext>
+            </a:extLst>
+          </p:cNvPr>
+          <p:cNvPicPr>
+            <a:picLocks noChangeAspect="1"/>
+          </p:cNvPicPr>
+          <p:nvPr/>
+        </p:nvPicPr>
+        <p:blipFill>
+          <a:blip r:embed="rId6"/>
+          <a:stretch>
+            <a:fillRect/>
+          </a:stretch>
+        </p:blipFill>
+        <p:spPr>
+          <a:xfrm>
+            <a:off x="4176618" y="2848172"/>
+            <a:ext cx="101600" cy="165100"/>
+          </a:xfrm>
+          <a:prstGeom prst="rect">
+            <a:avLst/>
+          </a:prstGeom>
+        </p:spPr>
+      </p:pic>
+      <p:sp>
+        <p:nvSpPr>
+          <p:cNvPr id="106" name="弧線 105">
+            <a:extLst>
+              <a:ext uri="{FF2B5EF4-FFF2-40B4-BE49-F238E27FC236}">
+                <a16:creationId xmlns:a16="http://schemas.microsoft.com/office/drawing/2014/main" id="{EA242813-B2A0-4032-2D10-71CD2C023896}"/>
+              </a:ext>
+            </a:extLst>
+          </p:cNvPr>
+          <p:cNvSpPr/>
+          <p:nvPr/>
+        </p:nvSpPr>
+        <p:spPr>
+          <a:xfrm>
+            <a:off x="8580913" y="3650665"/>
+            <a:ext cx="202145" cy="211675"/>
+          </a:xfrm>
+          <a:prstGeom prst="arc">
+            <a:avLst>
+              <a:gd name="adj1" fmla="val 9174533"/>
+              <a:gd name="adj2" fmla="val 14145020"/>
+            </a:avLst>
+          </a:prstGeom>
+          <a:ln w="12700">
+            <a:solidFill>
+              <a:schemeClr val="tx1">
+                <a:lumMod val="85000"/>
+                <a:lumOff val="15000"/>
+              </a:schemeClr>
+            </a:solidFill>
+            <a:headEnd type="none"/>
+          </a:ln>
+        </p:spPr>
+        <p:style>
+          <a:lnRef idx="1">
+            <a:schemeClr val="accent1"/>
+          </a:lnRef>
+          <a:fillRef idx="0">
+            <a:schemeClr val="accent1"/>
+          </a:fillRef>
+          <a:effectRef idx="0">
+            <a:schemeClr val="accent1"/>
+          </a:effectRef>
+          <a:fontRef idx="minor">
+            <a:schemeClr val="tx1"/>
+          </a:fontRef>
+        </p:style>
+        <p:txBody>
+          <a:bodyPr rtlCol="0" anchor="ctr"/>
+          <a:lstStyle/>
+          <a:p>
+            <a:pPr algn="ctr"/>
+            <a:endParaRPr kumimoji="1" lang="zh-TW" altLang="en-US"/>
+          </a:p>
+        </p:txBody>
+      </p:sp>
+      <p:pic>
+        <p:nvPicPr>
+          <p:cNvPr id="108" name="圖片 107">
+            <a:extLst>
+              <a:ext uri="{FF2B5EF4-FFF2-40B4-BE49-F238E27FC236}">
+                <a16:creationId xmlns:a16="http://schemas.microsoft.com/office/drawing/2014/main" id="{E40D92FE-FDEC-DDD9-6F83-2C1EB6582863}"/>
+              </a:ext>
+            </a:extLst>
+          </p:cNvPr>
+          <p:cNvPicPr>
+            <a:picLocks noChangeAspect="1"/>
+          </p:cNvPicPr>
+          <p:nvPr/>
+        </p:nvPicPr>
+        <p:blipFill>
+          <a:blip r:embed="rId6"/>
+          <a:stretch>
+            <a:fillRect/>
+          </a:stretch>
+        </p:blipFill>
+        <p:spPr>
+          <a:xfrm>
+            <a:off x="8377875" y="3561391"/>
+            <a:ext cx="101600" cy="165100"/>
+          </a:xfrm>
+          <a:prstGeom prst="rect">
+            <a:avLst/>
+          </a:prstGeom>
+        </p:spPr>
+      </p:pic>
     </p:spTree>
     <p:extLst>
       <p:ext uri="{BB962C8B-B14F-4D97-AF65-F5344CB8AC3E}">

--- a/doc/scheme.pptx
+++ b/doc/scheme.pptx
@@ -3337,7 +3337,7 @@
         </p:nvCxnSpPr>
         <p:spPr>
           <a:xfrm flipV="1">
-            <a:off x="2175282" y="661736"/>
+            <a:off x="1606322" y="621096"/>
             <a:ext cx="0" cy="2132750"/>
           </a:xfrm>
           <a:prstGeom prst="straightConnector1">
@@ -3379,7 +3379,7 @@
         </p:nvCxnSpPr>
         <p:spPr>
           <a:xfrm>
-            <a:off x="2175282" y="2794486"/>
+            <a:off x="1606322" y="2753846"/>
             <a:ext cx="3431433" cy="0"/>
           </a:xfrm>
           <a:prstGeom prst="straightConnector1">
@@ -3421,7 +3421,7 @@
         </p:nvCxnSpPr>
         <p:spPr>
           <a:xfrm flipH="1">
-            <a:off x="1127292" y="2789868"/>
+            <a:off x="558332" y="2749228"/>
             <a:ext cx="1047990" cy="1219636"/>
           </a:xfrm>
           <a:prstGeom prst="straightConnector1">
@@ -3461,7 +3461,7 @@
         </p:nvSpPr>
         <p:spPr>
           <a:xfrm>
-            <a:off x="2175281" y="1409041"/>
+            <a:off x="1606321" y="1368401"/>
             <a:ext cx="2770909" cy="1380828"/>
           </a:xfrm>
           <a:prstGeom prst="triangle">
@@ -3516,7 +3516,7 @@
         </p:nvCxnSpPr>
         <p:spPr>
           <a:xfrm>
-            <a:off x="3205729" y="1409041"/>
+            <a:off x="2636769" y="1368401"/>
             <a:ext cx="0" cy="618826"/>
           </a:xfrm>
           <a:prstGeom prst="line">
@@ -3559,7 +3559,7 @@
         </p:nvCxnSpPr>
         <p:spPr>
           <a:xfrm flipH="1">
-            <a:off x="3205729" y="2027867"/>
+            <a:off x="2636769" y="1987227"/>
             <a:ext cx="1389" cy="762001"/>
           </a:xfrm>
           <a:prstGeom prst="line">
@@ -3598,7 +3598,7 @@
         </p:nvSpPr>
         <p:spPr>
           <a:xfrm>
-            <a:off x="2175281" y="1732308"/>
+            <a:off x="1606321" y="1691668"/>
             <a:ext cx="2770909" cy="1062180"/>
           </a:xfrm>
           <a:prstGeom prst="triangle">
@@ -3658,7 +3658,7 @@
         </p:nvCxnSpPr>
         <p:spPr>
           <a:xfrm>
-            <a:off x="2535527" y="1732308"/>
+            <a:off x="1966567" y="1691668"/>
             <a:ext cx="670202" cy="1057560"/>
           </a:xfrm>
           <a:prstGeom prst="line">
@@ -3699,7 +3699,7 @@
         </p:nvSpPr>
         <p:spPr>
           <a:xfrm>
-            <a:off x="3007604" y="2311178"/>
+            <a:off x="2438644" y="2270538"/>
             <a:ext cx="371476" cy="346984"/>
           </a:xfrm>
           <a:prstGeom prst="arc">
@@ -3760,7 +3760,7 @@
         </p:blipFill>
         <p:spPr>
           <a:xfrm>
-            <a:off x="2986414" y="2131070"/>
+            <a:off x="2417454" y="2090430"/>
             <a:ext cx="101600" cy="177800"/>
           </a:xfrm>
           <a:prstGeom prst="rect">
@@ -3782,7 +3782,7 @@
         </p:nvSpPr>
         <p:spPr>
           <a:xfrm>
-            <a:off x="3960137" y="1732308"/>
+            <a:off x="3391177" y="1691668"/>
             <a:ext cx="276038" cy="307777"/>
           </a:xfrm>
           <a:prstGeom prst="rect">
@@ -3832,7 +3832,7 @@
         </p:nvSpPr>
         <p:spPr>
           <a:xfrm>
-            <a:off x="2616998" y="1495424"/>
+            <a:off x="2048038" y="1454784"/>
             <a:ext cx="311304" cy="307777"/>
           </a:xfrm>
           <a:prstGeom prst="rect">
@@ -3885,7 +3885,7 @@
         </p:nvCxnSpPr>
         <p:spPr>
           <a:xfrm flipH="1">
-            <a:off x="2267929" y="1409041"/>
+            <a:off x="1698969" y="1368401"/>
             <a:ext cx="932588" cy="2431085"/>
           </a:xfrm>
           <a:prstGeom prst="line">
@@ -3928,7 +3928,7 @@
         </p:nvCxnSpPr>
         <p:spPr>
           <a:xfrm flipH="1">
-            <a:off x="2269318" y="1732308"/>
+            <a:off x="1700358" y="1691668"/>
             <a:ext cx="269299" cy="2107818"/>
           </a:xfrm>
           <a:prstGeom prst="line">
@@ -3969,7 +3969,7 @@
         </p:nvSpPr>
         <p:spPr>
           <a:xfrm>
-            <a:off x="3182992" y="1791678"/>
+            <a:off x="2614032" y="1751038"/>
             <a:ext cx="276038" cy="307777"/>
           </a:xfrm>
           <a:prstGeom prst="rect">
@@ -4019,7 +4019,7 @@
         </p:nvCxnSpPr>
         <p:spPr>
           <a:xfrm flipH="1">
-            <a:off x="2267929" y="2794486"/>
+            <a:off x="1698969" y="2753846"/>
             <a:ext cx="939189" cy="1045640"/>
           </a:xfrm>
           <a:prstGeom prst="line">
@@ -4063,7 +4063,7 @@
         </p:nvSpPr>
         <p:spPr>
           <a:xfrm>
-            <a:off x="2083587" y="3855616"/>
+            <a:off x="1514627" y="3814976"/>
             <a:ext cx="306494" cy="307777"/>
           </a:xfrm>
           <a:prstGeom prst="rect">
@@ -4115,7 +4115,7 @@
         </p:nvSpPr>
         <p:spPr>
           <a:xfrm>
-            <a:off x="1899425" y="2578635"/>
+            <a:off x="1330465" y="2537995"/>
             <a:ext cx="268022" cy="307777"/>
           </a:xfrm>
           <a:prstGeom prst="rect">
@@ -4167,7 +4167,7 @@
         </p:nvSpPr>
         <p:spPr>
           <a:xfrm>
-            <a:off x="4919421" y="2504273"/>
+            <a:off x="4350461" y="2463633"/>
             <a:ext cx="285656" cy="307777"/>
           </a:xfrm>
           <a:prstGeom prst="rect">
@@ -4221,7 +4221,7 @@
         </p:nvCxnSpPr>
         <p:spPr>
           <a:xfrm flipH="1">
-            <a:off x="2272819" y="2794485"/>
+            <a:off x="1703859" y="2753845"/>
             <a:ext cx="2673371" cy="1037372"/>
           </a:xfrm>
           <a:prstGeom prst="line">
@@ -4273,7 +4273,7 @@
         </p:blipFill>
         <p:spPr>
           <a:xfrm>
-            <a:off x="3655390" y="3375188"/>
+            <a:off x="3086273" y="3377065"/>
             <a:ext cx="241300" cy="165100"/>
           </a:xfrm>
           <a:prstGeom prst="rect">
@@ -4303,7 +4303,7 @@
         </p:blipFill>
         <p:spPr>
           <a:xfrm>
-            <a:off x="2955918" y="3118780"/>
+            <a:off x="2386958" y="3078140"/>
             <a:ext cx="88900" cy="139700"/>
           </a:xfrm>
           <a:prstGeom prst="rect">
@@ -4325,7 +4325,7 @@
         </p:nvSpPr>
         <p:spPr>
           <a:xfrm>
-            <a:off x="2747999" y="2399855"/>
+            <a:off x="2179039" y="2359215"/>
             <a:ext cx="250390" cy="307777"/>
           </a:xfrm>
           <a:prstGeom prst="rect">
@@ -4375,7 +4375,7 @@
         </p:nvSpPr>
         <p:spPr>
           <a:xfrm>
-            <a:off x="2113503" y="2841448"/>
+            <a:off x="1544543" y="2800808"/>
             <a:ext cx="290464" cy="307777"/>
           </a:xfrm>
           <a:prstGeom prst="rect">
@@ -4421,7 +4421,7 @@
         </p:nvSpPr>
         <p:spPr>
           <a:xfrm>
-            <a:off x="6171119" y="912160"/>
+            <a:off x="3849914" y="590099"/>
             <a:ext cx="1241799" cy="618826"/>
           </a:xfrm>
           <a:prstGeom prst="triangle">
@@ -4474,7 +4474,7 @@
         </p:nvSpPr>
         <p:spPr>
           <a:xfrm>
-            <a:off x="7790984" y="912160"/>
+            <a:off x="5587137" y="590099"/>
             <a:ext cx="1241799" cy="618826"/>
           </a:xfrm>
           <a:prstGeom prst="triangle">
@@ -4532,7 +4532,7 @@
         </p:nvSpPr>
         <p:spPr>
           <a:xfrm>
-            <a:off x="7463932" y="1085295"/>
+            <a:off x="5142727" y="763234"/>
             <a:ext cx="292068" cy="307777"/>
           </a:xfrm>
           <a:prstGeom prst="rect">
@@ -4572,7 +4572,7 @@
         </p:nvSpPr>
         <p:spPr>
           <a:xfrm>
-            <a:off x="893885" y="4050723"/>
+            <a:off x="324925" y="4010083"/>
             <a:ext cx="264816" cy="307777"/>
           </a:xfrm>
           <a:prstGeom prst="rect">
@@ -4624,7 +4624,7 @@
         </p:nvSpPr>
         <p:spPr>
           <a:xfrm>
-            <a:off x="5627905" y="2624583"/>
+            <a:off x="5058945" y="2583943"/>
             <a:ext cx="269626" cy="307777"/>
           </a:xfrm>
           <a:prstGeom prst="rect">
@@ -4676,7 +4676,7 @@
         </p:nvSpPr>
         <p:spPr>
           <a:xfrm>
-            <a:off x="2045277" y="308328"/>
+            <a:off x="1476317" y="267688"/>
             <a:ext cx="260008" cy="307777"/>
           </a:xfrm>
           <a:prstGeom prst="rect">
@@ -4728,7 +4728,7 @@
         </p:nvSpPr>
         <p:spPr>
           <a:xfrm flipH="1">
-            <a:off x="6486531" y="2217127"/>
+            <a:off x="5696189" y="2176487"/>
             <a:ext cx="1691450" cy="1062180"/>
           </a:xfrm>
           <a:prstGeom prst="rtTriangle">
@@ -4775,7 +4775,7 @@
         </p:nvSpPr>
         <p:spPr>
           <a:xfrm>
-            <a:off x="6486531" y="2315932"/>
+            <a:off x="5696189" y="2275292"/>
             <a:ext cx="1691450" cy="963646"/>
           </a:xfrm>
           <a:prstGeom prst="triangle">
@@ -4829,7 +4829,7 @@
         </p:nvSpPr>
         <p:spPr>
           <a:xfrm>
-            <a:off x="8177981" y="2578635"/>
+            <a:off x="7387639" y="2537995"/>
             <a:ext cx="854721" cy="307777"/>
           </a:xfrm>
           <a:prstGeom prst="rect">
@@ -4912,7 +4912,7 @@
         </p:nvSpPr>
         <p:spPr>
           <a:xfrm>
-            <a:off x="7611103" y="2672909"/>
+            <a:off x="6820761" y="2632269"/>
             <a:ext cx="276038" cy="307777"/>
           </a:xfrm>
           <a:prstGeom prst="rect">
@@ -4958,7 +4958,7 @@
         </p:nvSpPr>
         <p:spPr>
           <a:xfrm>
-            <a:off x="7748649" y="2107834"/>
+            <a:off x="6958307" y="2067194"/>
             <a:ext cx="250390" cy="307777"/>
           </a:xfrm>
           <a:prstGeom prst="rect">
@@ -5008,7 +5008,7 @@
         </p:nvSpPr>
         <p:spPr>
           <a:xfrm>
-            <a:off x="6838533" y="2504273"/>
+            <a:off x="6048191" y="2463633"/>
             <a:ext cx="290464" cy="307777"/>
           </a:xfrm>
           <a:prstGeom prst="rect">
@@ -5062,7 +5062,7 @@
         </p:blipFill>
         <p:spPr>
           <a:xfrm>
-            <a:off x="7589794" y="3337664"/>
+            <a:off x="6799452" y="3297024"/>
             <a:ext cx="88900" cy="139700"/>
           </a:xfrm>
           <a:prstGeom prst="rect">
@@ -5084,7 +5084,7 @@
         </p:nvSpPr>
         <p:spPr>
           <a:xfrm>
-            <a:off x="8005478" y="2778471"/>
+            <a:off x="7215136" y="2737831"/>
             <a:ext cx="301644" cy="322362"/>
           </a:xfrm>
           <a:prstGeom prst="arc">
@@ -5145,7 +5145,7 @@
         </p:blipFill>
         <p:spPr>
           <a:xfrm>
-            <a:off x="7981761" y="2571157"/>
+            <a:off x="7191419" y="2530517"/>
             <a:ext cx="101600" cy="177800"/>
           </a:xfrm>
           <a:prstGeom prst="rect">
@@ -5167,7 +5167,7 @@
         </p:nvSpPr>
         <p:spPr>
           <a:xfrm>
-            <a:off x="7913222" y="3104026"/>
+            <a:off x="7122880" y="3063386"/>
             <a:ext cx="301644" cy="357109"/>
           </a:xfrm>
           <a:prstGeom prst="arc">
@@ -5228,7 +5228,7 @@
         </p:blipFill>
         <p:spPr>
           <a:xfrm>
-            <a:off x="7481422" y="3023952"/>
+            <a:off x="6691080" y="2983312"/>
             <a:ext cx="431800" cy="203200"/>
           </a:xfrm>
           <a:prstGeom prst="rect">
@@ -5253,7 +5253,7 @@
         </p:nvCxnSpPr>
         <p:spPr>
           <a:xfrm>
-            <a:off x="6630585" y="912160"/>
+            <a:off x="4309380" y="590099"/>
             <a:ext cx="0" cy="618826"/>
           </a:xfrm>
           <a:prstGeom prst="line">
@@ -5294,7 +5294,7 @@
         </p:nvSpPr>
         <p:spPr>
           <a:xfrm>
-            <a:off x="6596531" y="1165849"/>
+            <a:off x="4275326" y="843788"/>
             <a:ext cx="250390" cy="246221"/>
           </a:xfrm>
           <a:prstGeom prst="rect">
@@ -5344,7 +5344,7 @@
         </p:nvSpPr>
         <p:spPr>
           <a:xfrm>
-            <a:off x="6960103" y="975352"/>
+            <a:off x="4638898" y="653291"/>
             <a:ext cx="250390" cy="246221"/>
           </a:xfrm>
           <a:prstGeom prst="rect">
@@ -5394,7 +5394,7 @@
         </p:nvSpPr>
         <p:spPr>
           <a:xfrm>
-            <a:off x="6960103" y="1315686"/>
+            <a:off x="4638898" y="993625"/>
             <a:ext cx="250390" cy="246221"/>
           </a:xfrm>
           <a:prstGeom prst="rect">
@@ -5444,7 +5444,7 @@
         </p:nvSpPr>
         <p:spPr>
           <a:xfrm>
-            <a:off x="7145839" y="1405445"/>
+            <a:off x="4824634" y="1083384"/>
             <a:ext cx="222629" cy="276502"/>
           </a:xfrm>
           <a:prstGeom prst="arc">
@@ -5497,7 +5497,7 @@
         </p:nvSpPr>
         <p:spPr>
           <a:xfrm>
-            <a:off x="6163990" y="3188630"/>
+            <a:off x="5373648" y="3147990"/>
             <a:ext cx="306494" cy="307777"/>
           </a:xfrm>
           <a:prstGeom prst="rect">
@@ -5549,7 +5549,7 @@
         </p:nvSpPr>
         <p:spPr>
           <a:xfrm rot="11640000" flipH="1" flipV="1">
-            <a:off x="6484489" y="3172830"/>
+            <a:off x="5694147" y="3132190"/>
             <a:ext cx="2487122" cy="415111"/>
           </a:xfrm>
           <a:prstGeom prst="triangle">
@@ -5614,7 +5614,7 @@
         </p:blipFill>
         <p:spPr>
           <a:xfrm>
-            <a:off x="7489316" y="3669157"/>
+            <a:off x="6698974" y="3628517"/>
             <a:ext cx="241300" cy="165100"/>
           </a:xfrm>
           <a:prstGeom prst="rect">
@@ -5636,7 +5636,7 @@
         </p:nvSpPr>
         <p:spPr>
           <a:xfrm>
-            <a:off x="8884496" y="3780172"/>
+            <a:off x="8094154" y="3739532"/>
             <a:ext cx="285656" cy="307777"/>
           </a:xfrm>
           <a:prstGeom prst="rect">
@@ -5688,7 +5688,7 @@
         </p:nvSpPr>
         <p:spPr>
           <a:xfrm>
-            <a:off x="6750261" y="1541263"/>
+            <a:off x="4429056" y="1219202"/>
             <a:ext cx="478016" cy="246221"/>
           </a:xfrm>
           <a:prstGeom prst="rect">
@@ -5760,7 +5760,7 @@
         </p:nvSpPr>
         <p:spPr>
           <a:xfrm>
-            <a:off x="8492209" y="3285912"/>
+            <a:off x="7701867" y="3245272"/>
             <a:ext cx="593432" cy="307777"/>
           </a:xfrm>
           <a:prstGeom prst="rect">
@@ -5836,7 +5836,7 @@
         </p:nvSpPr>
         <p:spPr>
           <a:xfrm>
-            <a:off x="4361044" y="2765653"/>
+            <a:off x="3792084" y="2725013"/>
             <a:ext cx="202145" cy="211675"/>
           </a:xfrm>
           <a:prstGeom prst="arc">
@@ -5900,7 +5900,7 @@
         </p:blipFill>
         <p:spPr>
           <a:xfrm>
-            <a:off x="4176618" y="2848172"/>
+            <a:off x="3607658" y="2807532"/>
             <a:ext cx="101600" cy="165100"/>
           </a:xfrm>
           <a:prstGeom prst="rect">
@@ -5922,7 +5922,7 @@
         </p:nvSpPr>
         <p:spPr>
           <a:xfrm>
-            <a:off x="8580913" y="3650665"/>
+            <a:off x="7790571" y="3610025"/>
             <a:ext cx="202145" cy="211675"/>
           </a:xfrm>
           <a:prstGeom prst="arc">
@@ -5986,8 +5986,708 @@
         </p:blipFill>
         <p:spPr>
           <a:xfrm>
-            <a:off x="8377875" y="3561391"/>
+            <a:off x="7587533" y="3520751"/>
             <a:ext cx="101600" cy="165100"/>
+          </a:xfrm>
+          <a:prstGeom prst="rect">
+            <a:avLst/>
+          </a:prstGeom>
+        </p:spPr>
+      </p:pic>
+      <p:pic>
+        <p:nvPicPr>
+          <p:cNvPr id="109" name="圖片 108">
+            <a:extLst>
+              <a:ext uri="{FF2B5EF4-FFF2-40B4-BE49-F238E27FC236}">
+                <a16:creationId xmlns:a16="http://schemas.microsoft.com/office/drawing/2014/main" id="{E77E4199-7377-C5BF-CE21-CDE58E6471C3}"/>
+              </a:ext>
+            </a:extLst>
+          </p:cNvPr>
+          <p:cNvPicPr>
+            <a:picLocks noChangeAspect="1"/>
+          </p:cNvPicPr>
+          <p:nvPr/>
+        </p:nvPicPr>
+        <p:blipFill>
+          <a:blip r:embed="rId7"/>
+          <a:stretch>
+            <a:fillRect/>
+          </a:stretch>
+        </p:blipFill>
+        <p:spPr>
+          <a:xfrm>
+            <a:off x="8605586" y="2573093"/>
+            <a:ext cx="1866900" cy="203200"/>
+          </a:xfrm>
+          <a:prstGeom prst="rect">
+            <a:avLst/>
+          </a:prstGeom>
+        </p:spPr>
+      </p:pic>
+      <p:pic>
+        <p:nvPicPr>
+          <p:cNvPr id="110" name="圖片 109">
+            <a:extLst>
+              <a:ext uri="{FF2B5EF4-FFF2-40B4-BE49-F238E27FC236}">
+                <a16:creationId xmlns:a16="http://schemas.microsoft.com/office/drawing/2014/main" id="{9C0D87C7-145F-6C05-9502-4AFDF7071D38}"/>
+              </a:ext>
+            </a:extLst>
+          </p:cNvPr>
+          <p:cNvPicPr>
+            <a:picLocks noChangeAspect="1"/>
+          </p:cNvPicPr>
+          <p:nvPr/>
+        </p:nvPicPr>
+        <p:blipFill>
+          <a:blip r:embed="rId8"/>
+          <a:stretch>
+            <a:fillRect/>
+          </a:stretch>
+        </p:blipFill>
+        <p:spPr>
+          <a:xfrm>
+            <a:off x="8606996" y="2869012"/>
+            <a:ext cx="2933700" cy="228600"/>
+          </a:xfrm>
+          <a:prstGeom prst="rect">
+            <a:avLst/>
+          </a:prstGeom>
+        </p:spPr>
+      </p:pic>
+      <p:pic>
+        <p:nvPicPr>
+          <p:cNvPr id="111" name="圖片 110">
+            <a:extLst>
+              <a:ext uri="{FF2B5EF4-FFF2-40B4-BE49-F238E27FC236}">
+                <a16:creationId xmlns:a16="http://schemas.microsoft.com/office/drawing/2014/main" id="{96B3ED93-DC78-C3C5-6C2E-045EFF51DCF6}"/>
+              </a:ext>
+            </a:extLst>
+          </p:cNvPr>
+          <p:cNvPicPr>
+            <a:picLocks noChangeAspect="1"/>
+          </p:cNvPicPr>
+          <p:nvPr/>
+        </p:nvPicPr>
+        <p:blipFill>
+          <a:blip r:embed="rId9"/>
+          <a:stretch>
+            <a:fillRect/>
+          </a:stretch>
+        </p:blipFill>
+        <p:spPr>
+          <a:xfrm>
+            <a:off x="6103275" y="1260365"/>
+            <a:ext cx="152400" cy="127000"/>
+          </a:xfrm>
+          <a:prstGeom prst="rect">
+            <a:avLst/>
+          </a:prstGeom>
+        </p:spPr>
+      </p:pic>
+      <p:sp>
+        <p:nvSpPr>
+          <p:cNvPr id="112" name="文字方塊 111">
+            <a:extLst>
+              <a:ext uri="{FF2B5EF4-FFF2-40B4-BE49-F238E27FC236}">
+                <a16:creationId xmlns:a16="http://schemas.microsoft.com/office/drawing/2014/main" id="{3FE1F033-E777-94B9-F9CD-E5A0D9C1A543}"/>
+              </a:ext>
+            </a:extLst>
+          </p:cNvPr>
+          <p:cNvSpPr txBox="1"/>
+          <p:nvPr/>
+        </p:nvSpPr>
+        <p:spPr>
+          <a:xfrm>
+            <a:off x="6473084" y="1014144"/>
+            <a:ext cx="250390" cy="246221"/>
+          </a:xfrm>
+          <a:prstGeom prst="rect">
+            <a:avLst/>
+          </a:prstGeom>
+          <a:noFill/>
+        </p:spPr>
+        <p:txBody>
+          <a:bodyPr wrap="none" rtlCol="0">
+            <a:spAutoFit/>
+          </a:bodyPr>
+          <a:lstStyle/>
+          <a:p>
+            <a:r>
+              <a:rPr kumimoji="1" lang="en-US" altLang="zh-TW" sz="1000" i="1" dirty="0" err="1">
+                <a:solidFill>
+                  <a:srgbClr val="B21D09"/>
+                </a:solidFill>
+                <a:latin typeface="Minion Pro" panose="02040503050306020203" pitchFamily="18" charset="0"/>
+              </a:rPr>
+              <a:t>θ</a:t>
+            </a:r>
+            <a:endParaRPr kumimoji="1" lang="zh-TW" altLang="en-US" sz="1100" i="1" dirty="0">
+              <a:solidFill>
+                <a:srgbClr val="B21D09"/>
+              </a:solidFill>
+              <a:latin typeface="Minion Pro" panose="02040503050306020203" pitchFamily="18" charset="0"/>
+            </a:endParaRPr>
+          </a:p>
+        </p:txBody>
+      </p:sp>
+      <p:sp>
+        <p:nvSpPr>
+          <p:cNvPr id="113" name="文字方塊 112">
+            <a:extLst>
+              <a:ext uri="{FF2B5EF4-FFF2-40B4-BE49-F238E27FC236}">
+                <a16:creationId xmlns:a16="http://schemas.microsoft.com/office/drawing/2014/main" id="{FE9FFFE7-5C3D-8652-9327-92E408D29DCA}"/>
+              </a:ext>
+            </a:extLst>
+          </p:cNvPr>
+          <p:cNvSpPr txBox="1"/>
+          <p:nvPr/>
+        </p:nvSpPr>
+        <p:spPr>
+          <a:xfrm>
+            <a:off x="5637103" y="1004414"/>
+            <a:ext cx="279244" cy="246221"/>
+          </a:xfrm>
+          <a:prstGeom prst="rect">
+            <a:avLst/>
+          </a:prstGeom>
+          <a:noFill/>
+        </p:spPr>
+        <p:txBody>
+          <a:bodyPr wrap="none" rtlCol="0">
+            <a:spAutoFit/>
+          </a:bodyPr>
+          <a:lstStyle/>
+          <a:p>
+            <a:r>
+              <a:rPr kumimoji="1" lang="en-US" altLang="zh-TW" sz="1000" dirty="0" err="1">
+                <a:solidFill>
+                  <a:srgbClr val="B21D09"/>
+                </a:solidFill>
+                <a:latin typeface="Minion Pro" panose="02040503050306020203" pitchFamily="18" charset="0"/>
+              </a:rPr>
+              <a:t>Θ</a:t>
+            </a:r>
+            <a:endParaRPr kumimoji="1" lang="zh-TW" altLang="en-US" sz="1100" dirty="0">
+              <a:solidFill>
+                <a:srgbClr val="B21D09"/>
+              </a:solidFill>
+              <a:latin typeface="Minion Pro" panose="02040503050306020203" pitchFamily="18" charset="0"/>
+            </a:endParaRPr>
+          </a:p>
+        </p:txBody>
+      </p:sp>
+      <p:cxnSp>
+        <p:nvCxnSpPr>
+          <p:cNvPr id="115" name="直線接點 114">
+            <a:extLst>
+              <a:ext uri="{FF2B5EF4-FFF2-40B4-BE49-F238E27FC236}">
+                <a16:creationId xmlns:a16="http://schemas.microsoft.com/office/drawing/2014/main" id="{F44A8A1F-4FF7-0F92-5EA9-06DA4247DBDB}"/>
+              </a:ext>
+            </a:extLst>
+          </p:cNvPr>
+          <p:cNvCxnSpPr>
+            <a:cxnSpLocks/>
+          </p:cNvCxnSpPr>
+          <p:nvPr/>
+        </p:nvCxnSpPr>
+        <p:spPr>
+          <a:xfrm flipV="1">
+            <a:off x="6045895" y="309260"/>
+            <a:ext cx="206499" cy="278119"/>
+          </a:xfrm>
+          <a:prstGeom prst="line">
+            <a:avLst/>
+          </a:prstGeom>
+          <a:ln w="12700">
+            <a:solidFill>
+              <a:srgbClr val="B21D09"/>
+            </a:solidFill>
+            <a:prstDash val="sysDash"/>
+          </a:ln>
+        </p:spPr>
+        <p:style>
+          <a:lnRef idx="1">
+            <a:schemeClr val="accent1"/>
+          </a:lnRef>
+          <a:fillRef idx="0">
+            <a:schemeClr val="accent1"/>
+          </a:fillRef>
+          <a:effectRef idx="0">
+            <a:schemeClr val="accent1"/>
+          </a:effectRef>
+          <a:fontRef idx="minor">
+            <a:schemeClr val="tx1"/>
+          </a:fontRef>
+        </p:style>
+      </p:cxnSp>
+      <p:sp>
+        <p:nvSpPr>
+          <p:cNvPr id="121" name="文字方塊 120">
+            <a:extLst>
+              <a:ext uri="{FF2B5EF4-FFF2-40B4-BE49-F238E27FC236}">
+                <a16:creationId xmlns:a16="http://schemas.microsoft.com/office/drawing/2014/main" id="{82E5A43D-BE72-0611-9710-B8E493FB9BB4}"/>
+              </a:ext>
+            </a:extLst>
+          </p:cNvPr>
+          <p:cNvSpPr txBox="1"/>
+          <p:nvPr/>
+        </p:nvSpPr>
+        <p:spPr>
+          <a:xfrm>
+            <a:off x="6047230" y="428983"/>
+            <a:ext cx="253596" cy="246221"/>
+          </a:xfrm>
+          <a:prstGeom prst="rect">
+            <a:avLst/>
+          </a:prstGeom>
+          <a:noFill/>
+        </p:spPr>
+        <p:txBody>
+          <a:bodyPr wrap="none" rtlCol="0">
+            <a:spAutoFit/>
+          </a:bodyPr>
+          <a:lstStyle/>
+          <a:p>
+            <a:r>
+              <a:rPr kumimoji="1" lang="en-US" altLang="zh-TW" sz="1000" i="1" dirty="0">
+                <a:solidFill>
+                  <a:srgbClr val="B21D09"/>
+                </a:solidFill>
+                <a:latin typeface="Minion Pro" panose="02040503050306020203" pitchFamily="18" charset="0"/>
+              </a:rPr>
+              <a:t>α</a:t>
+            </a:r>
+            <a:endParaRPr kumimoji="1" lang="zh-TW" altLang="en-US" sz="1100" i="1" dirty="0">
+              <a:solidFill>
+                <a:srgbClr val="B21D09"/>
+              </a:solidFill>
+              <a:latin typeface="Minion Pro" panose="02040503050306020203" pitchFamily="18" charset="0"/>
+            </a:endParaRPr>
+          </a:p>
+        </p:txBody>
+      </p:sp>
+      <p:sp>
+        <p:nvSpPr>
+          <p:cNvPr id="123" name="文字方塊 122">
+            <a:extLst>
+              <a:ext uri="{FF2B5EF4-FFF2-40B4-BE49-F238E27FC236}">
+                <a16:creationId xmlns:a16="http://schemas.microsoft.com/office/drawing/2014/main" id="{2B8D7E50-4F64-4CE0-7F34-48221168DE78}"/>
+              </a:ext>
+            </a:extLst>
+          </p:cNvPr>
+          <p:cNvSpPr txBox="1"/>
+          <p:nvPr/>
+        </p:nvSpPr>
+        <p:spPr>
+          <a:xfrm>
+            <a:off x="5860197" y="655906"/>
+            <a:ext cx="453970" cy="246221"/>
+          </a:xfrm>
+          <a:prstGeom prst="rect">
+            <a:avLst/>
+          </a:prstGeom>
+          <a:noFill/>
+        </p:spPr>
+        <p:txBody>
+          <a:bodyPr wrap="none" rtlCol="0">
+            <a:spAutoFit/>
+          </a:bodyPr>
+          <a:lstStyle/>
+          <a:p>
+            <a:r>
+              <a:rPr kumimoji="1" lang="en-US" altLang="zh-TW" sz="1000" i="1" dirty="0">
+                <a:solidFill>
+                  <a:srgbClr val="B21D09"/>
+                </a:solidFill>
+                <a:latin typeface="Minion Pro" panose="02040503050306020203" pitchFamily="18" charset="0"/>
+              </a:rPr>
+              <a:t>π </a:t>
+            </a:r>
+            <a:r>
+              <a:rPr kumimoji="1" lang="en-US" altLang="zh-TW" sz="1000" dirty="0">
+                <a:solidFill>
+                  <a:srgbClr val="B21D09"/>
+                </a:solidFill>
+                <a:latin typeface="Minion Pro" panose="02040503050306020203" pitchFamily="18" charset="0"/>
+              </a:rPr>
+              <a:t>− </a:t>
+            </a:r>
+            <a:r>
+              <a:rPr kumimoji="1" lang="en-US" altLang="zh-TW" sz="1000" i="1" dirty="0">
+                <a:solidFill>
+                  <a:srgbClr val="B21D09"/>
+                </a:solidFill>
+                <a:latin typeface="Minion Pro" panose="02040503050306020203" pitchFamily="18" charset="0"/>
+              </a:rPr>
+              <a:t>α</a:t>
+            </a:r>
+            <a:endParaRPr kumimoji="1" lang="zh-TW" altLang="en-US" sz="1000" dirty="0">
+              <a:solidFill>
+                <a:srgbClr val="B21D09"/>
+              </a:solidFill>
+              <a:latin typeface="Minion Pro" panose="02040503050306020203" pitchFamily="18" charset="0"/>
+            </a:endParaRPr>
+          </a:p>
+        </p:txBody>
+      </p:sp>
+      <p:sp>
+        <p:nvSpPr>
+          <p:cNvPr id="124" name="文字方塊 123">
+            <a:extLst>
+              <a:ext uri="{FF2B5EF4-FFF2-40B4-BE49-F238E27FC236}">
+                <a16:creationId xmlns:a16="http://schemas.microsoft.com/office/drawing/2014/main" id="{73BF8CDC-B053-CB47-CD31-BC8FE576FA91}"/>
+              </a:ext>
+            </a:extLst>
+          </p:cNvPr>
+          <p:cNvSpPr txBox="1"/>
+          <p:nvPr/>
+        </p:nvSpPr>
+        <p:spPr>
+          <a:xfrm>
+            <a:off x="6321161" y="636571"/>
+            <a:ext cx="250390" cy="246221"/>
+          </a:xfrm>
+          <a:prstGeom prst="rect">
+            <a:avLst/>
+          </a:prstGeom>
+          <a:noFill/>
+        </p:spPr>
+        <p:txBody>
+          <a:bodyPr wrap="none" rtlCol="0">
+            <a:spAutoFit/>
+          </a:bodyPr>
+          <a:lstStyle/>
+          <a:p>
+            <a:r>
+              <a:rPr kumimoji="1" lang="en-US" altLang="zh-TW" sz="1000" i="1" dirty="0">
+                <a:solidFill>
+                  <a:srgbClr val="B21D09"/>
+                </a:solidFill>
+                <a:latin typeface="Minion Pro" panose="02040503050306020203" pitchFamily="18" charset="0"/>
+              </a:rPr>
+              <a:t>d</a:t>
+            </a:r>
+            <a:endParaRPr kumimoji="1" lang="zh-TW" altLang="en-US" sz="1100" i="1" dirty="0">
+              <a:solidFill>
+                <a:srgbClr val="B21D09"/>
+              </a:solidFill>
+              <a:latin typeface="Minion Pro" panose="02040503050306020203" pitchFamily="18" charset="0"/>
+            </a:endParaRPr>
+          </a:p>
+        </p:txBody>
+      </p:sp>
+      <p:sp>
+        <p:nvSpPr>
+          <p:cNvPr id="125" name="文字方塊 124">
+            <a:extLst>
+              <a:ext uri="{FF2B5EF4-FFF2-40B4-BE49-F238E27FC236}">
+                <a16:creationId xmlns:a16="http://schemas.microsoft.com/office/drawing/2014/main" id="{FAA87C8D-CE98-7B28-82FA-9A8940899635}"/>
+              </a:ext>
+            </a:extLst>
+          </p:cNvPr>
+          <p:cNvSpPr txBox="1"/>
+          <p:nvPr/>
+        </p:nvSpPr>
+        <p:spPr>
+          <a:xfrm>
+            <a:off x="5552153" y="693596"/>
+            <a:ext cx="276038" cy="246221"/>
+          </a:xfrm>
+          <a:prstGeom prst="rect">
+            <a:avLst/>
+          </a:prstGeom>
+          <a:noFill/>
+        </p:spPr>
+        <p:txBody>
+          <a:bodyPr wrap="none" rtlCol="0">
+            <a:spAutoFit/>
+          </a:bodyPr>
+          <a:lstStyle/>
+          <a:p>
+            <a:r>
+              <a:rPr kumimoji="1" lang="en-US" altLang="zh-TW" sz="1000" i="1" dirty="0">
+                <a:solidFill>
+                  <a:srgbClr val="B21D09"/>
+                </a:solidFill>
+                <a:latin typeface="Minion Pro" panose="02040503050306020203" pitchFamily="18" charset="0"/>
+              </a:rPr>
+              <a:t>D</a:t>
+            </a:r>
+            <a:endParaRPr kumimoji="1" lang="zh-TW" altLang="en-US" sz="1100" i="1" dirty="0">
+              <a:solidFill>
+                <a:srgbClr val="B21D09"/>
+              </a:solidFill>
+              <a:latin typeface="Minion Pro" panose="02040503050306020203" pitchFamily="18" charset="0"/>
+            </a:endParaRPr>
+          </a:p>
+        </p:txBody>
+      </p:sp>
+      <p:pic>
+        <p:nvPicPr>
+          <p:cNvPr id="127" name="圖片 126">
+            <a:extLst>
+              <a:ext uri="{FF2B5EF4-FFF2-40B4-BE49-F238E27FC236}">
+                <a16:creationId xmlns:a16="http://schemas.microsoft.com/office/drawing/2014/main" id="{2931C287-9109-7D7D-1E9F-9F50505C9E44}"/>
+              </a:ext>
+            </a:extLst>
+          </p:cNvPr>
+          <p:cNvPicPr>
+            <a:picLocks noChangeAspect="1"/>
+          </p:cNvPicPr>
+          <p:nvPr/>
+        </p:nvPicPr>
+        <p:blipFill>
+          <a:blip r:embed="rId10"/>
+          <a:stretch>
+            <a:fillRect/>
+          </a:stretch>
+        </p:blipFill>
+        <p:spPr>
+          <a:xfrm>
+            <a:off x="7015969" y="193679"/>
+            <a:ext cx="3429000" cy="393700"/>
+          </a:xfrm>
+          <a:prstGeom prst="rect">
+            <a:avLst/>
+          </a:prstGeom>
+        </p:spPr>
+      </p:pic>
+      <p:pic>
+        <p:nvPicPr>
+          <p:cNvPr id="129" name="圖片 128">
+            <a:extLst>
+              <a:ext uri="{FF2B5EF4-FFF2-40B4-BE49-F238E27FC236}">
+                <a16:creationId xmlns:a16="http://schemas.microsoft.com/office/drawing/2014/main" id="{31C8BFCD-511A-1459-3DC1-B3E7C116B7F5}"/>
+              </a:ext>
+            </a:extLst>
+          </p:cNvPr>
+          <p:cNvPicPr>
+            <a:picLocks noChangeAspect="1"/>
+          </p:cNvPicPr>
+          <p:nvPr/>
+        </p:nvPicPr>
+        <p:blipFill>
+          <a:blip r:embed="rId11"/>
+          <a:stretch>
+            <a:fillRect/>
+          </a:stretch>
+        </p:blipFill>
+        <p:spPr>
+          <a:xfrm>
+            <a:off x="7051955" y="757745"/>
+            <a:ext cx="5092700" cy="1028700"/>
+          </a:xfrm>
+          <a:prstGeom prst="rect">
+            <a:avLst/>
+          </a:prstGeom>
+        </p:spPr>
+      </p:pic>
+      <p:sp>
+        <p:nvSpPr>
+          <p:cNvPr id="130" name="文字方塊 129">
+            <a:extLst>
+              <a:ext uri="{FF2B5EF4-FFF2-40B4-BE49-F238E27FC236}">
+                <a16:creationId xmlns:a16="http://schemas.microsoft.com/office/drawing/2014/main" id="{996ABD7A-B62B-6475-8CC6-38DE61B1722E}"/>
+              </a:ext>
+            </a:extLst>
+          </p:cNvPr>
+          <p:cNvSpPr txBox="1"/>
+          <p:nvPr/>
+        </p:nvSpPr>
+        <p:spPr>
+          <a:xfrm>
+            <a:off x="292888" y="4601477"/>
+            <a:ext cx="5710218" cy="307777"/>
+          </a:xfrm>
+          <a:prstGeom prst="rect">
+            <a:avLst/>
+          </a:prstGeom>
+          <a:noFill/>
+        </p:spPr>
+        <p:txBody>
+          <a:bodyPr wrap="none" rtlCol="0">
+            <a:spAutoFit/>
+          </a:bodyPr>
+          <a:lstStyle/>
+          <a:p>
+            <a:r>
+              <a:rPr kumimoji="1" lang="en-US" altLang="zh-TW" sz="1400" dirty="0">
+                <a:latin typeface="Minion Pro" panose="02040503050306020203" pitchFamily="18" charset="0"/>
+              </a:rPr>
+              <a:t>In the limit of SN at GC (</a:t>
+            </a:r>
+            <a:r>
+              <a:rPr kumimoji="1" lang="en-US" altLang="zh-TW" sz="1400" i="1" dirty="0">
+                <a:latin typeface="Minion Pro" panose="02040503050306020203" pitchFamily="18" charset="0"/>
+              </a:rPr>
+              <a:t>S</a:t>
+            </a:r>
+            <a:r>
+              <a:rPr kumimoji="1" lang="en-US" altLang="zh-TW" sz="1400" dirty="0">
+                <a:latin typeface="Minion Pro" panose="02040503050306020203" pitchFamily="18" charset="0"/>
+              </a:rPr>
+              <a:t> = </a:t>
+            </a:r>
+            <a:r>
+              <a:rPr kumimoji="1" lang="en-US" altLang="zh-TW" sz="1400" i="1" dirty="0">
+                <a:latin typeface="Minion Pro" panose="02040503050306020203" pitchFamily="18" charset="0"/>
+              </a:rPr>
+              <a:t>G</a:t>
+            </a:r>
+            <a:r>
+              <a:rPr kumimoji="1" lang="en-US" altLang="zh-TW" sz="1400" dirty="0">
+                <a:latin typeface="Minion Pro" panose="02040503050306020203" pitchFamily="18" charset="0"/>
+              </a:rPr>
+              <a:t>), we have </a:t>
+            </a:r>
+            <a:r>
+              <a:rPr kumimoji="1" lang="en-US" altLang="zh-TW" sz="1400" i="1" dirty="0">
+                <a:latin typeface="Minion Pro" panose="02040503050306020203" pitchFamily="18" charset="0"/>
+              </a:rPr>
+              <a:t>β</a:t>
+            </a:r>
+            <a:r>
+              <a:rPr kumimoji="1" lang="en-US" altLang="zh-TW" sz="1400" dirty="0">
+                <a:latin typeface="Minion Pro" panose="02040503050306020203" pitchFamily="18" charset="0"/>
+              </a:rPr>
+              <a:t> = 0 and </a:t>
+            </a:r>
+            <a:r>
+              <a:rPr kumimoji="1" lang="en-US" altLang="zh-TW" sz="1400" i="1" dirty="0">
+                <a:latin typeface="Minion Pro" panose="02040503050306020203" pitchFamily="18" charset="0"/>
+              </a:rPr>
+              <a:t>R</a:t>
+            </a:r>
+            <a:r>
+              <a:rPr kumimoji="1" lang="en-US" altLang="zh-TW" sz="1400" baseline="-25000" dirty="0">
+                <a:latin typeface="Minion Pro" panose="02040503050306020203" pitchFamily="18" charset="0"/>
+              </a:rPr>
+              <a:t>⋆</a:t>
+            </a:r>
+            <a:r>
+              <a:rPr kumimoji="1" lang="en-US" altLang="zh-TW" sz="1400" dirty="0">
+                <a:latin typeface="Minion Pro" panose="02040503050306020203" pitchFamily="18" charset="0"/>
+              </a:rPr>
+              <a:t> = </a:t>
+            </a:r>
+            <a:r>
+              <a:rPr kumimoji="1" lang="en-US" altLang="zh-TW" sz="1400" i="1" dirty="0">
+                <a:latin typeface="Minion Pro" panose="02040503050306020203" pitchFamily="18" charset="0"/>
+              </a:rPr>
+              <a:t>R</a:t>
+            </a:r>
+            <a:r>
+              <a:rPr kumimoji="1" lang="en-US" altLang="zh-TW" sz="1400" baseline="-25000" dirty="0">
+                <a:latin typeface="Minion Pro" panose="02040503050306020203" pitchFamily="18" charset="0"/>
+              </a:rPr>
+              <a:t>⊕</a:t>
+            </a:r>
+            <a:r>
+              <a:rPr kumimoji="1" lang="en-US" altLang="zh-TW" sz="1400" dirty="0">
+                <a:latin typeface="Minion Pro" panose="02040503050306020203" pitchFamily="18" charset="0"/>
+              </a:rPr>
+              <a:t>. Thus we recover</a:t>
+            </a:r>
+            <a:endParaRPr kumimoji="1" lang="zh-TW" altLang="en-US" sz="1400" dirty="0">
+              <a:latin typeface="Minion Pro" panose="02040503050306020203" pitchFamily="18" charset="0"/>
+            </a:endParaRPr>
+          </a:p>
+        </p:txBody>
+      </p:sp>
+      <p:pic>
+        <p:nvPicPr>
+          <p:cNvPr id="131" name="圖片 130">
+            <a:extLst>
+              <a:ext uri="{FF2B5EF4-FFF2-40B4-BE49-F238E27FC236}">
+                <a16:creationId xmlns:a16="http://schemas.microsoft.com/office/drawing/2014/main" id="{885FD3BA-AAD1-1089-4AD9-2E253E7EF761}"/>
+              </a:ext>
+            </a:extLst>
+          </p:cNvPr>
+          <p:cNvPicPr>
+            <a:picLocks noChangeAspect="1"/>
+          </p:cNvPicPr>
+          <p:nvPr/>
+        </p:nvPicPr>
+        <p:blipFill>
+          <a:blip r:embed="rId12"/>
+          <a:stretch>
+            <a:fillRect/>
+          </a:stretch>
+        </p:blipFill>
+        <p:spPr>
+          <a:xfrm>
+            <a:off x="410574" y="4988532"/>
+            <a:ext cx="1257300" cy="177800"/>
+          </a:xfrm>
+          <a:prstGeom prst="rect">
+            <a:avLst/>
+          </a:prstGeom>
+        </p:spPr>
+      </p:pic>
+      <p:sp>
+        <p:nvSpPr>
+          <p:cNvPr id="133" name="文字方塊 132">
+            <a:extLst>
+              <a:ext uri="{FF2B5EF4-FFF2-40B4-BE49-F238E27FC236}">
+                <a16:creationId xmlns:a16="http://schemas.microsoft.com/office/drawing/2014/main" id="{FBDB7230-19DB-FA37-9207-AB6FBFBC569B}"/>
+              </a:ext>
+            </a:extLst>
+          </p:cNvPr>
+          <p:cNvSpPr txBox="1"/>
+          <p:nvPr/>
+        </p:nvSpPr>
+        <p:spPr>
+          <a:xfrm>
+            <a:off x="2890070" y="5492189"/>
+            <a:ext cx="3187091" cy="307777"/>
+          </a:xfrm>
+          <a:prstGeom prst="rect">
+            <a:avLst/>
+          </a:prstGeom>
+          <a:noFill/>
+        </p:spPr>
+        <p:txBody>
+          <a:bodyPr wrap="none" rtlCol="0">
+            <a:spAutoFit/>
+          </a:bodyPr>
+          <a:lstStyle/>
+          <a:p>
+            <a:r>
+              <a:rPr kumimoji="1" lang="en-US" altLang="zh-TW" sz="1400" dirty="0">
+                <a:latin typeface="Minion Pro" panose="02040503050306020203" pitchFamily="18" charset="0"/>
+              </a:rPr>
+              <a:t>law of cosine according to the red triangle</a:t>
+            </a:r>
+            <a:endParaRPr kumimoji="1" lang="zh-TW" altLang="en-US" sz="1400" dirty="0">
+              <a:latin typeface="Minion Pro" panose="02040503050306020203" pitchFamily="18" charset="0"/>
+            </a:endParaRPr>
+          </a:p>
+        </p:txBody>
+      </p:sp>
+      <p:pic>
+        <p:nvPicPr>
+          <p:cNvPr id="134" name="圖片 133">
+            <a:extLst>
+              <a:ext uri="{FF2B5EF4-FFF2-40B4-BE49-F238E27FC236}">
+                <a16:creationId xmlns:a16="http://schemas.microsoft.com/office/drawing/2014/main" id="{4E17DEA9-399F-6716-0B66-374A668244AC}"/>
+              </a:ext>
+            </a:extLst>
+          </p:cNvPr>
+          <p:cNvPicPr>
+            <a:picLocks noChangeAspect="1"/>
+          </p:cNvPicPr>
+          <p:nvPr/>
+        </p:nvPicPr>
+        <p:blipFill>
+          <a:blip r:embed="rId13"/>
+          <a:stretch>
+            <a:fillRect/>
+          </a:stretch>
+        </p:blipFill>
+        <p:spPr>
+          <a:xfrm>
+            <a:off x="308511" y="5241541"/>
+            <a:ext cx="3263900" cy="736600"/>
           </a:xfrm>
           <a:prstGeom prst="rect">
             <a:avLst/>

--- a/doc/scheme.pptx
+++ b/doc/scheme.pptx
@@ -104,6 +104,11 @@
       </a:defRPr>
     </a:lvl9pPr>
   </p:defaultTextStyle>
+  <p:extLst>
+    <p:ext uri="{EFAFB233-063F-42B5-8137-9DF3F51BA10A}">
+      <p15:sldGuideLst xmlns:p15="http://schemas.microsoft.com/office/powerpoint/2012/main"/>
+    </p:ext>
+  </p:extLst>
 </p:presentation>
 </file>
 
@@ -254,7 +259,7 @@
           <a:p>
             <a:fld id="{6BD79096-680F-844B-B1F1-7BBB7D6E1857}" type="datetimeFigureOut">
               <a:rPr kumimoji="1" lang="zh-TW" altLang="en-US" smtClean="0"/>
-              <a:t>2022/12/20</a:t>
+              <a:t>2022/12/21</a:t>
             </a:fld>
             <a:endParaRPr kumimoji="1" lang="zh-TW" altLang="en-US"/>
           </a:p>
@@ -452,7 +457,7 @@
           <a:p>
             <a:fld id="{6BD79096-680F-844B-B1F1-7BBB7D6E1857}" type="datetimeFigureOut">
               <a:rPr kumimoji="1" lang="zh-TW" altLang="en-US" smtClean="0"/>
-              <a:t>2022/12/20</a:t>
+              <a:t>2022/12/21</a:t>
             </a:fld>
             <a:endParaRPr kumimoji="1" lang="zh-TW" altLang="en-US"/>
           </a:p>
@@ -660,7 +665,7 @@
           <a:p>
             <a:fld id="{6BD79096-680F-844B-B1F1-7BBB7D6E1857}" type="datetimeFigureOut">
               <a:rPr kumimoji="1" lang="zh-TW" altLang="en-US" smtClean="0"/>
-              <a:t>2022/12/20</a:t>
+              <a:t>2022/12/21</a:t>
             </a:fld>
             <a:endParaRPr kumimoji="1" lang="zh-TW" altLang="en-US"/>
           </a:p>
@@ -858,7 +863,7 @@
           <a:p>
             <a:fld id="{6BD79096-680F-844B-B1F1-7BBB7D6E1857}" type="datetimeFigureOut">
               <a:rPr kumimoji="1" lang="zh-TW" altLang="en-US" smtClean="0"/>
-              <a:t>2022/12/20</a:t>
+              <a:t>2022/12/21</a:t>
             </a:fld>
             <a:endParaRPr kumimoji="1" lang="zh-TW" altLang="en-US"/>
           </a:p>
@@ -1133,7 +1138,7 @@
           <a:p>
             <a:fld id="{6BD79096-680F-844B-B1F1-7BBB7D6E1857}" type="datetimeFigureOut">
               <a:rPr kumimoji="1" lang="zh-TW" altLang="en-US" smtClean="0"/>
-              <a:t>2022/12/20</a:t>
+              <a:t>2022/12/21</a:t>
             </a:fld>
             <a:endParaRPr kumimoji="1" lang="zh-TW" altLang="en-US"/>
           </a:p>
@@ -1398,7 +1403,7 @@
           <a:p>
             <a:fld id="{6BD79096-680F-844B-B1F1-7BBB7D6E1857}" type="datetimeFigureOut">
               <a:rPr kumimoji="1" lang="zh-TW" altLang="en-US" smtClean="0"/>
-              <a:t>2022/12/20</a:t>
+              <a:t>2022/12/21</a:t>
             </a:fld>
             <a:endParaRPr kumimoji="1" lang="zh-TW" altLang="en-US"/>
           </a:p>
@@ -1810,7 +1815,7 @@
           <a:p>
             <a:fld id="{6BD79096-680F-844B-B1F1-7BBB7D6E1857}" type="datetimeFigureOut">
               <a:rPr kumimoji="1" lang="zh-TW" altLang="en-US" smtClean="0"/>
-              <a:t>2022/12/20</a:t>
+              <a:t>2022/12/21</a:t>
             </a:fld>
             <a:endParaRPr kumimoji="1" lang="zh-TW" altLang="en-US"/>
           </a:p>
@@ -1951,7 +1956,7 @@
           <a:p>
             <a:fld id="{6BD79096-680F-844B-B1F1-7BBB7D6E1857}" type="datetimeFigureOut">
               <a:rPr kumimoji="1" lang="zh-TW" altLang="en-US" smtClean="0"/>
-              <a:t>2022/12/20</a:t>
+              <a:t>2022/12/21</a:t>
             </a:fld>
             <a:endParaRPr kumimoji="1" lang="zh-TW" altLang="en-US"/>
           </a:p>
@@ -2064,7 +2069,7 @@
           <a:p>
             <a:fld id="{6BD79096-680F-844B-B1F1-7BBB7D6E1857}" type="datetimeFigureOut">
               <a:rPr kumimoji="1" lang="zh-TW" altLang="en-US" smtClean="0"/>
-              <a:t>2022/12/20</a:t>
+              <a:t>2022/12/21</a:t>
             </a:fld>
             <a:endParaRPr kumimoji="1" lang="zh-TW" altLang="en-US"/>
           </a:p>
@@ -2375,7 +2380,7 @@
           <a:p>
             <a:fld id="{6BD79096-680F-844B-B1F1-7BBB7D6E1857}" type="datetimeFigureOut">
               <a:rPr kumimoji="1" lang="zh-TW" altLang="en-US" smtClean="0"/>
-              <a:t>2022/12/20</a:t>
+              <a:t>2022/12/21</a:t>
             </a:fld>
             <a:endParaRPr kumimoji="1" lang="zh-TW" altLang="en-US"/>
           </a:p>
@@ -2663,7 +2668,7 @@
           <a:p>
             <a:fld id="{6BD79096-680F-844B-B1F1-7BBB7D6E1857}" type="datetimeFigureOut">
               <a:rPr kumimoji="1" lang="zh-TW" altLang="en-US" smtClean="0"/>
-              <a:t>2022/12/20</a:t>
+              <a:t>2022/12/21</a:t>
             </a:fld>
             <a:endParaRPr kumimoji="1" lang="zh-TW" altLang="en-US"/>
           </a:p>
@@ -2904,7 +2909,7 @@
           <a:p>
             <a:fld id="{6BD79096-680F-844B-B1F1-7BBB7D6E1857}" type="datetimeFigureOut">
               <a:rPr kumimoji="1" lang="zh-TW" altLang="en-US" smtClean="0"/>
-              <a:t>2022/12/20</a:t>
+              <a:t>2022/12/21</a:t>
             </a:fld>
             <a:endParaRPr kumimoji="1" lang="zh-TW" altLang="en-US"/>
           </a:p>
@@ -3321,429 +3326,12 @@
           <a:chExt cx="0" cy="0"/>
         </a:xfrm>
       </p:grpSpPr>
-      <p:cxnSp>
-        <p:nvCxnSpPr>
-          <p:cNvPr id="5" name="直線箭頭接點 4">
+      <p:pic>
+        <p:nvPicPr>
+          <p:cNvPr id="110" name="圖片 109">
             <a:extLst>
               <a:ext uri="{FF2B5EF4-FFF2-40B4-BE49-F238E27FC236}">
-                <a16:creationId xmlns:a16="http://schemas.microsoft.com/office/drawing/2014/main" id="{990BBB69-4D66-92B4-2F57-000BCEFD3781}"/>
-              </a:ext>
-            </a:extLst>
-          </p:cNvPr>
-          <p:cNvCxnSpPr>
-            <a:cxnSpLocks/>
-          </p:cNvCxnSpPr>
-          <p:nvPr/>
-        </p:nvCxnSpPr>
-        <p:spPr>
-          <a:xfrm flipV="1">
-            <a:off x="1606322" y="621096"/>
-            <a:ext cx="0" cy="2132750"/>
-          </a:xfrm>
-          <a:prstGeom prst="straightConnector1">
-            <a:avLst/>
-          </a:prstGeom>
-          <a:ln w="15875">
-            <a:headEnd w="lg" len="lg"/>
-            <a:tailEnd type="stealth" w="lg" len="lg"/>
-          </a:ln>
-        </p:spPr>
-        <p:style>
-          <a:lnRef idx="1">
-            <a:schemeClr val="dk1"/>
-          </a:lnRef>
-          <a:fillRef idx="0">
-            <a:schemeClr val="dk1"/>
-          </a:fillRef>
-          <a:effectRef idx="0">
-            <a:schemeClr val="dk1"/>
-          </a:effectRef>
-          <a:fontRef idx="minor">
-            <a:schemeClr val="tx1"/>
-          </a:fontRef>
-        </p:style>
-      </p:cxnSp>
-      <p:cxnSp>
-        <p:nvCxnSpPr>
-          <p:cNvPr id="7" name="直線箭頭接點 6">
-            <a:extLst>
-              <a:ext uri="{FF2B5EF4-FFF2-40B4-BE49-F238E27FC236}">
-                <a16:creationId xmlns:a16="http://schemas.microsoft.com/office/drawing/2014/main" id="{0C37EA49-E7A5-8B90-93E7-A941AE8E4CD5}"/>
-              </a:ext>
-            </a:extLst>
-          </p:cNvPr>
-          <p:cNvCxnSpPr>
-            <a:cxnSpLocks/>
-          </p:cNvCxnSpPr>
-          <p:nvPr/>
-        </p:nvCxnSpPr>
-        <p:spPr>
-          <a:xfrm>
-            <a:off x="1606322" y="2753846"/>
-            <a:ext cx="3431433" cy="0"/>
-          </a:xfrm>
-          <a:prstGeom prst="straightConnector1">
-            <a:avLst/>
-          </a:prstGeom>
-          <a:ln w="15875">
-            <a:headEnd w="lg" len="lg"/>
-            <a:tailEnd type="stealth" w="lg" len="lg"/>
-          </a:ln>
-        </p:spPr>
-        <p:style>
-          <a:lnRef idx="1">
-            <a:schemeClr val="dk1"/>
-          </a:lnRef>
-          <a:fillRef idx="0">
-            <a:schemeClr val="dk1"/>
-          </a:fillRef>
-          <a:effectRef idx="0">
-            <a:schemeClr val="dk1"/>
-          </a:effectRef>
-          <a:fontRef idx="minor">
-            <a:schemeClr val="tx1"/>
-          </a:fontRef>
-        </p:style>
-      </p:cxnSp>
-      <p:cxnSp>
-        <p:nvCxnSpPr>
-          <p:cNvPr id="10" name="直線箭頭接點 9">
-            <a:extLst>
-              <a:ext uri="{FF2B5EF4-FFF2-40B4-BE49-F238E27FC236}">
-                <a16:creationId xmlns:a16="http://schemas.microsoft.com/office/drawing/2014/main" id="{BA36330D-EA9A-DD8A-7BFB-1C2CC09E2FC4}"/>
-              </a:ext>
-            </a:extLst>
-          </p:cNvPr>
-          <p:cNvCxnSpPr>
-            <a:cxnSpLocks/>
-          </p:cNvCxnSpPr>
-          <p:nvPr/>
-        </p:nvCxnSpPr>
-        <p:spPr>
-          <a:xfrm flipH="1">
-            <a:off x="558332" y="2749228"/>
-            <a:ext cx="1047990" cy="1219636"/>
-          </a:xfrm>
-          <a:prstGeom prst="straightConnector1">
-            <a:avLst/>
-          </a:prstGeom>
-          <a:ln w="15875">
-            <a:headEnd w="lg" len="lg"/>
-            <a:tailEnd type="stealth" w="lg" len="lg"/>
-          </a:ln>
-        </p:spPr>
-        <p:style>
-          <a:lnRef idx="1">
-            <a:schemeClr val="dk1"/>
-          </a:lnRef>
-          <a:fillRef idx="0">
-            <a:schemeClr val="dk1"/>
-          </a:fillRef>
-          <a:effectRef idx="0">
-            <a:schemeClr val="dk1"/>
-          </a:effectRef>
-          <a:fontRef idx="minor">
-            <a:schemeClr val="tx1"/>
-          </a:fontRef>
-        </p:style>
-      </p:cxnSp>
-      <p:sp>
-        <p:nvSpPr>
-          <p:cNvPr id="12" name="三角形 11">
-            <a:extLst>
-              <a:ext uri="{FF2B5EF4-FFF2-40B4-BE49-F238E27FC236}">
-                <a16:creationId xmlns:a16="http://schemas.microsoft.com/office/drawing/2014/main" id="{7435879D-D981-A871-6756-25D5F9D58DC1}"/>
-              </a:ext>
-            </a:extLst>
-          </p:cNvPr>
-          <p:cNvSpPr/>
-          <p:nvPr/>
-        </p:nvSpPr>
-        <p:spPr>
-          <a:xfrm>
-            <a:off x="1606321" y="1368401"/>
-            <a:ext cx="2770909" cy="1380828"/>
-          </a:xfrm>
-          <a:prstGeom prst="triangle">
-            <a:avLst>
-              <a:gd name="adj" fmla="val 37000"/>
-            </a:avLst>
-          </a:prstGeom>
-          <a:solidFill>
-            <a:schemeClr val="accent1">
-              <a:alpha val="32653"/>
-            </a:schemeClr>
-          </a:solidFill>
-        </p:spPr>
-        <p:style>
-          <a:lnRef idx="2">
-            <a:schemeClr val="accent1">
-              <a:shade val="50000"/>
-            </a:schemeClr>
-          </a:lnRef>
-          <a:fillRef idx="1">
-            <a:schemeClr val="accent1"/>
-          </a:fillRef>
-          <a:effectRef idx="0">
-            <a:schemeClr val="accent1"/>
-          </a:effectRef>
-          <a:fontRef idx="minor">
-            <a:schemeClr val="lt1"/>
-          </a:fontRef>
-        </p:style>
-        <p:txBody>
-          <a:bodyPr rtlCol="0" anchor="ctr"/>
-          <a:lstStyle/>
-          <a:p>
-            <a:pPr algn="ctr"/>
-            <a:endParaRPr kumimoji="1" lang="zh-TW" altLang="en-US"/>
-          </a:p>
-        </p:txBody>
-      </p:sp>
-      <p:cxnSp>
-        <p:nvCxnSpPr>
-          <p:cNvPr id="16" name="直線接點 15">
-            <a:extLst>
-              <a:ext uri="{FF2B5EF4-FFF2-40B4-BE49-F238E27FC236}">
-                <a16:creationId xmlns:a16="http://schemas.microsoft.com/office/drawing/2014/main" id="{14D3F5EF-5CFB-9743-1D48-E0D53A389E36}"/>
-              </a:ext>
-            </a:extLst>
-          </p:cNvPr>
-          <p:cNvCxnSpPr>
-            <a:cxnSpLocks/>
-          </p:cNvCxnSpPr>
-          <p:nvPr/>
-        </p:nvCxnSpPr>
-        <p:spPr>
-          <a:xfrm>
-            <a:off x="2636769" y="1368401"/>
-            <a:ext cx="0" cy="618826"/>
-          </a:xfrm>
-          <a:prstGeom prst="line">
-            <a:avLst/>
-          </a:prstGeom>
-          <a:ln w="12700">
-            <a:solidFill>
-              <a:srgbClr val="2F528F"/>
-            </a:solidFill>
-          </a:ln>
-        </p:spPr>
-        <p:style>
-          <a:lnRef idx="1">
-            <a:schemeClr val="accent1"/>
-          </a:lnRef>
-          <a:fillRef idx="0">
-            <a:schemeClr val="accent1"/>
-          </a:fillRef>
-          <a:effectRef idx="0">
-            <a:schemeClr val="accent1"/>
-          </a:effectRef>
-          <a:fontRef idx="minor">
-            <a:schemeClr val="tx1"/>
-          </a:fontRef>
-        </p:style>
-      </p:cxnSp>
-      <p:cxnSp>
-        <p:nvCxnSpPr>
-          <p:cNvPr id="18" name="直線接點 17">
-            <a:extLst>
-              <a:ext uri="{FF2B5EF4-FFF2-40B4-BE49-F238E27FC236}">
-                <a16:creationId xmlns:a16="http://schemas.microsoft.com/office/drawing/2014/main" id="{547D0596-CFF3-BCDB-3B5F-6FD4F49241D6}"/>
-              </a:ext>
-            </a:extLst>
-          </p:cNvPr>
-          <p:cNvCxnSpPr>
-            <a:cxnSpLocks/>
-          </p:cNvCxnSpPr>
-          <p:nvPr/>
-        </p:nvCxnSpPr>
-        <p:spPr>
-          <a:xfrm flipH="1">
-            <a:off x="2636769" y="1987227"/>
-            <a:ext cx="1389" cy="762001"/>
-          </a:xfrm>
-          <a:prstGeom prst="line">
-            <a:avLst/>
-          </a:prstGeom>
-          <a:ln w="12700">
-            <a:prstDash val="dash"/>
-          </a:ln>
-        </p:spPr>
-        <p:style>
-          <a:lnRef idx="1">
-            <a:schemeClr val="accent1"/>
-          </a:lnRef>
-          <a:fillRef idx="0">
-            <a:schemeClr val="accent1"/>
-          </a:fillRef>
-          <a:effectRef idx="0">
-            <a:schemeClr val="accent1"/>
-          </a:effectRef>
-          <a:fontRef idx="minor">
-            <a:schemeClr val="tx1"/>
-          </a:fontRef>
-        </p:style>
-      </p:cxnSp>
-      <p:sp>
-        <p:nvSpPr>
-          <p:cNvPr id="14" name="三角形 13">
-            <a:extLst>
-              <a:ext uri="{FF2B5EF4-FFF2-40B4-BE49-F238E27FC236}">
-                <a16:creationId xmlns:a16="http://schemas.microsoft.com/office/drawing/2014/main" id="{6BE62F75-345D-5778-08EB-4C8AD9759B83}"/>
-              </a:ext>
-            </a:extLst>
-          </p:cNvPr>
-          <p:cNvSpPr/>
-          <p:nvPr/>
-        </p:nvSpPr>
-        <p:spPr>
-          <a:xfrm>
-            <a:off x="1606321" y="1691668"/>
-            <a:ext cx="2770909" cy="1062180"/>
-          </a:xfrm>
-          <a:prstGeom prst="triangle">
-            <a:avLst>
-              <a:gd name="adj" fmla="val 13001"/>
-            </a:avLst>
-          </a:prstGeom>
-          <a:solidFill>
-            <a:srgbClr val="FF2600">
-              <a:alpha val="33000"/>
-            </a:srgbClr>
-          </a:solidFill>
-          <a:ln>
-            <a:solidFill>
-              <a:srgbClr val="C00000"/>
-            </a:solidFill>
-          </a:ln>
-        </p:spPr>
-        <p:style>
-          <a:lnRef idx="2">
-            <a:schemeClr val="accent1">
-              <a:shade val="50000"/>
-            </a:schemeClr>
-          </a:lnRef>
-          <a:fillRef idx="1">
-            <a:schemeClr val="accent1"/>
-          </a:fillRef>
-          <a:effectRef idx="0">
-            <a:schemeClr val="accent1"/>
-          </a:effectRef>
-          <a:fontRef idx="minor">
-            <a:schemeClr val="lt1"/>
-          </a:fontRef>
-        </p:style>
-        <p:txBody>
-          <a:bodyPr rtlCol="0" anchor="ctr"/>
-          <a:lstStyle/>
-          <a:p>
-            <a:pPr algn="ctr"/>
-            <a:endParaRPr kumimoji="1" lang="zh-TW" altLang="en-US" dirty="0"/>
-          </a:p>
-        </p:txBody>
-      </p:sp>
-      <p:cxnSp>
-        <p:nvCxnSpPr>
-          <p:cNvPr id="21" name="直線接點 20">
-            <a:extLst>
-              <a:ext uri="{FF2B5EF4-FFF2-40B4-BE49-F238E27FC236}">
-                <a16:creationId xmlns:a16="http://schemas.microsoft.com/office/drawing/2014/main" id="{183DC315-ACE9-9E8C-CFB1-11ABD7638104}"/>
-              </a:ext>
-            </a:extLst>
-          </p:cNvPr>
-          <p:cNvCxnSpPr>
-            <a:stCxn id="14" idx="0"/>
-          </p:cNvCxnSpPr>
-          <p:nvPr/>
-        </p:nvCxnSpPr>
-        <p:spPr>
-          <a:xfrm>
-            <a:off x="1966567" y="1691668"/>
-            <a:ext cx="670202" cy="1057560"/>
-          </a:xfrm>
-          <a:prstGeom prst="line">
-            <a:avLst/>
-          </a:prstGeom>
-          <a:ln w="12700">
-            <a:solidFill>
-              <a:srgbClr val="C00000"/>
-            </a:solidFill>
-          </a:ln>
-        </p:spPr>
-        <p:style>
-          <a:lnRef idx="1">
-            <a:schemeClr val="accent1"/>
-          </a:lnRef>
-          <a:fillRef idx="0">
-            <a:schemeClr val="accent1"/>
-          </a:fillRef>
-          <a:effectRef idx="0">
-            <a:schemeClr val="accent1"/>
-          </a:effectRef>
-          <a:fontRef idx="minor">
-            <a:schemeClr val="tx1"/>
-          </a:fontRef>
-        </p:style>
-      </p:cxnSp>
-      <p:sp>
-        <p:nvSpPr>
-          <p:cNvPr id="22" name="弧線 21">
-            <a:extLst>
-              <a:ext uri="{FF2B5EF4-FFF2-40B4-BE49-F238E27FC236}">
-                <a16:creationId xmlns:a16="http://schemas.microsoft.com/office/drawing/2014/main" id="{B64A0F94-1D27-44BB-4229-639297404B35}"/>
-              </a:ext>
-            </a:extLst>
-          </p:cNvPr>
-          <p:cNvSpPr/>
-          <p:nvPr/>
-        </p:nvSpPr>
-        <p:spPr>
-          <a:xfrm>
-            <a:off x="2438644" y="2270538"/>
-            <a:ext cx="371476" cy="346984"/>
-          </a:xfrm>
-          <a:prstGeom prst="arc">
-            <a:avLst>
-              <a:gd name="adj1" fmla="val 11131666"/>
-              <a:gd name="adj2" fmla="val 16253523"/>
-            </a:avLst>
-          </a:prstGeom>
-          <a:ln w="12700">
-            <a:solidFill>
-              <a:schemeClr val="tx1"/>
-            </a:solidFill>
-            <a:headEnd type="stealth"/>
-          </a:ln>
-        </p:spPr>
-        <p:style>
-          <a:lnRef idx="1">
-            <a:schemeClr val="accent1"/>
-          </a:lnRef>
-          <a:fillRef idx="0">
-            <a:schemeClr val="accent1"/>
-          </a:fillRef>
-          <a:effectRef idx="0">
-            <a:schemeClr val="accent1"/>
-          </a:effectRef>
-          <a:fontRef idx="minor">
-            <a:schemeClr val="tx1"/>
-          </a:fontRef>
-        </p:style>
-        <p:txBody>
-          <a:bodyPr rtlCol="0" anchor="ctr"/>
-          <a:lstStyle/>
-          <a:p>
-            <a:pPr algn="ctr"/>
-            <a:endParaRPr kumimoji="1" lang="zh-TW" altLang="en-US"/>
-          </a:p>
-        </p:txBody>
-      </p:sp>
-      <p:pic>
-        <p:nvPicPr>
-          <p:cNvPr id="26" name="圖片 25">
-            <a:extLst>
-              <a:ext uri="{FF2B5EF4-FFF2-40B4-BE49-F238E27FC236}">
-                <a16:creationId xmlns:a16="http://schemas.microsoft.com/office/drawing/2014/main" id="{FF9127CF-837E-7111-D9C6-BF90A7C7EAB3}"/>
+                <a16:creationId xmlns:a16="http://schemas.microsoft.com/office/drawing/2014/main" id="{9C0D87C7-145F-6C05-9502-4AFDF7071D38}"/>
               </a:ext>
             </a:extLst>
           </p:cNvPr>
@@ -3760,503 +3348,20 @@
         </p:blipFill>
         <p:spPr>
           <a:xfrm>
-            <a:off x="2417454" y="2090430"/>
-            <a:ext cx="101600" cy="177800"/>
+            <a:off x="7689292" y="2623982"/>
+            <a:ext cx="2933700" cy="228600"/>
           </a:xfrm>
           <a:prstGeom prst="rect">
             <a:avLst/>
           </a:prstGeom>
         </p:spPr>
       </p:pic>
-      <p:sp>
-        <p:nvSpPr>
-          <p:cNvPr id="28" name="文字方塊 27">
+      <p:pic>
+        <p:nvPicPr>
+          <p:cNvPr id="127" name="圖片 126">
             <a:extLst>
               <a:ext uri="{FF2B5EF4-FFF2-40B4-BE49-F238E27FC236}">
-                <a16:creationId xmlns:a16="http://schemas.microsoft.com/office/drawing/2014/main" id="{08855A70-AF64-E8FC-299B-A27258D6FE61}"/>
-              </a:ext>
-            </a:extLst>
-          </p:cNvPr>
-          <p:cNvSpPr txBox="1"/>
-          <p:nvPr/>
-        </p:nvSpPr>
-        <p:spPr>
-          <a:xfrm>
-            <a:off x="3391177" y="1691668"/>
-            <a:ext cx="276038" cy="307777"/>
-          </a:xfrm>
-          <a:prstGeom prst="rect">
-            <a:avLst/>
-          </a:prstGeom>
-          <a:noFill/>
-        </p:spPr>
-        <p:txBody>
-          <a:bodyPr wrap="none" rtlCol="0">
-            <a:spAutoFit/>
-          </a:bodyPr>
-          <a:lstStyle/>
-          <a:p>
-            <a:r>
-              <a:rPr kumimoji="1" lang="en-US" altLang="zh-TW" sz="1400" i="1" dirty="0">
-                <a:solidFill>
-                  <a:schemeClr val="accent1">
-                    <a:lumMod val="50000"/>
-                  </a:schemeClr>
-                </a:solidFill>
-                <a:latin typeface="Minion Pro" panose="02040503050306020203" pitchFamily="18" charset="0"/>
-              </a:rPr>
-              <a:t>d</a:t>
-            </a:r>
-            <a:endParaRPr kumimoji="1" lang="zh-TW" altLang="en-US" i="1" dirty="0">
-              <a:solidFill>
-                <a:schemeClr val="accent1">
-                  <a:lumMod val="50000"/>
-                </a:schemeClr>
-              </a:solidFill>
-              <a:latin typeface="Minion Pro" panose="02040503050306020203" pitchFamily="18" charset="0"/>
-            </a:endParaRPr>
-          </a:p>
-        </p:txBody>
-      </p:sp>
-      <p:sp>
-        <p:nvSpPr>
-          <p:cNvPr id="29" name="文字方塊 28">
-            <a:extLst>
-              <a:ext uri="{FF2B5EF4-FFF2-40B4-BE49-F238E27FC236}">
-                <a16:creationId xmlns:a16="http://schemas.microsoft.com/office/drawing/2014/main" id="{14739C9E-AE93-445A-6415-791549FFC8CE}"/>
-              </a:ext>
-            </a:extLst>
-          </p:cNvPr>
-          <p:cNvSpPr txBox="1"/>
-          <p:nvPr/>
-        </p:nvSpPr>
-        <p:spPr>
-          <a:xfrm>
-            <a:off x="2048038" y="1454784"/>
-            <a:ext cx="311304" cy="307777"/>
-          </a:xfrm>
-          <a:prstGeom prst="rect">
-            <a:avLst/>
-          </a:prstGeom>
-          <a:noFill/>
-        </p:spPr>
-        <p:txBody>
-          <a:bodyPr wrap="none" rtlCol="0">
-            <a:spAutoFit/>
-          </a:bodyPr>
-          <a:lstStyle/>
-          <a:p>
-            <a:r>
-              <a:rPr kumimoji="1" lang="en-US" altLang="zh-TW" sz="1400" i="1" dirty="0">
-                <a:solidFill>
-                  <a:schemeClr val="accent1">
-                    <a:lumMod val="50000"/>
-                  </a:schemeClr>
-                </a:solidFill>
-                <a:latin typeface="Minion Pro" panose="02040503050306020203" pitchFamily="18" charset="0"/>
-              </a:rPr>
-              <a:t>D</a:t>
-            </a:r>
-            <a:endParaRPr kumimoji="1" lang="zh-TW" altLang="en-US" i="1" dirty="0">
-              <a:solidFill>
-                <a:schemeClr val="accent1">
-                  <a:lumMod val="50000"/>
-                </a:schemeClr>
-              </a:solidFill>
-              <a:latin typeface="Minion Pro" panose="02040503050306020203" pitchFamily="18" charset="0"/>
-            </a:endParaRPr>
-          </a:p>
-        </p:txBody>
-      </p:sp>
-      <p:cxnSp>
-        <p:nvCxnSpPr>
-          <p:cNvPr id="32" name="直線接點 31">
-            <a:extLst>
-              <a:ext uri="{FF2B5EF4-FFF2-40B4-BE49-F238E27FC236}">
-                <a16:creationId xmlns:a16="http://schemas.microsoft.com/office/drawing/2014/main" id="{B9FED0C7-B067-0DF0-BF25-F34361D9BB20}"/>
-              </a:ext>
-            </a:extLst>
-          </p:cNvPr>
-          <p:cNvCxnSpPr>
-            <a:cxnSpLocks/>
-            <a:stCxn id="12" idx="0"/>
-          </p:cNvCxnSpPr>
-          <p:nvPr/>
-        </p:nvCxnSpPr>
-        <p:spPr>
-          <a:xfrm flipH="1">
-            <a:off x="1698969" y="1368401"/>
-            <a:ext cx="932588" cy="2431085"/>
-          </a:xfrm>
-          <a:prstGeom prst="line">
-            <a:avLst/>
-          </a:prstGeom>
-          <a:ln w="12700">
-            <a:solidFill>
-              <a:srgbClr val="2F528F"/>
-            </a:solidFill>
-          </a:ln>
-        </p:spPr>
-        <p:style>
-          <a:lnRef idx="1">
-            <a:schemeClr val="accent1"/>
-          </a:lnRef>
-          <a:fillRef idx="0">
-            <a:schemeClr val="accent1"/>
-          </a:fillRef>
-          <a:effectRef idx="0">
-            <a:schemeClr val="accent1"/>
-          </a:effectRef>
-          <a:fontRef idx="minor">
-            <a:schemeClr val="tx1"/>
-          </a:fontRef>
-        </p:style>
-      </p:cxnSp>
-      <p:cxnSp>
-        <p:nvCxnSpPr>
-          <p:cNvPr id="34" name="直線接點 33">
-            <a:extLst>
-              <a:ext uri="{FF2B5EF4-FFF2-40B4-BE49-F238E27FC236}">
-                <a16:creationId xmlns:a16="http://schemas.microsoft.com/office/drawing/2014/main" id="{71CFD9F6-1E55-E6F4-324D-4A9A8BAE9E15}"/>
-              </a:ext>
-            </a:extLst>
-          </p:cNvPr>
-          <p:cNvCxnSpPr>
-            <a:cxnSpLocks/>
-          </p:cNvCxnSpPr>
-          <p:nvPr/>
-        </p:nvCxnSpPr>
-        <p:spPr>
-          <a:xfrm flipH="1">
-            <a:off x="1700358" y="1691668"/>
-            <a:ext cx="269299" cy="2107818"/>
-          </a:xfrm>
-          <a:prstGeom prst="line">
-            <a:avLst/>
-          </a:prstGeom>
-          <a:ln w="12700">
-            <a:solidFill>
-              <a:srgbClr val="C00000"/>
-            </a:solidFill>
-          </a:ln>
-        </p:spPr>
-        <p:style>
-          <a:lnRef idx="1">
-            <a:schemeClr val="accent1"/>
-          </a:lnRef>
-          <a:fillRef idx="0">
-            <a:schemeClr val="accent1"/>
-          </a:fillRef>
-          <a:effectRef idx="0">
-            <a:schemeClr val="accent1"/>
-          </a:effectRef>
-          <a:fontRef idx="minor">
-            <a:schemeClr val="tx1"/>
-          </a:fontRef>
-        </p:style>
-      </p:cxnSp>
-      <p:sp>
-        <p:nvSpPr>
-          <p:cNvPr id="37" name="文字方塊 36">
-            <a:extLst>
-              <a:ext uri="{FF2B5EF4-FFF2-40B4-BE49-F238E27FC236}">
-                <a16:creationId xmlns:a16="http://schemas.microsoft.com/office/drawing/2014/main" id="{5D58791A-A901-2011-151F-4F474AD2C753}"/>
-              </a:ext>
-            </a:extLst>
-          </p:cNvPr>
-          <p:cNvSpPr txBox="1"/>
-          <p:nvPr/>
-        </p:nvSpPr>
-        <p:spPr>
-          <a:xfrm>
-            <a:off x="2614032" y="1751038"/>
-            <a:ext cx="276038" cy="307777"/>
-          </a:xfrm>
-          <a:prstGeom prst="rect">
-            <a:avLst/>
-          </a:prstGeom>
-          <a:noFill/>
-        </p:spPr>
-        <p:txBody>
-          <a:bodyPr wrap="none" rtlCol="0">
-            <a:spAutoFit/>
-          </a:bodyPr>
-          <a:lstStyle/>
-          <a:p>
-            <a:r>
-              <a:rPr kumimoji="1" lang="en-US" altLang="zh-TW" sz="1400" i="1" dirty="0">
-                <a:solidFill>
-                  <a:schemeClr val="accent1">
-                    <a:lumMod val="50000"/>
-                  </a:schemeClr>
-                </a:solidFill>
-                <a:latin typeface="Minion Pro" panose="02040503050306020203" pitchFamily="18" charset="0"/>
-              </a:rPr>
-              <a:t>h</a:t>
-            </a:r>
-            <a:endParaRPr kumimoji="1" lang="zh-TW" altLang="en-US" i="1" dirty="0">
-              <a:solidFill>
-                <a:schemeClr val="accent1">
-                  <a:lumMod val="50000"/>
-                </a:schemeClr>
-              </a:solidFill>
-              <a:latin typeface="Minion Pro" panose="02040503050306020203" pitchFamily="18" charset="0"/>
-            </a:endParaRPr>
-          </a:p>
-        </p:txBody>
-      </p:sp>
-      <p:cxnSp>
-        <p:nvCxnSpPr>
-          <p:cNvPr id="39" name="直線接點 38">
-            <a:extLst>
-              <a:ext uri="{FF2B5EF4-FFF2-40B4-BE49-F238E27FC236}">
-                <a16:creationId xmlns:a16="http://schemas.microsoft.com/office/drawing/2014/main" id="{15C69628-F719-0971-4EA7-52F7958FBEB6}"/>
-              </a:ext>
-            </a:extLst>
-          </p:cNvPr>
-          <p:cNvCxnSpPr/>
-          <p:nvPr/>
-        </p:nvCxnSpPr>
-        <p:spPr>
-          <a:xfrm flipH="1">
-            <a:off x="1698969" y="2753846"/>
-            <a:ext cx="939189" cy="1045640"/>
-          </a:xfrm>
-          <a:prstGeom prst="line">
-            <a:avLst/>
-          </a:prstGeom>
-          <a:ln w="12700">
-            <a:solidFill>
-              <a:schemeClr val="tx1">
-                <a:lumMod val="75000"/>
-                <a:lumOff val="25000"/>
-              </a:schemeClr>
-            </a:solidFill>
-          </a:ln>
-        </p:spPr>
-        <p:style>
-          <a:lnRef idx="1">
-            <a:schemeClr val="accent1"/>
-          </a:lnRef>
-          <a:fillRef idx="0">
-            <a:schemeClr val="accent1"/>
-          </a:fillRef>
-          <a:effectRef idx="0">
-            <a:schemeClr val="accent1"/>
-          </a:effectRef>
-          <a:fontRef idx="minor">
-            <a:schemeClr val="tx1"/>
-          </a:fontRef>
-        </p:style>
-      </p:cxnSp>
-      <p:sp>
-        <p:nvSpPr>
-          <p:cNvPr id="40" name="文字方塊 39">
-            <a:extLst>
-              <a:ext uri="{FF2B5EF4-FFF2-40B4-BE49-F238E27FC236}">
-                <a16:creationId xmlns:a16="http://schemas.microsoft.com/office/drawing/2014/main" id="{CB4D4B2A-2373-401E-B788-1AE18348B19B}"/>
-              </a:ext>
-            </a:extLst>
-          </p:cNvPr>
-          <p:cNvSpPr txBox="1"/>
-          <p:nvPr/>
-        </p:nvSpPr>
-        <p:spPr>
-          <a:xfrm>
-            <a:off x="1514627" y="3814976"/>
-            <a:ext cx="306494" cy="307777"/>
-          </a:xfrm>
-          <a:prstGeom prst="rect">
-            <a:avLst/>
-          </a:prstGeom>
-          <a:noFill/>
-        </p:spPr>
-        <p:txBody>
-          <a:bodyPr wrap="none" rtlCol="0">
-            <a:spAutoFit/>
-          </a:bodyPr>
-          <a:lstStyle/>
-          <a:p>
-            <a:r>
-              <a:rPr kumimoji="1" lang="en-US" altLang="zh-TW" sz="1400" i="1" dirty="0">
-                <a:solidFill>
-                  <a:schemeClr val="tx1">
-                    <a:lumMod val="85000"/>
-                    <a:lumOff val="15000"/>
-                  </a:schemeClr>
-                </a:solidFill>
-                <a:latin typeface="Minion Pro" panose="02040503050306020203" pitchFamily="18" charset="0"/>
-              </a:rPr>
-              <a:t>G</a:t>
-            </a:r>
-            <a:endParaRPr kumimoji="1" lang="zh-TW" altLang="en-US" i="1" dirty="0">
-              <a:solidFill>
-                <a:schemeClr val="tx1">
-                  <a:lumMod val="85000"/>
-                  <a:lumOff val="15000"/>
-                </a:schemeClr>
-              </a:solidFill>
-              <a:latin typeface="Minion Pro" panose="02040503050306020203" pitchFamily="18" charset="0"/>
-            </a:endParaRPr>
-          </a:p>
-        </p:txBody>
-      </p:sp>
-      <p:sp>
-        <p:nvSpPr>
-          <p:cNvPr id="41" name="文字方塊 40">
-            <a:extLst>
-              <a:ext uri="{FF2B5EF4-FFF2-40B4-BE49-F238E27FC236}">
-                <a16:creationId xmlns:a16="http://schemas.microsoft.com/office/drawing/2014/main" id="{1B6BF431-844C-C460-BD1F-CD758472B5E3}"/>
-              </a:ext>
-            </a:extLst>
-          </p:cNvPr>
-          <p:cNvSpPr txBox="1"/>
-          <p:nvPr/>
-        </p:nvSpPr>
-        <p:spPr>
-          <a:xfrm>
-            <a:off x="1330465" y="2537995"/>
-            <a:ext cx="268022" cy="307777"/>
-          </a:xfrm>
-          <a:prstGeom prst="rect">
-            <a:avLst/>
-          </a:prstGeom>
-          <a:noFill/>
-        </p:spPr>
-        <p:txBody>
-          <a:bodyPr wrap="none" rtlCol="0">
-            <a:spAutoFit/>
-          </a:bodyPr>
-          <a:lstStyle/>
-          <a:p>
-            <a:r>
-              <a:rPr kumimoji="1" lang="en-US" altLang="zh-TW" sz="1400" i="1" dirty="0">
-                <a:solidFill>
-                  <a:schemeClr val="tx1">
-                    <a:lumMod val="85000"/>
-                    <a:lumOff val="15000"/>
-                  </a:schemeClr>
-                </a:solidFill>
-                <a:latin typeface="Minion Pro" panose="02040503050306020203" pitchFamily="18" charset="0"/>
-              </a:rPr>
-              <a:t>S</a:t>
-            </a:r>
-            <a:endParaRPr kumimoji="1" lang="zh-TW" altLang="en-US" i="1" dirty="0">
-              <a:solidFill>
-                <a:schemeClr val="tx1">
-                  <a:lumMod val="85000"/>
-                  <a:lumOff val="15000"/>
-                </a:schemeClr>
-              </a:solidFill>
-              <a:latin typeface="Minion Pro" panose="02040503050306020203" pitchFamily="18" charset="0"/>
-            </a:endParaRPr>
-          </a:p>
-        </p:txBody>
-      </p:sp>
-      <p:sp>
-        <p:nvSpPr>
-          <p:cNvPr id="42" name="文字方塊 41">
-            <a:extLst>
-              <a:ext uri="{FF2B5EF4-FFF2-40B4-BE49-F238E27FC236}">
-                <a16:creationId xmlns:a16="http://schemas.microsoft.com/office/drawing/2014/main" id="{3D23BDCE-484E-171F-4F99-B696FC3C56FB}"/>
-              </a:ext>
-            </a:extLst>
-          </p:cNvPr>
-          <p:cNvSpPr txBox="1"/>
-          <p:nvPr/>
-        </p:nvSpPr>
-        <p:spPr>
-          <a:xfrm>
-            <a:off x="4350461" y="2463633"/>
-            <a:ext cx="285656" cy="307777"/>
-          </a:xfrm>
-          <a:prstGeom prst="rect">
-            <a:avLst/>
-          </a:prstGeom>
-          <a:noFill/>
-        </p:spPr>
-        <p:txBody>
-          <a:bodyPr wrap="none" rtlCol="0">
-            <a:spAutoFit/>
-          </a:bodyPr>
-          <a:lstStyle/>
-          <a:p>
-            <a:r>
-              <a:rPr kumimoji="1" lang="en-US" altLang="zh-TW" sz="1400" i="1" dirty="0">
-                <a:solidFill>
-                  <a:schemeClr val="tx1">
-                    <a:lumMod val="85000"/>
-                    <a:lumOff val="15000"/>
-                  </a:schemeClr>
-                </a:solidFill>
-                <a:latin typeface="Minion Pro" panose="02040503050306020203" pitchFamily="18" charset="0"/>
-              </a:rPr>
-              <a:t>E</a:t>
-            </a:r>
-            <a:endParaRPr kumimoji="1" lang="zh-TW" altLang="en-US" i="1" dirty="0">
-              <a:solidFill>
-                <a:schemeClr val="tx1">
-                  <a:lumMod val="85000"/>
-                  <a:lumOff val="15000"/>
-                </a:schemeClr>
-              </a:solidFill>
-              <a:latin typeface="Minion Pro" panose="02040503050306020203" pitchFamily="18" charset="0"/>
-            </a:endParaRPr>
-          </a:p>
-        </p:txBody>
-      </p:sp>
-      <p:cxnSp>
-        <p:nvCxnSpPr>
-          <p:cNvPr id="44" name="直線接點 43">
-            <a:extLst>
-              <a:ext uri="{FF2B5EF4-FFF2-40B4-BE49-F238E27FC236}">
-                <a16:creationId xmlns:a16="http://schemas.microsoft.com/office/drawing/2014/main" id="{2AEE3A88-8A74-2964-1DBF-0D49E1613951}"/>
-              </a:ext>
-            </a:extLst>
-          </p:cNvPr>
-          <p:cNvCxnSpPr>
-            <a:cxnSpLocks/>
-          </p:cNvCxnSpPr>
-          <p:nvPr/>
-        </p:nvCxnSpPr>
-        <p:spPr>
-          <a:xfrm flipH="1">
-            <a:off x="1703859" y="2753845"/>
-            <a:ext cx="2673371" cy="1037372"/>
-          </a:xfrm>
-          <a:prstGeom prst="line">
-            <a:avLst/>
-          </a:prstGeom>
-          <a:ln w="12700">
-            <a:solidFill>
-              <a:schemeClr val="tx1">
-                <a:lumMod val="75000"/>
-                <a:lumOff val="25000"/>
-              </a:schemeClr>
-            </a:solidFill>
-          </a:ln>
-        </p:spPr>
-        <p:style>
-          <a:lnRef idx="1">
-            <a:schemeClr val="accent1"/>
-          </a:lnRef>
-          <a:fillRef idx="0">
-            <a:schemeClr val="accent1"/>
-          </a:fillRef>
-          <a:effectRef idx="0">
-            <a:schemeClr val="accent1"/>
-          </a:effectRef>
-          <a:fontRef idx="minor">
-            <a:schemeClr val="tx1"/>
-          </a:fontRef>
-        </p:style>
-      </p:cxnSp>
-      <p:pic>
-        <p:nvPicPr>
-          <p:cNvPr id="50" name="圖片 49">
-            <a:extLst>
-              <a:ext uri="{FF2B5EF4-FFF2-40B4-BE49-F238E27FC236}">
-                <a16:creationId xmlns:a16="http://schemas.microsoft.com/office/drawing/2014/main" id="{6BA760D4-4393-53EF-A2DD-BDE84073BE6D}"/>
+                <a16:creationId xmlns:a16="http://schemas.microsoft.com/office/drawing/2014/main" id="{2931C287-9109-7D7D-1E9F-9F50505C9E44}"/>
               </a:ext>
             </a:extLst>
           </p:cNvPr>
@@ -4273,8 +3378,8 @@
         </p:blipFill>
         <p:spPr>
           <a:xfrm>
-            <a:off x="3086273" y="3377065"/>
-            <a:ext cx="241300" cy="165100"/>
+            <a:off x="6875290" y="193679"/>
+            <a:ext cx="3429000" cy="393700"/>
           </a:xfrm>
           <a:prstGeom prst="rect">
             <a:avLst/>
@@ -4283,10 +3388,10 @@
       </p:pic>
       <p:pic>
         <p:nvPicPr>
-          <p:cNvPr id="51" name="圖片 50">
+          <p:cNvPr id="129" name="圖片 128">
             <a:extLst>
               <a:ext uri="{FF2B5EF4-FFF2-40B4-BE49-F238E27FC236}">
-                <a16:creationId xmlns:a16="http://schemas.microsoft.com/office/drawing/2014/main" id="{8AB8F27A-6C0B-4A8A-6AB0-76B80930B44F}"/>
+                <a16:creationId xmlns:a16="http://schemas.microsoft.com/office/drawing/2014/main" id="{31C8BFCD-511A-1459-3DC1-B3E7C116B7F5}"/>
               </a:ext>
             </a:extLst>
           </p:cNvPr>
@@ -4303,8 +3408,8 @@
         </p:blipFill>
         <p:spPr>
           <a:xfrm>
-            <a:off x="2386958" y="3078140"/>
-            <a:ext cx="88900" cy="139700"/>
+            <a:off x="6911276" y="757745"/>
+            <a:ext cx="5092700" cy="1028700"/>
           </a:xfrm>
           <a:prstGeom prst="rect">
             <a:avLst/>
@@ -4313,10 +3418,10 @@
       </p:pic>
       <p:sp>
         <p:nvSpPr>
-          <p:cNvPr id="52" name="文字方塊 51">
+          <p:cNvPr id="130" name="文字方塊 129">
             <a:extLst>
               <a:ext uri="{FF2B5EF4-FFF2-40B4-BE49-F238E27FC236}">
-                <a16:creationId xmlns:a16="http://schemas.microsoft.com/office/drawing/2014/main" id="{EFDC0A2C-E9CB-F366-37D4-BD8EB7B4FE2A}"/>
+                <a16:creationId xmlns:a16="http://schemas.microsoft.com/office/drawing/2014/main" id="{996ABD7A-B62B-6475-8CC6-38DE61B1722E}"/>
               </a:ext>
             </a:extLst>
           </p:cNvPr>
@@ -4325,8 +3430,8 @@
         </p:nvSpPr>
         <p:spPr>
           <a:xfrm>
-            <a:off x="2179039" y="2359215"/>
-            <a:ext cx="250390" cy="307777"/>
+            <a:off x="66507" y="4371564"/>
+            <a:ext cx="5710218" cy="307777"/>
           </a:xfrm>
           <a:prstGeom prst="rect">
             <a:avLst/>
@@ -4340,701 +3445,84 @@
           <a:lstStyle/>
           <a:p>
             <a:r>
-              <a:rPr kumimoji="1" lang="en-US" altLang="zh-TW" sz="1400" i="1" dirty="0">
-                <a:solidFill>
-                  <a:schemeClr val="accent1">
-                    <a:lumMod val="50000"/>
-                  </a:schemeClr>
-                </a:solidFill>
-                <a:latin typeface="Minion Pro" panose="02040503050306020203" pitchFamily="18" charset="0"/>
-              </a:rPr>
-              <a:t>r</a:t>
-            </a:r>
-            <a:endParaRPr kumimoji="1" lang="zh-TW" altLang="en-US" i="1" dirty="0">
-              <a:solidFill>
-                <a:schemeClr val="accent1">
-                  <a:lumMod val="50000"/>
-                </a:schemeClr>
-              </a:solidFill>
-              <a:latin typeface="Minion Pro" panose="02040503050306020203" pitchFamily="18" charset="0"/>
-            </a:endParaRPr>
-          </a:p>
-        </p:txBody>
-      </p:sp>
-      <p:sp>
-        <p:nvSpPr>
-          <p:cNvPr id="53" name="文字方塊 52">
-            <a:extLst>
-              <a:ext uri="{FF2B5EF4-FFF2-40B4-BE49-F238E27FC236}">
-                <a16:creationId xmlns:a16="http://schemas.microsoft.com/office/drawing/2014/main" id="{3AFA6232-E515-32B6-19A2-917FC5963C7B}"/>
-              </a:ext>
-            </a:extLst>
-          </p:cNvPr>
-          <p:cNvSpPr txBox="1"/>
-          <p:nvPr/>
-        </p:nvSpPr>
-        <p:spPr>
-          <a:xfrm>
-            <a:off x="1544543" y="2800808"/>
-            <a:ext cx="290464" cy="307777"/>
-          </a:xfrm>
-          <a:prstGeom prst="rect">
-            <a:avLst/>
-          </a:prstGeom>
-          <a:noFill/>
-        </p:spPr>
-        <p:txBody>
-          <a:bodyPr wrap="none" rtlCol="0">
-            <a:spAutoFit/>
-          </a:bodyPr>
-          <a:lstStyle/>
-          <a:p>
-            <a:r>
-              <a:rPr kumimoji="1" lang="en-US" altLang="zh-TW" sz="1400" i="1" dirty="0">
-                <a:solidFill>
-                  <a:srgbClr val="C00000"/>
-                </a:solidFill>
-                <a:latin typeface="Minion Pro" panose="02040503050306020203" pitchFamily="18" charset="0"/>
-              </a:rPr>
-              <a:t>r′</a:t>
-            </a:r>
-            <a:endParaRPr kumimoji="1" lang="zh-TW" altLang="en-US" i="1" dirty="0">
-              <a:solidFill>
-                <a:srgbClr val="C00000"/>
-              </a:solidFill>
-              <a:latin typeface="Minion Pro" panose="02040503050306020203" pitchFamily="18" charset="0"/>
-            </a:endParaRPr>
-          </a:p>
-        </p:txBody>
-      </p:sp>
-      <p:sp>
-        <p:nvSpPr>
-          <p:cNvPr id="58" name="三角形 57">
-            <a:extLst>
-              <a:ext uri="{FF2B5EF4-FFF2-40B4-BE49-F238E27FC236}">
-                <a16:creationId xmlns:a16="http://schemas.microsoft.com/office/drawing/2014/main" id="{9781865B-ACEA-E4F8-1091-7BFFE3C0C950}"/>
-              </a:ext>
-            </a:extLst>
-          </p:cNvPr>
-          <p:cNvSpPr/>
-          <p:nvPr/>
-        </p:nvSpPr>
-        <p:spPr>
-          <a:xfrm>
-            <a:off x="3849914" y="590099"/>
-            <a:ext cx="1241799" cy="618826"/>
-          </a:xfrm>
-          <a:prstGeom prst="triangle">
-            <a:avLst>
-              <a:gd name="adj" fmla="val 37000"/>
-            </a:avLst>
-          </a:prstGeom>
-          <a:solidFill>
-            <a:schemeClr val="accent1">
-              <a:alpha val="32653"/>
-            </a:schemeClr>
-          </a:solidFill>
-        </p:spPr>
-        <p:style>
-          <a:lnRef idx="2">
-            <a:schemeClr val="accent1">
-              <a:shade val="50000"/>
-            </a:schemeClr>
-          </a:lnRef>
-          <a:fillRef idx="1">
-            <a:schemeClr val="accent1"/>
-          </a:fillRef>
-          <a:effectRef idx="0">
-            <a:schemeClr val="accent1"/>
-          </a:effectRef>
-          <a:fontRef idx="minor">
-            <a:schemeClr val="lt1"/>
-          </a:fontRef>
-        </p:style>
-        <p:txBody>
-          <a:bodyPr rtlCol="0" anchor="ctr"/>
-          <a:lstStyle/>
-          <a:p>
-            <a:pPr algn="ctr"/>
-            <a:endParaRPr kumimoji="1" lang="zh-TW" altLang="en-US"/>
-          </a:p>
-        </p:txBody>
-      </p:sp>
-      <p:sp>
-        <p:nvSpPr>
-          <p:cNvPr id="60" name="三角形 59">
-            <a:extLst>
-              <a:ext uri="{FF2B5EF4-FFF2-40B4-BE49-F238E27FC236}">
-                <a16:creationId xmlns:a16="http://schemas.microsoft.com/office/drawing/2014/main" id="{7A433616-62F2-C9A9-DB6C-C2FA0C595EBB}"/>
-              </a:ext>
-            </a:extLst>
-          </p:cNvPr>
-          <p:cNvSpPr/>
-          <p:nvPr/>
-        </p:nvSpPr>
-        <p:spPr>
-          <a:xfrm>
-            <a:off x="5587137" y="590099"/>
-            <a:ext cx="1241799" cy="618826"/>
-          </a:xfrm>
-          <a:prstGeom prst="triangle">
-            <a:avLst>
-              <a:gd name="adj" fmla="val 37000"/>
-            </a:avLst>
-          </a:prstGeom>
-          <a:solidFill>
-            <a:srgbClr val="C00000">
-              <a:alpha val="32653"/>
-            </a:srgbClr>
-          </a:solidFill>
-          <a:ln>
-            <a:solidFill>
-              <a:srgbClr val="C00000"/>
-            </a:solidFill>
-          </a:ln>
-        </p:spPr>
-        <p:style>
-          <a:lnRef idx="2">
-            <a:schemeClr val="accent1">
-              <a:shade val="50000"/>
-            </a:schemeClr>
-          </a:lnRef>
-          <a:fillRef idx="1">
-            <a:schemeClr val="accent1"/>
-          </a:fillRef>
-          <a:effectRef idx="0">
-            <a:schemeClr val="accent1"/>
-          </a:effectRef>
-          <a:fontRef idx="minor">
-            <a:schemeClr val="lt1"/>
-          </a:fontRef>
-        </p:style>
-        <p:txBody>
-          <a:bodyPr rtlCol="0" anchor="ctr"/>
-          <a:lstStyle/>
-          <a:p>
-            <a:pPr algn="ctr"/>
-            <a:endParaRPr kumimoji="1" lang="zh-TW" altLang="en-US"/>
-          </a:p>
-        </p:txBody>
-      </p:sp>
-      <p:sp>
-        <p:nvSpPr>
-          <p:cNvPr id="61" name="文字方塊 60">
-            <a:extLst>
-              <a:ext uri="{FF2B5EF4-FFF2-40B4-BE49-F238E27FC236}">
-                <a16:creationId xmlns:a16="http://schemas.microsoft.com/office/drawing/2014/main" id="{FABA1A7C-0171-E39B-A2F1-4731879830B2}"/>
-              </a:ext>
-            </a:extLst>
-          </p:cNvPr>
-          <p:cNvSpPr txBox="1"/>
-          <p:nvPr/>
-        </p:nvSpPr>
-        <p:spPr>
-          <a:xfrm>
-            <a:off x="5142727" y="763234"/>
-            <a:ext cx="292068" cy="307777"/>
-          </a:xfrm>
-          <a:prstGeom prst="rect">
-            <a:avLst/>
-          </a:prstGeom>
-          <a:noFill/>
-        </p:spPr>
-        <p:txBody>
-          <a:bodyPr wrap="none" rtlCol="0">
-            <a:spAutoFit/>
-          </a:bodyPr>
-          <a:lstStyle/>
-          <a:p>
-            <a:r>
               <a:rPr kumimoji="1" lang="en-US" altLang="zh-TW" sz="1400" dirty="0">
                 <a:latin typeface="Minion Pro" panose="02040503050306020203" pitchFamily="18" charset="0"/>
               </a:rPr>
-              <a:t>=</a:t>
-            </a:r>
-            <a:endParaRPr kumimoji="1" lang="zh-TW" altLang="en-US" dirty="0">
-              <a:latin typeface="Minion Pro" panose="02040503050306020203" pitchFamily="18" charset="0"/>
-            </a:endParaRPr>
-          </a:p>
-        </p:txBody>
-      </p:sp>
-      <p:sp>
-        <p:nvSpPr>
-          <p:cNvPr id="62" name="文字方塊 61">
-            <a:extLst>
-              <a:ext uri="{FF2B5EF4-FFF2-40B4-BE49-F238E27FC236}">
-                <a16:creationId xmlns:a16="http://schemas.microsoft.com/office/drawing/2014/main" id="{563CD6B6-7FA6-E135-1FB5-757ED657BAAC}"/>
-              </a:ext>
-            </a:extLst>
-          </p:cNvPr>
-          <p:cNvSpPr txBox="1"/>
-          <p:nvPr/>
-        </p:nvSpPr>
-        <p:spPr>
-          <a:xfrm>
-            <a:off x="324925" y="4010083"/>
-            <a:ext cx="264816" cy="307777"/>
-          </a:xfrm>
-          <a:prstGeom prst="rect">
-            <a:avLst/>
-          </a:prstGeom>
-          <a:noFill/>
-        </p:spPr>
-        <p:txBody>
-          <a:bodyPr wrap="none" rtlCol="0">
-            <a:spAutoFit/>
-          </a:bodyPr>
-          <a:lstStyle/>
-          <a:p>
-            <a:r>
-              <a:rPr kumimoji="1" lang="en-US" altLang="zh-TW" sz="1400" i="1" dirty="0">
-                <a:solidFill>
-                  <a:schemeClr val="tx1">
-                    <a:lumMod val="85000"/>
-                    <a:lumOff val="15000"/>
-                  </a:schemeClr>
-                </a:solidFill>
+              <a:t>In the limit of SN at GC (</a:t>
+            </a:r>
+            <a:r>
+              <a:rPr kumimoji="1" lang="en-US" altLang="zh-TW" sz="1400" dirty="0">
+                <a:latin typeface="Myriad Pro" panose="020B0503030403020204" pitchFamily="34" charset="0"/>
+              </a:rPr>
+              <a:t>S</a:t>
+            </a:r>
+            <a:r>
+              <a:rPr kumimoji="1" lang="en-US" altLang="zh-TW" sz="1400" dirty="0">
                 <a:latin typeface="Minion Pro" panose="02040503050306020203" pitchFamily="18" charset="0"/>
               </a:rPr>
-              <a:t>y</a:t>
-            </a:r>
-            <a:endParaRPr kumimoji="1" lang="zh-TW" altLang="en-US" i="1" dirty="0">
-              <a:solidFill>
-                <a:schemeClr val="tx1">
-                  <a:lumMod val="85000"/>
-                  <a:lumOff val="15000"/>
-                </a:schemeClr>
-              </a:solidFill>
-              <a:latin typeface="Minion Pro" panose="02040503050306020203" pitchFamily="18" charset="0"/>
-            </a:endParaRPr>
-          </a:p>
-        </p:txBody>
-      </p:sp>
-      <p:sp>
-        <p:nvSpPr>
-          <p:cNvPr id="63" name="文字方塊 62">
-            <a:extLst>
-              <a:ext uri="{FF2B5EF4-FFF2-40B4-BE49-F238E27FC236}">
-                <a16:creationId xmlns:a16="http://schemas.microsoft.com/office/drawing/2014/main" id="{2A2074E9-4052-C5DE-ED5E-61AF5E921FDD}"/>
-              </a:ext>
-            </a:extLst>
-          </p:cNvPr>
-          <p:cNvSpPr txBox="1"/>
-          <p:nvPr/>
-        </p:nvSpPr>
-        <p:spPr>
-          <a:xfrm>
-            <a:off x="5058945" y="2583943"/>
-            <a:ext cx="269626" cy="307777"/>
-          </a:xfrm>
-          <a:prstGeom prst="rect">
-            <a:avLst/>
-          </a:prstGeom>
-          <a:noFill/>
-        </p:spPr>
-        <p:txBody>
-          <a:bodyPr wrap="none" rtlCol="0">
-            <a:spAutoFit/>
-          </a:bodyPr>
-          <a:lstStyle/>
-          <a:p>
-            <a:r>
-              <a:rPr kumimoji="1" lang="en-US" altLang="zh-TW" sz="1400" i="1" dirty="0">
-                <a:solidFill>
-                  <a:schemeClr val="tx1">
-                    <a:lumMod val="85000"/>
-                    <a:lumOff val="15000"/>
-                  </a:schemeClr>
-                </a:solidFill>
+              <a:t> = </a:t>
+            </a:r>
+            <a:r>
+              <a:rPr kumimoji="1" lang="en-US" altLang="zh-TW" sz="1400" dirty="0">
+                <a:latin typeface="Myriad Pro" panose="020B0503030403020204" pitchFamily="34" charset="0"/>
+              </a:rPr>
+              <a:t>G</a:t>
+            </a:r>
+            <a:r>
+              <a:rPr kumimoji="1" lang="en-US" altLang="zh-TW" sz="1400" dirty="0">
                 <a:latin typeface="Minion Pro" panose="02040503050306020203" pitchFamily="18" charset="0"/>
               </a:rPr>
-              <a:t>x</a:t>
-            </a:r>
-            <a:endParaRPr kumimoji="1" lang="zh-TW" altLang="en-US" i="1" dirty="0">
-              <a:solidFill>
-                <a:schemeClr val="tx1">
-                  <a:lumMod val="85000"/>
-                  <a:lumOff val="15000"/>
-                </a:schemeClr>
-              </a:solidFill>
-              <a:latin typeface="Minion Pro" panose="02040503050306020203" pitchFamily="18" charset="0"/>
-            </a:endParaRPr>
-          </a:p>
-        </p:txBody>
-      </p:sp>
-      <p:sp>
-        <p:nvSpPr>
-          <p:cNvPr id="64" name="文字方塊 63">
-            <a:extLst>
-              <a:ext uri="{FF2B5EF4-FFF2-40B4-BE49-F238E27FC236}">
-                <a16:creationId xmlns:a16="http://schemas.microsoft.com/office/drawing/2014/main" id="{BF232E2A-E31F-1D70-6652-8AE0DCB0D82C}"/>
-              </a:ext>
-            </a:extLst>
-          </p:cNvPr>
-          <p:cNvSpPr txBox="1"/>
-          <p:nvPr/>
-        </p:nvSpPr>
-        <p:spPr>
-          <a:xfrm>
-            <a:off x="1476317" y="267688"/>
-            <a:ext cx="260008" cy="307777"/>
-          </a:xfrm>
-          <a:prstGeom prst="rect">
-            <a:avLst/>
-          </a:prstGeom>
-          <a:noFill/>
-        </p:spPr>
-        <p:txBody>
-          <a:bodyPr wrap="none" rtlCol="0">
-            <a:spAutoFit/>
-          </a:bodyPr>
-          <a:lstStyle/>
-          <a:p>
+              <a:t>), we have </a:t>
+            </a:r>
             <a:r>
               <a:rPr kumimoji="1" lang="en-US" altLang="zh-TW" sz="1400" i="1" dirty="0">
-                <a:solidFill>
-                  <a:schemeClr val="tx1">
-                    <a:lumMod val="85000"/>
-                    <a:lumOff val="15000"/>
-                  </a:schemeClr>
-                </a:solidFill>
                 <a:latin typeface="Minion Pro" panose="02040503050306020203" pitchFamily="18" charset="0"/>
               </a:rPr>
-              <a:t>z</a:t>
-            </a:r>
-            <a:endParaRPr kumimoji="1" lang="zh-TW" altLang="en-US" i="1" dirty="0">
-              <a:solidFill>
-                <a:schemeClr val="tx1">
-                  <a:lumMod val="85000"/>
-                  <a:lumOff val="15000"/>
-                </a:schemeClr>
-              </a:solidFill>
-              <a:latin typeface="Minion Pro" panose="02040503050306020203" pitchFamily="18" charset="0"/>
-            </a:endParaRPr>
-          </a:p>
-        </p:txBody>
-      </p:sp>
-      <p:sp>
-        <p:nvSpPr>
-          <p:cNvPr id="65" name="直角三角形 64">
-            <a:extLst>
-              <a:ext uri="{FF2B5EF4-FFF2-40B4-BE49-F238E27FC236}">
-                <a16:creationId xmlns:a16="http://schemas.microsoft.com/office/drawing/2014/main" id="{09B71D5B-81C8-DF91-93BF-082712B8BF2A}"/>
-              </a:ext>
-            </a:extLst>
-          </p:cNvPr>
-          <p:cNvSpPr/>
-          <p:nvPr/>
-        </p:nvSpPr>
-        <p:spPr>
-          <a:xfrm flipH="1">
-            <a:off x="5696189" y="2176487"/>
-            <a:ext cx="1691450" cy="1062180"/>
-          </a:xfrm>
-          <a:prstGeom prst="rtTriangle">
-            <a:avLst/>
-          </a:prstGeom>
-          <a:noFill/>
-        </p:spPr>
-        <p:style>
-          <a:lnRef idx="2">
-            <a:schemeClr val="accent1">
-              <a:shade val="50000"/>
-            </a:schemeClr>
-          </a:lnRef>
-          <a:fillRef idx="1">
-            <a:schemeClr val="accent1"/>
-          </a:fillRef>
-          <a:effectRef idx="0">
-            <a:schemeClr val="accent1"/>
-          </a:effectRef>
-          <a:fontRef idx="minor">
-            <a:schemeClr val="lt1"/>
-          </a:fontRef>
-        </p:style>
-        <p:txBody>
-          <a:bodyPr rtlCol="0" anchor="ctr"/>
-          <a:lstStyle/>
-          <a:p>
-            <a:pPr algn="ctr"/>
-            <a:endParaRPr kumimoji="1" lang="zh-TW" altLang="en-US"/>
-          </a:p>
-        </p:txBody>
-      </p:sp>
-      <p:sp>
-        <p:nvSpPr>
-          <p:cNvPr id="66" name="三角形 65">
-            <a:extLst>
-              <a:ext uri="{FF2B5EF4-FFF2-40B4-BE49-F238E27FC236}">
-                <a16:creationId xmlns:a16="http://schemas.microsoft.com/office/drawing/2014/main" id="{B0028ACE-2200-E771-C2DD-86517F18F2A1}"/>
-              </a:ext>
-            </a:extLst>
-          </p:cNvPr>
-          <p:cNvSpPr/>
-          <p:nvPr/>
-        </p:nvSpPr>
-        <p:spPr>
-          <a:xfrm>
-            <a:off x="5696189" y="2275292"/>
-            <a:ext cx="1691450" cy="963646"/>
-          </a:xfrm>
-          <a:prstGeom prst="triangle">
-            <a:avLst>
-              <a:gd name="adj" fmla="val 68746"/>
-            </a:avLst>
-          </a:prstGeom>
-          <a:noFill/>
-          <a:ln>
-            <a:solidFill>
-              <a:srgbClr val="C00000"/>
-            </a:solidFill>
-          </a:ln>
-        </p:spPr>
-        <p:style>
-          <a:lnRef idx="2">
-            <a:schemeClr val="accent1">
-              <a:shade val="50000"/>
-            </a:schemeClr>
-          </a:lnRef>
-          <a:fillRef idx="1">
-            <a:schemeClr val="accent1"/>
-          </a:fillRef>
-          <a:effectRef idx="0">
-            <a:schemeClr val="accent1"/>
-          </a:effectRef>
-          <a:fontRef idx="minor">
-            <a:schemeClr val="lt1"/>
-          </a:fontRef>
-        </p:style>
-        <p:txBody>
-          <a:bodyPr rtlCol="0" anchor="ctr"/>
-          <a:lstStyle/>
-          <a:p>
-            <a:pPr algn="ctr"/>
-            <a:endParaRPr kumimoji="1" lang="zh-TW" altLang="en-US"/>
-          </a:p>
-        </p:txBody>
-      </p:sp>
-      <p:sp>
-        <p:nvSpPr>
-          <p:cNvPr id="67" name="文字方塊 66">
-            <a:extLst>
-              <a:ext uri="{FF2B5EF4-FFF2-40B4-BE49-F238E27FC236}">
-                <a16:creationId xmlns:a16="http://schemas.microsoft.com/office/drawing/2014/main" id="{203BE1B0-727B-BFB1-F0DD-137B704E0AB9}"/>
-              </a:ext>
-            </a:extLst>
-          </p:cNvPr>
-          <p:cNvSpPr txBox="1"/>
-          <p:nvPr/>
-        </p:nvSpPr>
-        <p:spPr>
-          <a:xfrm>
-            <a:off x="7387639" y="2537995"/>
-            <a:ext cx="854721" cy="307777"/>
-          </a:xfrm>
-          <a:prstGeom prst="rect">
-            <a:avLst/>
-          </a:prstGeom>
-          <a:noFill/>
-        </p:spPr>
-        <p:txBody>
-          <a:bodyPr wrap="none" rtlCol="0">
-            <a:spAutoFit/>
-          </a:bodyPr>
-          <a:lstStyle/>
-          <a:p>
-            <a:r>
-              <a:rPr kumimoji="1" lang="en-US" altLang="zh-TW" sz="1400" i="1" dirty="0">
-                <a:solidFill>
-                  <a:schemeClr val="accent1">
-                    <a:lumMod val="50000"/>
-                  </a:schemeClr>
-                </a:solidFill>
+              <a:t>β</a:t>
+            </a:r>
+            <a:r>
+              <a:rPr kumimoji="1" lang="en-US" altLang="zh-TW" sz="1400" dirty="0">
                 <a:latin typeface="Minion Pro" panose="02040503050306020203" pitchFamily="18" charset="0"/>
               </a:rPr>
-              <a:t>h = </a:t>
-            </a:r>
-            <a:r>
-              <a:rPr kumimoji="1" lang="en-US" altLang="zh-TW" sz="1400" i="1" dirty="0" err="1">
-                <a:solidFill>
-                  <a:schemeClr val="accent1">
-                    <a:lumMod val="50000"/>
-                  </a:schemeClr>
-                </a:solidFill>
+              <a:t> = 0 and </a:t>
+            </a:r>
+            <a:r>
+              <a:rPr kumimoji="1" lang="en-US" altLang="zh-TW" sz="1400" i="1" dirty="0">
                 <a:latin typeface="Minion Pro" panose="02040503050306020203" pitchFamily="18" charset="0"/>
               </a:rPr>
-              <a:t>d</a:t>
-            </a:r>
-            <a:r>
-              <a:rPr kumimoji="1" lang="en-US" altLang="zh-TW" sz="1400" dirty="0" err="1">
-                <a:solidFill>
-                  <a:schemeClr val="accent1">
-                    <a:lumMod val="50000"/>
-                  </a:schemeClr>
-                </a:solidFill>
+              <a:t>R</a:t>
+            </a:r>
+            <a:r>
+              <a:rPr kumimoji="1" lang="en-US" altLang="zh-TW" sz="1400" baseline="-25000" dirty="0">
                 <a:latin typeface="Minion Pro" panose="02040503050306020203" pitchFamily="18" charset="0"/>
               </a:rPr>
-              <a:t>sin</a:t>
-            </a:r>
-            <a:r>
-              <a:rPr kumimoji="1" lang="en-US" altLang="zh-TW" sz="1400" i="1" dirty="0" err="1">
-                <a:solidFill>
-                  <a:schemeClr val="accent1">
-                    <a:lumMod val="50000"/>
-                  </a:schemeClr>
-                </a:solidFill>
+              <a:t>⋆</a:t>
+            </a:r>
+            <a:r>
+              <a:rPr kumimoji="1" lang="en-US" altLang="zh-TW" sz="1400" dirty="0">
                 <a:latin typeface="Minion Pro" panose="02040503050306020203" pitchFamily="18" charset="0"/>
               </a:rPr>
-              <a:t>θ</a:t>
-            </a:r>
-            <a:endParaRPr kumimoji="1" lang="zh-TW" altLang="en-US" sz="2400" i="1" dirty="0">
-              <a:solidFill>
-                <a:schemeClr val="accent1">
-                  <a:lumMod val="50000"/>
-                </a:schemeClr>
-              </a:solidFill>
-              <a:latin typeface="Minion Pro" panose="02040503050306020203" pitchFamily="18" charset="0"/>
-            </a:endParaRPr>
-          </a:p>
-        </p:txBody>
-      </p:sp>
-      <p:sp>
-        <p:nvSpPr>
-          <p:cNvPr id="68" name="文字方塊 67">
-            <a:extLst>
-              <a:ext uri="{FF2B5EF4-FFF2-40B4-BE49-F238E27FC236}">
-                <a16:creationId xmlns:a16="http://schemas.microsoft.com/office/drawing/2014/main" id="{3FB4B808-2D18-87F1-1725-95BE0514C2A6}"/>
-              </a:ext>
-            </a:extLst>
-          </p:cNvPr>
-          <p:cNvSpPr txBox="1"/>
-          <p:nvPr/>
-        </p:nvSpPr>
-        <p:spPr>
-          <a:xfrm>
-            <a:off x="6820761" y="2632269"/>
-            <a:ext cx="276038" cy="307777"/>
-          </a:xfrm>
-          <a:prstGeom prst="rect">
-            <a:avLst/>
-          </a:prstGeom>
-          <a:noFill/>
-        </p:spPr>
-        <p:txBody>
-          <a:bodyPr wrap="none" rtlCol="0">
-            <a:spAutoFit/>
-          </a:bodyPr>
-          <a:lstStyle/>
-          <a:p>
+              <a:t> = </a:t>
+            </a:r>
             <a:r>
               <a:rPr kumimoji="1" lang="en-US" altLang="zh-TW" sz="1400" i="1" dirty="0">
-                <a:solidFill>
-                  <a:srgbClr val="C00000"/>
-                </a:solidFill>
                 <a:latin typeface="Minion Pro" panose="02040503050306020203" pitchFamily="18" charset="0"/>
               </a:rPr>
-              <a:t>h</a:t>
-            </a:r>
-            <a:endParaRPr kumimoji="1" lang="zh-TW" altLang="en-US" i="1" dirty="0">
-              <a:solidFill>
-                <a:srgbClr val="C00000"/>
-              </a:solidFill>
-              <a:latin typeface="Minion Pro" panose="02040503050306020203" pitchFamily="18" charset="0"/>
-            </a:endParaRPr>
-          </a:p>
-        </p:txBody>
-      </p:sp>
-      <p:sp>
-        <p:nvSpPr>
-          <p:cNvPr id="69" name="文字方塊 68">
-            <a:extLst>
-              <a:ext uri="{FF2B5EF4-FFF2-40B4-BE49-F238E27FC236}">
-                <a16:creationId xmlns:a16="http://schemas.microsoft.com/office/drawing/2014/main" id="{3F046823-D69D-1959-E3B1-935DFB2AA3BC}"/>
-              </a:ext>
-            </a:extLst>
-          </p:cNvPr>
-          <p:cNvSpPr txBox="1"/>
-          <p:nvPr/>
-        </p:nvSpPr>
-        <p:spPr>
-          <a:xfrm>
-            <a:off x="6958307" y="2067194"/>
-            <a:ext cx="250390" cy="307777"/>
-          </a:xfrm>
-          <a:prstGeom prst="rect">
-            <a:avLst/>
-          </a:prstGeom>
-          <a:noFill/>
-        </p:spPr>
-        <p:txBody>
-          <a:bodyPr wrap="none" rtlCol="0">
-            <a:spAutoFit/>
-          </a:bodyPr>
-          <a:lstStyle/>
-          <a:p>
-            <a:r>
-              <a:rPr kumimoji="1" lang="en-US" altLang="zh-TW" sz="1400" i="1" dirty="0">
-                <a:solidFill>
-                  <a:schemeClr val="accent1">
-                    <a:lumMod val="50000"/>
-                  </a:schemeClr>
-                </a:solidFill>
+              <a:t>R</a:t>
+            </a:r>
+            <a:r>
+              <a:rPr kumimoji="1" lang="en-US" altLang="zh-TW" sz="1400" baseline="-25000" dirty="0">
                 <a:latin typeface="Minion Pro" panose="02040503050306020203" pitchFamily="18" charset="0"/>
               </a:rPr>
-              <a:t>r</a:t>
-            </a:r>
-            <a:endParaRPr kumimoji="1" lang="zh-TW" altLang="en-US" i="1" dirty="0">
-              <a:solidFill>
-                <a:schemeClr val="accent1">
-                  <a:lumMod val="50000"/>
-                </a:schemeClr>
-              </a:solidFill>
-              <a:latin typeface="Minion Pro" panose="02040503050306020203" pitchFamily="18" charset="0"/>
-            </a:endParaRPr>
-          </a:p>
-        </p:txBody>
-      </p:sp>
-      <p:sp>
-        <p:nvSpPr>
-          <p:cNvPr id="70" name="文字方塊 69">
-            <a:extLst>
-              <a:ext uri="{FF2B5EF4-FFF2-40B4-BE49-F238E27FC236}">
-                <a16:creationId xmlns:a16="http://schemas.microsoft.com/office/drawing/2014/main" id="{31DFF67F-BD64-C0F2-4C8B-49306304A091}"/>
-              </a:ext>
-            </a:extLst>
-          </p:cNvPr>
-          <p:cNvSpPr txBox="1"/>
-          <p:nvPr/>
-        </p:nvSpPr>
-        <p:spPr>
-          <a:xfrm>
-            <a:off x="6048191" y="2463633"/>
-            <a:ext cx="290464" cy="307777"/>
-          </a:xfrm>
-          <a:prstGeom prst="rect">
-            <a:avLst/>
-          </a:prstGeom>
-          <a:noFill/>
-        </p:spPr>
-        <p:txBody>
-          <a:bodyPr wrap="none" rtlCol="0">
-            <a:spAutoFit/>
-          </a:bodyPr>
-          <a:lstStyle/>
-          <a:p>
-            <a:r>
-              <a:rPr kumimoji="1" lang="en-US" altLang="zh-TW" sz="1400" i="1" dirty="0">
-                <a:solidFill>
-                  <a:srgbClr val="C00000"/>
-                </a:solidFill>
+              <a:t>⊕</a:t>
+            </a:r>
+            <a:r>
+              <a:rPr kumimoji="1" lang="en-US" altLang="zh-TW" sz="1400" dirty="0">
                 <a:latin typeface="Minion Pro" panose="02040503050306020203" pitchFamily="18" charset="0"/>
               </a:rPr>
-              <a:t>r′</a:t>
-            </a:r>
-            <a:endParaRPr kumimoji="1" lang="zh-TW" altLang="en-US" i="1" dirty="0">
-              <a:solidFill>
-                <a:srgbClr val="C00000"/>
-              </a:solidFill>
+              <a:t>. Thus we recover</a:t>
+            </a:r>
+            <a:endParaRPr kumimoji="1" lang="zh-TW" altLang="en-US" sz="1400" dirty="0">
               <a:latin typeface="Minion Pro" panose="02040503050306020203" pitchFamily="18" charset="0"/>
             </a:endParaRPr>
           </a:p>
@@ -5042,176 +3530,10 @@
       </p:sp>
       <p:pic>
         <p:nvPicPr>
-          <p:cNvPr id="77" name="圖片 76">
+          <p:cNvPr id="131" name="圖片 130">
             <a:extLst>
               <a:ext uri="{FF2B5EF4-FFF2-40B4-BE49-F238E27FC236}">
-                <a16:creationId xmlns:a16="http://schemas.microsoft.com/office/drawing/2014/main" id="{202CC747-52BE-70A6-CE56-CB69A34CED3C}"/>
-              </a:ext>
-            </a:extLst>
-          </p:cNvPr>
-          <p:cNvPicPr>
-            <a:picLocks noChangeAspect="1"/>
-          </p:cNvPicPr>
-          <p:nvPr/>
-        </p:nvPicPr>
-        <p:blipFill>
-          <a:blip r:embed="rId4"/>
-          <a:stretch>
-            <a:fillRect/>
-          </a:stretch>
-        </p:blipFill>
-        <p:spPr>
-          <a:xfrm>
-            <a:off x="6799452" y="3297024"/>
-            <a:ext cx="88900" cy="139700"/>
-          </a:xfrm>
-          <a:prstGeom prst="rect">
-            <a:avLst/>
-          </a:prstGeom>
-        </p:spPr>
-      </p:pic>
-      <p:sp>
-        <p:nvSpPr>
-          <p:cNvPr id="78" name="弧線 77">
-            <a:extLst>
-              <a:ext uri="{FF2B5EF4-FFF2-40B4-BE49-F238E27FC236}">
-                <a16:creationId xmlns:a16="http://schemas.microsoft.com/office/drawing/2014/main" id="{F23BA07B-2522-07F9-2C4E-5BAD7CACB098}"/>
-              </a:ext>
-            </a:extLst>
-          </p:cNvPr>
-          <p:cNvSpPr/>
-          <p:nvPr/>
-        </p:nvSpPr>
-        <p:spPr>
-          <a:xfrm>
-            <a:off x="7215136" y="2737831"/>
-            <a:ext cx="301644" cy="322362"/>
-          </a:xfrm>
-          <a:prstGeom prst="arc">
-            <a:avLst>
-              <a:gd name="adj1" fmla="val 11131666"/>
-              <a:gd name="adj2" fmla="val 16253523"/>
-            </a:avLst>
-          </a:prstGeom>
-          <a:ln w="12700">
-            <a:solidFill>
-              <a:schemeClr val="tx1"/>
-            </a:solidFill>
-            <a:headEnd type="stealth"/>
-          </a:ln>
-        </p:spPr>
-        <p:style>
-          <a:lnRef idx="1">
-            <a:schemeClr val="accent1"/>
-          </a:lnRef>
-          <a:fillRef idx="0">
-            <a:schemeClr val="accent1"/>
-          </a:fillRef>
-          <a:effectRef idx="0">
-            <a:schemeClr val="accent1"/>
-          </a:effectRef>
-          <a:fontRef idx="minor">
-            <a:schemeClr val="tx1"/>
-          </a:fontRef>
-        </p:style>
-        <p:txBody>
-          <a:bodyPr rtlCol="0" anchor="ctr"/>
-          <a:lstStyle/>
-          <a:p>
-            <a:pPr algn="ctr"/>
-            <a:endParaRPr kumimoji="1" lang="zh-TW" altLang="en-US"/>
-          </a:p>
-        </p:txBody>
-      </p:sp>
-      <p:pic>
-        <p:nvPicPr>
-          <p:cNvPr id="79" name="圖片 78">
-            <a:extLst>
-              <a:ext uri="{FF2B5EF4-FFF2-40B4-BE49-F238E27FC236}">
-                <a16:creationId xmlns:a16="http://schemas.microsoft.com/office/drawing/2014/main" id="{47677FA1-283D-3636-35BB-28B46E3F9F88}"/>
-              </a:ext>
-            </a:extLst>
-          </p:cNvPr>
-          <p:cNvPicPr>
-            <a:picLocks noChangeAspect="1"/>
-          </p:cNvPicPr>
-          <p:nvPr/>
-        </p:nvPicPr>
-        <p:blipFill>
-          <a:blip r:embed="rId2"/>
-          <a:stretch>
-            <a:fillRect/>
-          </a:stretch>
-        </p:blipFill>
-        <p:spPr>
-          <a:xfrm>
-            <a:off x="7191419" y="2530517"/>
-            <a:ext cx="101600" cy="177800"/>
-          </a:xfrm>
-          <a:prstGeom prst="rect">
-            <a:avLst/>
-          </a:prstGeom>
-        </p:spPr>
-      </p:pic>
-      <p:sp>
-        <p:nvSpPr>
-          <p:cNvPr id="80" name="弧線 79">
-            <a:extLst>
-              <a:ext uri="{FF2B5EF4-FFF2-40B4-BE49-F238E27FC236}">
-                <a16:creationId xmlns:a16="http://schemas.microsoft.com/office/drawing/2014/main" id="{903409C3-84CA-790A-CDA7-C115D4E5B02A}"/>
-              </a:ext>
-            </a:extLst>
-          </p:cNvPr>
-          <p:cNvSpPr/>
-          <p:nvPr/>
-        </p:nvSpPr>
-        <p:spPr>
-          <a:xfrm>
-            <a:off x="7122880" y="3063386"/>
-            <a:ext cx="301644" cy="357109"/>
-          </a:xfrm>
-          <a:prstGeom prst="arc">
-            <a:avLst>
-              <a:gd name="adj1" fmla="val 11131666"/>
-              <a:gd name="adj2" fmla="val 16253523"/>
-            </a:avLst>
-          </a:prstGeom>
-          <a:ln w="12700">
-            <a:solidFill>
-              <a:srgbClr val="B21D09"/>
-            </a:solidFill>
-            <a:headEnd type="none"/>
-          </a:ln>
-        </p:spPr>
-        <p:style>
-          <a:lnRef idx="1">
-            <a:schemeClr val="accent1"/>
-          </a:lnRef>
-          <a:fillRef idx="0">
-            <a:schemeClr val="accent1"/>
-          </a:fillRef>
-          <a:effectRef idx="0">
-            <a:schemeClr val="accent1"/>
-          </a:effectRef>
-          <a:fontRef idx="minor">
-            <a:schemeClr val="tx1"/>
-          </a:fontRef>
-        </p:style>
-        <p:txBody>
-          <a:bodyPr rtlCol="0" anchor="ctr"/>
-          <a:lstStyle/>
-          <a:p>
-            <a:pPr algn="ctr"/>
-            <a:endParaRPr kumimoji="1" lang="zh-TW" altLang="en-US"/>
-          </a:p>
-        </p:txBody>
-      </p:sp>
-      <p:pic>
-        <p:nvPicPr>
-          <p:cNvPr id="83" name="圖片 82">
-            <a:extLst>
-              <a:ext uri="{FF2B5EF4-FFF2-40B4-BE49-F238E27FC236}">
-                <a16:creationId xmlns:a16="http://schemas.microsoft.com/office/drawing/2014/main" id="{26B22B9A-74D2-16D1-2D2F-D9B53EC008CE}"/>
+                <a16:creationId xmlns:a16="http://schemas.microsoft.com/office/drawing/2014/main" id="{885FD3BA-AAD1-1089-4AD9-2E253E7EF761}"/>
               </a:ext>
             </a:extLst>
           </p:cNvPr>
@@ -5228,376 +3550,20 @@
         </p:blipFill>
         <p:spPr>
           <a:xfrm>
-            <a:off x="6691080" y="2983312"/>
-            <a:ext cx="431800" cy="203200"/>
+            <a:off x="401782" y="4751140"/>
+            <a:ext cx="1257300" cy="177800"/>
           </a:xfrm>
           <a:prstGeom prst="rect">
             <a:avLst/>
           </a:prstGeom>
         </p:spPr>
       </p:pic>
-      <p:cxnSp>
-        <p:nvCxnSpPr>
-          <p:cNvPr id="85" name="直線接點 84">
+      <p:pic>
+        <p:nvPicPr>
+          <p:cNvPr id="134" name="圖片 133">
             <a:extLst>
               <a:ext uri="{FF2B5EF4-FFF2-40B4-BE49-F238E27FC236}">
-                <a16:creationId xmlns:a16="http://schemas.microsoft.com/office/drawing/2014/main" id="{27F11973-3A09-05B4-326F-2078FB72DA3C}"/>
-              </a:ext>
-            </a:extLst>
-          </p:cNvPr>
-          <p:cNvCxnSpPr>
-            <a:stCxn id="58" idx="0"/>
-            <a:endCxn id="58" idx="3"/>
-          </p:cNvCxnSpPr>
-          <p:nvPr/>
-        </p:nvCxnSpPr>
-        <p:spPr>
-          <a:xfrm>
-            <a:off x="4309380" y="590099"/>
-            <a:ext cx="0" cy="618826"/>
-          </a:xfrm>
-          <a:prstGeom prst="line">
-            <a:avLst/>
-          </a:prstGeom>
-          <a:ln w="12700">
-            <a:solidFill>
-              <a:srgbClr val="2F528F"/>
-            </a:solidFill>
-          </a:ln>
-        </p:spPr>
-        <p:style>
-          <a:lnRef idx="1">
-            <a:schemeClr val="accent1"/>
-          </a:lnRef>
-          <a:fillRef idx="0">
-            <a:schemeClr val="accent1"/>
-          </a:fillRef>
-          <a:effectRef idx="0">
-            <a:schemeClr val="accent1"/>
-          </a:effectRef>
-          <a:fontRef idx="minor">
-            <a:schemeClr val="tx1"/>
-          </a:fontRef>
-        </p:style>
-      </p:cxnSp>
-      <p:sp>
-        <p:nvSpPr>
-          <p:cNvPr id="86" name="文字方塊 85">
-            <a:extLst>
-              <a:ext uri="{FF2B5EF4-FFF2-40B4-BE49-F238E27FC236}">
-                <a16:creationId xmlns:a16="http://schemas.microsoft.com/office/drawing/2014/main" id="{9C2C8D90-7802-E853-6020-48A748528B7B}"/>
-              </a:ext>
-            </a:extLst>
-          </p:cNvPr>
-          <p:cNvSpPr txBox="1"/>
-          <p:nvPr/>
-        </p:nvSpPr>
-        <p:spPr>
-          <a:xfrm>
-            <a:off x="4275326" y="843788"/>
-            <a:ext cx="250390" cy="246221"/>
-          </a:xfrm>
-          <a:prstGeom prst="rect">
-            <a:avLst/>
-          </a:prstGeom>
-          <a:noFill/>
-        </p:spPr>
-        <p:txBody>
-          <a:bodyPr wrap="none" rtlCol="0">
-            <a:spAutoFit/>
-          </a:bodyPr>
-          <a:lstStyle/>
-          <a:p>
-            <a:r>
-              <a:rPr kumimoji="1" lang="en-US" altLang="zh-TW" sz="1000" i="1" dirty="0">
-                <a:solidFill>
-                  <a:schemeClr val="accent1">
-                    <a:lumMod val="50000"/>
-                  </a:schemeClr>
-                </a:solidFill>
-                <a:latin typeface="Minion Pro" panose="02040503050306020203" pitchFamily="18" charset="0"/>
-              </a:rPr>
-              <a:t>h</a:t>
-            </a:r>
-            <a:endParaRPr kumimoji="1" lang="zh-TW" altLang="en-US" sz="1100" i="1" dirty="0">
-              <a:solidFill>
-                <a:schemeClr val="accent1">
-                  <a:lumMod val="50000"/>
-                </a:schemeClr>
-              </a:solidFill>
-              <a:latin typeface="Minion Pro" panose="02040503050306020203" pitchFamily="18" charset="0"/>
-            </a:endParaRPr>
-          </a:p>
-        </p:txBody>
-      </p:sp>
-      <p:sp>
-        <p:nvSpPr>
-          <p:cNvPr id="87" name="文字方塊 86">
-            <a:extLst>
-              <a:ext uri="{FF2B5EF4-FFF2-40B4-BE49-F238E27FC236}">
-                <a16:creationId xmlns:a16="http://schemas.microsoft.com/office/drawing/2014/main" id="{745D00F3-9E45-64EE-0FF7-8BEC83D73EC3}"/>
-              </a:ext>
-            </a:extLst>
-          </p:cNvPr>
-          <p:cNvSpPr txBox="1"/>
-          <p:nvPr/>
-        </p:nvSpPr>
-        <p:spPr>
-          <a:xfrm>
-            <a:off x="4638898" y="653291"/>
-            <a:ext cx="250390" cy="246221"/>
-          </a:xfrm>
-          <a:prstGeom prst="rect">
-            <a:avLst/>
-          </a:prstGeom>
-          <a:noFill/>
-        </p:spPr>
-        <p:txBody>
-          <a:bodyPr wrap="none" rtlCol="0">
-            <a:spAutoFit/>
-          </a:bodyPr>
-          <a:lstStyle/>
-          <a:p>
-            <a:r>
-              <a:rPr kumimoji="1" lang="en-US" altLang="zh-TW" sz="1000" i="1" dirty="0">
-                <a:solidFill>
-                  <a:schemeClr val="accent1">
-                    <a:lumMod val="50000"/>
-                  </a:schemeClr>
-                </a:solidFill>
-                <a:latin typeface="Minion Pro" panose="02040503050306020203" pitchFamily="18" charset="0"/>
-              </a:rPr>
-              <a:t>d</a:t>
-            </a:r>
-            <a:endParaRPr kumimoji="1" lang="zh-TW" altLang="en-US" sz="1100" i="1" dirty="0">
-              <a:solidFill>
-                <a:schemeClr val="accent1">
-                  <a:lumMod val="50000"/>
-                </a:schemeClr>
-              </a:solidFill>
-              <a:latin typeface="Minion Pro" panose="02040503050306020203" pitchFamily="18" charset="0"/>
-            </a:endParaRPr>
-          </a:p>
-        </p:txBody>
-      </p:sp>
-      <p:sp>
-        <p:nvSpPr>
-          <p:cNvPr id="88" name="文字方塊 87">
-            <a:extLst>
-              <a:ext uri="{FF2B5EF4-FFF2-40B4-BE49-F238E27FC236}">
-                <a16:creationId xmlns:a16="http://schemas.microsoft.com/office/drawing/2014/main" id="{DB8B0FEE-CFD1-CCAC-E534-559A3965E424}"/>
-              </a:ext>
-            </a:extLst>
-          </p:cNvPr>
-          <p:cNvSpPr txBox="1"/>
-          <p:nvPr/>
-        </p:nvSpPr>
-        <p:spPr>
-          <a:xfrm>
-            <a:off x="4638898" y="993625"/>
-            <a:ext cx="250390" cy="246221"/>
-          </a:xfrm>
-          <a:prstGeom prst="rect">
-            <a:avLst/>
-          </a:prstGeom>
-          <a:noFill/>
-        </p:spPr>
-        <p:txBody>
-          <a:bodyPr wrap="none" rtlCol="0">
-            <a:spAutoFit/>
-          </a:bodyPr>
-          <a:lstStyle/>
-          <a:p>
-            <a:r>
-              <a:rPr kumimoji="1" lang="en-US" altLang="zh-TW" sz="1000" i="1" dirty="0" err="1">
-                <a:solidFill>
-                  <a:schemeClr val="accent1">
-                    <a:lumMod val="50000"/>
-                  </a:schemeClr>
-                </a:solidFill>
-                <a:latin typeface="Minion Pro" panose="02040503050306020203" pitchFamily="18" charset="0"/>
-              </a:rPr>
-              <a:t>θ</a:t>
-            </a:r>
-            <a:endParaRPr kumimoji="1" lang="zh-TW" altLang="en-US" sz="1100" i="1" dirty="0">
-              <a:solidFill>
-                <a:schemeClr val="accent1">
-                  <a:lumMod val="50000"/>
-                </a:schemeClr>
-              </a:solidFill>
-              <a:latin typeface="Minion Pro" panose="02040503050306020203" pitchFamily="18" charset="0"/>
-            </a:endParaRPr>
-          </a:p>
-        </p:txBody>
-      </p:sp>
-      <p:sp>
-        <p:nvSpPr>
-          <p:cNvPr id="89" name="弧線 88">
-            <a:extLst>
-              <a:ext uri="{FF2B5EF4-FFF2-40B4-BE49-F238E27FC236}">
-                <a16:creationId xmlns:a16="http://schemas.microsoft.com/office/drawing/2014/main" id="{D7F1A100-4E4F-7844-1881-65E56B902896}"/>
-              </a:ext>
-            </a:extLst>
-          </p:cNvPr>
-          <p:cNvSpPr/>
-          <p:nvPr/>
-        </p:nvSpPr>
-        <p:spPr>
-          <a:xfrm>
-            <a:off x="4824634" y="1083384"/>
-            <a:ext cx="222629" cy="276502"/>
-          </a:xfrm>
-          <a:prstGeom prst="arc">
-            <a:avLst>
-              <a:gd name="adj1" fmla="val 11131666"/>
-              <a:gd name="adj2" fmla="val 16253523"/>
-            </a:avLst>
-          </a:prstGeom>
-          <a:ln w="9525">
-            <a:solidFill>
-              <a:srgbClr val="2F528F"/>
-            </a:solidFill>
-            <a:headEnd type="none"/>
-          </a:ln>
-        </p:spPr>
-        <p:style>
-          <a:lnRef idx="1">
-            <a:schemeClr val="accent1"/>
-          </a:lnRef>
-          <a:fillRef idx="0">
-            <a:schemeClr val="accent1"/>
-          </a:fillRef>
-          <a:effectRef idx="0">
-            <a:schemeClr val="accent1"/>
-          </a:effectRef>
-          <a:fontRef idx="minor">
-            <a:schemeClr val="tx1"/>
-          </a:fontRef>
-        </p:style>
-        <p:txBody>
-          <a:bodyPr rtlCol="0" anchor="ctr"/>
-          <a:lstStyle/>
-          <a:p>
-            <a:pPr algn="ctr"/>
-            <a:endParaRPr kumimoji="1" lang="zh-TW" altLang="en-US"/>
-          </a:p>
-        </p:txBody>
-      </p:sp>
-      <p:sp>
-        <p:nvSpPr>
-          <p:cNvPr id="96" name="文字方塊 95">
-            <a:extLst>
-              <a:ext uri="{FF2B5EF4-FFF2-40B4-BE49-F238E27FC236}">
-                <a16:creationId xmlns:a16="http://schemas.microsoft.com/office/drawing/2014/main" id="{503A4CF2-4B3F-0C83-D150-3946008F8611}"/>
-              </a:ext>
-            </a:extLst>
-          </p:cNvPr>
-          <p:cNvSpPr txBox="1"/>
-          <p:nvPr/>
-        </p:nvSpPr>
-        <p:spPr>
-          <a:xfrm>
-            <a:off x="5373648" y="3147990"/>
-            <a:ext cx="306494" cy="307777"/>
-          </a:xfrm>
-          <a:prstGeom prst="rect">
-            <a:avLst/>
-          </a:prstGeom>
-          <a:noFill/>
-        </p:spPr>
-        <p:txBody>
-          <a:bodyPr wrap="none" rtlCol="0">
-            <a:spAutoFit/>
-          </a:bodyPr>
-          <a:lstStyle/>
-          <a:p>
-            <a:r>
-              <a:rPr kumimoji="1" lang="en-US" altLang="zh-TW" sz="1400" i="1" dirty="0">
-                <a:solidFill>
-                  <a:schemeClr val="tx1">
-                    <a:lumMod val="85000"/>
-                    <a:lumOff val="15000"/>
-                  </a:schemeClr>
-                </a:solidFill>
-                <a:latin typeface="Minion Pro" panose="02040503050306020203" pitchFamily="18" charset="0"/>
-              </a:rPr>
-              <a:t>G</a:t>
-            </a:r>
-            <a:endParaRPr kumimoji="1" lang="zh-TW" altLang="en-US" i="1" dirty="0">
-              <a:solidFill>
-                <a:schemeClr val="tx1">
-                  <a:lumMod val="85000"/>
-                  <a:lumOff val="15000"/>
-                </a:schemeClr>
-              </a:solidFill>
-              <a:latin typeface="Minion Pro" panose="02040503050306020203" pitchFamily="18" charset="0"/>
-            </a:endParaRPr>
-          </a:p>
-        </p:txBody>
-      </p:sp>
-      <p:sp>
-        <p:nvSpPr>
-          <p:cNvPr id="98" name="三角形 97">
-            <a:extLst>
-              <a:ext uri="{FF2B5EF4-FFF2-40B4-BE49-F238E27FC236}">
-                <a16:creationId xmlns:a16="http://schemas.microsoft.com/office/drawing/2014/main" id="{F16B6D42-B91A-26EE-A54E-7FB0BDDAB367}"/>
-              </a:ext>
-            </a:extLst>
-          </p:cNvPr>
-          <p:cNvSpPr/>
-          <p:nvPr/>
-        </p:nvSpPr>
-        <p:spPr>
-          <a:xfrm rot="11640000" flipH="1" flipV="1">
-            <a:off x="5694147" y="3132190"/>
-            <a:ext cx="2487122" cy="415111"/>
-          </a:xfrm>
-          <a:prstGeom prst="triangle">
-            <a:avLst>
-              <a:gd name="adj" fmla="val 66705"/>
-            </a:avLst>
-          </a:prstGeom>
-          <a:noFill/>
-          <a:ln>
-            <a:solidFill>
-              <a:schemeClr val="tx1">
-                <a:lumMod val="85000"/>
-                <a:lumOff val="15000"/>
-              </a:schemeClr>
-            </a:solidFill>
-          </a:ln>
-        </p:spPr>
-        <p:style>
-          <a:lnRef idx="2">
-            <a:schemeClr val="accent1">
-              <a:shade val="50000"/>
-            </a:schemeClr>
-          </a:lnRef>
-          <a:fillRef idx="1">
-            <a:schemeClr val="accent1"/>
-          </a:fillRef>
-          <a:effectRef idx="0">
-            <a:schemeClr val="accent1"/>
-          </a:effectRef>
-          <a:fontRef idx="minor">
-            <a:schemeClr val="lt1"/>
-          </a:fontRef>
-        </p:style>
-        <p:txBody>
-          <a:bodyPr rtlCol="0" anchor="ctr"/>
-          <a:lstStyle/>
-          <a:p>
-            <a:pPr algn="ctr"/>
-            <a:endParaRPr kumimoji="1" lang="zh-TW" altLang="en-US" dirty="0"/>
-          </a:p>
-        </p:txBody>
-      </p:sp>
-      <p:pic>
-        <p:nvPicPr>
-          <p:cNvPr id="100" name="圖片 99">
-            <a:extLst>
-              <a:ext uri="{FF2B5EF4-FFF2-40B4-BE49-F238E27FC236}">
-                <a16:creationId xmlns:a16="http://schemas.microsoft.com/office/drawing/2014/main" id="{05ED86E0-BB38-F43B-349F-B55AED724EB5}"/>
+                <a16:creationId xmlns:a16="http://schemas.microsoft.com/office/drawing/2014/main" id="{4E17DEA9-399F-6716-0B66-374A668244AC}"/>
               </a:ext>
             </a:extLst>
           </p:cNvPr>
@@ -5607,15 +3573,1670 @@
           <p:nvPr/>
         </p:nvPicPr>
         <p:blipFill>
-          <a:blip r:embed="rId3"/>
+          <a:blip r:embed="rId6"/>
           <a:stretch>
             <a:fillRect/>
           </a:stretch>
         </p:blipFill>
         <p:spPr>
           <a:xfrm>
-            <a:off x="6698974" y="3628517"/>
-            <a:ext cx="241300" cy="165100"/>
+            <a:off x="299719" y="5004149"/>
+            <a:ext cx="3263900" cy="736600"/>
+          </a:xfrm>
+          <a:prstGeom prst="rect">
+            <a:avLst/>
+          </a:prstGeom>
+        </p:spPr>
+      </p:pic>
+      <p:grpSp>
+        <p:nvGrpSpPr>
+          <p:cNvPr id="139" name="群組 138">
+            <a:extLst>
+              <a:ext uri="{FF2B5EF4-FFF2-40B4-BE49-F238E27FC236}">
+                <a16:creationId xmlns:a16="http://schemas.microsoft.com/office/drawing/2014/main" id="{139E9607-DB0E-D22A-C0F1-AFD25BBD644E}"/>
+              </a:ext>
+            </a:extLst>
+          </p:cNvPr>
+          <p:cNvGrpSpPr/>
+          <p:nvPr/>
+        </p:nvGrpSpPr>
+        <p:grpSpPr>
+          <a:xfrm>
+            <a:off x="6010286" y="1878305"/>
+            <a:ext cx="1741199" cy="1612238"/>
+            <a:chOff x="5608185" y="2328671"/>
+            <a:chExt cx="1741199" cy="1612238"/>
+          </a:xfrm>
+        </p:grpSpPr>
+        <p:cxnSp>
+          <p:nvCxnSpPr>
+            <p:cNvPr id="93" name="直線接點 92">
+              <a:extLst>
+                <a:ext uri="{FF2B5EF4-FFF2-40B4-BE49-F238E27FC236}">
+                  <a16:creationId xmlns:a16="http://schemas.microsoft.com/office/drawing/2014/main" id="{4054C3DE-8D85-9513-C0B8-B19A4C06499C}"/>
+                </a:ext>
+              </a:extLst>
+            </p:cNvPr>
+            <p:cNvCxnSpPr>
+              <a:cxnSpLocks/>
+            </p:cNvCxnSpPr>
+            <p:nvPr/>
+          </p:nvCxnSpPr>
+          <p:spPr>
+            <a:xfrm>
+              <a:off x="6686861" y="2328671"/>
+              <a:ext cx="185" cy="914355"/>
+            </a:xfrm>
+            <a:prstGeom prst="line">
+              <a:avLst/>
+            </a:prstGeom>
+            <a:ln w="12700">
+              <a:solidFill>
+                <a:srgbClr val="C00000"/>
+              </a:solidFill>
+              <a:prstDash val="sysDash"/>
+            </a:ln>
+          </p:spPr>
+          <p:style>
+            <a:lnRef idx="1">
+              <a:schemeClr val="accent1"/>
+            </a:lnRef>
+            <a:fillRef idx="0">
+              <a:schemeClr val="accent1"/>
+            </a:fillRef>
+            <a:effectRef idx="0">
+              <a:schemeClr val="accent1"/>
+            </a:effectRef>
+            <a:fontRef idx="minor">
+              <a:schemeClr val="tx1"/>
+            </a:fontRef>
+          </p:style>
+        </p:cxnSp>
+        <p:cxnSp>
+          <p:nvCxnSpPr>
+            <p:cNvPr id="94" name="直線箭頭接點 93">
+              <a:extLst>
+                <a:ext uri="{FF2B5EF4-FFF2-40B4-BE49-F238E27FC236}">
+                  <a16:creationId xmlns:a16="http://schemas.microsoft.com/office/drawing/2014/main" id="{06FCE9AA-6400-045D-F644-CBEDC6F6C0DA}"/>
+                </a:ext>
+              </a:extLst>
+            </p:cNvPr>
+            <p:cNvCxnSpPr>
+              <a:cxnSpLocks/>
+            </p:cNvCxnSpPr>
+            <p:nvPr/>
+          </p:nvCxnSpPr>
+          <p:spPr>
+            <a:xfrm flipH="1">
+              <a:off x="6141136" y="3233776"/>
+              <a:ext cx="548967" cy="525102"/>
+            </a:xfrm>
+            <a:prstGeom prst="straightConnector1">
+              <a:avLst/>
+            </a:prstGeom>
+            <a:ln w="15875">
+              <a:solidFill>
+                <a:schemeClr val="bg2">
+                  <a:lumMod val="75000"/>
+                </a:schemeClr>
+              </a:solidFill>
+              <a:prstDash val="solid"/>
+              <a:headEnd w="lg" len="lg"/>
+              <a:tailEnd type="none" w="lg" len="lg"/>
+            </a:ln>
+          </p:spPr>
+          <p:style>
+            <a:lnRef idx="1">
+              <a:schemeClr val="dk1"/>
+            </a:lnRef>
+            <a:fillRef idx="0">
+              <a:schemeClr val="dk1"/>
+            </a:fillRef>
+            <a:effectRef idx="0">
+              <a:schemeClr val="dk1"/>
+            </a:effectRef>
+            <a:fontRef idx="minor">
+              <a:schemeClr val="tx1"/>
+            </a:fontRef>
+          </p:style>
+        </p:cxnSp>
+        <p:cxnSp>
+          <p:nvCxnSpPr>
+            <p:cNvPr id="95" name="直線箭頭接點 94">
+              <a:extLst>
+                <a:ext uri="{FF2B5EF4-FFF2-40B4-BE49-F238E27FC236}">
+                  <a16:creationId xmlns:a16="http://schemas.microsoft.com/office/drawing/2014/main" id="{43FA0876-4C7D-B696-3D75-00B4DCCF9FB6}"/>
+                </a:ext>
+              </a:extLst>
+            </p:cNvPr>
+            <p:cNvCxnSpPr>
+              <a:cxnSpLocks/>
+            </p:cNvCxnSpPr>
+            <p:nvPr/>
+          </p:nvCxnSpPr>
+          <p:spPr>
+            <a:xfrm>
+              <a:off x="5608185" y="3760326"/>
+              <a:ext cx="532951" cy="0"/>
+            </a:xfrm>
+            <a:prstGeom prst="straightConnector1">
+              <a:avLst/>
+            </a:prstGeom>
+            <a:ln w="15875">
+              <a:solidFill>
+                <a:schemeClr val="bg2">
+                  <a:lumMod val="75000"/>
+                </a:schemeClr>
+              </a:solidFill>
+              <a:headEnd w="lg" len="lg"/>
+              <a:tailEnd type="none" w="lg" len="lg"/>
+            </a:ln>
+          </p:spPr>
+          <p:style>
+            <a:lnRef idx="1">
+              <a:schemeClr val="dk1"/>
+            </a:lnRef>
+            <a:fillRef idx="0">
+              <a:schemeClr val="dk1"/>
+            </a:fillRef>
+            <a:effectRef idx="0">
+              <a:schemeClr val="dk1"/>
+            </a:effectRef>
+            <a:fontRef idx="minor">
+              <a:schemeClr val="tx1"/>
+            </a:fontRef>
+          </p:style>
+        </p:cxnSp>
+        <p:cxnSp>
+          <p:nvCxnSpPr>
+            <p:cNvPr id="97" name="直線接點 96">
+              <a:extLst>
+                <a:ext uri="{FF2B5EF4-FFF2-40B4-BE49-F238E27FC236}">
+                  <a16:creationId xmlns:a16="http://schemas.microsoft.com/office/drawing/2014/main" id="{2E2E3F56-AEDA-B6D3-B893-C818C6251648}"/>
+                </a:ext>
+              </a:extLst>
+            </p:cNvPr>
+            <p:cNvCxnSpPr>
+              <a:cxnSpLocks/>
+            </p:cNvCxnSpPr>
+            <p:nvPr/>
+          </p:nvCxnSpPr>
+          <p:spPr>
+            <a:xfrm flipH="1">
+              <a:off x="5612890" y="2328671"/>
+              <a:ext cx="1074368" cy="1430261"/>
+            </a:xfrm>
+            <a:prstGeom prst="line">
+              <a:avLst/>
+            </a:prstGeom>
+            <a:ln w="12700">
+              <a:solidFill>
+                <a:srgbClr val="C00000"/>
+              </a:solidFill>
+              <a:prstDash val="solid"/>
+            </a:ln>
+          </p:spPr>
+          <p:style>
+            <a:lnRef idx="1">
+              <a:schemeClr val="accent1"/>
+            </a:lnRef>
+            <a:fillRef idx="0">
+              <a:schemeClr val="accent1"/>
+            </a:fillRef>
+            <a:effectRef idx="0">
+              <a:schemeClr val="accent1"/>
+            </a:effectRef>
+            <a:fontRef idx="minor">
+              <a:schemeClr val="tx1"/>
+            </a:fontRef>
+          </p:style>
+        </p:cxnSp>
+        <p:cxnSp>
+          <p:nvCxnSpPr>
+            <p:cNvPr id="99" name="直線接點 98">
+              <a:extLst>
+                <a:ext uri="{FF2B5EF4-FFF2-40B4-BE49-F238E27FC236}">
+                  <a16:creationId xmlns:a16="http://schemas.microsoft.com/office/drawing/2014/main" id="{8A8BDD30-D762-0187-40DA-D09C50007F6E}"/>
+                </a:ext>
+              </a:extLst>
+            </p:cNvPr>
+            <p:cNvCxnSpPr>
+              <a:cxnSpLocks/>
+            </p:cNvCxnSpPr>
+            <p:nvPr/>
+          </p:nvCxnSpPr>
+          <p:spPr>
+            <a:xfrm flipH="1">
+              <a:off x="5616665" y="3233776"/>
+              <a:ext cx="1073438" cy="525157"/>
+            </a:xfrm>
+            <a:prstGeom prst="line">
+              <a:avLst/>
+            </a:prstGeom>
+            <a:ln w="12700">
+              <a:solidFill>
+                <a:srgbClr val="C00000"/>
+              </a:solidFill>
+              <a:prstDash val="solid"/>
+            </a:ln>
+          </p:spPr>
+          <p:style>
+            <a:lnRef idx="1">
+              <a:schemeClr val="accent1"/>
+            </a:lnRef>
+            <a:fillRef idx="0">
+              <a:schemeClr val="accent1"/>
+            </a:fillRef>
+            <a:effectRef idx="0">
+              <a:schemeClr val="accent1"/>
+            </a:effectRef>
+            <a:fontRef idx="minor">
+              <a:schemeClr val="tx1"/>
+            </a:fontRef>
+          </p:style>
+        </p:cxnSp>
+        <p:sp>
+          <p:nvSpPr>
+            <p:cNvPr id="116" name="文字方塊 115">
+              <a:extLst>
+                <a:ext uri="{FF2B5EF4-FFF2-40B4-BE49-F238E27FC236}">
+                  <a16:creationId xmlns:a16="http://schemas.microsoft.com/office/drawing/2014/main" id="{23354E05-A503-7B5B-F86E-1D4849587ECC}"/>
+                </a:ext>
+              </a:extLst>
+            </p:cNvPr>
+            <p:cNvSpPr txBox="1"/>
+            <p:nvPr/>
+          </p:nvSpPr>
+          <p:spPr>
+            <a:xfrm>
+              <a:off x="5912685" y="2788350"/>
+              <a:ext cx="266420" cy="261610"/>
+            </a:xfrm>
+            <a:prstGeom prst="rect">
+              <a:avLst/>
+            </a:prstGeom>
+            <a:noFill/>
+          </p:spPr>
+          <p:txBody>
+            <a:bodyPr wrap="none" rtlCol="0">
+              <a:spAutoFit/>
+            </a:bodyPr>
+            <a:lstStyle/>
+            <a:p>
+              <a:r>
+                <a:rPr kumimoji="1" lang="en-US" altLang="zh-TW" sz="1100" i="1" dirty="0">
+                  <a:solidFill>
+                    <a:srgbClr val="C00000"/>
+                  </a:solidFill>
+                  <a:latin typeface="Minion Pro" panose="02040503050306020203" pitchFamily="18" charset="0"/>
+                </a:rPr>
+                <a:t>r′</a:t>
+              </a:r>
+              <a:endParaRPr kumimoji="1" lang="zh-TW" altLang="en-US" sz="1400" i="1" dirty="0">
+                <a:solidFill>
+                  <a:srgbClr val="C00000"/>
+                </a:solidFill>
+                <a:latin typeface="Minion Pro" panose="02040503050306020203" pitchFamily="18" charset="0"/>
+              </a:endParaRPr>
+            </a:p>
+          </p:txBody>
+        </p:sp>
+        <p:sp>
+          <p:nvSpPr>
+            <p:cNvPr id="118" name="文字方塊 117">
+              <a:extLst>
+                <a:ext uri="{FF2B5EF4-FFF2-40B4-BE49-F238E27FC236}">
+                  <a16:creationId xmlns:a16="http://schemas.microsoft.com/office/drawing/2014/main" id="{D30DADE6-B42E-39DF-B14F-609696199356}"/>
+                </a:ext>
+              </a:extLst>
+            </p:cNvPr>
+            <p:cNvSpPr txBox="1"/>
+            <p:nvPr/>
+          </p:nvSpPr>
+          <p:spPr>
+            <a:xfrm>
+              <a:off x="6698642" y="2662891"/>
+              <a:ext cx="521297" cy="261610"/>
+            </a:xfrm>
+            <a:prstGeom prst="rect">
+              <a:avLst/>
+            </a:prstGeom>
+            <a:noFill/>
+          </p:spPr>
+          <p:txBody>
+            <a:bodyPr wrap="none" rtlCol="0">
+              <a:spAutoFit/>
+            </a:bodyPr>
+            <a:lstStyle/>
+            <a:p>
+              <a:r>
+                <a:rPr kumimoji="1" lang="en-US" altLang="zh-TW" sz="1100" i="1" dirty="0" err="1">
+                  <a:solidFill>
+                    <a:srgbClr val="C00000"/>
+                  </a:solidFill>
+                  <a:latin typeface="Minion Pro" panose="02040503050306020203" pitchFamily="18" charset="0"/>
+                </a:rPr>
+                <a:t>h</a:t>
+              </a:r>
+              <a:r>
+                <a:rPr kumimoji="1" lang="en-US" altLang="zh-TW" sz="1100" dirty="0" err="1">
+                  <a:solidFill>
+                    <a:srgbClr val="C00000"/>
+                  </a:solidFill>
+                  <a:latin typeface="Minion Pro" panose="02040503050306020203" pitchFamily="18" charset="0"/>
+                </a:rPr>
+                <a:t>cos</a:t>
+              </a:r>
+              <a:r>
+                <a:rPr kumimoji="1" lang="en-US" altLang="zh-TW" sz="1100" i="1" dirty="0" err="1">
+                  <a:solidFill>
+                    <a:srgbClr val="C00000"/>
+                  </a:solidFill>
+                  <a:latin typeface="Minion Pro" panose="02040503050306020203" pitchFamily="18" charset="0"/>
+                </a:rPr>
+                <a:t>φ</a:t>
+              </a:r>
+              <a:endParaRPr kumimoji="1" lang="zh-TW" altLang="en-US" sz="1400" i="1" dirty="0">
+                <a:solidFill>
+                  <a:srgbClr val="C00000"/>
+                </a:solidFill>
+                <a:latin typeface="Minion Pro" panose="02040503050306020203" pitchFamily="18" charset="0"/>
+              </a:endParaRPr>
+            </a:p>
+          </p:txBody>
+        </p:sp>
+        <p:cxnSp>
+          <p:nvCxnSpPr>
+            <p:cNvPr id="119" name="直線箭頭接點 118">
+              <a:extLst>
+                <a:ext uri="{FF2B5EF4-FFF2-40B4-BE49-F238E27FC236}">
+                  <a16:creationId xmlns:a16="http://schemas.microsoft.com/office/drawing/2014/main" id="{6FB24D57-8BF9-A91E-18C5-D0ECE8AC855B}"/>
+                </a:ext>
+              </a:extLst>
+            </p:cNvPr>
+            <p:cNvCxnSpPr>
+              <a:cxnSpLocks/>
+            </p:cNvCxnSpPr>
+            <p:nvPr/>
+          </p:nvCxnSpPr>
+          <p:spPr>
+            <a:xfrm flipH="1">
+              <a:off x="6048001" y="3689061"/>
+              <a:ext cx="62567" cy="72815"/>
+            </a:xfrm>
+            <a:prstGeom prst="straightConnector1">
+              <a:avLst/>
+            </a:prstGeom>
+            <a:ln w="9525">
+              <a:solidFill>
+                <a:schemeClr val="bg2">
+                  <a:lumMod val="75000"/>
+                </a:schemeClr>
+              </a:solidFill>
+              <a:prstDash val="solid"/>
+              <a:headEnd w="lg" len="lg"/>
+              <a:tailEnd type="none" w="lg" len="lg"/>
+            </a:ln>
+          </p:spPr>
+          <p:style>
+            <a:lnRef idx="1">
+              <a:schemeClr val="dk1"/>
+            </a:lnRef>
+            <a:fillRef idx="0">
+              <a:schemeClr val="dk1"/>
+            </a:fillRef>
+            <a:effectRef idx="0">
+              <a:schemeClr val="dk1"/>
+            </a:effectRef>
+            <a:fontRef idx="minor">
+              <a:schemeClr val="tx1"/>
+            </a:fontRef>
+          </p:style>
+        </p:cxnSp>
+        <p:cxnSp>
+          <p:nvCxnSpPr>
+            <p:cNvPr id="120" name="直線箭頭接點 119">
+              <a:extLst>
+                <a:ext uri="{FF2B5EF4-FFF2-40B4-BE49-F238E27FC236}">
+                  <a16:creationId xmlns:a16="http://schemas.microsoft.com/office/drawing/2014/main" id="{59C32702-A08B-7C0F-C1FC-A613973F0F1C}"/>
+                </a:ext>
+              </a:extLst>
+            </p:cNvPr>
+            <p:cNvCxnSpPr>
+              <a:cxnSpLocks/>
+            </p:cNvCxnSpPr>
+            <p:nvPr/>
+          </p:nvCxnSpPr>
+          <p:spPr>
+            <a:xfrm flipH="1">
+              <a:off x="6107143" y="3692486"/>
+              <a:ext cx="100789" cy="0"/>
+            </a:xfrm>
+            <a:prstGeom prst="straightConnector1">
+              <a:avLst/>
+            </a:prstGeom>
+            <a:ln w="9525">
+              <a:solidFill>
+                <a:schemeClr val="bg2">
+                  <a:lumMod val="75000"/>
+                </a:schemeClr>
+              </a:solidFill>
+              <a:prstDash val="solid"/>
+              <a:headEnd w="lg" len="lg"/>
+              <a:tailEnd type="none" w="lg" len="lg"/>
+            </a:ln>
+          </p:spPr>
+          <p:style>
+            <a:lnRef idx="1">
+              <a:schemeClr val="dk1"/>
+            </a:lnRef>
+            <a:fillRef idx="0">
+              <a:schemeClr val="dk1"/>
+            </a:fillRef>
+            <a:effectRef idx="0">
+              <a:schemeClr val="dk1"/>
+            </a:effectRef>
+            <a:fontRef idx="minor">
+              <a:schemeClr val="tx1"/>
+            </a:fontRef>
+          </p:style>
+        </p:cxnSp>
+        <p:pic>
+          <p:nvPicPr>
+            <p:cNvPr id="122" name="圖片 121">
+              <a:extLst>
+                <a:ext uri="{FF2B5EF4-FFF2-40B4-BE49-F238E27FC236}">
+                  <a16:creationId xmlns:a16="http://schemas.microsoft.com/office/drawing/2014/main" id="{3EC32D69-97C7-E175-D570-8999D3E83F8F}"/>
+                </a:ext>
+              </a:extLst>
+            </p:cNvPr>
+            <p:cNvPicPr>
+              <a:picLocks noChangeAspect="1"/>
+            </p:cNvPicPr>
+            <p:nvPr/>
+          </p:nvPicPr>
+          <p:blipFill>
+            <a:blip r:embed="rId7"/>
+            <a:stretch>
+              <a:fillRect/>
+            </a:stretch>
+          </p:blipFill>
+          <p:spPr>
+            <a:xfrm>
+              <a:off x="6473084" y="3508783"/>
+              <a:ext cx="876300" cy="139700"/>
+            </a:xfrm>
+            <a:prstGeom prst="rect">
+              <a:avLst/>
+            </a:prstGeom>
+          </p:spPr>
+        </p:pic>
+        <p:pic>
+          <p:nvPicPr>
+            <p:cNvPr id="126" name="圖片 125">
+              <a:extLst>
+                <a:ext uri="{FF2B5EF4-FFF2-40B4-BE49-F238E27FC236}">
+                  <a16:creationId xmlns:a16="http://schemas.microsoft.com/office/drawing/2014/main" id="{030539DB-D83A-9E6A-6C88-0FDA30508CA2}"/>
+                </a:ext>
+              </a:extLst>
+            </p:cNvPr>
+            <p:cNvPicPr>
+              <a:picLocks noChangeAspect="1"/>
+            </p:cNvPicPr>
+            <p:nvPr/>
+          </p:nvPicPr>
+          <p:blipFill>
+            <a:blip r:embed="rId8"/>
+            <a:stretch>
+              <a:fillRect/>
+            </a:stretch>
+          </p:blipFill>
+          <p:spPr>
+            <a:xfrm>
+              <a:off x="5720474" y="3826609"/>
+              <a:ext cx="342900" cy="114300"/>
+            </a:xfrm>
+            <a:prstGeom prst="rect">
+              <a:avLst/>
+            </a:prstGeom>
+          </p:spPr>
+        </p:pic>
+        <p:sp>
+          <p:nvSpPr>
+            <p:cNvPr id="128" name="文字方塊 127">
+              <a:extLst>
+                <a:ext uri="{FF2B5EF4-FFF2-40B4-BE49-F238E27FC236}">
+                  <a16:creationId xmlns:a16="http://schemas.microsoft.com/office/drawing/2014/main" id="{DD0E95D9-5ABF-AEC8-AC61-7F1E050C679A}"/>
+                </a:ext>
+              </a:extLst>
+            </p:cNvPr>
+            <p:cNvSpPr txBox="1"/>
+            <p:nvPr/>
+          </p:nvSpPr>
+          <p:spPr>
+            <a:xfrm>
+              <a:off x="6109071" y="3210817"/>
+              <a:ext cx="253596" cy="261610"/>
+            </a:xfrm>
+            <a:prstGeom prst="rect">
+              <a:avLst/>
+            </a:prstGeom>
+            <a:noFill/>
+          </p:spPr>
+          <p:txBody>
+            <a:bodyPr wrap="none" rtlCol="0">
+              <a:spAutoFit/>
+            </a:bodyPr>
+            <a:lstStyle/>
+            <a:p>
+              <a:r>
+                <a:rPr kumimoji="1" lang="en-US" altLang="zh-TW" sz="1100" i="1" dirty="0">
+                  <a:solidFill>
+                    <a:srgbClr val="C00000"/>
+                  </a:solidFill>
+                  <a:latin typeface="Minion Pro" panose="02040503050306020203" pitchFamily="18" charset="0"/>
+                </a:rPr>
+                <a:t>a</a:t>
+              </a:r>
+              <a:endParaRPr kumimoji="1" lang="zh-TW" altLang="en-US" sz="1400" i="1" dirty="0">
+                <a:solidFill>
+                  <a:srgbClr val="C00000"/>
+                </a:solidFill>
+                <a:latin typeface="Minion Pro" panose="02040503050306020203" pitchFamily="18" charset="0"/>
+              </a:endParaRPr>
+            </a:p>
+          </p:txBody>
+        </p:sp>
+        <p:cxnSp>
+          <p:nvCxnSpPr>
+            <p:cNvPr id="132" name="直線接點 131">
+              <a:extLst>
+                <a:ext uri="{FF2B5EF4-FFF2-40B4-BE49-F238E27FC236}">
+                  <a16:creationId xmlns:a16="http://schemas.microsoft.com/office/drawing/2014/main" id="{95EFDC5D-29C6-B8D4-971B-BF1025E6F8C9}"/>
+                </a:ext>
+              </a:extLst>
+            </p:cNvPr>
+            <p:cNvCxnSpPr>
+              <a:cxnSpLocks/>
+            </p:cNvCxnSpPr>
+            <p:nvPr/>
+          </p:nvCxnSpPr>
+          <p:spPr>
+            <a:xfrm flipH="1">
+              <a:off x="6598279" y="3142438"/>
+              <a:ext cx="95599" cy="46770"/>
+            </a:xfrm>
+            <a:prstGeom prst="line">
+              <a:avLst/>
+            </a:prstGeom>
+            <a:ln w="6350">
+              <a:solidFill>
+                <a:srgbClr val="C00000"/>
+              </a:solidFill>
+              <a:prstDash val="solid"/>
+            </a:ln>
+          </p:spPr>
+          <p:style>
+            <a:lnRef idx="1">
+              <a:schemeClr val="accent1"/>
+            </a:lnRef>
+            <a:fillRef idx="0">
+              <a:schemeClr val="accent1"/>
+            </a:fillRef>
+            <a:effectRef idx="0">
+              <a:schemeClr val="accent1"/>
+            </a:effectRef>
+            <a:fontRef idx="minor">
+              <a:schemeClr val="tx1"/>
+            </a:fontRef>
+          </p:style>
+        </p:cxnSp>
+        <p:cxnSp>
+          <p:nvCxnSpPr>
+            <p:cNvPr id="137" name="直線接點 136">
+              <a:extLst>
+                <a:ext uri="{FF2B5EF4-FFF2-40B4-BE49-F238E27FC236}">
+                  <a16:creationId xmlns:a16="http://schemas.microsoft.com/office/drawing/2014/main" id="{E947950F-F33C-B9BA-273E-97F2ECB204C4}"/>
+                </a:ext>
+              </a:extLst>
+            </p:cNvPr>
+            <p:cNvCxnSpPr>
+              <a:cxnSpLocks/>
+            </p:cNvCxnSpPr>
+            <p:nvPr/>
+          </p:nvCxnSpPr>
+          <p:spPr>
+            <a:xfrm>
+              <a:off x="6599226" y="3187687"/>
+              <a:ext cx="0" cy="87664"/>
+            </a:xfrm>
+            <a:prstGeom prst="line">
+              <a:avLst/>
+            </a:prstGeom>
+            <a:ln w="6350">
+              <a:solidFill>
+                <a:srgbClr val="C00000"/>
+              </a:solidFill>
+              <a:prstDash val="solid"/>
+            </a:ln>
+          </p:spPr>
+          <p:style>
+            <a:lnRef idx="1">
+              <a:schemeClr val="accent1"/>
+            </a:lnRef>
+            <a:fillRef idx="0">
+              <a:schemeClr val="accent1"/>
+            </a:fillRef>
+            <a:effectRef idx="0">
+              <a:schemeClr val="accent1"/>
+            </a:effectRef>
+            <a:fontRef idx="minor">
+              <a:schemeClr val="tx1"/>
+            </a:fontRef>
+          </p:style>
+        </p:cxnSp>
+      </p:grpSp>
+      <p:pic>
+        <p:nvPicPr>
+          <p:cNvPr id="140" name="圖片 139">
+            <a:extLst>
+              <a:ext uri="{FF2B5EF4-FFF2-40B4-BE49-F238E27FC236}">
+                <a16:creationId xmlns:a16="http://schemas.microsoft.com/office/drawing/2014/main" id="{D2E68561-5D3F-6AB6-6726-7CEA5BD0A54E}"/>
+              </a:ext>
+            </a:extLst>
+          </p:cNvPr>
+          <p:cNvPicPr>
+            <a:picLocks noChangeAspect="1"/>
+          </p:cNvPicPr>
+          <p:nvPr/>
+        </p:nvPicPr>
+        <p:blipFill>
+          <a:blip r:embed="rId9"/>
+          <a:stretch>
+            <a:fillRect/>
+          </a:stretch>
+        </p:blipFill>
+        <p:spPr>
+          <a:xfrm>
+            <a:off x="7690738" y="2046480"/>
+            <a:ext cx="3467100" cy="495300"/>
+          </a:xfrm>
+          <a:prstGeom prst="rect">
+            <a:avLst/>
+          </a:prstGeom>
+        </p:spPr>
+      </p:pic>
+      <p:grpSp>
+        <p:nvGrpSpPr>
+          <p:cNvPr id="200" name="群組 199">
+            <a:extLst>
+              <a:ext uri="{FF2B5EF4-FFF2-40B4-BE49-F238E27FC236}">
+                <a16:creationId xmlns:a16="http://schemas.microsoft.com/office/drawing/2014/main" id="{EE271D25-D86F-D862-55E6-C74573B1F724}"/>
+              </a:ext>
+            </a:extLst>
+          </p:cNvPr>
+          <p:cNvGrpSpPr/>
+          <p:nvPr/>
+        </p:nvGrpSpPr>
+        <p:grpSpPr>
+          <a:xfrm>
+            <a:off x="3643624" y="107251"/>
+            <a:ext cx="2979022" cy="1120090"/>
+            <a:chOff x="3849914" y="309260"/>
+            <a:chExt cx="2979022" cy="1120090"/>
+          </a:xfrm>
+        </p:grpSpPr>
+        <p:sp>
+          <p:nvSpPr>
+            <p:cNvPr id="58" name="三角形 57">
+              <a:extLst>
+                <a:ext uri="{FF2B5EF4-FFF2-40B4-BE49-F238E27FC236}">
+                  <a16:creationId xmlns:a16="http://schemas.microsoft.com/office/drawing/2014/main" id="{9781865B-ACEA-E4F8-1091-7BFFE3C0C950}"/>
+                </a:ext>
+              </a:extLst>
+            </p:cNvPr>
+            <p:cNvSpPr/>
+            <p:nvPr/>
+          </p:nvSpPr>
+          <p:spPr>
+            <a:xfrm>
+              <a:off x="3849914" y="590099"/>
+              <a:ext cx="1241799" cy="618826"/>
+            </a:xfrm>
+            <a:prstGeom prst="triangle">
+              <a:avLst>
+                <a:gd name="adj" fmla="val 37000"/>
+              </a:avLst>
+            </a:prstGeom>
+            <a:solidFill>
+              <a:schemeClr val="accent1">
+                <a:alpha val="32653"/>
+              </a:schemeClr>
+            </a:solidFill>
+          </p:spPr>
+          <p:style>
+            <a:lnRef idx="2">
+              <a:schemeClr val="accent1">
+                <a:shade val="50000"/>
+              </a:schemeClr>
+            </a:lnRef>
+            <a:fillRef idx="1">
+              <a:schemeClr val="accent1"/>
+            </a:fillRef>
+            <a:effectRef idx="0">
+              <a:schemeClr val="accent1"/>
+            </a:effectRef>
+            <a:fontRef idx="minor">
+              <a:schemeClr val="lt1"/>
+            </a:fontRef>
+          </p:style>
+          <p:txBody>
+            <a:bodyPr rtlCol="0" anchor="ctr"/>
+            <a:lstStyle/>
+            <a:p>
+              <a:pPr algn="ctr"/>
+              <a:endParaRPr kumimoji="1" lang="zh-TW" altLang="en-US"/>
+            </a:p>
+          </p:txBody>
+        </p:sp>
+        <p:sp>
+          <p:nvSpPr>
+            <p:cNvPr id="60" name="三角形 59">
+              <a:extLst>
+                <a:ext uri="{FF2B5EF4-FFF2-40B4-BE49-F238E27FC236}">
+                  <a16:creationId xmlns:a16="http://schemas.microsoft.com/office/drawing/2014/main" id="{7A433616-62F2-C9A9-DB6C-C2FA0C595EBB}"/>
+                </a:ext>
+              </a:extLst>
+            </p:cNvPr>
+            <p:cNvSpPr/>
+            <p:nvPr/>
+          </p:nvSpPr>
+          <p:spPr>
+            <a:xfrm>
+              <a:off x="5587137" y="590099"/>
+              <a:ext cx="1241799" cy="618826"/>
+            </a:xfrm>
+            <a:prstGeom prst="triangle">
+              <a:avLst>
+                <a:gd name="adj" fmla="val 37000"/>
+              </a:avLst>
+            </a:prstGeom>
+            <a:solidFill>
+              <a:srgbClr val="C00000">
+                <a:alpha val="32653"/>
+              </a:srgbClr>
+            </a:solidFill>
+            <a:ln>
+              <a:solidFill>
+                <a:srgbClr val="C00000"/>
+              </a:solidFill>
+            </a:ln>
+          </p:spPr>
+          <p:style>
+            <a:lnRef idx="2">
+              <a:schemeClr val="accent1">
+                <a:shade val="50000"/>
+              </a:schemeClr>
+            </a:lnRef>
+            <a:fillRef idx="1">
+              <a:schemeClr val="accent1"/>
+            </a:fillRef>
+            <a:effectRef idx="0">
+              <a:schemeClr val="accent1"/>
+            </a:effectRef>
+            <a:fontRef idx="minor">
+              <a:schemeClr val="lt1"/>
+            </a:fontRef>
+          </p:style>
+          <p:txBody>
+            <a:bodyPr rtlCol="0" anchor="ctr"/>
+            <a:lstStyle/>
+            <a:p>
+              <a:pPr algn="ctr"/>
+              <a:endParaRPr kumimoji="1" lang="zh-TW" altLang="en-US"/>
+            </a:p>
+          </p:txBody>
+        </p:sp>
+        <p:sp>
+          <p:nvSpPr>
+            <p:cNvPr id="61" name="文字方塊 60">
+              <a:extLst>
+                <a:ext uri="{FF2B5EF4-FFF2-40B4-BE49-F238E27FC236}">
+                  <a16:creationId xmlns:a16="http://schemas.microsoft.com/office/drawing/2014/main" id="{FABA1A7C-0171-E39B-A2F1-4731879830B2}"/>
+                </a:ext>
+              </a:extLst>
+            </p:cNvPr>
+            <p:cNvSpPr txBox="1"/>
+            <p:nvPr/>
+          </p:nvSpPr>
+          <p:spPr>
+            <a:xfrm>
+              <a:off x="5142727" y="763234"/>
+              <a:ext cx="292068" cy="307777"/>
+            </a:xfrm>
+            <a:prstGeom prst="rect">
+              <a:avLst/>
+            </a:prstGeom>
+            <a:noFill/>
+          </p:spPr>
+          <p:txBody>
+            <a:bodyPr wrap="none" rtlCol="0">
+              <a:spAutoFit/>
+            </a:bodyPr>
+            <a:lstStyle/>
+            <a:p>
+              <a:r>
+                <a:rPr kumimoji="1" lang="en-US" altLang="zh-TW" sz="1400" dirty="0">
+                  <a:latin typeface="Minion Pro" panose="02040503050306020203" pitchFamily="18" charset="0"/>
+                </a:rPr>
+                <a:t>=</a:t>
+              </a:r>
+              <a:endParaRPr kumimoji="1" lang="zh-TW" altLang="en-US" dirty="0">
+                <a:latin typeface="Minion Pro" panose="02040503050306020203" pitchFamily="18" charset="0"/>
+              </a:endParaRPr>
+            </a:p>
+          </p:txBody>
+        </p:sp>
+        <p:cxnSp>
+          <p:nvCxnSpPr>
+            <p:cNvPr id="85" name="直線接點 84">
+              <a:extLst>
+                <a:ext uri="{FF2B5EF4-FFF2-40B4-BE49-F238E27FC236}">
+                  <a16:creationId xmlns:a16="http://schemas.microsoft.com/office/drawing/2014/main" id="{27F11973-3A09-05B4-326F-2078FB72DA3C}"/>
+                </a:ext>
+              </a:extLst>
+            </p:cNvPr>
+            <p:cNvCxnSpPr>
+              <a:stCxn id="58" idx="0"/>
+              <a:endCxn id="58" idx="3"/>
+            </p:cNvCxnSpPr>
+            <p:nvPr/>
+          </p:nvCxnSpPr>
+          <p:spPr>
+            <a:xfrm>
+              <a:off x="4309380" y="590099"/>
+              <a:ext cx="0" cy="618826"/>
+            </a:xfrm>
+            <a:prstGeom prst="line">
+              <a:avLst/>
+            </a:prstGeom>
+            <a:ln w="12700">
+              <a:solidFill>
+                <a:srgbClr val="2F528F"/>
+              </a:solidFill>
+            </a:ln>
+          </p:spPr>
+          <p:style>
+            <a:lnRef idx="1">
+              <a:schemeClr val="accent1"/>
+            </a:lnRef>
+            <a:fillRef idx="0">
+              <a:schemeClr val="accent1"/>
+            </a:fillRef>
+            <a:effectRef idx="0">
+              <a:schemeClr val="accent1"/>
+            </a:effectRef>
+            <a:fontRef idx="minor">
+              <a:schemeClr val="tx1"/>
+            </a:fontRef>
+          </p:style>
+        </p:cxnSp>
+        <p:sp>
+          <p:nvSpPr>
+            <p:cNvPr id="86" name="文字方塊 85">
+              <a:extLst>
+                <a:ext uri="{FF2B5EF4-FFF2-40B4-BE49-F238E27FC236}">
+                  <a16:creationId xmlns:a16="http://schemas.microsoft.com/office/drawing/2014/main" id="{9C2C8D90-7802-E853-6020-48A748528B7B}"/>
+                </a:ext>
+              </a:extLst>
+            </p:cNvPr>
+            <p:cNvSpPr txBox="1"/>
+            <p:nvPr/>
+          </p:nvSpPr>
+          <p:spPr>
+            <a:xfrm>
+              <a:off x="4275326" y="843788"/>
+              <a:ext cx="250390" cy="246221"/>
+            </a:xfrm>
+            <a:prstGeom prst="rect">
+              <a:avLst/>
+            </a:prstGeom>
+            <a:noFill/>
+          </p:spPr>
+          <p:txBody>
+            <a:bodyPr wrap="none" rtlCol="0">
+              <a:spAutoFit/>
+            </a:bodyPr>
+            <a:lstStyle/>
+            <a:p>
+              <a:r>
+                <a:rPr kumimoji="1" lang="en-US" altLang="zh-TW" sz="1000" i="1" dirty="0">
+                  <a:solidFill>
+                    <a:schemeClr val="accent1">
+                      <a:lumMod val="50000"/>
+                    </a:schemeClr>
+                  </a:solidFill>
+                  <a:latin typeface="Minion Pro" panose="02040503050306020203" pitchFamily="18" charset="0"/>
+                </a:rPr>
+                <a:t>h</a:t>
+              </a:r>
+              <a:endParaRPr kumimoji="1" lang="zh-TW" altLang="en-US" sz="1100" i="1" dirty="0">
+                <a:solidFill>
+                  <a:schemeClr val="accent1">
+                    <a:lumMod val="50000"/>
+                  </a:schemeClr>
+                </a:solidFill>
+                <a:latin typeface="Minion Pro" panose="02040503050306020203" pitchFamily="18" charset="0"/>
+              </a:endParaRPr>
+            </a:p>
+          </p:txBody>
+        </p:sp>
+        <p:sp>
+          <p:nvSpPr>
+            <p:cNvPr id="87" name="文字方塊 86">
+              <a:extLst>
+                <a:ext uri="{FF2B5EF4-FFF2-40B4-BE49-F238E27FC236}">
+                  <a16:creationId xmlns:a16="http://schemas.microsoft.com/office/drawing/2014/main" id="{745D00F3-9E45-64EE-0FF7-8BEC83D73EC3}"/>
+                </a:ext>
+              </a:extLst>
+            </p:cNvPr>
+            <p:cNvSpPr txBox="1"/>
+            <p:nvPr/>
+          </p:nvSpPr>
+          <p:spPr>
+            <a:xfrm>
+              <a:off x="4638898" y="653291"/>
+              <a:ext cx="250390" cy="246221"/>
+            </a:xfrm>
+            <a:prstGeom prst="rect">
+              <a:avLst/>
+            </a:prstGeom>
+            <a:noFill/>
+          </p:spPr>
+          <p:txBody>
+            <a:bodyPr wrap="none" rtlCol="0">
+              <a:spAutoFit/>
+            </a:bodyPr>
+            <a:lstStyle/>
+            <a:p>
+              <a:r>
+                <a:rPr kumimoji="1" lang="en-US" altLang="zh-TW" sz="1000" i="1" dirty="0">
+                  <a:solidFill>
+                    <a:schemeClr val="accent1">
+                      <a:lumMod val="50000"/>
+                    </a:schemeClr>
+                  </a:solidFill>
+                  <a:latin typeface="Minion Pro" panose="02040503050306020203" pitchFamily="18" charset="0"/>
+                </a:rPr>
+                <a:t>d</a:t>
+              </a:r>
+              <a:endParaRPr kumimoji="1" lang="zh-TW" altLang="en-US" sz="1100" i="1" dirty="0">
+                <a:solidFill>
+                  <a:schemeClr val="accent1">
+                    <a:lumMod val="50000"/>
+                  </a:schemeClr>
+                </a:solidFill>
+                <a:latin typeface="Minion Pro" panose="02040503050306020203" pitchFamily="18" charset="0"/>
+              </a:endParaRPr>
+            </a:p>
+          </p:txBody>
+        </p:sp>
+        <p:sp>
+          <p:nvSpPr>
+            <p:cNvPr id="88" name="文字方塊 87">
+              <a:extLst>
+                <a:ext uri="{FF2B5EF4-FFF2-40B4-BE49-F238E27FC236}">
+                  <a16:creationId xmlns:a16="http://schemas.microsoft.com/office/drawing/2014/main" id="{DB8B0FEE-CFD1-CCAC-E534-559A3965E424}"/>
+                </a:ext>
+              </a:extLst>
+            </p:cNvPr>
+            <p:cNvSpPr txBox="1"/>
+            <p:nvPr/>
+          </p:nvSpPr>
+          <p:spPr>
+            <a:xfrm>
+              <a:off x="4638898" y="993625"/>
+              <a:ext cx="250390" cy="246221"/>
+            </a:xfrm>
+            <a:prstGeom prst="rect">
+              <a:avLst/>
+            </a:prstGeom>
+            <a:noFill/>
+          </p:spPr>
+          <p:txBody>
+            <a:bodyPr wrap="none" rtlCol="0">
+              <a:spAutoFit/>
+            </a:bodyPr>
+            <a:lstStyle/>
+            <a:p>
+              <a:r>
+                <a:rPr kumimoji="1" lang="en-US" altLang="zh-TW" sz="1000" i="1" dirty="0" err="1">
+                  <a:solidFill>
+                    <a:schemeClr val="accent1">
+                      <a:lumMod val="50000"/>
+                    </a:schemeClr>
+                  </a:solidFill>
+                  <a:latin typeface="Minion Pro" panose="02040503050306020203" pitchFamily="18" charset="0"/>
+                </a:rPr>
+                <a:t>θ</a:t>
+              </a:r>
+              <a:endParaRPr kumimoji="1" lang="zh-TW" altLang="en-US" sz="1100" i="1" dirty="0">
+                <a:solidFill>
+                  <a:schemeClr val="accent1">
+                    <a:lumMod val="50000"/>
+                  </a:schemeClr>
+                </a:solidFill>
+                <a:latin typeface="Minion Pro" panose="02040503050306020203" pitchFamily="18" charset="0"/>
+              </a:endParaRPr>
+            </a:p>
+          </p:txBody>
+        </p:sp>
+        <p:sp>
+          <p:nvSpPr>
+            <p:cNvPr id="89" name="弧線 88">
+              <a:extLst>
+                <a:ext uri="{FF2B5EF4-FFF2-40B4-BE49-F238E27FC236}">
+                  <a16:creationId xmlns:a16="http://schemas.microsoft.com/office/drawing/2014/main" id="{D7F1A100-4E4F-7844-1881-65E56B902896}"/>
+                </a:ext>
+              </a:extLst>
+            </p:cNvPr>
+            <p:cNvSpPr/>
+            <p:nvPr/>
+          </p:nvSpPr>
+          <p:spPr>
+            <a:xfrm>
+              <a:off x="4824634" y="1083384"/>
+              <a:ext cx="222629" cy="276502"/>
+            </a:xfrm>
+            <a:prstGeom prst="arc">
+              <a:avLst>
+                <a:gd name="adj1" fmla="val 11131666"/>
+                <a:gd name="adj2" fmla="val 16253523"/>
+              </a:avLst>
+            </a:prstGeom>
+            <a:ln w="9525">
+              <a:solidFill>
+                <a:srgbClr val="2F528F"/>
+              </a:solidFill>
+              <a:headEnd type="none"/>
+            </a:ln>
+          </p:spPr>
+          <p:style>
+            <a:lnRef idx="1">
+              <a:schemeClr val="accent1"/>
+            </a:lnRef>
+            <a:fillRef idx="0">
+              <a:schemeClr val="accent1"/>
+            </a:fillRef>
+            <a:effectRef idx="0">
+              <a:schemeClr val="accent1"/>
+            </a:effectRef>
+            <a:fontRef idx="minor">
+              <a:schemeClr val="tx1"/>
+            </a:fontRef>
+          </p:style>
+          <p:txBody>
+            <a:bodyPr rtlCol="0" anchor="ctr"/>
+            <a:lstStyle/>
+            <a:p>
+              <a:pPr algn="ctr"/>
+              <a:endParaRPr kumimoji="1" lang="zh-TW" altLang="en-US"/>
+            </a:p>
+          </p:txBody>
+        </p:sp>
+        <p:sp>
+          <p:nvSpPr>
+            <p:cNvPr id="102" name="文字方塊 101">
+              <a:extLst>
+                <a:ext uri="{FF2B5EF4-FFF2-40B4-BE49-F238E27FC236}">
+                  <a16:creationId xmlns:a16="http://schemas.microsoft.com/office/drawing/2014/main" id="{42C5ADB3-5345-09BE-8A63-FEF8A7F3325C}"/>
+                </a:ext>
+              </a:extLst>
+            </p:cNvPr>
+            <p:cNvSpPr txBox="1"/>
+            <p:nvPr/>
+          </p:nvSpPr>
+          <p:spPr>
+            <a:xfrm>
+              <a:off x="4451516" y="1183129"/>
+              <a:ext cx="478016" cy="246221"/>
+            </a:xfrm>
+            <a:prstGeom prst="rect">
+              <a:avLst/>
+            </a:prstGeom>
+            <a:noFill/>
+          </p:spPr>
+          <p:txBody>
+            <a:bodyPr wrap="none" rtlCol="0">
+              <a:spAutoFit/>
+            </a:bodyPr>
+            <a:lstStyle/>
+            <a:p>
+              <a:r>
+                <a:rPr kumimoji="1" lang="en-US" altLang="zh-TW" sz="1000" i="1" dirty="0" err="1">
+                  <a:solidFill>
+                    <a:schemeClr val="accent1">
+                      <a:lumMod val="50000"/>
+                    </a:schemeClr>
+                  </a:solidFill>
+                  <a:latin typeface="Minion Pro" panose="02040503050306020203" pitchFamily="18" charset="0"/>
+                </a:rPr>
+                <a:t>d</a:t>
+              </a:r>
+              <a:r>
+                <a:rPr kumimoji="1" lang="en-US" altLang="zh-TW" sz="1000" dirty="0" err="1">
+                  <a:solidFill>
+                    <a:schemeClr val="accent1">
+                      <a:lumMod val="50000"/>
+                    </a:schemeClr>
+                  </a:solidFill>
+                  <a:latin typeface="Minion Pro" panose="02040503050306020203" pitchFamily="18" charset="0"/>
+                </a:rPr>
+                <a:t>cos</a:t>
+              </a:r>
+              <a:r>
+                <a:rPr kumimoji="1" lang="en-US" altLang="zh-TW" sz="1000" i="1" dirty="0" err="1">
+                  <a:solidFill>
+                    <a:schemeClr val="accent1">
+                      <a:lumMod val="50000"/>
+                    </a:schemeClr>
+                  </a:solidFill>
+                  <a:latin typeface="Minion Pro" panose="02040503050306020203" pitchFamily="18" charset="0"/>
+                </a:rPr>
+                <a:t>θ</a:t>
+              </a:r>
+              <a:endParaRPr kumimoji="1" lang="zh-TW" altLang="en-US" sz="1400" i="1" dirty="0">
+                <a:solidFill>
+                  <a:schemeClr val="accent1">
+                    <a:lumMod val="50000"/>
+                  </a:schemeClr>
+                </a:solidFill>
+                <a:latin typeface="Minion Pro" panose="02040503050306020203" pitchFamily="18" charset="0"/>
+              </a:endParaRPr>
+            </a:p>
+          </p:txBody>
+        </p:sp>
+        <p:pic>
+          <p:nvPicPr>
+            <p:cNvPr id="111" name="圖片 110">
+              <a:extLst>
+                <a:ext uri="{FF2B5EF4-FFF2-40B4-BE49-F238E27FC236}">
+                  <a16:creationId xmlns:a16="http://schemas.microsoft.com/office/drawing/2014/main" id="{96B3ED93-DC78-C3C5-6C2E-045EFF51DCF6}"/>
+                </a:ext>
+              </a:extLst>
+            </p:cNvPr>
+            <p:cNvPicPr>
+              <a:picLocks noChangeAspect="1"/>
+            </p:cNvPicPr>
+            <p:nvPr/>
+          </p:nvPicPr>
+          <p:blipFill>
+            <a:blip r:embed="rId10"/>
+            <a:stretch>
+              <a:fillRect/>
+            </a:stretch>
+          </p:blipFill>
+          <p:spPr>
+            <a:xfrm>
+              <a:off x="6103275" y="1260365"/>
+              <a:ext cx="152400" cy="127000"/>
+            </a:xfrm>
+            <a:prstGeom prst="rect">
+              <a:avLst/>
+            </a:prstGeom>
+          </p:spPr>
+        </p:pic>
+        <p:sp>
+          <p:nvSpPr>
+            <p:cNvPr id="112" name="文字方塊 111">
+              <a:extLst>
+                <a:ext uri="{FF2B5EF4-FFF2-40B4-BE49-F238E27FC236}">
+                  <a16:creationId xmlns:a16="http://schemas.microsoft.com/office/drawing/2014/main" id="{3FE1F033-E777-94B9-F9CD-E5A0D9C1A543}"/>
+                </a:ext>
+              </a:extLst>
+            </p:cNvPr>
+            <p:cNvSpPr txBox="1"/>
+            <p:nvPr/>
+          </p:nvSpPr>
+          <p:spPr>
+            <a:xfrm>
+              <a:off x="6473084" y="1014144"/>
+              <a:ext cx="250390" cy="246221"/>
+            </a:xfrm>
+            <a:prstGeom prst="rect">
+              <a:avLst/>
+            </a:prstGeom>
+            <a:noFill/>
+          </p:spPr>
+          <p:txBody>
+            <a:bodyPr wrap="none" rtlCol="0">
+              <a:spAutoFit/>
+            </a:bodyPr>
+            <a:lstStyle/>
+            <a:p>
+              <a:r>
+                <a:rPr kumimoji="1" lang="en-US" altLang="zh-TW" sz="1000" i="1" dirty="0" err="1">
+                  <a:solidFill>
+                    <a:srgbClr val="B21D09"/>
+                  </a:solidFill>
+                  <a:latin typeface="Minion Pro" panose="02040503050306020203" pitchFamily="18" charset="0"/>
+                </a:rPr>
+                <a:t>θ</a:t>
+              </a:r>
+              <a:endParaRPr kumimoji="1" lang="zh-TW" altLang="en-US" sz="1100" i="1" dirty="0">
+                <a:solidFill>
+                  <a:srgbClr val="B21D09"/>
+                </a:solidFill>
+                <a:latin typeface="Minion Pro" panose="02040503050306020203" pitchFamily="18" charset="0"/>
+              </a:endParaRPr>
+            </a:p>
+          </p:txBody>
+        </p:sp>
+        <p:sp>
+          <p:nvSpPr>
+            <p:cNvPr id="113" name="文字方塊 112">
+              <a:extLst>
+                <a:ext uri="{FF2B5EF4-FFF2-40B4-BE49-F238E27FC236}">
+                  <a16:creationId xmlns:a16="http://schemas.microsoft.com/office/drawing/2014/main" id="{FE9FFFE7-5C3D-8652-9327-92E408D29DCA}"/>
+                </a:ext>
+              </a:extLst>
+            </p:cNvPr>
+            <p:cNvSpPr txBox="1"/>
+            <p:nvPr/>
+          </p:nvSpPr>
+          <p:spPr>
+            <a:xfrm>
+              <a:off x="5637103" y="1004414"/>
+              <a:ext cx="279244" cy="246221"/>
+            </a:xfrm>
+            <a:prstGeom prst="rect">
+              <a:avLst/>
+            </a:prstGeom>
+            <a:noFill/>
+          </p:spPr>
+          <p:txBody>
+            <a:bodyPr wrap="none" rtlCol="0">
+              <a:spAutoFit/>
+            </a:bodyPr>
+            <a:lstStyle/>
+            <a:p>
+              <a:r>
+                <a:rPr kumimoji="1" lang="en-US" altLang="zh-TW" sz="1000" dirty="0" err="1">
+                  <a:solidFill>
+                    <a:srgbClr val="B21D09"/>
+                  </a:solidFill>
+                  <a:latin typeface="Minion Pro" panose="02040503050306020203" pitchFamily="18" charset="0"/>
+                </a:rPr>
+                <a:t>Θ</a:t>
+              </a:r>
+              <a:endParaRPr kumimoji="1" lang="zh-TW" altLang="en-US" sz="1100" dirty="0">
+                <a:solidFill>
+                  <a:srgbClr val="B21D09"/>
+                </a:solidFill>
+                <a:latin typeface="Minion Pro" panose="02040503050306020203" pitchFamily="18" charset="0"/>
+              </a:endParaRPr>
+            </a:p>
+          </p:txBody>
+        </p:sp>
+        <p:cxnSp>
+          <p:nvCxnSpPr>
+            <p:cNvPr id="115" name="直線接點 114">
+              <a:extLst>
+                <a:ext uri="{FF2B5EF4-FFF2-40B4-BE49-F238E27FC236}">
+                  <a16:creationId xmlns:a16="http://schemas.microsoft.com/office/drawing/2014/main" id="{F44A8A1F-4FF7-0F92-5EA9-06DA4247DBDB}"/>
+                </a:ext>
+              </a:extLst>
+            </p:cNvPr>
+            <p:cNvCxnSpPr>
+              <a:cxnSpLocks/>
+            </p:cNvCxnSpPr>
+            <p:nvPr/>
+          </p:nvCxnSpPr>
+          <p:spPr>
+            <a:xfrm flipV="1">
+              <a:off x="6045895" y="309260"/>
+              <a:ext cx="206499" cy="278119"/>
+            </a:xfrm>
+            <a:prstGeom prst="line">
+              <a:avLst/>
+            </a:prstGeom>
+            <a:ln w="12700">
+              <a:solidFill>
+                <a:srgbClr val="B21D09"/>
+              </a:solidFill>
+              <a:prstDash val="sysDash"/>
+            </a:ln>
+          </p:spPr>
+          <p:style>
+            <a:lnRef idx="1">
+              <a:schemeClr val="accent1"/>
+            </a:lnRef>
+            <a:fillRef idx="0">
+              <a:schemeClr val="accent1"/>
+            </a:fillRef>
+            <a:effectRef idx="0">
+              <a:schemeClr val="accent1"/>
+            </a:effectRef>
+            <a:fontRef idx="minor">
+              <a:schemeClr val="tx1"/>
+            </a:fontRef>
+          </p:style>
+        </p:cxnSp>
+        <p:sp>
+          <p:nvSpPr>
+            <p:cNvPr id="121" name="文字方塊 120">
+              <a:extLst>
+                <a:ext uri="{FF2B5EF4-FFF2-40B4-BE49-F238E27FC236}">
+                  <a16:creationId xmlns:a16="http://schemas.microsoft.com/office/drawing/2014/main" id="{82E5A43D-BE72-0611-9710-B8E493FB9BB4}"/>
+                </a:ext>
+              </a:extLst>
+            </p:cNvPr>
+            <p:cNvSpPr txBox="1"/>
+            <p:nvPr/>
+          </p:nvSpPr>
+          <p:spPr>
+            <a:xfrm>
+              <a:off x="6047230" y="428983"/>
+              <a:ext cx="253596" cy="246221"/>
+            </a:xfrm>
+            <a:prstGeom prst="rect">
+              <a:avLst/>
+            </a:prstGeom>
+            <a:noFill/>
+          </p:spPr>
+          <p:txBody>
+            <a:bodyPr wrap="none" rtlCol="0">
+              <a:spAutoFit/>
+            </a:bodyPr>
+            <a:lstStyle/>
+            <a:p>
+              <a:r>
+                <a:rPr kumimoji="1" lang="en-US" altLang="zh-TW" sz="1000" i="1" dirty="0">
+                  <a:solidFill>
+                    <a:srgbClr val="B21D09"/>
+                  </a:solidFill>
+                  <a:latin typeface="Minion Pro" panose="02040503050306020203" pitchFamily="18" charset="0"/>
+                </a:rPr>
+                <a:t>α</a:t>
+              </a:r>
+              <a:endParaRPr kumimoji="1" lang="zh-TW" altLang="en-US" sz="1100" i="1" dirty="0">
+                <a:solidFill>
+                  <a:srgbClr val="B21D09"/>
+                </a:solidFill>
+                <a:latin typeface="Minion Pro" panose="02040503050306020203" pitchFamily="18" charset="0"/>
+              </a:endParaRPr>
+            </a:p>
+          </p:txBody>
+        </p:sp>
+        <p:sp>
+          <p:nvSpPr>
+            <p:cNvPr id="123" name="文字方塊 122">
+              <a:extLst>
+                <a:ext uri="{FF2B5EF4-FFF2-40B4-BE49-F238E27FC236}">
+                  <a16:creationId xmlns:a16="http://schemas.microsoft.com/office/drawing/2014/main" id="{2B8D7E50-4F64-4CE0-7F34-48221168DE78}"/>
+                </a:ext>
+              </a:extLst>
+            </p:cNvPr>
+            <p:cNvSpPr txBox="1"/>
+            <p:nvPr/>
+          </p:nvSpPr>
+          <p:spPr>
+            <a:xfrm>
+              <a:off x="5860197" y="655906"/>
+              <a:ext cx="453970" cy="246221"/>
+            </a:xfrm>
+            <a:prstGeom prst="rect">
+              <a:avLst/>
+            </a:prstGeom>
+            <a:noFill/>
+          </p:spPr>
+          <p:txBody>
+            <a:bodyPr wrap="none" rtlCol="0">
+              <a:spAutoFit/>
+            </a:bodyPr>
+            <a:lstStyle/>
+            <a:p>
+              <a:r>
+                <a:rPr kumimoji="1" lang="en-US" altLang="zh-TW" sz="1000" i="1" dirty="0">
+                  <a:solidFill>
+                    <a:srgbClr val="B21D09"/>
+                  </a:solidFill>
+                  <a:latin typeface="Minion Pro" panose="02040503050306020203" pitchFamily="18" charset="0"/>
+                </a:rPr>
+                <a:t>π </a:t>
+              </a:r>
+              <a:r>
+                <a:rPr kumimoji="1" lang="en-US" altLang="zh-TW" sz="1000" dirty="0">
+                  <a:solidFill>
+                    <a:srgbClr val="B21D09"/>
+                  </a:solidFill>
+                  <a:latin typeface="Minion Pro" panose="02040503050306020203" pitchFamily="18" charset="0"/>
+                </a:rPr>
+                <a:t>− </a:t>
+              </a:r>
+              <a:r>
+                <a:rPr kumimoji="1" lang="en-US" altLang="zh-TW" sz="1000" i="1" dirty="0">
+                  <a:solidFill>
+                    <a:srgbClr val="B21D09"/>
+                  </a:solidFill>
+                  <a:latin typeface="Minion Pro" panose="02040503050306020203" pitchFamily="18" charset="0"/>
+                </a:rPr>
+                <a:t>α</a:t>
+              </a:r>
+              <a:endParaRPr kumimoji="1" lang="zh-TW" altLang="en-US" sz="1000" dirty="0">
+                <a:solidFill>
+                  <a:srgbClr val="B21D09"/>
+                </a:solidFill>
+                <a:latin typeface="Minion Pro" panose="02040503050306020203" pitchFamily="18" charset="0"/>
+              </a:endParaRPr>
+            </a:p>
+          </p:txBody>
+        </p:sp>
+        <p:sp>
+          <p:nvSpPr>
+            <p:cNvPr id="124" name="文字方塊 123">
+              <a:extLst>
+                <a:ext uri="{FF2B5EF4-FFF2-40B4-BE49-F238E27FC236}">
+                  <a16:creationId xmlns:a16="http://schemas.microsoft.com/office/drawing/2014/main" id="{73BF8CDC-B053-CB47-CD31-BC8FE576FA91}"/>
+                </a:ext>
+              </a:extLst>
+            </p:cNvPr>
+            <p:cNvSpPr txBox="1"/>
+            <p:nvPr/>
+          </p:nvSpPr>
+          <p:spPr>
+            <a:xfrm>
+              <a:off x="6321161" y="636571"/>
+              <a:ext cx="250390" cy="246221"/>
+            </a:xfrm>
+            <a:prstGeom prst="rect">
+              <a:avLst/>
+            </a:prstGeom>
+            <a:noFill/>
+          </p:spPr>
+          <p:txBody>
+            <a:bodyPr wrap="none" rtlCol="0">
+              <a:spAutoFit/>
+            </a:bodyPr>
+            <a:lstStyle/>
+            <a:p>
+              <a:r>
+                <a:rPr kumimoji="1" lang="en-US" altLang="zh-TW" sz="1000" i="1" dirty="0">
+                  <a:solidFill>
+                    <a:srgbClr val="B21D09"/>
+                  </a:solidFill>
+                  <a:latin typeface="Minion Pro" panose="02040503050306020203" pitchFamily="18" charset="0"/>
+                </a:rPr>
+                <a:t>d</a:t>
+              </a:r>
+              <a:endParaRPr kumimoji="1" lang="zh-TW" altLang="en-US" sz="1100" i="1" dirty="0">
+                <a:solidFill>
+                  <a:srgbClr val="B21D09"/>
+                </a:solidFill>
+                <a:latin typeface="Minion Pro" panose="02040503050306020203" pitchFamily="18" charset="0"/>
+              </a:endParaRPr>
+            </a:p>
+          </p:txBody>
+        </p:sp>
+        <p:sp>
+          <p:nvSpPr>
+            <p:cNvPr id="125" name="文字方塊 124">
+              <a:extLst>
+                <a:ext uri="{FF2B5EF4-FFF2-40B4-BE49-F238E27FC236}">
+                  <a16:creationId xmlns:a16="http://schemas.microsoft.com/office/drawing/2014/main" id="{FAA87C8D-CE98-7B28-82FA-9A8940899635}"/>
+                </a:ext>
+              </a:extLst>
+            </p:cNvPr>
+            <p:cNvSpPr txBox="1"/>
+            <p:nvPr/>
+          </p:nvSpPr>
+          <p:spPr>
+            <a:xfrm>
+              <a:off x="5552153" y="693596"/>
+              <a:ext cx="276038" cy="246221"/>
+            </a:xfrm>
+            <a:prstGeom prst="rect">
+              <a:avLst/>
+            </a:prstGeom>
+            <a:noFill/>
+          </p:spPr>
+          <p:txBody>
+            <a:bodyPr wrap="none" rtlCol="0">
+              <a:spAutoFit/>
+            </a:bodyPr>
+            <a:lstStyle/>
+            <a:p>
+              <a:r>
+                <a:rPr kumimoji="1" lang="en-US" altLang="zh-TW" sz="1000" i="1" dirty="0">
+                  <a:solidFill>
+                    <a:srgbClr val="B21D09"/>
+                  </a:solidFill>
+                  <a:latin typeface="Minion Pro" panose="02040503050306020203" pitchFamily="18" charset="0"/>
+                </a:rPr>
+                <a:t>D</a:t>
+              </a:r>
+              <a:endParaRPr kumimoji="1" lang="zh-TW" altLang="en-US" sz="1100" i="1" dirty="0">
+                <a:solidFill>
+                  <a:srgbClr val="B21D09"/>
+                </a:solidFill>
+                <a:latin typeface="Minion Pro" panose="02040503050306020203" pitchFamily="18" charset="0"/>
+              </a:endParaRPr>
+            </a:p>
+          </p:txBody>
+        </p:sp>
+        <p:sp>
+          <p:nvSpPr>
+            <p:cNvPr id="143" name="弧線 142">
+              <a:extLst>
+                <a:ext uri="{FF2B5EF4-FFF2-40B4-BE49-F238E27FC236}">
+                  <a16:creationId xmlns:a16="http://schemas.microsoft.com/office/drawing/2014/main" id="{FC8C177D-7153-0C0D-F9B4-43576AE81304}"/>
+                </a:ext>
+              </a:extLst>
+            </p:cNvPr>
+            <p:cNvSpPr/>
+            <p:nvPr/>
+          </p:nvSpPr>
+          <p:spPr>
+            <a:xfrm rot="10800000">
+              <a:off x="4311009" y="1149290"/>
+              <a:ext cx="174235" cy="120677"/>
+            </a:xfrm>
+            <a:prstGeom prst="arc">
+              <a:avLst/>
+            </a:prstGeom>
+          </p:spPr>
+          <p:style>
+            <a:lnRef idx="1">
+              <a:schemeClr val="accent1"/>
+            </a:lnRef>
+            <a:fillRef idx="0">
+              <a:schemeClr val="accent1"/>
+            </a:fillRef>
+            <a:effectRef idx="0">
+              <a:schemeClr val="accent1"/>
+            </a:effectRef>
+            <a:fontRef idx="minor">
+              <a:schemeClr val="tx1"/>
+            </a:fontRef>
+          </p:style>
+          <p:txBody>
+            <a:bodyPr rtlCol="0" anchor="ctr"/>
+            <a:lstStyle/>
+            <a:p>
+              <a:pPr algn="ctr"/>
+              <a:endParaRPr kumimoji="1" lang="zh-TW" altLang="en-US"/>
+            </a:p>
+          </p:txBody>
+        </p:sp>
+        <p:sp>
+          <p:nvSpPr>
+            <p:cNvPr id="144" name="弧線 143">
+              <a:extLst>
+                <a:ext uri="{FF2B5EF4-FFF2-40B4-BE49-F238E27FC236}">
+                  <a16:creationId xmlns:a16="http://schemas.microsoft.com/office/drawing/2014/main" id="{1DF03721-C698-DE55-28B8-E1A58C74C908}"/>
+                </a:ext>
+              </a:extLst>
+            </p:cNvPr>
+            <p:cNvSpPr/>
+            <p:nvPr/>
+          </p:nvSpPr>
+          <p:spPr>
+            <a:xfrm rot="10800000" flipH="1">
+              <a:off x="4923871" y="1154763"/>
+              <a:ext cx="174235" cy="120677"/>
+            </a:xfrm>
+            <a:prstGeom prst="arc">
+              <a:avLst/>
+            </a:prstGeom>
+          </p:spPr>
+          <p:style>
+            <a:lnRef idx="1">
+              <a:schemeClr val="accent1"/>
+            </a:lnRef>
+            <a:fillRef idx="0">
+              <a:schemeClr val="accent1"/>
+            </a:fillRef>
+            <a:effectRef idx="0">
+              <a:schemeClr val="accent1"/>
+            </a:effectRef>
+            <a:fontRef idx="minor">
+              <a:schemeClr val="tx1"/>
+            </a:fontRef>
+          </p:style>
+          <p:txBody>
+            <a:bodyPr rtlCol="0" anchor="ctr"/>
+            <a:lstStyle/>
+            <a:p>
+              <a:pPr algn="ctr"/>
+              <a:endParaRPr kumimoji="1" lang="zh-TW" altLang="en-US"/>
+            </a:p>
+          </p:txBody>
+        </p:sp>
+      </p:grpSp>
+      <p:pic>
+        <p:nvPicPr>
+          <p:cNvPr id="167" name="圖片 166">
+            <a:extLst>
+              <a:ext uri="{FF2B5EF4-FFF2-40B4-BE49-F238E27FC236}">
+                <a16:creationId xmlns:a16="http://schemas.microsoft.com/office/drawing/2014/main" id="{3996C5FD-F277-40BB-4B1A-B2C3ECC99841}"/>
+              </a:ext>
+            </a:extLst>
+          </p:cNvPr>
+          <p:cNvPicPr>
+            <a:picLocks noChangeAspect="1"/>
+          </p:cNvPicPr>
+          <p:nvPr/>
+        </p:nvPicPr>
+        <p:blipFill>
+          <a:blip r:embed="rId11"/>
+          <a:stretch>
+            <a:fillRect/>
+          </a:stretch>
+        </p:blipFill>
+        <p:spPr>
+          <a:xfrm>
+            <a:off x="6321161" y="3881551"/>
+            <a:ext cx="88900" cy="139700"/>
           </a:xfrm>
           <a:prstGeom prst="rect">
             <a:avLst/>
@@ -5624,210 +5245,10 @@
       </p:pic>
       <p:sp>
         <p:nvSpPr>
-          <p:cNvPr id="101" name="文字方塊 100">
+          <p:cNvPr id="174" name="弧線 173">
             <a:extLst>
               <a:ext uri="{FF2B5EF4-FFF2-40B4-BE49-F238E27FC236}">
-                <a16:creationId xmlns:a16="http://schemas.microsoft.com/office/drawing/2014/main" id="{A9174747-1DC1-94F9-8948-147E74CA18F7}"/>
-              </a:ext>
-            </a:extLst>
-          </p:cNvPr>
-          <p:cNvSpPr txBox="1"/>
-          <p:nvPr/>
-        </p:nvSpPr>
-        <p:spPr>
-          <a:xfrm>
-            <a:off x="8094154" y="3739532"/>
-            <a:ext cx="285656" cy="307777"/>
-          </a:xfrm>
-          <a:prstGeom prst="rect">
-            <a:avLst/>
-          </a:prstGeom>
-          <a:noFill/>
-        </p:spPr>
-        <p:txBody>
-          <a:bodyPr wrap="none" rtlCol="0">
-            <a:spAutoFit/>
-          </a:bodyPr>
-          <a:lstStyle/>
-          <a:p>
-            <a:r>
-              <a:rPr kumimoji="1" lang="en-US" altLang="zh-TW" sz="1400" i="1" dirty="0">
-                <a:solidFill>
-                  <a:schemeClr val="tx1">
-                    <a:lumMod val="85000"/>
-                    <a:lumOff val="15000"/>
-                  </a:schemeClr>
-                </a:solidFill>
-                <a:latin typeface="Minion Pro" panose="02040503050306020203" pitchFamily="18" charset="0"/>
-              </a:rPr>
-              <a:t>E</a:t>
-            </a:r>
-            <a:endParaRPr kumimoji="1" lang="zh-TW" altLang="en-US" i="1" dirty="0">
-              <a:solidFill>
-                <a:schemeClr val="tx1">
-                  <a:lumMod val="85000"/>
-                  <a:lumOff val="15000"/>
-                </a:schemeClr>
-              </a:solidFill>
-              <a:latin typeface="Minion Pro" panose="02040503050306020203" pitchFamily="18" charset="0"/>
-            </a:endParaRPr>
-          </a:p>
-        </p:txBody>
-      </p:sp>
-      <p:sp>
-        <p:nvSpPr>
-          <p:cNvPr id="102" name="文字方塊 101">
-            <a:extLst>
-              <a:ext uri="{FF2B5EF4-FFF2-40B4-BE49-F238E27FC236}">
-                <a16:creationId xmlns:a16="http://schemas.microsoft.com/office/drawing/2014/main" id="{42C5ADB3-5345-09BE-8A63-FEF8A7F3325C}"/>
-              </a:ext>
-            </a:extLst>
-          </p:cNvPr>
-          <p:cNvSpPr txBox="1"/>
-          <p:nvPr/>
-        </p:nvSpPr>
-        <p:spPr>
-          <a:xfrm>
-            <a:off x="4429056" y="1219202"/>
-            <a:ext cx="478016" cy="246221"/>
-          </a:xfrm>
-          <a:prstGeom prst="rect">
-            <a:avLst/>
-          </a:prstGeom>
-          <a:noFill/>
-        </p:spPr>
-        <p:txBody>
-          <a:bodyPr wrap="none" rtlCol="0">
-            <a:spAutoFit/>
-          </a:bodyPr>
-          <a:lstStyle/>
-          <a:p>
-            <a:r>
-              <a:rPr kumimoji="1" lang="en-US" altLang="zh-TW" sz="1000" i="1" dirty="0" err="1">
-                <a:solidFill>
-                  <a:schemeClr val="accent1">
-                    <a:lumMod val="50000"/>
-                  </a:schemeClr>
-                </a:solidFill>
-                <a:latin typeface="Minion Pro" panose="02040503050306020203" pitchFamily="18" charset="0"/>
-              </a:rPr>
-              <a:t>d</a:t>
-            </a:r>
-            <a:r>
-              <a:rPr kumimoji="1" lang="en-US" altLang="zh-TW" sz="1000" dirty="0" err="1">
-                <a:solidFill>
-                  <a:schemeClr val="accent1">
-                    <a:lumMod val="50000"/>
-                  </a:schemeClr>
-                </a:solidFill>
-                <a:latin typeface="Minion Pro" panose="02040503050306020203" pitchFamily="18" charset="0"/>
-              </a:rPr>
-              <a:t>cos</a:t>
-            </a:r>
-            <a:r>
-              <a:rPr kumimoji="1" lang="en-US" altLang="zh-TW" sz="1000" i="1" dirty="0" err="1">
-                <a:solidFill>
-                  <a:schemeClr val="accent1">
-                    <a:lumMod val="50000"/>
-                  </a:schemeClr>
-                </a:solidFill>
-                <a:latin typeface="Minion Pro" panose="02040503050306020203" pitchFamily="18" charset="0"/>
-              </a:rPr>
-              <a:t>θ</a:t>
-            </a:r>
-            <a:endParaRPr kumimoji="1" lang="zh-TW" altLang="en-US" sz="1400" i="1" dirty="0">
-              <a:solidFill>
-                <a:schemeClr val="accent1">
-                  <a:lumMod val="50000"/>
-                </a:schemeClr>
-              </a:solidFill>
-              <a:latin typeface="Minion Pro" panose="02040503050306020203" pitchFamily="18" charset="0"/>
-            </a:endParaRPr>
-          </a:p>
-        </p:txBody>
-      </p:sp>
-      <p:sp>
-        <p:nvSpPr>
-          <p:cNvPr id="103" name="文字方塊 102">
-            <a:extLst>
-              <a:ext uri="{FF2B5EF4-FFF2-40B4-BE49-F238E27FC236}">
-                <a16:creationId xmlns:a16="http://schemas.microsoft.com/office/drawing/2014/main" id="{A19F5D21-00D5-A9AF-2052-8BC6DDBC278F}"/>
-              </a:ext>
-            </a:extLst>
-          </p:cNvPr>
-          <p:cNvSpPr txBox="1"/>
-          <p:nvPr/>
-        </p:nvSpPr>
-        <p:spPr>
-          <a:xfrm>
-            <a:off x="7701867" y="3245272"/>
-            <a:ext cx="593432" cy="307777"/>
-          </a:xfrm>
-          <a:prstGeom prst="rect">
-            <a:avLst/>
-          </a:prstGeom>
-          <a:noFill/>
-        </p:spPr>
-        <p:txBody>
-          <a:bodyPr wrap="none" rtlCol="0">
-            <a:spAutoFit/>
-          </a:bodyPr>
-          <a:lstStyle/>
-          <a:p>
-            <a:r>
-              <a:rPr kumimoji="1" lang="en-US" altLang="zh-TW" sz="1400" i="1" dirty="0" err="1">
-                <a:solidFill>
-                  <a:schemeClr val="tx1">
-                    <a:lumMod val="85000"/>
-                    <a:lumOff val="15000"/>
-                  </a:schemeClr>
-                </a:solidFill>
-                <a:latin typeface="Minion Pro" panose="02040503050306020203" pitchFamily="18" charset="0"/>
-              </a:rPr>
-              <a:t>d</a:t>
-            </a:r>
-            <a:r>
-              <a:rPr kumimoji="1" lang="en-US" altLang="zh-TW" sz="1400" dirty="0" err="1">
-                <a:solidFill>
-                  <a:schemeClr val="tx1">
-                    <a:lumMod val="85000"/>
-                    <a:lumOff val="15000"/>
-                  </a:schemeClr>
-                </a:solidFill>
-                <a:latin typeface="Minion Pro" panose="02040503050306020203" pitchFamily="18" charset="0"/>
-              </a:rPr>
-              <a:t>cos</a:t>
-            </a:r>
-            <a:r>
-              <a:rPr kumimoji="1" lang="en-US" altLang="zh-TW" sz="1400" i="1" dirty="0" err="1">
-                <a:solidFill>
-                  <a:schemeClr val="tx1">
-                    <a:lumMod val="85000"/>
-                    <a:lumOff val="15000"/>
-                  </a:schemeClr>
-                </a:solidFill>
-                <a:latin typeface="Minion Pro" panose="02040503050306020203" pitchFamily="18" charset="0"/>
-              </a:rPr>
-              <a:t>θ</a:t>
-            </a:r>
-            <a:endParaRPr kumimoji="1" lang="zh-TW" altLang="en-US" sz="2400" i="1" dirty="0">
-              <a:solidFill>
-                <a:schemeClr val="tx1">
-                  <a:lumMod val="85000"/>
-                  <a:lumOff val="15000"/>
-                </a:schemeClr>
-              </a:solidFill>
-              <a:latin typeface="Minion Pro" panose="02040503050306020203" pitchFamily="18" charset="0"/>
-            </a:endParaRPr>
-          </a:p>
-        </p:txBody>
-      </p:sp>
-      <p:sp>
-        <p:nvSpPr>
-          <p:cNvPr id="104" name="弧線 103">
-            <a:extLst>
-              <a:ext uri="{FF2B5EF4-FFF2-40B4-BE49-F238E27FC236}">
-                <a16:creationId xmlns:a16="http://schemas.microsoft.com/office/drawing/2014/main" id="{A32CDF0B-1326-4C5E-4A4A-AD20C290B84E}"/>
+                <a16:creationId xmlns:a16="http://schemas.microsoft.com/office/drawing/2014/main" id="{E656D155-CC12-3C65-7A42-07F07BE79E25}"/>
               </a:ext>
             </a:extLst>
           </p:cNvPr>
@@ -5835,14 +5256,14 @@
           <p:nvPr/>
         </p:nvSpPr>
         <p:spPr>
-          <a:xfrm>
-            <a:off x="3792084" y="2725013"/>
-            <a:ext cx="202145" cy="211675"/>
+          <a:xfrm flipH="1">
+            <a:off x="6619546" y="3592325"/>
+            <a:ext cx="209390" cy="180365"/>
           </a:xfrm>
           <a:prstGeom prst="arc">
             <a:avLst>
-              <a:gd name="adj1" fmla="val 5960494"/>
-              <a:gd name="adj2" fmla="val 13126385"/>
+              <a:gd name="adj1" fmla="val 2661013"/>
+              <a:gd name="adj2" fmla="val 11257645"/>
             </a:avLst>
           </a:prstGeom>
           <a:ln w="12700">
@@ -5880,10 +5301,10 @@
       </p:sp>
       <p:pic>
         <p:nvPicPr>
-          <p:cNvPr id="105" name="圖片 104">
+          <p:cNvPr id="176" name="圖片 175">
             <a:extLst>
               <a:ext uri="{FF2B5EF4-FFF2-40B4-BE49-F238E27FC236}">
-                <a16:creationId xmlns:a16="http://schemas.microsoft.com/office/drawing/2014/main" id="{329BCF34-7C42-01F1-4954-55981179BE82}"/>
+                <a16:creationId xmlns:a16="http://schemas.microsoft.com/office/drawing/2014/main" id="{C2EFEC74-968B-5196-3F09-E232AFEDC307}"/>
               </a:ext>
             </a:extLst>
           </p:cNvPr>
@@ -5893,15 +5314,15 @@
           <p:nvPr/>
         </p:nvPicPr>
         <p:blipFill>
-          <a:blip r:embed="rId6"/>
+          <a:blip r:embed="rId12"/>
           <a:stretch>
             <a:fillRect/>
           </a:stretch>
         </p:blipFill>
         <p:spPr>
           <a:xfrm>
-            <a:off x="3607658" y="2807532"/>
-            <a:ext cx="101600" cy="165100"/>
+            <a:off x="7846296" y="3772690"/>
+            <a:ext cx="2070100" cy="406400"/>
           </a:xfrm>
           <a:prstGeom prst="rect">
             <a:avLst/>
@@ -5910,10 +5331,10 @@
       </p:pic>
       <p:sp>
         <p:nvSpPr>
-          <p:cNvPr id="106" name="弧線 105">
+          <p:cNvPr id="181" name="三角形 180">
             <a:extLst>
               <a:ext uri="{FF2B5EF4-FFF2-40B4-BE49-F238E27FC236}">
-                <a16:creationId xmlns:a16="http://schemas.microsoft.com/office/drawing/2014/main" id="{EA242813-B2A0-4032-2D10-71CD2C023896}"/>
+                <a16:creationId xmlns:a16="http://schemas.microsoft.com/office/drawing/2014/main" id="{3AE62518-64B6-0B1C-9FBB-56CB8382A59B}"/>
               </a:ext>
             </a:extLst>
           </p:cNvPr>
@@ -5921,38 +5342,39 @@
           <p:nvPr/>
         </p:nvSpPr>
         <p:spPr>
-          <a:xfrm>
-            <a:off x="7790571" y="3610025"/>
-            <a:ext cx="202145" cy="211675"/>
+          <a:xfrm rot="19371205">
+            <a:off x="5945196" y="3702454"/>
+            <a:ext cx="1556557" cy="470993"/>
           </a:xfrm>
-          <a:prstGeom prst="arc">
+          <a:prstGeom prst="triangle">
             <a:avLst>
-              <a:gd name="adj1" fmla="val 9174533"/>
-              <a:gd name="adj2" fmla="val 14145020"/>
+              <a:gd name="adj" fmla="val 59316"/>
             </a:avLst>
           </a:prstGeom>
-          <a:ln w="12700">
+          <a:noFill/>
+          <a:ln>
             <a:solidFill>
               <a:schemeClr val="tx1">
-                <a:lumMod val="85000"/>
-                <a:lumOff val="15000"/>
+                <a:lumMod val="95000"/>
+                <a:lumOff val="5000"/>
               </a:schemeClr>
             </a:solidFill>
-            <a:headEnd type="none"/>
           </a:ln>
         </p:spPr>
         <p:style>
-          <a:lnRef idx="1">
-            <a:schemeClr val="accent1"/>
+          <a:lnRef idx="2">
+            <a:schemeClr val="accent1">
+              <a:shade val="50000"/>
+            </a:schemeClr>
           </a:lnRef>
-          <a:fillRef idx="0">
+          <a:fillRef idx="1">
             <a:schemeClr val="accent1"/>
           </a:fillRef>
           <a:effectRef idx="0">
             <a:schemeClr val="accent1"/>
           </a:effectRef>
           <a:fontRef idx="minor">
-            <a:schemeClr val="tx1"/>
+            <a:schemeClr val="lt1"/>
           </a:fontRef>
         </p:style>
         <p:txBody>
@@ -5964,132 +5386,12 @@
           </a:p>
         </p:txBody>
       </p:sp>
-      <p:pic>
-        <p:nvPicPr>
-          <p:cNvPr id="108" name="圖片 107">
+      <p:sp>
+        <p:nvSpPr>
+          <p:cNvPr id="182" name="文字方塊 181">
             <a:extLst>
               <a:ext uri="{FF2B5EF4-FFF2-40B4-BE49-F238E27FC236}">
-                <a16:creationId xmlns:a16="http://schemas.microsoft.com/office/drawing/2014/main" id="{E40D92FE-FDEC-DDD9-6F83-2C1EB6582863}"/>
-              </a:ext>
-            </a:extLst>
-          </p:cNvPr>
-          <p:cNvPicPr>
-            <a:picLocks noChangeAspect="1"/>
-          </p:cNvPicPr>
-          <p:nvPr/>
-        </p:nvPicPr>
-        <p:blipFill>
-          <a:blip r:embed="rId6"/>
-          <a:stretch>
-            <a:fillRect/>
-          </a:stretch>
-        </p:blipFill>
-        <p:spPr>
-          <a:xfrm>
-            <a:off x="7587533" y="3520751"/>
-            <a:ext cx="101600" cy="165100"/>
-          </a:xfrm>
-          <a:prstGeom prst="rect">
-            <a:avLst/>
-          </a:prstGeom>
-        </p:spPr>
-      </p:pic>
-      <p:pic>
-        <p:nvPicPr>
-          <p:cNvPr id="109" name="圖片 108">
-            <a:extLst>
-              <a:ext uri="{FF2B5EF4-FFF2-40B4-BE49-F238E27FC236}">
-                <a16:creationId xmlns:a16="http://schemas.microsoft.com/office/drawing/2014/main" id="{E77E4199-7377-C5BF-CE21-CDE58E6471C3}"/>
-              </a:ext>
-            </a:extLst>
-          </p:cNvPr>
-          <p:cNvPicPr>
-            <a:picLocks noChangeAspect="1"/>
-          </p:cNvPicPr>
-          <p:nvPr/>
-        </p:nvPicPr>
-        <p:blipFill>
-          <a:blip r:embed="rId7"/>
-          <a:stretch>
-            <a:fillRect/>
-          </a:stretch>
-        </p:blipFill>
-        <p:spPr>
-          <a:xfrm>
-            <a:off x="8605586" y="2573093"/>
-            <a:ext cx="1866900" cy="203200"/>
-          </a:xfrm>
-          <a:prstGeom prst="rect">
-            <a:avLst/>
-          </a:prstGeom>
-        </p:spPr>
-      </p:pic>
-      <p:pic>
-        <p:nvPicPr>
-          <p:cNvPr id="110" name="圖片 109">
-            <a:extLst>
-              <a:ext uri="{FF2B5EF4-FFF2-40B4-BE49-F238E27FC236}">
-                <a16:creationId xmlns:a16="http://schemas.microsoft.com/office/drawing/2014/main" id="{9C0D87C7-145F-6C05-9502-4AFDF7071D38}"/>
-              </a:ext>
-            </a:extLst>
-          </p:cNvPr>
-          <p:cNvPicPr>
-            <a:picLocks noChangeAspect="1"/>
-          </p:cNvPicPr>
-          <p:nvPr/>
-        </p:nvPicPr>
-        <p:blipFill>
-          <a:blip r:embed="rId8"/>
-          <a:stretch>
-            <a:fillRect/>
-          </a:stretch>
-        </p:blipFill>
-        <p:spPr>
-          <a:xfrm>
-            <a:off x="8606996" y="2869012"/>
-            <a:ext cx="2933700" cy="228600"/>
-          </a:xfrm>
-          <a:prstGeom prst="rect">
-            <a:avLst/>
-          </a:prstGeom>
-        </p:spPr>
-      </p:pic>
-      <p:pic>
-        <p:nvPicPr>
-          <p:cNvPr id="111" name="圖片 110">
-            <a:extLst>
-              <a:ext uri="{FF2B5EF4-FFF2-40B4-BE49-F238E27FC236}">
-                <a16:creationId xmlns:a16="http://schemas.microsoft.com/office/drawing/2014/main" id="{96B3ED93-DC78-C3C5-6C2E-045EFF51DCF6}"/>
-              </a:ext>
-            </a:extLst>
-          </p:cNvPr>
-          <p:cNvPicPr>
-            <a:picLocks noChangeAspect="1"/>
-          </p:cNvPicPr>
-          <p:nvPr/>
-        </p:nvPicPr>
-        <p:blipFill>
-          <a:blip r:embed="rId9"/>
-          <a:stretch>
-            <a:fillRect/>
-          </a:stretch>
-        </p:blipFill>
-        <p:spPr>
-          <a:xfrm>
-            <a:off x="6103275" y="1260365"/>
-            <a:ext cx="152400" cy="127000"/>
-          </a:xfrm>
-          <a:prstGeom prst="rect">
-            <a:avLst/>
-          </a:prstGeom>
-        </p:spPr>
-      </p:pic>
-      <p:sp>
-        <p:nvSpPr>
-          <p:cNvPr id="112" name="文字方塊 111">
-            <a:extLst>
-              <a:ext uri="{FF2B5EF4-FFF2-40B4-BE49-F238E27FC236}">
-                <a16:creationId xmlns:a16="http://schemas.microsoft.com/office/drawing/2014/main" id="{3FE1F033-E777-94B9-F9CD-E5A0D9C1A543}"/>
+                <a16:creationId xmlns:a16="http://schemas.microsoft.com/office/drawing/2014/main" id="{D1F14A55-4F72-463F-3BDB-87CAAA647E9A}"/>
               </a:ext>
             </a:extLst>
           </p:cNvPr>
@@ -6098,8 +5400,8 @@
         </p:nvSpPr>
         <p:spPr>
           <a:xfrm>
-            <a:off x="6473084" y="1014144"/>
-            <a:ext cx="250390" cy="246221"/>
+            <a:off x="6883617" y="4104309"/>
+            <a:ext cx="410690" cy="307777"/>
           </a:xfrm>
           <a:prstGeom prst="rect">
             <a:avLst/>
@@ -6113,17 +5415,20 @@
           <a:lstStyle/>
           <a:p>
             <a:r>
-              <a:rPr kumimoji="1" lang="en-US" altLang="zh-TW" sz="1000" i="1" dirty="0" err="1">
-                <a:solidFill>
-                  <a:srgbClr val="B21D09"/>
-                </a:solidFill>
+              <a:rPr kumimoji="1" lang="en-US" altLang="zh-TW" sz="1400" i="1" dirty="0">
                 <a:latin typeface="Minion Pro" panose="02040503050306020203" pitchFamily="18" charset="0"/>
               </a:rPr>
-              <a:t>θ</a:t>
-            </a:r>
-            <a:endParaRPr kumimoji="1" lang="zh-TW" altLang="en-US" sz="1100" i="1" dirty="0">
+              <a:t>R</a:t>
+            </a:r>
+            <a:r>
+              <a:rPr kumimoji="1" lang="en-US" altLang="zh-TW" sz="1400" baseline="-25000" dirty="0">
+                <a:latin typeface="Minion Pro" panose="02040503050306020203" pitchFamily="18" charset="0"/>
+              </a:rPr>
+              <a:t>⊕</a:t>
+            </a:r>
+            <a:endParaRPr kumimoji="1" lang="zh-TW" altLang="en-US" i="1" dirty="0">
               <a:solidFill>
-                <a:srgbClr val="B21D09"/>
+                <a:srgbClr val="2F528F"/>
               </a:solidFill>
               <a:latin typeface="Minion Pro" panose="02040503050306020203" pitchFamily="18" charset="0"/>
             </a:endParaRPr>
@@ -6132,10 +5437,10 @@
       </p:sp>
       <p:sp>
         <p:nvSpPr>
-          <p:cNvPr id="113" name="文字方塊 112">
+          <p:cNvPr id="183" name="文字方塊 182">
             <a:extLst>
               <a:ext uri="{FF2B5EF4-FFF2-40B4-BE49-F238E27FC236}">
-                <a16:creationId xmlns:a16="http://schemas.microsoft.com/office/drawing/2014/main" id="{FE9FFFE7-5C3D-8652-9327-92E408D29DCA}"/>
+                <a16:creationId xmlns:a16="http://schemas.microsoft.com/office/drawing/2014/main" id="{7432A2BC-76DE-164D-9397-75999F45CDD9}"/>
               </a:ext>
             </a:extLst>
           </p:cNvPr>
@@ -6144,8 +5449,8 @@
         </p:nvSpPr>
         <p:spPr>
           <a:xfrm>
-            <a:off x="5637103" y="1004414"/>
-            <a:ext cx="279244" cy="246221"/>
+            <a:off x="6817436" y="3383542"/>
+            <a:ext cx="521297" cy="261610"/>
           </a:xfrm>
           <a:prstGeom prst="rect">
             <a:avLst/>
@@ -6159,50 +5464,128 @@
           <a:lstStyle/>
           <a:p>
             <a:r>
-              <a:rPr kumimoji="1" lang="en-US" altLang="zh-TW" sz="1000" dirty="0" err="1">
-                <a:solidFill>
-                  <a:srgbClr val="B21D09"/>
+              <a:rPr kumimoji="1" lang="en-US" altLang="zh-TW" sz="1100" i="1" dirty="0" err="1">
+                <a:solidFill>
+                  <a:srgbClr val="C00000"/>
                 </a:solidFill>
                 <a:latin typeface="Minion Pro" panose="02040503050306020203" pitchFamily="18" charset="0"/>
               </a:rPr>
-              <a:t>Θ</a:t>
-            </a:r>
-            <a:endParaRPr kumimoji="1" lang="zh-TW" altLang="en-US" sz="1100" dirty="0">
+              <a:t>d</a:t>
+            </a:r>
+            <a:r>
+              <a:rPr kumimoji="1" lang="en-US" altLang="zh-TW" sz="1100" dirty="0" err="1">
+                <a:solidFill>
+                  <a:srgbClr val="C00000"/>
+                </a:solidFill>
+                <a:latin typeface="Minion Pro" panose="02040503050306020203" pitchFamily="18" charset="0"/>
+              </a:rPr>
+              <a:t>cos</a:t>
+            </a:r>
+            <a:r>
+              <a:rPr kumimoji="1" lang="en-US" altLang="zh-TW" sz="1100" i="1" dirty="0" err="1">
+                <a:solidFill>
+                  <a:srgbClr val="C00000"/>
+                </a:solidFill>
+                <a:latin typeface="Minion Pro" panose="02040503050306020203" pitchFamily="18" charset="0"/>
+              </a:rPr>
+              <a:t>φ</a:t>
+            </a:r>
+            <a:endParaRPr kumimoji="1" lang="zh-TW" altLang="en-US" sz="1400" i="1" dirty="0">
               <a:solidFill>
-                <a:srgbClr val="B21D09"/>
+                <a:srgbClr val="C00000"/>
               </a:solidFill>
               <a:latin typeface="Minion Pro" panose="02040503050306020203" pitchFamily="18" charset="0"/>
             </a:endParaRPr>
           </a:p>
         </p:txBody>
       </p:sp>
-      <p:cxnSp>
-        <p:nvCxnSpPr>
-          <p:cNvPr id="115" name="直線接點 114">
+      <p:pic>
+        <p:nvPicPr>
+          <p:cNvPr id="184" name="圖片 183">
             <a:extLst>
               <a:ext uri="{FF2B5EF4-FFF2-40B4-BE49-F238E27FC236}">
-                <a16:creationId xmlns:a16="http://schemas.microsoft.com/office/drawing/2014/main" id="{F44A8A1F-4FF7-0F92-5EA9-06DA4247DBDB}"/>
+                <a16:creationId xmlns:a16="http://schemas.microsoft.com/office/drawing/2014/main" id="{0A8F5718-6946-CDB8-7F45-E57D4516B684}"/>
               </a:ext>
             </a:extLst>
           </p:cNvPr>
-          <p:cNvCxnSpPr>
-            <a:cxnSpLocks/>
-          </p:cNvCxnSpPr>
+          <p:cNvPicPr>
+            <a:picLocks noChangeAspect="1"/>
+          </p:cNvPicPr>
+          <p:nvPr/>
+        </p:nvPicPr>
+        <p:blipFill>
+          <a:blip r:embed="rId13"/>
+          <a:stretch>
+            <a:fillRect/>
+          </a:stretch>
+        </p:blipFill>
+        <p:spPr>
+          <a:xfrm>
+            <a:off x="6678335" y="3831864"/>
+            <a:ext cx="393700" cy="88900"/>
+          </a:xfrm>
+          <a:prstGeom prst="rect">
+            <a:avLst/>
+          </a:prstGeom>
+        </p:spPr>
+      </p:pic>
+      <p:pic>
+        <p:nvPicPr>
+          <p:cNvPr id="186" name="圖片 185">
+            <a:extLst>
+              <a:ext uri="{FF2B5EF4-FFF2-40B4-BE49-F238E27FC236}">
+                <a16:creationId xmlns:a16="http://schemas.microsoft.com/office/drawing/2014/main" id="{537EBF68-40AF-98EA-A29F-4A56D66CF970}"/>
+              </a:ext>
+            </a:extLst>
+          </p:cNvPr>
+          <p:cNvPicPr>
+            <a:picLocks noChangeAspect="1"/>
+          </p:cNvPicPr>
+          <p:nvPr/>
+        </p:nvPicPr>
+        <p:blipFill>
+          <a:blip r:embed="rId14"/>
+          <a:stretch>
+            <a:fillRect/>
+          </a:stretch>
+        </p:blipFill>
+        <p:spPr>
+          <a:xfrm>
+            <a:off x="5690172" y="4807639"/>
+            <a:ext cx="4533900" cy="914400"/>
+          </a:xfrm>
+          <a:prstGeom prst="rect">
+            <a:avLst/>
+          </a:prstGeom>
+        </p:spPr>
+      </p:pic>
+      <p:cxnSp>
+        <p:nvCxnSpPr>
+          <p:cNvPr id="188" name="直線接點 187">
+            <a:extLst>
+              <a:ext uri="{FF2B5EF4-FFF2-40B4-BE49-F238E27FC236}">
+                <a16:creationId xmlns:a16="http://schemas.microsoft.com/office/drawing/2014/main" id="{C5D16B0B-B244-BE5C-0FEB-BBAB50047774}"/>
+              </a:ext>
+            </a:extLst>
+          </p:cNvPr>
+          <p:cNvCxnSpPr/>
           <p:nvPr/>
         </p:nvCxnSpPr>
         <p:spPr>
-          <a:xfrm flipV="1">
-            <a:off x="6045895" y="309260"/>
-            <a:ext cx="206499" cy="278119"/>
+          <a:xfrm>
+            <a:off x="5436029" y="4840040"/>
+            <a:ext cx="0" cy="1835431"/>
           </a:xfrm>
           <a:prstGeom prst="line">
             <a:avLst/>
           </a:prstGeom>
           <a:ln w="12700">
             <a:solidFill>
-              <a:srgbClr val="B21D09"/>
+              <a:schemeClr val="tx1">
+                <a:lumMod val="95000"/>
+                <a:lumOff val="5000"/>
+              </a:schemeClr>
             </a:solidFill>
-            <a:prstDash val="sysDash"/>
           </a:ln>
         </p:spPr>
         <p:style>
@@ -6220,12 +5603,42 @@
           </a:fontRef>
         </p:style>
       </p:cxnSp>
+      <p:pic>
+        <p:nvPicPr>
+          <p:cNvPr id="189" name="圖片 188">
+            <a:extLst>
+              <a:ext uri="{FF2B5EF4-FFF2-40B4-BE49-F238E27FC236}">
+                <a16:creationId xmlns:a16="http://schemas.microsoft.com/office/drawing/2014/main" id="{E84C0973-9FF7-5F3F-4325-F21A30AE1410}"/>
+              </a:ext>
+            </a:extLst>
+          </p:cNvPr>
+          <p:cNvPicPr>
+            <a:picLocks noChangeAspect="1"/>
+          </p:cNvPicPr>
+          <p:nvPr/>
+        </p:nvPicPr>
+        <p:blipFill>
+          <a:blip r:embed="rId15"/>
+          <a:stretch>
+            <a:fillRect/>
+          </a:stretch>
+        </p:blipFill>
+        <p:spPr>
+          <a:xfrm>
+            <a:off x="5745877" y="5842333"/>
+            <a:ext cx="3467100" cy="762000"/>
+          </a:xfrm>
+          <a:prstGeom prst="rect">
+            <a:avLst/>
+          </a:prstGeom>
+        </p:spPr>
+      </p:pic>
       <p:sp>
         <p:nvSpPr>
-          <p:cNvPr id="121" name="文字方塊 120">
+          <p:cNvPr id="190" name="文字方塊 189">
             <a:extLst>
               <a:ext uri="{FF2B5EF4-FFF2-40B4-BE49-F238E27FC236}">
-                <a16:creationId xmlns:a16="http://schemas.microsoft.com/office/drawing/2014/main" id="{82E5A43D-BE72-0611-9710-B8E493FB9BB4}"/>
+                <a16:creationId xmlns:a16="http://schemas.microsoft.com/office/drawing/2014/main" id="{CBD5B649-2EA9-EC17-E871-84E6376960EF}"/>
               </a:ext>
             </a:extLst>
           </p:cNvPr>
@@ -6234,8 +5647,8 @@
         </p:nvSpPr>
         <p:spPr>
           <a:xfrm>
-            <a:off x="6047230" y="428983"/>
-            <a:ext cx="253596" cy="246221"/>
+            <a:off x="983785" y="5505493"/>
+            <a:ext cx="942887" cy="307777"/>
           </a:xfrm>
           <a:prstGeom prst="rect">
             <a:avLst/>
@@ -6249,18 +5662,12 @@
           <a:lstStyle/>
           <a:p>
             <a:r>
-              <a:rPr kumimoji="1" lang="en-US" altLang="zh-TW" sz="1000" i="1" dirty="0">
-                <a:solidFill>
-                  <a:srgbClr val="B21D09"/>
-                </a:solidFill>
+              <a:rPr kumimoji="1" lang="en-US" altLang="zh-TW" sz="1400" dirty="0">
                 <a:latin typeface="Minion Pro" panose="02040503050306020203" pitchFamily="18" charset="0"/>
               </a:rPr>
-              <a:t>α</a:t>
-            </a:r>
-            <a:endParaRPr kumimoji="1" lang="zh-TW" altLang="en-US" sz="1100" i="1" dirty="0">
-              <a:solidFill>
-                <a:srgbClr val="B21D09"/>
-              </a:solidFill>
+              <a:t>as desired!</a:t>
+            </a:r>
+            <a:endParaRPr kumimoji="1" lang="zh-TW" altLang="en-US" sz="1400" dirty="0">
               <a:latin typeface="Minion Pro" panose="02040503050306020203" pitchFamily="18" charset="0"/>
             </a:endParaRPr>
           </a:p>
@@ -6268,10 +5675,10 @@
       </p:sp>
       <p:sp>
         <p:nvSpPr>
-          <p:cNvPr id="123" name="文字方塊 122">
+          <p:cNvPr id="191" name="文字方塊 190">
             <a:extLst>
               <a:ext uri="{FF2B5EF4-FFF2-40B4-BE49-F238E27FC236}">
-                <a16:creationId xmlns:a16="http://schemas.microsoft.com/office/drawing/2014/main" id="{2B8D7E50-4F64-4CE0-7F34-48221168DE78}"/>
+                <a16:creationId xmlns:a16="http://schemas.microsoft.com/office/drawing/2014/main" id="{D2B8DC1C-3470-5824-A38F-3030E23FDB26}"/>
               </a:ext>
             </a:extLst>
           </p:cNvPr>
@@ -6280,8 +5687,8 @@
         </p:nvSpPr>
         <p:spPr>
           <a:xfrm>
-            <a:off x="5860197" y="655906"/>
-            <a:ext cx="453970" cy="246221"/>
+            <a:off x="5976679" y="4508319"/>
+            <a:ext cx="300082" cy="307777"/>
           </a:xfrm>
           <a:prstGeom prst="rect">
             <a:avLst/>
@@ -6295,47 +5702,35 @@
           <a:lstStyle/>
           <a:p>
             <a:r>
-              <a:rPr kumimoji="1" lang="en-US" altLang="zh-TW" sz="1000" i="1" dirty="0">
-                <a:solidFill>
-                  <a:srgbClr val="B21D09"/>
-                </a:solidFill>
-                <a:latin typeface="Minion Pro" panose="02040503050306020203" pitchFamily="18" charset="0"/>
+              <a:rPr kumimoji="1" lang="en-US" altLang="zh-TW" sz="1400" dirty="0">
+                <a:solidFill>
+                  <a:schemeClr val="tx1">
+                    <a:lumMod val="85000"/>
+                    <a:lumOff val="15000"/>
+                  </a:schemeClr>
+                </a:solidFill>
+                <a:latin typeface="Myriad Pro" panose="020B0503030403020204" pitchFamily="34" charset="0"/>
               </a:rPr>
-              <a:t>π </a:t>
-            </a:r>
-            <a:r>
-              <a:rPr kumimoji="1" lang="en-US" altLang="zh-TW" sz="1000" dirty="0">
-                <a:solidFill>
-                  <a:srgbClr val="B21D09"/>
-                </a:solidFill>
-                <a:latin typeface="Minion Pro" panose="02040503050306020203" pitchFamily="18" charset="0"/>
-              </a:rPr>
-              <a:t>− </a:t>
-            </a:r>
-            <a:r>
-              <a:rPr kumimoji="1" lang="en-US" altLang="zh-TW" sz="1000" i="1" dirty="0">
-                <a:solidFill>
-                  <a:srgbClr val="B21D09"/>
-                </a:solidFill>
-                <a:latin typeface="Minion Pro" panose="02040503050306020203" pitchFamily="18" charset="0"/>
-              </a:rPr>
-              <a:t>α</a:t>
-            </a:r>
-            <a:endParaRPr kumimoji="1" lang="zh-TW" altLang="en-US" sz="1000" dirty="0">
+              <a:t>G</a:t>
+            </a:r>
+            <a:endParaRPr kumimoji="1" lang="zh-TW" altLang="en-US" dirty="0">
               <a:solidFill>
-                <a:srgbClr val="B21D09"/>
+                <a:schemeClr val="tx1">
+                  <a:lumMod val="85000"/>
+                  <a:lumOff val="15000"/>
+                </a:schemeClr>
               </a:solidFill>
-              <a:latin typeface="Minion Pro" panose="02040503050306020203" pitchFamily="18" charset="0"/>
+              <a:latin typeface="Myriad Pro" panose="020B0503030403020204" pitchFamily="34" charset="0"/>
             </a:endParaRPr>
           </a:p>
         </p:txBody>
       </p:sp>
       <p:sp>
         <p:nvSpPr>
-          <p:cNvPr id="124" name="文字方塊 123">
+          <p:cNvPr id="192" name="文字方塊 191">
             <a:extLst>
               <a:ext uri="{FF2B5EF4-FFF2-40B4-BE49-F238E27FC236}">
-                <a16:creationId xmlns:a16="http://schemas.microsoft.com/office/drawing/2014/main" id="{73BF8CDC-B053-CB47-CD31-BC8FE576FA91}"/>
+                <a16:creationId xmlns:a16="http://schemas.microsoft.com/office/drawing/2014/main" id="{C039C6A6-3147-0115-49D8-E03B81A35E7C}"/>
               </a:ext>
             </a:extLst>
           </p:cNvPr>
@@ -6344,8 +5739,8 @@
         </p:nvSpPr>
         <p:spPr>
           <a:xfrm>
-            <a:off x="6321161" y="636571"/>
-            <a:ext cx="250390" cy="246221"/>
+            <a:off x="7514859" y="3498850"/>
+            <a:ext cx="272832" cy="307777"/>
           </a:xfrm>
           <a:prstGeom prst="rect">
             <a:avLst/>
@@ -6359,29 +5754,35 @@
           <a:lstStyle/>
           <a:p>
             <a:r>
-              <a:rPr kumimoji="1" lang="en-US" altLang="zh-TW" sz="1000" i="1" dirty="0">
-                <a:solidFill>
-                  <a:srgbClr val="B21D09"/>
-                </a:solidFill>
-                <a:latin typeface="Minion Pro" panose="02040503050306020203" pitchFamily="18" charset="0"/>
+              <a:rPr kumimoji="1" lang="en-US" altLang="zh-TW" sz="1400" dirty="0">
+                <a:solidFill>
+                  <a:schemeClr val="tx1">
+                    <a:lumMod val="85000"/>
+                    <a:lumOff val="15000"/>
+                  </a:schemeClr>
+                </a:solidFill>
+                <a:latin typeface="Myriad Pro" panose="020B0503030403020204" pitchFamily="34" charset="0"/>
               </a:rPr>
-              <a:t>d</a:t>
-            </a:r>
-            <a:endParaRPr kumimoji="1" lang="zh-TW" altLang="en-US" sz="1100" i="1" dirty="0">
+              <a:t>E</a:t>
+            </a:r>
+            <a:endParaRPr kumimoji="1" lang="zh-TW" altLang="en-US" dirty="0">
               <a:solidFill>
-                <a:srgbClr val="B21D09"/>
+                <a:schemeClr val="tx1">
+                  <a:lumMod val="85000"/>
+                  <a:lumOff val="15000"/>
+                </a:schemeClr>
               </a:solidFill>
-              <a:latin typeface="Minion Pro" panose="02040503050306020203" pitchFamily="18" charset="0"/>
+              <a:latin typeface="Myriad Pro" panose="020B0503030403020204" pitchFamily="34" charset="0"/>
             </a:endParaRPr>
           </a:p>
         </p:txBody>
       </p:sp>
       <p:sp>
         <p:nvSpPr>
-          <p:cNvPr id="125" name="文字方塊 124">
+          <p:cNvPr id="194" name="文字方塊 193">
             <a:extLst>
               <a:ext uri="{FF2B5EF4-FFF2-40B4-BE49-F238E27FC236}">
-                <a16:creationId xmlns:a16="http://schemas.microsoft.com/office/drawing/2014/main" id="{FAA87C8D-CE98-7B28-82FA-9A8940899635}"/>
+                <a16:creationId xmlns:a16="http://schemas.microsoft.com/office/drawing/2014/main" id="{2651C8A9-E0A5-02B2-5195-D30B45DF1D35}"/>
               </a:ext>
             </a:extLst>
           </p:cNvPr>
@@ -6390,8 +5791,8 @@
         </p:nvSpPr>
         <p:spPr>
           <a:xfrm>
-            <a:off x="5552153" y="693596"/>
-            <a:ext cx="276038" cy="246221"/>
+            <a:off x="5716797" y="3191635"/>
+            <a:ext cx="300082" cy="307777"/>
           </a:xfrm>
           <a:prstGeom prst="rect">
             <a:avLst/>
@@ -6405,89 +5806,35 @@
           <a:lstStyle/>
           <a:p>
             <a:r>
-              <a:rPr kumimoji="1" lang="en-US" altLang="zh-TW" sz="1000" i="1" dirty="0">
-                <a:solidFill>
-                  <a:srgbClr val="B21D09"/>
-                </a:solidFill>
-                <a:latin typeface="Minion Pro" panose="02040503050306020203" pitchFamily="18" charset="0"/>
+              <a:rPr kumimoji="1" lang="en-US" altLang="zh-TW" sz="1400" dirty="0">
+                <a:solidFill>
+                  <a:schemeClr val="tx1">
+                    <a:lumMod val="85000"/>
+                    <a:lumOff val="15000"/>
+                  </a:schemeClr>
+                </a:solidFill>
+                <a:latin typeface="Myriad Pro" panose="020B0503030403020204" pitchFamily="34" charset="0"/>
               </a:rPr>
-              <a:t>D</a:t>
-            </a:r>
-            <a:endParaRPr kumimoji="1" lang="zh-TW" altLang="en-US" sz="1100" i="1" dirty="0">
+              <a:t>G</a:t>
+            </a:r>
+            <a:endParaRPr kumimoji="1" lang="zh-TW" altLang="en-US" dirty="0">
               <a:solidFill>
-                <a:srgbClr val="B21D09"/>
+                <a:schemeClr val="tx1">
+                  <a:lumMod val="85000"/>
+                  <a:lumOff val="15000"/>
+                </a:schemeClr>
               </a:solidFill>
-              <a:latin typeface="Minion Pro" panose="02040503050306020203" pitchFamily="18" charset="0"/>
+              <a:latin typeface="Myriad Pro" panose="020B0503030403020204" pitchFamily="34" charset="0"/>
             </a:endParaRPr>
           </a:p>
         </p:txBody>
       </p:sp>
-      <p:pic>
-        <p:nvPicPr>
-          <p:cNvPr id="127" name="圖片 126">
+      <p:sp>
+        <p:nvSpPr>
+          <p:cNvPr id="196" name="文字方塊 195">
             <a:extLst>
               <a:ext uri="{FF2B5EF4-FFF2-40B4-BE49-F238E27FC236}">
-                <a16:creationId xmlns:a16="http://schemas.microsoft.com/office/drawing/2014/main" id="{2931C287-9109-7D7D-1E9F-9F50505C9E44}"/>
-              </a:ext>
-            </a:extLst>
-          </p:cNvPr>
-          <p:cNvPicPr>
-            <a:picLocks noChangeAspect="1"/>
-          </p:cNvPicPr>
-          <p:nvPr/>
-        </p:nvPicPr>
-        <p:blipFill>
-          <a:blip r:embed="rId10"/>
-          <a:stretch>
-            <a:fillRect/>
-          </a:stretch>
-        </p:blipFill>
-        <p:spPr>
-          <a:xfrm>
-            <a:off x="7015969" y="193679"/>
-            <a:ext cx="3429000" cy="393700"/>
-          </a:xfrm>
-          <a:prstGeom prst="rect">
-            <a:avLst/>
-          </a:prstGeom>
-        </p:spPr>
-      </p:pic>
-      <p:pic>
-        <p:nvPicPr>
-          <p:cNvPr id="129" name="圖片 128">
-            <a:extLst>
-              <a:ext uri="{FF2B5EF4-FFF2-40B4-BE49-F238E27FC236}">
-                <a16:creationId xmlns:a16="http://schemas.microsoft.com/office/drawing/2014/main" id="{31C8BFCD-511A-1459-3DC1-B3E7C116B7F5}"/>
-              </a:ext>
-            </a:extLst>
-          </p:cNvPr>
-          <p:cNvPicPr>
-            <a:picLocks noChangeAspect="1"/>
-          </p:cNvPicPr>
-          <p:nvPr/>
-        </p:nvPicPr>
-        <p:blipFill>
-          <a:blip r:embed="rId11"/>
-          <a:stretch>
-            <a:fillRect/>
-          </a:stretch>
-        </p:blipFill>
-        <p:spPr>
-          <a:xfrm>
-            <a:off x="7051955" y="757745"/>
-            <a:ext cx="5092700" cy="1028700"/>
-          </a:xfrm>
-          <a:prstGeom prst="rect">
-            <a:avLst/>
-          </a:prstGeom>
-        </p:spPr>
-      </p:pic>
-      <p:sp>
-        <p:nvSpPr>
-          <p:cNvPr id="130" name="文字方塊 129">
-            <a:extLst>
-              <a:ext uri="{FF2B5EF4-FFF2-40B4-BE49-F238E27FC236}">
-                <a16:creationId xmlns:a16="http://schemas.microsoft.com/office/drawing/2014/main" id="{996ABD7A-B62B-6475-8CC6-38DE61B1722E}"/>
+                <a16:creationId xmlns:a16="http://schemas.microsoft.com/office/drawing/2014/main" id="{932B31CC-83B5-CEC1-052A-9EB73CE85C78}"/>
               </a:ext>
             </a:extLst>
           </p:cNvPr>
@@ -6496,8 +5843,2789 @@
         </p:nvSpPr>
         <p:spPr>
           <a:xfrm>
-            <a:off x="292888" y="4601477"/>
-            <a:ext cx="5710218" cy="307777"/>
+            <a:off x="27700" y="44355"/>
+            <a:ext cx="1944041" cy="3754874"/>
+          </a:xfrm>
+          <a:prstGeom prst="rect">
+            <a:avLst/>
+          </a:prstGeom>
+          <a:noFill/>
+        </p:spPr>
+        <p:txBody>
+          <a:bodyPr wrap="square" rtlCol="0">
+            <a:spAutoFit/>
+          </a:bodyPr>
+          <a:lstStyle/>
+          <a:p>
+            <a:r>
+              <a:rPr kumimoji="1" lang="en-US" altLang="zh-TW" sz="1400" dirty="0">
+                <a:solidFill>
+                  <a:schemeClr val="tx1">
+                    <a:lumMod val="85000"/>
+                    <a:lumOff val="15000"/>
+                  </a:schemeClr>
+                </a:solidFill>
+                <a:latin typeface="Myriad Pro" panose="020B0503030403020204" pitchFamily="34" charset="0"/>
+              </a:rPr>
+              <a:t>G: GC</a:t>
+            </a:r>
+          </a:p>
+          <a:p>
+            <a:r>
+              <a:rPr kumimoji="1" lang="en-US" altLang="zh-TW" sz="1400" dirty="0">
+                <a:solidFill>
+                  <a:schemeClr val="tx1">
+                    <a:lumMod val="85000"/>
+                    <a:lumOff val="15000"/>
+                  </a:schemeClr>
+                </a:solidFill>
+                <a:latin typeface="Myriad Pro" panose="020B0503030403020204" pitchFamily="34" charset="0"/>
+              </a:rPr>
+              <a:t>E: Earth</a:t>
+            </a:r>
+          </a:p>
+          <a:p>
+            <a:r>
+              <a:rPr kumimoji="1" lang="en-US" altLang="zh-TW" sz="1400" dirty="0">
+                <a:solidFill>
+                  <a:schemeClr val="tx1">
+                    <a:lumMod val="85000"/>
+                    <a:lumOff val="15000"/>
+                  </a:schemeClr>
+                </a:solidFill>
+                <a:latin typeface="Myriad Pro" panose="020B0503030403020204" pitchFamily="34" charset="0"/>
+              </a:rPr>
+              <a:t>S: SN</a:t>
+            </a:r>
+          </a:p>
+          <a:p>
+            <a:r>
+              <a:rPr kumimoji="1" lang="en-US" altLang="zh-TW" sz="1400" dirty="0">
+                <a:solidFill>
+                  <a:schemeClr val="tx1">
+                    <a:lumMod val="85000"/>
+                    <a:lumOff val="15000"/>
+                  </a:schemeClr>
+                </a:solidFill>
+                <a:latin typeface="Myriad Pro" panose="020B0503030403020204" pitchFamily="34" charset="0"/>
+              </a:rPr>
+              <a:t>B: Boosted point</a:t>
+            </a:r>
+          </a:p>
+          <a:p>
+            <a:r>
+              <a:rPr kumimoji="1" lang="en-US" altLang="zh-TW" sz="1400" i="1" dirty="0">
+                <a:solidFill>
+                  <a:schemeClr val="tx1">
+                    <a:lumMod val="85000"/>
+                    <a:lumOff val="15000"/>
+                  </a:schemeClr>
+                </a:solidFill>
+                <a:latin typeface="Minion Pro" panose="02040503050306020203" pitchFamily="18" charset="0"/>
+              </a:rPr>
+              <a:t>β</a:t>
+            </a:r>
+            <a:r>
+              <a:rPr kumimoji="1" lang="en-US" altLang="zh-TW" sz="1400" dirty="0">
+                <a:solidFill>
+                  <a:schemeClr val="tx1">
+                    <a:lumMod val="85000"/>
+                    <a:lumOff val="15000"/>
+                  </a:schemeClr>
+                </a:solidFill>
+                <a:latin typeface="Minion Pro" panose="02040503050306020203" pitchFamily="18" charset="0"/>
+              </a:rPr>
+              <a:t>: off-centered angle</a:t>
+            </a:r>
+          </a:p>
+          <a:p>
+            <a:r>
+              <a:rPr kumimoji="1" lang="en-US" altLang="zh-TW" sz="1400" i="1" dirty="0" err="1">
+                <a:solidFill>
+                  <a:schemeClr val="tx1">
+                    <a:lumMod val="85000"/>
+                    <a:lumOff val="15000"/>
+                  </a:schemeClr>
+                </a:solidFill>
+                <a:latin typeface="Minion Pro" panose="02040503050306020203" pitchFamily="18" charset="0"/>
+              </a:rPr>
+              <a:t>θ</a:t>
+            </a:r>
+            <a:r>
+              <a:rPr kumimoji="1" lang="en-US" altLang="zh-TW" sz="1400" dirty="0">
+                <a:solidFill>
+                  <a:schemeClr val="tx1">
+                    <a:lumMod val="85000"/>
+                    <a:lumOff val="15000"/>
+                  </a:schemeClr>
+                </a:solidFill>
+                <a:latin typeface="Minion Pro" panose="02040503050306020203" pitchFamily="18" charset="0"/>
+              </a:rPr>
+              <a:t>: open-angle (will be integrated out)</a:t>
+            </a:r>
+          </a:p>
+          <a:p>
+            <a:r>
+              <a:rPr kumimoji="1" lang="en-US" altLang="zh-TW" sz="1400" i="1" dirty="0">
+                <a:solidFill>
+                  <a:schemeClr val="tx1">
+                    <a:lumMod val="85000"/>
+                    <a:lumOff val="15000"/>
+                  </a:schemeClr>
+                </a:solidFill>
+                <a:latin typeface="Minion Pro" panose="02040503050306020203" pitchFamily="18" charset="0"/>
+              </a:rPr>
+              <a:t>α</a:t>
+            </a:r>
+            <a:r>
+              <a:rPr kumimoji="1" lang="en-US" altLang="zh-TW" sz="1400" dirty="0">
+                <a:solidFill>
+                  <a:schemeClr val="tx1">
+                    <a:lumMod val="85000"/>
+                    <a:lumOff val="15000"/>
+                  </a:schemeClr>
+                </a:solidFill>
+                <a:latin typeface="Minion Pro" panose="02040503050306020203" pitchFamily="18" charset="0"/>
+              </a:rPr>
+              <a:t>: the deflection angle (</a:t>
+            </a:r>
+            <a:r>
+              <a:rPr kumimoji="1" lang="en-US" altLang="zh-TW" sz="1400" i="1" dirty="0" err="1">
+                <a:solidFill>
+                  <a:schemeClr val="tx1">
+                    <a:lumMod val="85000"/>
+                    <a:lumOff val="15000"/>
+                  </a:schemeClr>
+                </a:solidFill>
+                <a:latin typeface="Minion Pro" panose="02040503050306020203" pitchFamily="18" charset="0"/>
+              </a:rPr>
+              <a:t>θ</a:t>
+            </a:r>
+            <a:r>
+              <a:rPr kumimoji="1" lang="en-US" altLang="zh-TW" sz="1400" dirty="0">
+                <a:solidFill>
+                  <a:schemeClr val="tx1">
+                    <a:lumMod val="85000"/>
+                    <a:lumOff val="15000"/>
+                  </a:schemeClr>
+                </a:solidFill>
+                <a:latin typeface="Minion Pro" panose="02040503050306020203" pitchFamily="18" charset="0"/>
+              </a:rPr>
+              <a:t>-dependent)</a:t>
+            </a:r>
+          </a:p>
+          <a:p>
+            <a:r>
+              <a:rPr kumimoji="1" lang="en-US" altLang="zh-TW" sz="1400" i="1" dirty="0">
+                <a:solidFill>
+                  <a:schemeClr val="tx1">
+                    <a:lumMod val="85000"/>
+                    <a:lumOff val="15000"/>
+                  </a:schemeClr>
+                </a:solidFill>
+                <a:latin typeface="Minion Pro" panose="02040503050306020203" pitchFamily="18" charset="0"/>
+              </a:rPr>
+              <a:t>D</a:t>
+            </a:r>
+            <a:r>
+              <a:rPr kumimoji="1" lang="en-US" altLang="zh-TW" sz="1400" dirty="0">
+                <a:solidFill>
+                  <a:schemeClr val="tx1">
+                    <a:lumMod val="85000"/>
+                    <a:lumOff val="15000"/>
+                  </a:schemeClr>
+                </a:solidFill>
+                <a:latin typeface="Minion Pro" panose="02040503050306020203" pitchFamily="18" charset="0"/>
+              </a:rPr>
+              <a:t> = </a:t>
+            </a:r>
+            <a:r>
+              <a:rPr kumimoji="1" lang="en-US" altLang="zh-TW" sz="1400" i="1" dirty="0" err="1">
+                <a:solidFill>
+                  <a:schemeClr val="tx1">
+                    <a:lumMod val="85000"/>
+                    <a:lumOff val="15000"/>
+                  </a:schemeClr>
+                </a:solidFill>
+                <a:latin typeface="Minion Pro" panose="02040503050306020203" pitchFamily="18" charset="0"/>
+              </a:rPr>
+              <a:t>ct</a:t>
+            </a:r>
+            <a:r>
+              <a:rPr kumimoji="1" lang="en-US" altLang="zh-TW" sz="1400" i="1" dirty="0">
+                <a:solidFill>
+                  <a:schemeClr val="tx1">
+                    <a:lumMod val="85000"/>
+                    <a:lumOff val="15000"/>
+                  </a:schemeClr>
+                </a:solidFill>
+                <a:latin typeface="Minion Pro" panose="02040503050306020203" pitchFamily="18" charset="0"/>
+              </a:rPr>
+              <a:t> </a:t>
+            </a:r>
+            <a:r>
+              <a:rPr kumimoji="1" lang="en-US" altLang="zh-TW" sz="1400" dirty="0">
+                <a:solidFill>
+                  <a:schemeClr val="tx1">
+                    <a:lumMod val="85000"/>
+                    <a:lumOff val="15000"/>
+                  </a:schemeClr>
+                </a:solidFill>
+                <a:latin typeface="Minion Pro" panose="02040503050306020203" pitchFamily="18" charset="0"/>
+              </a:rPr>
+              <a:t>(</a:t>
+            </a:r>
+            <a:r>
+              <a:rPr kumimoji="1" lang="en-US" altLang="zh-TW" sz="1400" dirty="0" err="1">
+                <a:solidFill>
+                  <a:schemeClr val="tx1">
+                    <a:lumMod val="85000"/>
+                    <a:lumOff val="15000"/>
+                  </a:schemeClr>
+                </a:solidFill>
+                <a:latin typeface="Minion Pro" panose="02040503050306020203" pitchFamily="18" charset="0"/>
+              </a:rPr>
+              <a:t>SNν</a:t>
+            </a:r>
+            <a:r>
+              <a:rPr kumimoji="1" lang="en-US" altLang="zh-TW" sz="1400" dirty="0">
+                <a:solidFill>
+                  <a:schemeClr val="tx1">
+                    <a:lumMod val="85000"/>
+                    <a:lumOff val="15000"/>
+                  </a:schemeClr>
+                </a:solidFill>
+                <a:latin typeface="Minion Pro" panose="02040503050306020203" pitchFamily="18" charset="0"/>
+              </a:rPr>
+              <a:t> </a:t>
+            </a:r>
+            <a:r>
+              <a:rPr kumimoji="1" lang="en-US" altLang="zh-TW" sz="1400" dirty="0" err="1">
+                <a:solidFill>
+                  <a:schemeClr val="tx1">
+                    <a:lumMod val="85000"/>
+                    <a:lumOff val="15000"/>
+                  </a:schemeClr>
+                </a:solidFill>
+                <a:latin typeface="Minion Pro" panose="02040503050306020203" pitchFamily="18" charset="0"/>
+              </a:rPr>
+              <a:t>propagtion</a:t>
+            </a:r>
+            <a:r>
+              <a:rPr kumimoji="1" lang="en-US" altLang="zh-TW" sz="1400" dirty="0">
+                <a:solidFill>
+                  <a:schemeClr val="tx1">
+                    <a:lumMod val="85000"/>
+                    <a:lumOff val="15000"/>
+                  </a:schemeClr>
+                </a:solidFill>
+                <a:latin typeface="Minion Pro" panose="02040503050306020203" pitchFamily="18" charset="0"/>
+              </a:rPr>
+              <a:t> length)</a:t>
+            </a:r>
+          </a:p>
+          <a:p>
+            <a:r>
+              <a:rPr kumimoji="1" lang="en-US" altLang="zh-TW" sz="1400" i="1" dirty="0">
+                <a:solidFill>
+                  <a:schemeClr val="tx1">
+                    <a:lumMod val="85000"/>
+                    <a:lumOff val="15000"/>
+                  </a:schemeClr>
+                </a:solidFill>
+                <a:latin typeface="Minion Pro" panose="02040503050306020203" pitchFamily="18" charset="0"/>
+              </a:rPr>
+              <a:t>r′</a:t>
+            </a:r>
+            <a:r>
+              <a:rPr kumimoji="1" lang="en-US" altLang="zh-TW" sz="1400" dirty="0">
+                <a:solidFill>
+                  <a:schemeClr val="tx1">
+                    <a:lumMod val="85000"/>
+                    <a:lumOff val="15000"/>
+                  </a:schemeClr>
+                </a:solidFill>
+                <a:latin typeface="Minion Pro" panose="02040503050306020203" pitchFamily="18" charset="0"/>
+              </a:rPr>
+              <a:t>: the distance from </a:t>
+            </a:r>
+            <a:r>
+              <a:rPr kumimoji="1" lang="en-US" altLang="zh-TW" sz="1400" dirty="0">
+                <a:solidFill>
+                  <a:schemeClr val="tx1">
+                    <a:lumMod val="85000"/>
+                    <a:lumOff val="15000"/>
+                  </a:schemeClr>
+                </a:solidFill>
+                <a:latin typeface="Myriad Pro" panose="020B0503030403020204" pitchFamily="34" charset="0"/>
+              </a:rPr>
+              <a:t>B </a:t>
+            </a:r>
+            <a:r>
+              <a:rPr kumimoji="1" lang="en-US" altLang="zh-TW" sz="1400" dirty="0">
+                <a:solidFill>
+                  <a:schemeClr val="tx1">
+                    <a:lumMod val="85000"/>
+                    <a:lumOff val="15000"/>
+                  </a:schemeClr>
+                </a:solidFill>
+                <a:latin typeface="Minion Pro" panose="02040503050306020203" pitchFamily="18" charset="0"/>
+              </a:rPr>
+              <a:t>to </a:t>
+            </a:r>
+            <a:r>
+              <a:rPr kumimoji="1" lang="en-US" altLang="zh-TW" sz="1400" dirty="0">
+                <a:solidFill>
+                  <a:schemeClr val="tx1">
+                    <a:lumMod val="85000"/>
+                    <a:lumOff val="15000"/>
+                  </a:schemeClr>
+                </a:solidFill>
+                <a:latin typeface="Myriad Pro" panose="020B0503030403020204" pitchFamily="34" charset="0"/>
+              </a:rPr>
+              <a:t>G</a:t>
+            </a:r>
+            <a:r>
+              <a:rPr kumimoji="1" lang="en-US" altLang="zh-TW" sz="1400" dirty="0">
+                <a:solidFill>
+                  <a:schemeClr val="tx1">
+                    <a:lumMod val="85000"/>
+                    <a:lumOff val="15000"/>
+                  </a:schemeClr>
+                </a:solidFill>
+                <a:latin typeface="Minion Pro" panose="02040503050306020203" pitchFamily="18" charset="0"/>
+              </a:rPr>
+              <a:t>, will be used to </a:t>
+            </a:r>
+            <a:r>
+              <a:rPr kumimoji="1" lang="en-US" altLang="zh-TW" sz="1400" dirty="0" err="1">
+                <a:solidFill>
+                  <a:schemeClr val="tx1">
+                    <a:lumMod val="85000"/>
+                    <a:lumOff val="15000"/>
+                  </a:schemeClr>
+                </a:solidFill>
+                <a:latin typeface="Minion Pro" panose="02040503050306020203" pitchFamily="18" charset="0"/>
+              </a:rPr>
+              <a:t>calcu</a:t>
+            </a:r>
+            <a:r>
+              <a:rPr kumimoji="1" lang="en-US" altLang="zh-TW" sz="1400" dirty="0">
+                <a:solidFill>
+                  <a:schemeClr val="tx1">
+                    <a:lumMod val="85000"/>
+                    <a:lumOff val="15000"/>
+                  </a:schemeClr>
+                </a:solidFill>
+                <a:latin typeface="Minion Pro" panose="02040503050306020203" pitchFamily="18" charset="0"/>
+              </a:rPr>
+              <a:t>-late </a:t>
+            </a:r>
+            <a:r>
+              <a:rPr kumimoji="1" lang="en-US" altLang="zh-TW" sz="1400" i="1" dirty="0" err="1">
+                <a:solidFill>
+                  <a:schemeClr val="tx1">
+                    <a:lumMod val="85000"/>
+                    <a:lumOff val="15000"/>
+                  </a:schemeClr>
+                </a:solidFill>
+                <a:latin typeface="Minion Pro" panose="02040503050306020203" pitchFamily="18" charset="0"/>
+              </a:rPr>
+              <a:t>n</a:t>
+            </a:r>
+            <a:r>
+              <a:rPr kumimoji="1" lang="en-US" altLang="zh-TW" sz="1400" i="1" baseline="-25000" dirty="0" err="1">
+                <a:solidFill>
+                  <a:schemeClr val="tx1">
+                    <a:lumMod val="85000"/>
+                    <a:lumOff val="15000"/>
+                  </a:schemeClr>
+                </a:solidFill>
+                <a:latin typeface="Minion Pro" panose="02040503050306020203" pitchFamily="18" charset="0"/>
+              </a:rPr>
+              <a:t>χ</a:t>
+            </a:r>
+            <a:r>
+              <a:rPr kumimoji="1" lang="en-US" altLang="zh-TW" sz="1400" dirty="0">
+                <a:solidFill>
+                  <a:schemeClr val="tx1">
+                    <a:lumMod val="85000"/>
+                    <a:lumOff val="15000"/>
+                  </a:schemeClr>
+                </a:solidFill>
+                <a:latin typeface="Minion Pro" panose="02040503050306020203" pitchFamily="18" charset="0"/>
+              </a:rPr>
+              <a:t>(</a:t>
+            </a:r>
+            <a:r>
+              <a:rPr kumimoji="1" lang="en-US" altLang="zh-TW" sz="1400" i="1" dirty="0">
+                <a:solidFill>
+                  <a:schemeClr val="tx1">
+                    <a:lumMod val="85000"/>
+                    <a:lumOff val="15000"/>
+                  </a:schemeClr>
+                </a:solidFill>
+                <a:latin typeface="Minion Pro" panose="02040503050306020203" pitchFamily="18" charset="0"/>
+              </a:rPr>
+              <a:t>r′</a:t>
+            </a:r>
+            <a:r>
+              <a:rPr kumimoji="1" lang="en-US" altLang="zh-TW" sz="1400" dirty="0">
+                <a:solidFill>
+                  <a:schemeClr val="tx1">
+                    <a:lumMod val="85000"/>
+                    <a:lumOff val="15000"/>
+                  </a:schemeClr>
+                </a:solidFill>
+                <a:latin typeface="Minion Pro" panose="02040503050306020203" pitchFamily="18" charset="0"/>
+              </a:rPr>
+              <a:t>). This term varies with </a:t>
+            </a:r>
+            <a:r>
+              <a:rPr kumimoji="1" lang="en-US" altLang="zh-TW" sz="1400" i="1" dirty="0" err="1">
+                <a:solidFill>
+                  <a:schemeClr val="tx1">
+                    <a:lumMod val="85000"/>
+                    <a:lumOff val="15000"/>
+                  </a:schemeClr>
+                </a:solidFill>
+                <a:latin typeface="Minion Pro" panose="02040503050306020203" pitchFamily="18" charset="0"/>
+              </a:rPr>
+              <a:t>φ</a:t>
+            </a:r>
+            <a:r>
+              <a:rPr kumimoji="1" lang="en-US" altLang="zh-TW" sz="1400" dirty="0">
+                <a:solidFill>
+                  <a:schemeClr val="tx1">
+                    <a:lumMod val="85000"/>
+                    <a:lumOff val="15000"/>
+                  </a:schemeClr>
+                </a:solidFill>
+                <a:latin typeface="Minion Pro" panose="02040503050306020203" pitchFamily="18" charset="0"/>
+              </a:rPr>
+              <a:t>. When</a:t>
+            </a:r>
+          </a:p>
+          <a:p>
+            <a:r>
+              <a:rPr kumimoji="1" lang="en-US" altLang="zh-TW" sz="1400" i="1" dirty="0" err="1">
+                <a:solidFill>
+                  <a:schemeClr val="tx1">
+                    <a:lumMod val="85000"/>
+                    <a:lumOff val="15000"/>
+                  </a:schemeClr>
+                </a:solidFill>
+                <a:latin typeface="Minion Pro" panose="02040503050306020203" pitchFamily="18" charset="0"/>
+              </a:rPr>
+              <a:t>φ</a:t>
+            </a:r>
+            <a:r>
+              <a:rPr kumimoji="1" lang="en-US" altLang="zh-TW" sz="1400" dirty="0">
+                <a:solidFill>
+                  <a:schemeClr val="tx1">
+                    <a:lumMod val="85000"/>
+                    <a:lumOff val="15000"/>
+                  </a:schemeClr>
+                </a:solidFill>
+                <a:latin typeface="Minion Pro" panose="02040503050306020203" pitchFamily="18" charset="0"/>
+              </a:rPr>
+              <a:t> = 0, it is special</a:t>
+            </a:r>
+          </a:p>
+          <a:p>
+            <a:r>
+              <a:rPr kumimoji="1" lang="en-US" altLang="zh-TW" sz="1400" dirty="0">
+                <a:solidFill>
+                  <a:schemeClr val="tx1">
+                    <a:lumMod val="85000"/>
+                    <a:lumOff val="15000"/>
+                  </a:schemeClr>
+                </a:solidFill>
+                <a:latin typeface="Minion Pro" panose="02040503050306020203" pitchFamily="18" charset="0"/>
+              </a:rPr>
+              <a:t>with </a:t>
+            </a:r>
+            <a:r>
+              <a:rPr kumimoji="1" lang="en-US" altLang="zh-TW" sz="1400" i="1" dirty="0">
+                <a:solidFill>
+                  <a:schemeClr val="tx1">
+                    <a:lumMod val="85000"/>
+                    <a:lumOff val="15000"/>
+                  </a:schemeClr>
+                </a:solidFill>
+                <a:latin typeface="Minion Pro" panose="02040503050306020203" pitchFamily="18" charset="0"/>
+              </a:rPr>
+              <a:t>r′</a:t>
+            </a:r>
+            <a:r>
+              <a:rPr kumimoji="1" lang="en-US" altLang="zh-TW" sz="1400" dirty="0">
+                <a:solidFill>
+                  <a:schemeClr val="tx1">
+                    <a:lumMod val="85000"/>
+                    <a:lumOff val="15000"/>
+                  </a:schemeClr>
+                </a:solidFill>
+                <a:latin typeface="Minion Pro" panose="02040503050306020203" pitchFamily="18" charset="0"/>
+              </a:rPr>
+              <a:t> = </a:t>
+            </a:r>
+            <a:r>
+              <a:rPr kumimoji="1" lang="en-US" altLang="zh-TW" sz="1400" i="1" dirty="0">
+                <a:solidFill>
+                  <a:schemeClr val="tx1">
+                    <a:lumMod val="85000"/>
+                    <a:lumOff val="15000"/>
+                  </a:schemeClr>
+                </a:solidFill>
+                <a:latin typeface="Minion Pro" panose="02040503050306020203" pitchFamily="18" charset="0"/>
+              </a:rPr>
+              <a:t>r</a:t>
+            </a:r>
+            <a:r>
+              <a:rPr kumimoji="1" lang="en-US" altLang="zh-TW" sz="1400" dirty="0">
+                <a:solidFill>
+                  <a:schemeClr val="tx1">
+                    <a:lumMod val="85000"/>
+                    <a:lumOff val="15000"/>
+                  </a:schemeClr>
+                </a:solidFill>
+                <a:latin typeface="Minion Pro" panose="02040503050306020203" pitchFamily="18" charset="0"/>
+              </a:rPr>
+              <a:t>.</a:t>
+            </a:r>
+            <a:endParaRPr kumimoji="1" lang="zh-TW" altLang="en-US" sz="1400" i="1" dirty="0">
+              <a:solidFill>
+                <a:schemeClr val="tx1">
+                  <a:lumMod val="85000"/>
+                  <a:lumOff val="15000"/>
+                </a:schemeClr>
+              </a:solidFill>
+              <a:latin typeface="Minion Pro" panose="02040503050306020203" pitchFamily="18" charset="0"/>
+            </a:endParaRPr>
+          </a:p>
+        </p:txBody>
+      </p:sp>
+      <p:grpSp>
+        <p:nvGrpSpPr>
+          <p:cNvPr id="199" name="群組 198">
+            <a:extLst>
+              <a:ext uri="{FF2B5EF4-FFF2-40B4-BE49-F238E27FC236}">
+                <a16:creationId xmlns:a16="http://schemas.microsoft.com/office/drawing/2014/main" id="{340971D2-D1FE-0AFB-A78A-BADEAEB78608}"/>
+              </a:ext>
+            </a:extLst>
+          </p:cNvPr>
+          <p:cNvGrpSpPr/>
+          <p:nvPr/>
+        </p:nvGrpSpPr>
+        <p:grpSpPr>
+          <a:xfrm>
+            <a:off x="949651" y="241043"/>
+            <a:ext cx="5003646" cy="4050172"/>
+            <a:chOff x="324925" y="267688"/>
+            <a:chExt cx="5003646" cy="4050172"/>
+          </a:xfrm>
+        </p:grpSpPr>
+        <p:cxnSp>
+          <p:nvCxnSpPr>
+            <p:cNvPr id="5" name="直線箭頭接點 4">
+              <a:extLst>
+                <a:ext uri="{FF2B5EF4-FFF2-40B4-BE49-F238E27FC236}">
+                  <a16:creationId xmlns:a16="http://schemas.microsoft.com/office/drawing/2014/main" id="{990BBB69-4D66-92B4-2F57-000BCEFD3781}"/>
+                </a:ext>
+              </a:extLst>
+            </p:cNvPr>
+            <p:cNvCxnSpPr>
+              <a:cxnSpLocks/>
+            </p:cNvCxnSpPr>
+            <p:nvPr/>
+          </p:nvCxnSpPr>
+          <p:spPr>
+            <a:xfrm flipV="1">
+              <a:off x="1606322" y="621096"/>
+              <a:ext cx="0" cy="2132750"/>
+            </a:xfrm>
+            <a:prstGeom prst="straightConnector1">
+              <a:avLst/>
+            </a:prstGeom>
+            <a:ln w="15875">
+              <a:headEnd w="lg" len="lg"/>
+              <a:tailEnd type="stealth" w="lg" len="lg"/>
+            </a:ln>
+          </p:spPr>
+          <p:style>
+            <a:lnRef idx="1">
+              <a:schemeClr val="dk1"/>
+            </a:lnRef>
+            <a:fillRef idx="0">
+              <a:schemeClr val="dk1"/>
+            </a:fillRef>
+            <a:effectRef idx="0">
+              <a:schemeClr val="dk1"/>
+            </a:effectRef>
+            <a:fontRef idx="minor">
+              <a:schemeClr val="tx1"/>
+            </a:fontRef>
+          </p:style>
+        </p:cxnSp>
+        <p:cxnSp>
+          <p:nvCxnSpPr>
+            <p:cNvPr id="7" name="直線箭頭接點 6">
+              <a:extLst>
+                <a:ext uri="{FF2B5EF4-FFF2-40B4-BE49-F238E27FC236}">
+                  <a16:creationId xmlns:a16="http://schemas.microsoft.com/office/drawing/2014/main" id="{0C37EA49-E7A5-8B90-93E7-A941AE8E4CD5}"/>
+                </a:ext>
+              </a:extLst>
+            </p:cNvPr>
+            <p:cNvCxnSpPr>
+              <a:cxnSpLocks/>
+            </p:cNvCxnSpPr>
+            <p:nvPr/>
+          </p:nvCxnSpPr>
+          <p:spPr>
+            <a:xfrm>
+              <a:off x="1609530" y="2753846"/>
+              <a:ext cx="3431433" cy="0"/>
+            </a:xfrm>
+            <a:prstGeom prst="straightConnector1">
+              <a:avLst/>
+            </a:prstGeom>
+            <a:ln w="15875">
+              <a:headEnd w="lg" len="lg"/>
+              <a:tailEnd type="stealth" w="lg" len="lg"/>
+            </a:ln>
+          </p:spPr>
+          <p:style>
+            <a:lnRef idx="1">
+              <a:schemeClr val="dk1"/>
+            </a:lnRef>
+            <a:fillRef idx="0">
+              <a:schemeClr val="dk1"/>
+            </a:fillRef>
+            <a:effectRef idx="0">
+              <a:schemeClr val="dk1"/>
+            </a:effectRef>
+            <a:fontRef idx="minor">
+              <a:schemeClr val="tx1"/>
+            </a:fontRef>
+          </p:style>
+        </p:cxnSp>
+        <p:cxnSp>
+          <p:nvCxnSpPr>
+            <p:cNvPr id="10" name="直線箭頭接點 9">
+              <a:extLst>
+                <a:ext uri="{FF2B5EF4-FFF2-40B4-BE49-F238E27FC236}">
+                  <a16:creationId xmlns:a16="http://schemas.microsoft.com/office/drawing/2014/main" id="{BA36330D-EA9A-DD8A-7BFB-1C2CC09E2FC4}"/>
+                </a:ext>
+              </a:extLst>
+            </p:cNvPr>
+            <p:cNvCxnSpPr>
+              <a:cxnSpLocks/>
+            </p:cNvCxnSpPr>
+            <p:nvPr/>
+          </p:nvCxnSpPr>
+          <p:spPr>
+            <a:xfrm flipH="1">
+              <a:off x="558332" y="2749228"/>
+              <a:ext cx="1047990" cy="1219636"/>
+            </a:xfrm>
+            <a:prstGeom prst="straightConnector1">
+              <a:avLst/>
+            </a:prstGeom>
+            <a:ln w="15875">
+              <a:headEnd w="lg" len="lg"/>
+              <a:tailEnd type="stealth" w="lg" len="lg"/>
+            </a:ln>
+          </p:spPr>
+          <p:style>
+            <a:lnRef idx="1">
+              <a:schemeClr val="dk1"/>
+            </a:lnRef>
+            <a:fillRef idx="0">
+              <a:schemeClr val="dk1"/>
+            </a:fillRef>
+            <a:effectRef idx="0">
+              <a:schemeClr val="dk1"/>
+            </a:effectRef>
+            <a:fontRef idx="minor">
+              <a:schemeClr val="tx1"/>
+            </a:fontRef>
+          </p:style>
+        </p:cxnSp>
+        <p:sp>
+          <p:nvSpPr>
+            <p:cNvPr id="12" name="三角形 11">
+              <a:extLst>
+                <a:ext uri="{FF2B5EF4-FFF2-40B4-BE49-F238E27FC236}">
+                  <a16:creationId xmlns:a16="http://schemas.microsoft.com/office/drawing/2014/main" id="{7435879D-D981-A871-6756-25D5F9D58DC1}"/>
+                </a:ext>
+              </a:extLst>
+            </p:cNvPr>
+            <p:cNvSpPr/>
+            <p:nvPr/>
+          </p:nvSpPr>
+          <p:spPr>
+            <a:xfrm>
+              <a:off x="1606321" y="1208079"/>
+              <a:ext cx="2770909" cy="1541150"/>
+            </a:xfrm>
+            <a:prstGeom prst="triangle">
+              <a:avLst>
+                <a:gd name="adj" fmla="val 42584"/>
+              </a:avLst>
+            </a:prstGeom>
+            <a:solidFill>
+              <a:schemeClr val="accent1">
+                <a:alpha val="32653"/>
+              </a:schemeClr>
+            </a:solidFill>
+          </p:spPr>
+          <p:style>
+            <a:lnRef idx="2">
+              <a:schemeClr val="accent1">
+                <a:shade val="50000"/>
+              </a:schemeClr>
+            </a:lnRef>
+            <a:fillRef idx="1">
+              <a:schemeClr val="accent1"/>
+            </a:fillRef>
+            <a:effectRef idx="0">
+              <a:schemeClr val="accent1"/>
+            </a:effectRef>
+            <a:fontRef idx="minor">
+              <a:schemeClr val="lt1"/>
+            </a:fontRef>
+          </p:style>
+          <p:txBody>
+            <a:bodyPr rtlCol="0" anchor="ctr"/>
+            <a:lstStyle/>
+            <a:p>
+              <a:pPr algn="ctr"/>
+              <a:endParaRPr kumimoji="1" lang="zh-TW" altLang="en-US"/>
+            </a:p>
+          </p:txBody>
+        </p:sp>
+        <p:cxnSp>
+          <p:nvCxnSpPr>
+            <p:cNvPr id="16" name="直線接點 15">
+              <a:extLst>
+                <a:ext uri="{FF2B5EF4-FFF2-40B4-BE49-F238E27FC236}">
+                  <a16:creationId xmlns:a16="http://schemas.microsoft.com/office/drawing/2014/main" id="{14D3F5EF-5CFB-9743-1D48-E0D53A389E36}"/>
+                </a:ext>
+              </a:extLst>
+            </p:cNvPr>
+            <p:cNvCxnSpPr>
+              <a:cxnSpLocks/>
+            </p:cNvCxnSpPr>
+            <p:nvPr/>
+          </p:nvCxnSpPr>
+          <p:spPr>
+            <a:xfrm>
+              <a:off x="2783995" y="1215102"/>
+              <a:ext cx="0" cy="658803"/>
+            </a:xfrm>
+            <a:prstGeom prst="line">
+              <a:avLst/>
+            </a:prstGeom>
+            <a:ln w="12700">
+              <a:solidFill>
+                <a:srgbClr val="2F528F"/>
+              </a:solidFill>
+            </a:ln>
+          </p:spPr>
+          <p:style>
+            <a:lnRef idx="1">
+              <a:schemeClr val="accent1"/>
+            </a:lnRef>
+            <a:fillRef idx="0">
+              <a:schemeClr val="accent1"/>
+            </a:fillRef>
+            <a:effectRef idx="0">
+              <a:schemeClr val="accent1"/>
+            </a:effectRef>
+            <a:fontRef idx="minor">
+              <a:schemeClr val="tx1"/>
+            </a:fontRef>
+          </p:style>
+        </p:cxnSp>
+        <p:cxnSp>
+          <p:nvCxnSpPr>
+            <p:cNvPr id="18" name="直線接點 17">
+              <a:extLst>
+                <a:ext uri="{FF2B5EF4-FFF2-40B4-BE49-F238E27FC236}">
+                  <a16:creationId xmlns:a16="http://schemas.microsoft.com/office/drawing/2014/main" id="{547D0596-CFF3-BCDB-3B5F-6FD4F49241D6}"/>
+                </a:ext>
+              </a:extLst>
+            </p:cNvPr>
+            <p:cNvCxnSpPr>
+              <a:cxnSpLocks/>
+            </p:cNvCxnSpPr>
+            <p:nvPr/>
+          </p:nvCxnSpPr>
+          <p:spPr>
+            <a:xfrm flipH="1">
+              <a:off x="2781431" y="1898969"/>
+              <a:ext cx="892" cy="854875"/>
+            </a:xfrm>
+            <a:prstGeom prst="line">
+              <a:avLst/>
+            </a:prstGeom>
+            <a:ln w="12700">
+              <a:prstDash val="dash"/>
+            </a:ln>
+          </p:spPr>
+          <p:style>
+            <a:lnRef idx="1">
+              <a:schemeClr val="accent1"/>
+            </a:lnRef>
+            <a:fillRef idx="0">
+              <a:schemeClr val="accent1"/>
+            </a:fillRef>
+            <a:effectRef idx="0">
+              <a:schemeClr val="accent1"/>
+            </a:effectRef>
+            <a:fontRef idx="minor">
+              <a:schemeClr val="tx1"/>
+            </a:fontRef>
+          </p:style>
+        </p:cxnSp>
+        <p:sp>
+          <p:nvSpPr>
+            <p:cNvPr id="14" name="三角形 13">
+              <a:extLst>
+                <a:ext uri="{FF2B5EF4-FFF2-40B4-BE49-F238E27FC236}">
+                  <a16:creationId xmlns:a16="http://schemas.microsoft.com/office/drawing/2014/main" id="{6BE62F75-345D-5778-08EB-4C8AD9759B83}"/>
+                </a:ext>
+              </a:extLst>
+            </p:cNvPr>
+            <p:cNvSpPr/>
+            <p:nvPr/>
+          </p:nvSpPr>
+          <p:spPr>
+            <a:xfrm>
+              <a:off x="1601580" y="1749626"/>
+              <a:ext cx="2770909" cy="1002810"/>
+            </a:xfrm>
+            <a:prstGeom prst="triangle">
+              <a:avLst>
+                <a:gd name="adj" fmla="val 35339"/>
+              </a:avLst>
+            </a:prstGeom>
+            <a:solidFill>
+              <a:srgbClr val="FF2600">
+                <a:alpha val="33000"/>
+              </a:srgbClr>
+            </a:solidFill>
+            <a:ln>
+              <a:solidFill>
+                <a:srgbClr val="C00000"/>
+              </a:solidFill>
+            </a:ln>
+          </p:spPr>
+          <p:style>
+            <a:lnRef idx="2">
+              <a:schemeClr val="accent1">
+                <a:shade val="50000"/>
+              </a:schemeClr>
+            </a:lnRef>
+            <a:fillRef idx="1">
+              <a:schemeClr val="accent1"/>
+            </a:fillRef>
+            <a:effectRef idx="0">
+              <a:schemeClr val="accent1"/>
+            </a:effectRef>
+            <a:fontRef idx="minor">
+              <a:schemeClr val="lt1"/>
+            </a:fontRef>
+          </p:style>
+          <p:txBody>
+            <a:bodyPr rtlCol="0" anchor="ctr"/>
+            <a:lstStyle/>
+            <a:p>
+              <a:pPr algn="ctr"/>
+              <a:endParaRPr kumimoji="1" lang="zh-TW" altLang="en-US" dirty="0"/>
+            </a:p>
+          </p:txBody>
+        </p:sp>
+        <p:cxnSp>
+          <p:nvCxnSpPr>
+            <p:cNvPr id="21" name="直線接點 20">
+              <a:extLst>
+                <a:ext uri="{FF2B5EF4-FFF2-40B4-BE49-F238E27FC236}">
+                  <a16:creationId xmlns:a16="http://schemas.microsoft.com/office/drawing/2014/main" id="{183DC315-ACE9-9E8C-CFB1-11ABD7638104}"/>
+                </a:ext>
+              </a:extLst>
+            </p:cNvPr>
+            <p:cNvCxnSpPr>
+              <a:cxnSpLocks/>
+            </p:cNvCxnSpPr>
+            <p:nvPr/>
+          </p:nvCxnSpPr>
+          <p:spPr>
+            <a:xfrm>
+              <a:off x="2578186" y="1754014"/>
+              <a:ext cx="206453" cy="998422"/>
+            </a:xfrm>
+            <a:prstGeom prst="line">
+              <a:avLst/>
+            </a:prstGeom>
+            <a:ln w="12700">
+              <a:solidFill>
+                <a:srgbClr val="C00000"/>
+              </a:solidFill>
+            </a:ln>
+          </p:spPr>
+          <p:style>
+            <a:lnRef idx="1">
+              <a:schemeClr val="accent1"/>
+            </a:lnRef>
+            <a:fillRef idx="0">
+              <a:schemeClr val="accent1"/>
+            </a:fillRef>
+            <a:effectRef idx="0">
+              <a:schemeClr val="accent1"/>
+            </a:effectRef>
+            <a:fontRef idx="minor">
+              <a:schemeClr val="tx1"/>
+            </a:fontRef>
+          </p:style>
+        </p:cxnSp>
+        <p:sp>
+          <p:nvSpPr>
+            <p:cNvPr id="22" name="弧線 21">
+              <a:extLst>
+                <a:ext uri="{FF2B5EF4-FFF2-40B4-BE49-F238E27FC236}">
+                  <a16:creationId xmlns:a16="http://schemas.microsoft.com/office/drawing/2014/main" id="{B64A0F94-1D27-44BB-4229-639297404B35}"/>
+                </a:ext>
+              </a:extLst>
+            </p:cNvPr>
+            <p:cNvSpPr/>
+            <p:nvPr/>
+          </p:nvSpPr>
+          <p:spPr>
+            <a:xfrm>
+              <a:off x="2687772" y="2154122"/>
+              <a:ext cx="170609" cy="172284"/>
+            </a:xfrm>
+            <a:prstGeom prst="arc">
+              <a:avLst>
+                <a:gd name="adj1" fmla="val 11131666"/>
+                <a:gd name="adj2" fmla="val 16253523"/>
+              </a:avLst>
+            </a:prstGeom>
+            <a:ln w="9525">
+              <a:solidFill>
+                <a:schemeClr val="tx1"/>
+              </a:solidFill>
+              <a:headEnd type="stealth" w="sm" len="sm"/>
+            </a:ln>
+          </p:spPr>
+          <p:style>
+            <a:lnRef idx="1">
+              <a:schemeClr val="accent1"/>
+            </a:lnRef>
+            <a:fillRef idx="0">
+              <a:schemeClr val="accent1"/>
+            </a:fillRef>
+            <a:effectRef idx="0">
+              <a:schemeClr val="accent1"/>
+            </a:effectRef>
+            <a:fontRef idx="minor">
+              <a:schemeClr val="tx1"/>
+            </a:fontRef>
+          </p:style>
+          <p:txBody>
+            <a:bodyPr rtlCol="0" anchor="ctr"/>
+            <a:lstStyle/>
+            <a:p>
+              <a:pPr algn="ctr"/>
+              <a:endParaRPr kumimoji="1" lang="zh-TW" altLang="en-US"/>
+            </a:p>
+          </p:txBody>
+        </p:sp>
+        <p:pic>
+          <p:nvPicPr>
+            <p:cNvPr id="26" name="圖片 25">
+              <a:extLst>
+                <a:ext uri="{FF2B5EF4-FFF2-40B4-BE49-F238E27FC236}">
+                  <a16:creationId xmlns:a16="http://schemas.microsoft.com/office/drawing/2014/main" id="{FF9127CF-837E-7111-D9C6-BF90A7C7EAB3}"/>
+                </a:ext>
+              </a:extLst>
+            </p:cNvPr>
+            <p:cNvPicPr>
+              <a:picLocks noChangeAspect="1"/>
+            </p:cNvPicPr>
+            <p:nvPr/>
+          </p:nvPicPr>
+          <p:blipFill>
+            <a:blip r:embed="rId16"/>
+            <a:stretch>
+              <a:fillRect/>
+            </a:stretch>
+          </p:blipFill>
+          <p:spPr>
+            <a:xfrm>
+              <a:off x="2655836" y="1889754"/>
+              <a:ext cx="101600" cy="177800"/>
+            </a:xfrm>
+            <a:prstGeom prst="rect">
+              <a:avLst/>
+            </a:prstGeom>
+          </p:spPr>
+        </p:pic>
+        <p:sp>
+          <p:nvSpPr>
+            <p:cNvPr id="28" name="文字方塊 27">
+              <a:extLst>
+                <a:ext uri="{FF2B5EF4-FFF2-40B4-BE49-F238E27FC236}">
+                  <a16:creationId xmlns:a16="http://schemas.microsoft.com/office/drawing/2014/main" id="{08855A70-AF64-E8FC-299B-A27258D6FE61}"/>
+                </a:ext>
+              </a:extLst>
+            </p:cNvPr>
+            <p:cNvSpPr txBox="1"/>
+            <p:nvPr/>
+          </p:nvSpPr>
+          <p:spPr>
+            <a:xfrm>
+              <a:off x="3433220" y="1581977"/>
+              <a:ext cx="276038" cy="307777"/>
+            </a:xfrm>
+            <a:prstGeom prst="rect">
+              <a:avLst/>
+            </a:prstGeom>
+            <a:noFill/>
+          </p:spPr>
+          <p:txBody>
+            <a:bodyPr wrap="none" rtlCol="0">
+              <a:spAutoFit/>
+            </a:bodyPr>
+            <a:lstStyle/>
+            <a:p>
+              <a:r>
+                <a:rPr kumimoji="1" lang="en-US" altLang="zh-TW" sz="1400" i="1" dirty="0">
+                  <a:solidFill>
+                    <a:srgbClr val="2F528F"/>
+                  </a:solidFill>
+                  <a:latin typeface="Minion Pro" panose="02040503050306020203" pitchFamily="18" charset="0"/>
+                </a:rPr>
+                <a:t>d</a:t>
+              </a:r>
+              <a:endParaRPr kumimoji="1" lang="zh-TW" altLang="en-US" i="1" dirty="0">
+                <a:solidFill>
+                  <a:srgbClr val="2F528F"/>
+                </a:solidFill>
+                <a:latin typeface="Minion Pro" panose="02040503050306020203" pitchFamily="18" charset="0"/>
+              </a:endParaRPr>
+            </a:p>
+          </p:txBody>
+        </p:sp>
+        <p:sp>
+          <p:nvSpPr>
+            <p:cNvPr id="29" name="文字方塊 28">
+              <a:extLst>
+                <a:ext uri="{FF2B5EF4-FFF2-40B4-BE49-F238E27FC236}">
+                  <a16:creationId xmlns:a16="http://schemas.microsoft.com/office/drawing/2014/main" id="{14739C9E-AE93-445A-6415-791549FFC8CE}"/>
+                </a:ext>
+              </a:extLst>
+            </p:cNvPr>
+            <p:cNvSpPr txBox="1"/>
+            <p:nvPr/>
+          </p:nvSpPr>
+          <p:spPr>
+            <a:xfrm>
+              <a:off x="1879388" y="1789957"/>
+              <a:ext cx="311304" cy="307777"/>
+            </a:xfrm>
+            <a:prstGeom prst="rect">
+              <a:avLst/>
+            </a:prstGeom>
+            <a:noFill/>
+          </p:spPr>
+          <p:txBody>
+            <a:bodyPr wrap="none" rtlCol="0">
+              <a:spAutoFit/>
+            </a:bodyPr>
+            <a:lstStyle/>
+            <a:p>
+              <a:r>
+                <a:rPr kumimoji="1" lang="en-US" altLang="zh-TW" sz="1400" i="1" dirty="0">
+                  <a:solidFill>
+                    <a:srgbClr val="2F528F"/>
+                  </a:solidFill>
+                  <a:latin typeface="Minion Pro" panose="02040503050306020203" pitchFamily="18" charset="0"/>
+                </a:rPr>
+                <a:t>D</a:t>
+              </a:r>
+              <a:endParaRPr kumimoji="1" lang="zh-TW" altLang="en-US" i="1" dirty="0">
+                <a:solidFill>
+                  <a:srgbClr val="2F528F"/>
+                </a:solidFill>
+                <a:latin typeface="Minion Pro" panose="02040503050306020203" pitchFamily="18" charset="0"/>
+              </a:endParaRPr>
+            </a:p>
+          </p:txBody>
+        </p:sp>
+        <p:cxnSp>
+          <p:nvCxnSpPr>
+            <p:cNvPr id="32" name="直線接點 31">
+              <a:extLst>
+                <a:ext uri="{FF2B5EF4-FFF2-40B4-BE49-F238E27FC236}">
+                  <a16:creationId xmlns:a16="http://schemas.microsoft.com/office/drawing/2014/main" id="{B9FED0C7-B067-0DF0-BF25-F34361D9BB20}"/>
+                </a:ext>
+              </a:extLst>
+            </p:cNvPr>
+            <p:cNvCxnSpPr>
+              <a:cxnSpLocks/>
+            </p:cNvCxnSpPr>
+            <p:nvPr/>
+          </p:nvCxnSpPr>
+          <p:spPr>
+            <a:xfrm flipH="1">
+              <a:off x="1377054" y="1203905"/>
+              <a:ext cx="1406487" cy="2495119"/>
+            </a:xfrm>
+            <a:prstGeom prst="line">
+              <a:avLst/>
+            </a:prstGeom>
+            <a:ln w="12700">
+              <a:solidFill>
+                <a:srgbClr val="2F528F"/>
+              </a:solidFill>
+            </a:ln>
+          </p:spPr>
+          <p:style>
+            <a:lnRef idx="1">
+              <a:schemeClr val="accent1"/>
+            </a:lnRef>
+            <a:fillRef idx="0">
+              <a:schemeClr val="accent1"/>
+            </a:fillRef>
+            <a:effectRef idx="0">
+              <a:schemeClr val="accent1"/>
+            </a:effectRef>
+            <a:fontRef idx="minor">
+              <a:schemeClr val="tx1"/>
+            </a:fontRef>
+          </p:style>
+        </p:cxnSp>
+        <p:cxnSp>
+          <p:nvCxnSpPr>
+            <p:cNvPr id="34" name="直線接點 33">
+              <a:extLst>
+                <a:ext uri="{FF2B5EF4-FFF2-40B4-BE49-F238E27FC236}">
+                  <a16:creationId xmlns:a16="http://schemas.microsoft.com/office/drawing/2014/main" id="{71CFD9F6-1E55-E6F4-324D-4A9A8BAE9E15}"/>
+                </a:ext>
+              </a:extLst>
+            </p:cNvPr>
+            <p:cNvCxnSpPr>
+              <a:cxnSpLocks/>
+            </p:cNvCxnSpPr>
+            <p:nvPr/>
+          </p:nvCxnSpPr>
+          <p:spPr>
+            <a:xfrm>
+              <a:off x="2580368" y="1748217"/>
+              <a:ext cx="208" cy="1247717"/>
+            </a:xfrm>
+            <a:prstGeom prst="line">
+              <a:avLst/>
+            </a:prstGeom>
+            <a:ln w="12700">
+              <a:solidFill>
+                <a:srgbClr val="C00000"/>
+              </a:solidFill>
+              <a:prstDash val="sysDash"/>
+            </a:ln>
+          </p:spPr>
+          <p:style>
+            <a:lnRef idx="1">
+              <a:schemeClr val="accent1"/>
+            </a:lnRef>
+            <a:fillRef idx="0">
+              <a:schemeClr val="accent1"/>
+            </a:fillRef>
+            <a:effectRef idx="0">
+              <a:schemeClr val="accent1"/>
+            </a:effectRef>
+            <a:fontRef idx="minor">
+              <a:schemeClr val="tx1"/>
+            </a:fontRef>
+          </p:style>
+        </p:cxnSp>
+        <p:sp>
+          <p:nvSpPr>
+            <p:cNvPr id="37" name="文字方塊 36">
+              <a:extLst>
+                <a:ext uri="{FF2B5EF4-FFF2-40B4-BE49-F238E27FC236}">
+                  <a16:creationId xmlns:a16="http://schemas.microsoft.com/office/drawing/2014/main" id="{5D58791A-A901-2011-151F-4F474AD2C753}"/>
+                </a:ext>
+              </a:extLst>
+            </p:cNvPr>
+            <p:cNvSpPr txBox="1"/>
+            <p:nvPr/>
+          </p:nvSpPr>
+          <p:spPr>
+            <a:xfrm>
+              <a:off x="2739210" y="1442374"/>
+              <a:ext cx="276038" cy="307777"/>
+            </a:xfrm>
+            <a:prstGeom prst="rect">
+              <a:avLst/>
+            </a:prstGeom>
+            <a:noFill/>
+          </p:spPr>
+          <p:txBody>
+            <a:bodyPr wrap="none" rtlCol="0">
+              <a:spAutoFit/>
+            </a:bodyPr>
+            <a:lstStyle/>
+            <a:p>
+              <a:r>
+                <a:rPr kumimoji="1" lang="en-US" altLang="zh-TW" sz="1400" i="1" dirty="0">
+                  <a:solidFill>
+                    <a:srgbClr val="2F528F"/>
+                  </a:solidFill>
+                  <a:latin typeface="Minion Pro" panose="02040503050306020203" pitchFamily="18" charset="0"/>
+                </a:rPr>
+                <a:t>h</a:t>
+              </a:r>
+              <a:endParaRPr kumimoji="1" lang="zh-TW" altLang="en-US" i="1" dirty="0">
+                <a:solidFill>
+                  <a:srgbClr val="2F528F"/>
+                </a:solidFill>
+                <a:latin typeface="Minion Pro" panose="02040503050306020203" pitchFamily="18" charset="0"/>
+              </a:endParaRPr>
+            </a:p>
+          </p:txBody>
+        </p:sp>
+        <p:cxnSp>
+          <p:nvCxnSpPr>
+            <p:cNvPr id="39" name="直線接點 38">
+              <a:extLst>
+                <a:ext uri="{FF2B5EF4-FFF2-40B4-BE49-F238E27FC236}">
+                  <a16:creationId xmlns:a16="http://schemas.microsoft.com/office/drawing/2014/main" id="{15C69628-F719-0971-4EA7-52F7958FBEB6}"/>
+                </a:ext>
+              </a:extLst>
+            </p:cNvPr>
+            <p:cNvCxnSpPr>
+              <a:cxnSpLocks/>
+            </p:cNvCxnSpPr>
+            <p:nvPr/>
+          </p:nvCxnSpPr>
+          <p:spPr>
+            <a:xfrm flipH="1">
+              <a:off x="1377105" y="2751735"/>
+              <a:ext cx="1404823" cy="943075"/>
+            </a:xfrm>
+            <a:prstGeom prst="line">
+              <a:avLst/>
+            </a:prstGeom>
+            <a:ln w="12700">
+              <a:solidFill>
+                <a:schemeClr val="tx1">
+                  <a:lumMod val="75000"/>
+                  <a:lumOff val="25000"/>
+                </a:schemeClr>
+              </a:solidFill>
+            </a:ln>
+          </p:spPr>
+          <p:style>
+            <a:lnRef idx="1">
+              <a:schemeClr val="accent1"/>
+            </a:lnRef>
+            <a:fillRef idx="0">
+              <a:schemeClr val="accent1"/>
+            </a:fillRef>
+            <a:effectRef idx="0">
+              <a:schemeClr val="accent1"/>
+            </a:effectRef>
+            <a:fontRef idx="minor">
+              <a:schemeClr val="tx1"/>
+            </a:fontRef>
+          </p:style>
+        </p:cxnSp>
+        <p:sp>
+          <p:nvSpPr>
+            <p:cNvPr id="41" name="文字方塊 40">
+              <a:extLst>
+                <a:ext uri="{FF2B5EF4-FFF2-40B4-BE49-F238E27FC236}">
+                  <a16:creationId xmlns:a16="http://schemas.microsoft.com/office/drawing/2014/main" id="{1B6BF431-844C-C460-BD1F-CD758472B5E3}"/>
+                </a:ext>
+              </a:extLst>
+            </p:cNvPr>
+            <p:cNvSpPr txBox="1"/>
+            <p:nvPr/>
+          </p:nvSpPr>
+          <p:spPr>
+            <a:xfrm>
+              <a:off x="1330465" y="2537995"/>
+              <a:ext cx="272832" cy="307777"/>
+            </a:xfrm>
+            <a:prstGeom prst="rect">
+              <a:avLst/>
+            </a:prstGeom>
+            <a:noFill/>
+          </p:spPr>
+          <p:txBody>
+            <a:bodyPr wrap="none" rtlCol="0">
+              <a:spAutoFit/>
+            </a:bodyPr>
+            <a:lstStyle/>
+            <a:p>
+              <a:r>
+                <a:rPr kumimoji="1" lang="en-US" altLang="zh-TW" sz="1400" dirty="0">
+                  <a:solidFill>
+                    <a:schemeClr val="tx1">
+                      <a:lumMod val="85000"/>
+                      <a:lumOff val="15000"/>
+                    </a:schemeClr>
+                  </a:solidFill>
+                  <a:latin typeface="Myriad Pro" panose="020B0503030403020204" pitchFamily="34" charset="0"/>
+                </a:rPr>
+                <a:t>S</a:t>
+              </a:r>
+              <a:endParaRPr kumimoji="1" lang="zh-TW" altLang="en-US" dirty="0">
+                <a:solidFill>
+                  <a:schemeClr val="tx1">
+                    <a:lumMod val="85000"/>
+                    <a:lumOff val="15000"/>
+                  </a:schemeClr>
+                </a:solidFill>
+                <a:latin typeface="Myriad Pro" panose="020B0503030403020204" pitchFamily="34" charset="0"/>
+              </a:endParaRPr>
+            </a:p>
+          </p:txBody>
+        </p:sp>
+        <p:sp>
+          <p:nvSpPr>
+            <p:cNvPr id="42" name="文字方塊 41">
+              <a:extLst>
+                <a:ext uri="{FF2B5EF4-FFF2-40B4-BE49-F238E27FC236}">
+                  <a16:creationId xmlns:a16="http://schemas.microsoft.com/office/drawing/2014/main" id="{3D23BDCE-484E-171F-4F99-B696FC3C56FB}"/>
+                </a:ext>
+              </a:extLst>
+            </p:cNvPr>
+            <p:cNvSpPr txBox="1"/>
+            <p:nvPr/>
+          </p:nvSpPr>
+          <p:spPr>
+            <a:xfrm>
+              <a:off x="4350461" y="2463633"/>
+              <a:ext cx="272832" cy="307777"/>
+            </a:xfrm>
+            <a:prstGeom prst="rect">
+              <a:avLst/>
+            </a:prstGeom>
+            <a:noFill/>
+          </p:spPr>
+          <p:txBody>
+            <a:bodyPr wrap="none" rtlCol="0">
+              <a:spAutoFit/>
+            </a:bodyPr>
+            <a:lstStyle/>
+            <a:p>
+              <a:r>
+                <a:rPr kumimoji="1" lang="en-US" altLang="zh-TW" sz="1400" dirty="0">
+                  <a:solidFill>
+                    <a:schemeClr val="tx1">
+                      <a:lumMod val="85000"/>
+                      <a:lumOff val="15000"/>
+                    </a:schemeClr>
+                  </a:solidFill>
+                  <a:latin typeface="Myriad Pro" panose="020B0503030403020204" pitchFamily="34" charset="0"/>
+                </a:rPr>
+                <a:t>E</a:t>
+              </a:r>
+              <a:endParaRPr kumimoji="1" lang="zh-TW" altLang="en-US" dirty="0">
+                <a:solidFill>
+                  <a:schemeClr val="tx1">
+                    <a:lumMod val="85000"/>
+                    <a:lumOff val="15000"/>
+                  </a:schemeClr>
+                </a:solidFill>
+                <a:latin typeface="Myriad Pro" panose="020B0503030403020204" pitchFamily="34" charset="0"/>
+              </a:endParaRPr>
+            </a:p>
+          </p:txBody>
+        </p:sp>
+        <p:cxnSp>
+          <p:nvCxnSpPr>
+            <p:cNvPr id="44" name="直線接點 43">
+              <a:extLst>
+                <a:ext uri="{FF2B5EF4-FFF2-40B4-BE49-F238E27FC236}">
+                  <a16:creationId xmlns:a16="http://schemas.microsoft.com/office/drawing/2014/main" id="{2AEE3A88-8A74-2964-1DBF-0D49E1613951}"/>
+                </a:ext>
+              </a:extLst>
+            </p:cNvPr>
+            <p:cNvCxnSpPr>
+              <a:cxnSpLocks/>
+            </p:cNvCxnSpPr>
+            <p:nvPr/>
+          </p:nvCxnSpPr>
+          <p:spPr>
+            <a:xfrm flipH="1">
+              <a:off x="1377054" y="2753845"/>
+              <a:ext cx="3000176" cy="945179"/>
+            </a:xfrm>
+            <a:prstGeom prst="line">
+              <a:avLst/>
+            </a:prstGeom>
+            <a:ln w="12700">
+              <a:solidFill>
+                <a:schemeClr val="tx1">
+                  <a:lumMod val="75000"/>
+                  <a:lumOff val="25000"/>
+                </a:schemeClr>
+              </a:solidFill>
+            </a:ln>
+          </p:spPr>
+          <p:style>
+            <a:lnRef idx="1">
+              <a:schemeClr val="accent1"/>
+            </a:lnRef>
+            <a:fillRef idx="0">
+              <a:schemeClr val="accent1"/>
+            </a:fillRef>
+            <a:effectRef idx="0">
+              <a:schemeClr val="accent1"/>
+            </a:effectRef>
+            <a:fontRef idx="minor">
+              <a:schemeClr val="tx1"/>
+            </a:fontRef>
+          </p:style>
+        </p:cxnSp>
+        <p:pic>
+          <p:nvPicPr>
+            <p:cNvPr id="51" name="圖片 50">
+              <a:extLst>
+                <a:ext uri="{FF2B5EF4-FFF2-40B4-BE49-F238E27FC236}">
+                  <a16:creationId xmlns:a16="http://schemas.microsoft.com/office/drawing/2014/main" id="{8AB8F27A-6C0B-4A8A-6AB0-76B80930B44F}"/>
+                </a:ext>
+              </a:extLst>
+            </p:cNvPr>
+            <p:cNvPicPr>
+              <a:picLocks noChangeAspect="1"/>
+            </p:cNvPicPr>
+            <p:nvPr/>
+          </p:nvPicPr>
+          <p:blipFill>
+            <a:blip r:embed="rId11"/>
+            <a:stretch>
+              <a:fillRect/>
+            </a:stretch>
+          </p:blipFill>
+          <p:spPr>
+            <a:xfrm>
+              <a:off x="1968299" y="3063386"/>
+              <a:ext cx="88900" cy="139700"/>
+            </a:xfrm>
+            <a:prstGeom prst="rect">
+              <a:avLst/>
+            </a:prstGeom>
+          </p:spPr>
+        </p:pic>
+        <p:sp>
+          <p:nvSpPr>
+            <p:cNvPr id="52" name="文字方塊 51">
+              <a:extLst>
+                <a:ext uri="{FF2B5EF4-FFF2-40B4-BE49-F238E27FC236}">
+                  <a16:creationId xmlns:a16="http://schemas.microsoft.com/office/drawing/2014/main" id="{EFDC0A2C-E9CB-F366-37D4-BD8EB7B4FE2A}"/>
+                </a:ext>
+              </a:extLst>
+            </p:cNvPr>
+            <p:cNvSpPr txBox="1"/>
+            <p:nvPr/>
+          </p:nvSpPr>
+          <p:spPr>
+            <a:xfrm>
+              <a:off x="2057199" y="1299331"/>
+              <a:ext cx="250390" cy="307777"/>
+            </a:xfrm>
+            <a:prstGeom prst="rect">
+              <a:avLst/>
+            </a:prstGeom>
+            <a:noFill/>
+          </p:spPr>
+          <p:txBody>
+            <a:bodyPr wrap="none" rtlCol="0">
+              <a:spAutoFit/>
+            </a:bodyPr>
+            <a:lstStyle/>
+            <a:p>
+              <a:r>
+                <a:rPr kumimoji="1" lang="en-US" altLang="zh-TW" sz="1400" i="1" dirty="0">
+                  <a:solidFill>
+                    <a:srgbClr val="2F528F"/>
+                  </a:solidFill>
+                  <a:latin typeface="Minion Pro" panose="02040503050306020203" pitchFamily="18" charset="0"/>
+                </a:rPr>
+                <a:t>r</a:t>
+              </a:r>
+              <a:endParaRPr kumimoji="1" lang="zh-TW" altLang="en-US" i="1" dirty="0">
+                <a:solidFill>
+                  <a:srgbClr val="2F528F"/>
+                </a:solidFill>
+                <a:latin typeface="Minion Pro" panose="02040503050306020203" pitchFamily="18" charset="0"/>
+              </a:endParaRPr>
+            </a:p>
+          </p:txBody>
+        </p:sp>
+        <p:sp>
+          <p:nvSpPr>
+            <p:cNvPr id="53" name="文字方塊 52">
+              <a:extLst>
+                <a:ext uri="{FF2B5EF4-FFF2-40B4-BE49-F238E27FC236}">
+                  <a16:creationId xmlns:a16="http://schemas.microsoft.com/office/drawing/2014/main" id="{3AFA6232-E515-32B6-19A2-917FC5963C7B}"/>
+                </a:ext>
+              </a:extLst>
+            </p:cNvPr>
+            <p:cNvSpPr txBox="1"/>
+            <p:nvPr/>
+          </p:nvSpPr>
+          <p:spPr>
+            <a:xfrm>
+              <a:off x="1661726" y="1942756"/>
+              <a:ext cx="290464" cy="307777"/>
+            </a:xfrm>
+            <a:prstGeom prst="rect">
+              <a:avLst/>
+            </a:prstGeom>
+            <a:noFill/>
+          </p:spPr>
+          <p:txBody>
+            <a:bodyPr wrap="none" rtlCol="0">
+              <a:spAutoFit/>
+            </a:bodyPr>
+            <a:lstStyle/>
+            <a:p>
+              <a:r>
+                <a:rPr kumimoji="1" lang="en-US" altLang="zh-TW" sz="1400" i="1" dirty="0">
+                  <a:solidFill>
+                    <a:srgbClr val="C00000"/>
+                  </a:solidFill>
+                  <a:latin typeface="Minion Pro" panose="02040503050306020203" pitchFamily="18" charset="0"/>
+                </a:rPr>
+                <a:t>r′</a:t>
+              </a:r>
+              <a:endParaRPr kumimoji="1" lang="zh-TW" altLang="en-US" i="1" dirty="0">
+                <a:solidFill>
+                  <a:srgbClr val="C00000"/>
+                </a:solidFill>
+                <a:latin typeface="Minion Pro" panose="02040503050306020203" pitchFamily="18" charset="0"/>
+              </a:endParaRPr>
+            </a:p>
+          </p:txBody>
+        </p:sp>
+        <p:sp>
+          <p:nvSpPr>
+            <p:cNvPr id="62" name="文字方塊 61">
+              <a:extLst>
+                <a:ext uri="{FF2B5EF4-FFF2-40B4-BE49-F238E27FC236}">
+                  <a16:creationId xmlns:a16="http://schemas.microsoft.com/office/drawing/2014/main" id="{563CD6B6-7FA6-E135-1FB5-757ED657BAAC}"/>
+                </a:ext>
+              </a:extLst>
+            </p:cNvPr>
+            <p:cNvSpPr txBox="1"/>
+            <p:nvPr/>
+          </p:nvSpPr>
+          <p:spPr>
+            <a:xfrm>
+              <a:off x="324925" y="4010083"/>
+              <a:ext cx="264816" cy="307777"/>
+            </a:xfrm>
+            <a:prstGeom prst="rect">
+              <a:avLst/>
+            </a:prstGeom>
+            <a:noFill/>
+          </p:spPr>
+          <p:txBody>
+            <a:bodyPr wrap="none" rtlCol="0">
+              <a:spAutoFit/>
+            </a:bodyPr>
+            <a:lstStyle/>
+            <a:p>
+              <a:r>
+                <a:rPr kumimoji="1" lang="en-US" altLang="zh-TW" sz="1400" i="1" dirty="0">
+                  <a:solidFill>
+                    <a:schemeClr val="tx1">
+                      <a:lumMod val="85000"/>
+                      <a:lumOff val="15000"/>
+                    </a:schemeClr>
+                  </a:solidFill>
+                  <a:latin typeface="Minion Pro" panose="02040503050306020203" pitchFamily="18" charset="0"/>
+                </a:rPr>
+                <a:t>y</a:t>
+              </a:r>
+              <a:endParaRPr kumimoji="1" lang="zh-TW" altLang="en-US" i="1" dirty="0">
+                <a:solidFill>
+                  <a:schemeClr val="tx1">
+                    <a:lumMod val="85000"/>
+                    <a:lumOff val="15000"/>
+                  </a:schemeClr>
+                </a:solidFill>
+                <a:latin typeface="Minion Pro" panose="02040503050306020203" pitchFamily="18" charset="0"/>
+              </a:endParaRPr>
+            </a:p>
+          </p:txBody>
+        </p:sp>
+        <p:sp>
+          <p:nvSpPr>
+            <p:cNvPr id="63" name="文字方塊 62">
+              <a:extLst>
+                <a:ext uri="{FF2B5EF4-FFF2-40B4-BE49-F238E27FC236}">
+                  <a16:creationId xmlns:a16="http://schemas.microsoft.com/office/drawing/2014/main" id="{2A2074E9-4052-C5DE-ED5E-61AF5E921FDD}"/>
+                </a:ext>
+              </a:extLst>
+            </p:cNvPr>
+            <p:cNvSpPr txBox="1"/>
+            <p:nvPr/>
+          </p:nvSpPr>
+          <p:spPr>
+            <a:xfrm>
+              <a:off x="5058945" y="2583943"/>
+              <a:ext cx="269626" cy="307777"/>
+            </a:xfrm>
+            <a:prstGeom prst="rect">
+              <a:avLst/>
+            </a:prstGeom>
+            <a:noFill/>
+          </p:spPr>
+          <p:txBody>
+            <a:bodyPr wrap="none" rtlCol="0">
+              <a:spAutoFit/>
+            </a:bodyPr>
+            <a:lstStyle/>
+            <a:p>
+              <a:r>
+                <a:rPr kumimoji="1" lang="en-US" altLang="zh-TW" sz="1400" i="1" dirty="0">
+                  <a:solidFill>
+                    <a:schemeClr val="tx1">
+                      <a:lumMod val="85000"/>
+                      <a:lumOff val="15000"/>
+                    </a:schemeClr>
+                  </a:solidFill>
+                  <a:latin typeface="Minion Pro" panose="02040503050306020203" pitchFamily="18" charset="0"/>
+                </a:rPr>
+                <a:t>x</a:t>
+              </a:r>
+              <a:endParaRPr kumimoji="1" lang="zh-TW" altLang="en-US" i="1" dirty="0">
+                <a:solidFill>
+                  <a:schemeClr val="tx1">
+                    <a:lumMod val="85000"/>
+                    <a:lumOff val="15000"/>
+                  </a:schemeClr>
+                </a:solidFill>
+                <a:latin typeface="Minion Pro" panose="02040503050306020203" pitchFamily="18" charset="0"/>
+              </a:endParaRPr>
+            </a:p>
+          </p:txBody>
+        </p:sp>
+        <p:sp>
+          <p:nvSpPr>
+            <p:cNvPr id="64" name="文字方塊 63">
+              <a:extLst>
+                <a:ext uri="{FF2B5EF4-FFF2-40B4-BE49-F238E27FC236}">
+                  <a16:creationId xmlns:a16="http://schemas.microsoft.com/office/drawing/2014/main" id="{BF232E2A-E31F-1D70-6652-8AE0DCB0D82C}"/>
+                </a:ext>
+              </a:extLst>
+            </p:cNvPr>
+            <p:cNvSpPr txBox="1"/>
+            <p:nvPr/>
+          </p:nvSpPr>
+          <p:spPr>
+            <a:xfrm>
+              <a:off x="1476317" y="267688"/>
+              <a:ext cx="260008" cy="307777"/>
+            </a:xfrm>
+            <a:prstGeom prst="rect">
+              <a:avLst/>
+            </a:prstGeom>
+            <a:noFill/>
+          </p:spPr>
+          <p:txBody>
+            <a:bodyPr wrap="none" rtlCol="0">
+              <a:spAutoFit/>
+            </a:bodyPr>
+            <a:lstStyle/>
+            <a:p>
+              <a:r>
+                <a:rPr kumimoji="1" lang="en-US" altLang="zh-TW" sz="1400" i="1" dirty="0">
+                  <a:solidFill>
+                    <a:schemeClr val="tx1">
+                      <a:lumMod val="85000"/>
+                      <a:lumOff val="15000"/>
+                    </a:schemeClr>
+                  </a:solidFill>
+                  <a:latin typeface="Minion Pro" panose="02040503050306020203" pitchFamily="18" charset="0"/>
+                </a:rPr>
+                <a:t>z</a:t>
+              </a:r>
+              <a:endParaRPr kumimoji="1" lang="zh-TW" altLang="en-US" i="1" dirty="0">
+                <a:solidFill>
+                  <a:schemeClr val="tx1">
+                    <a:lumMod val="85000"/>
+                    <a:lumOff val="15000"/>
+                  </a:schemeClr>
+                </a:solidFill>
+                <a:latin typeface="Minion Pro" panose="02040503050306020203" pitchFamily="18" charset="0"/>
+              </a:endParaRPr>
+            </a:p>
+          </p:txBody>
+        </p:sp>
+        <p:sp>
+          <p:nvSpPr>
+            <p:cNvPr id="104" name="弧線 103">
+              <a:extLst>
+                <a:ext uri="{FF2B5EF4-FFF2-40B4-BE49-F238E27FC236}">
+                  <a16:creationId xmlns:a16="http://schemas.microsoft.com/office/drawing/2014/main" id="{A32CDF0B-1326-4C5E-4A4A-AD20C290B84E}"/>
+                </a:ext>
+              </a:extLst>
+            </p:cNvPr>
+            <p:cNvSpPr/>
+            <p:nvPr/>
+          </p:nvSpPr>
+          <p:spPr>
+            <a:xfrm>
+              <a:off x="3741092" y="2718614"/>
+              <a:ext cx="202145" cy="211675"/>
+            </a:xfrm>
+            <a:prstGeom prst="arc">
+              <a:avLst>
+                <a:gd name="adj1" fmla="val 5960494"/>
+                <a:gd name="adj2" fmla="val 13126385"/>
+              </a:avLst>
+            </a:prstGeom>
+            <a:ln w="12700">
+              <a:solidFill>
+                <a:schemeClr val="tx1">
+                  <a:lumMod val="85000"/>
+                  <a:lumOff val="15000"/>
+                </a:schemeClr>
+              </a:solidFill>
+              <a:headEnd type="none"/>
+            </a:ln>
+          </p:spPr>
+          <p:style>
+            <a:lnRef idx="1">
+              <a:schemeClr val="accent1"/>
+            </a:lnRef>
+            <a:fillRef idx="0">
+              <a:schemeClr val="accent1"/>
+            </a:fillRef>
+            <a:effectRef idx="0">
+              <a:schemeClr val="accent1"/>
+            </a:effectRef>
+            <a:fontRef idx="minor">
+              <a:schemeClr val="tx1"/>
+            </a:fontRef>
+          </p:style>
+          <p:txBody>
+            <a:bodyPr rtlCol="0" anchor="ctr"/>
+            <a:lstStyle/>
+            <a:p>
+              <a:pPr algn="ctr"/>
+              <a:endParaRPr kumimoji="1" lang="zh-TW" altLang="en-US"/>
+            </a:p>
+          </p:txBody>
+        </p:sp>
+        <p:pic>
+          <p:nvPicPr>
+            <p:cNvPr id="105" name="圖片 104">
+              <a:extLst>
+                <a:ext uri="{FF2B5EF4-FFF2-40B4-BE49-F238E27FC236}">
+                  <a16:creationId xmlns:a16="http://schemas.microsoft.com/office/drawing/2014/main" id="{329BCF34-7C42-01F1-4954-55981179BE82}"/>
+                </a:ext>
+              </a:extLst>
+            </p:cNvPr>
+            <p:cNvPicPr>
+              <a:picLocks noChangeAspect="1"/>
+            </p:cNvPicPr>
+            <p:nvPr/>
+          </p:nvPicPr>
+          <p:blipFill>
+            <a:blip r:embed="rId17"/>
+            <a:stretch>
+              <a:fillRect/>
+            </a:stretch>
+          </p:blipFill>
+          <p:spPr>
+            <a:xfrm>
+              <a:off x="3535160" y="2788813"/>
+              <a:ext cx="101600" cy="165100"/>
+            </a:xfrm>
+            <a:prstGeom prst="rect">
+              <a:avLst/>
+            </a:prstGeom>
+          </p:spPr>
+        </p:pic>
+        <p:cxnSp>
+          <p:nvCxnSpPr>
+            <p:cNvPr id="13" name="直線箭頭接點 12">
+              <a:extLst>
+                <a:ext uri="{FF2B5EF4-FFF2-40B4-BE49-F238E27FC236}">
+                  <a16:creationId xmlns:a16="http://schemas.microsoft.com/office/drawing/2014/main" id="{9B512E5E-5622-42DF-81E7-CBE8C1C7183D}"/>
+                </a:ext>
+              </a:extLst>
+            </p:cNvPr>
+            <p:cNvCxnSpPr>
+              <a:cxnSpLocks/>
+            </p:cNvCxnSpPr>
+            <p:nvPr/>
+          </p:nvCxnSpPr>
+          <p:spPr>
+            <a:xfrm flipH="1">
+              <a:off x="1728408" y="2983312"/>
+              <a:ext cx="855596" cy="995730"/>
+            </a:xfrm>
+            <a:prstGeom prst="straightConnector1">
+              <a:avLst/>
+            </a:prstGeom>
+            <a:ln w="15875">
+              <a:solidFill>
+                <a:schemeClr val="bg2">
+                  <a:lumMod val="75000"/>
+                </a:schemeClr>
+              </a:solidFill>
+              <a:prstDash val="solid"/>
+              <a:headEnd w="lg" len="lg"/>
+              <a:tailEnd type="none" w="lg" len="lg"/>
+            </a:ln>
+          </p:spPr>
+          <p:style>
+            <a:lnRef idx="1">
+              <a:schemeClr val="dk1"/>
+            </a:lnRef>
+            <a:fillRef idx="0">
+              <a:schemeClr val="dk1"/>
+            </a:fillRef>
+            <a:effectRef idx="0">
+              <a:schemeClr val="dk1"/>
+            </a:effectRef>
+            <a:fontRef idx="minor">
+              <a:schemeClr val="tx1"/>
+            </a:fontRef>
+          </p:style>
+        </p:cxnSp>
+        <p:sp>
+          <p:nvSpPr>
+            <p:cNvPr id="27" name="文字方塊 26">
+              <a:extLst>
+                <a:ext uri="{FF2B5EF4-FFF2-40B4-BE49-F238E27FC236}">
+                  <a16:creationId xmlns:a16="http://schemas.microsoft.com/office/drawing/2014/main" id="{AE99CC1A-6351-4B23-9838-76F76048E563}"/>
+                </a:ext>
+              </a:extLst>
+            </p:cNvPr>
+            <p:cNvSpPr txBox="1"/>
+            <p:nvPr/>
+          </p:nvSpPr>
+          <p:spPr>
+            <a:xfrm>
+              <a:off x="2125559" y="2401281"/>
+              <a:ext cx="521297" cy="261610"/>
+            </a:xfrm>
+            <a:prstGeom prst="rect">
+              <a:avLst/>
+            </a:prstGeom>
+            <a:noFill/>
+          </p:spPr>
+          <p:txBody>
+            <a:bodyPr wrap="none" rtlCol="0">
+              <a:spAutoFit/>
+            </a:bodyPr>
+            <a:lstStyle/>
+            <a:p>
+              <a:r>
+                <a:rPr kumimoji="1" lang="en-US" altLang="zh-TW" sz="1100" i="1" dirty="0" err="1">
+                  <a:solidFill>
+                    <a:srgbClr val="C00000"/>
+                  </a:solidFill>
+                  <a:latin typeface="Minion Pro" panose="02040503050306020203" pitchFamily="18" charset="0"/>
+                </a:rPr>
+                <a:t>h</a:t>
+              </a:r>
+              <a:r>
+                <a:rPr kumimoji="1" lang="en-US" altLang="zh-TW" sz="1100" dirty="0" err="1">
+                  <a:solidFill>
+                    <a:srgbClr val="C00000"/>
+                  </a:solidFill>
+                  <a:latin typeface="Minion Pro" panose="02040503050306020203" pitchFamily="18" charset="0"/>
+                </a:rPr>
+                <a:t>cos</a:t>
+              </a:r>
+              <a:r>
+                <a:rPr kumimoji="1" lang="en-US" altLang="zh-TW" sz="1100" i="1" dirty="0" err="1">
+                  <a:solidFill>
+                    <a:srgbClr val="C00000"/>
+                  </a:solidFill>
+                  <a:latin typeface="Minion Pro" panose="02040503050306020203" pitchFamily="18" charset="0"/>
+                </a:rPr>
+                <a:t>φ</a:t>
+              </a:r>
+              <a:endParaRPr kumimoji="1" lang="zh-TW" altLang="en-US" sz="1400" i="1" dirty="0">
+                <a:solidFill>
+                  <a:srgbClr val="C00000"/>
+                </a:solidFill>
+                <a:latin typeface="Minion Pro" panose="02040503050306020203" pitchFamily="18" charset="0"/>
+              </a:endParaRPr>
+            </a:p>
+          </p:txBody>
+        </p:sp>
+        <p:cxnSp>
+          <p:nvCxnSpPr>
+            <p:cNvPr id="31" name="直線箭頭接點 30">
+              <a:extLst>
+                <a:ext uri="{FF2B5EF4-FFF2-40B4-BE49-F238E27FC236}">
+                  <a16:creationId xmlns:a16="http://schemas.microsoft.com/office/drawing/2014/main" id="{0BB9652A-8AB7-A770-DBCD-6A44A6155A5B}"/>
+                </a:ext>
+              </a:extLst>
+            </p:cNvPr>
+            <p:cNvCxnSpPr>
+              <a:cxnSpLocks/>
+            </p:cNvCxnSpPr>
+            <p:nvPr/>
+          </p:nvCxnSpPr>
+          <p:spPr>
+            <a:xfrm>
+              <a:off x="1370556" y="3701835"/>
+              <a:ext cx="597743" cy="0"/>
+            </a:xfrm>
+            <a:prstGeom prst="straightConnector1">
+              <a:avLst/>
+            </a:prstGeom>
+            <a:ln w="15875">
+              <a:solidFill>
+                <a:schemeClr val="bg2">
+                  <a:lumMod val="75000"/>
+                </a:schemeClr>
+              </a:solidFill>
+              <a:headEnd w="lg" len="lg"/>
+              <a:tailEnd type="none" w="lg" len="lg"/>
+            </a:ln>
+          </p:spPr>
+          <p:style>
+            <a:lnRef idx="1">
+              <a:schemeClr val="dk1"/>
+            </a:lnRef>
+            <a:fillRef idx="0">
+              <a:schemeClr val="dk1"/>
+            </a:fillRef>
+            <a:effectRef idx="0">
+              <a:schemeClr val="dk1"/>
+            </a:effectRef>
+            <a:fontRef idx="minor">
+              <a:schemeClr val="tx1"/>
+            </a:fontRef>
+          </p:style>
+        </p:cxnSp>
+        <p:sp>
+          <p:nvSpPr>
+            <p:cNvPr id="36" name="文字方塊 35">
+              <a:extLst>
+                <a:ext uri="{FF2B5EF4-FFF2-40B4-BE49-F238E27FC236}">
+                  <a16:creationId xmlns:a16="http://schemas.microsoft.com/office/drawing/2014/main" id="{354D32B8-D309-3013-6845-6BE938E7727A}"/>
+                </a:ext>
+              </a:extLst>
+            </p:cNvPr>
+            <p:cNvSpPr txBox="1"/>
+            <p:nvPr/>
+          </p:nvSpPr>
+          <p:spPr>
+            <a:xfrm>
+              <a:off x="1077016" y="3616130"/>
+              <a:ext cx="300082" cy="307777"/>
+            </a:xfrm>
+            <a:prstGeom prst="rect">
+              <a:avLst/>
+            </a:prstGeom>
+            <a:noFill/>
+          </p:spPr>
+          <p:txBody>
+            <a:bodyPr wrap="none" rtlCol="0">
+              <a:spAutoFit/>
+            </a:bodyPr>
+            <a:lstStyle/>
+            <a:p>
+              <a:r>
+                <a:rPr kumimoji="1" lang="en-US" altLang="zh-TW" sz="1400" dirty="0">
+                  <a:solidFill>
+                    <a:schemeClr val="tx1">
+                      <a:lumMod val="85000"/>
+                      <a:lumOff val="15000"/>
+                    </a:schemeClr>
+                  </a:solidFill>
+                  <a:latin typeface="Myriad Pro" panose="020B0503030403020204" pitchFamily="34" charset="0"/>
+                </a:rPr>
+                <a:t>G</a:t>
+              </a:r>
+              <a:endParaRPr kumimoji="1" lang="zh-TW" altLang="en-US" dirty="0">
+                <a:solidFill>
+                  <a:schemeClr val="tx1">
+                    <a:lumMod val="85000"/>
+                    <a:lumOff val="15000"/>
+                  </a:schemeClr>
+                </a:solidFill>
+                <a:latin typeface="Myriad Pro" panose="020B0503030403020204" pitchFamily="34" charset="0"/>
+              </a:endParaRPr>
+            </a:p>
+          </p:txBody>
+        </p:sp>
+        <p:cxnSp>
+          <p:nvCxnSpPr>
+            <p:cNvPr id="45" name="直線箭頭接點 44">
+              <a:extLst>
+                <a:ext uri="{FF2B5EF4-FFF2-40B4-BE49-F238E27FC236}">
+                  <a16:creationId xmlns:a16="http://schemas.microsoft.com/office/drawing/2014/main" id="{A3D9F7C3-9202-3939-DA19-19F8E5CD8610}"/>
+                </a:ext>
+              </a:extLst>
+            </p:cNvPr>
+            <p:cNvCxnSpPr>
+              <a:cxnSpLocks/>
+            </p:cNvCxnSpPr>
+            <p:nvPr/>
+          </p:nvCxnSpPr>
+          <p:spPr>
+            <a:xfrm flipH="1">
+              <a:off x="1867530" y="3632934"/>
+              <a:ext cx="62567" cy="72815"/>
+            </a:xfrm>
+            <a:prstGeom prst="straightConnector1">
+              <a:avLst/>
+            </a:prstGeom>
+            <a:ln w="9525">
+              <a:solidFill>
+                <a:schemeClr val="bg2">
+                  <a:lumMod val="75000"/>
+                </a:schemeClr>
+              </a:solidFill>
+              <a:prstDash val="solid"/>
+              <a:headEnd w="lg" len="lg"/>
+              <a:tailEnd type="none" w="lg" len="lg"/>
+            </a:ln>
+          </p:spPr>
+          <p:style>
+            <a:lnRef idx="1">
+              <a:schemeClr val="dk1"/>
+            </a:lnRef>
+            <a:fillRef idx="0">
+              <a:schemeClr val="dk1"/>
+            </a:fillRef>
+            <a:effectRef idx="0">
+              <a:schemeClr val="dk1"/>
+            </a:effectRef>
+            <a:fontRef idx="minor">
+              <a:schemeClr val="tx1"/>
+            </a:fontRef>
+          </p:style>
+        </p:cxnSp>
+        <p:cxnSp>
+          <p:nvCxnSpPr>
+            <p:cNvPr id="47" name="直線箭頭接點 46">
+              <a:extLst>
+                <a:ext uri="{FF2B5EF4-FFF2-40B4-BE49-F238E27FC236}">
+                  <a16:creationId xmlns:a16="http://schemas.microsoft.com/office/drawing/2014/main" id="{8C480BAA-FA47-EC0E-DF45-F2ABC1D6EB5D}"/>
+                </a:ext>
+              </a:extLst>
+            </p:cNvPr>
+            <p:cNvCxnSpPr>
+              <a:cxnSpLocks/>
+            </p:cNvCxnSpPr>
+            <p:nvPr/>
+          </p:nvCxnSpPr>
+          <p:spPr>
+            <a:xfrm flipH="1">
+              <a:off x="1926672" y="3636359"/>
+              <a:ext cx="100789" cy="0"/>
+            </a:xfrm>
+            <a:prstGeom prst="straightConnector1">
+              <a:avLst/>
+            </a:prstGeom>
+            <a:ln w="9525">
+              <a:solidFill>
+                <a:schemeClr val="bg2">
+                  <a:lumMod val="75000"/>
+                </a:schemeClr>
+              </a:solidFill>
+              <a:prstDash val="solid"/>
+              <a:headEnd w="lg" len="lg"/>
+              <a:tailEnd type="none" w="lg" len="lg"/>
+            </a:ln>
+          </p:spPr>
+          <p:style>
+            <a:lnRef idx="1">
+              <a:schemeClr val="dk1"/>
+            </a:lnRef>
+            <a:fillRef idx="0">
+              <a:schemeClr val="dk1"/>
+            </a:fillRef>
+            <a:effectRef idx="0">
+              <a:schemeClr val="dk1"/>
+            </a:effectRef>
+            <a:fontRef idx="minor">
+              <a:schemeClr val="tx1"/>
+            </a:fontRef>
+          </p:style>
+        </p:cxnSp>
+        <p:pic>
+          <p:nvPicPr>
+            <p:cNvPr id="55" name="圖片 54">
+              <a:extLst>
+                <a:ext uri="{FF2B5EF4-FFF2-40B4-BE49-F238E27FC236}">
+                  <a16:creationId xmlns:a16="http://schemas.microsoft.com/office/drawing/2014/main" id="{B38DC311-5AEA-8663-47DF-34DAF419C1D5}"/>
+                </a:ext>
+              </a:extLst>
+            </p:cNvPr>
+            <p:cNvPicPr>
+              <a:picLocks noChangeAspect="1"/>
+            </p:cNvPicPr>
+            <p:nvPr/>
+          </p:nvPicPr>
+          <p:blipFill>
+            <a:blip r:embed="rId18"/>
+            <a:stretch>
+              <a:fillRect/>
+            </a:stretch>
+          </p:blipFill>
+          <p:spPr>
+            <a:xfrm>
+              <a:off x="2375649" y="2804437"/>
+              <a:ext cx="63500" cy="88900"/>
+            </a:xfrm>
+            <a:prstGeom prst="rect">
+              <a:avLst/>
+            </a:prstGeom>
+          </p:spPr>
+        </p:pic>
+        <p:sp>
+          <p:nvSpPr>
+            <p:cNvPr id="56" name="弧線 55">
+              <a:extLst>
+                <a:ext uri="{FF2B5EF4-FFF2-40B4-BE49-F238E27FC236}">
+                  <a16:creationId xmlns:a16="http://schemas.microsoft.com/office/drawing/2014/main" id="{6AFE53D6-18F2-DB24-0C77-E6FE0393F7A1}"/>
+                </a:ext>
+              </a:extLst>
+            </p:cNvPr>
+            <p:cNvSpPr/>
+            <p:nvPr/>
+          </p:nvSpPr>
+          <p:spPr>
+            <a:xfrm>
+              <a:off x="2488664" y="2703698"/>
+              <a:ext cx="142001" cy="211674"/>
+            </a:xfrm>
+            <a:prstGeom prst="arc">
+              <a:avLst>
+                <a:gd name="adj1" fmla="val 5960494"/>
+                <a:gd name="adj2" fmla="val 13126385"/>
+              </a:avLst>
+            </a:prstGeom>
+            <a:ln w="12700">
+              <a:solidFill>
+                <a:schemeClr val="tx1">
+                  <a:lumMod val="85000"/>
+                  <a:lumOff val="15000"/>
+                </a:schemeClr>
+              </a:solidFill>
+              <a:headEnd type="none"/>
+            </a:ln>
+          </p:spPr>
+          <p:style>
+            <a:lnRef idx="1">
+              <a:schemeClr val="accent1"/>
+            </a:lnRef>
+            <a:fillRef idx="0">
+              <a:schemeClr val="accent1"/>
+            </a:fillRef>
+            <a:effectRef idx="0">
+              <a:schemeClr val="accent1"/>
+            </a:effectRef>
+            <a:fontRef idx="minor">
+              <a:schemeClr val="tx1"/>
+            </a:fontRef>
+          </p:style>
+          <p:txBody>
+            <a:bodyPr rtlCol="0" anchor="ctr"/>
+            <a:lstStyle/>
+            <a:p>
+              <a:pPr algn="ctr"/>
+              <a:endParaRPr kumimoji="1" lang="zh-TW" altLang="en-US"/>
+            </a:p>
+          </p:txBody>
+        </p:sp>
+        <p:pic>
+          <p:nvPicPr>
+            <p:cNvPr id="59" name="圖片 58">
+              <a:extLst>
+                <a:ext uri="{FF2B5EF4-FFF2-40B4-BE49-F238E27FC236}">
+                  <a16:creationId xmlns:a16="http://schemas.microsoft.com/office/drawing/2014/main" id="{46F76C4C-5F92-876F-4E0B-A20ACD6671B5}"/>
+                </a:ext>
+              </a:extLst>
+            </p:cNvPr>
+            <p:cNvPicPr>
+              <a:picLocks noChangeAspect="1"/>
+            </p:cNvPicPr>
+            <p:nvPr/>
+          </p:nvPicPr>
+          <p:blipFill>
+            <a:blip r:embed="rId8"/>
+            <a:stretch>
+              <a:fillRect/>
+            </a:stretch>
+          </p:blipFill>
+          <p:spPr>
+            <a:xfrm>
+              <a:off x="1438080" y="3748915"/>
+              <a:ext cx="342900" cy="114300"/>
+            </a:xfrm>
+            <a:prstGeom prst="rect">
+              <a:avLst/>
+            </a:prstGeom>
+          </p:spPr>
+        </p:pic>
+        <p:cxnSp>
+          <p:nvCxnSpPr>
+            <p:cNvPr id="72" name="直線箭頭接點 71">
+              <a:extLst>
+                <a:ext uri="{FF2B5EF4-FFF2-40B4-BE49-F238E27FC236}">
+                  <a16:creationId xmlns:a16="http://schemas.microsoft.com/office/drawing/2014/main" id="{4170E520-512D-67C3-863E-2D350BF44213}"/>
+                </a:ext>
+              </a:extLst>
+            </p:cNvPr>
+            <p:cNvCxnSpPr>
+              <a:cxnSpLocks/>
+            </p:cNvCxnSpPr>
+            <p:nvPr/>
+          </p:nvCxnSpPr>
+          <p:spPr>
+            <a:xfrm flipH="1">
+              <a:off x="2586698" y="2760214"/>
+              <a:ext cx="191701" cy="223098"/>
+            </a:xfrm>
+            <a:prstGeom prst="straightConnector1">
+              <a:avLst/>
+            </a:prstGeom>
+            <a:ln w="15875">
+              <a:solidFill>
+                <a:srgbClr val="B21D09"/>
+              </a:solidFill>
+              <a:prstDash val="sysDash"/>
+              <a:headEnd w="lg" len="lg"/>
+              <a:tailEnd type="none" w="lg" len="lg"/>
+            </a:ln>
+          </p:spPr>
+          <p:style>
+            <a:lnRef idx="1">
+              <a:schemeClr val="dk1"/>
+            </a:lnRef>
+            <a:fillRef idx="0">
+              <a:schemeClr val="dk1"/>
+            </a:fillRef>
+            <a:effectRef idx="0">
+              <a:schemeClr val="dk1"/>
+            </a:effectRef>
+            <a:fontRef idx="minor">
+              <a:schemeClr val="tx1"/>
+            </a:fontRef>
+          </p:style>
+        </p:cxnSp>
+        <p:pic>
+          <p:nvPicPr>
+            <p:cNvPr id="75" name="圖片 74">
+              <a:extLst>
+                <a:ext uri="{FF2B5EF4-FFF2-40B4-BE49-F238E27FC236}">
+                  <a16:creationId xmlns:a16="http://schemas.microsoft.com/office/drawing/2014/main" id="{5AD9944B-E12A-DD9A-A0D7-1DF61AED76D5}"/>
+                </a:ext>
+              </a:extLst>
+            </p:cNvPr>
+            <p:cNvPicPr>
+              <a:picLocks noChangeAspect="1"/>
+            </p:cNvPicPr>
+            <p:nvPr/>
+          </p:nvPicPr>
+          <p:blipFill>
+            <a:blip r:embed="rId7"/>
+            <a:stretch>
+              <a:fillRect/>
+            </a:stretch>
+          </p:blipFill>
+          <p:spPr>
+            <a:xfrm>
+              <a:off x="2190692" y="3483199"/>
+              <a:ext cx="876300" cy="139700"/>
+            </a:xfrm>
+            <a:prstGeom prst="rect">
+              <a:avLst/>
+            </a:prstGeom>
+          </p:spPr>
+        </p:pic>
+        <p:cxnSp>
+          <p:nvCxnSpPr>
+            <p:cNvPr id="82" name="直線接點 81">
+              <a:extLst>
+                <a:ext uri="{FF2B5EF4-FFF2-40B4-BE49-F238E27FC236}">
+                  <a16:creationId xmlns:a16="http://schemas.microsoft.com/office/drawing/2014/main" id="{6F391132-A0B3-EC1C-49FC-7662A971CBC6}"/>
+                </a:ext>
+              </a:extLst>
+            </p:cNvPr>
+            <p:cNvCxnSpPr>
+              <a:cxnSpLocks/>
+            </p:cNvCxnSpPr>
+            <p:nvPr/>
+          </p:nvCxnSpPr>
+          <p:spPr>
+            <a:xfrm flipH="1">
+              <a:off x="1375833" y="1748217"/>
+              <a:ext cx="1204980" cy="1951716"/>
+            </a:xfrm>
+            <a:prstGeom prst="line">
+              <a:avLst/>
+            </a:prstGeom>
+            <a:ln w="12700">
+              <a:solidFill>
+                <a:srgbClr val="C00000"/>
+              </a:solidFill>
+              <a:prstDash val="solid"/>
+            </a:ln>
+          </p:spPr>
+          <p:style>
+            <a:lnRef idx="1">
+              <a:schemeClr val="accent1"/>
+            </a:lnRef>
+            <a:fillRef idx="0">
+              <a:schemeClr val="accent1"/>
+            </a:fillRef>
+            <a:effectRef idx="0">
+              <a:schemeClr val="accent1"/>
+            </a:effectRef>
+            <a:fontRef idx="minor">
+              <a:schemeClr val="tx1"/>
+            </a:fontRef>
+          </p:style>
+        </p:cxnSp>
+        <p:cxnSp>
+          <p:nvCxnSpPr>
+            <p:cNvPr id="90" name="直線接點 89">
+              <a:extLst>
+                <a:ext uri="{FF2B5EF4-FFF2-40B4-BE49-F238E27FC236}">
+                  <a16:creationId xmlns:a16="http://schemas.microsoft.com/office/drawing/2014/main" id="{1AA78536-A272-991F-CF30-E76ED2A63989}"/>
+                </a:ext>
+              </a:extLst>
+            </p:cNvPr>
+            <p:cNvCxnSpPr>
+              <a:cxnSpLocks/>
+            </p:cNvCxnSpPr>
+            <p:nvPr/>
+          </p:nvCxnSpPr>
+          <p:spPr>
+            <a:xfrm flipH="1">
+              <a:off x="1380067" y="2983311"/>
+              <a:ext cx="1203937" cy="716622"/>
+            </a:xfrm>
+            <a:prstGeom prst="line">
+              <a:avLst/>
+            </a:prstGeom>
+            <a:ln w="12700">
+              <a:solidFill>
+                <a:srgbClr val="C00000"/>
+              </a:solidFill>
+              <a:prstDash val="solid"/>
+            </a:ln>
+          </p:spPr>
+          <p:style>
+            <a:lnRef idx="1">
+              <a:schemeClr val="accent1"/>
+            </a:lnRef>
+            <a:fillRef idx="0">
+              <a:schemeClr val="accent1"/>
+            </a:fillRef>
+            <a:effectRef idx="0">
+              <a:schemeClr val="accent1"/>
+            </a:effectRef>
+            <a:fontRef idx="minor">
+              <a:schemeClr val="tx1"/>
+            </a:fontRef>
+          </p:style>
+        </p:cxnSp>
+        <p:sp>
+          <p:nvSpPr>
+            <p:cNvPr id="141" name="文字方塊 140">
+              <a:extLst>
+                <a:ext uri="{FF2B5EF4-FFF2-40B4-BE49-F238E27FC236}">
+                  <a16:creationId xmlns:a16="http://schemas.microsoft.com/office/drawing/2014/main" id="{CFCF08F3-37E7-E09D-6585-A50975178873}"/>
+                </a:ext>
+              </a:extLst>
+            </p:cNvPr>
+            <p:cNvSpPr txBox="1"/>
+            <p:nvPr/>
+          </p:nvSpPr>
+          <p:spPr>
+            <a:xfrm>
+              <a:off x="2688204" y="2784567"/>
+              <a:ext cx="505267" cy="261610"/>
+            </a:xfrm>
+            <a:prstGeom prst="rect">
+              <a:avLst/>
+            </a:prstGeom>
+            <a:noFill/>
+          </p:spPr>
+          <p:txBody>
+            <a:bodyPr wrap="none" rtlCol="0">
+              <a:spAutoFit/>
+            </a:bodyPr>
+            <a:lstStyle/>
+            <a:p>
+              <a:r>
+                <a:rPr kumimoji="1" lang="en-US" altLang="zh-TW" sz="1100" i="1" dirty="0" err="1">
+                  <a:solidFill>
+                    <a:srgbClr val="C00000"/>
+                  </a:solidFill>
+                  <a:latin typeface="Minion Pro" panose="02040503050306020203" pitchFamily="18" charset="0"/>
+                </a:rPr>
+                <a:t>h</a:t>
+              </a:r>
+              <a:r>
+                <a:rPr kumimoji="1" lang="en-US" altLang="zh-TW" sz="1100" dirty="0" err="1">
+                  <a:solidFill>
+                    <a:srgbClr val="C00000"/>
+                  </a:solidFill>
+                  <a:latin typeface="Minion Pro" panose="02040503050306020203" pitchFamily="18" charset="0"/>
+                </a:rPr>
+                <a:t>sin</a:t>
+              </a:r>
+              <a:r>
+                <a:rPr kumimoji="1" lang="en-US" altLang="zh-TW" sz="1100" i="1" dirty="0" err="1">
+                  <a:solidFill>
+                    <a:srgbClr val="C00000"/>
+                  </a:solidFill>
+                  <a:latin typeface="Minion Pro" panose="02040503050306020203" pitchFamily="18" charset="0"/>
+                </a:rPr>
+                <a:t>φ</a:t>
+              </a:r>
+              <a:endParaRPr kumimoji="1" lang="zh-TW" altLang="en-US" sz="1400" i="1" dirty="0">
+                <a:solidFill>
+                  <a:srgbClr val="C00000"/>
+                </a:solidFill>
+                <a:latin typeface="Minion Pro" panose="02040503050306020203" pitchFamily="18" charset="0"/>
+              </a:endParaRPr>
+            </a:p>
+          </p:txBody>
+        </p:sp>
+        <p:sp>
+          <p:nvSpPr>
+            <p:cNvPr id="142" name="文字方塊 141">
+              <a:extLst>
+                <a:ext uri="{FF2B5EF4-FFF2-40B4-BE49-F238E27FC236}">
+                  <a16:creationId xmlns:a16="http://schemas.microsoft.com/office/drawing/2014/main" id="{DEFFB9B6-384B-3488-8626-7E8EFFDD7A52}"/>
+                </a:ext>
+              </a:extLst>
+            </p:cNvPr>
+            <p:cNvSpPr txBox="1"/>
+            <p:nvPr/>
+          </p:nvSpPr>
+          <p:spPr>
+            <a:xfrm>
+              <a:off x="3114967" y="2459641"/>
+              <a:ext cx="593432" cy="307777"/>
+            </a:xfrm>
+            <a:prstGeom prst="rect">
+              <a:avLst/>
+            </a:prstGeom>
+            <a:noFill/>
+          </p:spPr>
+          <p:txBody>
+            <a:bodyPr wrap="none" rtlCol="0">
+              <a:spAutoFit/>
+            </a:bodyPr>
+            <a:lstStyle/>
+            <a:p>
+              <a:r>
+                <a:rPr kumimoji="1" lang="en-US" altLang="zh-TW" sz="1400" i="1" dirty="0" err="1">
+                  <a:solidFill>
+                    <a:srgbClr val="C00000"/>
+                  </a:solidFill>
+                  <a:latin typeface="Minion Pro" panose="02040503050306020203" pitchFamily="18" charset="0"/>
+                </a:rPr>
+                <a:t>d</a:t>
+              </a:r>
+              <a:r>
+                <a:rPr kumimoji="1" lang="en-US" altLang="zh-TW" sz="1400" dirty="0" err="1">
+                  <a:solidFill>
+                    <a:srgbClr val="C00000"/>
+                  </a:solidFill>
+                  <a:latin typeface="Minion Pro" panose="02040503050306020203" pitchFamily="18" charset="0"/>
+                </a:rPr>
+                <a:t>cos</a:t>
+              </a:r>
+              <a:r>
+                <a:rPr kumimoji="1" lang="en-US" altLang="zh-TW" sz="1400" i="1" dirty="0" err="1">
+                  <a:solidFill>
+                    <a:srgbClr val="C00000"/>
+                  </a:solidFill>
+                  <a:latin typeface="Minion Pro" panose="02040503050306020203" pitchFamily="18" charset="0"/>
+                </a:rPr>
+                <a:t>θ</a:t>
+              </a:r>
+              <a:endParaRPr kumimoji="1" lang="zh-TW" altLang="en-US" i="1" dirty="0">
+                <a:solidFill>
+                  <a:srgbClr val="C00000"/>
+                </a:solidFill>
+                <a:latin typeface="Minion Pro" panose="02040503050306020203" pitchFamily="18" charset="0"/>
+              </a:endParaRPr>
+            </a:p>
+          </p:txBody>
+        </p:sp>
+        <p:cxnSp>
+          <p:nvCxnSpPr>
+            <p:cNvPr id="146" name="曲線接點 145">
+              <a:extLst>
+                <a:ext uri="{FF2B5EF4-FFF2-40B4-BE49-F238E27FC236}">
+                  <a16:creationId xmlns:a16="http://schemas.microsoft.com/office/drawing/2014/main" id="{DD09C311-E1FA-7740-B743-95818ABC2BB8}"/>
+                </a:ext>
+              </a:extLst>
+            </p:cNvPr>
+            <p:cNvCxnSpPr/>
+            <p:nvPr/>
+          </p:nvCxnSpPr>
+          <p:spPr>
+            <a:xfrm rot="16200000" flipV="1">
+              <a:off x="2144537" y="1602729"/>
+              <a:ext cx="317560" cy="203401"/>
+            </a:xfrm>
+            <a:prstGeom prst="curvedConnector3">
+              <a:avLst>
+                <a:gd name="adj1" fmla="val 39002"/>
+              </a:avLst>
+            </a:prstGeom>
+            <a:ln w="9525">
+              <a:solidFill>
+                <a:srgbClr val="2F528F"/>
+              </a:solidFill>
+              <a:tailEnd type="stealth" w="med" len="med"/>
+            </a:ln>
+          </p:spPr>
+          <p:style>
+            <a:lnRef idx="1">
+              <a:schemeClr val="accent1"/>
+            </a:lnRef>
+            <a:fillRef idx="0">
+              <a:schemeClr val="accent1"/>
+            </a:fillRef>
+            <a:effectRef idx="0">
+              <a:schemeClr val="accent1"/>
+            </a:effectRef>
+            <a:fontRef idx="minor">
+              <a:schemeClr val="tx1"/>
+            </a:fontRef>
+          </p:style>
+        </p:cxnSp>
+        <p:cxnSp>
+          <p:nvCxnSpPr>
+            <p:cNvPr id="148" name="曲線接點 147">
+              <a:extLst>
+                <a:ext uri="{FF2B5EF4-FFF2-40B4-BE49-F238E27FC236}">
+                  <a16:creationId xmlns:a16="http://schemas.microsoft.com/office/drawing/2014/main" id="{F7B2D577-D5D0-B904-1212-100FBF92D648}"/>
+                </a:ext>
+              </a:extLst>
+            </p:cNvPr>
+            <p:cNvCxnSpPr>
+              <a:cxnSpLocks/>
+            </p:cNvCxnSpPr>
+            <p:nvPr/>
+          </p:nvCxnSpPr>
+          <p:spPr>
+            <a:xfrm rot="10800000">
+              <a:off x="1875976" y="2119528"/>
+              <a:ext cx="310791" cy="269673"/>
+            </a:xfrm>
+            <a:prstGeom prst="curvedConnector3">
+              <a:avLst>
+                <a:gd name="adj1" fmla="val 50000"/>
+              </a:avLst>
+            </a:prstGeom>
+            <a:ln w="9525">
+              <a:solidFill>
+                <a:srgbClr val="C00000"/>
+              </a:solidFill>
+              <a:tailEnd type="stealth" w="med" len="med"/>
+            </a:ln>
+          </p:spPr>
+          <p:style>
+            <a:lnRef idx="1">
+              <a:schemeClr val="accent1"/>
+            </a:lnRef>
+            <a:fillRef idx="0">
+              <a:schemeClr val="accent1"/>
+            </a:fillRef>
+            <a:effectRef idx="0">
+              <a:schemeClr val="accent1"/>
+            </a:effectRef>
+            <a:fontRef idx="minor">
+              <a:schemeClr val="tx1"/>
+            </a:fontRef>
+          </p:style>
+        </p:cxnSp>
+        <p:sp>
+          <p:nvSpPr>
+            <p:cNvPr id="153" name="文字方塊 152">
+              <a:extLst>
+                <a:ext uri="{FF2B5EF4-FFF2-40B4-BE49-F238E27FC236}">
+                  <a16:creationId xmlns:a16="http://schemas.microsoft.com/office/drawing/2014/main" id="{7D9F743A-8C96-F996-36B4-75A9694E2519}"/>
+                </a:ext>
+              </a:extLst>
+            </p:cNvPr>
+            <p:cNvSpPr txBox="1"/>
+            <p:nvPr/>
+          </p:nvSpPr>
+          <p:spPr>
+            <a:xfrm>
+              <a:off x="2898689" y="3172458"/>
+              <a:ext cx="410690" cy="307777"/>
+            </a:xfrm>
+            <a:prstGeom prst="rect">
+              <a:avLst/>
+            </a:prstGeom>
+            <a:noFill/>
+          </p:spPr>
+          <p:txBody>
+            <a:bodyPr wrap="none" rtlCol="0">
+              <a:spAutoFit/>
+            </a:bodyPr>
+            <a:lstStyle/>
+            <a:p>
+              <a:r>
+                <a:rPr kumimoji="1" lang="en-US" altLang="zh-TW" sz="1400" i="1" dirty="0">
+                  <a:latin typeface="Minion Pro" panose="02040503050306020203" pitchFamily="18" charset="0"/>
+                </a:rPr>
+                <a:t>R</a:t>
+              </a:r>
+              <a:r>
+                <a:rPr kumimoji="1" lang="en-US" altLang="zh-TW" sz="1400" baseline="-25000" dirty="0">
+                  <a:latin typeface="Minion Pro" panose="02040503050306020203" pitchFamily="18" charset="0"/>
+                </a:rPr>
+                <a:t>⊕</a:t>
+              </a:r>
+              <a:endParaRPr kumimoji="1" lang="zh-TW" altLang="en-US" i="1" dirty="0">
+                <a:solidFill>
+                  <a:srgbClr val="2F528F"/>
+                </a:solidFill>
+                <a:latin typeface="Minion Pro" panose="02040503050306020203" pitchFamily="18" charset="0"/>
+              </a:endParaRPr>
+            </a:p>
+          </p:txBody>
+        </p:sp>
+        <p:sp>
+          <p:nvSpPr>
+            <p:cNvPr id="193" name="文字方塊 192">
+              <a:extLst>
+                <a:ext uri="{FF2B5EF4-FFF2-40B4-BE49-F238E27FC236}">
+                  <a16:creationId xmlns:a16="http://schemas.microsoft.com/office/drawing/2014/main" id="{665E3121-CE50-D308-7173-45B11F28B272}"/>
+                </a:ext>
+              </a:extLst>
+            </p:cNvPr>
+            <p:cNvSpPr txBox="1"/>
+            <p:nvPr/>
+          </p:nvSpPr>
+          <p:spPr>
+            <a:xfrm>
+              <a:off x="1968719" y="3227354"/>
+              <a:ext cx="253596" cy="261610"/>
+            </a:xfrm>
+            <a:prstGeom prst="rect">
+              <a:avLst/>
+            </a:prstGeom>
+            <a:noFill/>
+          </p:spPr>
+          <p:txBody>
+            <a:bodyPr wrap="none" rtlCol="0">
+              <a:spAutoFit/>
+            </a:bodyPr>
+            <a:lstStyle/>
+            <a:p>
+              <a:r>
+                <a:rPr kumimoji="1" lang="en-US" altLang="zh-TW" sz="1100" i="1" dirty="0">
+                  <a:solidFill>
+                    <a:srgbClr val="C00000"/>
+                  </a:solidFill>
+                  <a:latin typeface="Minion Pro" panose="02040503050306020203" pitchFamily="18" charset="0"/>
+                </a:rPr>
+                <a:t>a</a:t>
+              </a:r>
+              <a:endParaRPr kumimoji="1" lang="zh-TW" altLang="en-US" sz="1400" i="1" dirty="0">
+                <a:solidFill>
+                  <a:srgbClr val="C00000"/>
+                </a:solidFill>
+                <a:latin typeface="Minion Pro" panose="02040503050306020203" pitchFamily="18" charset="0"/>
+              </a:endParaRPr>
+            </a:p>
+          </p:txBody>
+        </p:sp>
+        <p:sp>
+          <p:nvSpPr>
+            <p:cNvPr id="195" name="文字方塊 194">
+              <a:extLst>
+                <a:ext uri="{FF2B5EF4-FFF2-40B4-BE49-F238E27FC236}">
+                  <a16:creationId xmlns:a16="http://schemas.microsoft.com/office/drawing/2014/main" id="{C76FDA56-C58A-A493-FA75-2C9FDD9066BF}"/>
+                </a:ext>
+              </a:extLst>
+            </p:cNvPr>
+            <p:cNvSpPr txBox="1"/>
+            <p:nvPr/>
+          </p:nvSpPr>
+          <p:spPr>
+            <a:xfrm>
+              <a:off x="2646714" y="896225"/>
+              <a:ext cx="282450" cy="307777"/>
+            </a:xfrm>
+            <a:prstGeom prst="rect">
+              <a:avLst/>
+            </a:prstGeom>
+            <a:noFill/>
+          </p:spPr>
+          <p:txBody>
+            <a:bodyPr wrap="none" rtlCol="0">
+              <a:spAutoFit/>
+            </a:bodyPr>
+            <a:lstStyle/>
+            <a:p>
+              <a:r>
+                <a:rPr kumimoji="1" lang="en-US" altLang="zh-TW" sz="1400" dirty="0">
+                  <a:solidFill>
+                    <a:schemeClr val="tx1">
+                      <a:lumMod val="85000"/>
+                      <a:lumOff val="15000"/>
+                    </a:schemeClr>
+                  </a:solidFill>
+                  <a:latin typeface="Myriad Pro" panose="020B0503030403020204" pitchFamily="34" charset="0"/>
+                </a:rPr>
+                <a:t>B</a:t>
+              </a:r>
+              <a:endParaRPr kumimoji="1" lang="zh-TW" altLang="en-US" sz="1400" dirty="0">
+                <a:solidFill>
+                  <a:schemeClr val="tx1">
+                    <a:lumMod val="85000"/>
+                    <a:lumOff val="15000"/>
+                  </a:schemeClr>
+                </a:solidFill>
+                <a:latin typeface="Myriad Pro" panose="020B0503030403020204" pitchFamily="34" charset="0"/>
+              </a:endParaRPr>
+            </a:p>
+          </p:txBody>
+        </p:sp>
+      </p:grpSp>
+      <p:sp>
+        <p:nvSpPr>
+          <p:cNvPr id="198" name="文字方塊 197">
+            <a:extLst>
+              <a:ext uri="{FF2B5EF4-FFF2-40B4-BE49-F238E27FC236}">
+                <a16:creationId xmlns:a16="http://schemas.microsoft.com/office/drawing/2014/main" id="{2ED1B335-49F9-09BC-C2FE-74406731AD60}"/>
+              </a:ext>
+            </a:extLst>
+          </p:cNvPr>
+          <p:cNvSpPr txBox="1"/>
+          <p:nvPr/>
+        </p:nvSpPr>
+        <p:spPr>
+          <a:xfrm>
+            <a:off x="7188623" y="6365336"/>
+            <a:ext cx="942887" cy="307777"/>
           </a:xfrm>
           <a:prstGeom prst="rect">
             <a:avLst/>
@@ -6514,79 +8642,7 @@
               <a:rPr kumimoji="1" lang="en-US" altLang="zh-TW" sz="1400" dirty="0">
                 <a:latin typeface="Minion Pro" panose="02040503050306020203" pitchFamily="18" charset="0"/>
               </a:rPr>
-              <a:t>In the limit of SN at GC (</a:t>
-            </a:r>
-            <a:r>
-              <a:rPr kumimoji="1" lang="en-US" altLang="zh-TW" sz="1400" i="1" dirty="0">
-                <a:latin typeface="Minion Pro" panose="02040503050306020203" pitchFamily="18" charset="0"/>
-              </a:rPr>
-              <a:t>S</a:t>
-            </a:r>
-            <a:r>
-              <a:rPr kumimoji="1" lang="en-US" altLang="zh-TW" sz="1400" dirty="0">
-                <a:latin typeface="Minion Pro" panose="02040503050306020203" pitchFamily="18" charset="0"/>
-              </a:rPr>
-              <a:t> = </a:t>
-            </a:r>
-            <a:r>
-              <a:rPr kumimoji="1" lang="en-US" altLang="zh-TW" sz="1400" i="1" dirty="0">
-                <a:latin typeface="Minion Pro" panose="02040503050306020203" pitchFamily="18" charset="0"/>
-              </a:rPr>
-              <a:t>G</a:t>
-            </a:r>
-            <a:r>
-              <a:rPr kumimoji="1" lang="en-US" altLang="zh-TW" sz="1400" dirty="0">
-                <a:latin typeface="Minion Pro" panose="02040503050306020203" pitchFamily="18" charset="0"/>
-              </a:rPr>
-              <a:t>), we have </a:t>
-            </a:r>
-            <a:r>
-              <a:rPr kumimoji="1" lang="en-US" altLang="zh-TW" sz="1400" i="1" dirty="0">
-                <a:latin typeface="Minion Pro" panose="02040503050306020203" pitchFamily="18" charset="0"/>
-              </a:rPr>
-              <a:t>β</a:t>
-            </a:r>
-            <a:r>
-              <a:rPr kumimoji="1" lang="en-US" altLang="zh-TW" sz="1400" dirty="0">
-                <a:latin typeface="Minion Pro" panose="02040503050306020203" pitchFamily="18" charset="0"/>
-              </a:rPr>
-              <a:t> = 0 and </a:t>
-            </a:r>
-            <a:r>
-              <a:rPr kumimoji="1" lang="en-US" altLang="zh-TW" sz="1400" i="1" dirty="0">
-                <a:latin typeface="Minion Pro" panose="02040503050306020203" pitchFamily="18" charset="0"/>
-              </a:rPr>
-              <a:t>R</a:t>
-            </a:r>
-            <a:r>
-              <a:rPr kumimoji="1" lang="en-US" altLang="zh-TW" sz="1400" baseline="-25000" dirty="0">
-                <a:latin typeface="Minion Pro" panose="02040503050306020203" pitchFamily="18" charset="0"/>
-              </a:rPr>
-              <a:t>⋆</a:t>
-            </a:r>
-            <a:r>
-              <a:rPr kumimoji="1" lang="en-US" altLang="zh-TW" sz="1400" dirty="0">
-                <a:latin typeface="Minion Pro" panose="02040503050306020203" pitchFamily="18" charset="0"/>
-              </a:rPr>
-              <a:t> = </a:t>
-            </a:r>
-            <a:r>
-              <a:rPr kumimoji="1" lang="en-US" altLang="zh-TW" sz="1400" i="1" dirty="0">
-                <a:latin typeface="Minion Pro" panose="02040503050306020203" pitchFamily="18" charset="0"/>
-              </a:rPr>
-              <a:t>R</a:t>
-            </a:r>
-            <a:r>
-              <a:rPr kumimoji="1" lang="en-US" altLang="zh-TW" sz="1400" baseline="-25000" dirty="0">
-                <a:latin typeface="Minion Pro" panose="02040503050306020203" pitchFamily="18" charset="0"/>
-              </a:rPr>
-              <a:t>⊕</a:t>
-            </a:r>
-            <a:r>
-              <a:rPr kumimoji="1" lang="en-US" altLang="zh-TW" sz="1400" dirty="0">
-                <a:latin typeface="Minion Pro" panose="02040503050306020203" pitchFamily="18" charset="0"/>
-              </a:rPr>
-              <a:t>. Thus we recover</a:t>
+              <a:t>as desired!</a:t>
             </a:r>
             <a:endParaRPr kumimoji="1" lang="zh-TW" altLang="en-US" sz="1400" dirty="0">
               <a:latin typeface="Minion Pro" panose="02040503050306020203" pitchFamily="18" charset="0"/>
@@ -6596,10 +8652,10 @@
       </p:sp>
       <p:pic>
         <p:nvPicPr>
-          <p:cNvPr id="131" name="圖片 130">
+          <p:cNvPr id="202" name="圖片 201">
             <a:extLst>
               <a:ext uri="{FF2B5EF4-FFF2-40B4-BE49-F238E27FC236}">
-                <a16:creationId xmlns:a16="http://schemas.microsoft.com/office/drawing/2014/main" id="{885FD3BA-AAD1-1089-4AD9-2E253E7EF761}"/>
+                <a16:creationId xmlns:a16="http://schemas.microsoft.com/office/drawing/2014/main" id="{13283028-5B94-56D9-E30D-722857F70CF5}"/>
               </a:ext>
             </a:extLst>
           </p:cNvPr>
@@ -6609,85 +8665,15 @@
           <p:nvPr/>
         </p:nvPicPr>
         <p:blipFill>
-          <a:blip r:embed="rId12"/>
+          <a:blip r:embed="rId19"/>
           <a:stretch>
             <a:fillRect/>
           </a:stretch>
         </p:blipFill>
         <p:spPr>
           <a:xfrm>
-            <a:off x="410574" y="4988532"/>
-            <a:ext cx="1257300" cy="177800"/>
-          </a:xfrm>
-          <a:prstGeom prst="rect">
-            <a:avLst/>
-          </a:prstGeom>
-        </p:spPr>
-      </p:pic>
-      <p:sp>
-        <p:nvSpPr>
-          <p:cNvPr id="133" name="文字方塊 132">
-            <a:extLst>
-              <a:ext uri="{FF2B5EF4-FFF2-40B4-BE49-F238E27FC236}">
-                <a16:creationId xmlns:a16="http://schemas.microsoft.com/office/drawing/2014/main" id="{FBDB7230-19DB-FA37-9207-AB6FBFBC569B}"/>
-              </a:ext>
-            </a:extLst>
-          </p:cNvPr>
-          <p:cNvSpPr txBox="1"/>
-          <p:nvPr/>
-        </p:nvSpPr>
-        <p:spPr>
-          <a:xfrm>
-            <a:off x="2890070" y="5492189"/>
-            <a:ext cx="3187091" cy="307777"/>
-          </a:xfrm>
-          <a:prstGeom prst="rect">
-            <a:avLst/>
-          </a:prstGeom>
-          <a:noFill/>
-        </p:spPr>
-        <p:txBody>
-          <a:bodyPr wrap="none" rtlCol="0">
-            <a:spAutoFit/>
-          </a:bodyPr>
-          <a:lstStyle/>
-          <a:p>
-            <a:r>
-              <a:rPr kumimoji="1" lang="en-US" altLang="zh-TW" sz="1400" dirty="0">
-                <a:latin typeface="Minion Pro" panose="02040503050306020203" pitchFamily="18" charset="0"/>
-              </a:rPr>
-              <a:t>law of cosine according to the red triangle</a:t>
-            </a:r>
-            <a:endParaRPr kumimoji="1" lang="zh-TW" altLang="en-US" sz="1400" dirty="0">
-              <a:latin typeface="Minion Pro" panose="02040503050306020203" pitchFamily="18" charset="0"/>
-            </a:endParaRPr>
-          </a:p>
-        </p:txBody>
-      </p:sp>
-      <p:pic>
-        <p:nvPicPr>
-          <p:cNvPr id="134" name="圖片 133">
-            <a:extLst>
-              <a:ext uri="{FF2B5EF4-FFF2-40B4-BE49-F238E27FC236}">
-                <a16:creationId xmlns:a16="http://schemas.microsoft.com/office/drawing/2014/main" id="{4E17DEA9-399F-6716-0B66-374A668244AC}"/>
-              </a:ext>
-            </a:extLst>
-          </p:cNvPr>
-          <p:cNvPicPr>
-            <a:picLocks noChangeAspect="1"/>
-          </p:cNvPicPr>
-          <p:nvPr/>
-        </p:nvPicPr>
-        <p:blipFill>
-          <a:blip r:embed="rId13"/>
-          <a:stretch>
-            <a:fillRect/>
-          </a:stretch>
-        </p:blipFill>
-        <p:spPr>
-          <a:xfrm>
-            <a:off x="308511" y="5241541"/>
-            <a:ext cx="3263900" cy="736600"/>
+            <a:off x="10407757" y="197038"/>
+            <a:ext cx="1752600" cy="381000"/>
           </a:xfrm>
           <a:prstGeom prst="rect">
             <a:avLst/>

--- a/doc/scheme.pptx
+++ b/doc/scheme.pptx
@@ -259,7 +259,7 @@
           <a:p>
             <a:fld id="{6BD79096-680F-844B-B1F1-7BBB7D6E1857}" type="datetimeFigureOut">
               <a:rPr kumimoji="1" lang="zh-TW" altLang="en-US" smtClean="0"/>
-              <a:t>2022/12/21</a:t>
+              <a:t>2022/12/22</a:t>
             </a:fld>
             <a:endParaRPr kumimoji="1" lang="zh-TW" altLang="en-US"/>
           </a:p>
@@ -457,7 +457,7 @@
           <a:p>
             <a:fld id="{6BD79096-680F-844B-B1F1-7BBB7D6E1857}" type="datetimeFigureOut">
               <a:rPr kumimoji="1" lang="zh-TW" altLang="en-US" smtClean="0"/>
-              <a:t>2022/12/21</a:t>
+              <a:t>2022/12/22</a:t>
             </a:fld>
             <a:endParaRPr kumimoji="1" lang="zh-TW" altLang="en-US"/>
           </a:p>
@@ -665,7 +665,7 @@
           <a:p>
             <a:fld id="{6BD79096-680F-844B-B1F1-7BBB7D6E1857}" type="datetimeFigureOut">
               <a:rPr kumimoji="1" lang="zh-TW" altLang="en-US" smtClean="0"/>
-              <a:t>2022/12/21</a:t>
+              <a:t>2022/12/22</a:t>
             </a:fld>
             <a:endParaRPr kumimoji="1" lang="zh-TW" altLang="en-US"/>
           </a:p>
@@ -863,7 +863,7 @@
           <a:p>
             <a:fld id="{6BD79096-680F-844B-B1F1-7BBB7D6E1857}" type="datetimeFigureOut">
               <a:rPr kumimoji="1" lang="zh-TW" altLang="en-US" smtClean="0"/>
-              <a:t>2022/12/21</a:t>
+              <a:t>2022/12/22</a:t>
             </a:fld>
             <a:endParaRPr kumimoji="1" lang="zh-TW" altLang="en-US"/>
           </a:p>
@@ -1138,7 +1138,7 @@
           <a:p>
             <a:fld id="{6BD79096-680F-844B-B1F1-7BBB7D6E1857}" type="datetimeFigureOut">
               <a:rPr kumimoji="1" lang="zh-TW" altLang="en-US" smtClean="0"/>
-              <a:t>2022/12/21</a:t>
+              <a:t>2022/12/22</a:t>
             </a:fld>
             <a:endParaRPr kumimoji="1" lang="zh-TW" altLang="en-US"/>
           </a:p>
@@ -1403,7 +1403,7 @@
           <a:p>
             <a:fld id="{6BD79096-680F-844B-B1F1-7BBB7D6E1857}" type="datetimeFigureOut">
               <a:rPr kumimoji="1" lang="zh-TW" altLang="en-US" smtClean="0"/>
-              <a:t>2022/12/21</a:t>
+              <a:t>2022/12/22</a:t>
             </a:fld>
             <a:endParaRPr kumimoji="1" lang="zh-TW" altLang="en-US"/>
           </a:p>
@@ -1815,7 +1815,7 @@
           <a:p>
             <a:fld id="{6BD79096-680F-844B-B1F1-7BBB7D6E1857}" type="datetimeFigureOut">
               <a:rPr kumimoji="1" lang="zh-TW" altLang="en-US" smtClean="0"/>
-              <a:t>2022/12/21</a:t>
+              <a:t>2022/12/22</a:t>
             </a:fld>
             <a:endParaRPr kumimoji="1" lang="zh-TW" altLang="en-US"/>
           </a:p>
@@ -1956,7 +1956,7 @@
           <a:p>
             <a:fld id="{6BD79096-680F-844B-B1F1-7BBB7D6E1857}" type="datetimeFigureOut">
               <a:rPr kumimoji="1" lang="zh-TW" altLang="en-US" smtClean="0"/>
-              <a:t>2022/12/21</a:t>
+              <a:t>2022/12/22</a:t>
             </a:fld>
             <a:endParaRPr kumimoji="1" lang="zh-TW" altLang="en-US"/>
           </a:p>
@@ -2069,7 +2069,7 @@
           <a:p>
             <a:fld id="{6BD79096-680F-844B-B1F1-7BBB7D6E1857}" type="datetimeFigureOut">
               <a:rPr kumimoji="1" lang="zh-TW" altLang="en-US" smtClean="0"/>
-              <a:t>2022/12/21</a:t>
+              <a:t>2022/12/22</a:t>
             </a:fld>
             <a:endParaRPr kumimoji="1" lang="zh-TW" altLang="en-US"/>
           </a:p>
@@ -2380,7 +2380,7 @@
           <a:p>
             <a:fld id="{6BD79096-680F-844B-B1F1-7BBB7D6E1857}" type="datetimeFigureOut">
               <a:rPr kumimoji="1" lang="zh-TW" altLang="en-US" smtClean="0"/>
-              <a:t>2022/12/21</a:t>
+              <a:t>2022/12/22</a:t>
             </a:fld>
             <a:endParaRPr kumimoji="1" lang="zh-TW" altLang="en-US"/>
           </a:p>
@@ -2668,7 +2668,7 @@
           <a:p>
             <a:fld id="{6BD79096-680F-844B-B1F1-7BBB7D6E1857}" type="datetimeFigureOut">
               <a:rPr kumimoji="1" lang="zh-TW" altLang="en-US" smtClean="0"/>
-              <a:t>2022/12/21</a:t>
+              <a:t>2022/12/22</a:t>
             </a:fld>
             <a:endParaRPr kumimoji="1" lang="zh-TW" altLang="en-US"/>
           </a:p>
@@ -2909,7 +2909,7 @@
           <a:p>
             <a:fld id="{6BD79096-680F-844B-B1F1-7BBB7D6E1857}" type="datetimeFigureOut">
               <a:rPr kumimoji="1" lang="zh-TW" altLang="en-US" smtClean="0"/>
-              <a:t>2022/12/21</a:t>
+              <a:t>2022/12/22</a:t>
             </a:fld>
             <a:endParaRPr kumimoji="1" lang="zh-TW" altLang="en-US"/>
           </a:p>
@@ -5450,7 +5450,7 @@
         <p:spPr>
           <a:xfrm>
             <a:off x="6817436" y="3383542"/>
-            <a:ext cx="521297" cy="261610"/>
+            <a:ext cx="506870" cy="261610"/>
           </a:xfrm>
           <a:prstGeom prst="rect">
             <a:avLst/>
@@ -5484,15 +5484,15 @@
             <a:r>
               <a:rPr kumimoji="1" lang="en-US" altLang="zh-TW" sz="1100" i="1" dirty="0" err="1">
                 <a:solidFill>
-                  <a:srgbClr val="C00000"/>
+                  <a:srgbClr val="B21D09"/>
                 </a:solidFill>
                 <a:latin typeface="Minion Pro" panose="02040503050306020203" pitchFamily="18" charset="0"/>
               </a:rPr>
-              <a:t>φ</a:t>
+              <a:t>θ</a:t>
             </a:r>
             <a:endParaRPr kumimoji="1" lang="zh-TW" altLang="en-US" sz="1400" i="1" dirty="0">
               <a:solidFill>
-                <a:srgbClr val="C00000"/>
+                <a:srgbClr val="B21D09"/>
               </a:solidFill>
               <a:latin typeface="Minion Pro" panose="02040503050306020203" pitchFamily="18" charset="0"/>
             </a:endParaRPr>
@@ -8680,6 +8680,92 @@
           </a:prstGeom>
         </p:spPr>
       </p:pic>
+      <p:pic>
+        <p:nvPicPr>
+          <p:cNvPr id="2" name="圖片 1">
+            <a:extLst>
+              <a:ext uri="{FF2B5EF4-FFF2-40B4-BE49-F238E27FC236}">
+                <a16:creationId xmlns:a16="http://schemas.microsoft.com/office/drawing/2014/main" id="{D8832195-5A04-F6B4-FC0E-229721C11788}"/>
+              </a:ext>
+            </a:extLst>
+          </p:cNvPr>
+          <p:cNvPicPr>
+            <a:picLocks noChangeAspect="1"/>
+          </p:cNvPicPr>
+          <p:nvPr/>
+        </p:nvPicPr>
+        <p:blipFill>
+          <a:blip r:embed="rId20"/>
+          <a:stretch>
+            <a:fillRect/>
+          </a:stretch>
+        </p:blipFill>
+        <p:spPr>
+          <a:xfrm>
+            <a:off x="7147457" y="3682507"/>
+            <a:ext cx="88900" cy="139700"/>
+          </a:xfrm>
+          <a:prstGeom prst="rect">
+            <a:avLst/>
+          </a:prstGeom>
+        </p:spPr>
+      </p:pic>
+      <p:sp>
+        <p:nvSpPr>
+          <p:cNvPr id="3" name="弧線 2">
+            <a:extLst>
+              <a:ext uri="{FF2B5EF4-FFF2-40B4-BE49-F238E27FC236}">
+                <a16:creationId xmlns:a16="http://schemas.microsoft.com/office/drawing/2014/main" id="{FEC5B315-4B36-6A42-774F-6F2089B25EFA}"/>
+              </a:ext>
+            </a:extLst>
+          </p:cNvPr>
+          <p:cNvSpPr/>
+          <p:nvPr/>
+        </p:nvSpPr>
+        <p:spPr>
+          <a:xfrm rot="4726273" flipH="1">
+            <a:off x="7270446" y="3624974"/>
+            <a:ext cx="209390" cy="180365"/>
+          </a:xfrm>
+          <a:prstGeom prst="arc">
+            <a:avLst>
+              <a:gd name="adj1" fmla="val 2661013"/>
+              <a:gd name="adj2" fmla="val 7880527"/>
+            </a:avLst>
+          </a:prstGeom>
+          <a:ln w="12700">
+            <a:solidFill>
+              <a:schemeClr val="tx1">
+                <a:lumMod val="85000"/>
+                <a:lumOff val="15000"/>
+              </a:schemeClr>
+            </a:solidFill>
+            <a:headEnd type="none"/>
+          </a:ln>
+        </p:spPr>
+        <p:style>
+          <a:lnRef idx="1">
+            <a:schemeClr val="accent1"/>
+          </a:lnRef>
+          <a:fillRef idx="0">
+            <a:schemeClr val="accent1"/>
+          </a:fillRef>
+          <a:effectRef idx="0">
+            <a:schemeClr val="accent1"/>
+          </a:effectRef>
+          <a:fontRef idx="minor">
+            <a:schemeClr val="tx1"/>
+          </a:fontRef>
+        </p:style>
+        <p:txBody>
+          <a:bodyPr rtlCol="0" anchor="ctr"/>
+          <a:lstStyle/>
+          <a:p>
+            <a:pPr algn="ctr"/>
+            <a:endParaRPr kumimoji="1" lang="zh-TW" altLang="en-US"/>
+          </a:p>
+        </p:txBody>
+      </p:sp>
     </p:spTree>
     <p:extLst>
       <p:ext uri="{BB962C8B-B14F-4D97-AF65-F5344CB8AC3E}">

--- a/doc/scheme.pptx
+++ b/doc/scheme.pptx
@@ -259,7 +259,7 @@
           <a:p>
             <a:fld id="{6BD79096-680F-844B-B1F1-7BBB7D6E1857}" type="datetimeFigureOut">
               <a:rPr kumimoji="1" lang="zh-TW" altLang="en-US" smtClean="0"/>
-              <a:t>2022/12/22</a:t>
+              <a:t>2022/12/26</a:t>
             </a:fld>
             <a:endParaRPr kumimoji="1" lang="zh-TW" altLang="en-US"/>
           </a:p>
@@ -457,7 +457,7 @@
           <a:p>
             <a:fld id="{6BD79096-680F-844B-B1F1-7BBB7D6E1857}" type="datetimeFigureOut">
               <a:rPr kumimoji="1" lang="zh-TW" altLang="en-US" smtClean="0"/>
-              <a:t>2022/12/22</a:t>
+              <a:t>2022/12/26</a:t>
             </a:fld>
             <a:endParaRPr kumimoji="1" lang="zh-TW" altLang="en-US"/>
           </a:p>
@@ -665,7 +665,7 @@
           <a:p>
             <a:fld id="{6BD79096-680F-844B-B1F1-7BBB7D6E1857}" type="datetimeFigureOut">
               <a:rPr kumimoji="1" lang="zh-TW" altLang="en-US" smtClean="0"/>
-              <a:t>2022/12/22</a:t>
+              <a:t>2022/12/26</a:t>
             </a:fld>
             <a:endParaRPr kumimoji="1" lang="zh-TW" altLang="en-US"/>
           </a:p>
@@ -863,7 +863,7 @@
           <a:p>
             <a:fld id="{6BD79096-680F-844B-B1F1-7BBB7D6E1857}" type="datetimeFigureOut">
               <a:rPr kumimoji="1" lang="zh-TW" altLang="en-US" smtClean="0"/>
-              <a:t>2022/12/22</a:t>
+              <a:t>2022/12/26</a:t>
             </a:fld>
             <a:endParaRPr kumimoji="1" lang="zh-TW" altLang="en-US"/>
           </a:p>
@@ -1138,7 +1138,7 @@
           <a:p>
             <a:fld id="{6BD79096-680F-844B-B1F1-7BBB7D6E1857}" type="datetimeFigureOut">
               <a:rPr kumimoji="1" lang="zh-TW" altLang="en-US" smtClean="0"/>
-              <a:t>2022/12/22</a:t>
+              <a:t>2022/12/26</a:t>
             </a:fld>
             <a:endParaRPr kumimoji="1" lang="zh-TW" altLang="en-US"/>
           </a:p>
@@ -1403,7 +1403,7 @@
           <a:p>
             <a:fld id="{6BD79096-680F-844B-B1F1-7BBB7D6E1857}" type="datetimeFigureOut">
               <a:rPr kumimoji="1" lang="zh-TW" altLang="en-US" smtClean="0"/>
-              <a:t>2022/12/22</a:t>
+              <a:t>2022/12/26</a:t>
             </a:fld>
             <a:endParaRPr kumimoji="1" lang="zh-TW" altLang="en-US"/>
           </a:p>
@@ -1815,7 +1815,7 @@
           <a:p>
             <a:fld id="{6BD79096-680F-844B-B1F1-7BBB7D6E1857}" type="datetimeFigureOut">
               <a:rPr kumimoji="1" lang="zh-TW" altLang="en-US" smtClean="0"/>
-              <a:t>2022/12/22</a:t>
+              <a:t>2022/12/26</a:t>
             </a:fld>
             <a:endParaRPr kumimoji="1" lang="zh-TW" altLang="en-US"/>
           </a:p>
@@ -1956,7 +1956,7 @@
           <a:p>
             <a:fld id="{6BD79096-680F-844B-B1F1-7BBB7D6E1857}" type="datetimeFigureOut">
               <a:rPr kumimoji="1" lang="zh-TW" altLang="en-US" smtClean="0"/>
-              <a:t>2022/12/22</a:t>
+              <a:t>2022/12/26</a:t>
             </a:fld>
             <a:endParaRPr kumimoji="1" lang="zh-TW" altLang="en-US"/>
           </a:p>
@@ -2069,7 +2069,7 @@
           <a:p>
             <a:fld id="{6BD79096-680F-844B-B1F1-7BBB7D6E1857}" type="datetimeFigureOut">
               <a:rPr kumimoji="1" lang="zh-TW" altLang="en-US" smtClean="0"/>
-              <a:t>2022/12/22</a:t>
+              <a:t>2022/12/26</a:t>
             </a:fld>
             <a:endParaRPr kumimoji="1" lang="zh-TW" altLang="en-US"/>
           </a:p>
@@ -2380,7 +2380,7 @@
           <a:p>
             <a:fld id="{6BD79096-680F-844B-B1F1-7BBB7D6E1857}" type="datetimeFigureOut">
               <a:rPr kumimoji="1" lang="zh-TW" altLang="en-US" smtClean="0"/>
-              <a:t>2022/12/22</a:t>
+              <a:t>2022/12/26</a:t>
             </a:fld>
             <a:endParaRPr kumimoji="1" lang="zh-TW" altLang="en-US"/>
           </a:p>
@@ -2668,7 +2668,7 @@
           <a:p>
             <a:fld id="{6BD79096-680F-844B-B1F1-7BBB7D6E1857}" type="datetimeFigureOut">
               <a:rPr kumimoji="1" lang="zh-TW" altLang="en-US" smtClean="0"/>
-              <a:t>2022/12/22</a:t>
+              <a:t>2022/12/26</a:t>
             </a:fld>
             <a:endParaRPr kumimoji="1" lang="zh-TW" altLang="en-US"/>
           </a:p>
@@ -2909,7 +2909,7 @@
           <a:p>
             <a:fld id="{6BD79096-680F-844B-B1F1-7BBB7D6E1857}" type="datetimeFigureOut">
               <a:rPr kumimoji="1" lang="zh-TW" altLang="en-US" smtClean="0"/>
-              <a:t>2022/12/22</a:t>
+              <a:t>2022/12/26</a:t>
             </a:fld>
             <a:endParaRPr kumimoji="1" lang="zh-TW" altLang="en-US"/>
           </a:p>
@@ -3356,66 +3356,6 @@
           </a:prstGeom>
         </p:spPr>
       </p:pic>
-      <p:pic>
-        <p:nvPicPr>
-          <p:cNvPr id="127" name="圖片 126">
-            <a:extLst>
-              <a:ext uri="{FF2B5EF4-FFF2-40B4-BE49-F238E27FC236}">
-                <a16:creationId xmlns:a16="http://schemas.microsoft.com/office/drawing/2014/main" id="{2931C287-9109-7D7D-1E9F-9F50505C9E44}"/>
-              </a:ext>
-            </a:extLst>
-          </p:cNvPr>
-          <p:cNvPicPr>
-            <a:picLocks noChangeAspect="1"/>
-          </p:cNvPicPr>
-          <p:nvPr/>
-        </p:nvPicPr>
-        <p:blipFill>
-          <a:blip r:embed="rId3"/>
-          <a:stretch>
-            <a:fillRect/>
-          </a:stretch>
-        </p:blipFill>
-        <p:spPr>
-          <a:xfrm>
-            <a:off x="6875290" y="193679"/>
-            <a:ext cx="3429000" cy="393700"/>
-          </a:xfrm>
-          <a:prstGeom prst="rect">
-            <a:avLst/>
-          </a:prstGeom>
-        </p:spPr>
-      </p:pic>
-      <p:pic>
-        <p:nvPicPr>
-          <p:cNvPr id="129" name="圖片 128">
-            <a:extLst>
-              <a:ext uri="{FF2B5EF4-FFF2-40B4-BE49-F238E27FC236}">
-                <a16:creationId xmlns:a16="http://schemas.microsoft.com/office/drawing/2014/main" id="{31C8BFCD-511A-1459-3DC1-B3E7C116B7F5}"/>
-              </a:ext>
-            </a:extLst>
-          </p:cNvPr>
-          <p:cNvPicPr>
-            <a:picLocks noChangeAspect="1"/>
-          </p:cNvPicPr>
-          <p:nvPr/>
-        </p:nvPicPr>
-        <p:blipFill>
-          <a:blip r:embed="rId4"/>
-          <a:stretch>
-            <a:fillRect/>
-          </a:stretch>
-        </p:blipFill>
-        <p:spPr>
-          <a:xfrm>
-            <a:off x="6911276" y="757745"/>
-            <a:ext cx="5092700" cy="1028700"/>
-          </a:xfrm>
-          <a:prstGeom prst="rect">
-            <a:avLst/>
-          </a:prstGeom>
-        </p:spPr>
-      </p:pic>
       <p:sp>
         <p:nvSpPr>
           <p:cNvPr id="130" name="文字方塊 129">
@@ -3543,7 +3483,7 @@
           <p:nvPr/>
         </p:nvPicPr>
         <p:blipFill>
-          <a:blip r:embed="rId5"/>
+          <a:blip r:embed="rId3"/>
           <a:stretch>
             <a:fillRect/>
           </a:stretch>
@@ -3573,7 +3513,7 @@
           <p:nvPr/>
         </p:nvPicPr>
         <p:blipFill>
-          <a:blip r:embed="rId6"/>
+          <a:blip r:embed="rId4"/>
           <a:stretch>
             <a:fillRect/>
           </a:stretch>
@@ -4056,7 +3996,7 @@
             <p:nvPr/>
           </p:nvPicPr>
           <p:blipFill>
-            <a:blip r:embed="rId7"/>
+            <a:blip r:embed="rId5"/>
             <a:stretch>
               <a:fillRect/>
             </a:stretch>
@@ -4086,7 +4026,7 @@
             <p:nvPr/>
           </p:nvPicPr>
           <p:blipFill>
-            <a:blip r:embed="rId8"/>
+            <a:blip r:embed="rId6"/>
             <a:stretch>
               <a:fillRect/>
             </a:stretch>
@@ -4251,7 +4191,7 @@
           <p:nvPr/>
         </p:nvPicPr>
         <p:blipFill>
-          <a:blip r:embed="rId9"/>
+          <a:blip r:embed="rId7"/>
           <a:stretch>
             <a:fillRect/>
           </a:stretch>
@@ -4771,7 +4711,7 @@
             <p:nvPr/>
           </p:nvPicPr>
           <p:blipFill>
-            <a:blip r:embed="rId10"/>
+            <a:blip r:embed="rId8"/>
             <a:stretch>
               <a:fillRect/>
             </a:stretch>
@@ -4936,8 +4876,8 @@
           </p:nvSpPr>
           <p:spPr>
             <a:xfrm>
-              <a:off x="6047230" y="428983"/>
-              <a:ext cx="253596" cy="246221"/>
+              <a:off x="6047229" y="428983"/>
+              <a:ext cx="519579" cy="246221"/>
             </a:xfrm>
             <a:prstGeom prst="rect">
               <a:avLst/>
@@ -4945,19 +4885,19 @@
             <a:noFill/>
           </p:spPr>
           <p:txBody>
-            <a:bodyPr wrap="none" rtlCol="0">
+            <a:bodyPr wrap="square" rtlCol="0">
               <a:spAutoFit/>
             </a:bodyPr>
             <a:lstStyle/>
             <a:p>
               <a:r>
-                <a:rPr kumimoji="1" lang="en-US" altLang="zh-TW" sz="1000" i="1" dirty="0">
+                <a:rPr kumimoji="1" lang="en-US" altLang="zh-TW" sz="1000" i="1" dirty="0" err="1">
                   <a:solidFill>
                     <a:srgbClr val="B21D09"/>
                   </a:solidFill>
                   <a:latin typeface="Minion Pro" panose="02040503050306020203" pitchFamily="18" charset="0"/>
                 </a:rPr>
-                <a:t>α</a:t>
+                <a:t>ψ</a:t>
               </a:r>
               <a:endParaRPr kumimoji="1" lang="zh-TW" altLang="en-US" sz="1100" i="1" dirty="0">
                 <a:solidFill>
@@ -4982,8 +4922,8 @@
           </p:nvSpPr>
           <p:spPr>
             <a:xfrm>
-              <a:off x="5860197" y="655906"/>
-              <a:ext cx="453970" cy="246221"/>
+              <a:off x="5853847" y="694006"/>
+              <a:ext cx="461986" cy="246221"/>
             </a:xfrm>
             <a:prstGeom prst="rect">
               <a:avLst/>
@@ -5015,15 +4955,15 @@
                 <a:t>− </a:t>
               </a:r>
               <a:r>
-                <a:rPr kumimoji="1" lang="en-US" altLang="zh-TW" sz="1000" i="1" dirty="0">
+                <a:rPr kumimoji="1" lang="en-US" altLang="zh-TW" sz="1000" i="1" dirty="0" err="1">
                   <a:solidFill>
                     <a:srgbClr val="B21D09"/>
                   </a:solidFill>
                   <a:latin typeface="Minion Pro" panose="02040503050306020203" pitchFamily="18" charset="0"/>
                 </a:rPr>
-                <a:t>α</a:t>
+                <a:t>ψ</a:t>
               </a:r>
-              <a:endParaRPr kumimoji="1" lang="zh-TW" altLang="en-US" sz="1000" dirty="0">
+              <a:endParaRPr kumimoji="1" lang="zh-TW" altLang="en-US" sz="1100" i="1" dirty="0">
                 <a:solidFill>
                   <a:srgbClr val="B21D09"/>
                 </a:solidFill>
@@ -5228,7 +5168,7 @@
           <p:nvPr/>
         </p:nvPicPr>
         <p:blipFill>
-          <a:blip r:embed="rId11"/>
+          <a:blip r:embed="rId9"/>
           <a:stretch>
             <a:fillRect/>
           </a:stretch>
@@ -5314,7 +5254,7 @@
           <p:nvPr/>
         </p:nvPicPr>
         <p:blipFill>
-          <a:blip r:embed="rId12"/>
+          <a:blip r:embed="rId10"/>
           <a:stretch>
             <a:fillRect/>
           </a:stretch>
@@ -5514,7 +5454,7 @@
           <p:nvPr/>
         </p:nvPicPr>
         <p:blipFill>
-          <a:blip r:embed="rId13"/>
+          <a:blip r:embed="rId11"/>
           <a:stretch>
             <a:fillRect/>
           </a:stretch>
@@ -5544,7 +5484,7 @@
           <p:nvPr/>
         </p:nvPicPr>
         <p:blipFill>
-          <a:blip r:embed="rId14"/>
+          <a:blip r:embed="rId12"/>
           <a:stretch>
             <a:fillRect/>
           </a:stretch>
@@ -5618,7 +5558,7 @@
           <p:nvPr/>
         </p:nvPicPr>
         <p:blipFill>
-          <a:blip r:embed="rId15"/>
+          <a:blip r:embed="rId13"/>
           <a:stretch>
             <a:fillRect/>
           </a:stretch>
@@ -6857,7 +6797,7 @@
             <p:nvPr/>
           </p:nvPicPr>
           <p:blipFill>
-            <a:blip r:embed="rId16"/>
+            <a:blip r:embed="rId14"/>
             <a:stretch>
               <a:fillRect/>
             </a:stretch>
@@ -7308,7 +7248,7 @@
             <p:nvPr/>
           </p:nvPicPr>
           <p:blipFill>
-            <a:blip r:embed="rId11"/>
+            <a:blip r:embed="rId9"/>
             <a:stretch>
               <a:fillRect/>
             </a:stretch>
@@ -7642,7 +7582,7 @@
             <p:nvPr/>
           </p:nvPicPr>
           <p:blipFill>
-            <a:blip r:embed="rId17"/>
+            <a:blip r:embed="rId15"/>
             <a:stretch>
               <a:fillRect/>
             </a:stretch>
@@ -7979,7 +7919,7 @@
             <p:nvPr/>
           </p:nvPicPr>
           <p:blipFill>
-            <a:blip r:embed="rId18"/>
+            <a:blip r:embed="rId16"/>
             <a:stretch>
               <a:fillRect/>
             </a:stretch>
@@ -8065,7 +8005,7 @@
             <p:nvPr/>
           </p:nvPicPr>
           <p:blipFill>
-            <a:blip r:embed="rId8"/>
+            <a:blip r:embed="rId6"/>
             <a:stretch>
               <a:fillRect/>
             </a:stretch>
@@ -8141,7 +8081,7 @@
             <p:nvPr/>
           </p:nvPicPr>
           <p:blipFill>
-            <a:blip r:embed="rId7"/>
+            <a:blip r:embed="rId5"/>
             <a:stretch>
               <a:fillRect/>
             </a:stretch>
@@ -8652,10 +8592,10 @@
       </p:sp>
       <p:pic>
         <p:nvPicPr>
-          <p:cNvPr id="202" name="圖片 201">
-            <a:extLst>
-              <a:ext uri="{FF2B5EF4-FFF2-40B4-BE49-F238E27FC236}">
-                <a16:creationId xmlns:a16="http://schemas.microsoft.com/office/drawing/2014/main" id="{13283028-5B94-56D9-E30D-722857F70CF5}"/>
+          <p:cNvPr id="2" name="圖片 1">
+            <a:extLst>
+              <a:ext uri="{FF2B5EF4-FFF2-40B4-BE49-F238E27FC236}">
+                <a16:creationId xmlns:a16="http://schemas.microsoft.com/office/drawing/2014/main" id="{D8832195-5A04-F6B4-FC0E-229721C11788}"/>
               </a:ext>
             </a:extLst>
           </p:cNvPr>
@@ -8665,37 +8605,7 @@
           <p:nvPr/>
         </p:nvPicPr>
         <p:blipFill>
-          <a:blip r:embed="rId19"/>
-          <a:stretch>
-            <a:fillRect/>
-          </a:stretch>
-        </p:blipFill>
-        <p:spPr>
-          <a:xfrm>
-            <a:off x="10407757" y="197038"/>
-            <a:ext cx="1752600" cy="381000"/>
-          </a:xfrm>
-          <a:prstGeom prst="rect">
-            <a:avLst/>
-          </a:prstGeom>
-        </p:spPr>
-      </p:pic>
-      <p:pic>
-        <p:nvPicPr>
-          <p:cNvPr id="2" name="圖片 1">
-            <a:extLst>
-              <a:ext uri="{FF2B5EF4-FFF2-40B4-BE49-F238E27FC236}">
-                <a16:creationId xmlns:a16="http://schemas.microsoft.com/office/drawing/2014/main" id="{D8832195-5A04-F6B4-FC0E-229721C11788}"/>
-              </a:ext>
-            </a:extLst>
-          </p:cNvPr>
-          <p:cNvPicPr>
-            <a:picLocks noChangeAspect="1"/>
-          </p:cNvPicPr>
-          <p:nvPr/>
-        </p:nvPicPr>
-        <p:blipFill>
-          <a:blip r:embed="rId20"/>
+          <a:blip r:embed="rId17"/>
           <a:stretch>
             <a:fillRect/>
           </a:stretch>
@@ -8766,6 +8676,96 @@
           </a:p>
         </p:txBody>
       </p:sp>
+      <p:pic>
+        <p:nvPicPr>
+          <p:cNvPr id="8" name="圖片 7">
+            <a:extLst>
+              <a:ext uri="{FF2B5EF4-FFF2-40B4-BE49-F238E27FC236}">
+                <a16:creationId xmlns:a16="http://schemas.microsoft.com/office/drawing/2014/main" id="{16CB8457-6903-2201-A0A4-6281280A23D9}"/>
+              </a:ext>
+            </a:extLst>
+          </p:cNvPr>
+          <p:cNvPicPr>
+            <a:picLocks noChangeAspect="1"/>
+          </p:cNvPicPr>
+          <p:nvPr/>
+        </p:nvPicPr>
+        <p:blipFill>
+          <a:blip r:embed="rId18"/>
+          <a:stretch>
+            <a:fillRect/>
+          </a:stretch>
+        </p:blipFill>
+        <p:spPr>
+          <a:xfrm>
+            <a:off x="7147457" y="142002"/>
+            <a:ext cx="4140200" cy="419100"/>
+          </a:xfrm>
+          <a:prstGeom prst="rect">
+            <a:avLst/>
+          </a:prstGeom>
+        </p:spPr>
+      </p:pic>
+      <p:pic>
+        <p:nvPicPr>
+          <p:cNvPr id="19" name="圖片 18">
+            <a:extLst>
+              <a:ext uri="{FF2B5EF4-FFF2-40B4-BE49-F238E27FC236}">
+                <a16:creationId xmlns:a16="http://schemas.microsoft.com/office/drawing/2014/main" id="{7624F0BB-78A9-4199-2A06-10C9F75D7FB3}"/>
+              </a:ext>
+            </a:extLst>
+          </p:cNvPr>
+          <p:cNvPicPr>
+            <a:picLocks noChangeAspect="1"/>
+          </p:cNvPicPr>
+          <p:nvPr/>
+        </p:nvPicPr>
+        <p:blipFill>
+          <a:blip r:embed="rId19"/>
+          <a:stretch>
+            <a:fillRect/>
+          </a:stretch>
+        </p:blipFill>
+        <p:spPr>
+          <a:xfrm>
+            <a:off x="7142593" y="686302"/>
+            <a:ext cx="3238500" cy="254000"/>
+          </a:xfrm>
+          <a:prstGeom prst="rect">
+            <a:avLst/>
+          </a:prstGeom>
+        </p:spPr>
+      </p:pic>
+      <p:pic>
+        <p:nvPicPr>
+          <p:cNvPr id="20" name="圖片 19">
+            <a:extLst>
+              <a:ext uri="{FF2B5EF4-FFF2-40B4-BE49-F238E27FC236}">
+                <a16:creationId xmlns:a16="http://schemas.microsoft.com/office/drawing/2014/main" id="{E20B8C42-A6F6-BE3F-CDC2-BA2056482ECF}"/>
+              </a:ext>
+            </a:extLst>
+          </p:cNvPr>
+          <p:cNvPicPr>
+            <a:picLocks noChangeAspect="1"/>
+          </p:cNvPicPr>
+          <p:nvPr/>
+        </p:nvPicPr>
+        <p:blipFill>
+          <a:blip r:embed="rId20"/>
+          <a:stretch>
+            <a:fillRect/>
+          </a:stretch>
+        </p:blipFill>
+        <p:spPr>
+          <a:xfrm>
+            <a:off x="7161643" y="1015860"/>
+            <a:ext cx="4241800" cy="838200"/>
+          </a:xfrm>
+          <a:prstGeom prst="rect">
+            <a:avLst/>
+          </a:prstGeom>
+        </p:spPr>
+      </p:pic>
     </p:spTree>
     <p:extLst>
       <p:ext uri="{BB962C8B-B14F-4D97-AF65-F5344CB8AC3E}">

--- a/doc/scheme.pptx
+++ b/doc/scheme.pptx
@@ -6,6 +6,7 @@
   </p:sldMasterIdLst>
   <p:sldIdLst>
     <p:sldId id="256" r:id="rId2"/>
+    <p:sldId id="257" r:id="rId3"/>
   </p:sldIdLst>
   <p:sldSz cx="12192000" cy="6858000"/>
   <p:notesSz cx="6858000" cy="9144000"/>
@@ -259,7 +260,7 @@
           <a:p>
             <a:fld id="{6BD79096-680F-844B-B1F1-7BBB7D6E1857}" type="datetimeFigureOut">
               <a:rPr kumimoji="1" lang="zh-TW" altLang="en-US" smtClean="0"/>
-              <a:t>2022/12/26</a:t>
+              <a:t>2023/2/3</a:t>
             </a:fld>
             <a:endParaRPr kumimoji="1" lang="zh-TW" altLang="en-US"/>
           </a:p>
@@ -457,7 +458,7 @@
           <a:p>
             <a:fld id="{6BD79096-680F-844B-B1F1-7BBB7D6E1857}" type="datetimeFigureOut">
               <a:rPr kumimoji="1" lang="zh-TW" altLang="en-US" smtClean="0"/>
-              <a:t>2022/12/26</a:t>
+              <a:t>2023/2/3</a:t>
             </a:fld>
             <a:endParaRPr kumimoji="1" lang="zh-TW" altLang="en-US"/>
           </a:p>
@@ -665,7 +666,7 @@
           <a:p>
             <a:fld id="{6BD79096-680F-844B-B1F1-7BBB7D6E1857}" type="datetimeFigureOut">
               <a:rPr kumimoji="1" lang="zh-TW" altLang="en-US" smtClean="0"/>
-              <a:t>2022/12/26</a:t>
+              <a:t>2023/2/3</a:t>
             </a:fld>
             <a:endParaRPr kumimoji="1" lang="zh-TW" altLang="en-US"/>
           </a:p>
@@ -863,7 +864,7 @@
           <a:p>
             <a:fld id="{6BD79096-680F-844B-B1F1-7BBB7D6E1857}" type="datetimeFigureOut">
               <a:rPr kumimoji="1" lang="zh-TW" altLang="en-US" smtClean="0"/>
-              <a:t>2022/12/26</a:t>
+              <a:t>2023/2/3</a:t>
             </a:fld>
             <a:endParaRPr kumimoji="1" lang="zh-TW" altLang="en-US"/>
           </a:p>
@@ -1138,7 +1139,7 @@
           <a:p>
             <a:fld id="{6BD79096-680F-844B-B1F1-7BBB7D6E1857}" type="datetimeFigureOut">
               <a:rPr kumimoji="1" lang="zh-TW" altLang="en-US" smtClean="0"/>
-              <a:t>2022/12/26</a:t>
+              <a:t>2023/2/3</a:t>
             </a:fld>
             <a:endParaRPr kumimoji="1" lang="zh-TW" altLang="en-US"/>
           </a:p>
@@ -1403,7 +1404,7 @@
           <a:p>
             <a:fld id="{6BD79096-680F-844B-B1F1-7BBB7D6E1857}" type="datetimeFigureOut">
               <a:rPr kumimoji="1" lang="zh-TW" altLang="en-US" smtClean="0"/>
-              <a:t>2022/12/26</a:t>
+              <a:t>2023/2/3</a:t>
             </a:fld>
             <a:endParaRPr kumimoji="1" lang="zh-TW" altLang="en-US"/>
           </a:p>
@@ -1815,7 +1816,7 @@
           <a:p>
             <a:fld id="{6BD79096-680F-844B-B1F1-7BBB7D6E1857}" type="datetimeFigureOut">
               <a:rPr kumimoji="1" lang="zh-TW" altLang="en-US" smtClean="0"/>
-              <a:t>2022/12/26</a:t>
+              <a:t>2023/2/3</a:t>
             </a:fld>
             <a:endParaRPr kumimoji="1" lang="zh-TW" altLang="en-US"/>
           </a:p>
@@ -1956,7 +1957,7 @@
           <a:p>
             <a:fld id="{6BD79096-680F-844B-B1F1-7BBB7D6E1857}" type="datetimeFigureOut">
               <a:rPr kumimoji="1" lang="zh-TW" altLang="en-US" smtClean="0"/>
-              <a:t>2022/12/26</a:t>
+              <a:t>2023/2/3</a:t>
             </a:fld>
             <a:endParaRPr kumimoji="1" lang="zh-TW" altLang="en-US"/>
           </a:p>
@@ -2069,7 +2070,7 @@
           <a:p>
             <a:fld id="{6BD79096-680F-844B-B1F1-7BBB7D6E1857}" type="datetimeFigureOut">
               <a:rPr kumimoji="1" lang="zh-TW" altLang="en-US" smtClean="0"/>
-              <a:t>2022/12/26</a:t>
+              <a:t>2023/2/3</a:t>
             </a:fld>
             <a:endParaRPr kumimoji="1" lang="zh-TW" altLang="en-US"/>
           </a:p>
@@ -2380,7 +2381,7 @@
           <a:p>
             <a:fld id="{6BD79096-680F-844B-B1F1-7BBB7D6E1857}" type="datetimeFigureOut">
               <a:rPr kumimoji="1" lang="zh-TW" altLang="en-US" smtClean="0"/>
-              <a:t>2022/12/26</a:t>
+              <a:t>2023/2/3</a:t>
             </a:fld>
             <a:endParaRPr kumimoji="1" lang="zh-TW" altLang="en-US"/>
           </a:p>
@@ -2668,7 +2669,7 @@
           <a:p>
             <a:fld id="{6BD79096-680F-844B-B1F1-7BBB7D6E1857}" type="datetimeFigureOut">
               <a:rPr kumimoji="1" lang="zh-TW" altLang="en-US" smtClean="0"/>
-              <a:t>2022/12/26</a:t>
+              <a:t>2023/2/3</a:t>
             </a:fld>
             <a:endParaRPr kumimoji="1" lang="zh-TW" altLang="en-US"/>
           </a:p>
@@ -2909,7 +2910,7 @@
           <a:p>
             <a:fld id="{6BD79096-680F-844B-B1F1-7BBB7D6E1857}" type="datetimeFigureOut">
               <a:rPr kumimoji="1" lang="zh-TW" altLang="en-US" smtClean="0"/>
-              <a:t>2022/12/26</a:t>
+              <a:t>2023/2/3</a:t>
             </a:fld>
             <a:endParaRPr kumimoji="1" lang="zh-TW" altLang="en-US"/>
           </a:p>
@@ -8779,6 +8780,583 @@
 </p:sld>
 </file>
 
+<file path=ppt/slides/slide2.xml><?xml version="1.0" encoding="utf-8"?>
+<p:sld xmlns:a="http://schemas.openxmlformats.org/drawingml/2006/main" xmlns:r="http://schemas.openxmlformats.org/officeDocument/2006/relationships" xmlns:p="http://schemas.openxmlformats.org/presentationml/2006/main">
+  <p:cSld>
+    <p:spTree>
+      <p:nvGrpSpPr>
+        <p:cNvPr id="1" name=""/>
+        <p:cNvGrpSpPr/>
+        <p:nvPr/>
+      </p:nvGrpSpPr>
+      <p:grpSpPr>
+        <a:xfrm>
+          <a:off x="0" y="0"/>
+          <a:ext cx="0" cy="0"/>
+          <a:chOff x="0" y="0"/>
+          <a:chExt cx="0" cy="0"/>
+        </a:xfrm>
+      </p:grpSpPr>
+      <p:grpSp>
+        <p:nvGrpSpPr>
+          <p:cNvPr id="46" name="群組 45">
+            <a:extLst>
+              <a:ext uri="{FF2B5EF4-FFF2-40B4-BE49-F238E27FC236}">
+                <a16:creationId xmlns:a16="http://schemas.microsoft.com/office/drawing/2014/main" id="{28D73446-30DA-8215-BC57-D90BE5C515F8}"/>
+              </a:ext>
+            </a:extLst>
+          </p:cNvPr>
+          <p:cNvGrpSpPr/>
+          <p:nvPr/>
+        </p:nvGrpSpPr>
+        <p:grpSpPr>
+          <a:xfrm>
+            <a:off x="3928364" y="1763776"/>
+            <a:ext cx="4492755" cy="3464090"/>
+            <a:chOff x="3928364" y="1763776"/>
+            <a:chExt cx="4492755" cy="3464090"/>
+          </a:xfrm>
+        </p:grpSpPr>
+        <p:pic>
+          <p:nvPicPr>
+            <p:cNvPr id="6" name="圖片 5">
+              <a:extLst>
+                <a:ext uri="{FF2B5EF4-FFF2-40B4-BE49-F238E27FC236}">
+                  <a16:creationId xmlns:a16="http://schemas.microsoft.com/office/drawing/2014/main" id="{B60BAA69-F357-B1E2-DEBF-475E8D981893}"/>
+                </a:ext>
+              </a:extLst>
+            </p:cNvPr>
+            <p:cNvPicPr>
+              <a:picLocks noChangeAspect="1"/>
+            </p:cNvPicPr>
+            <p:nvPr/>
+          </p:nvPicPr>
+          <p:blipFill>
+            <a:blip r:embed="rId2">
+              <a:duotone>
+                <a:schemeClr val="accent1">
+                  <a:shade val="45000"/>
+                  <a:satMod val="135000"/>
+                </a:schemeClr>
+                <a:prstClr val="white"/>
+              </a:duotone>
+              <a:alphaModFix amt="60000"/>
+              <a:extLst>
+                <a:ext uri="{BEBA8EAE-BF5A-486C-A8C5-ECC9F3942E4B}">
+                  <a14:imgProps xmlns:a14="http://schemas.microsoft.com/office/drawing/2010/main">
+                    <a14:imgLayer r:embed="rId3">
+                      <a14:imgEffect>
+                        <a14:colorTemperature colorTemp="5743"/>
+                      </a14:imgEffect>
+                      <a14:imgEffect>
+                        <a14:brightnessContrast contrast="-12000"/>
+                      </a14:imgEffect>
+                    </a14:imgLayer>
+                  </a14:imgProps>
+                </a:ext>
+                <a:ext uri="{837473B0-CC2E-450A-ABE3-18F120FF3D39}">
+                  <a1611:picAttrSrcUrl xmlns:a1611="http://schemas.microsoft.com/office/drawing/2016/11/main" r:id="rId4"/>
+                </a:ext>
+              </a:extLst>
+            </a:blip>
+            <a:stretch>
+              <a:fillRect/>
+            </a:stretch>
+          </p:blipFill>
+          <p:spPr>
+            <a:xfrm>
+              <a:off x="3928364" y="1763776"/>
+              <a:ext cx="3743452" cy="3464090"/>
+            </a:xfrm>
+            <a:prstGeom prst="rect">
+              <a:avLst/>
+            </a:prstGeom>
+            <a:noFill/>
+          </p:spPr>
+        </p:pic>
+        <p:cxnSp>
+          <p:nvCxnSpPr>
+            <p:cNvPr id="18" name="直線接點 17">
+              <a:extLst>
+                <a:ext uri="{FF2B5EF4-FFF2-40B4-BE49-F238E27FC236}">
+                  <a16:creationId xmlns:a16="http://schemas.microsoft.com/office/drawing/2014/main" id="{18BDE433-CBF4-F9D3-3CF5-C24ECC8CC2E1}"/>
+                </a:ext>
+              </a:extLst>
+            </p:cNvPr>
+            <p:cNvCxnSpPr>
+              <a:cxnSpLocks/>
+            </p:cNvCxnSpPr>
+            <p:nvPr/>
+          </p:nvCxnSpPr>
+          <p:spPr>
+            <a:xfrm>
+              <a:off x="5827522" y="3504965"/>
+              <a:ext cx="1536700" cy="0"/>
+            </a:xfrm>
+            <a:prstGeom prst="line">
+              <a:avLst/>
+            </a:prstGeom>
+            <a:noFill/>
+            <a:ln w="31750">
+              <a:solidFill>
+                <a:schemeClr val="tx1"/>
+              </a:solidFill>
+              <a:headEnd type="oval"/>
+            </a:ln>
+          </p:spPr>
+          <p:style>
+            <a:lnRef idx="1">
+              <a:schemeClr val="accent1"/>
+            </a:lnRef>
+            <a:fillRef idx="0">
+              <a:schemeClr val="accent1"/>
+            </a:fillRef>
+            <a:effectRef idx="0">
+              <a:schemeClr val="accent1"/>
+            </a:effectRef>
+            <a:fontRef idx="minor">
+              <a:schemeClr val="tx1"/>
+            </a:fontRef>
+          </p:style>
+        </p:cxnSp>
+        <p:cxnSp>
+          <p:nvCxnSpPr>
+            <p:cNvPr id="20" name="直線接點 19">
+              <a:extLst>
+                <a:ext uri="{FF2B5EF4-FFF2-40B4-BE49-F238E27FC236}">
+                  <a16:creationId xmlns:a16="http://schemas.microsoft.com/office/drawing/2014/main" id="{260821D7-AB02-774C-5AF9-6B1A7DECBB9F}"/>
+                </a:ext>
+              </a:extLst>
+            </p:cNvPr>
+            <p:cNvCxnSpPr>
+              <a:cxnSpLocks/>
+            </p:cNvCxnSpPr>
+            <p:nvPr/>
+          </p:nvCxnSpPr>
+          <p:spPr>
+            <a:xfrm flipV="1">
+              <a:off x="5266944" y="3504965"/>
+              <a:ext cx="2097278" cy="947928"/>
+            </a:xfrm>
+            <a:prstGeom prst="line">
+              <a:avLst/>
+            </a:prstGeom>
+            <a:noFill/>
+            <a:ln w="31750">
+              <a:solidFill>
+                <a:schemeClr val="tx1"/>
+              </a:solidFill>
+              <a:headEnd type="oval"/>
+            </a:ln>
+          </p:spPr>
+          <p:style>
+            <a:lnRef idx="1">
+              <a:schemeClr val="accent1"/>
+            </a:lnRef>
+            <a:fillRef idx="0">
+              <a:schemeClr val="accent1"/>
+            </a:fillRef>
+            <a:effectRef idx="0">
+              <a:schemeClr val="accent1"/>
+            </a:effectRef>
+            <a:fontRef idx="minor">
+              <a:schemeClr val="tx1"/>
+            </a:fontRef>
+          </p:style>
+        </p:cxnSp>
+        <p:pic>
+          <p:nvPicPr>
+            <p:cNvPr id="15" name="圖片 14">
+              <a:extLst>
+                <a:ext uri="{FF2B5EF4-FFF2-40B4-BE49-F238E27FC236}">
+                  <a16:creationId xmlns:a16="http://schemas.microsoft.com/office/drawing/2014/main" id="{5403CA78-539F-1C10-73EC-A9CED63B7364}"/>
+                </a:ext>
+              </a:extLst>
+            </p:cNvPr>
+            <p:cNvPicPr>
+              <a:picLocks noChangeAspect="1"/>
+            </p:cNvPicPr>
+            <p:nvPr/>
+          </p:nvPicPr>
+          <p:blipFill>
+            <a:blip r:embed="rId5">
+              <a:extLst>
+                <a:ext uri="{837473B0-CC2E-450A-ABE3-18F120FF3D39}">
+                  <a1611:picAttrSrcUrl xmlns:a1611="http://schemas.microsoft.com/office/drawing/2016/11/main" r:id="rId6"/>
+                </a:ext>
+              </a:extLst>
+            </a:blip>
+            <a:stretch>
+              <a:fillRect/>
+            </a:stretch>
+          </p:blipFill>
+          <p:spPr>
+            <a:xfrm>
+              <a:off x="4715256" y="3980453"/>
+              <a:ext cx="944880" cy="944880"/>
+            </a:xfrm>
+            <a:prstGeom prst="rect">
+              <a:avLst/>
+            </a:prstGeom>
+            <a:noFill/>
+          </p:spPr>
+        </p:pic>
+        <p:pic>
+          <p:nvPicPr>
+            <p:cNvPr id="10" name="圖片 9">
+              <a:extLst>
+                <a:ext uri="{FF2B5EF4-FFF2-40B4-BE49-F238E27FC236}">
+                  <a16:creationId xmlns:a16="http://schemas.microsoft.com/office/drawing/2014/main" id="{215FE068-3B94-378C-C4ED-627802D1AB30}"/>
+                </a:ext>
+              </a:extLst>
+            </p:cNvPr>
+            <p:cNvPicPr>
+              <a:picLocks noChangeAspect="1"/>
+            </p:cNvPicPr>
+            <p:nvPr/>
+          </p:nvPicPr>
+          <p:blipFill>
+            <a:blip r:embed="rId7">
+              <a:extLst>
+                <a:ext uri="{837473B0-CC2E-450A-ABE3-18F120FF3D39}">
+                  <a1611:picAttrSrcUrl xmlns:a1611="http://schemas.microsoft.com/office/drawing/2016/11/main" r:id="rId8"/>
+                </a:ext>
+              </a:extLst>
+            </a:blip>
+            <a:stretch>
+              <a:fillRect/>
+            </a:stretch>
+          </p:blipFill>
+          <p:spPr>
+            <a:xfrm flipH="1">
+              <a:off x="7336790" y="3322085"/>
+              <a:ext cx="371602" cy="347472"/>
+            </a:xfrm>
+            <a:prstGeom prst="rect">
+              <a:avLst/>
+            </a:prstGeom>
+            <a:noFill/>
+          </p:spPr>
+        </p:pic>
+        <p:sp>
+          <p:nvSpPr>
+            <p:cNvPr id="22" name="文字方塊 21">
+              <a:extLst>
+                <a:ext uri="{FF2B5EF4-FFF2-40B4-BE49-F238E27FC236}">
+                  <a16:creationId xmlns:a16="http://schemas.microsoft.com/office/drawing/2014/main" id="{B4A9F083-873D-C276-9E82-EACB365D543E}"/>
+                </a:ext>
+              </a:extLst>
+            </p:cNvPr>
+            <p:cNvSpPr txBox="1"/>
+            <p:nvPr/>
+          </p:nvSpPr>
+          <p:spPr>
+            <a:xfrm>
+              <a:off x="5546371" y="3059668"/>
+              <a:ext cx="468398" cy="369332"/>
+            </a:xfrm>
+            <a:prstGeom prst="rect">
+              <a:avLst/>
+            </a:prstGeom>
+            <a:noFill/>
+          </p:spPr>
+          <p:txBody>
+            <a:bodyPr wrap="none" rtlCol="0">
+              <a:spAutoFit/>
+            </a:bodyPr>
+            <a:lstStyle/>
+            <a:p>
+              <a:r>
+                <a:rPr kumimoji="1" lang="en-US" altLang="zh-TW" dirty="0">
+                  <a:latin typeface="Myriad Pro" panose="020B0503030403020204" pitchFamily="34" charset="0"/>
+                </a:rPr>
+                <a:t>GC</a:t>
+              </a:r>
+              <a:endParaRPr kumimoji="1" lang="zh-TW" altLang="en-US" dirty="0">
+                <a:latin typeface="Myriad Pro" panose="020B0503030403020204" pitchFamily="34" charset="0"/>
+              </a:endParaRPr>
+            </a:p>
+          </p:txBody>
+        </p:sp>
+        <p:sp>
+          <p:nvSpPr>
+            <p:cNvPr id="32" name="文字方塊 31">
+              <a:extLst>
+                <a:ext uri="{FF2B5EF4-FFF2-40B4-BE49-F238E27FC236}">
+                  <a16:creationId xmlns:a16="http://schemas.microsoft.com/office/drawing/2014/main" id="{2F91C4F9-EC21-9FB7-557B-53AAB7E6EA18}"/>
+                </a:ext>
+              </a:extLst>
+            </p:cNvPr>
+            <p:cNvSpPr txBox="1"/>
+            <p:nvPr/>
+          </p:nvSpPr>
+          <p:spPr>
+            <a:xfrm>
+              <a:off x="4408306" y="4378244"/>
+              <a:ext cx="465192" cy="369332"/>
+            </a:xfrm>
+            <a:prstGeom prst="rect">
+              <a:avLst/>
+            </a:prstGeom>
+            <a:noFill/>
+          </p:spPr>
+          <p:txBody>
+            <a:bodyPr wrap="none" rtlCol="0">
+              <a:spAutoFit/>
+            </a:bodyPr>
+            <a:lstStyle/>
+            <a:p>
+              <a:r>
+                <a:rPr kumimoji="1" lang="en-US" altLang="zh-TW" dirty="0">
+                  <a:latin typeface="Myriad Pro" panose="020B0503030403020204" pitchFamily="34" charset="0"/>
+                </a:rPr>
+                <a:t>SN</a:t>
+              </a:r>
+              <a:endParaRPr kumimoji="1" lang="zh-TW" altLang="en-US" dirty="0">
+                <a:latin typeface="Myriad Pro" panose="020B0503030403020204" pitchFamily="34" charset="0"/>
+              </a:endParaRPr>
+            </a:p>
+          </p:txBody>
+        </p:sp>
+        <p:sp>
+          <p:nvSpPr>
+            <p:cNvPr id="33" name="文字方塊 32">
+              <a:extLst>
+                <a:ext uri="{FF2B5EF4-FFF2-40B4-BE49-F238E27FC236}">
+                  <a16:creationId xmlns:a16="http://schemas.microsoft.com/office/drawing/2014/main" id="{1892D2D4-DF96-DBFB-3E3E-CF7BDE3BFC10}"/>
+                </a:ext>
+              </a:extLst>
+            </p:cNvPr>
+            <p:cNvSpPr txBox="1"/>
+            <p:nvPr/>
+          </p:nvSpPr>
+          <p:spPr>
+            <a:xfrm>
+              <a:off x="6480854" y="3126489"/>
+              <a:ext cx="388248" cy="369332"/>
+            </a:xfrm>
+            <a:prstGeom prst="rect">
+              <a:avLst/>
+            </a:prstGeom>
+            <a:noFill/>
+          </p:spPr>
+          <p:txBody>
+            <a:bodyPr wrap="none" rtlCol="0">
+              <a:spAutoFit/>
+            </a:bodyPr>
+            <a:lstStyle/>
+            <a:p>
+              <a:r>
+                <a:rPr kumimoji="1" lang="en-US" altLang="zh-TW" i="1" dirty="0">
+                  <a:latin typeface="Minion Pro" panose="02040503050201020203" pitchFamily="18" charset="0"/>
+                </a:rPr>
+                <a:t>R</a:t>
+              </a:r>
+              <a:r>
+                <a:rPr kumimoji="1" lang="en-US" altLang="zh-TW" sz="1800" i="1" baseline="-25000" dirty="0">
+                  <a:latin typeface="Minion Pro" panose="02040503050306020203" pitchFamily="18" charset="0"/>
+                </a:rPr>
+                <a:t>e</a:t>
+              </a:r>
+              <a:endParaRPr kumimoji="1" lang="zh-TW" altLang="en-US" i="1" baseline="-25000" dirty="0">
+                <a:latin typeface="Minion Pro" panose="02040503050201020203" pitchFamily="18" charset="0"/>
+              </a:endParaRPr>
+            </a:p>
+          </p:txBody>
+        </p:sp>
+        <p:sp>
+          <p:nvSpPr>
+            <p:cNvPr id="34" name="文字方塊 33">
+              <a:extLst>
+                <a:ext uri="{FF2B5EF4-FFF2-40B4-BE49-F238E27FC236}">
+                  <a16:creationId xmlns:a16="http://schemas.microsoft.com/office/drawing/2014/main" id="{5FE2EFA5-21DD-48C1-A731-4D691A97BB9E}"/>
+                </a:ext>
+              </a:extLst>
+            </p:cNvPr>
+            <p:cNvSpPr txBox="1"/>
+            <p:nvPr/>
+          </p:nvSpPr>
+          <p:spPr>
+            <a:xfrm>
+              <a:off x="6211824" y="4008912"/>
+              <a:ext cx="383438" cy="369332"/>
+            </a:xfrm>
+            <a:prstGeom prst="rect">
+              <a:avLst/>
+            </a:prstGeom>
+            <a:noFill/>
+          </p:spPr>
+          <p:txBody>
+            <a:bodyPr wrap="none" rtlCol="0">
+              <a:spAutoFit/>
+            </a:bodyPr>
+            <a:lstStyle/>
+            <a:p>
+              <a:r>
+                <a:rPr kumimoji="1" lang="en-US" altLang="zh-TW" i="1" dirty="0">
+                  <a:latin typeface="Minion Pro" panose="02040503050201020203" pitchFamily="18" charset="0"/>
+                </a:rPr>
+                <a:t>R</a:t>
+              </a:r>
+              <a:r>
+                <a:rPr kumimoji="1" lang="en-US" altLang="zh-TW" i="1" baseline="-25000" dirty="0">
+                  <a:latin typeface="Minion Pro" panose="02040503050201020203" pitchFamily="18" charset="0"/>
+                </a:rPr>
+                <a:t>s</a:t>
+              </a:r>
+              <a:endParaRPr kumimoji="1" lang="zh-TW" altLang="en-US" i="1" baseline="-25000" dirty="0">
+                <a:latin typeface="Minion Pro" panose="02040503050201020203" pitchFamily="18" charset="0"/>
+              </a:endParaRPr>
+            </a:p>
+          </p:txBody>
+        </p:sp>
+        <p:sp>
+          <p:nvSpPr>
+            <p:cNvPr id="35" name="文字方塊 34">
+              <a:extLst>
+                <a:ext uri="{FF2B5EF4-FFF2-40B4-BE49-F238E27FC236}">
+                  <a16:creationId xmlns:a16="http://schemas.microsoft.com/office/drawing/2014/main" id="{7B9B9EF9-FB7B-A1E8-495B-8D385347EF07}"/>
+                </a:ext>
+              </a:extLst>
+            </p:cNvPr>
+            <p:cNvSpPr txBox="1"/>
+            <p:nvPr/>
+          </p:nvSpPr>
+          <p:spPr>
+            <a:xfrm>
+              <a:off x="6379452" y="3498735"/>
+              <a:ext cx="303288" cy="369332"/>
+            </a:xfrm>
+            <a:prstGeom prst="rect">
+              <a:avLst/>
+            </a:prstGeom>
+            <a:noFill/>
+          </p:spPr>
+          <p:txBody>
+            <a:bodyPr wrap="none" rtlCol="0">
+              <a:spAutoFit/>
+            </a:bodyPr>
+            <a:lstStyle/>
+            <a:p>
+              <a:r>
+                <a:rPr kumimoji="1" lang="el-GR" altLang="zh-TW" i="1" dirty="0">
+                  <a:latin typeface="Minion Pro" panose="02040503050201020203" pitchFamily="18" charset="0"/>
+                </a:rPr>
+                <a:t>β</a:t>
+              </a:r>
+              <a:endParaRPr kumimoji="1" lang="zh-TW" altLang="en-US" i="1" baseline="-25000" dirty="0">
+                <a:latin typeface="Minion Pro" panose="02040503050201020203" pitchFamily="18" charset="0"/>
+              </a:endParaRPr>
+            </a:p>
+          </p:txBody>
+        </p:sp>
+        <p:sp>
+          <p:nvSpPr>
+            <p:cNvPr id="36" name="弧線 35">
+              <a:extLst>
+                <a:ext uri="{FF2B5EF4-FFF2-40B4-BE49-F238E27FC236}">
+                  <a16:creationId xmlns:a16="http://schemas.microsoft.com/office/drawing/2014/main" id="{A458D27F-7AB6-26DE-D75D-25585DDC98A9}"/>
+                </a:ext>
+              </a:extLst>
+            </p:cNvPr>
+            <p:cNvSpPr/>
+            <p:nvPr/>
+          </p:nvSpPr>
+          <p:spPr>
+            <a:xfrm rot="10800000">
+              <a:off x="6737399" y="3353034"/>
+              <a:ext cx="430784" cy="459433"/>
+            </a:xfrm>
+            <a:prstGeom prst="arc">
+              <a:avLst>
+                <a:gd name="adj1" fmla="val 18830692"/>
+                <a:gd name="adj2" fmla="val 1097009"/>
+              </a:avLst>
+            </a:prstGeom>
+            <a:noFill/>
+            <a:ln w="12700">
+              <a:solidFill>
+                <a:schemeClr val="tx1"/>
+              </a:solidFill>
+            </a:ln>
+          </p:spPr>
+          <p:style>
+            <a:lnRef idx="1">
+              <a:schemeClr val="accent1"/>
+            </a:lnRef>
+            <a:fillRef idx="0">
+              <a:schemeClr val="accent1"/>
+            </a:fillRef>
+            <a:effectRef idx="0">
+              <a:schemeClr val="accent1"/>
+            </a:effectRef>
+            <a:fontRef idx="minor">
+              <a:schemeClr val="tx1"/>
+            </a:fontRef>
+          </p:style>
+          <p:txBody>
+            <a:bodyPr rtlCol="0" anchor="ctr"/>
+            <a:lstStyle/>
+            <a:p>
+              <a:pPr algn="ctr"/>
+              <a:endParaRPr kumimoji="1" lang="zh-TW" altLang="en-US"/>
+            </a:p>
+          </p:txBody>
+        </p:sp>
+        <p:sp>
+          <p:nvSpPr>
+            <p:cNvPr id="45" name="文字方塊 44">
+              <a:extLst>
+                <a:ext uri="{FF2B5EF4-FFF2-40B4-BE49-F238E27FC236}">
+                  <a16:creationId xmlns:a16="http://schemas.microsoft.com/office/drawing/2014/main" id="{6CA1558F-5BCF-CD55-550B-D32C43DA1B09}"/>
+                </a:ext>
+              </a:extLst>
+            </p:cNvPr>
+            <p:cNvSpPr txBox="1"/>
+            <p:nvPr/>
+          </p:nvSpPr>
+          <p:spPr>
+            <a:xfrm>
+              <a:off x="7731507" y="3326160"/>
+              <a:ext cx="689612" cy="369332"/>
+            </a:xfrm>
+            <a:prstGeom prst="rect">
+              <a:avLst/>
+            </a:prstGeom>
+            <a:noFill/>
+          </p:spPr>
+          <p:txBody>
+            <a:bodyPr wrap="none" rtlCol="0">
+              <a:spAutoFit/>
+            </a:bodyPr>
+            <a:lstStyle/>
+            <a:p>
+              <a:r>
+                <a:rPr kumimoji="1" lang="en-US" altLang="zh-TW" dirty="0">
+                  <a:latin typeface="Myriad Pro" panose="020B0503030403020204" pitchFamily="34" charset="0"/>
+                </a:rPr>
+                <a:t>Earth</a:t>
+              </a:r>
+              <a:endParaRPr kumimoji="1" lang="zh-TW" altLang="en-US" dirty="0">
+                <a:latin typeface="Myriad Pro" panose="020B0503030403020204" pitchFamily="34" charset="0"/>
+              </a:endParaRPr>
+            </a:p>
+          </p:txBody>
+        </p:sp>
+      </p:grpSp>
+    </p:spTree>
+    <p:extLst>
+      <p:ext uri="{BB962C8B-B14F-4D97-AF65-F5344CB8AC3E}">
+        <p14:creationId xmlns:p14="http://schemas.microsoft.com/office/powerpoint/2010/main" val="948510756"/>
+      </p:ext>
+    </p:extLst>
+  </p:cSld>
+  <p:clrMapOvr>
+    <a:masterClrMapping/>
+  </p:clrMapOvr>
+</p:sld>
+</file>
+
 <file path=ppt/theme/theme1.xml><?xml version="1.0" encoding="utf-8"?>
 <a:theme xmlns:a="http://schemas.openxmlformats.org/drawingml/2006/main" name="Office 佈景主題 2013 - 2022">
   <a:themeElements>

--- a/doc/scheme.pptx
+++ b/doc/scheme.pptx
@@ -8844,110 +8844,12 @@
           <a:chExt cx="0" cy="0"/>
         </a:xfrm>
       </p:grpSpPr>
-      <p:sp>
-        <p:nvSpPr>
-          <p:cNvPr id="24" name="手繪多邊形 23">
+      <p:grpSp>
+        <p:nvGrpSpPr>
+          <p:cNvPr id="23" name="群組 22">
             <a:extLst>
               <a:ext uri="{FF2B5EF4-FFF2-40B4-BE49-F238E27FC236}">
-                <a16:creationId xmlns:a16="http://schemas.microsoft.com/office/drawing/2014/main" id="{251E70E7-1891-D932-FAB6-141B62B9A589}"/>
-              </a:ext>
-            </a:extLst>
-          </p:cNvPr>
-          <p:cNvSpPr/>
-          <p:nvPr/>
-        </p:nvSpPr>
-        <p:spPr>
-          <a:xfrm>
-            <a:off x="2016525" y="2725033"/>
-            <a:ext cx="2973313" cy="944678"/>
-          </a:xfrm>
-          <a:custGeom>
-            <a:avLst/>
-            <a:gdLst>
-              <a:gd name="connsiteX0" fmla="*/ 1380683 w 2973313"/>
-              <a:gd name="connsiteY0" fmla="*/ 0 h 944678"/>
-              <a:gd name="connsiteX1" fmla="*/ 0 w 2973313"/>
-              <a:gd name="connsiteY1" fmla="*/ 944678 h 944678"/>
-              <a:gd name="connsiteX2" fmla="*/ 2973313 w 2973313"/>
-              <a:gd name="connsiteY2" fmla="*/ 6056 h 944678"/>
-              <a:gd name="connsiteX3" fmla="*/ 1380683 w 2973313"/>
-              <a:gd name="connsiteY3" fmla="*/ 0 h 944678"/>
-            </a:gdLst>
-            <a:ahLst/>
-            <a:cxnLst>
-              <a:cxn ang="0">
-                <a:pos x="connsiteX0" y="connsiteY0"/>
-              </a:cxn>
-              <a:cxn ang="0">
-                <a:pos x="connsiteX1" y="connsiteY1"/>
-              </a:cxn>
-              <a:cxn ang="0">
-                <a:pos x="connsiteX2" y="connsiteY2"/>
-              </a:cxn>
-              <a:cxn ang="0">
-                <a:pos x="connsiteX3" y="connsiteY3"/>
-              </a:cxn>
-            </a:cxnLst>
-            <a:rect l="l" t="t" r="r" b="b"/>
-            <a:pathLst>
-              <a:path w="2973313" h="944678">
-                <a:moveTo>
-                  <a:pt x="1380683" y="0"/>
-                </a:moveTo>
-                <a:lnTo>
-                  <a:pt x="0" y="944678"/>
-                </a:lnTo>
-                <a:lnTo>
-                  <a:pt x="2973313" y="6056"/>
-                </a:lnTo>
-                <a:lnTo>
-                  <a:pt x="1380683" y="0"/>
-                </a:lnTo>
-                <a:close/>
-              </a:path>
-            </a:pathLst>
-          </a:custGeom>
-          <a:solidFill>
-            <a:schemeClr val="accent6">
-              <a:lumMod val="40000"/>
-              <a:lumOff val="60000"/>
-            </a:schemeClr>
-          </a:solidFill>
-          <a:ln>
-            <a:noFill/>
-          </a:ln>
-        </p:spPr>
-        <p:style>
-          <a:lnRef idx="2">
-            <a:schemeClr val="accent1">
-              <a:shade val="50000"/>
-            </a:schemeClr>
-          </a:lnRef>
-          <a:fillRef idx="1">
-            <a:schemeClr val="accent1"/>
-          </a:fillRef>
-          <a:effectRef idx="0">
-            <a:schemeClr val="accent1"/>
-          </a:effectRef>
-          <a:fontRef idx="minor">
-            <a:schemeClr val="lt1"/>
-          </a:fontRef>
-        </p:style>
-        <p:txBody>
-          <a:bodyPr rtlCol="0" anchor="ctr"/>
-          <a:lstStyle/>
-          <a:p>
-            <a:pPr algn="ctr"/>
-            <a:endParaRPr kumimoji="1" lang="zh-TW" altLang="en-US"/>
-          </a:p>
-        </p:txBody>
-      </p:sp>
-      <p:grpSp>
-        <p:nvGrpSpPr>
-          <p:cNvPr id="25" name="群組 24">
-            <a:extLst>
-              <a:ext uri="{FF2B5EF4-FFF2-40B4-BE49-F238E27FC236}">
-                <a16:creationId xmlns:a16="http://schemas.microsoft.com/office/drawing/2014/main" id="{97E1B547-F6F5-9272-E69C-6A1B5D7F0502}"/>
+                <a16:creationId xmlns:a16="http://schemas.microsoft.com/office/drawing/2014/main" id="{E094BC85-DEB4-C7D0-0EC9-7AAA19457127}"/>
               </a:ext>
             </a:extLst>
           </p:cNvPr>
@@ -8956,769 +8858,18 @@
         </p:nvGrpSpPr>
         <p:grpSpPr>
           <a:xfrm>
-            <a:off x="4060539" y="3236853"/>
-            <a:ext cx="2034688" cy="1621107"/>
-            <a:chOff x="6035342" y="1449080"/>
-            <a:chExt cx="2034688" cy="1621107"/>
+            <a:off x="669313" y="242405"/>
+            <a:ext cx="8902316" cy="4050172"/>
+            <a:chOff x="669313" y="242405"/>
+            <a:chExt cx="8902316" cy="4050172"/>
           </a:xfrm>
         </p:grpSpPr>
-        <p:grpSp>
-          <p:nvGrpSpPr>
-            <p:cNvPr id="139" name="群組 138">
+        <p:sp>
+          <p:nvSpPr>
+            <p:cNvPr id="24" name="手繪多邊形 23">
               <a:extLst>
                 <a:ext uri="{FF2B5EF4-FFF2-40B4-BE49-F238E27FC236}">
-                  <a16:creationId xmlns:a16="http://schemas.microsoft.com/office/drawing/2014/main" id="{139E9607-DB0E-D22A-C0F1-AFD25BBD644E}"/>
-                </a:ext>
-              </a:extLst>
-            </p:cNvPr>
-            <p:cNvGrpSpPr/>
-            <p:nvPr/>
-          </p:nvGrpSpPr>
-          <p:grpSpPr>
-            <a:xfrm>
-              <a:off x="6328831" y="1449080"/>
-              <a:ext cx="1741199" cy="1612238"/>
-              <a:chOff x="5608185" y="2328671"/>
-              <a:chExt cx="1741199" cy="1612238"/>
-            </a:xfrm>
-          </p:grpSpPr>
-          <p:cxnSp>
-            <p:nvCxnSpPr>
-              <p:cNvPr id="93" name="直線接點 92">
-                <a:extLst>
-                  <a:ext uri="{FF2B5EF4-FFF2-40B4-BE49-F238E27FC236}">
-                    <a16:creationId xmlns:a16="http://schemas.microsoft.com/office/drawing/2014/main" id="{4054C3DE-8D85-9513-C0B8-B19A4C06499C}"/>
-                  </a:ext>
-                </a:extLst>
-              </p:cNvPr>
-              <p:cNvCxnSpPr>
-                <a:cxnSpLocks/>
-              </p:cNvCxnSpPr>
-              <p:nvPr/>
-            </p:nvCxnSpPr>
-            <p:spPr>
-              <a:xfrm>
-                <a:off x="6686861" y="2328671"/>
-                <a:ext cx="185" cy="914355"/>
-              </a:xfrm>
-              <a:prstGeom prst="line">
-                <a:avLst/>
-              </a:prstGeom>
-              <a:ln w="12700">
-                <a:solidFill>
-                  <a:srgbClr val="C00000"/>
-                </a:solidFill>
-                <a:prstDash val="sysDash"/>
-              </a:ln>
-            </p:spPr>
-            <p:style>
-              <a:lnRef idx="1">
-                <a:schemeClr val="accent1"/>
-              </a:lnRef>
-              <a:fillRef idx="0">
-                <a:schemeClr val="accent1"/>
-              </a:fillRef>
-              <a:effectRef idx="0">
-                <a:schemeClr val="accent1"/>
-              </a:effectRef>
-              <a:fontRef idx="minor">
-                <a:schemeClr val="tx1"/>
-              </a:fontRef>
-            </p:style>
-          </p:cxnSp>
-          <p:cxnSp>
-            <p:nvCxnSpPr>
-              <p:cNvPr id="94" name="直線箭頭接點 93">
-                <a:extLst>
-                  <a:ext uri="{FF2B5EF4-FFF2-40B4-BE49-F238E27FC236}">
-                    <a16:creationId xmlns:a16="http://schemas.microsoft.com/office/drawing/2014/main" id="{06FCE9AA-6400-045D-F644-CBEDC6F6C0DA}"/>
-                  </a:ext>
-                </a:extLst>
-              </p:cNvPr>
-              <p:cNvCxnSpPr>
-                <a:cxnSpLocks/>
-              </p:cNvCxnSpPr>
-              <p:nvPr/>
-            </p:nvCxnSpPr>
-            <p:spPr>
-              <a:xfrm flipH="1">
-                <a:off x="6141136" y="3233776"/>
-                <a:ext cx="548967" cy="525102"/>
-              </a:xfrm>
-              <a:prstGeom prst="straightConnector1">
-                <a:avLst/>
-              </a:prstGeom>
-              <a:ln w="15875">
-                <a:solidFill>
-                  <a:schemeClr val="bg2">
-                    <a:lumMod val="75000"/>
-                  </a:schemeClr>
-                </a:solidFill>
-                <a:prstDash val="solid"/>
-                <a:headEnd w="lg" len="lg"/>
-                <a:tailEnd type="none" w="lg" len="lg"/>
-              </a:ln>
-            </p:spPr>
-            <p:style>
-              <a:lnRef idx="1">
-                <a:schemeClr val="dk1"/>
-              </a:lnRef>
-              <a:fillRef idx="0">
-                <a:schemeClr val="dk1"/>
-              </a:fillRef>
-              <a:effectRef idx="0">
-                <a:schemeClr val="dk1"/>
-              </a:effectRef>
-              <a:fontRef idx="minor">
-                <a:schemeClr val="tx1"/>
-              </a:fontRef>
-            </p:style>
-          </p:cxnSp>
-          <p:cxnSp>
-            <p:nvCxnSpPr>
-              <p:cNvPr id="95" name="直線箭頭接點 94">
-                <a:extLst>
-                  <a:ext uri="{FF2B5EF4-FFF2-40B4-BE49-F238E27FC236}">
-                    <a16:creationId xmlns:a16="http://schemas.microsoft.com/office/drawing/2014/main" id="{43FA0876-4C7D-B696-3D75-00B4DCCF9FB6}"/>
-                  </a:ext>
-                </a:extLst>
-              </p:cNvPr>
-              <p:cNvCxnSpPr>
-                <a:cxnSpLocks/>
-              </p:cNvCxnSpPr>
-              <p:nvPr/>
-            </p:nvCxnSpPr>
-            <p:spPr>
-              <a:xfrm>
-                <a:off x="5608185" y="3760326"/>
-                <a:ext cx="532951" cy="0"/>
-              </a:xfrm>
-              <a:prstGeom prst="straightConnector1">
-                <a:avLst/>
-              </a:prstGeom>
-              <a:ln w="15875">
-                <a:solidFill>
-                  <a:schemeClr val="bg2">
-                    <a:lumMod val="75000"/>
-                  </a:schemeClr>
-                </a:solidFill>
-                <a:headEnd w="lg" len="lg"/>
-                <a:tailEnd type="none" w="lg" len="lg"/>
-              </a:ln>
-            </p:spPr>
-            <p:style>
-              <a:lnRef idx="1">
-                <a:schemeClr val="dk1"/>
-              </a:lnRef>
-              <a:fillRef idx="0">
-                <a:schemeClr val="dk1"/>
-              </a:fillRef>
-              <a:effectRef idx="0">
-                <a:schemeClr val="dk1"/>
-              </a:effectRef>
-              <a:fontRef idx="minor">
-                <a:schemeClr val="tx1"/>
-              </a:fontRef>
-            </p:style>
-          </p:cxnSp>
-          <p:cxnSp>
-            <p:nvCxnSpPr>
-              <p:cNvPr id="97" name="直線接點 96">
-                <a:extLst>
-                  <a:ext uri="{FF2B5EF4-FFF2-40B4-BE49-F238E27FC236}">
-                    <a16:creationId xmlns:a16="http://schemas.microsoft.com/office/drawing/2014/main" id="{2E2E3F56-AEDA-B6D3-B893-C818C6251648}"/>
-                  </a:ext>
-                </a:extLst>
-              </p:cNvPr>
-              <p:cNvCxnSpPr>
-                <a:cxnSpLocks/>
-              </p:cNvCxnSpPr>
-              <p:nvPr/>
-            </p:nvCxnSpPr>
-            <p:spPr>
-              <a:xfrm flipH="1">
-                <a:off x="5612890" y="2328671"/>
-                <a:ext cx="1074368" cy="1430261"/>
-              </a:xfrm>
-              <a:prstGeom prst="line">
-                <a:avLst/>
-              </a:prstGeom>
-              <a:ln w="12700">
-                <a:solidFill>
-                  <a:srgbClr val="C00000"/>
-                </a:solidFill>
-                <a:prstDash val="solid"/>
-              </a:ln>
-            </p:spPr>
-            <p:style>
-              <a:lnRef idx="1">
-                <a:schemeClr val="accent1"/>
-              </a:lnRef>
-              <a:fillRef idx="0">
-                <a:schemeClr val="accent1"/>
-              </a:fillRef>
-              <a:effectRef idx="0">
-                <a:schemeClr val="accent1"/>
-              </a:effectRef>
-              <a:fontRef idx="minor">
-                <a:schemeClr val="tx1"/>
-              </a:fontRef>
-            </p:style>
-          </p:cxnSp>
-          <p:cxnSp>
-            <p:nvCxnSpPr>
-              <p:cNvPr id="99" name="直線接點 98">
-                <a:extLst>
-                  <a:ext uri="{FF2B5EF4-FFF2-40B4-BE49-F238E27FC236}">
-                    <a16:creationId xmlns:a16="http://schemas.microsoft.com/office/drawing/2014/main" id="{8A8BDD30-D762-0187-40DA-D09C50007F6E}"/>
-                  </a:ext>
-                </a:extLst>
-              </p:cNvPr>
-              <p:cNvCxnSpPr>
-                <a:cxnSpLocks/>
-              </p:cNvCxnSpPr>
-              <p:nvPr/>
-            </p:nvCxnSpPr>
-            <p:spPr>
-              <a:xfrm flipH="1">
-                <a:off x="5616665" y="3233776"/>
-                <a:ext cx="1073438" cy="525157"/>
-              </a:xfrm>
-              <a:prstGeom prst="line">
-                <a:avLst/>
-              </a:prstGeom>
-              <a:ln w="12700">
-                <a:solidFill>
-                  <a:srgbClr val="C00000"/>
-                </a:solidFill>
-                <a:prstDash val="solid"/>
-              </a:ln>
-            </p:spPr>
-            <p:style>
-              <a:lnRef idx="1">
-                <a:schemeClr val="accent1"/>
-              </a:lnRef>
-              <a:fillRef idx="0">
-                <a:schemeClr val="accent1"/>
-              </a:fillRef>
-              <a:effectRef idx="0">
-                <a:schemeClr val="accent1"/>
-              </a:effectRef>
-              <a:fontRef idx="minor">
-                <a:schemeClr val="tx1"/>
-              </a:fontRef>
-            </p:style>
-          </p:cxnSp>
-          <p:sp>
-            <p:nvSpPr>
-              <p:cNvPr id="116" name="文字方塊 115">
-                <a:extLst>
-                  <a:ext uri="{FF2B5EF4-FFF2-40B4-BE49-F238E27FC236}">
-                    <a16:creationId xmlns:a16="http://schemas.microsoft.com/office/drawing/2014/main" id="{23354E05-A503-7B5B-F86E-1D4849587ECC}"/>
-                  </a:ext>
-                </a:extLst>
-              </p:cNvPr>
-              <p:cNvSpPr txBox="1"/>
-              <p:nvPr/>
-            </p:nvSpPr>
-            <p:spPr>
-              <a:xfrm>
-                <a:off x="5912685" y="2788350"/>
-                <a:ext cx="266420" cy="261610"/>
-              </a:xfrm>
-              <a:prstGeom prst="rect">
-                <a:avLst/>
-              </a:prstGeom>
-              <a:noFill/>
-            </p:spPr>
-            <p:txBody>
-              <a:bodyPr wrap="none" rtlCol="0">
-                <a:spAutoFit/>
-              </a:bodyPr>
-              <a:lstStyle/>
-              <a:p>
-                <a:r>
-                  <a:rPr kumimoji="1" lang="en-US" altLang="zh-TW" sz="1100" i="1" dirty="0">
-                    <a:solidFill>
-                      <a:srgbClr val="C00000"/>
-                    </a:solidFill>
-                    <a:latin typeface="Minion Pro" panose="02040503050306020203" pitchFamily="18" charset="0"/>
-                  </a:rPr>
-                  <a:t>r′</a:t>
-                </a:r>
-                <a:endParaRPr kumimoji="1" lang="zh-TW" altLang="en-US" sz="1400" i="1" dirty="0">
-                  <a:solidFill>
-                    <a:srgbClr val="C00000"/>
-                  </a:solidFill>
-                  <a:latin typeface="Minion Pro" panose="02040503050306020203" pitchFamily="18" charset="0"/>
-                </a:endParaRPr>
-              </a:p>
-            </p:txBody>
-          </p:sp>
-          <p:sp>
-            <p:nvSpPr>
-              <p:cNvPr id="118" name="文字方塊 117">
-                <a:extLst>
-                  <a:ext uri="{FF2B5EF4-FFF2-40B4-BE49-F238E27FC236}">
-                    <a16:creationId xmlns:a16="http://schemas.microsoft.com/office/drawing/2014/main" id="{D30DADE6-B42E-39DF-B14F-609696199356}"/>
-                  </a:ext>
-                </a:extLst>
-              </p:cNvPr>
-              <p:cNvSpPr txBox="1"/>
-              <p:nvPr/>
-            </p:nvSpPr>
-            <p:spPr>
-              <a:xfrm>
-                <a:off x="6698642" y="2662891"/>
-                <a:ext cx="521297" cy="261610"/>
-              </a:xfrm>
-              <a:prstGeom prst="rect">
-                <a:avLst/>
-              </a:prstGeom>
-              <a:noFill/>
-            </p:spPr>
-            <p:txBody>
-              <a:bodyPr wrap="none" rtlCol="0">
-                <a:spAutoFit/>
-              </a:bodyPr>
-              <a:lstStyle/>
-              <a:p>
-                <a:r>
-                  <a:rPr kumimoji="1" lang="en-US" altLang="zh-TW" sz="1100" i="1" dirty="0" err="1">
-                    <a:solidFill>
-                      <a:srgbClr val="C00000"/>
-                    </a:solidFill>
-                    <a:latin typeface="Minion Pro" panose="02040503050306020203" pitchFamily="18" charset="0"/>
-                  </a:rPr>
-                  <a:t>h</a:t>
-                </a:r>
-                <a:r>
-                  <a:rPr kumimoji="1" lang="en-US" altLang="zh-TW" sz="1100" dirty="0" err="1">
-                    <a:solidFill>
-                      <a:srgbClr val="C00000"/>
-                    </a:solidFill>
-                    <a:latin typeface="Minion Pro" panose="02040503050306020203" pitchFamily="18" charset="0"/>
-                  </a:rPr>
-                  <a:t>cos</a:t>
-                </a:r>
-                <a:r>
-                  <a:rPr kumimoji="1" lang="en-US" altLang="zh-TW" sz="1100" i="1" dirty="0" err="1">
-                    <a:solidFill>
-                      <a:srgbClr val="C00000"/>
-                    </a:solidFill>
-                    <a:latin typeface="Minion Pro" panose="02040503050306020203" pitchFamily="18" charset="0"/>
-                  </a:rPr>
-                  <a:t>φ</a:t>
-                </a:r>
-                <a:endParaRPr kumimoji="1" lang="zh-TW" altLang="en-US" sz="1400" i="1" dirty="0">
-                  <a:solidFill>
-                    <a:srgbClr val="C00000"/>
-                  </a:solidFill>
-                  <a:latin typeface="Minion Pro" panose="02040503050306020203" pitchFamily="18" charset="0"/>
-                </a:endParaRPr>
-              </a:p>
-            </p:txBody>
-          </p:sp>
-          <p:cxnSp>
-            <p:nvCxnSpPr>
-              <p:cNvPr id="119" name="直線箭頭接點 118">
-                <a:extLst>
-                  <a:ext uri="{FF2B5EF4-FFF2-40B4-BE49-F238E27FC236}">
-                    <a16:creationId xmlns:a16="http://schemas.microsoft.com/office/drawing/2014/main" id="{6FB24D57-8BF9-A91E-18C5-D0ECE8AC855B}"/>
-                  </a:ext>
-                </a:extLst>
-              </p:cNvPr>
-              <p:cNvCxnSpPr>
-                <a:cxnSpLocks/>
-              </p:cNvCxnSpPr>
-              <p:nvPr/>
-            </p:nvCxnSpPr>
-            <p:spPr>
-              <a:xfrm flipH="1">
-                <a:off x="6048001" y="3689061"/>
-                <a:ext cx="62567" cy="72815"/>
-              </a:xfrm>
-              <a:prstGeom prst="straightConnector1">
-                <a:avLst/>
-              </a:prstGeom>
-              <a:ln w="9525">
-                <a:solidFill>
-                  <a:schemeClr val="bg2">
-                    <a:lumMod val="75000"/>
-                  </a:schemeClr>
-                </a:solidFill>
-                <a:prstDash val="solid"/>
-                <a:headEnd w="lg" len="lg"/>
-                <a:tailEnd type="none" w="lg" len="lg"/>
-              </a:ln>
-            </p:spPr>
-            <p:style>
-              <a:lnRef idx="1">
-                <a:schemeClr val="dk1"/>
-              </a:lnRef>
-              <a:fillRef idx="0">
-                <a:schemeClr val="dk1"/>
-              </a:fillRef>
-              <a:effectRef idx="0">
-                <a:schemeClr val="dk1"/>
-              </a:effectRef>
-              <a:fontRef idx="minor">
-                <a:schemeClr val="tx1"/>
-              </a:fontRef>
-            </p:style>
-          </p:cxnSp>
-          <p:cxnSp>
-            <p:nvCxnSpPr>
-              <p:cNvPr id="120" name="直線箭頭接點 119">
-                <a:extLst>
-                  <a:ext uri="{FF2B5EF4-FFF2-40B4-BE49-F238E27FC236}">
-                    <a16:creationId xmlns:a16="http://schemas.microsoft.com/office/drawing/2014/main" id="{59C32702-A08B-7C0F-C1FC-A613973F0F1C}"/>
-                  </a:ext>
-                </a:extLst>
-              </p:cNvPr>
-              <p:cNvCxnSpPr>
-                <a:cxnSpLocks/>
-              </p:cNvCxnSpPr>
-              <p:nvPr/>
-            </p:nvCxnSpPr>
-            <p:spPr>
-              <a:xfrm flipH="1">
-                <a:off x="6107143" y="3692486"/>
-                <a:ext cx="100789" cy="0"/>
-              </a:xfrm>
-              <a:prstGeom prst="straightConnector1">
-                <a:avLst/>
-              </a:prstGeom>
-              <a:ln w="9525">
-                <a:solidFill>
-                  <a:schemeClr val="bg2">
-                    <a:lumMod val="75000"/>
-                  </a:schemeClr>
-                </a:solidFill>
-                <a:prstDash val="solid"/>
-                <a:headEnd w="lg" len="lg"/>
-                <a:tailEnd type="none" w="lg" len="lg"/>
-              </a:ln>
-            </p:spPr>
-            <p:style>
-              <a:lnRef idx="1">
-                <a:schemeClr val="dk1"/>
-              </a:lnRef>
-              <a:fillRef idx="0">
-                <a:schemeClr val="dk1"/>
-              </a:fillRef>
-              <a:effectRef idx="0">
-                <a:schemeClr val="dk1"/>
-              </a:effectRef>
-              <a:fontRef idx="minor">
-                <a:schemeClr val="tx1"/>
-              </a:fontRef>
-            </p:style>
-          </p:cxnSp>
-          <p:pic>
-            <p:nvPicPr>
-              <p:cNvPr id="122" name="圖片 121">
-                <a:extLst>
-                  <a:ext uri="{FF2B5EF4-FFF2-40B4-BE49-F238E27FC236}">
-                    <a16:creationId xmlns:a16="http://schemas.microsoft.com/office/drawing/2014/main" id="{3EC32D69-97C7-E175-D570-8999D3E83F8F}"/>
-                  </a:ext>
-                </a:extLst>
-              </p:cNvPr>
-              <p:cNvPicPr>
-                <a:picLocks noChangeAspect="1"/>
-              </p:cNvPicPr>
-              <p:nvPr/>
-            </p:nvPicPr>
-            <p:blipFill>
-              <a:blip r:embed="rId2"/>
-              <a:stretch>
-                <a:fillRect/>
-              </a:stretch>
-            </p:blipFill>
-            <p:spPr>
-              <a:xfrm>
-                <a:off x="6473084" y="3508783"/>
-                <a:ext cx="876300" cy="139700"/>
-              </a:xfrm>
-              <a:prstGeom prst="rect">
-                <a:avLst/>
-              </a:prstGeom>
-            </p:spPr>
-          </p:pic>
-          <p:pic>
-            <p:nvPicPr>
-              <p:cNvPr id="126" name="圖片 125">
-                <a:extLst>
-                  <a:ext uri="{FF2B5EF4-FFF2-40B4-BE49-F238E27FC236}">
-                    <a16:creationId xmlns:a16="http://schemas.microsoft.com/office/drawing/2014/main" id="{030539DB-D83A-9E6A-6C88-0FDA30508CA2}"/>
-                  </a:ext>
-                </a:extLst>
-              </p:cNvPr>
-              <p:cNvPicPr>
-                <a:picLocks noChangeAspect="1"/>
-              </p:cNvPicPr>
-              <p:nvPr/>
-            </p:nvPicPr>
-            <p:blipFill>
-              <a:blip r:embed="rId3"/>
-              <a:stretch>
-                <a:fillRect/>
-              </a:stretch>
-            </p:blipFill>
-            <p:spPr>
-              <a:xfrm>
-                <a:off x="5720474" y="3826609"/>
-                <a:ext cx="342900" cy="114300"/>
-              </a:xfrm>
-              <a:prstGeom prst="rect">
-                <a:avLst/>
-              </a:prstGeom>
-            </p:spPr>
-          </p:pic>
-          <p:sp>
-            <p:nvSpPr>
-              <p:cNvPr id="128" name="文字方塊 127">
-                <a:extLst>
-                  <a:ext uri="{FF2B5EF4-FFF2-40B4-BE49-F238E27FC236}">
-                    <a16:creationId xmlns:a16="http://schemas.microsoft.com/office/drawing/2014/main" id="{DD0E95D9-5ABF-AEC8-AC61-7F1E050C679A}"/>
-                  </a:ext>
-                </a:extLst>
-              </p:cNvPr>
-              <p:cNvSpPr txBox="1"/>
-              <p:nvPr/>
-            </p:nvSpPr>
-            <p:spPr>
-              <a:xfrm>
-                <a:off x="6109071" y="3210817"/>
-                <a:ext cx="253596" cy="261610"/>
-              </a:xfrm>
-              <a:prstGeom prst="rect">
-                <a:avLst/>
-              </a:prstGeom>
-              <a:noFill/>
-            </p:spPr>
-            <p:txBody>
-              <a:bodyPr wrap="none" rtlCol="0">
-                <a:spAutoFit/>
-              </a:bodyPr>
-              <a:lstStyle/>
-              <a:p>
-                <a:r>
-                  <a:rPr kumimoji="1" lang="en-US" altLang="zh-TW" sz="1100" i="1" dirty="0">
-                    <a:solidFill>
-                      <a:srgbClr val="C00000"/>
-                    </a:solidFill>
-                    <a:latin typeface="Minion Pro" panose="02040503050306020203" pitchFamily="18" charset="0"/>
-                  </a:rPr>
-                  <a:t>a</a:t>
-                </a:r>
-                <a:endParaRPr kumimoji="1" lang="zh-TW" altLang="en-US" sz="1400" i="1" dirty="0">
-                  <a:solidFill>
-                    <a:srgbClr val="C00000"/>
-                  </a:solidFill>
-                  <a:latin typeface="Minion Pro" panose="02040503050306020203" pitchFamily="18" charset="0"/>
-                </a:endParaRPr>
-              </a:p>
-            </p:txBody>
-          </p:sp>
-          <p:cxnSp>
-            <p:nvCxnSpPr>
-              <p:cNvPr id="132" name="直線接點 131">
-                <a:extLst>
-                  <a:ext uri="{FF2B5EF4-FFF2-40B4-BE49-F238E27FC236}">
-                    <a16:creationId xmlns:a16="http://schemas.microsoft.com/office/drawing/2014/main" id="{95EFDC5D-29C6-B8D4-971B-BF1025E6F8C9}"/>
-                  </a:ext>
-                </a:extLst>
-              </p:cNvPr>
-              <p:cNvCxnSpPr>
-                <a:cxnSpLocks/>
-              </p:cNvCxnSpPr>
-              <p:nvPr/>
-            </p:nvCxnSpPr>
-            <p:spPr>
-              <a:xfrm flipH="1">
-                <a:off x="6598279" y="3142438"/>
-                <a:ext cx="95599" cy="46770"/>
-              </a:xfrm>
-              <a:prstGeom prst="line">
-                <a:avLst/>
-              </a:prstGeom>
-              <a:ln w="6350">
-                <a:solidFill>
-                  <a:srgbClr val="C00000"/>
-                </a:solidFill>
-                <a:prstDash val="solid"/>
-              </a:ln>
-            </p:spPr>
-            <p:style>
-              <a:lnRef idx="1">
-                <a:schemeClr val="accent1"/>
-              </a:lnRef>
-              <a:fillRef idx="0">
-                <a:schemeClr val="accent1"/>
-              </a:fillRef>
-              <a:effectRef idx="0">
-                <a:schemeClr val="accent1"/>
-              </a:effectRef>
-              <a:fontRef idx="minor">
-                <a:schemeClr val="tx1"/>
-              </a:fontRef>
-            </p:style>
-          </p:cxnSp>
-          <p:cxnSp>
-            <p:nvCxnSpPr>
-              <p:cNvPr id="137" name="直線接點 136">
-                <a:extLst>
-                  <a:ext uri="{FF2B5EF4-FFF2-40B4-BE49-F238E27FC236}">
-                    <a16:creationId xmlns:a16="http://schemas.microsoft.com/office/drawing/2014/main" id="{E947950F-F33C-B9BA-273E-97F2ECB204C4}"/>
-                  </a:ext>
-                </a:extLst>
-              </p:cNvPr>
-              <p:cNvCxnSpPr>
-                <a:cxnSpLocks/>
-              </p:cNvCxnSpPr>
-              <p:nvPr/>
-            </p:nvCxnSpPr>
-            <p:spPr>
-              <a:xfrm>
-                <a:off x="6599226" y="3187687"/>
-                <a:ext cx="0" cy="87664"/>
-              </a:xfrm>
-              <a:prstGeom prst="line">
-                <a:avLst/>
-              </a:prstGeom>
-              <a:ln w="6350">
-                <a:solidFill>
-                  <a:srgbClr val="C00000"/>
-                </a:solidFill>
-                <a:prstDash val="solid"/>
-              </a:ln>
-            </p:spPr>
-            <p:style>
-              <a:lnRef idx="1">
-                <a:schemeClr val="accent1"/>
-              </a:lnRef>
-              <a:fillRef idx="0">
-                <a:schemeClr val="accent1"/>
-              </a:fillRef>
-              <a:effectRef idx="0">
-                <a:schemeClr val="accent1"/>
-              </a:effectRef>
-              <a:fontRef idx="minor">
-                <a:schemeClr val="tx1"/>
-              </a:fontRef>
-            </p:style>
-          </p:cxnSp>
-        </p:grpSp>
-        <p:sp>
-          <p:nvSpPr>
-            <p:cNvPr id="194" name="文字方塊 193">
-              <a:extLst>
-                <a:ext uri="{FF2B5EF4-FFF2-40B4-BE49-F238E27FC236}">
-                  <a16:creationId xmlns:a16="http://schemas.microsoft.com/office/drawing/2014/main" id="{2651C8A9-E0A5-02B2-5195-D30B45DF1D35}"/>
-                </a:ext>
-              </a:extLst>
-            </p:cNvPr>
-            <p:cNvSpPr txBox="1"/>
-            <p:nvPr/>
-          </p:nvSpPr>
-          <p:spPr>
-            <a:xfrm>
-              <a:off x="6035342" y="2762410"/>
-              <a:ext cx="300082" cy="307777"/>
-            </a:xfrm>
-            <a:prstGeom prst="rect">
-              <a:avLst/>
-            </a:prstGeom>
-            <a:noFill/>
-          </p:spPr>
-          <p:txBody>
-            <a:bodyPr wrap="none" rtlCol="0">
-              <a:spAutoFit/>
-            </a:bodyPr>
-            <a:lstStyle/>
-            <a:p>
-              <a:r>
-                <a:rPr kumimoji="1" lang="en-US" altLang="zh-TW" sz="1400" dirty="0">
-                  <a:solidFill>
-                    <a:schemeClr val="tx1">
-                      <a:lumMod val="85000"/>
-                      <a:lumOff val="15000"/>
-                    </a:schemeClr>
-                  </a:solidFill>
-                  <a:latin typeface="Myriad Pro" panose="020B0503030403020204" pitchFamily="34" charset="0"/>
-                </a:rPr>
-                <a:t>G</a:t>
-              </a:r>
-              <a:endParaRPr kumimoji="1" lang="zh-TW" altLang="en-US" dirty="0">
-                <a:solidFill>
-                  <a:schemeClr val="tx1">
-                    <a:lumMod val="85000"/>
-                    <a:lumOff val="15000"/>
-                  </a:schemeClr>
-                </a:solidFill>
-                <a:latin typeface="Myriad Pro" panose="020B0503030403020204" pitchFamily="34" charset="0"/>
-              </a:endParaRPr>
-            </a:p>
-          </p:txBody>
-        </p:sp>
-      </p:grpSp>
-      <p:grpSp>
-        <p:nvGrpSpPr>
-          <p:cNvPr id="30" name="群組 29">
-            <a:extLst>
-              <a:ext uri="{FF2B5EF4-FFF2-40B4-BE49-F238E27FC236}">
-                <a16:creationId xmlns:a16="http://schemas.microsoft.com/office/drawing/2014/main" id="{144CBFF9-2DDC-7C4F-CA21-23ED444B2D97}"/>
-              </a:ext>
-            </a:extLst>
-          </p:cNvPr>
-          <p:cNvGrpSpPr/>
-          <p:nvPr/>
-        </p:nvGrpSpPr>
-        <p:grpSpPr>
-          <a:xfrm>
-            <a:off x="6298196" y="3378334"/>
-            <a:ext cx="1842495" cy="1432554"/>
-            <a:chOff x="5945196" y="3383542"/>
-            <a:chExt cx="1842495" cy="1432554"/>
-          </a:xfrm>
-        </p:grpSpPr>
-        <p:pic>
-          <p:nvPicPr>
-            <p:cNvPr id="167" name="圖片 166">
-              <a:extLst>
-                <a:ext uri="{FF2B5EF4-FFF2-40B4-BE49-F238E27FC236}">
-                  <a16:creationId xmlns:a16="http://schemas.microsoft.com/office/drawing/2014/main" id="{3996C5FD-F277-40BB-4B1A-B2C3ECC99841}"/>
-                </a:ext>
-              </a:extLst>
-            </p:cNvPr>
-            <p:cNvPicPr>
-              <a:picLocks noChangeAspect="1"/>
-            </p:cNvPicPr>
-            <p:nvPr/>
-          </p:nvPicPr>
-          <p:blipFill>
-            <a:blip r:embed="rId4"/>
-            <a:stretch>
-              <a:fillRect/>
-            </a:stretch>
-          </p:blipFill>
-          <p:spPr>
-            <a:xfrm>
-              <a:off x="6321161" y="3881551"/>
-              <a:ext cx="88900" cy="139700"/>
-            </a:xfrm>
-            <a:prstGeom prst="rect">
-              <a:avLst/>
-            </a:prstGeom>
-          </p:spPr>
-        </p:pic>
-        <p:sp>
-          <p:nvSpPr>
-            <p:cNvPr id="174" name="弧線 173">
-              <a:extLst>
-                <a:ext uri="{FF2B5EF4-FFF2-40B4-BE49-F238E27FC236}">
-                  <a16:creationId xmlns:a16="http://schemas.microsoft.com/office/drawing/2014/main" id="{E656D155-CC12-3C65-7A42-07F07BE79E25}"/>
+                  <a16:creationId xmlns:a16="http://schemas.microsoft.com/office/drawing/2014/main" id="{251E70E7-1891-D932-FAB6-141B62B9A589}"/>
                 </a:ext>
               </a:extLst>
             </p:cNvPr>
@@ -9726,71 +8877,56 @@
             <p:nvPr/>
           </p:nvSpPr>
           <p:spPr>
-            <a:xfrm flipH="1">
-              <a:off x="6619546" y="3592325"/>
-              <a:ext cx="209390" cy="180365"/>
+            <a:xfrm>
+              <a:off x="1736187" y="2726395"/>
+              <a:ext cx="2973313" cy="944678"/>
             </a:xfrm>
-            <a:prstGeom prst="arc">
-              <a:avLst>
-                <a:gd name="adj1" fmla="val 2661013"/>
-                <a:gd name="adj2" fmla="val 11257645"/>
-              </a:avLst>
-            </a:prstGeom>
-            <a:ln w="12700">
-              <a:solidFill>
-                <a:schemeClr val="tx1">
-                  <a:lumMod val="85000"/>
-                  <a:lumOff val="15000"/>
-                </a:schemeClr>
-              </a:solidFill>
-              <a:headEnd type="none"/>
-            </a:ln>
-          </p:spPr>
-          <p:style>
-            <a:lnRef idx="1">
-              <a:schemeClr val="accent1"/>
-            </a:lnRef>
-            <a:fillRef idx="0">
-              <a:schemeClr val="accent1"/>
-            </a:fillRef>
-            <a:effectRef idx="0">
-              <a:schemeClr val="accent1"/>
-            </a:effectRef>
-            <a:fontRef idx="minor">
-              <a:schemeClr val="tx1"/>
-            </a:fontRef>
-          </p:style>
-          <p:txBody>
-            <a:bodyPr rtlCol="0" anchor="ctr"/>
-            <a:lstStyle/>
-            <a:p>
-              <a:pPr algn="ctr"/>
-              <a:endParaRPr kumimoji="1" lang="zh-TW" altLang="en-US"/>
-            </a:p>
-          </p:txBody>
-        </p:sp>
-        <p:sp>
-          <p:nvSpPr>
-            <p:cNvPr id="181" name="三角形 180">
-              <a:extLst>
-                <a:ext uri="{FF2B5EF4-FFF2-40B4-BE49-F238E27FC236}">
-                  <a16:creationId xmlns:a16="http://schemas.microsoft.com/office/drawing/2014/main" id="{3AE62518-64B6-0B1C-9FBB-56CB8382A59B}"/>
-                </a:ext>
-              </a:extLst>
-            </p:cNvPr>
-            <p:cNvSpPr/>
-            <p:nvPr/>
-          </p:nvSpPr>
-          <p:spPr>
-            <a:xfrm rot="19371205">
-              <a:off x="5945196" y="3702454"/>
-              <a:ext cx="1556557" cy="470993"/>
-            </a:xfrm>
-            <a:prstGeom prst="triangle">
-              <a:avLst>
-                <a:gd name="adj" fmla="val 59316"/>
-              </a:avLst>
-            </a:prstGeom>
+            <a:custGeom>
+              <a:avLst/>
+              <a:gdLst>
+                <a:gd name="connsiteX0" fmla="*/ 1380683 w 2973313"/>
+                <a:gd name="connsiteY0" fmla="*/ 0 h 944678"/>
+                <a:gd name="connsiteX1" fmla="*/ 0 w 2973313"/>
+                <a:gd name="connsiteY1" fmla="*/ 944678 h 944678"/>
+                <a:gd name="connsiteX2" fmla="*/ 2973313 w 2973313"/>
+                <a:gd name="connsiteY2" fmla="*/ 6056 h 944678"/>
+                <a:gd name="connsiteX3" fmla="*/ 1380683 w 2973313"/>
+                <a:gd name="connsiteY3" fmla="*/ 0 h 944678"/>
+              </a:gdLst>
+              <a:ahLst/>
+              <a:cxnLst>
+                <a:cxn ang="0">
+                  <a:pos x="connsiteX0" y="connsiteY0"/>
+                </a:cxn>
+                <a:cxn ang="0">
+                  <a:pos x="connsiteX1" y="connsiteY1"/>
+                </a:cxn>
+                <a:cxn ang="0">
+                  <a:pos x="connsiteX2" y="connsiteY2"/>
+                </a:cxn>
+                <a:cxn ang="0">
+                  <a:pos x="connsiteX3" y="connsiteY3"/>
+                </a:cxn>
+              </a:cxnLst>
+              <a:rect l="l" t="t" r="r" b="b"/>
+              <a:pathLst>
+                <a:path w="2973313" h="944678">
+                  <a:moveTo>
+                    <a:pt x="1380683" y="0"/>
+                  </a:moveTo>
+                  <a:lnTo>
+                    <a:pt x="0" y="944678"/>
+                  </a:lnTo>
+                  <a:lnTo>
+                    <a:pt x="2973313" y="6056"/>
+                  </a:lnTo>
+                  <a:lnTo>
+                    <a:pt x="1380683" y="0"/>
+                  </a:lnTo>
+                  <a:close/>
+                </a:path>
+              </a:pathLst>
+            </a:custGeom>
             <a:solidFill>
               <a:schemeClr val="accent6">
                 <a:lumMod val="40000"/>
@@ -9798,12 +8934,7 @@
               </a:schemeClr>
             </a:solidFill>
             <a:ln>
-              <a:solidFill>
-                <a:schemeClr val="tx1">
-                  <a:lumMod val="95000"/>
-                  <a:lumOff val="5000"/>
-                </a:schemeClr>
-              </a:solidFill>
+              <a:noFill/>
             </a:ln>
           </p:spPr>
           <p:style>
@@ -9831,179 +8962,715 @@
             </a:p>
           </p:txBody>
         </p:sp>
-        <p:sp>
-          <p:nvSpPr>
-            <p:cNvPr id="182" name="文字方塊 181">
+        <p:grpSp>
+          <p:nvGrpSpPr>
+            <p:cNvPr id="25" name="群組 24">
               <a:extLst>
                 <a:ext uri="{FF2B5EF4-FFF2-40B4-BE49-F238E27FC236}">
-                  <a16:creationId xmlns:a16="http://schemas.microsoft.com/office/drawing/2014/main" id="{D1F14A55-4F72-463F-3BDB-87CAAA647E9A}"/>
+                  <a16:creationId xmlns:a16="http://schemas.microsoft.com/office/drawing/2014/main" id="{97E1B547-F6F5-9272-E69C-6A1B5D7F0502}"/>
                 </a:ext>
               </a:extLst>
             </p:cNvPr>
-            <p:cNvSpPr txBox="1"/>
+            <p:cNvGrpSpPr/>
             <p:nvPr/>
-          </p:nvSpPr>
-          <p:spPr>
+          </p:nvGrpSpPr>
+          <p:grpSpPr>
             <a:xfrm>
-              <a:off x="6883617" y="4104309"/>
-              <a:ext cx="340158" cy="307777"/>
+              <a:off x="5749891" y="1955614"/>
+              <a:ext cx="2034688" cy="1621107"/>
+              <a:chOff x="6035342" y="1449080"/>
+              <a:chExt cx="2034688" cy="1621107"/>
             </a:xfrm>
-            <a:prstGeom prst="rect">
-              <a:avLst/>
-            </a:prstGeom>
-            <a:noFill/>
-          </p:spPr>
-          <p:txBody>
-            <a:bodyPr wrap="none" rtlCol="0">
-              <a:spAutoFit/>
-            </a:bodyPr>
-            <a:lstStyle/>
-            <a:p>
-              <a:r>
-                <a:rPr kumimoji="1" lang="en-US" altLang="zh-TW" sz="1400" i="1" dirty="0">
-                  <a:latin typeface="Minion Pro" panose="02040503050306020203" pitchFamily="18" charset="0"/>
-                </a:rPr>
-                <a:t>R</a:t>
-              </a:r>
-              <a:r>
-                <a:rPr kumimoji="1" lang="en-US" altLang="zh-TW" sz="1400" i="1" baseline="-25000" dirty="0">
-                  <a:latin typeface="Minion Pro" panose="02040503050306020203" pitchFamily="18" charset="0"/>
-                </a:rPr>
-                <a:t>e</a:t>
-              </a:r>
-              <a:endParaRPr kumimoji="1" lang="zh-TW" altLang="en-US" i="1" dirty="0">
-                <a:solidFill>
-                  <a:srgbClr val="2F528F"/>
-                </a:solidFill>
-                <a:latin typeface="Minion Pro" panose="02040503050306020203" pitchFamily="18" charset="0"/>
-              </a:endParaRPr>
-            </a:p>
-          </p:txBody>
-        </p:sp>
-        <p:sp>
-          <p:nvSpPr>
-            <p:cNvPr id="183" name="文字方塊 182">
-              <a:extLst>
-                <a:ext uri="{FF2B5EF4-FFF2-40B4-BE49-F238E27FC236}">
-                  <a16:creationId xmlns:a16="http://schemas.microsoft.com/office/drawing/2014/main" id="{7432A2BC-76DE-164D-9397-75999F45CDD9}"/>
-                </a:ext>
-              </a:extLst>
-            </p:cNvPr>
-            <p:cNvSpPr txBox="1"/>
-            <p:nvPr/>
-          </p:nvSpPr>
-          <p:spPr>
-            <a:xfrm>
-              <a:off x="6817436" y="3383542"/>
-              <a:ext cx="506870" cy="261610"/>
-            </a:xfrm>
-            <a:prstGeom prst="rect">
-              <a:avLst/>
-            </a:prstGeom>
-            <a:noFill/>
-          </p:spPr>
-          <p:txBody>
-            <a:bodyPr wrap="none" rtlCol="0">
-              <a:spAutoFit/>
-            </a:bodyPr>
-            <a:lstStyle/>
-            <a:p>
-              <a:r>
-                <a:rPr kumimoji="1" lang="en-US" altLang="zh-TW" sz="1100" i="1" dirty="0" err="1">
+          </p:grpSpPr>
+          <p:grpSp>
+            <p:nvGrpSpPr>
+              <p:cNvPr id="139" name="群組 138">
+                <a:extLst>
+                  <a:ext uri="{FF2B5EF4-FFF2-40B4-BE49-F238E27FC236}">
+                    <a16:creationId xmlns:a16="http://schemas.microsoft.com/office/drawing/2014/main" id="{139E9607-DB0E-D22A-C0F1-AFD25BBD644E}"/>
+                  </a:ext>
+                </a:extLst>
+              </p:cNvPr>
+              <p:cNvGrpSpPr/>
+              <p:nvPr/>
+            </p:nvGrpSpPr>
+            <p:grpSpPr>
+              <a:xfrm>
+                <a:off x="6328831" y="1449080"/>
+                <a:ext cx="1741199" cy="1612238"/>
+                <a:chOff x="5608185" y="2328671"/>
+                <a:chExt cx="1741199" cy="1612238"/>
+              </a:xfrm>
+            </p:grpSpPr>
+            <p:cxnSp>
+              <p:nvCxnSpPr>
+                <p:cNvPr id="93" name="直線接點 92">
+                  <a:extLst>
+                    <a:ext uri="{FF2B5EF4-FFF2-40B4-BE49-F238E27FC236}">
+                      <a16:creationId xmlns:a16="http://schemas.microsoft.com/office/drawing/2014/main" id="{4054C3DE-8D85-9513-C0B8-B19A4C06499C}"/>
+                    </a:ext>
+                  </a:extLst>
+                </p:cNvPr>
+                <p:cNvCxnSpPr>
+                  <a:cxnSpLocks/>
+                </p:cNvCxnSpPr>
+                <p:nvPr/>
+              </p:nvCxnSpPr>
+              <p:spPr>
+                <a:xfrm>
+                  <a:off x="6686861" y="2328671"/>
+                  <a:ext cx="185" cy="914355"/>
+                </a:xfrm>
+                <a:prstGeom prst="line">
+                  <a:avLst/>
+                </a:prstGeom>
+                <a:ln w="12700">
                   <a:solidFill>
                     <a:srgbClr val="C00000"/>
                   </a:solidFill>
-                  <a:latin typeface="Minion Pro" panose="02040503050306020203" pitchFamily="18" charset="0"/>
-                </a:rPr>
-                <a:t>d</a:t>
-              </a:r>
-              <a:r>
-                <a:rPr kumimoji="1" lang="en-US" altLang="zh-TW" sz="1100" dirty="0" err="1">
+                  <a:prstDash val="sysDash"/>
+                </a:ln>
+              </p:spPr>
+              <p:style>
+                <a:lnRef idx="1">
+                  <a:schemeClr val="accent1"/>
+                </a:lnRef>
+                <a:fillRef idx="0">
+                  <a:schemeClr val="accent1"/>
+                </a:fillRef>
+                <a:effectRef idx="0">
+                  <a:schemeClr val="accent1"/>
+                </a:effectRef>
+                <a:fontRef idx="minor">
+                  <a:schemeClr val="tx1"/>
+                </a:fontRef>
+              </p:style>
+            </p:cxnSp>
+            <p:cxnSp>
+              <p:nvCxnSpPr>
+                <p:cNvPr id="94" name="直線箭頭接點 93">
+                  <a:extLst>
+                    <a:ext uri="{FF2B5EF4-FFF2-40B4-BE49-F238E27FC236}">
+                      <a16:creationId xmlns:a16="http://schemas.microsoft.com/office/drawing/2014/main" id="{06FCE9AA-6400-045D-F644-CBEDC6F6C0DA}"/>
+                    </a:ext>
+                  </a:extLst>
+                </p:cNvPr>
+                <p:cNvCxnSpPr>
+                  <a:cxnSpLocks/>
+                </p:cNvCxnSpPr>
+                <p:nvPr/>
+              </p:nvCxnSpPr>
+              <p:spPr>
+                <a:xfrm flipH="1">
+                  <a:off x="6141136" y="3233776"/>
+                  <a:ext cx="548967" cy="525102"/>
+                </a:xfrm>
+                <a:prstGeom prst="straightConnector1">
+                  <a:avLst/>
+                </a:prstGeom>
+                <a:ln w="15875">
+                  <a:solidFill>
+                    <a:schemeClr val="bg2">
+                      <a:lumMod val="75000"/>
+                    </a:schemeClr>
+                  </a:solidFill>
+                  <a:prstDash val="solid"/>
+                  <a:headEnd w="lg" len="lg"/>
+                  <a:tailEnd type="none" w="lg" len="lg"/>
+                </a:ln>
+              </p:spPr>
+              <p:style>
+                <a:lnRef idx="1">
+                  <a:schemeClr val="dk1"/>
+                </a:lnRef>
+                <a:fillRef idx="0">
+                  <a:schemeClr val="dk1"/>
+                </a:fillRef>
+                <a:effectRef idx="0">
+                  <a:schemeClr val="dk1"/>
+                </a:effectRef>
+                <a:fontRef idx="minor">
+                  <a:schemeClr val="tx1"/>
+                </a:fontRef>
+              </p:style>
+            </p:cxnSp>
+            <p:cxnSp>
+              <p:nvCxnSpPr>
+                <p:cNvPr id="95" name="直線箭頭接點 94">
+                  <a:extLst>
+                    <a:ext uri="{FF2B5EF4-FFF2-40B4-BE49-F238E27FC236}">
+                      <a16:creationId xmlns:a16="http://schemas.microsoft.com/office/drawing/2014/main" id="{43FA0876-4C7D-B696-3D75-00B4DCCF9FB6}"/>
+                    </a:ext>
+                  </a:extLst>
+                </p:cNvPr>
+                <p:cNvCxnSpPr>
+                  <a:cxnSpLocks/>
+                </p:cNvCxnSpPr>
+                <p:nvPr/>
+              </p:nvCxnSpPr>
+              <p:spPr>
+                <a:xfrm>
+                  <a:off x="5608185" y="3760326"/>
+                  <a:ext cx="532951" cy="0"/>
+                </a:xfrm>
+                <a:prstGeom prst="straightConnector1">
+                  <a:avLst/>
+                </a:prstGeom>
+                <a:ln w="15875">
+                  <a:solidFill>
+                    <a:schemeClr val="bg2">
+                      <a:lumMod val="75000"/>
+                    </a:schemeClr>
+                  </a:solidFill>
+                  <a:headEnd w="lg" len="lg"/>
+                  <a:tailEnd type="none" w="lg" len="lg"/>
+                </a:ln>
+              </p:spPr>
+              <p:style>
+                <a:lnRef idx="1">
+                  <a:schemeClr val="dk1"/>
+                </a:lnRef>
+                <a:fillRef idx="0">
+                  <a:schemeClr val="dk1"/>
+                </a:fillRef>
+                <a:effectRef idx="0">
+                  <a:schemeClr val="dk1"/>
+                </a:effectRef>
+                <a:fontRef idx="minor">
+                  <a:schemeClr val="tx1"/>
+                </a:fontRef>
+              </p:style>
+            </p:cxnSp>
+            <p:cxnSp>
+              <p:nvCxnSpPr>
+                <p:cNvPr id="97" name="直線接點 96">
+                  <a:extLst>
+                    <a:ext uri="{FF2B5EF4-FFF2-40B4-BE49-F238E27FC236}">
+                      <a16:creationId xmlns:a16="http://schemas.microsoft.com/office/drawing/2014/main" id="{2E2E3F56-AEDA-B6D3-B893-C818C6251648}"/>
+                    </a:ext>
+                  </a:extLst>
+                </p:cNvPr>
+                <p:cNvCxnSpPr>
+                  <a:cxnSpLocks/>
+                </p:cNvCxnSpPr>
+                <p:nvPr/>
+              </p:nvCxnSpPr>
+              <p:spPr>
+                <a:xfrm flipH="1">
+                  <a:off x="5612890" y="2328671"/>
+                  <a:ext cx="1074368" cy="1430261"/>
+                </a:xfrm>
+                <a:prstGeom prst="line">
+                  <a:avLst/>
+                </a:prstGeom>
+                <a:ln w="12700">
                   <a:solidFill>
                     <a:srgbClr val="C00000"/>
                   </a:solidFill>
-                  <a:latin typeface="Minion Pro" panose="02040503050306020203" pitchFamily="18" charset="0"/>
-                </a:rPr>
-                <a:t>cos</a:t>
-              </a:r>
-              <a:r>
-                <a:rPr kumimoji="1" lang="en-US" altLang="zh-TW" sz="1100" i="1" dirty="0" err="1">
+                  <a:prstDash val="solid"/>
+                </a:ln>
+              </p:spPr>
+              <p:style>
+                <a:lnRef idx="1">
+                  <a:schemeClr val="accent1"/>
+                </a:lnRef>
+                <a:fillRef idx="0">
+                  <a:schemeClr val="accent1"/>
+                </a:fillRef>
+                <a:effectRef idx="0">
+                  <a:schemeClr val="accent1"/>
+                </a:effectRef>
+                <a:fontRef idx="minor">
+                  <a:schemeClr val="tx1"/>
+                </a:fontRef>
+              </p:style>
+            </p:cxnSp>
+            <p:cxnSp>
+              <p:nvCxnSpPr>
+                <p:cNvPr id="99" name="直線接點 98">
+                  <a:extLst>
+                    <a:ext uri="{FF2B5EF4-FFF2-40B4-BE49-F238E27FC236}">
+                      <a16:creationId xmlns:a16="http://schemas.microsoft.com/office/drawing/2014/main" id="{8A8BDD30-D762-0187-40DA-D09C50007F6E}"/>
+                    </a:ext>
+                  </a:extLst>
+                </p:cNvPr>
+                <p:cNvCxnSpPr>
+                  <a:cxnSpLocks/>
+                </p:cNvCxnSpPr>
+                <p:nvPr/>
+              </p:nvCxnSpPr>
+              <p:spPr>
+                <a:xfrm flipH="1">
+                  <a:off x="5616665" y="3233776"/>
+                  <a:ext cx="1073438" cy="525157"/>
+                </a:xfrm>
+                <a:prstGeom prst="line">
+                  <a:avLst/>
+                </a:prstGeom>
+                <a:ln w="12700">
                   <a:solidFill>
-                    <a:srgbClr val="B21D09"/>
+                    <a:srgbClr val="C00000"/>
                   </a:solidFill>
-                  <a:latin typeface="Minion Pro" panose="02040503050306020203" pitchFamily="18" charset="0"/>
-                </a:rPr>
-                <a:t>θ</a:t>
-              </a:r>
-              <a:endParaRPr kumimoji="1" lang="zh-TW" altLang="en-US" sz="1400" i="1" dirty="0">
-                <a:solidFill>
-                  <a:srgbClr val="B21D09"/>
-                </a:solidFill>
-                <a:latin typeface="Minion Pro" panose="02040503050306020203" pitchFamily="18" charset="0"/>
-              </a:endParaRPr>
-            </a:p>
-          </p:txBody>
-        </p:sp>
-        <p:pic>
-          <p:nvPicPr>
-            <p:cNvPr id="184" name="圖片 183">
-              <a:extLst>
-                <a:ext uri="{FF2B5EF4-FFF2-40B4-BE49-F238E27FC236}">
-                  <a16:creationId xmlns:a16="http://schemas.microsoft.com/office/drawing/2014/main" id="{0A8F5718-6946-CDB8-7F45-E57D4516B684}"/>
-                </a:ext>
-              </a:extLst>
-            </p:cNvPr>
-            <p:cNvPicPr>
-              <a:picLocks noChangeAspect="1"/>
-            </p:cNvPicPr>
-            <p:nvPr/>
-          </p:nvPicPr>
-          <p:blipFill>
-            <a:blip r:embed="rId5"/>
-            <a:stretch>
-              <a:fillRect/>
-            </a:stretch>
-          </p:blipFill>
-          <p:spPr>
-            <a:xfrm>
-              <a:off x="6678335" y="3831864"/>
-              <a:ext cx="393700" cy="88900"/>
-            </a:xfrm>
-            <a:prstGeom prst="rect">
-              <a:avLst/>
-            </a:prstGeom>
-          </p:spPr>
-        </p:pic>
-        <p:sp>
-          <p:nvSpPr>
-            <p:cNvPr id="191" name="文字方塊 190">
-              <a:extLst>
-                <a:ext uri="{FF2B5EF4-FFF2-40B4-BE49-F238E27FC236}">
-                  <a16:creationId xmlns:a16="http://schemas.microsoft.com/office/drawing/2014/main" id="{D2B8DC1C-3470-5824-A38F-3030E23FDB26}"/>
-                </a:ext>
-              </a:extLst>
-            </p:cNvPr>
-            <p:cNvSpPr txBox="1"/>
-            <p:nvPr/>
-          </p:nvSpPr>
-          <p:spPr>
-            <a:xfrm>
-              <a:off x="5976679" y="4508319"/>
-              <a:ext cx="300082" cy="307777"/>
-            </a:xfrm>
-            <a:prstGeom prst="rect">
-              <a:avLst/>
-            </a:prstGeom>
-            <a:noFill/>
-          </p:spPr>
-          <p:txBody>
-            <a:bodyPr wrap="none" rtlCol="0">
-              <a:spAutoFit/>
-            </a:bodyPr>
-            <a:lstStyle/>
-            <a:p>
-              <a:r>
-                <a:rPr kumimoji="1" lang="en-US" altLang="zh-TW" sz="1400" dirty="0">
+                  <a:prstDash val="solid"/>
+                </a:ln>
+              </p:spPr>
+              <p:style>
+                <a:lnRef idx="1">
+                  <a:schemeClr val="accent1"/>
+                </a:lnRef>
+                <a:fillRef idx="0">
+                  <a:schemeClr val="accent1"/>
+                </a:fillRef>
+                <a:effectRef idx="0">
+                  <a:schemeClr val="accent1"/>
+                </a:effectRef>
+                <a:fontRef idx="minor">
+                  <a:schemeClr val="tx1"/>
+                </a:fontRef>
+              </p:style>
+            </p:cxnSp>
+            <p:sp>
+              <p:nvSpPr>
+                <p:cNvPr id="116" name="文字方塊 115">
+                  <a:extLst>
+                    <a:ext uri="{FF2B5EF4-FFF2-40B4-BE49-F238E27FC236}">
+                      <a16:creationId xmlns:a16="http://schemas.microsoft.com/office/drawing/2014/main" id="{23354E05-A503-7B5B-F86E-1D4849587ECC}"/>
+                    </a:ext>
+                  </a:extLst>
+                </p:cNvPr>
+                <p:cNvSpPr txBox="1"/>
+                <p:nvPr/>
+              </p:nvSpPr>
+              <p:spPr>
+                <a:xfrm>
+                  <a:off x="5912685" y="2788350"/>
+                  <a:ext cx="266420" cy="261610"/>
+                </a:xfrm>
+                <a:prstGeom prst="rect">
+                  <a:avLst/>
+                </a:prstGeom>
+                <a:noFill/>
+              </p:spPr>
+              <p:txBody>
+                <a:bodyPr wrap="none" rtlCol="0">
+                  <a:spAutoFit/>
+                </a:bodyPr>
+                <a:lstStyle/>
+                <a:p>
+                  <a:r>
+                    <a:rPr kumimoji="1" lang="en-US" altLang="zh-TW" sz="1100" i="1" dirty="0">
+                      <a:solidFill>
+                        <a:srgbClr val="C00000"/>
+                      </a:solidFill>
+                      <a:latin typeface="Minion Pro" panose="02040503050306020203" pitchFamily="18" charset="0"/>
+                    </a:rPr>
+                    <a:t>r′</a:t>
+                  </a:r>
+                  <a:endParaRPr kumimoji="1" lang="zh-TW" altLang="en-US" sz="1400" i="1" dirty="0">
+                    <a:solidFill>
+                      <a:srgbClr val="C00000"/>
+                    </a:solidFill>
+                    <a:latin typeface="Minion Pro" panose="02040503050306020203" pitchFamily="18" charset="0"/>
+                  </a:endParaRPr>
+                </a:p>
+              </p:txBody>
+            </p:sp>
+            <p:sp>
+              <p:nvSpPr>
+                <p:cNvPr id="118" name="文字方塊 117">
+                  <a:extLst>
+                    <a:ext uri="{FF2B5EF4-FFF2-40B4-BE49-F238E27FC236}">
+                      <a16:creationId xmlns:a16="http://schemas.microsoft.com/office/drawing/2014/main" id="{D30DADE6-B42E-39DF-B14F-609696199356}"/>
+                    </a:ext>
+                  </a:extLst>
+                </p:cNvPr>
+                <p:cNvSpPr txBox="1"/>
+                <p:nvPr/>
+              </p:nvSpPr>
+              <p:spPr>
+                <a:xfrm>
+                  <a:off x="6698642" y="2662891"/>
+                  <a:ext cx="521297" cy="261610"/>
+                </a:xfrm>
+                <a:prstGeom prst="rect">
+                  <a:avLst/>
+                </a:prstGeom>
+                <a:noFill/>
+              </p:spPr>
+              <p:txBody>
+                <a:bodyPr wrap="none" rtlCol="0">
+                  <a:spAutoFit/>
+                </a:bodyPr>
+                <a:lstStyle/>
+                <a:p>
+                  <a:r>
+                    <a:rPr kumimoji="1" lang="en-US" altLang="zh-TW" sz="1100" i="1" dirty="0" err="1">
+                      <a:solidFill>
+                        <a:srgbClr val="C00000"/>
+                      </a:solidFill>
+                      <a:latin typeface="Minion Pro" panose="02040503050306020203" pitchFamily="18" charset="0"/>
+                    </a:rPr>
+                    <a:t>h</a:t>
+                  </a:r>
+                  <a:r>
+                    <a:rPr kumimoji="1" lang="en-US" altLang="zh-TW" sz="1100" dirty="0" err="1">
+                      <a:solidFill>
+                        <a:srgbClr val="C00000"/>
+                      </a:solidFill>
+                      <a:latin typeface="Minion Pro" panose="02040503050306020203" pitchFamily="18" charset="0"/>
+                    </a:rPr>
+                    <a:t>cos</a:t>
+                  </a:r>
+                  <a:r>
+                    <a:rPr kumimoji="1" lang="en-US" altLang="zh-TW" sz="1100" i="1" dirty="0" err="1">
+                      <a:solidFill>
+                        <a:srgbClr val="C00000"/>
+                      </a:solidFill>
+                      <a:latin typeface="Minion Pro" panose="02040503050306020203" pitchFamily="18" charset="0"/>
+                    </a:rPr>
+                    <a:t>ϕ</a:t>
+                  </a:r>
+                  <a:endParaRPr kumimoji="1" lang="zh-TW" altLang="en-US" sz="1400" i="1" dirty="0">
+                    <a:solidFill>
+                      <a:srgbClr val="C00000"/>
+                    </a:solidFill>
+                    <a:latin typeface="Minion Pro" panose="02040503050306020203" pitchFamily="18" charset="0"/>
+                  </a:endParaRPr>
+                </a:p>
+              </p:txBody>
+            </p:sp>
+            <p:cxnSp>
+              <p:nvCxnSpPr>
+                <p:cNvPr id="119" name="直線箭頭接點 118">
+                  <a:extLst>
+                    <a:ext uri="{FF2B5EF4-FFF2-40B4-BE49-F238E27FC236}">
+                      <a16:creationId xmlns:a16="http://schemas.microsoft.com/office/drawing/2014/main" id="{6FB24D57-8BF9-A91E-18C5-D0ECE8AC855B}"/>
+                    </a:ext>
+                  </a:extLst>
+                </p:cNvPr>
+                <p:cNvCxnSpPr>
+                  <a:cxnSpLocks/>
+                </p:cNvCxnSpPr>
+                <p:nvPr/>
+              </p:nvCxnSpPr>
+              <p:spPr>
+                <a:xfrm flipH="1">
+                  <a:off x="6048001" y="3689061"/>
+                  <a:ext cx="62567" cy="72815"/>
+                </a:xfrm>
+                <a:prstGeom prst="straightConnector1">
+                  <a:avLst/>
+                </a:prstGeom>
+                <a:ln w="9525">
+                  <a:solidFill>
+                    <a:schemeClr val="bg2">
+                      <a:lumMod val="75000"/>
+                    </a:schemeClr>
+                  </a:solidFill>
+                  <a:prstDash val="solid"/>
+                  <a:headEnd w="lg" len="lg"/>
+                  <a:tailEnd type="none" w="lg" len="lg"/>
+                </a:ln>
+              </p:spPr>
+              <p:style>
+                <a:lnRef idx="1">
+                  <a:schemeClr val="dk1"/>
+                </a:lnRef>
+                <a:fillRef idx="0">
+                  <a:schemeClr val="dk1"/>
+                </a:fillRef>
+                <a:effectRef idx="0">
+                  <a:schemeClr val="dk1"/>
+                </a:effectRef>
+                <a:fontRef idx="minor">
+                  <a:schemeClr val="tx1"/>
+                </a:fontRef>
+              </p:style>
+            </p:cxnSp>
+            <p:cxnSp>
+              <p:nvCxnSpPr>
+                <p:cNvPr id="120" name="直線箭頭接點 119">
+                  <a:extLst>
+                    <a:ext uri="{FF2B5EF4-FFF2-40B4-BE49-F238E27FC236}">
+                      <a16:creationId xmlns:a16="http://schemas.microsoft.com/office/drawing/2014/main" id="{59C32702-A08B-7C0F-C1FC-A613973F0F1C}"/>
+                    </a:ext>
+                  </a:extLst>
+                </p:cNvPr>
+                <p:cNvCxnSpPr>
+                  <a:cxnSpLocks/>
+                </p:cNvCxnSpPr>
+                <p:nvPr/>
+              </p:nvCxnSpPr>
+              <p:spPr>
+                <a:xfrm flipH="1">
+                  <a:off x="6107143" y="3692486"/>
+                  <a:ext cx="100789" cy="0"/>
+                </a:xfrm>
+                <a:prstGeom prst="straightConnector1">
+                  <a:avLst/>
+                </a:prstGeom>
+                <a:ln w="9525">
+                  <a:solidFill>
+                    <a:schemeClr val="bg2">
+                      <a:lumMod val="75000"/>
+                    </a:schemeClr>
+                  </a:solidFill>
+                  <a:prstDash val="solid"/>
+                  <a:headEnd w="lg" len="lg"/>
+                  <a:tailEnd type="none" w="lg" len="lg"/>
+                </a:ln>
+              </p:spPr>
+              <p:style>
+                <a:lnRef idx="1">
+                  <a:schemeClr val="dk1"/>
+                </a:lnRef>
+                <a:fillRef idx="0">
+                  <a:schemeClr val="dk1"/>
+                </a:fillRef>
+                <a:effectRef idx="0">
+                  <a:schemeClr val="dk1"/>
+                </a:effectRef>
+                <a:fontRef idx="minor">
+                  <a:schemeClr val="tx1"/>
+                </a:fontRef>
+              </p:style>
+            </p:cxnSp>
+            <p:pic>
+              <p:nvPicPr>
+                <p:cNvPr id="122" name="圖片 121">
+                  <a:extLst>
+                    <a:ext uri="{FF2B5EF4-FFF2-40B4-BE49-F238E27FC236}">
+                      <a16:creationId xmlns:a16="http://schemas.microsoft.com/office/drawing/2014/main" id="{3EC32D69-97C7-E175-D570-8999D3E83F8F}"/>
+                    </a:ext>
+                  </a:extLst>
+                </p:cNvPr>
+                <p:cNvPicPr>
+                  <a:picLocks noChangeAspect="1"/>
+                </p:cNvPicPr>
+                <p:nvPr/>
+              </p:nvPicPr>
+              <p:blipFill>
+                <a:blip r:embed="rId2"/>
+                <a:stretch>
+                  <a:fillRect/>
+                </a:stretch>
+              </p:blipFill>
+              <p:spPr>
+                <a:xfrm>
+                  <a:off x="6473084" y="3508783"/>
+                  <a:ext cx="876300" cy="139700"/>
+                </a:xfrm>
+                <a:prstGeom prst="rect">
+                  <a:avLst/>
+                </a:prstGeom>
+              </p:spPr>
+            </p:pic>
+            <p:pic>
+              <p:nvPicPr>
+                <p:cNvPr id="126" name="圖片 125">
+                  <a:extLst>
+                    <a:ext uri="{FF2B5EF4-FFF2-40B4-BE49-F238E27FC236}">
+                      <a16:creationId xmlns:a16="http://schemas.microsoft.com/office/drawing/2014/main" id="{030539DB-D83A-9E6A-6C88-0FDA30508CA2}"/>
+                    </a:ext>
+                  </a:extLst>
+                </p:cNvPr>
+                <p:cNvPicPr>
+                  <a:picLocks noChangeAspect="1"/>
+                </p:cNvPicPr>
+                <p:nvPr/>
+              </p:nvPicPr>
+              <p:blipFill>
+                <a:blip r:embed="rId3"/>
+                <a:stretch>
+                  <a:fillRect/>
+                </a:stretch>
+              </p:blipFill>
+              <p:spPr>
+                <a:xfrm>
+                  <a:off x="5720474" y="3826609"/>
+                  <a:ext cx="342900" cy="114300"/>
+                </a:xfrm>
+                <a:prstGeom prst="rect">
+                  <a:avLst/>
+                </a:prstGeom>
+              </p:spPr>
+            </p:pic>
+            <p:sp>
+              <p:nvSpPr>
+                <p:cNvPr id="128" name="文字方塊 127">
+                  <a:extLst>
+                    <a:ext uri="{FF2B5EF4-FFF2-40B4-BE49-F238E27FC236}">
+                      <a16:creationId xmlns:a16="http://schemas.microsoft.com/office/drawing/2014/main" id="{DD0E95D9-5ABF-AEC8-AC61-7F1E050C679A}"/>
+                    </a:ext>
+                  </a:extLst>
+                </p:cNvPr>
+                <p:cNvSpPr txBox="1"/>
+                <p:nvPr/>
+              </p:nvSpPr>
+              <p:spPr>
+                <a:xfrm>
+                  <a:off x="6109071" y="3210817"/>
+                  <a:ext cx="253596" cy="261610"/>
+                </a:xfrm>
+                <a:prstGeom prst="rect">
+                  <a:avLst/>
+                </a:prstGeom>
+                <a:noFill/>
+              </p:spPr>
+              <p:txBody>
+                <a:bodyPr wrap="none" rtlCol="0">
+                  <a:spAutoFit/>
+                </a:bodyPr>
+                <a:lstStyle/>
+                <a:p>
+                  <a:r>
+                    <a:rPr kumimoji="1" lang="en-US" altLang="zh-TW" sz="1100" i="1" dirty="0">
+                      <a:solidFill>
+                        <a:srgbClr val="C00000"/>
+                      </a:solidFill>
+                      <a:latin typeface="Minion Pro" panose="02040503050306020203" pitchFamily="18" charset="0"/>
+                    </a:rPr>
+                    <a:t>a</a:t>
+                  </a:r>
+                  <a:endParaRPr kumimoji="1" lang="zh-TW" altLang="en-US" sz="1400" i="1" dirty="0">
+                    <a:solidFill>
+                      <a:srgbClr val="C00000"/>
+                    </a:solidFill>
+                    <a:latin typeface="Minion Pro" panose="02040503050306020203" pitchFamily="18" charset="0"/>
+                  </a:endParaRPr>
+                </a:p>
+              </p:txBody>
+            </p:sp>
+            <p:cxnSp>
+              <p:nvCxnSpPr>
+                <p:cNvPr id="132" name="直線接點 131">
+                  <a:extLst>
+                    <a:ext uri="{FF2B5EF4-FFF2-40B4-BE49-F238E27FC236}">
+                      <a16:creationId xmlns:a16="http://schemas.microsoft.com/office/drawing/2014/main" id="{95EFDC5D-29C6-B8D4-971B-BF1025E6F8C9}"/>
+                    </a:ext>
+                  </a:extLst>
+                </p:cNvPr>
+                <p:cNvCxnSpPr>
+                  <a:cxnSpLocks/>
+                </p:cNvCxnSpPr>
+                <p:nvPr/>
+              </p:nvCxnSpPr>
+              <p:spPr>
+                <a:xfrm flipH="1">
+                  <a:off x="6598279" y="3142438"/>
+                  <a:ext cx="95599" cy="46770"/>
+                </a:xfrm>
+                <a:prstGeom prst="line">
+                  <a:avLst/>
+                </a:prstGeom>
+                <a:ln w="6350">
+                  <a:solidFill>
+                    <a:srgbClr val="C00000"/>
+                  </a:solidFill>
+                  <a:prstDash val="solid"/>
+                </a:ln>
+              </p:spPr>
+              <p:style>
+                <a:lnRef idx="1">
+                  <a:schemeClr val="accent1"/>
+                </a:lnRef>
+                <a:fillRef idx="0">
+                  <a:schemeClr val="accent1"/>
+                </a:fillRef>
+                <a:effectRef idx="0">
+                  <a:schemeClr val="accent1"/>
+                </a:effectRef>
+                <a:fontRef idx="minor">
+                  <a:schemeClr val="tx1"/>
+                </a:fontRef>
+              </p:style>
+            </p:cxnSp>
+            <p:cxnSp>
+              <p:nvCxnSpPr>
+                <p:cNvPr id="137" name="直線接點 136">
+                  <a:extLst>
+                    <a:ext uri="{FF2B5EF4-FFF2-40B4-BE49-F238E27FC236}">
+                      <a16:creationId xmlns:a16="http://schemas.microsoft.com/office/drawing/2014/main" id="{E947950F-F33C-B9BA-273E-97F2ECB204C4}"/>
+                    </a:ext>
+                  </a:extLst>
+                </p:cNvPr>
+                <p:cNvCxnSpPr>
+                  <a:cxnSpLocks/>
+                </p:cNvCxnSpPr>
+                <p:nvPr/>
+              </p:nvCxnSpPr>
+              <p:spPr>
+                <a:xfrm>
+                  <a:off x="6599226" y="3187687"/>
+                  <a:ext cx="0" cy="87664"/>
+                </a:xfrm>
+                <a:prstGeom prst="line">
+                  <a:avLst/>
+                </a:prstGeom>
+                <a:ln w="6350">
+                  <a:solidFill>
+                    <a:srgbClr val="C00000"/>
+                  </a:solidFill>
+                  <a:prstDash val="solid"/>
+                </a:ln>
+              </p:spPr>
+              <p:style>
+                <a:lnRef idx="1">
+                  <a:schemeClr val="accent1"/>
+                </a:lnRef>
+                <a:fillRef idx="0">
+                  <a:schemeClr val="accent1"/>
+                </a:fillRef>
+                <a:effectRef idx="0">
+                  <a:schemeClr val="accent1"/>
+                </a:effectRef>
+                <a:fontRef idx="minor">
+                  <a:schemeClr val="tx1"/>
+                </a:fontRef>
+              </p:style>
+            </p:cxnSp>
+          </p:grpSp>
+          <p:sp>
+            <p:nvSpPr>
+              <p:cNvPr id="194" name="文字方塊 193">
+                <a:extLst>
+                  <a:ext uri="{FF2B5EF4-FFF2-40B4-BE49-F238E27FC236}">
+                    <a16:creationId xmlns:a16="http://schemas.microsoft.com/office/drawing/2014/main" id="{2651C8A9-E0A5-02B2-5195-D30B45DF1D35}"/>
+                  </a:ext>
+                </a:extLst>
+              </p:cNvPr>
+              <p:cNvSpPr txBox="1"/>
+              <p:nvPr/>
+            </p:nvSpPr>
+            <p:spPr>
+              <a:xfrm>
+                <a:off x="6035342" y="2762410"/>
+                <a:ext cx="300082" cy="307777"/>
+              </a:xfrm>
+              <a:prstGeom prst="rect">
+                <a:avLst/>
+              </a:prstGeom>
+              <a:noFill/>
+            </p:spPr>
+            <p:txBody>
+              <a:bodyPr wrap="none" rtlCol="0">
+                <a:spAutoFit/>
+              </a:bodyPr>
+              <a:lstStyle/>
+              <a:p>
+                <a:r>
+                  <a:rPr kumimoji="1" lang="en-US" altLang="zh-TW" sz="1400" dirty="0">
+                    <a:solidFill>
+                      <a:schemeClr val="tx1">
+                        <a:lumMod val="85000"/>
+                        <a:lumOff val="15000"/>
+                      </a:schemeClr>
+                    </a:solidFill>
+                    <a:latin typeface="Myriad Pro" panose="020B0503030403020204" pitchFamily="34" charset="0"/>
+                  </a:rPr>
+                  <a:t>G</a:t>
+                </a:r>
+                <a:endParaRPr kumimoji="1" lang="zh-TW" altLang="en-US" dirty="0">
                   <a:solidFill>
                     <a:schemeClr val="tx1">
                       <a:lumMod val="85000"/>
@@ -10011,51 +9678,363 @@
                     </a:schemeClr>
                   </a:solidFill>
                   <a:latin typeface="Myriad Pro" panose="020B0503030403020204" pitchFamily="34" charset="0"/>
-                </a:rPr>
-                <a:t>G</a:t>
-              </a:r>
-              <a:endParaRPr kumimoji="1" lang="zh-TW" altLang="en-US" dirty="0">
+                </a:endParaRPr>
+              </a:p>
+            </p:txBody>
+          </p:sp>
+        </p:grpSp>
+        <p:grpSp>
+          <p:nvGrpSpPr>
+            <p:cNvPr id="30" name="群組 29">
+              <a:extLst>
+                <a:ext uri="{FF2B5EF4-FFF2-40B4-BE49-F238E27FC236}">
+                  <a16:creationId xmlns:a16="http://schemas.microsoft.com/office/drawing/2014/main" id="{144CBFF9-2DDC-7C4F-CA21-23ED444B2D97}"/>
+                </a:ext>
+              </a:extLst>
+            </p:cNvPr>
+            <p:cNvGrpSpPr/>
+            <p:nvPr/>
+          </p:nvGrpSpPr>
+          <p:grpSpPr>
+            <a:xfrm>
+              <a:off x="7729134" y="2053104"/>
+              <a:ext cx="1842495" cy="1432554"/>
+              <a:chOff x="5945196" y="3383542"/>
+              <a:chExt cx="1842495" cy="1432554"/>
+            </a:xfrm>
+          </p:grpSpPr>
+          <p:pic>
+            <p:nvPicPr>
+              <p:cNvPr id="167" name="圖片 166">
+                <a:extLst>
+                  <a:ext uri="{FF2B5EF4-FFF2-40B4-BE49-F238E27FC236}">
+                    <a16:creationId xmlns:a16="http://schemas.microsoft.com/office/drawing/2014/main" id="{3996C5FD-F277-40BB-4B1A-B2C3ECC99841}"/>
+                  </a:ext>
+                </a:extLst>
+              </p:cNvPr>
+              <p:cNvPicPr>
+                <a:picLocks noChangeAspect="1"/>
+              </p:cNvPicPr>
+              <p:nvPr/>
+            </p:nvPicPr>
+            <p:blipFill>
+              <a:blip r:embed="rId4"/>
+              <a:stretch>
+                <a:fillRect/>
+              </a:stretch>
+            </p:blipFill>
+            <p:spPr>
+              <a:xfrm>
+                <a:off x="6321161" y="3881551"/>
+                <a:ext cx="88900" cy="139700"/>
+              </a:xfrm>
+              <a:prstGeom prst="rect">
+                <a:avLst/>
+              </a:prstGeom>
+            </p:spPr>
+          </p:pic>
+          <p:sp>
+            <p:nvSpPr>
+              <p:cNvPr id="174" name="弧線 173">
+                <a:extLst>
+                  <a:ext uri="{FF2B5EF4-FFF2-40B4-BE49-F238E27FC236}">
+                    <a16:creationId xmlns:a16="http://schemas.microsoft.com/office/drawing/2014/main" id="{E656D155-CC12-3C65-7A42-07F07BE79E25}"/>
+                  </a:ext>
+                </a:extLst>
+              </p:cNvPr>
+              <p:cNvSpPr/>
+              <p:nvPr/>
+            </p:nvSpPr>
+            <p:spPr>
+              <a:xfrm flipH="1">
+                <a:off x="6619546" y="3592325"/>
+                <a:ext cx="209390" cy="180365"/>
+              </a:xfrm>
+              <a:prstGeom prst="arc">
+                <a:avLst>
+                  <a:gd name="adj1" fmla="val 2661013"/>
+                  <a:gd name="adj2" fmla="val 11257645"/>
+                </a:avLst>
+              </a:prstGeom>
+              <a:ln w="12700">
                 <a:solidFill>
                   <a:schemeClr val="tx1">
                     <a:lumMod val="85000"/>
                     <a:lumOff val="15000"/>
                   </a:schemeClr>
                 </a:solidFill>
-                <a:latin typeface="Myriad Pro" panose="020B0503030403020204" pitchFamily="34" charset="0"/>
-              </a:endParaRPr>
-            </a:p>
-          </p:txBody>
-        </p:sp>
-        <p:sp>
-          <p:nvSpPr>
-            <p:cNvPr id="192" name="文字方塊 191">
-              <a:extLst>
-                <a:ext uri="{FF2B5EF4-FFF2-40B4-BE49-F238E27FC236}">
-                  <a16:creationId xmlns:a16="http://schemas.microsoft.com/office/drawing/2014/main" id="{C039C6A6-3147-0115-49D8-E03B81A35E7C}"/>
-                </a:ext>
-              </a:extLst>
-            </p:cNvPr>
-            <p:cNvSpPr txBox="1"/>
-            <p:nvPr/>
-          </p:nvSpPr>
-          <p:spPr>
-            <a:xfrm>
-              <a:off x="7514859" y="3498850"/>
-              <a:ext cx="272832" cy="307777"/>
-            </a:xfrm>
-            <a:prstGeom prst="rect">
-              <a:avLst/>
-            </a:prstGeom>
-            <a:noFill/>
-          </p:spPr>
-          <p:txBody>
-            <a:bodyPr wrap="none" rtlCol="0">
-              <a:spAutoFit/>
-            </a:bodyPr>
-            <a:lstStyle/>
-            <a:p>
-              <a:r>
-                <a:rPr kumimoji="1" lang="en-US" altLang="zh-TW" sz="1400" dirty="0">
+                <a:headEnd type="none"/>
+              </a:ln>
+            </p:spPr>
+            <p:style>
+              <a:lnRef idx="1">
+                <a:schemeClr val="accent1"/>
+              </a:lnRef>
+              <a:fillRef idx="0">
+                <a:schemeClr val="accent1"/>
+              </a:fillRef>
+              <a:effectRef idx="0">
+                <a:schemeClr val="accent1"/>
+              </a:effectRef>
+              <a:fontRef idx="minor">
+                <a:schemeClr val="tx1"/>
+              </a:fontRef>
+            </p:style>
+            <p:txBody>
+              <a:bodyPr rtlCol="0" anchor="ctr"/>
+              <a:lstStyle/>
+              <a:p>
+                <a:pPr algn="ctr"/>
+                <a:endParaRPr kumimoji="1" lang="zh-TW" altLang="en-US"/>
+              </a:p>
+            </p:txBody>
+          </p:sp>
+          <p:sp>
+            <p:nvSpPr>
+              <p:cNvPr id="181" name="三角形 180">
+                <a:extLst>
+                  <a:ext uri="{FF2B5EF4-FFF2-40B4-BE49-F238E27FC236}">
+                    <a16:creationId xmlns:a16="http://schemas.microsoft.com/office/drawing/2014/main" id="{3AE62518-64B6-0B1C-9FBB-56CB8382A59B}"/>
+                  </a:ext>
+                </a:extLst>
+              </p:cNvPr>
+              <p:cNvSpPr/>
+              <p:nvPr/>
+            </p:nvSpPr>
+            <p:spPr>
+              <a:xfrm rot="19371205">
+                <a:off x="5945196" y="3702454"/>
+                <a:ext cx="1556557" cy="470993"/>
+              </a:xfrm>
+              <a:prstGeom prst="triangle">
+                <a:avLst>
+                  <a:gd name="adj" fmla="val 59316"/>
+                </a:avLst>
+              </a:prstGeom>
+              <a:solidFill>
+                <a:schemeClr val="accent6">
+                  <a:lumMod val="40000"/>
+                  <a:lumOff val="60000"/>
+                </a:schemeClr>
+              </a:solidFill>
+              <a:ln>
+                <a:solidFill>
+                  <a:schemeClr val="tx1">
+                    <a:lumMod val="95000"/>
+                    <a:lumOff val="5000"/>
+                  </a:schemeClr>
+                </a:solidFill>
+              </a:ln>
+            </p:spPr>
+            <p:style>
+              <a:lnRef idx="2">
+                <a:schemeClr val="accent1">
+                  <a:shade val="50000"/>
+                </a:schemeClr>
+              </a:lnRef>
+              <a:fillRef idx="1">
+                <a:schemeClr val="accent1"/>
+              </a:fillRef>
+              <a:effectRef idx="0">
+                <a:schemeClr val="accent1"/>
+              </a:effectRef>
+              <a:fontRef idx="minor">
+                <a:schemeClr val="lt1"/>
+              </a:fontRef>
+            </p:style>
+            <p:txBody>
+              <a:bodyPr rtlCol="0" anchor="ctr"/>
+              <a:lstStyle/>
+              <a:p>
+                <a:pPr algn="ctr"/>
+                <a:endParaRPr kumimoji="1" lang="zh-TW" altLang="en-US" dirty="0"/>
+              </a:p>
+            </p:txBody>
+          </p:sp>
+          <p:sp>
+            <p:nvSpPr>
+              <p:cNvPr id="182" name="文字方塊 181">
+                <a:extLst>
+                  <a:ext uri="{FF2B5EF4-FFF2-40B4-BE49-F238E27FC236}">
+                    <a16:creationId xmlns:a16="http://schemas.microsoft.com/office/drawing/2014/main" id="{D1F14A55-4F72-463F-3BDB-87CAAA647E9A}"/>
+                  </a:ext>
+                </a:extLst>
+              </p:cNvPr>
+              <p:cNvSpPr txBox="1"/>
+              <p:nvPr/>
+            </p:nvSpPr>
+            <p:spPr>
+              <a:xfrm>
+                <a:off x="6883617" y="4104309"/>
+                <a:ext cx="340158" cy="307777"/>
+              </a:xfrm>
+              <a:prstGeom prst="rect">
+                <a:avLst/>
+              </a:prstGeom>
+              <a:noFill/>
+            </p:spPr>
+            <p:txBody>
+              <a:bodyPr wrap="none" rtlCol="0">
+                <a:spAutoFit/>
+              </a:bodyPr>
+              <a:lstStyle/>
+              <a:p>
+                <a:r>
+                  <a:rPr kumimoji="1" lang="en-US" altLang="zh-TW" sz="1400" i="1" dirty="0">
+                    <a:latin typeface="Minion Pro" panose="02040503050306020203" pitchFamily="18" charset="0"/>
+                  </a:rPr>
+                  <a:t>R</a:t>
+                </a:r>
+                <a:r>
+                  <a:rPr kumimoji="1" lang="en-US" altLang="zh-TW" sz="1400" i="1" baseline="-25000" dirty="0">
+                    <a:latin typeface="Minion Pro" panose="02040503050306020203" pitchFamily="18" charset="0"/>
+                  </a:rPr>
+                  <a:t>e</a:t>
+                </a:r>
+                <a:endParaRPr kumimoji="1" lang="zh-TW" altLang="en-US" i="1" dirty="0">
+                  <a:solidFill>
+                    <a:srgbClr val="2F528F"/>
+                  </a:solidFill>
+                  <a:latin typeface="Minion Pro" panose="02040503050306020203" pitchFamily="18" charset="0"/>
+                </a:endParaRPr>
+              </a:p>
+            </p:txBody>
+          </p:sp>
+          <p:sp>
+            <p:nvSpPr>
+              <p:cNvPr id="183" name="文字方塊 182">
+                <a:extLst>
+                  <a:ext uri="{FF2B5EF4-FFF2-40B4-BE49-F238E27FC236}">
+                    <a16:creationId xmlns:a16="http://schemas.microsoft.com/office/drawing/2014/main" id="{7432A2BC-76DE-164D-9397-75999F45CDD9}"/>
+                  </a:ext>
+                </a:extLst>
+              </p:cNvPr>
+              <p:cNvSpPr txBox="1"/>
+              <p:nvPr/>
+            </p:nvSpPr>
+            <p:spPr>
+              <a:xfrm>
+                <a:off x="6817436" y="3383542"/>
+                <a:ext cx="506870" cy="261610"/>
+              </a:xfrm>
+              <a:prstGeom prst="rect">
+                <a:avLst/>
+              </a:prstGeom>
+              <a:noFill/>
+            </p:spPr>
+            <p:txBody>
+              <a:bodyPr wrap="none" rtlCol="0">
+                <a:spAutoFit/>
+              </a:bodyPr>
+              <a:lstStyle/>
+              <a:p>
+                <a:r>
+                  <a:rPr kumimoji="1" lang="en-US" altLang="zh-TW" sz="1100" i="1" dirty="0" err="1">
+                    <a:solidFill>
+                      <a:srgbClr val="C00000"/>
+                    </a:solidFill>
+                    <a:latin typeface="Minion Pro" panose="02040503050306020203" pitchFamily="18" charset="0"/>
+                  </a:rPr>
+                  <a:t>d</a:t>
+                </a:r>
+                <a:r>
+                  <a:rPr kumimoji="1" lang="en-US" altLang="zh-TW" sz="1100" dirty="0" err="1">
+                    <a:solidFill>
+                      <a:srgbClr val="C00000"/>
+                    </a:solidFill>
+                    <a:latin typeface="Minion Pro" panose="02040503050306020203" pitchFamily="18" charset="0"/>
+                  </a:rPr>
+                  <a:t>cos</a:t>
+                </a:r>
+                <a:r>
+                  <a:rPr kumimoji="1" lang="en-US" altLang="zh-TW" sz="1100" i="1" dirty="0" err="1">
+                    <a:solidFill>
+                      <a:srgbClr val="B21D09"/>
+                    </a:solidFill>
+                    <a:latin typeface="Minion Pro" panose="02040503050306020203" pitchFamily="18" charset="0"/>
+                  </a:rPr>
+                  <a:t>θ</a:t>
+                </a:r>
+                <a:endParaRPr kumimoji="1" lang="zh-TW" altLang="en-US" sz="1400" i="1" dirty="0">
+                  <a:solidFill>
+                    <a:srgbClr val="B21D09"/>
+                  </a:solidFill>
+                  <a:latin typeface="Minion Pro" panose="02040503050306020203" pitchFamily="18" charset="0"/>
+                </a:endParaRPr>
+              </a:p>
+            </p:txBody>
+          </p:sp>
+          <p:pic>
+            <p:nvPicPr>
+              <p:cNvPr id="184" name="圖片 183">
+                <a:extLst>
+                  <a:ext uri="{FF2B5EF4-FFF2-40B4-BE49-F238E27FC236}">
+                    <a16:creationId xmlns:a16="http://schemas.microsoft.com/office/drawing/2014/main" id="{0A8F5718-6946-CDB8-7F45-E57D4516B684}"/>
+                  </a:ext>
+                </a:extLst>
+              </p:cNvPr>
+              <p:cNvPicPr>
+                <a:picLocks noChangeAspect="1"/>
+              </p:cNvPicPr>
+              <p:nvPr/>
+            </p:nvPicPr>
+            <p:blipFill>
+              <a:blip r:embed="rId5"/>
+              <a:stretch>
+                <a:fillRect/>
+              </a:stretch>
+            </p:blipFill>
+            <p:spPr>
+              <a:xfrm>
+                <a:off x="6658339" y="3792791"/>
+                <a:ext cx="393700" cy="88900"/>
+              </a:xfrm>
+              <a:prstGeom prst="rect">
+                <a:avLst/>
+              </a:prstGeom>
+            </p:spPr>
+          </p:pic>
+          <p:sp>
+            <p:nvSpPr>
+              <p:cNvPr id="191" name="文字方塊 190">
+                <a:extLst>
+                  <a:ext uri="{FF2B5EF4-FFF2-40B4-BE49-F238E27FC236}">
+                    <a16:creationId xmlns:a16="http://schemas.microsoft.com/office/drawing/2014/main" id="{D2B8DC1C-3470-5824-A38F-3030E23FDB26}"/>
+                  </a:ext>
+                </a:extLst>
+              </p:cNvPr>
+              <p:cNvSpPr txBox="1"/>
+              <p:nvPr/>
+            </p:nvSpPr>
+            <p:spPr>
+              <a:xfrm>
+                <a:off x="5976679" y="4508319"/>
+                <a:ext cx="300082" cy="307777"/>
+              </a:xfrm>
+              <a:prstGeom prst="rect">
+                <a:avLst/>
+              </a:prstGeom>
+              <a:noFill/>
+            </p:spPr>
+            <p:txBody>
+              <a:bodyPr wrap="none" rtlCol="0">
+                <a:spAutoFit/>
+              </a:bodyPr>
+              <a:lstStyle/>
+              <a:p>
+                <a:r>
+                  <a:rPr kumimoji="1" lang="en-US" altLang="zh-TW" sz="1400" dirty="0">
+                    <a:solidFill>
+                      <a:schemeClr val="tx1">
+                        <a:lumMod val="85000"/>
+                        <a:lumOff val="15000"/>
+                      </a:schemeClr>
+                    </a:solidFill>
+                    <a:latin typeface="Myriad Pro" panose="020B0503030403020204" pitchFamily="34" charset="0"/>
+                  </a:rPr>
+                  <a:t>G</a:t>
+                </a:r>
+                <a:endParaRPr kumimoji="1" lang="zh-TW" altLang="en-US" dirty="0">
                   <a:solidFill>
                     <a:schemeClr val="tx1">
                       <a:lumMod val="85000"/>
@@ -10063,128 +10042,149 @@
                     </a:schemeClr>
                   </a:solidFill>
                   <a:latin typeface="Myriad Pro" panose="020B0503030403020204" pitchFamily="34" charset="0"/>
-                </a:rPr>
-                <a:t>E</a:t>
-              </a:r>
-              <a:endParaRPr kumimoji="1" lang="zh-TW" altLang="en-US" dirty="0">
+                </a:endParaRPr>
+              </a:p>
+            </p:txBody>
+          </p:sp>
+          <p:sp>
+            <p:nvSpPr>
+              <p:cNvPr id="192" name="文字方塊 191">
+                <a:extLst>
+                  <a:ext uri="{FF2B5EF4-FFF2-40B4-BE49-F238E27FC236}">
+                    <a16:creationId xmlns:a16="http://schemas.microsoft.com/office/drawing/2014/main" id="{C039C6A6-3147-0115-49D8-E03B81A35E7C}"/>
+                  </a:ext>
+                </a:extLst>
+              </p:cNvPr>
+              <p:cNvSpPr txBox="1"/>
+              <p:nvPr/>
+            </p:nvSpPr>
+            <p:spPr>
+              <a:xfrm>
+                <a:off x="7514859" y="3498850"/>
+                <a:ext cx="272832" cy="307777"/>
+              </a:xfrm>
+              <a:prstGeom prst="rect">
+                <a:avLst/>
+              </a:prstGeom>
+              <a:noFill/>
+            </p:spPr>
+            <p:txBody>
+              <a:bodyPr wrap="none" rtlCol="0">
+                <a:spAutoFit/>
+              </a:bodyPr>
+              <a:lstStyle/>
+              <a:p>
+                <a:r>
+                  <a:rPr kumimoji="1" lang="en-US" altLang="zh-TW" sz="1400" dirty="0">
+                    <a:solidFill>
+                      <a:schemeClr val="tx1">
+                        <a:lumMod val="85000"/>
+                        <a:lumOff val="15000"/>
+                      </a:schemeClr>
+                    </a:solidFill>
+                    <a:latin typeface="Myriad Pro" panose="020B0503030403020204" pitchFamily="34" charset="0"/>
+                  </a:rPr>
+                  <a:t>E</a:t>
+                </a:r>
+                <a:endParaRPr kumimoji="1" lang="zh-TW" altLang="en-US" dirty="0">
+                  <a:solidFill>
+                    <a:schemeClr val="tx1">
+                      <a:lumMod val="85000"/>
+                      <a:lumOff val="15000"/>
+                    </a:schemeClr>
+                  </a:solidFill>
+                  <a:latin typeface="Myriad Pro" panose="020B0503030403020204" pitchFamily="34" charset="0"/>
+                </a:endParaRPr>
+              </a:p>
+            </p:txBody>
+          </p:sp>
+          <p:pic>
+            <p:nvPicPr>
+              <p:cNvPr id="2" name="圖片 1">
+                <a:extLst>
+                  <a:ext uri="{FF2B5EF4-FFF2-40B4-BE49-F238E27FC236}">
+                    <a16:creationId xmlns:a16="http://schemas.microsoft.com/office/drawing/2014/main" id="{D8832195-5A04-F6B4-FC0E-229721C11788}"/>
+                  </a:ext>
+                </a:extLst>
+              </p:cNvPr>
+              <p:cNvPicPr>
+                <a:picLocks noChangeAspect="1"/>
+              </p:cNvPicPr>
+              <p:nvPr/>
+            </p:nvPicPr>
+            <p:blipFill>
+              <a:blip r:embed="rId6"/>
+              <a:stretch>
+                <a:fillRect/>
+              </a:stretch>
+            </p:blipFill>
+            <p:spPr>
+              <a:xfrm>
+                <a:off x="7147457" y="3682507"/>
+                <a:ext cx="88900" cy="139700"/>
+              </a:xfrm>
+              <a:prstGeom prst="rect">
+                <a:avLst/>
+              </a:prstGeom>
+            </p:spPr>
+          </p:pic>
+          <p:sp>
+            <p:nvSpPr>
+              <p:cNvPr id="3" name="弧線 2">
+                <a:extLst>
+                  <a:ext uri="{FF2B5EF4-FFF2-40B4-BE49-F238E27FC236}">
+                    <a16:creationId xmlns:a16="http://schemas.microsoft.com/office/drawing/2014/main" id="{FEC5B315-4B36-6A42-774F-6F2089B25EFA}"/>
+                  </a:ext>
+                </a:extLst>
+              </p:cNvPr>
+              <p:cNvSpPr/>
+              <p:nvPr/>
+            </p:nvSpPr>
+            <p:spPr>
+              <a:xfrm rot="4726273" flipH="1">
+                <a:off x="7270446" y="3624974"/>
+                <a:ext cx="209390" cy="180365"/>
+              </a:xfrm>
+              <a:prstGeom prst="arc">
+                <a:avLst>
+                  <a:gd name="adj1" fmla="val 2661013"/>
+                  <a:gd name="adj2" fmla="val 7880527"/>
+                </a:avLst>
+              </a:prstGeom>
+              <a:ln w="12700">
                 <a:solidFill>
                   <a:schemeClr val="tx1">
                     <a:lumMod val="85000"/>
                     <a:lumOff val="15000"/>
                   </a:schemeClr>
                 </a:solidFill>
-                <a:latin typeface="Myriad Pro" panose="020B0503030403020204" pitchFamily="34" charset="0"/>
-              </a:endParaRPr>
-            </a:p>
-          </p:txBody>
-        </p:sp>
-        <p:pic>
-          <p:nvPicPr>
-            <p:cNvPr id="2" name="圖片 1">
-              <a:extLst>
-                <a:ext uri="{FF2B5EF4-FFF2-40B4-BE49-F238E27FC236}">
-                  <a16:creationId xmlns:a16="http://schemas.microsoft.com/office/drawing/2014/main" id="{D8832195-5A04-F6B4-FC0E-229721C11788}"/>
-                </a:ext>
-              </a:extLst>
-            </p:cNvPr>
-            <p:cNvPicPr>
-              <a:picLocks noChangeAspect="1"/>
-            </p:cNvPicPr>
-            <p:nvPr/>
-          </p:nvPicPr>
-          <p:blipFill>
-            <a:blip r:embed="rId6"/>
-            <a:stretch>
-              <a:fillRect/>
-            </a:stretch>
-          </p:blipFill>
-          <p:spPr>
-            <a:xfrm>
-              <a:off x="7147457" y="3682507"/>
-              <a:ext cx="88900" cy="139700"/>
-            </a:xfrm>
-            <a:prstGeom prst="rect">
-              <a:avLst/>
-            </a:prstGeom>
-          </p:spPr>
-        </p:pic>
-        <p:sp>
-          <p:nvSpPr>
-            <p:cNvPr id="3" name="弧線 2">
-              <a:extLst>
-                <a:ext uri="{FF2B5EF4-FFF2-40B4-BE49-F238E27FC236}">
-                  <a16:creationId xmlns:a16="http://schemas.microsoft.com/office/drawing/2014/main" id="{FEC5B315-4B36-6A42-774F-6F2089B25EFA}"/>
-                </a:ext>
-              </a:extLst>
-            </p:cNvPr>
-            <p:cNvSpPr/>
-            <p:nvPr/>
-          </p:nvSpPr>
-          <p:spPr>
-            <a:xfrm rot="4726273" flipH="1">
-              <a:off x="7270446" y="3624974"/>
-              <a:ext cx="209390" cy="180365"/>
-            </a:xfrm>
-            <a:prstGeom prst="arc">
-              <a:avLst>
-                <a:gd name="adj1" fmla="val 2661013"/>
-                <a:gd name="adj2" fmla="val 7880527"/>
-              </a:avLst>
-            </a:prstGeom>
-            <a:ln w="12700">
-              <a:solidFill>
-                <a:schemeClr val="tx1">
-                  <a:lumMod val="85000"/>
-                  <a:lumOff val="15000"/>
-                </a:schemeClr>
-              </a:solidFill>
-              <a:headEnd type="none"/>
-            </a:ln>
-          </p:spPr>
-          <p:style>
-            <a:lnRef idx="1">
-              <a:schemeClr val="accent1"/>
-            </a:lnRef>
-            <a:fillRef idx="0">
-              <a:schemeClr val="accent1"/>
-            </a:fillRef>
-            <a:effectRef idx="0">
-              <a:schemeClr val="accent1"/>
-            </a:effectRef>
-            <a:fontRef idx="minor">
-              <a:schemeClr val="tx1"/>
-            </a:fontRef>
-          </p:style>
-          <p:txBody>
-            <a:bodyPr rtlCol="0" anchor="ctr"/>
-            <a:lstStyle/>
-            <a:p>
-              <a:pPr algn="ctr"/>
-              <a:endParaRPr kumimoji="1" lang="zh-TW" altLang="en-US"/>
-            </a:p>
-          </p:txBody>
-        </p:sp>
-      </p:grpSp>
-      <p:grpSp>
-        <p:nvGrpSpPr>
-          <p:cNvPr id="9" name="群組 8">
-            <a:extLst>
-              <a:ext uri="{FF2B5EF4-FFF2-40B4-BE49-F238E27FC236}">
-                <a16:creationId xmlns:a16="http://schemas.microsoft.com/office/drawing/2014/main" id="{27B72FEA-E1B4-D02F-D943-8457B506CDA9}"/>
-              </a:ext>
-            </a:extLst>
-          </p:cNvPr>
-          <p:cNvGrpSpPr/>
-          <p:nvPr/>
-        </p:nvGrpSpPr>
-        <p:grpSpPr>
-          <a:xfrm>
-            <a:off x="949651" y="107251"/>
-            <a:ext cx="5672995" cy="4183964"/>
-            <a:chOff x="949651" y="107251"/>
-            <a:chExt cx="5672995" cy="4183964"/>
-          </a:xfrm>
-        </p:grpSpPr>
+                <a:headEnd type="none"/>
+              </a:ln>
+            </p:spPr>
+            <p:style>
+              <a:lnRef idx="1">
+                <a:schemeClr val="accent1"/>
+              </a:lnRef>
+              <a:fillRef idx="0">
+                <a:schemeClr val="accent1"/>
+              </a:fillRef>
+              <a:effectRef idx="0">
+                <a:schemeClr val="accent1"/>
+              </a:effectRef>
+              <a:fontRef idx="minor">
+                <a:schemeClr val="tx1"/>
+              </a:fontRef>
+            </p:style>
+            <p:txBody>
+              <a:bodyPr rtlCol="0" anchor="ctr"/>
+              <a:lstStyle/>
+              <a:p>
+                <a:pPr algn="ctr"/>
+                <a:endParaRPr kumimoji="1" lang="zh-TW" altLang="en-US"/>
+              </a:p>
+            </p:txBody>
+          </p:sp>
+        </p:grpSp>
         <p:grpSp>
           <p:nvGrpSpPr>
             <p:cNvPr id="199" name="群組 198">
@@ -10199,7 +10199,7 @@
           </p:nvGrpSpPr>
           <p:grpSpPr>
             <a:xfrm>
-              <a:off x="949651" y="241043"/>
+              <a:off x="669313" y="242405"/>
               <a:ext cx="5003646" cy="4050172"/>
               <a:chOff x="324925" y="267688"/>
               <a:chExt cx="5003646" cy="4050172"/>
@@ -11500,7 +11500,7 @@
             <p:spPr>
               <a:xfrm>
                 <a:off x="2125559" y="2401281"/>
-                <a:ext cx="521297" cy="261610"/>
+                <a:ext cx="518091" cy="261610"/>
               </a:xfrm>
               <a:prstGeom prst="rect">
                 <a:avLst/>
@@ -11538,7 +11538,7 @@
                     </a:solidFill>
                     <a:latin typeface="Minion Pro" panose="02040503050306020203" pitchFamily="18" charset="0"/>
                   </a:rPr>
-                  <a:t>φ</a:t>
+                  <a:t>ϕ</a:t>
                 </a:r>
                 <a:endParaRPr kumimoji="1" lang="zh-TW" altLang="en-US" sz="1400" i="1" dirty="0">
                   <a:solidFill>
@@ -12077,7 +12077,7 @@
                     </a:solidFill>
                     <a:latin typeface="Minion Pro" panose="02040503050306020203" pitchFamily="18" charset="0"/>
                   </a:rPr>
-                  <a:t>φ</a:t>
+                  <a:t>ϕ</a:t>
                 </a:r>
                 <a:endParaRPr kumimoji="1" lang="zh-TW" altLang="en-US" sz="1400" i="1" dirty="0">
                   <a:solidFill>
@@ -12392,10 +12392,10 @@
         </p:grpSp>
         <p:grpSp>
           <p:nvGrpSpPr>
-            <p:cNvPr id="6" name="群組 5">
+            <p:cNvPr id="17" name="群組 16">
               <a:extLst>
                 <a:ext uri="{FF2B5EF4-FFF2-40B4-BE49-F238E27FC236}">
-                  <a16:creationId xmlns:a16="http://schemas.microsoft.com/office/drawing/2014/main" id="{67517443-4C99-24D9-74D0-C388312DFC42}"/>
+                  <a16:creationId xmlns:a16="http://schemas.microsoft.com/office/drawing/2014/main" id="{69F7AC7D-F9F2-08E8-0F6F-FD0099520C0D}"/>
                 </a:ext>
               </a:extLst>
             </p:cNvPr>
@@ -12404,10 +12404,10 @@
           </p:nvGrpSpPr>
           <p:grpSpPr>
             <a:xfrm>
-              <a:off x="3643624" y="107251"/>
-              <a:ext cx="2979022" cy="1158768"/>
-              <a:chOff x="3643624" y="107251"/>
-              <a:chExt cx="2979022" cy="1158768"/>
+              <a:off x="6139227" y="628023"/>
+              <a:ext cx="3024258" cy="1158584"/>
+              <a:chOff x="6213422" y="373205"/>
+              <a:chExt cx="3024258" cy="1158584"/>
             </a:xfrm>
           </p:grpSpPr>
           <p:sp>
@@ -12424,7 +12424,7 @@
             </p:nvSpPr>
             <p:spPr>
               <a:xfrm>
-                <a:off x="3643624" y="388090"/>
+                <a:off x="6258658" y="653860"/>
                 <a:ext cx="1241799" cy="618826"/>
               </a:xfrm>
               <a:prstGeom prst="triangle">
@@ -12477,7 +12477,7 @@
             </p:nvSpPr>
             <p:spPr>
               <a:xfrm>
-                <a:off x="5380847" y="388090"/>
+                <a:off x="7995881" y="653860"/>
                 <a:ext cx="1241799" cy="618826"/>
               </a:xfrm>
               <a:prstGeom prst="triangle">
@@ -12535,7 +12535,7 @@
             </p:nvSpPr>
             <p:spPr>
               <a:xfrm>
-                <a:off x="4936437" y="561225"/>
+                <a:off x="7551471" y="826995"/>
                 <a:ext cx="292068" cy="307777"/>
               </a:xfrm>
               <a:prstGeom prst="rect">
@@ -12578,7 +12578,7 @@
             </p:nvCxnSpPr>
             <p:spPr>
               <a:xfrm>
-                <a:off x="4103090" y="388090"/>
+                <a:off x="6718124" y="653860"/>
                 <a:ext cx="0" cy="618826"/>
               </a:xfrm>
               <a:prstGeom prst="line">
@@ -12619,7 +12619,7 @@
             </p:nvSpPr>
             <p:spPr>
               <a:xfrm>
-                <a:off x="4069036" y="641779"/>
+                <a:off x="6684070" y="907549"/>
                 <a:ext cx="250390" cy="246221"/>
               </a:xfrm>
               <a:prstGeom prst="rect">
@@ -12636,9 +12636,7 @@
                 <a:r>
                   <a:rPr kumimoji="1" lang="en-US" altLang="zh-TW" sz="1000" i="1" dirty="0">
                     <a:solidFill>
-                      <a:schemeClr val="accent1">
-                        <a:lumMod val="50000"/>
-                      </a:schemeClr>
+                      <a:srgbClr val="2F528F"/>
                     </a:solidFill>
                     <a:latin typeface="Minion Pro" panose="02040503050306020203" pitchFamily="18" charset="0"/>
                   </a:rPr>
@@ -12646,9 +12644,7 @@
                 </a:r>
                 <a:endParaRPr kumimoji="1" lang="zh-TW" altLang="en-US" sz="1100" i="1" dirty="0">
                   <a:solidFill>
-                    <a:schemeClr val="accent1">
-                      <a:lumMod val="50000"/>
-                    </a:schemeClr>
+                    <a:srgbClr val="2F528F"/>
                   </a:solidFill>
                   <a:latin typeface="Minion Pro" panose="02040503050306020203" pitchFamily="18" charset="0"/>
                 </a:endParaRPr>
@@ -12669,7 +12665,7 @@
             </p:nvSpPr>
             <p:spPr>
               <a:xfrm>
-                <a:off x="4432608" y="451282"/>
+                <a:off x="7047642" y="742124"/>
                 <a:ext cx="250390" cy="246221"/>
               </a:xfrm>
               <a:prstGeom prst="rect">
@@ -12686,9 +12682,7 @@
                 <a:r>
                   <a:rPr kumimoji="1" lang="en-US" altLang="zh-TW" sz="1000" i="1" dirty="0">
                     <a:solidFill>
-                      <a:schemeClr val="accent1">
-                        <a:lumMod val="50000"/>
-                      </a:schemeClr>
+                      <a:srgbClr val="2F528F"/>
                     </a:solidFill>
                     <a:latin typeface="Minion Pro" panose="02040503050306020203" pitchFamily="18" charset="0"/>
                   </a:rPr>
@@ -12696,9 +12690,7 @@
                 </a:r>
                 <a:endParaRPr kumimoji="1" lang="zh-TW" altLang="en-US" sz="1100" i="1" dirty="0">
                   <a:solidFill>
-                    <a:schemeClr val="accent1">
-                      <a:lumMod val="50000"/>
-                    </a:schemeClr>
+                    <a:srgbClr val="2F528F"/>
                   </a:solidFill>
                   <a:latin typeface="Minion Pro" panose="02040503050306020203" pitchFamily="18" charset="0"/>
                 </a:endParaRPr>
@@ -12719,7 +12711,7 @@
             </p:nvSpPr>
             <p:spPr>
               <a:xfrm>
-                <a:off x="4432608" y="791616"/>
+                <a:off x="7047642" y="1057386"/>
                 <a:ext cx="250390" cy="246221"/>
               </a:xfrm>
               <a:prstGeom prst="rect">
@@ -12736,9 +12728,7 @@
                 <a:r>
                   <a:rPr kumimoji="1" lang="en-US" altLang="zh-TW" sz="1000" i="1" dirty="0" err="1">
                     <a:solidFill>
-                      <a:schemeClr val="accent1">
-                        <a:lumMod val="50000"/>
-                      </a:schemeClr>
+                      <a:srgbClr val="2F528F"/>
                     </a:solidFill>
                     <a:latin typeface="Minion Pro" panose="02040503050306020203" pitchFamily="18" charset="0"/>
                   </a:rPr>
@@ -12746,9 +12736,7 @@
                 </a:r>
                 <a:endParaRPr kumimoji="1" lang="zh-TW" altLang="en-US" sz="1100" i="1" dirty="0">
                   <a:solidFill>
-                    <a:schemeClr val="accent1">
-                      <a:lumMod val="50000"/>
-                    </a:schemeClr>
+                    <a:srgbClr val="2F528F"/>
                   </a:solidFill>
                   <a:latin typeface="Minion Pro" panose="02040503050306020203" pitchFamily="18" charset="0"/>
                 </a:endParaRPr>
@@ -12769,7 +12757,7 @@
             </p:nvSpPr>
             <p:spPr>
               <a:xfrm>
-                <a:off x="4618344" y="881375"/>
+                <a:off x="7233378" y="1147145"/>
                 <a:ext cx="222629" cy="276502"/>
               </a:xfrm>
               <a:prstGeom prst="arc">
@@ -12822,7 +12810,7 @@
             </p:nvSpPr>
             <p:spPr>
               <a:xfrm>
-                <a:off x="4245226" y="981120"/>
+                <a:off x="6860260" y="1264587"/>
                 <a:ext cx="478016" cy="246221"/>
               </a:xfrm>
               <a:prstGeom prst="rect">
@@ -12839,9 +12827,7 @@
                 <a:r>
                   <a:rPr kumimoji="1" lang="en-US" altLang="zh-TW" sz="1000" i="1" dirty="0" err="1">
                     <a:solidFill>
-                      <a:schemeClr val="accent1">
-                        <a:lumMod val="50000"/>
-                      </a:schemeClr>
+                      <a:srgbClr val="2F528F"/>
                     </a:solidFill>
                     <a:latin typeface="Minion Pro" panose="02040503050306020203" pitchFamily="18" charset="0"/>
                   </a:rPr>
@@ -12850,9 +12836,7 @@
                 <a:r>
                   <a:rPr kumimoji="1" lang="en-US" altLang="zh-TW" sz="1000" dirty="0" err="1">
                     <a:solidFill>
-                      <a:schemeClr val="accent1">
-                        <a:lumMod val="50000"/>
-                      </a:schemeClr>
+                      <a:srgbClr val="2F528F"/>
                     </a:solidFill>
                     <a:latin typeface="Minion Pro" panose="02040503050306020203" pitchFamily="18" charset="0"/>
                   </a:rPr>
@@ -12861,9 +12845,7 @@
                 <a:r>
                   <a:rPr kumimoji="1" lang="en-US" altLang="zh-TW" sz="1000" i="1" dirty="0" err="1">
                     <a:solidFill>
-                      <a:schemeClr val="accent1">
-                        <a:lumMod val="50000"/>
-                      </a:schemeClr>
+                      <a:srgbClr val="2F528F"/>
                     </a:solidFill>
                     <a:latin typeface="Minion Pro" panose="02040503050306020203" pitchFamily="18" charset="0"/>
                   </a:rPr>
@@ -12871,9 +12853,7 @@
                 </a:r>
                 <a:endParaRPr kumimoji="1" lang="zh-TW" altLang="en-US" sz="1400" i="1" dirty="0">
                   <a:solidFill>
-                    <a:schemeClr val="accent1">
-                      <a:lumMod val="50000"/>
-                    </a:schemeClr>
+                    <a:srgbClr val="2F528F"/>
                   </a:solidFill>
                   <a:latin typeface="Minion Pro" panose="02040503050306020203" pitchFamily="18" charset="0"/>
                 </a:endParaRPr>
@@ -12894,7 +12874,7 @@
             </p:nvSpPr>
             <p:spPr>
               <a:xfrm>
-                <a:off x="6266794" y="812135"/>
+                <a:off x="8881828" y="1077905"/>
                 <a:ext cx="250390" cy="246221"/>
               </a:xfrm>
               <a:prstGeom prst="rect">
@@ -12940,7 +12920,7 @@
             </p:nvSpPr>
             <p:spPr>
               <a:xfrm>
-                <a:off x="5430813" y="802405"/>
+                <a:off x="8045847" y="1068175"/>
                 <a:ext cx="279244" cy="246221"/>
               </a:xfrm>
               <a:prstGeom prst="rect">
@@ -12988,7 +12968,7 @@
             </p:nvCxnSpPr>
             <p:spPr>
               <a:xfrm flipV="1">
-                <a:off x="5839605" y="107251"/>
+                <a:off x="6720383" y="373205"/>
                 <a:ext cx="206499" cy="278119"/>
               </a:xfrm>
               <a:prstGeom prst="line">
@@ -12996,7 +12976,7 @@
               </a:prstGeom>
               <a:ln w="12700">
                 <a:solidFill>
-                  <a:srgbClr val="B21D09"/>
+                  <a:srgbClr val="2F528F"/>
                 </a:solidFill>
                 <a:prstDash val="sysDash"/>
               </a:ln>
@@ -13030,7 +13010,7 @@
             </p:nvSpPr>
             <p:spPr>
               <a:xfrm>
-                <a:off x="5840939" y="226974"/>
+                <a:off x="6721717" y="488809"/>
                 <a:ext cx="519579" cy="246221"/>
               </a:xfrm>
               <a:prstGeom prst="rect">
@@ -13047,7 +13027,7 @@
                 <a:r>
                   <a:rPr kumimoji="1" lang="en-US" altLang="zh-TW" sz="1000" i="1" dirty="0" err="1">
                     <a:solidFill>
-                      <a:srgbClr val="B21D09"/>
+                      <a:srgbClr val="2F528F"/>
                     </a:solidFill>
                     <a:latin typeface="Minion Pro" panose="02040503050306020203" pitchFamily="18" charset="0"/>
                   </a:rPr>
@@ -13055,7 +13035,7 @@
                 </a:r>
                 <a:endParaRPr kumimoji="1" lang="zh-TW" altLang="en-US" sz="1100" i="1" dirty="0">
                   <a:solidFill>
-                    <a:srgbClr val="B21D09"/>
+                    <a:srgbClr val="2F528F"/>
                   </a:solidFill>
                   <a:latin typeface="Minion Pro" panose="02040503050306020203" pitchFamily="18" charset="0"/>
                 </a:endParaRPr>
@@ -13076,7 +13056,7 @@
             </p:nvSpPr>
             <p:spPr>
               <a:xfrm>
-                <a:off x="5647557" y="491997"/>
+                <a:off x="8262591" y="757767"/>
                 <a:ext cx="461986" cy="246221"/>
               </a:xfrm>
               <a:prstGeom prst="rect">
@@ -13140,7 +13120,7 @@
             </p:nvSpPr>
             <p:spPr>
               <a:xfrm>
-                <a:off x="6114871" y="434562"/>
+                <a:off x="8729905" y="700332"/>
                 <a:ext cx="250390" cy="246221"/>
               </a:xfrm>
               <a:prstGeom prst="rect">
@@ -13186,7 +13166,7 @@
             </p:nvSpPr>
             <p:spPr>
               <a:xfrm>
-                <a:off x="5345863" y="491587"/>
+                <a:off x="6213422" y="741403"/>
                 <a:ext cx="276038" cy="246221"/>
               </a:xfrm>
               <a:prstGeom prst="rect">
@@ -13203,7 +13183,7 @@
                 <a:r>
                   <a:rPr kumimoji="1" lang="en-US" altLang="zh-TW" sz="1000" i="1" dirty="0">
                     <a:solidFill>
-                      <a:srgbClr val="B21D09"/>
+                      <a:srgbClr val="2F528F"/>
                     </a:solidFill>
                     <a:latin typeface="Minion Pro" panose="02040503050306020203" pitchFamily="18" charset="0"/>
                   </a:rPr>
@@ -13211,7 +13191,7 @@
                 </a:r>
                 <a:endParaRPr kumimoji="1" lang="zh-TW" altLang="en-US" sz="1100" i="1" dirty="0">
                   <a:solidFill>
-                    <a:srgbClr val="B21D09"/>
+                    <a:srgbClr val="2F528F"/>
                   </a:solidFill>
                   <a:latin typeface="Minion Pro" panose="02040503050306020203" pitchFamily="18" charset="0"/>
                 </a:endParaRPr>
@@ -13232,7 +13212,7 @@
             </p:nvSpPr>
             <p:spPr>
               <a:xfrm rot="10800000">
-                <a:off x="4104719" y="947281"/>
+                <a:off x="6719753" y="1213051"/>
                 <a:ext cx="174235" cy="120677"/>
               </a:xfrm>
               <a:prstGeom prst="arc">
@@ -13276,7 +13256,7 @@
             </p:nvSpPr>
             <p:spPr>
               <a:xfrm rot="10800000" flipH="1">
-                <a:off x="4717581" y="952754"/>
+                <a:off x="7332615" y="1218524"/>
                 <a:ext cx="174235" cy="120677"/>
               </a:xfrm>
               <a:prstGeom prst="arc">
@@ -13320,7 +13300,7 @@
             </p:nvSpPr>
             <p:spPr>
               <a:xfrm>
-                <a:off x="5835183" y="1004409"/>
+                <a:off x="8450217" y="1270179"/>
                 <a:ext cx="301686" cy="261610"/>
               </a:xfrm>
               <a:prstGeom prst="rect">
@@ -13361,8 +13341,240 @@
               </a:p>
             </p:txBody>
           </p:sp>
+          <p:sp>
+            <p:nvSpPr>
+              <p:cNvPr id="8" name="文字方塊 7">
+                <a:extLst>
+                  <a:ext uri="{FF2B5EF4-FFF2-40B4-BE49-F238E27FC236}">
+                    <a16:creationId xmlns:a16="http://schemas.microsoft.com/office/drawing/2014/main" id="{46DA35E5-8666-5513-073B-888C7856D796}"/>
+                  </a:ext>
+                </a:extLst>
+              </p:cNvPr>
+              <p:cNvSpPr txBox="1"/>
+              <p:nvPr/>
+            </p:nvSpPr>
+            <p:spPr>
+              <a:xfrm>
+                <a:off x="6305777" y="1062513"/>
+                <a:ext cx="279244" cy="246221"/>
+              </a:xfrm>
+              <a:prstGeom prst="rect">
+                <a:avLst/>
+              </a:prstGeom>
+              <a:noFill/>
+            </p:spPr>
+            <p:txBody>
+              <a:bodyPr wrap="none" rtlCol="0">
+                <a:spAutoFit/>
+              </a:bodyPr>
+              <a:lstStyle/>
+              <a:p>
+                <a:r>
+                  <a:rPr kumimoji="1" lang="en-US" altLang="zh-TW" sz="1000" dirty="0" err="1">
+                    <a:solidFill>
+                      <a:srgbClr val="2F528F"/>
+                    </a:solidFill>
+                    <a:latin typeface="Minion Pro" panose="02040503050306020203" pitchFamily="18" charset="0"/>
+                  </a:rPr>
+                  <a:t>Θ</a:t>
+                </a:r>
+                <a:endParaRPr kumimoji="1" lang="zh-TW" altLang="en-US" sz="1100" dirty="0">
+                  <a:solidFill>
+                    <a:srgbClr val="2F528F"/>
+                  </a:solidFill>
+                  <a:latin typeface="Minion Pro" panose="02040503050306020203" pitchFamily="18" charset="0"/>
+                </a:endParaRPr>
+              </a:p>
+            </p:txBody>
+          </p:sp>
+          <p:sp>
+            <p:nvSpPr>
+              <p:cNvPr id="11" name="文字方塊 10">
+                <a:extLst>
+                  <a:ext uri="{FF2B5EF4-FFF2-40B4-BE49-F238E27FC236}">
+                    <a16:creationId xmlns:a16="http://schemas.microsoft.com/office/drawing/2014/main" id="{F101471F-8668-438F-9C66-7683BECBDEF4}"/>
+                  </a:ext>
+                </a:extLst>
+              </p:cNvPr>
+              <p:cNvSpPr txBox="1"/>
+              <p:nvPr/>
+            </p:nvSpPr>
+            <p:spPr>
+              <a:xfrm>
+                <a:off x="7982586" y="735030"/>
+                <a:ext cx="276038" cy="246221"/>
+              </a:xfrm>
+              <a:prstGeom prst="rect">
+                <a:avLst/>
+              </a:prstGeom>
+              <a:noFill/>
+            </p:spPr>
+            <p:txBody>
+              <a:bodyPr wrap="none" rtlCol="0">
+                <a:spAutoFit/>
+              </a:bodyPr>
+              <a:lstStyle/>
+              <a:p>
+                <a:r>
+                  <a:rPr kumimoji="1" lang="en-US" altLang="zh-TW" sz="1000" i="1" dirty="0">
+                    <a:solidFill>
+                      <a:srgbClr val="B21D09"/>
+                    </a:solidFill>
+                    <a:latin typeface="Minion Pro" panose="02040503050306020203" pitchFamily="18" charset="0"/>
+                  </a:rPr>
+                  <a:t>D</a:t>
+                </a:r>
+                <a:endParaRPr kumimoji="1" lang="zh-TW" altLang="en-US" sz="1100" i="1" dirty="0">
+                  <a:solidFill>
+                    <a:srgbClr val="B21D09"/>
+                  </a:solidFill>
+                  <a:latin typeface="Minion Pro" panose="02040503050306020203" pitchFamily="18" charset="0"/>
+                </a:endParaRPr>
+              </a:p>
+            </p:txBody>
+          </p:sp>
         </p:grpSp>
+        <p:sp>
+          <p:nvSpPr>
+            <p:cNvPr id="20" name="手繪多邊形 19">
+              <a:extLst>
+                <a:ext uri="{FF2B5EF4-FFF2-40B4-BE49-F238E27FC236}">
+                  <a16:creationId xmlns:a16="http://schemas.microsoft.com/office/drawing/2014/main" id="{9C20BCEB-CEC0-9EAD-975E-7E5BA56ED825}"/>
+                </a:ext>
+              </a:extLst>
+            </p:cNvPr>
+            <p:cNvSpPr/>
+            <p:nvPr/>
+          </p:nvSpPr>
+          <p:spPr>
+            <a:xfrm>
+              <a:off x="3691719" y="929609"/>
+              <a:ext cx="2436126" cy="592116"/>
+            </a:xfrm>
+            <a:custGeom>
+              <a:avLst/>
+              <a:gdLst>
+                <a:gd name="connsiteX0" fmla="*/ 0 w 2436126"/>
+                <a:gd name="connsiteY0" fmla="*/ 592116 h 592116"/>
+                <a:gd name="connsiteX1" fmla="*/ 716508 w 2436126"/>
+                <a:gd name="connsiteY1" fmla="*/ 5263 h 592116"/>
+                <a:gd name="connsiteX2" fmla="*/ 2436126 w 2436126"/>
+                <a:gd name="connsiteY2" fmla="*/ 298690 h 592116"/>
+              </a:gdLst>
+              <a:ahLst/>
+              <a:cxnLst>
+                <a:cxn ang="0">
+                  <a:pos x="connsiteX0" y="connsiteY0"/>
+                </a:cxn>
+                <a:cxn ang="0">
+                  <a:pos x="connsiteX1" y="connsiteY1"/>
+                </a:cxn>
+                <a:cxn ang="0">
+                  <a:pos x="connsiteX2" y="connsiteY2"/>
+                </a:cxn>
+              </a:cxnLst>
+              <a:rect l="l" t="t" r="r" b="b"/>
+              <a:pathLst>
+                <a:path w="2436126" h="592116">
+                  <a:moveTo>
+                    <a:pt x="0" y="592116"/>
+                  </a:moveTo>
+                  <a:cubicBezTo>
+                    <a:pt x="155243" y="323141"/>
+                    <a:pt x="310487" y="54167"/>
+                    <a:pt x="716508" y="5263"/>
+                  </a:cubicBezTo>
+                  <a:cubicBezTo>
+                    <a:pt x="1122529" y="-43641"/>
+                    <a:pt x="2171132" y="263433"/>
+                    <a:pt x="2436126" y="298690"/>
+                  </a:cubicBezTo>
+                </a:path>
+              </a:pathLst>
+            </a:custGeom>
+            <a:noFill/>
+            <a:ln w="15875">
+              <a:tailEnd type="stealth" w="lg" len="lg"/>
+            </a:ln>
+          </p:spPr>
+          <p:style>
+            <a:lnRef idx="2">
+              <a:schemeClr val="accent1">
+                <a:shade val="50000"/>
+              </a:schemeClr>
+            </a:lnRef>
+            <a:fillRef idx="1">
+              <a:schemeClr val="accent1"/>
+            </a:fillRef>
+            <a:effectRef idx="0">
+              <a:schemeClr val="accent1"/>
+            </a:effectRef>
+            <a:fontRef idx="minor">
+              <a:schemeClr val="lt1"/>
+            </a:fontRef>
+          </p:style>
+          <p:txBody>
+            <a:bodyPr rtlCol="0" anchor="ctr"/>
+            <a:lstStyle/>
+            <a:p>
+              <a:pPr algn="ctr"/>
+              <a:endParaRPr kumimoji="1" lang="zh-TW" altLang="en-US"/>
+            </a:p>
+          </p:txBody>
+        </p:sp>
       </p:grpSp>
+      <p:sp>
+        <p:nvSpPr>
+          <p:cNvPr id="33" name="弧線 32">
+            <a:extLst>
+              <a:ext uri="{FF2B5EF4-FFF2-40B4-BE49-F238E27FC236}">
+                <a16:creationId xmlns:a16="http://schemas.microsoft.com/office/drawing/2014/main" id="{3A188C7E-7E5A-F582-A9DC-7AB04FA9A8BA}"/>
+              </a:ext>
+            </a:extLst>
+          </p:cNvPr>
+          <p:cNvSpPr/>
+          <p:nvPr/>
+        </p:nvSpPr>
+        <p:spPr>
+          <a:xfrm rot="6489320">
+            <a:off x="8368473" y="2172903"/>
+            <a:ext cx="235231" cy="244975"/>
+          </a:xfrm>
+          <a:prstGeom prst="arc">
+            <a:avLst/>
+          </a:prstGeom>
+          <a:ln w="12700">
+            <a:solidFill>
+              <a:schemeClr val="tx1">
+                <a:lumMod val="85000"/>
+                <a:lumOff val="15000"/>
+              </a:schemeClr>
+            </a:solidFill>
+          </a:ln>
+        </p:spPr>
+        <p:style>
+          <a:lnRef idx="1">
+            <a:schemeClr val="accent1"/>
+          </a:lnRef>
+          <a:fillRef idx="0">
+            <a:schemeClr val="accent1"/>
+          </a:fillRef>
+          <a:effectRef idx="0">
+            <a:schemeClr val="accent1"/>
+          </a:effectRef>
+          <a:fontRef idx="minor">
+            <a:schemeClr val="tx1"/>
+          </a:fontRef>
+        </p:style>
+        <p:txBody>
+          <a:bodyPr rtlCol="0" anchor="ctr"/>
+          <a:lstStyle/>
+          <a:p>
+            <a:pPr algn="ctr"/>
+            <a:endParaRPr kumimoji="1" lang="zh-TW" altLang="en-US"/>
+          </a:p>
+        </p:txBody>
+      </p:sp>
     </p:spTree>
     <p:extLst>
       <p:ext uri="{BB962C8B-B14F-4D97-AF65-F5344CB8AC3E}">

--- a/doc/scheme.pptx
+++ b/doc/scheme.pptx
@@ -7,7 +7,8 @@
   <p:sldIdLst>
     <p:sldId id="256" r:id="rId2"/>
     <p:sldId id="258" r:id="rId3"/>
-    <p:sldId id="257" r:id="rId4"/>
+    <p:sldId id="259" r:id="rId4"/>
+    <p:sldId id="257" r:id="rId5"/>
   </p:sldIdLst>
   <p:sldSz cx="12192000" cy="6858000"/>
   <p:notesSz cx="6858000" cy="9144000"/>
@@ -261,7 +262,7 @@
           <a:p>
             <a:fld id="{6BD79096-680F-844B-B1F1-7BBB7D6E1857}" type="datetimeFigureOut">
               <a:rPr kumimoji="1" lang="zh-TW" altLang="en-US" smtClean="0"/>
-              <a:t>2023/3/8</a:t>
+              <a:t>2023/3/9</a:t>
             </a:fld>
             <a:endParaRPr kumimoji="1" lang="zh-TW" altLang="en-US"/>
           </a:p>
@@ -459,7 +460,7 @@
           <a:p>
             <a:fld id="{6BD79096-680F-844B-B1F1-7BBB7D6E1857}" type="datetimeFigureOut">
               <a:rPr kumimoji="1" lang="zh-TW" altLang="en-US" smtClean="0"/>
-              <a:t>2023/3/8</a:t>
+              <a:t>2023/3/9</a:t>
             </a:fld>
             <a:endParaRPr kumimoji="1" lang="zh-TW" altLang="en-US"/>
           </a:p>
@@ -667,7 +668,7 @@
           <a:p>
             <a:fld id="{6BD79096-680F-844B-B1F1-7BBB7D6E1857}" type="datetimeFigureOut">
               <a:rPr kumimoji="1" lang="zh-TW" altLang="en-US" smtClean="0"/>
-              <a:t>2023/3/8</a:t>
+              <a:t>2023/3/9</a:t>
             </a:fld>
             <a:endParaRPr kumimoji="1" lang="zh-TW" altLang="en-US"/>
           </a:p>
@@ -865,7 +866,7 @@
           <a:p>
             <a:fld id="{6BD79096-680F-844B-B1F1-7BBB7D6E1857}" type="datetimeFigureOut">
               <a:rPr kumimoji="1" lang="zh-TW" altLang="en-US" smtClean="0"/>
-              <a:t>2023/3/8</a:t>
+              <a:t>2023/3/9</a:t>
             </a:fld>
             <a:endParaRPr kumimoji="1" lang="zh-TW" altLang="en-US"/>
           </a:p>
@@ -1140,7 +1141,7 @@
           <a:p>
             <a:fld id="{6BD79096-680F-844B-B1F1-7BBB7D6E1857}" type="datetimeFigureOut">
               <a:rPr kumimoji="1" lang="zh-TW" altLang="en-US" smtClean="0"/>
-              <a:t>2023/3/8</a:t>
+              <a:t>2023/3/9</a:t>
             </a:fld>
             <a:endParaRPr kumimoji="1" lang="zh-TW" altLang="en-US"/>
           </a:p>
@@ -1405,7 +1406,7 @@
           <a:p>
             <a:fld id="{6BD79096-680F-844B-B1F1-7BBB7D6E1857}" type="datetimeFigureOut">
               <a:rPr kumimoji="1" lang="zh-TW" altLang="en-US" smtClean="0"/>
-              <a:t>2023/3/8</a:t>
+              <a:t>2023/3/9</a:t>
             </a:fld>
             <a:endParaRPr kumimoji="1" lang="zh-TW" altLang="en-US"/>
           </a:p>
@@ -1817,7 +1818,7 @@
           <a:p>
             <a:fld id="{6BD79096-680F-844B-B1F1-7BBB7D6E1857}" type="datetimeFigureOut">
               <a:rPr kumimoji="1" lang="zh-TW" altLang="en-US" smtClean="0"/>
-              <a:t>2023/3/8</a:t>
+              <a:t>2023/3/9</a:t>
             </a:fld>
             <a:endParaRPr kumimoji="1" lang="zh-TW" altLang="en-US"/>
           </a:p>
@@ -1958,7 +1959,7 @@
           <a:p>
             <a:fld id="{6BD79096-680F-844B-B1F1-7BBB7D6E1857}" type="datetimeFigureOut">
               <a:rPr kumimoji="1" lang="zh-TW" altLang="en-US" smtClean="0"/>
-              <a:t>2023/3/8</a:t>
+              <a:t>2023/3/9</a:t>
             </a:fld>
             <a:endParaRPr kumimoji="1" lang="zh-TW" altLang="en-US"/>
           </a:p>
@@ -2071,7 +2072,7 @@
           <a:p>
             <a:fld id="{6BD79096-680F-844B-B1F1-7BBB7D6E1857}" type="datetimeFigureOut">
               <a:rPr kumimoji="1" lang="zh-TW" altLang="en-US" smtClean="0"/>
-              <a:t>2023/3/8</a:t>
+              <a:t>2023/3/9</a:t>
             </a:fld>
             <a:endParaRPr kumimoji="1" lang="zh-TW" altLang="en-US"/>
           </a:p>
@@ -2382,7 +2383,7 @@
           <a:p>
             <a:fld id="{6BD79096-680F-844B-B1F1-7BBB7D6E1857}" type="datetimeFigureOut">
               <a:rPr kumimoji="1" lang="zh-TW" altLang="en-US" smtClean="0"/>
-              <a:t>2023/3/8</a:t>
+              <a:t>2023/3/9</a:t>
             </a:fld>
             <a:endParaRPr kumimoji="1" lang="zh-TW" altLang="en-US"/>
           </a:p>
@@ -2670,7 +2671,7 @@
           <a:p>
             <a:fld id="{6BD79096-680F-844B-B1F1-7BBB7D6E1857}" type="datetimeFigureOut">
               <a:rPr kumimoji="1" lang="zh-TW" altLang="en-US" smtClean="0"/>
-              <a:t>2023/3/8</a:t>
+              <a:t>2023/3/9</a:t>
             </a:fld>
             <a:endParaRPr kumimoji="1" lang="zh-TW" altLang="en-US"/>
           </a:p>
@@ -2911,7 +2912,7 @@
           <a:p>
             <a:fld id="{6BD79096-680F-844B-B1F1-7BBB7D6E1857}" type="datetimeFigureOut">
               <a:rPr kumimoji="1" lang="zh-TW" altLang="en-US" smtClean="0"/>
-              <a:t>2023/3/8</a:t>
+              <a:t>2023/3/9</a:t>
             </a:fld>
             <a:endParaRPr kumimoji="1" lang="zh-TW" altLang="en-US"/>
           </a:p>
@@ -8846,10 +8847,10 @@
       </p:grpSpPr>
       <p:grpSp>
         <p:nvGrpSpPr>
-          <p:cNvPr id="23" name="群組 22">
+          <p:cNvPr id="69" name="群組 68">
             <a:extLst>
               <a:ext uri="{FF2B5EF4-FFF2-40B4-BE49-F238E27FC236}">
-                <a16:creationId xmlns:a16="http://schemas.microsoft.com/office/drawing/2014/main" id="{E094BC85-DEB4-C7D0-0EC9-7AAA19457127}"/>
+                <a16:creationId xmlns:a16="http://schemas.microsoft.com/office/drawing/2014/main" id="{3C700594-50C6-80D3-E2C1-6E5C710599D9}"/>
               </a:ext>
             </a:extLst>
           </p:cNvPr>
@@ -8858,10 +8859,10 @@
         </p:nvGrpSpPr>
         <p:grpSpPr>
           <a:xfrm>
-            <a:off x="669313" y="242405"/>
-            <a:ext cx="8902316" cy="4050172"/>
-            <a:chOff x="669313" y="242405"/>
-            <a:chExt cx="8902316" cy="4050172"/>
+            <a:off x="902720" y="595813"/>
+            <a:ext cx="8826754" cy="3580613"/>
+            <a:chOff x="902720" y="595813"/>
+            <a:chExt cx="8826754" cy="3580613"/>
           </a:xfrm>
         </p:grpSpPr>
         <p:sp>
@@ -8962,715 +8963,663 @@
             </a:p>
           </p:txBody>
         </p:sp>
-        <p:grpSp>
-          <p:nvGrpSpPr>
-            <p:cNvPr id="25" name="群組 24">
+        <p:cxnSp>
+          <p:nvCxnSpPr>
+            <p:cNvPr id="93" name="直線接點 92">
               <a:extLst>
                 <a:ext uri="{FF2B5EF4-FFF2-40B4-BE49-F238E27FC236}">
-                  <a16:creationId xmlns:a16="http://schemas.microsoft.com/office/drawing/2014/main" id="{97E1B547-F6F5-9272-E69C-6A1B5D7F0502}"/>
+                  <a16:creationId xmlns:a16="http://schemas.microsoft.com/office/drawing/2014/main" id="{4054C3DE-8D85-9513-C0B8-B19A4C06499C}"/>
                 </a:ext>
               </a:extLst>
             </p:cNvPr>
-            <p:cNvGrpSpPr/>
+            <p:cNvCxnSpPr>
+              <a:cxnSpLocks/>
+            </p:cNvCxnSpPr>
             <p:nvPr/>
-          </p:nvGrpSpPr>
-          <p:grpSpPr>
+          </p:nvCxnSpPr>
+          <p:spPr>
             <a:xfrm>
-              <a:off x="5749891" y="1955614"/>
-              <a:ext cx="2034688" cy="1621107"/>
-              <a:chOff x="6035342" y="1449080"/>
-              <a:chExt cx="2034688" cy="1621107"/>
+              <a:off x="7122056" y="2555319"/>
+              <a:ext cx="185" cy="914355"/>
             </a:xfrm>
-          </p:grpSpPr>
-          <p:grpSp>
-            <p:nvGrpSpPr>
-              <p:cNvPr id="139" name="群組 138">
-                <a:extLst>
-                  <a:ext uri="{FF2B5EF4-FFF2-40B4-BE49-F238E27FC236}">
-                    <a16:creationId xmlns:a16="http://schemas.microsoft.com/office/drawing/2014/main" id="{139E9607-DB0E-D22A-C0F1-AFD25BBD644E}"/>
-                  </a:ext>
-                </a:extLst>
-              </p:cNvPr>
-              <p:cNvGrpSpPr/>
-              <p:nvPr/>
-            </p:nvGrpSpPr>
-            <p:grpSpPr>
-              <a:xfrm>
-                <a:off x="6328831" y="1449080"/>
-                <a:ext cx="1741199" cy="1612238"/>
-                <a:chOff x="5608185" y="2328671"/>
-                <a:chExt cx="1741199" cy="1612238"/>
-              </a:xfrm>
-            </p:grpSpPr>
-            <p:cxnSp>
-              <p:nvCxnSpPr>
-                <p:cNvPr id="93" name="直線接點 92">
-                  <a:extLst>
-                    <a:ext uri="{FF2B5EF4-FFF2-40B4-BE49-F238E27FC236}">
-                      <a16:creationId xmlns:a16="http://schemas.microsoft.com/office/drawing/2014/main" id="{4054C3DE-8D85-9513-C0B8-B19A4C06499C}"/>
-                    </a:ext>
-                  </a:extLst>
-                </p:cNvPr>
-                <p:cNvCxnSpPr>
-                  <a:cxnSpLocks/>
-                </p:cNvCxnSpPr>
-                <p:nvPr/>
-              </p:nvCxnSpPr>
-              <p:spPr>
-                <a:xfrm>
-                  <a:off x="6686861" y="2328671"/>
-                  <a:ext cx="185" cy="914355"/>
-                </a:xfrm>
-                <a:prstGeom prst="line">
-                  <a:avLst/>
-                </a:prstGeom>
-                <a:ln w="12700">
+            <a:prstGeom prst="line">
+              <a:avLst/>
+            </a:prstGeom>
+            <a:ln w="12700">
+              <a:solidFill>
+                <a:srgbClr val="C00000"/>
+              </a:solidFill>
+              <a:prstDash val="sysDash"/>
+            </a:ln>
+          </p:spPr>
+          <p:style>
+            <a:lnRef idx="1">
+              <a:schemeClr val="accent1"/>
+            </a:lnRef>
+            <a:fillRef idx="0">
+              <a:schemeClr val="accent1"/>
+            </a:fillRef>
+            <a:effectRef idx="0">
+              <a:schemeClr val="accent1"/>
+            </a:effectRef>
+            <a:fontRef idx="minor">
+              <a:schemeClr val="tx1"/>
+            </a:fontRef>
+          </p:style>
+        </p:cxnSp>
+        <p:cxnSp>
+          <p:nvCxnSpPr>
+            <p:cNvPr id="94" name="直線箭頭接點 93">
+              <a:extLst>
+                <a:ext uri="{FF2B5EF4-FFF2-40B4-BE49-F238E27FC236}">
+                  <a16:creationId xmlns:a16="http://schemas.microsoft.com/office/drawing/2014/main" id="{06FCE9AA-6400-045D-F644-CBEDC6F6C0DA}"/>
+                </a:ext>
+              </a:extLst>
+            </p:cNvPr>
+            <p:cNvCxnSpPr>
+              <a:cxnSpLocks/>
+            </p:cNvCxnSpPr>
+            <p:nvPr/>
+          </p:nvCxnSpPr>
+          <p:spPr>
+            <a:xfrm flipH="1">
+              <a:off x="6576331" y="3460424"/>
+              <a:ext cx="548967" cy="525102"/>
+            </a:xfrm>
+            <a:prstGeom prst="straightConnector1">
+              <a:avLst/>
+            </a:prstGeom>
+            <a:ln w="15875">
+              <a:solidFill>
+                <a:schemeClr val="bg2">
+                  <a:lumMod val="75000"/>
+                </a:schemeClr>
+              </a:solidFill>
+              <a:prstDash val="solid"/>
+              <a:headEnd w="lg" len="lg"/>
+              <a:tailEnd type="none" w="lg" len="lg"/>
+            </a:ln>
+          </p:spPr>
+          <p:style>
+            <a:lnRef idx="1">
+              <a:schemeClr val="dk1"/>
+            </a:lnRef>
+            <a:fillRef idx="0">
+              <a:schemeClr val="dk1"/>
+            </a:fillRef>
+            <a:effectRef idx="0">
+              <a:schemeClr val="dk1"/>
+            </a:effectRef>
+            <a:fontRef idx="minor">
+              <a:schemeClr val="tx1"/>
+            </a:fontRef>
+          </p:style>
+        </p:cxnSp>
+        <p:cxnSp>
+          <p:nvCxnSpPr>
+            <p:cNvPr id="95" name="直線箭頭接點 94">
+              <a:extLst>
+                <a:ext uri="{FF2B5EF4-FFF2-40B4-BE49-F238E27FC236}">
+                  <a16:creationId xmlns:a16="http://schemas.microsoft.com/office/drawing/2014/main" id="{43FA0876-4C7D-B696-3D75-00B4DCCF9FB6}"/>
+                </a:ext>
+              </a:extLst>
+            </p:cNvPr>
+            <p:cNvCxnSpPr>
+              <a:cxnSpLocks/>
+            </p:cNvCxnSpPr>
+            <p:nvPr/>
+          </p:nvCxnSpPr>
+          <p:spPr>
+            <a:xfrm>
+              <a:off x="6043380" y="3986974"/>
+              <a:ext cx="532951" cy="0"/>
+            </a:xfrm>
+            <a:prstGeom prst="straightConnector1">
+              <a:avLst/>
+            </a:prstGeom>
+            <a:ln w="15875">
+              <a:solidFill>
+                <a:schemeClr val="bg2">
+                  <a:lumMod val="75000"/>
+                </a:schemeClr>
+              </a:solidFill>
+              <a:headEnd w="lg" len="lg"/>
+              <a:tailEnd type="none" w="lg" len="lg"/>
+            </a:ln>
+          </p:spPr>
+          <p:style>
+            <a:lnRef idx="1">
+              <a:schemeClr val="dk1"/>
+            </a:lnRef>
+            <a:fillRef idx="0">
+              <a:schemeClr val="dk1"/>
+            </a:fillRef>
+            <a:effectRef idx="0">
+              <a:schemeClr val="dk1"/>
+            </a:effectRef>
+            <a:fontRef idx="minor">
+              <a:schemeClr val="tx1"/>
+            </a:fontRef>
+          </p:style>
+        </p:cxnSp>
+        <p:cxnSp>
+          <p:nvCxnSpPr>
+            <p:cNvPr id="97" name="直線接點 96">
+              <a:extLst>
+                <a:ext uri="{FF2B5EF4-FFF2-40B4-BE49-F238E27FC236}">
+                  <a16:creationId xmlns:a16="http://schemas.microsoft.com/office/drawing/2014/main" id="{2E2E3F56-AEDA-B6D3-B893-C818C6251648}"/>
+                </a:ext>
+              </a:extLst>
+            </p:cNvPr>
+            <p:cNvCxnSpPr>
+              <a:cxnSpLocks/>
+            </p:cNvCxnSpPr>
+            <p:nvPr/>
+          </p:nvCxnSpPr>
+          <p:spPr>
+            <a:xfrm flipH="1">
+              <a:off x="6048085" y="2555319"/>
+              <a:ext cx="1074368" cy="1430261"/>
+            </a:xfrm>
+            <a:prstGeom prst="line">
+              <a:avLst/>
+            </a:prstGeom>
+            <a:ln w="12700">
+              <a:solidFill>
+                <a:srgbClr val="C00000"/>
+              </a:solidFill>
+              <a:prstDash val="solid"/>
+            </a:ln>
+          </p:spPr>
+          <p:style>
+            <a:lnRef idx="1">
+              <a:schemeClr val="accent1"/>
+            </a:lnRef>
+            <a:fillRef idx="0">
+              <a:schemeClr val="accent1"/>
+            </a:fillRef>
+            <a:effectRef idx="0">
+              <a:schemeClr val="accent1"/>
+            </a:effectRef>
+            <a:fontRef idx="minor">
+              <a:schemeClr val="tx1"/>
+            </a:fontRef>
+          </p:style>
+        </p:cxnSp>
+        <p:cxnSp>
+          <p:nvCxnSpPr>
+            <p:cNvPr id="99" name="直線接點 98">
+              <a:extLst>
+                <a:ext uri="{FF2B5EF4-FFF2-40B4-BE49-F238E27FC236}">
+                  <a16:creationId xmlns:a16="http://schemas.microsoft.com/office/drawing/2014/main" id="{8A8BDD30-D762-0187-40DA-D09C50007F6E}"/>
+                </a:ext>
+              </a:extLst>
+            </p:cNvPr>
+            <p:cNvCxnSpPr>
+              <a:cxnSpLocks/>
+            </p:cNvCxnSpPr>
+            <p:nvPr/>
+          </p:nvCxnSpPr>
+          <p:spPr>
+            <a:xfrm flipH="1">
+              <a:off x="6051860" y="3460424"/>
+              <a:ext cx="1073438" cy="525157"/>
+            </a:xfrm>
+            <a:prstGeom prst="line">
+              <a:avLst/>
+            </a:prstGeom>
+            <a:ln w="12700">
+              <a:solidFill>
+                <a:srgbClr val="C00000"/>
+              </a:solidFill>
+              <a:prstDash val="solid"/>
+            </a:ln>
+          </p:spPr>
+          <p:style>
+            <a:lnRef idx="1">
+              <a:schemeClr val="accent1"/>
+            </a:lnRef>
+            <a:fillRef idx="0">
+              <a:schemeClr val="accent1"/>
+            </a:fillRef>
+            <a:effectRef idx="0">
+              <a:schemeClr val="accent1"/>
+            </a:effectRef>
+            <a:fontRef idx="minor">
+              <a:schemeClr val="tx1"/>
+            </a:fontRef>
+          </p:style>
+        </p:cxnSp>
+        <p:sp>
+          <p:nvSpPr>
+            <p:cNvPr id="116" name="文字方塊 115">
+              <a:extLst>
+                <a:ext uri="{FF2B5EF4-FFF2-40B4-BE49-F238E27FC236}">
+                  <a16:creationId xmlns:a16="http://schemas.microsoft.com/office/drawing/2014/main" id="{23354E05-A503-7B5B-F86E-1D4849587ECC}"/>
+                </a:ext>
+              </a:extLst>
+            </p:cNvPr>
+            <p:cNvSpPr txBox="1"/>
+            <p:nvPr/>
+          </p:nvSpPr>
+          <p:spPr>
+            <a:xfrm>
+              <a:off x="6347880" y="3014998"/>
+              <a:ext cx="266420" cy="261610"/>
+            </a:xfrm>
+            <a:prstGeom prst="rect">
+              <a:avLst/>
+            </a:prstGeom>
+            <a:noFill/>
+          </p:spPr>
+          <p:txBody>
+            <a:bodyPr wrap="none" rtlCol="0">
+              <a:spAutoFit/>
+            </a:bodyPr>
+            <a:lstStyle/>
+            <a:p>
+              <a:r>
+                <a:rPr kumimoji="1" lang="en-US" altLang="zh-TW" sz="1100" i="1" dirty="0">
                   <a:solidFill>
                     <a:srgbClr val="C00000"/>
                   </a:solidFill>
-                  <a:prstDash val="sysDash"/>
-                </a:ln>
-              </p:spPr>
-              <p:style>
-                <a:lnRef idx="1">
-                  <a:schemeClr val="accent1"/>
-                </a:lnRef>
-                <a:fillRef idx="0">
-                  <a:schemeClr val="accent1"/>
-                </a:fillRef>
-                <a:effectRef idx="0">
-                  <a:schemeClr val="accent1"/>
-                </a:effectRef>
-                <a:fontRef idx="minor">
-                  <a:schemeClr val="tx1"/>
-                </a:fontRef>
-              </p:style>
-            </p:cxnSp>
-            <p:cxnSp>
-              <p:nvCxnSpPr>
-                <p:cNvPr id="94" name="直線箭頭接點 93">
-                  <a:extLst>
-                    <a:ext uri="{FF2B5EF4-FFF2-40B4-BE49-F238E27FC236}">
-                      <a16:creationId xmlns:a16="http://schemas.microsoft.com/office/drawing/2014/main" id="{06FCE9AA-6400-045D-F644-CBEDC6F6C0DA}"/>
-                    </a:ext>
-                  </a:extLst>
-                </p:cNvPr>
-                <p:cNvCxnSpPr>
-                  <a:cxnSpLocks/>
-                </p:cNvCxnSpPr>
-                <p:nvPr/>
-              </p:nvCxnSpPr>
-              <p:spPr>
-                <a:xfrm flipH="1">
-                  <a:off x="6141136" y="3233776"/>
-                  <a:ext cx="548967" cy="525102"/>
-                </a:xfrm>
-                <a:prstGeom prst="straightConnector1">
-                  <a:avLst/>
-                </a:prstGeom>
-                <a:ln w="15875">
-                  <a:solidFill>
-                    <a:schemeClr val="bg2">
-                      <a:lumMod val="75000"/>
-                    </a:schemeClr>
-                  </a:solidFill>
-                  <a:prstDash val="solid"/>
-                  <a:headEnd w="lg" len="lg"/>
-                  <a:tailEnd type="none" w="lg" len="lg"/>
-                </a:ln>
-              </p:spPr>
-              <p:style>
-                <a:lnRef idx="1">
-                  <a:schemeClr val="dk1"/>
-                </a:lnRef>
-                <a:fillRef idx="0">
-                  <a:schemeClr val="dk1"/>
-                </a:fillRef>
-                <a:effectRef idx="0">
-                  <a:schemeClr val="dk1"/>
-                </a:effectRef>
-                <a:fontRef idx="minor">
-                  <a:schemeClr val="tx1"/>
-                </a:fontRef>
-              </p:style>
-            </p:cxnSp>
-            <p:cxnSp>
-              <p:nvCxnSpPr>
-                <p:cNvPr id="95" name="直線箭頭接點 94">
-                  <a:extLst>
-                    <a:ext uri="{FF2B5EF4-FFF2-40B4-BE49-F238E27FC236}">
-                      <a16:creationId xmlns:a16="http://schemas.microsoft.com/office/drawing/2014/main" id="{43FA0876-4C7D-B696-3D75-00B4DCCF9FB6}"/>
-                    </a:ext>
-                  </a:extLst>
-                </p:cNvPr>
-                <p:cNvCxnSpPr>
-                  <a:cxnSpLocks/>
-                </p:cNvCxnSpPr>
-                <p:nvPr/>
-              </p:nvCxnSpPr>
-              <p:spPr>
-                <a:xfrm>
-                  <a:off x="5608185" y="3760326"/>
-                  <a:ext cx="532951" cy="0"/>
-                </a:xfrm>
-                <a:prstGeom prst="straightConnector1">
-                  <a:avLst/>
-                </a:prstGeom>
-                <a:ln w="15875">
-                  <a:solidFill>
-                    <a:schemeClr val="bg2">
-                      <a:lumMod val="75000"/>
-                    </a:schemeClr>
-                  </a:solidFill>
-                  <a:headEnd w="lg" len="lg"/>
-                  <a:tailEnd type="none" w="lg" len="lg"/>
-                </a:ln>
-              </p:spPr>
-              <p:style>
-                <a:lnRef idx="1">
-                  <a:schemeClr val="dk1"/>
-                </a:lnRef>
-                <a:fillRef idx="0">
-                  <a:schemeClr val="dk1"/>
-                </a:fillRef>
-                <a:effectRef idx="0">
-                  <a:schemeClr val="dk1"/>
-                </a:effectRef>
-                <a:fontRef idx="minor">
-                  <a:schemeClr val="tx1"/>
-                </a:fontRef>
-              </p:style>
-            </p:cxnSp>
-            <p:cxnSp>
-              <p:nvCxnSpPr>
-                <p:cNvPr id="97" name="直線接點 96">
-                  <a:extLst>
-                    <a:ext uri="{FF2B5EF4-FFF2-40B4-BE49-F238E27FC236}">
-                      <a16:creationId xmlns:a16="http://schemas.microsoft.com/office/drawing/2014/main" id="{2E2E3F56-AEDA-B6D3-B893-C818C6251648}"/>
-                    </a:ext>
-                  </a:extLst>
-                </p:cNvPr>
-                <p:cNvCxnSpPr>
-                  <a:cxnSpLocks/>
-                </p:cNvCxnSpPr>
-                <p:nvPr/>
-              </p:nvCxnSpPr>
-              <p:spPr>
-                <a:xfrm flipH="1">
-                  <a:off x="5612890" y="2328671"/>
-                  <a:ext cx="1074368" cy="1430261"/>
-                </a:xfrm>
-                <a:prstGeom prst="line">
-                  <a:avLst/>
-                </a:prstGeom>
-                <a:ln w="12700">
+                  <a:latin typeface="Minion Pro" panose="02040503050306020203" pitchFamily="18" charset="0"/>
+                </a:rPr>
+                <a:t>r′</a:t>
+              </a:r>
+              <a:endParaRPr kumimoji="1" lang="zh-TW" altLang="en-US" sz="1400" i="1" dirty="0">
+                <a:solidFill>
+                  <a:srgbClr val="C00000"/>
+                </a:solidFill>
+                <a:latin typeface="Minion Pro" panose="02040503050306020203" pitchFamily="18" charset="0"/>
+              </a:endParaRPr>
+            </a:p>
+          </p:txBody>
+        </p:sp>
+        <p:sp>
+          <p:nvSpPr>
+            <p:cNvPr id="118" name="文字方塊 117">
+              <a:extLst>
+                <a:ext uri="{FF2B5EF4-FFF2-40B4-BE49-F238E27FC236}">
+                  <a16:creationId xmlns:a16="http://schemas.microsoft.com/office/drawing/2014/main" id="{D30DADE6-B42E-39DF-B14F-609696199356}"/>
+                </a:ext>
+              </a:extLst>
+            </p:cNvPr>
+            <p:cNvSpPr txBox="1"/>
+            <p:nvPr/>
+          </p:nvSpPr>
+          <p:spPr>
+            <a:xfrm>
+              <a:off x="6653126" y="3068695"/>
+              <a:ext cx="521297" cy="261610"/>
+            </a:xfrm>
+            <a:prstGeom prst="rect">
+              <a:avLst/>
+            </a:prstGeom>
+            <a:noFill/>
+          </p:spPr>
+          <p:txBody>
+            <a:bodyPr wrap="none" rtlCol="0">
+              <a:spAutoFit/>
+            </a:bodyPr>
+            <a:lstStyle/>
+            <a:p>
+              <a:r>
+                <a:rPr kumimoji="1" lang="en-US" altLang="zh-TW" sz="1100" i="1" dirty="0" err="1">
                   <a:solidFill>
                     <a:srgbClr val="C00000"/>
                   </a:solidFill>
-                  <a:prstDash val="solid"/>
-                </a:ln>
-              </p:spPr>
-              <p:style>
-                <a:lnRef idx="1">
-                  <a:schemeClr val="accent1"/>
-                </a:lnRef>
-                <a:fillRef idx="0">
-                  <a:schemeClr val="accent1"/>
-                </a:fillRef>
-                <a:effectRef idx="0">
-                  <a:schemeClr val="accent1"/>
-                </a:effectRef>
-                <a:fontRef idx="minor">
-                  <a:schemeClr val="tx1"/>
-                </a:fontRef>
-              </p:style>
-            </p:cxnSp>
-            <p:cxnSp>
-              <p:nvCxnSpPr>
-                <p:cNvPr id="99" name="直線接點 98">
-                  <a:extLst>
-                    <a:ext uri="{FF2B5EF4-FFF2-40B4-BE49-F238E27FC236}">
-                      <a16:creationId xmlns:a16="http://schemas.microsoft.com/office/drawing/2014/main" id="{8A8BDD30-D762-0187-40DA-D09C50007F6E}"/>
-                    </a:ext>
-                  </a:extLst>
-                </p:cNvPr>
-                <p:cNvCxnSpPr>
-                  <a:cxnSpLocks/>
-                </p:cNvCxnSpPr>
-                <p:nvPr/>
-              </p:nvCxnSpPr>
-              <p:spPr>
-                <a:xfrm flipH="1">
-                  <a:off x="5616665" y="3233776"/>
-                  <a:ext cx="1073438" cy="525157"/>
-                </a:xfrm>
-                <a:prstGeom prst="line">
-                  <a:avLst/>
-                </a:prstGeom>
-                <a:ln w="12700">
+                  <a:latin typeface="Minion Pro" panose="02040503050306020203" pitchFamily="18" charset="0"/>
+                </a:rPr>
+                <a:t>h</a:t>
+              </a:r>
+              <a:r>
+                <a:rPr kumimoji="1" lang="en-US" altLang="zh-TW" sz="1100" dirty="0" err="1">
                   <a:solidFill>
                     <a:srgbClr val="C00000"/>
                   </a:solidFill>
-                  <a:prstDash val="solid"/>
-                </a:ln>
-              </p:spPr>
-              <p:style>
-                <a:lnRef idx="1">
-                  <a:schemeClr val="accent1"/>
-                </a:lnRef>
-                <a:fillRef idx="0">
-                  <a:schemeClr val="accent1"/>
-                </a:fillRef>
-                <a:effectRef idx="0">
-                  <a:schemeClr val="accent1"/>
-                </a:effectRef>
-                <a:fontRef idx="minor">
-                  <a:schemeClr val="tx1"/>
-                </a:fontRef>
-              </p:style>
-            </p:cxnSp>
-            <p:sp>
-              <p:nvSpPr>
-                <p:cNvPr id="116" name="文字方塊 115">
-                  <a:extLst>
-                    <a:ext uri="{FF2B5EF4-FFF2-40B4-BE49-F238E27FC236}">
-                      <a16:creationId xmlns:a16="http://schemas.microsoft.com/office/drawing/2014/main" id="{23354E05-A503-7B5B-F86E-1D4849587ECC}"/>
-                    </a:ext>
-                  </a:extLst>
-                </p:cNvPr>
-                <p:cNvSpPr txBox="1"/>
-                <p:nvPr/>
-              </p:nvSpPr>
-              <p:spPr>
-                <a:xfrm>
-                  <a:off x="5912685" y="2788350"/>
-                  <a:ext cx="266420" cy="261610"/>
-                </a:xfrm>
-                <a:prstGeom prst="rect">
-                  <a:avLst/>
-                </a:prstGeom>
-                <a:noFill/>
-              </p:spPr>
-              <p:txBody>
-                <a:bodyPr wrap="none" rtlCol="0">
-                  <a:spAutoFit/>
-                </a:bodyPr>
-                <a:lstStyle/>
-                <a:p>
-                  <a:r>
-                    <a:rPr kumimoji="1" lang="en-US" altLang="zh-TW" sz="1100" i="1" dirty="0">
-                      <a:solidFill>
-                        <a:srgbClr val="C00000"/>
-                      </a:solidFill>
-                      <a:latin typeface="Minion Pro" panose="02040503050306020203" pitchFamily="18" charset="0"/>
-                    </a:rPr>
-                    <a:t>r′</a:t>
-                  </a:r>
-                  <a:endParaRPr kumimoji="1" lang="zh-TW" altLang="en-US" sz="1400" i="1" dirty="0">
-                    <a:solidFill>
-                      <a:srgbClr val="C00000"/>
-                    </a:solidFill>
-                    <a:latin typeface="Minion Pro" panose="02040503050306020203" pitchFamily="18" charset="0"/>
-                  </a:endParaRPr>
-                </a:p>
-              </p:txBody>
-            </p:sp>
-            <p:sp>
-              <p:nvSpPr>
-                <p:cNvPr id="118" name="文字方塊 117">
-                  <a:extLst>
-                    <a:ext uri="{FF2B5EF4-FFF2-40B4-BE49-F238E27FC236}">
-                      <a16:creationId xmlns:a16="http://schemas.microsoft.com/office/drawing/2014/main" id="{D30DADE6-B42E-39DF-B14F-609696199356}"/>
-                    </a:ext>
-                  </a:extLst>
-                </p:cNvPr>
-                <p:cNvSpPr txBox="1"/>
-                <p:nvPr/>
-              </p:nvSpPr>
-              <p:spPr>
-                <a:xfrm>
-                  <a:off x="6698642" y="2662891"/>
-                  <a:ext cx="521297" cy="261610"/>
-                </a:xfrm>
-                <a:prstGeom prst="rect">
-                  <a:avLst/>
-                </a:prstGeom>
-                <a:noFill/>
-              </p:spPr>
-              <p:txBody>
-                <a:bodyPr wrap="none" rtlCol="0">
-                  <a:spAutoFit/>
-                </a:bodyPr>
-                <a:lstStyle/>
-                <a:p>
-                  <a:r>
-                    <a:rPr kumimoji="1" lang="en-US" altLang="zh-TW" sz="1100" i="1" dirty="0" err="1">
-                      <a:solidFill>
-                        <a:srgbClr val="C00000"/>
-                      </a:solidFill>
-                      <a:latin typeface="Minion Pro" panose="02040503050306020203" pitchFamily="18" charset="0"/>
-                    </a:rPr>
-                    <a:t>h</a:t>
-                  </a:r>
-                  <a:r>
-                    <a:rPr kumimoji="1" lang="en-US" altLang="zh-TW" sz="1100" dirty="0" err="1">
-                      <a:solidFill>
-                        <a:srgbClr val="C00000"/>
-                      </a:solidFill>
-                      <a:latin typeface="Minion Pro" panose="02040503050306020203" pitchFamily="18" charset="0"/>
-                    </a:rPr>
-                    <a:t>cos</a:t>
-                  </a:r>
-                  <a:r>
-                    <a:rPr kumimoji="1" lang="en-US" altLang="zh-TW" sz="1100" i="1" dirty="0" err="1">
-                      <a:solidFill>
-                        <a:srgbClr val="C00000"/>
-                      </a:solidFill>
-                      <a:latin typeface="Minion Pro" panose="02040503050306020203" pitchFamily="18" charset="0"/>
-                    </a:rPr>
-                    <a:t>ϕ</a:t>
-                  </a:r>
-                  <a:endParaRPr kumimoji="1" lang="zh-TW" altLang="en-US" sz="1400" i="1" dirty="0">
-                    <a:solidFill>
-                      <a:srgbClr val="C00000"/>
-                    </a:solidFill>
-                    <a:latin typeface="Minion Pro" panose="02040503050306020203" pitchFamily="18" charset="0"/>
-                  </a:endParaRPr>
-                </a:p>
-              </p:txBody>
-            </p:sp>
-            <p:cxnSp>
-              <p:nvCxnSpPr>
-                <p:cNvPr id="119" name="直線箭頭接點 118">
-                  <a:extLst>
-                    <a:ext uri="{FF2B5EF4-FFF2-40B4-BE49-F238E27FC236}">
-                      <a16:creationId xmlns:a16="http://schemas.microsoft.com/office/drawing/2014/main" id="{6FB24D57-8BF9-A91E-18C5-D0ECE8AC855B}"/>
-                    </a:ext>
-                  </a:extLst>
-                </p:cNvPr>
-                <p:cNvCxnSpPr>
-                  <a:cxnSpLocks/>
-                </p:cNvCxnSpPr>
-                <p:nvPr/>
-              </p:nvCxnSpPr>
-              <p:spPr>
-                <a:xfrm flipH="1">
-                  <a:off x="6048001" y="3689061"/>
-                  <a:ext cx="62567" cy="72815"/>
-                </a:xfrm>
-                <a:prstGeom prst="straightConnector1">
-                  <a:avLst/>
-                </a:prstGeom>
-                <a:ln w="9525">
-                  <a:solidFill>
-                    <a:schemeClr val="bg2">
-                      <a:lumMod val="75000"/>
-                    </a:schemeClr>
-                  </a:solidFill>
-                  <a:prstDash val="solid"/>
-                  <a:headEnd w="lg" len="lg"/>
-                  <a:tailEnd type="none" w="lg" len="lg"/>
-                </a:ln>
-              </p:spPr>
-              <p:style>
-                <a:lnRef idx="1">
-                  <a:schemeClr val="dk1"/>
-                </a:lnRef>
-                <a:fillRef idx="0">
-                  <a:schemeClr val="dk1"/>
-                </a:fillRef>
-                <a:effectRef idx="0">
-                  <a:schemeClr val="dk1"/>
-                </a:effectRef>
-                <a:fontRef idx="minor">
-                  <a:schemeClr val="tx1"/>
-                </a:fontRef>
-              </p:style>
-            </p:cxnSp>
-            <p:cxnSp>
-              <p:nvCxnSpPr>
-                <p:cNvPr id="120" name="直線箭頭接點 119">
-                  <a:extLst>
-                    <a:ext uri="{FF2B5EF4-FFF2-40B4-BE49-F238E27FC236}">
-                      <a16:creationId xmlns:a16="http://schemas.microsoft.com/office/drawing/2014/main" id="{59C32702-A08B-7C0F-C1FC-A613973F0F1C}"/>
-                    </a:ext>
-                  </a:extLst>
-                </p:cNvPr>
-                <p:cNvCxnSpPr>
-                  <a:cxnSpLocks/>
-                </p:cNvCxnSpPr>
-                <p:nvPr/>
-              </p:nvCxnSpPr>
-              <p:spPr>
-                <a:xfrm flipH="1">
-                  <a:off x="6107143" y="3692486"/>
-                  <a:ext cx="100789" cy="0"/>
-                </a:xfrm>
-                <a:prstGeom prst="straightConnector1">
-                  <a:avLst/>
-                </a:prstGeom>
-                <a:ln w="9525">
-                  <a:solidFill>
-                    <a:schemeClr val="bg2">
-                      <a:lumMod val="75000"/>
-                    </a:schemeClr>
-                  </a:solidFill>
-                  <a:prstDash val="solid"/>
-                  <a:headEnd w="lg" len="lg"/>
-                  <a:tailEnd type="none" w="lg" len="lg"/>
-                </a:ln>
-              </p:spPr>
-              <p:style>
-                <a:lnRef idx="1">
-                  <a:schemeClr val="dk1"/>
-                </a:lnRef>
-                <a:fillRef idx="0">
-                  <a:schemeClr val="dk1"/>
-                </a:fillRef>
-                <a:effectRef idx="0">
-                  <a:schemeClr val="dk1"/>
-                </a:effectRef>
-                <a:fontRef idx="minor">
-                  <a:schemeClr val="tx1"/>
-                </a:fontRef>
-              </p:style>
-            </p:cxnSp>
-            <p:pic>
-              <p:nvPicPr>
-                <p:cNvPr id="122" name="圖片 121">
-                  <a:extLst>
-                    <a:ext uri="{FF2B5EF4-FFF2-40B4-BE49-F238E27FC236}">
-                      <a16:creationId xmlns:a16="http://schemas.microsoft.com/office/drawing/2014/main" id="{3EC32D69-97C7-E175-D570-8999D3E83F8F}"/>
-                    </a:ext>
-                  </a:extLst>
-                </p:cNvPr>
-                <p:cNvPicPr>
-                  <a:picLocks noChangeAspect="1"/>
-                </p:cNvPicPr>
-                <p:nvPr/>
-              </p:nvPicPr>
-              <p:blipFill>
-                <a:blip r:embed="rId2"/>
-                <a:stretch>
-                  <a:fillRect/>
-                </a:stretch>
-              </p:blipFill>
-              <p:spPr>
-                <a:xfrm>
-                  <a:off x="6473084" y="3508783"/>
-                  <a:ext cx="876300" cy="139700"/>
-                </a:xfrm>
-                <a:prstGeom prst="rect">
-                  <a:avLst/>
-                </a:prstGeom>
-              </p:spPr>
-            </p:pic>
-            <p:pic>
-              <p:nvPicPr>
-                <p:cNvPr id="126" name="圖片 125">
-                  <a:extLst>
-                    <a:ext uri="{FF2B5EF4-FFF2-40B4-BE49-F238E27FC236}">
-                      <a16:creationId xmlns:a16="http://schemas.microsoft.com/office/drawing/2014/main" id="{030539DB-D83A-9E6A-6C88-0FDA30508CA2}"/>
-                    </a:ext>
-                  </a:extLst>
-                </p:cNvPr>
-                <p:cNvPicPr>
-                  <a:picLocks noChangeAspect="1"/>
-                </p:cNvPicPr>
-                <p:nvPr/>
-              </p:nvPicPr>
-              <p:blipFill>
-                <a:blip r:embed="rId3"/>
-                <a:stretch>
-                  <a:fillRect/>
-                </a:stretch>
-              </p:blipFill>
-              <p:spPr>
-                <a:xfrm>
-                  <a:off x="5720474" y="3826609"/>
-                  <a:ext cx="342900" cy="114300"/>
-                </a:xfrm>
-                <a:prstGeom prst="rect">
-                  <a:avLst/>
-                </a:prstGeom>
-              </p:spPr>
-            </p:pic>
-            <p:sp>
-              <p:nvSpPr>
-                <p:cNvPr id="128" name="文字方塊 127">
-                  <a:extLst>
-                    <a:ext uri="{FF2B5EF4-FFF2-40B4-BE49-F238E27FC236}">
-                      <a16:creationId xmlns:a16="http://schemas.microsoft.com/office/drawing/2014/main" id="{DD0E95D9-5ABF-AEC8-AC61-7F1E050C679A}"/>
-                    </a:ext>
-                  </a:extLst>
-                </p:cNvPr>
-                <p:cNvSpPr txBox="1"/>
-                <p:nvPr/>
-              </p:nvSpPr>
-              <p:spPr>
-                <a:xfrm>
-                  <a:off x="6109071" y="3210817"/>
-                  <a:ext cx="253596" cy="261610"/>
-                </a:xfrm>
-                <a:prstGeom prst="rect">
-                  <a:avLst/>
-                </a:prstGeom>
-                <a:noFill/>
-              </p:spPr>
-              <p:txBody>
-                <a:bodyPr wrap="none" rtlCol="0">
-                  <a:spAutoFit/>
-                </a:bodyPr>
-                <a:lstStyle/>
-                <a:p>
-                  <a:r>
-                    <a:rPr kumimoji="1" lang="en-US" altLang="zh-TW" sz="1100" i="1" dirty="0">
-                      <a:solidFill>
-                        <a:srgbClr val="C00000"/>
-                      </a:solidFill>
-                      <a:latin typeface="Minion Pro" panose="02040503050306020203" pitchFamily="18" charset="0"/>
-                    </a:rPr>
-                    <a:t>a</a:t>
-                  </a:r>
-                  <a:endParaRPr kumimoji="1" lang="zh-TW" altLang="en-US" sz="1400" i="1" dirty="0">
-                    <a:solidFill>
-                      <a:srgbClr val="C00000"/>
-                    </a:solidFill>
-                    <a:latin typeface="Minion Pro" panose="02040503050306020203" pitchFamily="18" charset="0"/>
-                  </a:endParaRPr>
-                </a:p>
-              </p:txBody>
-            </p:sp>
-            <p:cxnSp>
-              <p:nvCxnSpPr>
-                <p:cNvPr id="132" name="直線接點 131">
-                  <a:extLst>
-                    <a:ext uri="{FF2B5EF4-FFF2-40B4-BE49-F238E27FC236}">
-                      <a16:creationId xmlns:a16="http://schemas.microsoft.com/office/drawing/2014/main" id="{95EFDC5D-29C6-B8D4-971B-BF1025E6F8C9}"/>
-                    </a:ext>
-                  </a:extLst>
-                </p:cNvPr>
-                <p:cNvCxnSpPr>
-                  <a:cxnSpLocks/>
-                </p:cNvCxnSpPr>
-                <p:nvPr/>
-              </p:nvCxnSpPr>
-              <p:spPr>
-                <a:xfrm flipH="1">
-                  <a:off x="6598279" y="3142438"/>
-                  <a:ext cx="95599" cy="46770"/>
-                </a:xfrm>
-                <a:prstGeom prst="line">
-                  <a:avLst/>
-                </a:prstGeom>
-                <a:ln w="6350">
+                  <a:latin typeface="Minion Pro" panose="02040503050306020203" pitchFamily="18" charset="0"/>
+                </a:rPr>
+                <a:t>cos</a:t>
+              </a:r>
+              <a:r>
+                <a:rPr kumimoji="1" lang="en-US" altLang="zh-TW" sz="1100" i="1" dirty="0" err="1">
                   <a:solidFill>
                     <a:srgbClr val="C00000"/>
                   </a:solidFill>
-                  <a:prstDash val="solid"/>
-                </a:ln>
-              </p:spPr>
-              <p:style>
-                <a:lnRef idx="1">
-                  <a:schemeClr val="accent1"/>
-                </a:lnRef>
-                <a:fillRef idx="0">
-                  <a:schemeClr val="accent1"/>
-                </a:fillRef>
-                <a:effectRef idx="0">
-                  <a:schemeClr val="accent1"/>
-                </a:effectRef>
-                <a:fontRef idx="minor">
-                  <a:schemeClr val="tx1"/>
-                </a:fontRef>
-              </p:style>
-            </p:cxnSp>
-            <p:cxnSp>
-              <p:nvCxnSpPr>
-                <p:cNvPr id="137" name="直線接點 136">
-                  <a:extLst>
-                    <a:ext uri="{FF2B5EF4-FFF2-40B4-BE49-F238E27FC236}">
-                      <a16:creationId xmlns:a16="http://schemas.microsoft.com/office/drawing/2014/main" id="{E947950F-F33C-B9BA-273E-97F2ECB204C4}"/>
-                    </a:ext>
-                  </a:extLst>
-                </p:cNvPr>
-                <p:cNvCxnSpPr>
-                  <a:cxnSpLocks/>
-                </p:cNvCxnSpPr>
-                <p:nvPr/>
-              </p:nvCxnSpPr>
-              <p:spPr>
-                <a:xfrm>
-                  <a:off x="6599226" y="3187687"/>
-                  <a:ext cx="0" cy="87664"/>
-                </a:xfrm>
-                <a:prstGeom prst="line">
-                  <a:avLst/>
-                </a:prstGeom>
-                <a:ln w="6350">
+                  <a:latin typeface="Minion Pro" panose="02040503050306020203" pitchFamily="18" charset="0"/>
+                </a:rPr>
+                <a:t>ϕ</a:t>
+              </a:r>
+              <a:endParaRPr kumimoji="1" lang="zh-TW" altLang="en-US" sz="1400" i="1" dirty="0">
+                <a:solidFill>
+                  <a:srgbClr val="C00000"/>
+                </a:solidFill>
+                <a:latin typeface="Minion Pro" panose="02040503050306020203" pitchFamily="18" charset="0"/>
+              </a:endParaRPr>
+            </a:p>
+          </p:txBody>
+        </p:sp>
+        <p:cxnSp>
+          <p:nvCxnSpPr>
+            <p:cNvPr id="119" name="直線箭頭接點 118">
+              <a:extLst>
+                <a:ext uri="{FF2B5EF4-FFF2-40B4-BE49-F238E27FC236}">
+                  <a16:creationId xmlns:a16="http://schemas.microsoft.com/office/drawing/2014/main" id="{6FB24D57-8BF9-A91E-18C5-D0ECE8AC855B}"/>
+                </a:ext>
+              </a:extLst>
+            </p:cNvPr>
+            <p:cNvCxnSpPr>
+              <a:cxnSpLocks/>
+            </p:cNvCxnSpPr>
+            <p:nvPr/>
+          </p:nvCxnSpPr>
+          <p:spPr>
+            <a:xfrm flipH="1">
+              <a:off x="6483196" y="3915709"/>
+              <a:ext cx="62567" cy="72815"/>
+            </a:xfrm>
+            <a:prstGeom prst="straightConnector1">
+              <a:avLst/>
+            </a:prstGeom>
+            <a:ln w="9525">
+              <a:solidFill>
+                <a:schemeClr val="bg2">
+                  <a:lumMod val="75000"/>
+                </a:schemeClr>
+              </a:solidFill>
+              <a:prstDash val="solid"/>
+              <a:headEnd w="lg" len="lg"/>
+              <a:tailEnd type="none" w="lg" len="lg"/>
+            </a:ln>
+          </p:spPr>
+          <p:style>
+            <a:lnRef idx="1">
+              <a:schemeClr val="dk1"/>
+            </a:lnRef>
+            <a:fillRef idx="0">
+              <a:schemeClr val="dk1"/>
+            </a:fillRef>
+            <a:effectRef idx="0">
+              <a:schemeClr val="dk1"/>
+            </a:effectRef>
+            <a:fontRef idx="minor">
+              <a:schemeClr val="tx1"/>
+            </a:fontRef>
+          </p:style>
+        </p:cxnSp>
+        <p:cxnSp>
+          <p:nvCxnSpPr>
+            <p:cNvPr id="120" name="直線箭頭接點 119">
+              <a:extLst>
+                <a:ext uri="{FF2B5EF4-FFF2-40B4-BE49-F238E27FC236}">
+                  <a16:creationId xmlns:a16="http://schemas.microsoft.com/office/drawing/2014/main" id="{59C32702-A08B-7C0F-C1FC-A613973F0F1C}"/>
+                </a:ext>
+              </a:extLst>
+            </p:cNvPr>
+            <p:cNvCxnSpPr>
+              <a:cxnSpLocks/>
+            </p:cNvCxnSpPr>
+            <p:nvPr/>
+          </p:nvCxnSpPr>
+          <p:spPr>
+            <a:xfrm flipH="1">
+              <a:off x="6542338" y="3919134"/>
+              <a:ext cx="100789" cy="0"/>
+            </a:xfrm>
+            <a:prstGeom prst="straightConnector1">
+              <a:avLst/>
+            </a:prstGeom>
+            <a:ln w="9525">
+              <a:solidFill>
+                <a:schemeClr val="bg2">
+                  <a:lumMod val="75000"/>
+                </a:schemeClr>
+              </a:solidFill>
+              <a:prstDash val="solid"/>
+              <a:headEnd w="lg" len="lg"/>
+              <a:tailEnd type="none" w="lg" len="lg"/>
+            </a:ln>
+          </p:spPr>
+          <p:style>
+            <a:lnRef idx="1">
+              <a:schemeClr val="dk1"/>
+            </a:lnRef>
+            <a:fillRef idx="0">
+              <a:schemeClr val="dk1"/>
+            </a:fillRef>
+            <a:effectRef idx="0">
+              <a:schemeClr val="dk1"/>
+            </a:effectRef>
+            <a:fontRef idx="minor">
+              <a:schemeClr val="tx1"/>
+            </a:fontRef>
+          </p:style>
+        </p:cxnSp>
+        <p:pic>
+          <p:nvPicPr>
+            <p:cNvPr id="122" name="圖片 121">
+              <a:extLst>
+                <a:ext uri="{FF2B5EF4-FFF2-40B4-BE49-F238E27FC236}">
+                  <a16:creationId xmlns:a16="http://schemas.microsoft.com/office/drawing/2014/main" id="{3EC32D69-97C7-E175-D570-8999D3E83F8F}"/>
+                </a:ext>
+              </a:extLst>
+            </p:cNvPr>
+            <p:cNvPicPr>
+              <a:picLocks noChangeAspect="1"/>
+            </p:cNvPicPr>
+            <p:nvPr/>
+          </p:nvPicPr>
+          <p:blipFill>
+            <a:blip r:embed="rId2"/>
+            <a:stretch>
+              <a:fillRect/>
+            </a:stretch>
+          </p:blipFill>
+          <p:spPr>
+            <a:xfrm>
+              <a:off x="6908279" y="3735431"/>
+              <a:ext cx="876300" cy="139700"/>
+            </a:xfrm>
+            <a:prstGeom prst="rect">
+              <a:avLst/>
+            </a:prstGeom>
+          </p:spPr>
+        </p:pic>
+        <p:pic>
+          <p:nvPicPr>
+            <p:cNvPr id="126" name="圖片 125">
+              <a:extLst>
+                <a:ext uri="{FF2B5EF4-FFF2-40B4-BE49-F238E27FC236}">
+                  <a16:creationId xmlns:a16="http://schemas.microsoft.com/office/drawing/2014/main" id="{030539DB-D83A-9E6A-6C88-0FDA30508CA2}"/>
+                </a:ext>
+              </a:extLst>
+            </p:cNvPr>
+            <p:cNvPicPr>
+              <a:picLocks noChangeAspect="1"/>
+            </p:cNvPicPr>
+            <p:nvPr/>
+          </p:nvPicPr>
+          <p:blipFill>
+            <a:blip r:embed="rId3"/>
+            <a:stretch>
+              <a:fillRect/>
+            </a:stretch>
+          </p:blipFill>
+          <p:spPr>
+            <a:xfrm>
+              <a:off x="6140429" y="4053257"/>
+              <a:ext cx="342900" cy="114300"/>
+            </a:xfrm>
+            <a:prstGeom prst="rect">
+              <a:avLst/>
+            </a:prstGeom>
+          </p:spPr>
+        </p:pic>
+        <p:sp>
+          <p:nvSpPr>
+            <p:cNvPr id="128" name="文字方塊 127">
+              <a:extLst>
+                <a:ext uri="{FF2B5EF4-FFF2-40B4-BE49-F238E27FC236}">
+                  <a16:creationId xmlns:a16="http://schemas.microsoft.com/office/drawing/2014/main" id="{DD0E95D9-5ABF-AEC8-AC61-7F1E050C679A}"/>
+                </a:ext>
+              </a:extLst>
+            </p:cNvPr>
+            <p:cNvSpPr txBox="1"/>
+            <p:nvPr/>
+          </p:nvSpPr>
+          <p:spPr>
+            <a:xfrm>
+              <a:off x="6544266" y="3437465"/>
+              <a:ext cx="253596" cy="261610"/>
+            </a:xfrm>
+            <a:prstGeom prst="rect">
+              <a:avLst/>
+            </a:prstGeom>
+            <a:noFill/>
+          </p:spPr>
+          <p:txBody>
+            <a:bodyPr wrap="none" rtlCol="0">
+              <a:spAutoFit/>
+            </a:bodyPr>
+            <a:lstStyle/>
+            <a:p>
+              <a:r>
+                <a:rPr kumimoji="1" lang="en-US" altLang="zh-TW" sz="1100" i="1" dirty="0">
                   <a:solidFill>
                     <a:srgbClr val="C00000"/>
                   </a:solidFill>
-                  <a:prstDash val="solid"/>
-                </a:ln>
-              </p:spPr>
-              <p:style>
-                <a:lnRef idx="1">
-                  <a:schemeClr val="accent1"/>
-                </a:lnRef>
-                <a:fillRef idx="0">
-                  <a:schemeClr val="accent1"/>
-                </a:fillRef>
-                <a:effectRef idx="0">
-                  <a:schemeClr val="accent1"/>
-                </a:effectRef>
-                <a:fontRef idx="minor">
-                  <a:schemeClr val="tx1"/>
-                </a:fontRef>
-              </p:style>
-            </p:cxnSp>
-          </p:grpSp>
-          <p:sp>
-            <p:nvSpPr>
-              <p:cNvPr id="194" name="文字方塊 193">
-                <a:extLst>
-                  <a:ext uri="{FF2B5EF4-FFF2-40B4-BE49-F238E27FC236}">
-                    <a16:creationId xmlns:a16="http://schemas.microsoft.com/office/drawing/2014/main" id="{2651C8A9-E0A5-02B2-5195-D30B45DF1D35}"/>
-                  </a:ext>
-                </a:extLst>
-              </p:cNvPr>
-              <p:cNvSpPr txBox="1"/>
-              <p:nvPr/>
-            </p:nvSpPr>
-            <p:spPr>
-              <a:xfrm>
-                <a:off x="6035342" y="2762410"/>
-                <a:ext cx="300082" cy="307777"/>
-              </a:xfrm>
-              <a:prstGeom prst="rect">
-                <a:avLst/>
-              </a:prstGeom>
-              <a:noFill/>
-            </p:spPr>
-            <p:txBody>
-              <a:bodyPr wrap="none" rtlCol="0">
-                <a:spAutoFit/>
-              </a:bodyPr>
-              <a:lstStyle/>
-              <a:p>
-                <a:r>
-                  <a:rPr kumimoji="1" lang="en-US" altLang="zh-TW" sz="1400" dirty="0">
-                    <a:solidFill>
-                      <a:schemeClr val="tx1">
-                        <a:lumMod val="85000"/>
-                        <a:lumOff val="15000"/>
-                      </a:schemeClr>
-                    </a:solidFill>
-                    <a:latin typeface="Myriad Pro" panose="020B0503030403020204" pitchFamily="34" charset="0"/>
-                  </a:rPr>
-                  <a:t>G</a:t>
-                </a:r>
-                <a:endParaRPr kumimoji="1" lang="zh-TW" altLang="en-US" dirty="0">
+                  <a:latin typeface="Minion Pro" panose="02040503050306020203" pitchFamily="18" charset="0"/>
+                </a:rPr>
+                <a:t>a</a:t>
+              </a:r>
+              <a:endParaRPr kumimoji="1" lang="zh-TW" altLang="en-US" sz="1400" i="1" dirty="0">
+                <a:solidFill>
+                  <a:srgbClr val="C00000"/>
+                </a:solidFill>
+                <a:latin typeface="Minion Pro" panose="02040503050306020203" pitchFamily="18" charset="0"/>
+              </a:endParaRPr>
+            </a:p>
+          </p:txBody>
+        </p:sp>
+        <p:cxnSp>
+          <p:nvCxnSpPr>
+            <p:cNvPr id="132" name="直線接點 131">
+              <a:extLst>
+                <a:ext uri="{FF2B5EF4-FFF2-40B4-BE49-F238E27FC236}">
+                  <a16:creationId xmlns:a16="http://schemas.microsoft.com/office/drawing/2014/main" id="{95EFDC5D-29C6-B8D4-971B-BF1025E6F8C9}"/>
+                </a:ext>
+              </a:extLst>
+            </p:cNvPr>
+            <p:cNvCxnSpPr>
+              <a:cxnSpLocks/>
+            </p:cNvCxnSpPr>
+            <p:nvPr/>
+          </p:nvCxnSpPr>
+          <p:spPr>
+            <a:xfrm flipH="1">
+              <a:off x="7033474" y="3369086"/>
+              <a:ext cx="95599" cy="46770"/>
+            </a:xfrm>
+            <a:prstGeom prst="line">
+              <a:avLst/>
+            </a:prstGeom>
+            <a:ln w="6350">
+              <a:solidFill>
+                <a:srgbClr val="C00000"/>
+              </a:solidFill>
+              <a:prstDash val="solid"/>
+            </a:ln>
+          </p:spPr>
+          <p:style>
+            <a:lnRef idx="1">
+              <a:schemeClr val="accent1"/>
+            </a:lnRef>
+            <a:fillRef idx="0">
+              <a:schemeClr val="accent1"/>
+            </a:fillRef>
+            <a:effectRef idx="0">
+              <a:schemeClr val="accent1"/>
+            </a:effectRef>
+            <a:fontRef idx="minor">
+              <a:schemeClr val="tx1"/>
+            </a:fontRef>
+          </p:style>
+        </p:cxnSp>
+        <p:cxnSp>
+          <p:nvCxnSpPr>
+            <p:cNvPr id="137" name="直線接點 136">
+              <a:extLst>
+                <a:ext uri="{FF2B5EF4-FFF2-40B4-BE49-F238E27FC236}">
+                  <a16:creationId xmlns:a16="http://schemas.microsoft.com/office/drawing/2014/main" id="{E947950F-F33C-B9BA-273E-97F2ECB204C4}"/>
+                </a:ext>
+              </a:extLst>
+            </p:cNvPr>
+            <p:cNvCxnSpPr>
+              <a:cxnSpLocks/>
+            </p:cNvCxnSpPr>
+            <p:nvPr/>
+          </p:nvCxnSpPr>
+          <p:spPr>
+            <a:xfrm>
+              <a:off x="7034421" y="3414335"/>
+              <a:ext cx="0" cy="87664"/>
+            </a:xfrm>
+            <a:prstGeom prst="line">
+              <a:avLst/>
+            </a:prstGeom>
+            <a:ln w="6350">
+              <a:solidFill>
+                <a:srgbClr val="C00000"/>
+              </a:solidFill>
+              <a:prstDash val="solid"/>
+            </a:ln>
+          </p:spPr>
+          <p:style>
+            <a:lnRef idx="1">
+              <a:schemeClr val="accent1"/>
+            </a:lnRef>
+            <a:fillRef idx="0">
+              <a:schemeClr val="accent1"/>
+            </a:fillRef>
+            <a:effectRef idx="0">
+              <a:schemeClr val="accent1"/>
+            </a:effectRef>
+            <a:fontRef idx="minor">
+              <a:schemeClr val="tx1"/>
+            </a:fontRef>
+          </p:style>
+        </p:cxnSp>
+        <p:sp>
+          <p:nvSpPr>
+            <p:cNvPr id="194" name="文字方塊 193">
+              <a:extLst>
+                <a:ext uri="{FF2B5EF4-FFF2-40B4-BE49-F238E27FC236}">
+                  <a16:creationId xmlns:a16="http://schemas.microsoft.com/office/drawing/2014/main" id="{2651C8A9-E0A5-02B2-5195-D30B45DF1D35}"/>
+                </a:ext>
+              </a:extLst>
+            </p:cNvPr>
+            <p:cNvSpPr txBox="1"/>
+            <p:nvPr/>
+          </p:nvSpPr>
+          <p:spPr>
+            <a:xfrm>
+              <a:off x="5749891" y="3868649"/>
+              <a:ext cx="300082" cy="307777"/>
+            </a:xfrm>
+            <a:prstGeom prst="rect">
+              <a:avLst/>
+            </a:prstGeom>
+            <a:noFill/>
+          </p:spPr>
+          <p:txBody>
+            <a:bodyPr wrap="none" rtlCol="0">
+              <a:spAutoFit/>
+            </a:bodyPr>
+            <a:lstStyle/>
+            <a:p>
+              <a:r>
+                <a:rPr kumimoji="1" lang="en-US" altLang="zh-TW" sz="1400" dirty="0">
                   <a:solidFill>
                     <a:schemeClr val="tx1">
                       <a:lumMod val="85000"/>
@@ -9678,11 +9627,21 @@
                     </a:schemeClr>
                   </a:solidFill>
                   <a:latin typeface="Myriad Pro" panose="020B0503030403020204" pitchFamily="34" charset="0"/>
-                </a:endParaRPr>
-              </a:p>
-            </p:txBody>
-          </p:sp>
-        </p:grpSp>
+                </a:rPr>
+                <a:t>G</a:t>
+              </a:r>
+              <a:endParaRPr kumimoji="1" lang="zh-TW" altLang="en-US" dirty="0">
+                <a:solidFill>
+                  <a:schemeClr val="tx1">
+                    <a:lumMod val="85000"/>
+                    <a:lumOff val="15000"/>
+                  </a:schemeClr>
+                </a:solidFill>
+                <a:latin typeface="Myriad Pro" panose="020B0503030403020204" pitchFamily="34" charset="0"/>
+              </a:endParaRPr>
+            </a:p>
+          </p:txBody>
+        </p:sp>
         <p:grpSp>
           <p:nvGrpSpPr>
             <p:cNvPr id="30" name="群組 29">
@@ -9697,7 +9656,7 @@
           </p:nvGrpSpPr>
           <p:grpSpPr>
             <a:xfrm>
-              <a:off x="7729134" y="2053104"/>
+              <a:off x="7886979" y="2677818"/>
               <a:ext cx="1842495" cy="1432554"/>
               <a:chOff x="5945196" y="3383542"/>
               <a:chExt cx="1842495" cy="1432554"/>
@@ -10199,10 +10158,10 @@
           </p:nvGrpSpPr>
           <p:grpSpPr>
             <a:xfrm>
-              <a:off x="669313" y="242405"/>
-              <a:ext cx="5003646" cy="4050172"/>
-              <a:chOff x="324925" y="267688"/>
-              <a:chExt cx="5003646" cy="4050172"/>
+              <a:off x="902720" y="595813"/>
+              <a:ext cx="4482631" cy="3357946"/>
+              <a:chOff x="558332" y="621096"/>
+              <a:chExt cx="4482631" cy="3357946"/>
             </a:xfrm>
           </p:grpSpPr>
           <p:cxnSp>
@@ -10622,36 +10581,6 @@
               </a:p>
             </p:txBody>
           </p:sp>
-          <p:pic>
-            <p:nvPicPr>
-              <p:cNvPr id="26" name="圖片 25">
-                <a:extLst>
-                  <a:ext uri="{FF2B5EF4-FFF2-40B4-BE49-F238E27FC236}">
-                    <a16:creationId xmlns:a16="http://schemas.microsoft.com/office/drawing/2014/main" id="{FF9127CF-837E-7111-D9C6-BF90A7C7EAB3}"/>
-                  </a:ext>
-                </a:extLst>
-              </p:cNvPr>
-              <p:cNvPicPr>
-                <a:picLocks noChangeAspect="1"/>
-              </p:cNvPicPr>
-              <p:nvPr/>
-            </p:nvPicPr>
-            <p:blipFill>
-              <a:blip r:embed="rId7"/>
-              <a:stretch>
-                <a:fillRect/>
-              </a:stretch>
-            </p:blipFill>
-            <p:spPr>
-              <a:xfrm>
-                <a:off x="2655836" y="1889754"/>
-                <a:ext cx="101600" cy="177800"/>
-              </a:xfrm>
-              <a:prstGeom prst="rect">
-                <a:avLst/>
-              </a:prstGeom>
-            </p:spPr>
-          </p:pic>
           <p:sp>
             <p:nvSpPr>
               <p:cNvPr id="28" name="文字方塊 27">
@@ -11197,162 +11126,6 @@
           </p:sp>
           <p:sp>
             <p:nvSpPr>
-              <p:cNvPr id="62" name="文字方塊 61">
-                <a:extLst>
-                  <a:ext uri="{FF2B5EF4-FFF2-40B4-BE49-F238E27FC236}">
-                    <a16:creationId xmlns:a16="http://schemas.microsoft.com/office/drawing/2014/main" id="{563CD6B6-7FA6-E135-1FB5-757ED657BAAC}"/>
-                  </a:ext>
-                </a:extLst>
-              </p:cNvPr>
-              <p:cNvSpPr txBox="1"/>
-              <p:nvPr/>
-            </p:nvSpPr>
-            <p:spPr>
-              <a:xfrm>
-                <a:off x="324925" y="4010083"/>
-                <a:ext cx="264816" cy="307777"/>
-              </a:xfrm>
-              <a:prstGeom prst="rect">
-                <a:avLst/>
-              </a:prstGeom>
-              <a:noFill/>
-            </p:spPr>
-            <p:txBody>
-              <a:bodyPr wrap="none" rtlCol="0">
-                <a:spAutoFit/>
-              </a:bodyPr>
-              <a:lstStyle/>
-              <a:p>
-                <a:r>
-                  <a:rPr kumimoji="1" lang="en-US" altLang="zh-TW" sz="1400" i="1" dirty="0">
-                    <a:solidFill>
-                      <a:schemeClr val="tx1">
-                        <a:lumMod val="85000"/>
-                        <a:lumOff val="15000"/>
-                      </a:schemeClr>
-                    </a:solidFill>
-                    <a:latin typeface="Minion Pro" panose="02040503050306020203" pitchFamily="18" charset="0"/>
-                  </a:rPr>
-                  <a:t>y</a:t>
-                </a:r>
-                <a:endParaRPr kumimoji="1" lang="zh-TW" altLang="en-US" i="1" dirty="0">
-                  <a:solidFill>
-                    <a:schemeClr val="tx1">
-                      <a:lumMod val="85000"/>
-                      <a:lumOff val="15000"/>
-                    </a:schemeClr>
-                  </a:solidFill>
-                  <a:latin typeface="Minion Pro" panose="02040503050306020203" pitchFamily="18" charset="0"/>
-                </a:endParaRPr>
-              </a:p>
-            </p:txBody>
-          </p:sp>
-          <p:sp>
-            <p:nvSpPr>
-              <p:cNvPr id="63" name="文字方塊 62">
-                <a:extLst>
-                  <a:ext uri="{FF2B5EF4-FFF2-40B4-BE49-F238E27FC236}">
-                    <a16:creationId xmlns:a16="http://schemas.microsoft.com/office/drawing/2014/main" id="{2A2074E9-4052-C5DE-ED5E-61AF5E921FDD}"/>
-                  </a:ext>
-                </a:extLst>
-              </p:cNvPr>
-              <p:cNvSpPr txBox="1"/>
-              <p:nvPr/>
-            </p:nvSpPr>
-            <p:spPr>
-              <a:xfrm>
-                <a:off x="5058945" y="2583943"/>
-                <a:ext cx="269626" cy="307777"/>
-              </a:xfrm>
-              <a:prstGeom prst="rect">
-                <a:avLst/>
-              </a:prstGeom>
-              <a:noFill/>
-            </p:spPr>
-            <p:txBody>
-              <a:bodyPr wrap="none" rtlCol="0">
-                <a:spAutoFit/>
-              </a:bodyPr>
-              <a:lstStyle/>
-              <a:p>
-                <a:r>
-                  <a:rPr kumimoji="1" lang="en-US" altLang="zh-TW" sz="1400" i="1" dirty="0">
-                    <a:solidFill>
-                      <a:schemeClr val="tx1">
-                        <a:lumMod val="85000"/>
-                        <a:lumOff val="15000"/>
-                      </a:schemeClr>
-                    </a:solidFill>
-                    <a:latin typeface="Minion Pro" panose="02040503050306020203" pitchFamily="18" charset="0"/>
-                  </a:rPr>
-                  <a:t>x</a:t>
-                </a:r>
-                <a:endParaRPr kumimoji="1" lang="zh-TW" altLang="en-US" i="1" dirty="0">
-                  <a:solidFill>
-                    <a:schemeClr val="tx1">
-                      <a:lumMod val="85000"/>
-                      <a:lumOff val="15000"/>
-                    </a:schemeClr>
-                  </a:solidFill>
-                  <a:latin typeface="Minion Pro" panose="02040503050306020203" pitchFamily="18" charset="0"/>
-                </a:endParaRPr>
-              </a:p>
-            </p:txBody>
-          </p:sp>
-          <p:sp>
-            <p:nvSpPr>
-              <p:cNvPr id="64" name="文字方塊 63">
-                <a:extLst>
-                  <a:ext uri="{FF2B5EF4-FFF2-40B4-BE49-F238E27FC236}">
-                    <a16:creationId xmlns:a16="http://schemas.microsoft.com/office/drawing/2014/main" id="{BF232E2A-E31F-1D70-6652-8AE0DCB0D82C}"/>
-                  </a:ext>
-                </a:extLst>
-              </p:cNvPr>
-              <p:cNvSpPr txBox="1"/>
-              <p:nvPr/>
-            </p:nvSpPr>
-            <p:spPr>
-              <a:xfrm>
-                <a:off x="1476317" y="267688"/>
-                <a:ext cx="260008" cy="307777"/>
-              </a:xfrm>
-              <a:prstGeom prst="rect">
-                <a:avLst/>
-              </a:prstGeom>
-              <a:noFill/>
-            </p:spPr>
-            <p:txBody>
-              <a:bodyPr wrap="none" rtlCol="0">
-                <a:spAutoFit/>
-              </a:bodyPr>
-              <a:lstStyle/>
-              <a:p>
-                <a:r>
-                  <a:rPr kumimoji="1" lang="en-US" altLang="zh-TW" sz="1400" i="1" dirty="0">
-                    <a:solidFill>
-                      <a:schemeClr val="tx1">
-                        <a:lumMod val="85000"/>
-                        <a:lumOff val="15000"/>
-                      </a:schemeClr>
-                    </a:solidFill>
-                    <a:latin typeface="Minion Pro" panose="02040503050306020203" pitchFamily="18" charset="0"/>
-                  </a:rPr>
-                  <a:t>z</a:t>
-                </a:r>
-                <a:endParaRPr kumimoji="1" lang="zh-TW" altLang="en-US" i="1" dirty="0">
-                  <a:solidFill>
-                    <a:schemeClr val="tx1">
-                      <a:lumMod val="85000"/>
-                      <a:lumOff val="15000"/>
-                    </a:schemeClr>
-                  </a:solidFill>
-                  <a:latin typeface="Minion Pro" panose="02040503050306020203" pitchFamily="18" charset="0"/>
-                </a:endParaRPr>
-              </a:p>
-            </p:txBody>
-          </p:sp>
-          <p:sp>
-            <p:nvSpPr>
               <p:cNvPr id="104" name="弧線 103">
                 <a:extLst>
                   <a:ext uri="{FF2B5EF4-FFF2-40B4-BE49-F238E27FC236}">
@@ -11422,7 +11195,7 @@
               <p:nvPr/>
             </p:nvPicPr>
             <p:blipFill>
-              <a:blip r:embed="rId8"/>
+              <a:blip r:embed="rId7"/>
               <a:stretch>
                 <a:fillRect/>
               </a:stretch>
@@ -11759,7 +11532,7 @@
               <p:nvPr/>
             </p:nvPicPr>
             <p:blipFill>
-              <a:blip r:embed="rId9"/>
+              <a:blip r:embed="rId8"/>
               <a:stretch>
                 <a:fillRect/>
               </a:stretch>
@@ -12368,10 +12141,7 @@
                 <a:r>
                   <a:rPr kumimoji="1" lang="en-US" altLang="zh-TW" sz="1400" dirty="0">
                     <a:solidFill>
-                      <a:schemeClr val="tx1">
-                        <a:lumMod val="85000"/>
-                        <a:lumOff val="15000"/>
-                      </a:schemeClr>
+                      <a:srgbClr val="2F528F"/>
                     </a:solidFill>
                     <a:latin typeface="Myriad Pro" panose="020B0503030403020204" pitchFamily="34" charset="0"/>
                   </a:rPr>
@@ -12379,10 +12149,7 @@
                 </a:r>
                 <a:endParaRPr kumimoji="1" lang="zh-TW" altLang="en-US" sz="1400" dirty="0">
                   <a:solidFill>
-                    <a:schemeClr val="tx1">
-                      <a:lumMod val="85000"/>
-                      <a:lumOff val="15000"/>
-                    </a:schemeClr>
+                    <a:srgbClr val="2F528F"/>
                   </a:solidFill>
                   <a:latin typeface="Myriad Pro" panose="020B0503030403020204" pitchFamily="34" charset="0"/>
                 </a:endParaRPr>
@@ -12535,8 +12302,8 @@
             </p:nvSpPr>
             <p:spPr>
               <a:xfrm>
-                <a:off x="7551471" y="826995"/>
-                <a:ext cx="292068" cy="307777"/>
+                <a:off x="7484853" y="643887"/>
+                <a:ext cx="362600" cy="461665"/>
               </a:xfrm>
               <a:prstGeom prst="rect">
                 <a:avLst/>
@@ -12550,12 +12317,12 @@
               <a:lstStyle/>
               <a:p>
                 <a:r>
-                  <a:rPr kumimoji="1" lang="en-US" altLang="zh-TW" sz="1400" dirty="0">
+                  <a:rPr kumimoji="1" lang="en-US" altLang="zh-TW" sz="2400" dirty="0">
                     <a:latin typeface="Minion Pro" panose="02040503050306020203" pitchFamily="18" charset="0"/>
                   </a:rPr>
                   <a:t>=</a:t>
                 </a:r>
-                <a:endParaRPr kumimoji="1" lang="zh-TW" altLang="en-US" dirty="0">
+                <a:endParaRPr kumimoji="1" lang="zh-TW" altLang="en-US" sz="3200" dirty="0">
                   <a:latin typeface="Minion Pro" panose="02040503050306020203" pitchFamily="18" charset="0"/>
                 </a:endParaRPr>
               </a:p>
@@ -13522,59 +13289,758 @@
             </a:p>
           </p:txBody>
         </p:sp>
+        <p:sp>
+          <p:nvSpPr>
+            <p:cNvPr id="33" name="弧線 32">
+              <a:extLst>
+                <a:ext uri="{FF2B5EF4-FFF2-40B4-BE49-F238E27FC236}">
+                  <a16:creationId xmlns:a16="http://schemas.microsoft.com/office/drawing/2014/main" id="{3A188C7E-7E5A-F582-A9DC-7AB04FA9A8BA}"/>
+                </a:ext>
+              </a:extLst>
+            </p:cNvPr>
+            <p:cNvSpPr/>
+            <p:nvPr/>
+          </p:nvSpPr>
+          <p:spPr>
+            <a:xfrm rot="6489320">
+              <a:off x="8526318" y="2797617"/>
+              <a:ext cx="235231" cy="244975"/>
+            </a:xfrm>
+            <a:prstGeom prst="arc">
+              <a:avLst/>
+            </a:prstGeom>
+            <a:ln w="12700">
+              <a:solidFill>
+                <a:schemeClr val="tx1">
+                  <a:lumMod val="85000"/>
+                  <a:lumOff val="15000"/>
+                </a:schemeClr>
+              </a:solidFill>
+            </a:ln>
+          </p:spPr>
+          <p:style>
+            <a:lnRef idx="1">
+              <a:schemeClr val="accent1"/>
+            </a:lnRef>
+            <a:fillRef idx="0">
+              <a:schemeClr val="accent1"/>
+            </a:fillRef>
+            <a:effectRef idx="0">
+              <a:schemeClr val="accent1"/>
+            </a:effectRef>
+            <a:fontRef idx="minor">
+              <a:schemeClr val="tx1"/>
+            </a:fontRef>
+          </p:style>
+          <p:txBody>
+            <a:bodyPr rtlCol="0" anchor="ctr"/>
+            <a:lstStyle/>
+            <a:p>
+              <a:pPr algn="ctr"/>
+              <a:endParaRPr kumimoji="1" lang="zh-TW" altLang="en-US"/>
+            </a:p>
+          </p:txBody>
+        </p:sp>
+        <p:sp>
+          <p:nvSpPr>
+            <p:cNvPr id="6" name="文字方塊 5">
+              <a:extLst>
+                <a:ext uri="{FF2B5EF4-FFF2-40B4-BE49-F238E27FC236}">
+                  <a16:creationId xmlns:a16="http://schemas.microsoft.com/office/drawing/2014/main" id="{E606755A-A3EA-ED3E-B9FC-4B4EEE9DF3FC}"/>
+                </a:ext>
+              </a:extLst>
+            </p:cNvPr>
+            <p:cNvSpPr txBox="1"/>
+            <p:nvPr/>
+          </p:nvSpPr>
+          <p:spPr>
+            <a:xfrm>
+              <a:off x="2858512" y="1462625"/>
+              <a:ext cx="316112" cy="307777"/>
+            </a:xfrm>
+            <a:prstGeom prst="rect">
+              <a:avLst/>
+            </a:prstGeom>
+            <a:noFill/>
+          </p:spPr>
+          <p:txBody>
+            <a:bodyPr wrap="none" rtlCol="0">
+              <a:spAutoFit/>
+            </a:bodyPr>
+            <a:lstStyle/>
+            <a:p>
+              <a:r>
+                <a:rPr kumimoji="1" lang="en-US" altLang="zh-TW" sz="1400" dirty="0">
+                  <a:solidFill>
+                    <a:srgbClr val="B21D09"/>
+                  </a:solidFill>
+                  <a:latin typeface="Myriad Pro" panose="020B0503030403020204" pitchFamily="34" charset="0"/>
+                </a:rPr>
+                <a:t>B′</a:t>
+              </a:r>
+              <a:endParaRPr kumimoji="1" lang="zh-TW" altLang="en-US" sz="1400" dirty="0">
+                <a:solidFill>
+                  <a:srgbClr val="B21D09"/>
+                </a:solidFill>
+                <a:latin typeface="Myriad Pro" panose="020B0503030403020204" pitchFamily="34" charset="0"/>
+              </a:endParaRPr>
+            </a:p>
+          </p:txBody>
+        </p:sp>
+        <p:sp>
+          <p:nvSpPr>
+            <p:cNvPr id="9" name="文字方塊 8">
+              <a:extLst>
+                <a:ext uri="{FF2B5EF4-FFF2-40B4-BE49-F238E27FC236}">
+                  <a16:creationId xmlns:a16="http://schemas.microsoft.com/office/drawing/2014/main" id="{A2B003F5-4AA6-F93A-190A-4ECF2608E48B}"/>
+                </a:ext>
+              </a:extLst>
+            </p:cNvPr>
+            <p:cNvSpPr txBox="1"/>
+            <p:nvPr/>
+          </p:nvSpPr>
+          <p:spPr>
+            <a:xfrm>
+              <a:off x="6457040" y="690766"/>
+              <a:ext cx="253596" cy="246221"/>
+            </a:xfrm>
+            <a:prstGeom prst="rect">
+              <a:avLst/>
+            </a:prstGeom>
+            <a:noFill/>
+          </p:spPr>
+          <p:txBody>
+            <a:bodyPr wrap="none" rtlCol="0">
+              <a:spAutoFit/>
+            </a:bodyPr>
+            <a:lstStyle/>
+            <a:p>
+              <a:r>
+                <a:rPr kumimoji="1" lang="en-US" altLang="zh-TW" sz="1000" dirty="0">
+                  <a:solidFill>
+                    <a:srgbClr val="2F528F"/>
+                  </a:solidFill>
+                  <a:latin typeface="Myriad Pro" panose="020B0503030403020204" pitchFamily="34" charset="0"/>
+                </a:rPr>
+                <a:t>B</a:t>
+              </a:r>
+              <a:endParaRPr kumimoji="1" lang="zh-TW" altLang="en-US" sz="1050" dirty="0">
+                <a:solidFill>
+                  <a:srgbClr val="2F528F"/>
+                </a:solidFill>
+                <a:latin typeface="Myriad Pro" panose="020B0503030403020204" pitchFamily="34" charset="0"/>
+              </a:endParaRPr>
+            </a:p>
+          </p:txBody>
+        </p:sp>
+        <p:sp>
+          <p:nvSpPr>
+            <p:cNvPr id="15" name="文字方塊 14">
+              <a:extLst>
+                <a:ext uri="{FF2B5EF4-FFF2-40B4-BE49-F238E27FC236}">
+                  <a16:creationId xmlns:a16="http://schemas.microsoft.com/office/drawing/2014/main" id="{B327465B-3F3F-9E34-C97B-969EC4F627E4}"/>
+                </a:ext>
+              </a:extLst>
+            </p:cNvPr>
+            <p:cNvSpPr txBox="1"/>
+            <p:nvPr/>
+          </p:nvSpPr>
+          <p:spPr>
+            <a:xfrm>
+              <a:off x="8259209" y="652776"/>
+              <a:ext cx="277640" cy="246221"/>
+            </a:xfrm>
+            <a:prstGeom prst="rect">
+              <a:avLst/>
+            </a:prstGeom>
+            <a:noFill/>
+          </p:spPr>
+          <p:txBody>
+            <a:bodyPr wrap="none" rtlCol="0">
+              <a:spAutoFit/>
+            </a:bodyPr>
+            <a:lstStyle/>
+            <a:p>
+              <a:r>
+                <a:rPr kumimoji="1" lang="en-US" altLang="zh-TW" sz="1000" dirty="0">
+                  <a:solidFill>
+                    <a:srgbClr val="B21D09"/>
+                  </a:solidFill>
+                  <a:latin typeface="Myriad Pro" panose="020B0503030403020204" pitchFamily="34" charset="0"/>
+                </a:rPr>
+                <a:t>B′</a:t>
+              </a:r>
+              <a:endParaRPr kumimoji="1" lang="zh-TW" altLang="en-US" sz="1000" dirty="0">
+                <a:solidFill>
+                  <a:srgbClr val="B21D09"/>
+                </a:solidFill>
+                <a:latin typeface="Myriad Pro" panose="020B0503030403020204" pitchFamily="34" charset="0"/>
+              </a:endParaRPr>
+            </a:p>
+          </p:txBody>
+        </p:sp>
+        <p:sp>
+          <p:nvSpPr>
+            <p:cNvPr id="19" name="文字方塊 18">
+              <a:extLst>
+                <a:ext uri="{FF2B5EF4-FFF2-40B4-BE49-F238E27FC236}">
+                  <a16:creationId xmlns:a16="http://schemas.microsoft.com/office/drawing/2014/main" id="{B2EE986E-19D4-C73D-91B3-54129FEB1749}"/>
+                </a:ext>
+              </a:extLst>
+            </p:cNvPr>
+            <p:cNvSpPr txBox="1"/>
+            <p:nvPr/>
+          </p:nvSpPr>
+          <p:spPr>
+            <a:xfrm>
+              <a:off x="5962056" y="1459948"/>
+              <a:ext cx="253596" cy="246221"/>
+            </a:xfrm>
+            <a:prstGeom prst="rect">
+              <a:avLst/>
+            </a:prstGeom>
+            <a:noFill/>
+          </p:spPr>
+          <p:txBody>
+            <a:bodyPr wrap="none" rtlCol="0">
+              <a:spAutoFit/>
+            </a:bodyPr>
+            <a:lstStyle/>
+            <a:p>
+              <a:r>
+                <a:rPr kumimoji="1" lang="en-US" altLang="zh-TW" sz="1000" dirty="0">
+                  <a:solidFill>
+                    <a:schemeClr val="tx1">
+                      <a:lumMod val="85000"/>
+                      <a:lumOff val="15000"/>
+                    </a:schemeClr>
+                  </a:solidFill>
+                  <a:latin typeface="Myriad Pro" panose="020B0503030403020204" pitchFamily="34" charset="0"/>
+                </a:rPr>
+                <a:t>S</a:t>
+              </a:r>
+              <a:endParaRPr kumimoji="1" lang="zh-TW" altLang="en-US" sz="1050" dirty="0">
+                <a:solidFill>
+                  <a:schemeClr val="tx1">
+                    <a:lumMod val="85000"/>
+                    <a:lumOff val="15000"/>
+                  </a:schemeClr>
+                </a:solidFill>
+                <a:latin typeface="Myriad Pro" panose="020B0503030403020204" pitchFamily="34" charset="0"/>
+              </a:endParaRPr>
+            </a:p>
+          </p:txBody>
+        </p:sp>
+        <p:sp>
+          <p:nvSpPr>
+            <p:cNvPr id="35" name="文字方塊 34">
+              <a:extLst>
+                <a:ext uri="{FF2B5EF4-FFF2-40B4-BE49-F238E27FC236}">
+                  <a16:creationId xmlns:a16="http://schemas.microsoft.com/office/drawing/2014/main" id="{254A02C4-510A-4F81-63FF-D12300B7FB26}"/>
+                </a:ext>
+              </a:extLst>
+            </p:cNvPr>
+            <p:cNvSpPr txBox="1"/>
+            <p:nvPr/>
+          </p:nvSpPr>
+          <p:spPr>
+            <a:xfrm>
+              <a:off x="7414915" y="1455833"/>
+              <a:ext cx="253596" cy="246221"/>
+            </a:xfrm>
+            <a:prstGeom prst="rect">
+              <a:avLst/>
+            </a:prstGeom>
+            <a:noFill/>
+          </p:spPr>
+          <p:txBody>
+            <a:bodyPr wrap="none" rtlCol="0">
+              <a:spAutoFit/>
+            </a:bodyPr>
+            <a:lstStyle/>
+            <a:p>
+              <a:r>
+                <a:rPr kumimoji="1" lang="en-US" altLang="zh-TW" sz="1000" dirty="0">
+                  <a:solidFill>
+                    <a:schemeClr val="tx1">
+                      <a:lumMod val="85000"/>
+                      <a:lumOff val="15000"/>
+                    </a:schemeClr>
+                  </a:solidFill>
+                  <a:latin typeface="Myriad Pro" panose="020B0503030403020204" pitchFamily="34" charset="0"/>
+                </a:rPr>
+                <a:t>E</a:t>
+              </a:r>
+              <a:endParaRPr kumimoji="1" lang="zh-TW" altLang="en-US" sz="1050" dirty="0">
+                <a:solidFill>
+                  <a:schemeClr val="tx1">
+                    <a:lumMod val="85000"/>
+                    <a:lumOff val="15000"/>
+                  </a:schemeClr>
+                </a:solidFill>
+                <a:latin typeface="Myriad Pro" panose="020B0503030403020204" pitchFamily="34" charset="0"/>
+              </a:endParaRPr>
+            </a:p>
+          </p:txBody>
+        </p:sp>
+        <p:sp>
+          <p:nvSpPr>
+            <p:cNvPr id="40" name="手繪多邊形 39">
+              <a:extLst>
+                <a:ext uri="{FF2B5EF4-FFF2-40B4-BE49-F238E27FC236}">
+                  <a16:creationId xmlns:a16="http://schemas.microsoft.com/office/drawing/2014/main" id="{14F8E817-19C4-FCBA-CAA6-2D4B71C38D1B}"/>
+                </a:ext>
+              </a:extLst>
+            </p:cNvPr>
+            <p:cNvSpPr/>
+            <p:nvPr/>
+          </p:nvSpPr>
+          <p:spPr>
+            <a:xfrm>
+              <a:off x="4067299" y="1626919"/>
+              <a:ext cx="4013859" cy="774471"/>
+            </a:xfrm>
+            <a:custGeom>
+              <a:avLst/>
+              <a:gdLst>
+                <a:gd name="connsiteX0" fmla="*/ 0 w 4013859"/>
+                <a:gd name="connsiteY0" fmla="*/ 682832 h 774471"/>
+                <a:gd name="connsiteX1" fmla="*/ 1484415 w 4013859"/>
+                <a:gd name="connsiteY1" fmla="*/ 771897 h 774471"/>
+                <a:gd name="connsiteX2" fmla="*/ 2861953 w 4013859"/>
+                <a:gd name="connsiteY2" fmla="*/ 593767 h 774471"/>
+                <a:gd name="connsiteX3" fmla="*/ 4013859 w 4013859"/>
+                <a:gd name="connsiteY3" fmla="*/ 0 h 774471"/>
+              </a:gdLst>
+              <a:ahLst/>
+              <a:cxnLst>
+                <a:cxn ang="0">
+                  <a:pos x="connsiteX0" y="connsiteY0"/>
+                </a:cxn>
+                <a:cxn ang="0">
+                  <a:pos x="connsiteX1" y="connsiteY1"/>
+                </a:cxn>
+                <a:cxn ang="0">
+                  <a:pos x="connsiteX2" y="connsiteY2"/>
+                </a:cxn>
+                <a:cxn ang="0">
+                  <a:pos x="connsiteX3" y="connsiteY3"/>
+                </a:cxn>
+              </a:cxnLst>
+              <a:rect l="l" t="t" r="r" b="b"/>
+              <a:pathLst>
+                <a:path w="4013859" h="774471">
+                  <a:moveTo>
+                    <a:pt x="0" y="682832"/>
+                  </a:moveTo>
+                  <a:cubicBezTo>
+                    <a:pt x="503711" y="734786"/>
+                    <a:pt x="1007423" y="786741"/>
+                    <a:pt x="1484415" y="771897"/>
+                  </a:cubicBezTo>
+                  <a:cubicBezTo>
+                    <a:pt x="1961407" y="757053"/>
+                    <a:pt x="2440379" y="722417"/>
+                    <a:pt x="2861953" y="593767"/>
+                  </a:cubicBezTo>
+                  <a:cubicBezTo>
+                    <a:pt x="3283527" y="465117"/>
+                    <a:pt x="3648693" y="232558"/>
+                    <a:pt x="4013859" y="0"/>
+                  </a:cubicBezTo>
+                </a:path>
+              </a:pathLst>
+            </a:custGeom>
+            <a:noFill/>
+            <a:ln w="15875">
+              <a:solidFill>
+                <a:srgbClr val="B21D09"/>
+              </a:solidFill>
+              <a:tailEnd type="stealth" w="lg" len="lg"/>
+            </a:ln>
+          </p:spPr>
+          <p:style>
+            <a:lnRef idx="2">
+              <a:schemeClr val="accent1">
+                <a:shade val="50000"/>
+              </a:schemeClr>
+            </a:lnRef>
+            <a:fillRef idx="1">
+              <a:schemeClr val="accent1"/>
+            </a:fillRef>
+            <a:effectRef idx="0">
+              <a:schemeClr val="accent1"/>
+            </a:effectRef>
+            <a:fontRef idx="minor">
+              <a:schemeClr val="lt1"/>
+            </a:fontRef>
+          </p:style>
+          <p:txBody>
+            <a:bodyPr rtlCol="0" anchor="ctr"/>
+            <a:lstStyle/>
+            <a:p>
+              <a:pPr algn="ctr"/>
+              <a:endParaRPr kumimoji="1" lang="zh-TW" altLang="en-US" dirty="0"/>
+            </a:p>
+          </p:txBody>
+        </p:sp>
+        <p:cxnSp>
+          <p:nvCxnSpPr>
+            <p:cNvPr id="43" name="直線箭頭接點 42">
+              <a:extLst>
+                <a:ext uri="{FF2B5EF4-FFF2-40B4-BE49-F238E27FC236}">
+                  <a16:creationId xmlns:a16="http://schemas.microsoft.com/office/drawing/2014/main" id="{5EADA259-23B6-BE05-17D0-9C876AA6E90D}"/>
+                </a:ext>
+              </a:extLst>
+            </p:cNvPr>
+            <p:cNvCxnSpPr>
+              <a:cxnSpLocks/>
+            </p:cNvCxnSpPr>
+            <p:nvPr/>
+          </p:nvCxnSpPr>
+          <p:spPr>
+            <a:xfrm flipH="1">
+              <a:off x="7127986" y="3197989"/>
+              <a:ext cx="152494" cy="263256"/>
+            </a:xfrm>
+            <a:prstGeom prst="straightConnector1">
+              <a:avLst/>
+            </a:prstGeom>
+            <a:ln w="15875">
+              <a:solidFill>
+                <a:srgbClr val="B21D09"/>
+              </a:solidFill>
+              <a:prstDash val="sysDash"/>
+              <a:headEnd w="lg" len="lg"/>
+              <a:tailEnd type="none" w="lg" len="lg"/>
+            </a:ln>
+          </p:spPr>
+          <p:style>
+            <a:lnRef idx="1">
+              <a:schemeClr val="dk1"/>
+            </a:lnRef>
+            <a:fillRef idx="0">
+              <a:schemeClr val="dk1"/>
+            </a:fillRef>
+            <a:effectRef idx="0">
+              <a:schemeClr val="dk1"/>
+            </a:effectRef>
+            <a:fontRef idx="minor">
+              <a:schemeClr val="tx1"/>
+            </a:fontRef>
+          </p:style>
+        </p:cxnSp>
+        <p:cxnSp>
+          <p:nvCxnSpPr>
+            <p:cNvPr id="48" name="直線接點 47">
+              <a:extLst>
+                <a:ext uri="{FF2B5EF4-FFF2-40B4-BE49-F238E27FC236}">
+                  <a16:creationId xmlns:a16="http://schemas.microsoft.com/office/drawing/2014/main" id="{A8403ABF-A5CA-406B-F996-D61282AA5F7A}"/>
+                </a:ext>
+              </a:extLst>
+            </p:cNvPr>
+            <p:cNvCxnSpPr>
+              <a:cxnSpLocks/>
+            </p:cNvCxnSpPr>
+            <p:nvPr/>
+          </p:nvCxnSpPr>
+          <p:spPr>
+            <a:xfrm>
+              <a:off x="7125256" y="2556497"/>
+              <a:ext cx="161574" cy="644370"/>
+            </a:xfrm>
+            <a:prstGeom prst="line">
+              <a:avLst/>
+            </a:prstGeom>
+            <a:ln w="12700">
+              <a:solidFill>
+                <a:srgbClr val="C00000"/>
+              </a:solidFill>
+            </a:ln>
+          </p:spPr>
+          <p:style>
+            <a:lnRef idx="1">
+              <a:schemeClr val="accent1"/>
+            </a:lnRef>
+            <a:fillRef idx="0">
+              <a:schemeClr val="accent1"/>
+            </a:fillRef>
+            <a:effectRef idx="0">
+              <a:schemeClr val="accent1"/>
+            </a:effectRef>
+            <a:fontRef idx="minor">
+              <a:schemeClr val="tx1"/>
+            </a:fontRef>
+          </p:style>
+        </p:cxnSp>
+        <p:sp>
+          <p:nvSpPr>
+            <p:cNvPr id="50" name="文字方塊 49">
+              <a:extLst>
+                <a:ext uri="{FF2B5EF4-FFF2-40B4-BE49-F238E27FC236}">
+                  <a16:creationId xmlns:a16="http://schemas.microsoft.com/office/drawing/2014/main" id="{4336AB86-2BBB-7D0B-78FC-A4BC5F9CAC16}"/>
+                </a:ext>
+              </a:extLst>
+            </p:cNvPr>
+            <p:cNvSpPr txBox="1"/>
+            <p:nvPr/>
+          </p:nvSpPr>
+          <p:spPr>
+            <a:xfrm>
+              <a:off x="7199693" y="3237869"/>
+              <a:ext cx="505267" cy="261610"/>
+            </a:xfrm>
+            <a:prstGeom prst="rect">
+              <a:avLst/>
+            </a:prstGeom>
+            <a:noFill/>
+          </p:spPr>
+          <p:txBody>
+            <a:bodyPr wrap="none" rtlCol="0">
+              <a:spAutoFit/>
+            </a:bodyPr>
+            <a:lstStyle/>
+            <a:p>
+              <a:r>
+                <a:rPr kumimoji="1" lang="en-US" altLang="zh-TW" sz="1100" i="1" dirty="0" err="1">
+                  <a:solidFill>
+                    <a:srgbClr val="C00000"/>
+                  </a:solidFill>
+                  <a:latin typeface="Minion Pro" panose="02040503050306020203" pitchFamily="18" charset="0"/>
+                </a:rPr>
+                <a:t>h</a:t>
+              </a:r>
+              <a:r>
+                <a:rPr kumimoji="1" lang="en-US" altLang="zh-TW" sz="1100" dirty="0" err="1">
+                  <a:solidFill>
+                    <a:srgbClr val="C00000"/>
+                  </a:solidFill>
+                  <a:latin typeface="Minion Pro" panose="02040503050306020203" pitchFamily="18" charset="0"/>
+                </a:rPr>
+                <a:t>sin</a:t>
+              </a:r>
+              <a:r>
+                <a:rPr kumimoji="1" lang="en-US" altLang="zh-TW" sz="1100" i="1" dirty="0" err="1">
+                  <a:solidFill>
+                    <a:srgbClr val="C00000"/>
+                  </a:solidFill>
+                  <a:latin typeface="Minion Pro" panose="02040503050306020203" pitchFamily="18" charset="0"/>
+                </a:rPr>
+                <a:t>ϕ</a:t>
+              </a:r>
+              <a:endParaRPr kumimoji="1" lang="zh-TW" altLang="en-US" sz="1400" i="1" dirty="0">
+                <a:solidFill>
+                  <a:srgbClr val="C00000"/>
+                </a:solidFill>
+                <a:latin typeface="Minion Pro" panose="02040503050306020203" pitchFamily="18" charset="0"/>
+              </a:endParaRPr>
+            </a:p>
+          </p:txBody>
+        </p:sp>
+        <p:cxnSp>
+          <p:nvCxnSpPr>
+            <p:cNvPr id="54" name="直線接點 53">
+              <a:extLst>
+                <a:ext uri="{FF2B5EF4-FFF2-40B4-BE49-F238E27FC236}">
+                  <a16:creationId xmlns:a16="http://schemas.microsoft.com/office/drawing/2014/main" id="{4D82036E-2E58-6512-E661-CBD069C0E957}"/>
+                </a:ext>
+              </a:extLst>
+            </p:cNvPr>
+            <p:cNvCxnSpPr>
+              <a:cxnSpLocks/>
+            </p:cNvCxnSpPr>
+            <p:nvPr/>
+          </p:nvCxnSpPr>
+          <p:spPr>
+            <a:xfrm>
+              <a:off x="7289518" y="2401390"/>
+              <a:ext cx="0" cy="790830"/>
+            </a:xfrm>
+            <a:prstGeom prst="line">
+              <a:avLst/>
+            </a:prstGeom>
+            <a:ln w="12700">
+              <a:solidFill>
+                <a:schemeClr val="accent1">
+                  <a:lumMod val="75000"/>
+                </a:schemeClr>
+              </a:solidFill>
+              <a:prstDash val="solid"/>
+            </a:ln>
+          </p:spPr>
+          <p:style>
+            <a:lnRef idx="1">
+              <a:schemeClr val="accent1"/>
+            </a:lnRef>
+            <a:fillRef idx="0">
+              <a:schemeClr val="accent1"/>
+            </a:fillRef>
+            <a:effectRef idx="0">
+              <a:schemeClr val="accent1"/>
+            </a:effectRef>
+            <a:fontRef idx="minor">
+              <a:schemeClr val="tx1"/>
+            </a:fontRef>
+          </p:style>
+        </p:cxnSp>
+        <p:sp>
+          <p:nvSpPr>
+            <p:cNvPr id="65" name="弧線 64">
+              <a:extLst>
+                <a:ext uri="{FF2B5EF4-FFF2-40B4-BE49-F238E27FC236}">
+                  <a16:creationId xmlns:a16="http://schemas.microsoft.com/office/drawing/2014/main" id="{AE18947C-C0F1-EF8C-EB1E-698D801AEDF2}"/>
+                </a:ext>
+              </a:extLst>
+            </p:cNvPr>
+            <p:cNvSpPr/>
+            <p:nvPr/>
+          </p:nvSpPr>
+          <p:spPr>
+            <a:xfrm>
+              <a:off x="7195733" y="2705091"/>
+              <a:ext cx="170609" cy="172284"/>
+            </a:xfrm>
+            <a:prstGeom prst="arc">
+              <a:avLst>
+                <a:gd name="adj1" fmla="val 11131666"/>
+                <a:gd name="adj2" fmla="val 16253523"/>
+              </a:avLst>
+            </a:prstGeom>
+            <a:ln w="9525">
+              <a:solidFill>
+                <a:schemeClr val="tx1"/>
+              </a:solidFill>
+              <a:headEnd type="stealth" w="sm" len="sm"/>
+            </a:ln>
+          </p:spPr>
+          <p:style>
+            <a:lnRef idx="1">
+              <a:schemeClr val="accent1"/>
+            </a:lnRef>
+            <a:fillRef idx="0">
+              <a:schemeClr val="accent1"/>
+            </a:fillRef>
+            <a:effectRef idx="0">
+              <a:schemeClr val="accent1"/>
+            </a:effectRef>
+            <a:fontRef idx="minor">
+              <a:schemeClr val="tx1"/>
+            </a:fontRef>
+          </p:style>
+          <p:txBody>
+            <a:bodyPr rtlCol="0" anchor="ctr"/>
+            <a:lstStyle/>
+            <a:p>
+              <a:pPr algn="ctr"/>
+              <a:endParaRPr kumimoji="1" lang="zh-TW" altLang="en-US"/>
+            </a:p>
+          </p:txBody>
+        </p:sp>
+        <p:sp>
+          <p:nvSpPr>
+            <p:cNvPr id="67" name="文字方塊 66">
+              <a:extLst>
+                <a:ext uri="{FF2B5EF4-FFF2-40B4-BE49-F238E27FC236}">
+                  <a16:creationId xmlns:a16="http://schemas.microsoft.com/office/drawing/2014/main" id="{31809A97-397C-32F1-151B-F95AA7D63B22}"/>
+                </a:ext>
+              </a:extLst>
+            </p:cNvPr>
+            <p:cNvSpPr txBox="1"/>
+            <p:nvPr/>
+          </p:nvSpPr>
+          <p:spPr>
+            <a:xfrm>
+              <a:off x="7078634" y="2392743"/>
+              <a:ext cx="263214" cy="261610"/>
+            </a:xfrm>
+            <a:prstGeom prst="rect">
+              <a:avLst/>
+            </a:prstGeom>
+            <a:noFill/>
+          </p:spPr>
+          <p:txBody>
+            <a:bodyPr wrap="none" rtlCol="0">
+              <a:spAutoFit/>
+            </a:bodyPr>
+            <a:lstStyle/>
+            <a:p>
+              <a:r>
+                <a:rPr kumimoji="1" lang="en-US" altLang="zh-TW" sz="1100" i="1" dirty="0" err="1">
+                  <a:solidFill>
+                    <a:schemeClr val="tx1">
+                      <a:lumMod val="85000"/>
+                      <a:lumOff val="15000"/>
+                    </a:schemeClr>
+                  </a:solidFill>
+                  <a:latin typeface="Minion Pro" panose="02040503050306020203" pitchFamily="18" charset="0"/>
+                </a:rPr>
+                <a:t>ϕ</a:t>
+              </a:r>
+              <a:endParaRPr kumimoji="1" lang="zh-TW" altLang="en-US" sz="1400" i="1" dirty="0">
+                <a:solidFill>
+                  <a:schemeClr val="tx1">
+                    <a:lumMod val="85000"/>
+                    <a:lumOff val="15000"/>
+                  </a:schemeClr>
+                </a:solidFill>
+                <a:latin typeface="Minion Pro" panose="02040503050306020203" pitchFamily="18" charset="0"/>
+              </a:endParaRPr>
+            </a:p>
+          </p:txBody>
+        </p:sp>
+        <p:sp>
+          <p:nvSpPr>
+            <p:cNvPr id="68" name="文字方塊 67">
+              <a:extLst>
+                <a:ext uri="{FF2B5EF4-FFF2-40B4-BE49-F238E27FC236}">
+                  <a16:creationId xmlns:a16="http://schemas.microsoft.com/office/drawing/2014/main" id="{B1374BFB-66EB-72AD-A62D-0995DE0E993F}"/>
+                </a:ext>
+              </a:extLst>
+            </p:cNvPr>
+            <p:cNvSpPr txBox="1"/>
+            <p:nvPr/>
+          </p:nvSpPr>
+          <p:spPr>
+            <a:xfrm>
+              <a:off x="2905819" y="1772350"/>
+              <a:ext cx="284052" cy="307777"/>
+            </a:xfrm>
+            <a:prstGeom prst="rect">
+              <a:avLst/>
+            </a:prstGeom>
+            <a:noFill/>
+          </p:spPr>
+          <p:txBody>
+            <a:bodyPr wrap="none" rtlCol="0">
+              <a:spAutoFit/>
+            </a:bodyPr>
+            <a:lstStyle/>
+            <a:p>
+              <a:r>
+                <a:rPr kumimoji="1" lang="en-US" altLang="zh-TW" sz="1400" i="1" dirty="0" err="1">
+                  <a:solidFill>
+                    <a:schemeClr val="tx1">
+                      <a:lumMod val="85000"/>
+                      <a:lumOff val="15000"/>
+                    </a:schemeClr>
+                  </a:solidFill>
+                  <a:latin typeface="Minion Pro" panose="02040503050306020203" pitchFamily="18" charset="0"/>
+                </a:rPr>
+                <a:t>ϕ</a:t>
+              </a:r>
+              <a:endParaRPr kumimoji="1" lang="zh-TW" altLang="en-US" i="1" dirty="0">
+                <a:solidFill>
+                  <a:schemeClr val="tx1">
+                    <a:lumMod val="85000"/>
+                    <a:lumOff val="15000"/>
+                  </a:schemeClr>
+                </a:solidFill>
+                <a:latin typeface="Minion Pro" panose="02040503050306020203" pitchFamily="18" charset="0"/>
+              </a:endParaRPr>
+            </a:p>
+          </p:txBody>
+        </p:sp>
       </p:grpSp>
-      <p:sp>
-        <p:nvSpPr>
-          <p:cNvPr id="33" name="弧線 32">
-            <a:extLst>
-              <a:ext uri="{FF2B5EF4-FFF2-40B4-BE49-F238E27FC236}">
-                <a16:creationId xmlns:a16="http://schemas.microsoft.com/office/drawing/2014/main" id="{3A188C7E-7E5A-F582-A9DC-7AB04FA9A8BA}"/>
-              </a:ext>
-            </a:extLst>
-          </p:cNvPr>
-          <p:cNvSpPr/>
-          <p:nvPr/>
-        </p:nvSpPr>
-        <p:spPr>
-          <a:xfrm rot="6489320">
-            <a:off x="8368473" y="2172903"/>
-            <a:ext cx="235231" cy="244975"/>
-          </a:xfrm>
-          <a:prstGeom prst="arc">
-            <a:avLst/>
-          </a:prstGeom>
-          <a:ln w="12700">
-            <a:solidFill>
-              <a:schemeClr val="tx1">
-                <a:lumMod val="85000"/>
-                <a:lumOff val="15000"/>
-              </a:schemeClr>
-            </a:solidFill>
-          </a:ln>
-        </p:spPr>
-        <p:style>
-          <a:lnRef idx="1">
-            <a:schemeClr val="accent1"/>
-          </a:lnRef>
-          <a:fillRef idx="0">
-            <a:schemeClr val="accent1"/>
-          </a:fillRef>
-          <a:effectRef idx="0">
-            <a:schemeClr val="accent1"/>
-          </a:effectRef>
-          <a:fontRef idx="minor">
-            <a:schemeClr val="tx1"/>
-          </a:fontRef>
-        </p:style>
-        <p:txBody>
-          <a:bodyPr rtlCol="0" anchor="ctr"/>
-          <a:lstStyle/>
-          <a:p>
-            <a:pPr algn="ctr"/>
-            <a:endParaRPr kumimoji="1" lang="zh-TW" altLang="en-US"/>
-          </a:p>
-        </p:txBody>
-      </p:sp>
     </p:spTree>
     <p:extLst>
       <p:ext uri="{BB962C8B-B14F-4D97-AF65-F5344CB8AC3E}">
@@ -13589,6 +14055,1707 @@
 </file>
 
 <file path=ppt/slides/slide3.xml><?xml version="1.0" encoding="utf-8"?>
+<p:sld xmlns:a="http://schemas.openxmlformats.org/drawingml/2006/main" xmlns:r="http://schemas.openxmlformats.org/officeDocument/2006/relationships" xmlns:p="http://schemas.openxmlformats.org/presentationml/2006/main">
+  <p:cSld>
+    <p:spTree>
+      <p:nvGrpSpPr>
+        <p:cNvPr id="1" name=""/>
+        <p:cNvGrpSpPr/>
+        <p:nvPr/>
+      </p:nvGrpSpPr>
+      <p:grpSpPr>
+        <a:xfrm>
+          <a:off x="0" y="0"/>
+          <a:ext cx="0" cy="0"/>
+          <a:chOff x="0" y="0"/>
+          <a:chExt cx="0" cy="0"/>
+        </a:xfrm>
+      </p:grpSpPr>
+      <p:grpSp>
+        <p:nvGrpSpPr>
+          <p:cNvPr id="161" name="群組 160">
+            <a:extLst>
+              <a:ext uri="{FF2B5EF4-FFF2-40B4-BE49-F238E27FC236}">
+                <a16:creationId xmlns:a16="http://schemas.microsoft.com/office/drawing/2014/main" id="{D36B0DCE-A043-0EA7-AAA4-6437D59D0DFF}"/>
+              </a:ext>
+            </a:extLst>
+          </p:cNvPr>
+          <p:cNvGrpSpPr/>
+          <p:nvPr/>
+        </p:nvGrpSpPr>
+        <p:grpSpPr>
+          <a:xfrm>
+            <a:off x="2855939" y="1267825"/>
+            <a:ext cx="2867757" cy="1625631"/>
+            <a:chOff x="2855939" y="1267825"/>
+            <a:chExt cx="2867757" cy="1625631"/>
+          </a:xfrm>
+        </p:grpSpPr>
+        <p:sp>
+          <p:nvSpPr>
+            <p:cNvPr id="111" name="手繪多邊形 110">
+              <a:extLst>
+                <a:ext uri="{FF2B5EF4-FFF2-40B4-BE49-F238E27FC236}">
+                  <a16:creationId xmlns:a16="http://schemas.microsoft.com/office/drawing/2014/main" id="{72642F76-9D05-E4D1-D826-3E42B657A6ED}"/>
+                </a:ext>
+              </a:extLst>
+            </p:cNvPr>
+            <p:cNvSpPr/>
+            <p:nvPr/>
+          </p:nvSpPr>
+          <p:spPr>
+            <a:xfrm>
+              <a:off x="3670300" y="2143125"/>
+              <a:ext cx="1606550" cy="485775"/>
+            </a:xfrm>
+            <a:custGeom>
+              <a:avLst/>
+              <a:gdLst>
+                <a:gd name="connsiteX0" fmla="*/ 0 w 1606550"/>
+                <a:gd name="connsiteY0" fmla="*/ 0 h 485775"/>
+                <a:gd name="connsiteX1" fmla="*/ 638175 w 1606550"/>
+                <a:gd name="connsiteY1" fmla="*/ 485775 h 485775"/>
+                <a:gd name="connsiteX2" fmla="*/ 1606550 w 1606550"/>
+                <a:gd name="connsiteY2" fmla="*/ 0 h 485775"/>
+                <a:gd name="connsiteX3" fmla="*/ 0 w 1606550"/>
+                <a:gd name="connsiteY3" fmla="*/ 0 h 485775"/>
+              </a:gdLst>
+              <a:ahLst/>
+              <a:cxnLst>
+                <a:cxn ang="0">
+                  <a:pos x="connsiteX0" y="connsiteY0"/>
+                </a:cxn>
+                <a:cxn ang="0">
+                  <a:pos x="connsiteX1" y="connsiteY1"/>
+                </a:cxn>
+                <a:cxn ang="0">
+                  <a:pos x="connsiteX2" y="connsiteY2"/>
+                </a:cxn>
+                <a:cxn ang="0">
+                  <a:pos x="connsiteX3" y="connsiteY3"/>
+                </a:cxn>
+              </a:cxnLst>
+              <a:rect l="l" t="t" r="r" b="b"/>
+              <a:pathLst>
+                <a:path w="1606550" h="485775">
+                  <a:moveTo>
+                    <a:pt x="0" y="0"/>
+                  </a:moveTo>
+                  <a:lnTo>
+                    <a:pt x="638175" y="485775"/>
+                  </a:lnTo>
+                  <a:lnTo>
+                    <a:pt x="1606550" y="0"/>
+                  </a:lnTo>
+                  <a:lnTo>
+                    <a:pt x="0" y="0"/>
+                  </a:lnTo>
+                  <a:close/>
+                </a:path>
+              </a:pathLst>
+            </a:custGeom>
+            <a:gradFill flip="none" rotWithShape="1">
+              <a:gsLst>
+                <a:gs pos="0">
+                  <a:schemeClr val="accent1">
+                    <a:lumMod val="5000"/>
+                    <a:lumOff val="95000"/>
+                  </a:schemeClr>
+                </a:gs>
+                <a:gs pos="74000">
+                  <a:schemeClr val="accent1">
+                    <a:lumMod val="45000"/>
+                    <a:lumOff val="55000"/>
+                  </a:schemeClr>
+                </a:gs>
+                <a:gs pos="83000">
+                  <a:schemeClr val="accent1">
+                    <a:lumMod val="45000"/>
+                    <a:lumOff val="55000"/>
+                  </a:schemeClr>
+                </a:gs>
+                <a:gs pos="100000">
+                  <a:schemeClr val="accent1">
+                    <a:lumMod val="30000"/>
+                    <a:lumOff val="70000"/>
+                  </a:schemeClr>
+                </a:gs>
+              </a:gsLst>
+              <a:lin ang="21000000" scaled="0"/>
+              <a:tileRect/>
+            </a:gradFill>
+            <a:ln>
+              <a:noFill/>
+            </a:ln>
+          </p:spPr>
+          <p:style>
+            <a:lnRef idx="2">
+              <a:schemeClr val="accent1">
+                <a:shade val="50000"/>
+              </a:schemeClr>
+            </a:lnRef>
+            <a:fillRef idx="1">
+              <a:schemeClr val="accent1"/>
+            </a:fillRef>
+            <a:effectRef idx="0">
+              <a:schemeClr val="accent1"/>
+            </a:effectRef>
+            <a:fontRef idx="minor">
+              <a:schemeClr val="lt1"/>
+            </a:fontRef>
+          </p:style>
+          <p:txBody>
+            <a:bodyPr rtlCol="0" anchor="ctr"/>
+            <a:lstStyle/>
+            <a:p>
+              <a:pPr algn="ctr"/>
+              <a:endParaRPr kumimoji="1" lang="zh-TW" altLang="en-US"/>
+            </a:p>
+          </p:txBody>
+        </p:sp>
+        <p:sp>
+          <p:nvSpPr>
+            <p:cNvPr id="25" name="橢圓 24">
+              <a:extLst>
+                <a:ext uri="{FF2B5EF4-FFF2-40B4-BE49-F238E27FC236}">
+                  <a16:creationId xmlns:a16="http://schemas.microsoft.com/office/drawing/2014/main" id="{595E6E42-9029-B750-0E29-E182CA6EE312}"/>
+                </a:ext>
+              </a:extLst>
+            </p:cNvPr>
+            <p:cNvSpPr/>
+            <p:nvPr/>
+          </p:nvSpPr>
+          <p:spPr>
+            <a:xfrm>
+              <a:off x="3077609" y="1551867"/>
+              <a:ext cx="1175657" cy="1175657"/>
+            </a:xfrm>
+            <a:prstGeom prst="ellipse">
+              <a:avLst/>
+            </a:prstGeom>
+            <a:noFill/>
+            <a:ln w="22225" cmpd="dbl">
+              <a:solidFill>
+                <a:schemeClr val="tx1">
+                  <a:lumMod val="85000"/>
+                  <a:lumOff val="15000"/>
+                </a:schemeClr>
+              </a:solidFill>
+            </a:ln>
+          </p:spPr>
+          <p:style>
+            <a:lnRef idx="2">
+              <a:schemeClr val="accent1">
+                <a:shade val="50000"/>
+              </a:schemeClr>
+            </a:lnRef>
+            <a:fillRef idx="1">
+              <a:schemeClr val="accent1"/>
+            </a:fillRef>
+            <a:effectRef idx="0">
+              <a:schemeClr val="accent1"/>
+            </a:effectRef>
+            <a:fontRef idx="minor">
+              <a:schemeClr val="lt1"/>
+            </a:fontRef>
+          </p:style>
+          <p:txBody>
+            <a:bodyPr rtlCol="0" anchor="ctr"/>
+            <a:lstStyle/>
+            <a:p>
+              <a:pPr algn="ctr"/>
+              <a:endParaRPr kumimoji="1" lang="zh-TW" altLang="en-US"/>
+            </a:p>
+          </p:txBody>
+        </p:sp>
+        <p:cxnSp>
+          <p:nvCxnSpPr>
+            <p:cNvPr id="38" name="直線接點 37">
+              <a:extLst>
+                <a:ext uri="{FF2B5EF4-FFF2-40B4-BE49-F238E27FC236}">
+                  <a16:creationId xmlns:a16="http://schemas.microsoft.com/office/drawing/2014/main" id="{5E402915-2567-322D-2DCB-3029ABB291D4}"/>
+                </a:ext>
+              </a:extLst>
+            </p:cNvPr>
+            <p:cNvCxnSpPr/>
+            <p:nvPr/>
+          </p:nvCxnSpPr>
+          <p:spPr>
+            <a:xfrm>
+              <a:off x="3665437" y="2144515"/>
+              <a:ext cx="1618886" cy="0"/>
+            </a:xfrm>
+            <a:prstGeom prst="line">
+              <a:avLst/>
+            </a:prstGeom>
+            <a:ln w="12700">
+              <a:solidFill>
+                <a:schemeClr val="tx1">
+                  <a:lumMod val="85000"/>
+                  <a:lumOff val="15000"/>
+                </a:schemeClr>
+              </a:solidFill>
+            </a:ln>
+          </p:spPr>
+          <p:style>
+            <a:lnRef idx="1">
+              <a:schemeClr val="accent1"/>
+            </a:lnRef>
+            <a:fillRef idx="0">
+              <a:schemeClr val="accent1"/>
+            </a:fillRef>
+            <a:effectRef idx="0">
+              <a:schemeClr val="accent1"/>
+            </a:effectRef>
+            <a:fontRef idx="minor">
+              <a:schemeClr val="tx1"/>
+            </a:fontRef>
+          </p:style>
+        </p:cxnSp>
+        <p:cxnSp>
+          <p:nvCxnSpPr>
+            <p:cNvPr id="46" name="直線接點 45">
+              <a:extLst>
+                <a:ext uri="{FF2B5EF4-FFF2-40B4-BE49-F238E27FC236}">
+                  <a16:creationId xmlns:a16="http://schemas.microsoft.com/office/drawing/2014/main" id="{9DBB1BB8-905C-61F4-0F8D-589952F9A705}"/>
+                </a:ext>
+              </a:extLst>
+            </p:cNvPr>
+            <p:cNvCxnSpPr>
+              <a:cxnSpLocks/>
+              <a:endCxn id="25" idx="7"/>
+            </p:cNvCxnSpPr>
+            <p:nvPr/>
+          </p:nvCxnSpPr>
+          <p:spPr>
+            <a:xfrm flipV="1">
+              <a:off x="3665437" y="1724038"/>
+              <a:ext cx="415658" cy="415657"/>
+            </a:xfrm>
+            <a:prstGeom prst="line">
+              <a:avLst/>
+            </a:prstGeom>
+            <a:ln w="12700">
+              <a:solidFill>
+                <a:schemeClr val="tx1">
+                  <a:lumMod val="85000"/>
+                  <a:lumOff val="15000"/>
+                </a:schemeClr>
+              </a:solidFill>
+            </a:ln>
+          </p:spPr>
+          <p:style>
+            <a:lnRef idx="1">
+              <a:schemeClr val="accent1"/>
+            </a:lnRef>
+            <a:fillRef idx="0">
+              <a:schemeClr val="accent1"/>
+            </a:fillRef>
+            <a:effectRef idx="0">
+              <a:schemeClr val="accent1"/>
+            </a:effectRef>
+            <a:fontRef idx="minor">
+              <a:schemeClr val="tx1"/>
+            </a:fontRef>
+          </p:style>
+        </p:cxnSp>
+        <p:cxnSp>
+          <p:nvCxnSpPr>
+            <p:cNvPr id="57" name="直線接點 56">
+              <a:extLst>
+                <a:ext uri="{FF2B5EF4-FFF2-40B4-BE49-F238E27FC236}">
+                  <a16:creationId xmlns:a16="http://schemas.microsoft.com/office/drawing/2014/main" id="{F921B772-F159-396A-9408-A0733B5B7E36}"/>
+                </a:ext>
+              </a:extLst>
+            </p:cNvPr>
+            <p:cNvCxnSpPr>
+              <a:cxnSpLocks/>
+            </p:cNvCxnSpPr>
+            <p:nvPr/>
+          </p:nvCxnSpPr>
+          <p:spPr>
+            <a:xfrm>
+              <a:off x="4081095" y="1721628"/>
+              <a:ext cx="1203228" cy="418067"/>
+            </a:xfrm>
+            <a:prstGeom prst="line">
+              <a:avLst/>
+            </a:prstGeom>
+            <a:ln w="12700">
+              <a:solidFill>
+                <a:schemeClr val="tx1">
+                  <a:lumMod val="85000"/>
+                  <a:lumOff val="15000"/>
+                </a:schemeClr>
+              </a:solidFill>
+            </a:ln>
+          </p:spPr>
+          <p:style>
+            <a:lnRef idx="1">
+              <a:schemeClr val="accent1"/>
+            </a:lnRef>
+            <a:fillRef idx="0">
+              <a:schemeClr val="accent1"/>
+            </a:fillRef>
+            <a:effectRef idx="0">
+              <a:schemeClr val="accent1"/>
+            </a:effectRef>
+            <a:fontRef idx="minor">
+              <a:schemeClr val="tx1"/>
+            </a:fontRef>
+          </p:style>
+        </p:cxnSp>
+        <p:sp>
+          <p:nvSpPr>
+            <p:cNvPr id="63" name="文字方塊 62">
+              <a:extLst>
+                <a:ext uri="{FF2B5EF4-FFF2-40B4-BE49-F238E27FC236}">
+                  <a16:creationId xmlns:a16="http://schemas.microsoft.com/office/drawing/2014/main" id="{1A02CCF3-8A87-40E4-E366-F545289665A3}"/>
+                </a:ext>
+              </a:extLst>
+            </p:cNvPr>
+            <p:cNvSpPr txBox="1"/>
+            <p:nvPr/>
+          </p:nvSpPr>
+          <p:spPr>
+            <a:xfrm>
+              <a:off x="3423806" y="1988217"/>
+              <a:ext cx="253596" cy="261610"/>
+            </a:xfrm>
+            <a:prstGeom prst="rect">
+              <a:avLst/>
+            </a:prstGeom>
+            <a:noFill/>
+          </p:spPr>
+          <p:txBody>
+            <a:bodyPr wrap="none" rtlCol="0">
+              <a:spAutoFit/>
+            </a:bodyPr>
+            <a:lstStyle/>
+            <a:p>
+              <a:r>
+                <a:rPr kumimoji="1" lang="en-US" altLang="zh-TW" sz="1100" dirty="0">
+                  <a:latin typeface="Myriad Pro" panose="020B0503030403020204" pitchFamily="34" charset="0"/>
+                </a:rPr>
+                <a:t>S</a:t>
+              </a:r>
+              <a:endParaRPr kumimoji="1" lang="zh-TW" altLang="en-US" sz="1100" dirty="0">
+                <a:latin typeface="Myriad Pro" panose="020B0503030403020204" pitchFamily="34" charset="0"/>
+              </a:endParaRPr>
+            </a:p>
+          </p:txBody>
+        </p:sp>
+        <p:sp>
+          <p:nvSpPr>
+            <p:cNvPr id="64" name="文字方塊 63">
+              <a:extLst>
+                <a:ext uri="{FF2B5EF4-FFF2-40B4-BE49-F238E27FC236}">
+                  <a16:creationId xmlns:a16="http://schemas.microsoft.com/office/drawing/2014/main" id="{7A1303E1-BD84-A53C-BAAA-C3CC2E240B1D}"/>
+                </a:ext>
+              </a:extLst>
+            </p:cNvPr>
+            <p:cNvSpPr txBox="1"/>
+            <p:nvPr/>
+          </p:nvSpPr>
+          <p:spPr>
+            <a:xfrm>
+              <a:off x="5289562" y="1985806"/>
+              <a:ext cx="253596" cy="261610"/>
+            </a:xfrm>
+            <a:prstGeom prst="rect">
+              <a:avLst/>
+            </a:prstGeom>
+            <a:noFill/>
+          </p:spPr>
+          <p:txBody>
+            <a:bodyPr wrap="none" rtlCol="0">
+              <a:spAutoFit/>
+            </a:bodyPr>
+            <a:lstStyle/>
+            <a:p>
+              <a:r>
+                <a:rPr kumimoji="1" lang="en-US" altLang="zh-TW" sz="1100" dirty="0">
+                  <a:latin typeface="Myriad Pro" panose="020B0503030403020204" pitchFamily="34" charset="0"/>
+                </a:rPr>
+                <a:t>E</a:t>
+              </a:r>
+              <a:endParaRPr kumimoji="1" lang="zh-TW" altLang="en-US" sz="1100" dirty="0">
+                <a:latin typeface="Myriad Pro" panose="020B0503030403020204" pitchFamily="34" charset="0"/>
+              </a:endParaRPr>
+            </a:p>
+          </p:txBody>
+        </p:sp>
+        <p:sp>
+          <p:nvSpPr>
+            <p:cNvPr id="66" name="文字方塊 65">
+              <a:extLst>
+                <a:ext uri="{FF2B5EF4-FFF2-40B4-BE49-F238E27FC236}">
+                  <a16:creationId xmlns:a16="http://schemas.microsoft.com/office/drawing/2014/main" id="{676B1411-95FB-3C86-D796-CABE8444B094}"/>
+                </a:ext>
+              </a:extLst>
+            </p:cNvPr>
+            <p:cNvSpPr txBox="1"/>
+            <p:nvPr/>
+          </p:nvSpPr>
+          <p:spPr>
+            <a:xfrm>
+              <a:off x="3933201" y="1378848"/>
+              <a:ext cx="261610" cy="261610"/>
+            </a:xfrm>
+            <a:prstGeom prst="rect">
+              <a:avLst/>
+            </a:prstGeom>
+            <a:noFill/>
+          </p:spPr>
+          <p:txBody>
+            <a:bodyPr wrap="none" rtlCol="0">
+              <a:spAutoFit/>
+            </a:bodyPr>
+            <a:lstStyle/>
+            <a:p>
+              <a:r>
+                <a:rPr kumimoji="1" lang="en-US" altLang="zh-TW" sz="1100" dirty="0">
+                  <a:latin typeface="Myriad Pro" panose="020B0503030403020204" pitchFamily="34" charset="0"/>
+                </a:rPr>
+                <a:t>B</a:t>
+              </a:r>
+              <a:endParaRPr kumimoji="1" lang="zh-TW" altLang="en-US" sz="1100" dirty="0">
+                <a:latin typeface="Myriad Pro" panose="020B0503030403020204" pitchFamily="34" charset="0"/>
+              </a:endParaRPr>
+            </a:p>
+          </p:txBody>
+        </p:sp>
+        <p:cxnSp>
+          <p:nvCxnSpPr>
+            <p:cNvPr id="70" name="直線接點 69">
+              <a:extLst>
+                <a:ext uri="{FF2B5EF4-FFF2-40B4-BE49-F238E27FC236}">
+                  <a16:creationId xmlns:a16="http://schemas.microsoft.com/office/drawing/2014/main" id="{A4249A2D-03C5-62B8-6794-39E139362C06}"/>
+                </a:ext>
+              </a:extLst>
+            </p:cNvPr>
+            <p:cNvCxnSpPr>
+              <a:cxnSpLocks/>
+            </p:cNvCxnSpPr>
+            <p:nvPr/>
+          </p:nvCxnSpPr>
+          <p:spPr>
+            <a:xfrm flipV="1">
+              <a:off x="4085410" y="1458898"/>
+              <a:ext cx="260321" cy="260320"/>
+            </a:xfrm>
+            <a:prstGeom prst="line">
+              <a:avLst/>
+            </a:prstGeom>
+            <a:ln w="12700">
+              <a:solidFill>
+                <a:schemeClr val="tx1">
+                  <a:lumMod val="85000"/>
+                  <a:lumOff val="15000"/>
+                </a:schemeClr>
+              </a:solidFill>
+              <a:prstDash val="sysDash"/>
+            </a:ln>
+          </p:spPr>
+          <p:style>
+            <a:lnRef idx="1">
+              <a:schemeClr val="accent1"/>
+            </a:lnRef>
+            <a:fillRef idx="0">
+              <a:schemeClr val="accent1"/>
+            </a:fillRef>
+            <a:effectRef idx="0">
+              <a:schemeClr val="accent1"/>
+            </a:effectRef>
+            <a:fontRef idx="minor">
+              <a:schemeClr val="tx1"/>
+            </a:fontRef>
+          </p:style>
+        </p:cxnSp>
+        <p:sp>
+          <p:nvSpPr>
+            <p:cNvPr id="71" name="文字方塊 70">
+              <a:extLst>
+                <a:ext uri="{FF2B5EF4-FFF2-40B4-BE49-F238E27FC236}">
+                  <a16:creationId xmlns:a16="http://schemas.microsoft.com/office/drawing/2014/main" id="{A05488BB-2D1E-AADD-24BD-5488142C9D71}"/>
+                </a:ext>
+              </a:extLst>
+            </p:cNvPr>
+            <p:cNvSpPr txBox="1"/>
+            <p:nvPr/>
+          </p:nvSpPr>
+          <p:spPr>
+            <a:xfrm>
+              <a:off x="4172543" y="2631846"/>
+              <a:ext cx="276038" cy="261610"/>
+            </a:xfrm>
+            <a:prstGeom prst="rect">
+              <a:avLst/>
+            </a:prstGeom>
+            <a:noFill/>
+          </p:spPr>
+          <p:txBody>
+            <a:bodyPr wrap="none" rtlCol="0">
+              <a:spAutoFit/>
+            </a:bodyPr>
+            <a:lstStyle/>
+            <a:p>
+              <a:r>
+                <a:rPr kumimoji="1" lang="en-US" altLang="zh-TW" sz="1100" dirty="0">
+                  <a:latin typeface="Myriad Pro" panose="020B0503030403020204" pitchFamily="34" charset="0"/>
+                </a:rPr>
+                <a:t>G</a:t>
+              </a:r>
+              <a:endParaRPr kumimoji="1" lang="zh-TW" altLang="en-US" sz="1100" dirty="0">
+                <a:latin typeface="Myriad Pro" panose="020B0503030403020204" pitchFamily="34" charset="0"/>
+              </a:endParaRPr>
+            </a:p>
+          </p:txBody>
+        </p:sp>
+        <p:cxnSp>
+          <p:nvCxnSpPr>
+            <p:cNvPr id="73" name="直線接點 72">
+              <a:extLst>
+                <a:ext uri="{FF2B5EF4-FFF2-40B4-BE49-F238E27FC236}">
+                  <a16:creationId xmlns:a16="http://schemas.microsoft.com/office/drawing/2014/main" id="{D54E4637-171B-F4FC-8CF4-381D53C8901F}"/>
+                </a:ext>
+              </a:extLst>
+            </p:cNvPr>
+            <p:cNvCxnSpPr>
+              <a:cxnSpLocks/>
+            </p:cNvCxnSpPr>
+            <p:nvPr/>
+          </p:nvCxnSpPr>
+          <p:spPr>
+            <a:xfrm flipH="1" flipV="1">
+              <a:off x="4081095" y="1724847"/>
+              <a:ext cx="229757" cy="907401"/>
+            </a:xfrm>
+            <a:prstGeom prst="line">
+              <a:avLst/>
+            </a:prstGeom>
+            <a:ln w="12700">
+              <a:solidFill>
+                <a:schemeClr val="tx1">
+                  <a:lumMod val="85000"/>
+                  <a:lumOff val="15000"/>
+                </a:schemeClr>
+              </a:solidFill>
+            </a:ln>
+          </p:spPr>
+          <p:style>
+            <a:lnRef idx="1">
+              <a:schemeClr val="accent1"/>
+            </a:lnRef>
+            <a:fillRef idx="0">
+              <a:schemeClr val="accent1"/>
+            </a:fillRef>
+            <a:effectRef idx="0">
+              <a:schemeClr val="accent1"/>
+            </a:effectRef>
+            <a:fontRef idx="minor">
+              <a:schemeClr val="tx1"/>
+            </a:fontRef>
+          </p:style>
+        </p:cxnSp>
+        <p:cxnSp>
+          <p:nvCxnSpPr>
+            <p:cNvPr id="74" name="直線接點 73">
+              <a:extLst>
+                <a:ext uri="{FF2B5EF4-FFF2-40B4-BE49-F238E27FC236}">
+                  <a16:creationId xmlns:a16="http://schemas.microsoft.com/office/drawing/2014/main" id="{4EA1BDEE-29CB-DA17-5D20-8BF6CF221E3A}"/>
+                </a:ext>
+              </a:extLst>
+            </p:cNvPr>
+            <p:cNvCxnSpPr>
+              <a:cxnSpLocks/>
+            </p:cNvCxnSpPr>
+            <p:nvPr/>
+          </p:nvCxnSpPr>
+          <p:spPr>
+            <a:xfrm>
+              <a:off x="3665437" y="2138489"/>
+              <a:ext cx="645415" cy="493759"/>
+            </a:xfrm>
+            <a:prstGeom prst="line">
+              <a:avLst/>
+            </a:prstGeom>
+            <a:ln w="12700">
+              <a:solidFill>
+                <a:schemeClr val="tx1">
+                  <a:lumMod val="85000"/>
+                  <a:lumOff val="15000"/>
+                </a:schemeClr>
+              </a:solidFill>
+              <a:prstDash val="sysDash"/>
+            </a:ln>
+          </p:spPr>
+          <p:style>
+            <a:lnRef idx="1">
+              <a:schemeClr val="accent1"/>
+            </a:lnRef>
+            <a:fillRef idx="0">
+              <a:schemeClr val="accent1"/>
+            </a:fillRef>
+            <a:effectRef idx="0">
+              <a:schemeClr val="accent1"/>
+            </a:effectRef>
+            <a:fontRef idx="minor">
+              <a:schemeClr val="tx1"/>
+            </a:fontRef>
+          </p:style>
+        </p:cxnSp>
+        <p:cxnSp>
+          <p:nvCxnSpPr>
+            <p:cNvPr id="83" name="直線接點 82">
+              <a:extLst>
+                <a:ext uri="{FF2B5EF4-FFF2-40B4-BE49-F238E27FC236}">
+                  <a16:creationId xmlns:a16="http://schemas.microsoft.com/office/drawing/2014/main" id="{31AC1C2F-83C5-8BA1-D6D4-2B1269BC7EC1}"/>
+                </a:ext>
+              </a:extLst>
+            </p:cNvPr>
+            <p:cNvCxnSpPr>
+              <a:cxnSpLocks/>
+            </p:cNvCxnSpPr>
+            <p:nvPr/>
+          </p:nvCxnSpPr>
+          <p:spPr>
+            <a:xfrm flipV="1">
+              <a:off x="4310852" y="2138489"/>
+              <a:ext cx="973471" cy="493759"/>
+            </a:xfrm>
+            <a:prstGeom prst="line">
+              <a:avLst/>
+            </a:prstGeom>
+            <a:ln w="12700">
+              <a:solidFill>
+                <a:schemeClr val="tx1">
+                  <a:lumMod val="85000"/>
+                  <a:lumOff val="15000"/>
+                </a:schemeClr>
+              </a:solidFill>
+            </a:ln>
+          </p:spPr>
+          <p:style>
+            <a:lnRef idx="1">
+              <a:schemeClr val="accent1"/>
+            </a:lnRef>
+            <a:fillRef idx="0">
+              <a:schemeClr val="accent1"/>
+            </a:fillRef>
+            <a:effectRef idx="0">
+              <a:schemeClr val="accent1"/>
+            </a:effectRef>
+            <a:fontRef idx="minor">
+              <a:schemeClr val="tx1"/>
+            </a:fontRef>
+          </p:style>
+        </p:cxnSp>
+        <p:sp>
+          <p:nvSpPr>
+            <p:cNvPr id="91" name="文字方塊 90">
+              <a:extLst>
+                <a:ext uri="{FF2B5EF4-FFF2-40B4-BE49-F238E27FC236}">
+                  <a16:creationId xmlns:a16="http://schemas.microsoft.com/office/drawing/2014/main" id="{50BA50B2-0FBA-E570-2B26-A1BDA85FB2E2}"/>
+                </a:ext>
+              </a:extLst>
+            </p:cNvPr>
+            <p:cNvSpPr txBox="1"/>
+            <p:nvPr/>
+          </p:nvSpPr>
+          <p:spPr>
+            <a:xfrm>
+              <a:off x="3625958" y="1704202"/>
+              <a:ext cx="284052" cy="261610"/>
+            </a:xfrm>
+            <a:prstGeom prst="rect">
+              <a:avLst/>
+            </a:prstGeom>
+            <a:noFill/>
+          </p:spPr>
+          <p:txBody>
+            <a:bodyPr wrap="none" rtlCol="0">
+              <a:spAutoFit/>
+            </a:bodyPr>
+            <a:lstStyle/>
+            <a:p>
+              <a:r>
+                <a:rPr kumimoji="1" lang="en-US" altLang="zh-TW" sz="1100" i="1" dirty="0">
+                  <a:latin typeface="Minion Pro" panose="02040503050201020203" pitchFamily="18" charset="0"/>
+                </a:rPr>
+                <a:t>D</a:t>
+              </a:r>
+              <a:endParaRPr kumimoji="1" lang="zh-TW" altLang="en-US" sz="1100" i="1" dirty="0">
+                <a:latin typeface="Minion Pro" panose="02040503050201020203" pitchFamily="18" charset="0"/>
+              </a:endParaRPr>
+            </a:p>
+          </p:txBody>
+        </p:sp>
+        <p:sp>
+          <p:nvSpPr>
+            <p:cNvPr id="92" name="文字方塊 91">
+              <a:extLst>
+                <a:ext uri="{FF2B5EF4-FFF2-40B4-BE49-F238E27FC236}">
+                  <a16:creationId xmlns:a16="http://schemas.microsoft.com/office/drawing/2014/main" id="{05F119E0-9484-E171-0A0E-811B69A342E5}"/>
+                </a:ext>
+              </a:extLst>
+            </p:cNvPr>
+            <p:cNvSpPr txBox="1"/>
+            <p:nvPr/>
+          </p:nvSpPr>
+          <p:spPr>
+            <a:xfrm>
+              <a:off x="4602090" y="1678030"/>
+              <a:ext cx="256802" cy="261610"/>
+            </a:xfrm>
+            <a:prstGeom prst="rect">
+              <a:avLst/>
+            </a:prstGeom>
+            <a:noFill/>
+          </p:spPr>
+          <p:txBody>
+            <a:bodyPr wrap="none" rtlCol="0">
+              <a:spAutoFit/>
+            </a:bodyPr>
+            <a:lstStyle/>
+            <a:p>
+              <a:r>
+                <a:rPr kumimoji="1" lang="en-US" altLang="zh-TW" sz="1100" i="1" dirty="0">
+                  <a:latin typeface="Minion Pro" panose="02040503050201020203" pitchFamily="18" charset="0"/>
+                </a:rPr>
+                <a:t>d</a:t>
+              </a:r>
+              <a:endParaRPr kumimoji="1" lang="zh-TW" altLang="en-US" sz="1100" i="1" dirty="0">
+                <a:latin typeface="Minion Pro" panose="02040503050201020203" pitchFamily="18" charset="0"/>
+              </a:endParaRPr>
+            </a:p>
+          </p:txBody>
+        </p:sp>
+        <p:sp>
+          <p:nvSpPr>
+            <p:cNvPr id="96" name="文字方塊 95">
+              <a:extLst>
+                <a:ext uri="{FF2B5EF4-FFF2-40B4-BE49-F238E27FC236}">
+                  <a16:creationId xmlns:a16="http://schemas.microsoft.com/office/drawing/2014/main" id="{F161B79A-D364-4900-4A29-F04DA04DF6F1}"/>
+                </a:ext>
+              </a:extLst>
+            </p:cNvPr>
+            <p:cNvSpPr txBox="1"/>
+            <p:nvPr/>
+          </p:nvSpPr>
+          <p:spPr>
+            <a:xfrm>
+              <a:off x="4644340" y="2407246"/>
+              <a:ext cx="306494" cy="261610"/>
+            </a:xfrm>
+            <a:prstGeom prst="rect">
+              <a:avLst/>
+            </a:prstGeom>
+            <a:noFill/>
+          </p:spPr>
+          <p:txBody>
+            <a:bodyPr wrap="none" rtlCol="0">
+              <a:spAutoFit/>
+            </a:bodyPr>
+            <a:lstStyle/>
+            <a:p>
+              <a:r>
+                <a:rPr kumimoji="1" lang="en-US" altLang="zh-TW" sz="1100" i="1" dirty="0">
+                  <a:latin typeface="Minion Pro" panose="02040503050201020203" pitchFamily="18" charset="0"/>
+                </a:rPr>
+                <a:t>R</a:t>
+              </a:r>
+              <a:r>
+                <a:rPr kumimoji="1" lang="en-US" altLang="zh-TW" sz="1100" i="1" baseline="-25000" dirty="0">
+                  <a:latin typeface="Minion Pro" panose="02040503050201020203" pitchFamily="18" charset="0"/>
+                </a:rPr>
+                <a:t>e</a:t>
+              </a:r>
+              <a:endParaRPr kumimoji="1" lang="zh-TW" altLang="en-US" sz="1100" i="1" baseline="-25000" dirty="0">
+                <a:latin typeface="Minion Pro" panose="02040503050201020203" pitchFamily="18" charset="0"/>
+              </a:endParaRPr>
+            </a:p>
+          </p:txBody>
+        </p:sp>
+        <p:sp>
+          <p:nvSpPr>
+            <p:cNvPr id="98" name="文字方塊 97">
+              <a:extLst>
+                <a:ext uri="{FF2B5EF4-FFF2-40B4-BE49-F238E27FC236}">
+                  <a16:creationId xmlns:a16="http://schemas.microsoft.com/office/drawing/2014/main" id="{20187045-4D74-3E56-0D86-21E46FB1096B}"/>
+                </a:ext>
+              </a:extLst>
+            </p:cNvPr>
+            <p:cNvSpPr txBox="1"/>
+            <p:nvPr/>
+          </p:nvSpPr>
+          <p:spPr>
+            <a:xfrm>
+              <a:off x="4237677" y="1889453"/>
+              <a:ext cx="301686" cy="261610"/>
+            </a:xfrm>
+            <a:prstGeom prst="rect">
+              <a:avLst/>
+            </a:prstGeom>
+            <a:noFill/>
+          </p:spPr>
+          <p:txBody>
+            <a:bodyPr wrap="none" rtlCol="0">
+              <a:spAutoFit/>
+            </a:bodyPr>
+            <a:lstStyle/>
+            <a:p>
+              <a:r>
+                <a:rPr kumimoji="1" lang="en-US" altLang="zh-TW" sz="1100" i="1" dirty="0">
+                  <a:latin typeface="Minion Pro" panose="02040503050201020203" pitchFamily="18" charset="0"/>
+                </a:rPr>
+                <a:t>R</a:t>
+              </a:r>
+              <a:r>
+                <a:rPr kumimoji="1" lang="en-US" altLang="zh-TW" sz="1100" i="1" baseline="-25000" dirty="0">
+                  <a:latin typeface="Minion Pro" panose="02040503050201020203" pitchFamily="18" charset="0"/>
+                </a:rPr>
+                <a:t>s</a:t>
+              </a:r>
+              <a:endParaRPr kumimoji="1" lang="zh-TW" altLang="en-US" sz="1100" i="1" baseline="-25000" dirty="0">
+                <a:latin typeface="Minion Pro" panose="02040503050201020203" pitchFamily="18" charset="0"/>
+              </a:endParaRPr>
+            </a:p>
+          </p:txBody>
+        </p:sp>
+        <p:sp>
+          <p:nvSpPr>
+            <p:cNvPr id="100" name="弧線 99">
+              <a:extLst>
+                <a:ext uri="{FF2B5EF4-FFF2-40B4-BE49-F238E27FC236}">
+                  <a16:creationId xmlns:a16="http://schemas.microsoft.com/office/drawing/2014/main" id="{1358FB10-1C47-EBD0-AAD0-F23FD47B6E60}"/>
+                </a:ext>
+              </a:extLst>
+            </p:cNvPr>
+            <p:cNvSpPr/>
+            <p:nvPr/>
+          </p:nvSpPr>
+          <p:spPr>
+            <a:xfrm rot="11786796">
+              <a:off x="4991528" y="2092749"/>
+              <a:ext cx="179709" cy="163897"/>
+            </a:xfrm>
+            <a:prstGeom prst="arc">
+              <a:avLst/>
+            </a:prstGeom>
+            <a:ln w="9525">
+              <a:solidFill>
+                <a:schemeClr val="tx1">
+                  <a:lumMod val="85000"/>
+                  <a:lumOff val="15000"/>
+                </a:schemeClr>
+              </a:solidFill>
+            </a:ln>
+          </p:spPr>
+          <p:style>
+            <a:lnRef idx="1">
+              <a:schemeClr val="accent1"/>
+            </a:lnRef>
+            <a:fillRef idx="0">
+              <a:schemeClr val="accent1"/>
+            </a:fillRef>
+            <a:effectRef idx="0">
+              <a:schemeClr val="accent1"/>
+            </a:effectRef>
+            <a:fontRef idx="minor">
+              <a:schemeClr val="tx1"/>
+            </a:fontRef>
+          </p:style>
+          <p:txBody>
+            <a:bodyPr rtlCol="0" anchor="ctr"/>
+            <a:lstStyle/>
+            <a:p>
+              <a:pPr algn="ctr"/>
+              <a:endParaRPr kumimoji="1" lang="zh-TW" altLang="en-US"/>
+            </a:p>
+          </p:txBody>
+        </p:sp>
+        <p:sp>
+          <p:nvSpPr>
+            <p:cNvPr id="101" name="文字方塊 100">
+              <a:extLst>
+                <a:ext uri="{FF2B5EF4-FFF2-40B4-BE49-F238E27FC236}">
+                  <a16:creationId xmlns:a16="http://schemas.microsoft.com/office/drawing/2014/main" id="{60D15FF9-EEA2-0DB3-7BF7-51796142D442}"/>
+                </a:ext>
+              </a:extLst>
+            </p:cNvPr>
+            <p:cNvSpPr txBox="1"/>
+            <p:nvPr/>
+          </p:nvSpPr>
+          <p:spPr>
+            <a:xfrm>
+              <a:off x="4719509" y="2123758"/>
+              <a:ext cx="256802" cy="261610"/>
+            </a:xfrm>
+            <a:prstGeom prst="rect">
+              <a:avLst/>
+            </a:prstGeom>
+            <a:noFill/>
+          </p:spPr>
+          <p:txBody>
+            <a:bodyPr wrap="none" rtlCol="0">
+              <a:spAutoFit/>
+            </a:bodyPr>
+            <a:lstStyle/>
+            <a:p>
+              <a:r>
+                <a:rPr kumimoji="1" lang="en-US" altLang="zh-TW" sz="1100" i="1" dirty="0">
+                  <a:latin typeface="Minion Pro" panose="02040503050201020203" pitchFamily="18" charset="0"/>
+                </a:rPr>
+                <a:t>β</a:t>
+              </a:r>
+              <a:endParaRPr kumimoji="1" lang="zh-TW" altLang="en-US" sz="1100" i="1" dirty="0">
+                <a:latin typeface="Minion Pro" panose="02040503050201020203" pitchFamily="18" charset="0"/>
+              </a:endParaRPr>
+            </a:p>
+          </p:txBody>
+        </p:sp>
+        <p:sp>
+          <p:nvSpPr>
+            <p:cNvPr id="106" name="弧線 105">
+              <a:extLst>
+                <a:ext uri="{FF2B5EF4-FFF2-40B4-BE49-F238E27FC236}">
+                  <a16:creationId xmlns:a16="http://schemas.microsoft.com/office/drawing/2014/main" id="{1BA77127-6097-F40D-43B2-9514FB038DAE}"/>
+                </a:ext>
+              </a:extLst>
+            </p:cNvPr>
+            <p:cNvSpPr/>
+            <p:nvPr/>
+          </p:nvSpPr>
+          <p:spPr>
+            <a:xfrm rot="1698256">
+              <a:off x="4033674" y="1636311"/>
+              <a:ext cx="179709" cy="163897"/>
+            </a:xfrm>
+            <a:prstGeom prst="arc">
+              <a:avLst/>
+            </a:prstGeom>
+            <a:ln w="9525">
+              <a:solidFill>
+                <a:schemeClr val="tx1">
+                  <a:lumMod val="85000"/>
+                  <a:lumOff val="15000"/>
+                </a:schemeClr>
+              </a:solidFill>
+            </a:ln>
+          </p:spPr>
+          <p:style>
+            <a:lnRef idx="1">
+              <a:schemeClr val="accent1"/>
+            </a:lnRef>
+            <a:fillRef idx="0">
+              <a:schemeClr val="accent1"/>
+            </a:fillRef>
+            <a:effectRef idx="0">
+              <a:schemeClr val="accent1"/>
+            </a:effectRef>
+            <a:fontRef idx="minor">
+              <a:schemeClr val="tx1"/>
+            </a:fontRef>
+          </p:style>
+          <p:txBody>
+            <a:bodyPr rtlCol="0" anchor="ctr"/>
+            <a:lstStyle/>
+            <a:p>
+              <a:pPr algn="ctr"/>
+              <a:endParaRPr kumimoji="1" lang="zh-TW" altLang="en-US"/>
+            </a:p>
+          </p:txBody>
+        </p:sp>
+        <p:sp>
+          <p:nvSpPr>
+            <p:cNvPr id="107" name="文字方塊 106">
+              <a:extLst>
+                <a:ext uri="{FF2B5EF4-FFF2-40B4-BE49-F238E27FC236}">
+                  <a16:creationId xmlns:a16="http://schemas.microsoft.com/office/drawing/2014/main" id="{E8B69E73-528D-ABD7-EF22-0126E4CA423C}"/>
+                </a:ext>
+              </a:extLst>
+            </p:cNvPr>
+            <p:cNvSpPr txBox="1"/>
+            <p:nvPr/>
+          </p:nvSpPr>
+          <p:spPr>
+            <a:xfrm>
+              <a:off x="4173768" y="1514983"/>
+              <a:ext cx="268022" cy="261610"/>
+            </a:xfrm>
+            <a:prstGeom prst="rect">
+              <a:avLst/>
+            </a:prstGeom>
+            <a:noFill/>
+          </p:spPr>
+          <p:txBody>
+            <a:bodyPr wrap="none" rtlCol="0">
+              <a:spAutoFit/>
+            </a:bodyPr>
+            <a:lstStyle/>
+            <a:p>
+              <a:r>
+                <a:rPr kumimoji="1" lang="en-US" altLang="zh-TW" sz="1100" i="1" dirty="0" err="1">
+                  <a:latin typeface="Minion Pro" panose="02040503050201020203" pitchFamily="18" charset="0"/>
+                </a:rPr>
+                <a:t>ψ</a:t>
+              </a:r>
+              <a:endParaRPr kumimoji="1" lang="zh-TW" altLang="en-US" sz="1100" i="1" dirty="0">
+                <a:latin typeface="Minion Pro" panose="02040503050201020203" pitchFamily="18" charset="0"/>
+              </a:endParaRPr>
+            </a:p>
+          </p:txBody>
+        </p:sp>
+        <p:sp>
+          <p:nvSpPr>
+            <p:cNvPr id="108" name="弧線 107">
+              <a:extLst>
+                <a:ext uri="{FF2B5EF4-FFF2-40B4-BE49-F238E27FC236}">
+                  <a16:creationId xmlns:a16="http://schemas.microsoft.com/office/drawing/2014/main" id="{78CD975D-D72D-4A97-0E16-247DCE9E9E21}"/>
+                </a:ext>
+              </a:extLst>
+            </p:cNvPr>
+            <p:cNvSpPr/>
+            <p:nvPr/>
+          </p:nvSpPr>
+          <p:spPr>
+            <a:xfrm rot="13645259">
+              <a:off x="4905359" y="2006467"/>
+              <a:ext cx="179709" cy="163897"/>
+            </a:xfrm>
+            <a:prstGeom prst="arc">
+              <a:avLst/>
+            </a:prstGeom>
+            <a:ln w="9525">
+              <a:solidFill>
+                <a:schemeClr val="tx1">
+                  <a:lumMod val="85000"/>
+                  <a:lumOff val="15000"/>
+                </a:schemeClr>
+              </a:solidFill>
+            </a:ln>
+          </p:spPr>
+          <p:style>
+            <a:lnRef idx="1">
+              <a:schemeClr val="accent1"/>
+            </a:lnRef>
+            <a:fillRef idx="0">
+              <a:schemeClr val="accent1"/>
+            </a:fillRef>
+            <a:effectRef idx="0">
+              <a:schemeClr val="accent1"/>
+            </a:effectRef>
+            <a:fontRef idx="minor">
+              <a:schemeClr val="tx1"/>
+            </a:fontRef>
+          </p:style>
+          <p:txBody>
+            <a:bodyPr rtlCol="0" anchor="ctr"/>
+            <a:lstStyle/>
+            <a:p>
+              <a:pPr algn="ctr"/>
+              <a:endParaRPr kumimoji="1" lang="zh-TW" altLang="en-US"/>
+            </a:p>
+          </p:txBody>
+        </p:sp>
+        <p:sp>
+          <p:nvSpPr>
+            <p:cNvPr id="109" name="文字方塊 108">
+              <a:extLst>
+                <a:ext uri="{FF2B5EF4-FFF2-40B4-BE49-F238E27FC236}">
+                  <a16:creationId xmlns:a16="http://schemas.microsoft.com/office/drawing/2014/main" id="{2D33077E-088A-1D41-470E-D0239ED9466E}"/>
+                </a:ext>
+              </a:extLst>
+            </p:cNvPr>
+            <p:cNvSpPr txBox="1"/>
+            <p:nvPr/>
+          </p:nvSpPr>
+          <p:spPr>
+            <a:xfrm>
+              <a:off x="4601047" y="1931181"/>
+              <a:ext cx="251992" cy="261610"/>
+            </a:xfrm>
+            <a:prstGeom prst="rect">
+              <a:avLst/>
+            </a:prstGeom>
+            <a:noFill/>
+          </p:spPr>
+          <p:txBody>
+            <a:bodyPr wrap="none" rtlCol="0">
+              <a:spAutoFit/>
+            </a:bodyPr>
+            <a:lstStyle/>
+            <a:p>
+              <a:r>
+                <a:rPr kumimoji="1" lang="en-US" altLang="zh-TW" sz="1100" i="1" dirty="0" err="1">
+                  <a:latin typeface="Minion Pro" panose="02040503050201020203" pitchFamily="18" charset="0"/>
+                </a:rPr>
+                <a:t>θ</a:t>
+              </a:r>
+              <a:endParaRPr kumimoji="1" lang="zh-TW" altLang="en-US" sz="1100" i="1" dirty="0">
+                <a:latin typeface="Minion Pro" panose="02040503050201020203" pitchFamily="18" charset="0"/>
+              </a:endParaRPr>
+            </a:p>
+          </p:txBody>
+        </p:sp>
+        <p:grpSp>
+          <p:nvGrpSpPr>
+            <p:cNvPr id="147" name="群組 146">
+              <a:extLst>
+                <a:ext uri="{FF2B5EF4-FFF2-40B4-BE49-F238E27FC236}">
+                  <a16:creationId xmlns:a16="http://schemas.microsoft.com/office/drawing/2014/main" id="{F83DD6C0-BFD4-CFF9-2923-A8CD7DEE5908}"/>
+                </a:ext>
+              </a:extLst>
+            </p:cNvPr>
+            <p:cNvGrpSpPr/>
+            <p:nvPr/>
+          </p:nvGrpSpPr>
+          <p:grpSpPr>
+            <a:xfrm>
+              <a:off x="5029527" y="1267825"/>
+              <a:ext cx="694169" cy="520692"/>
+              <a:chOff x="5653773" y="1912316"/>
+              <a:chExt cx="893949" cy="684444"/>
+            </a:xfrm>
+          </p:grpSpPr>
+          <p:sp>
+            <p:nvSpPr>
+              <p:cNvPr id="134" name="手繪多邊形 133">
+                <a:extLst>
+                  <a:ext uri="{FF2B5EF4-FFF2-40B4-BE49-F238E27FC236}">
+                    <a16:creationId xmlns:a16="http://schemas.microsoft.com/office/drawing/2014/main" id="{99DFD15B-9DA3-9E0D-AE17-F0C247082175}"/>
+                  </a:ext>
+                </a:extLst>
+              </p:cNvPr>
+              <p:cNvSpPr/>
+              <p:nvPr/>
+            </p:nvSpPr>
+            <p:spPr>
+              <a:xfrm>
+                <a:off x="5730342" y="2179443"/>
+                <a:ext cx="817380" cy="343885"/>
+              </a:xfrm>
+              <a:custGeom>
+                <a:avLst/>
+                <a:gdLst>
+                  <a:gd name="connsiteX0" fmla="*/ 0 w 709332"/>
+                  <a:gd name="connsiteY0" fmla="*/ 84044 h 346262"/>
+                  <a:gd name="connsiteX1" fmla="*/ 457200 w 709332"/>
+                  <a:gd name="connsiteY1" fmla="*/ 0 h 346262"/>
+                  <a:gd name="connsiteX2" fmla="*/ 709332 w 709332"/>
+                  <a:gd name="connsiteY2" fmla="*/ 346262 h 346262"/>
+                  <a:gd name="connsiteX3" fmla="*/ 0 w 709332"/>
+                  <a:gd name="connsiteY3" fmla="*/ 84044 h 346262"/>
+                </a:gdLst>
+                <a:ahLst/>
+                <a:cxnLst>
+                  <a:cxn ang="0">
+                    <a:pos x="connsiteX0" y="connsiteY0"/>
+                  </a:cxn>
+                  <a:cxn ang="0">
+                    <a:pos x="connsiteX1" y="connsiteY1"/>
+                  </a:cxn>
+                  <a:cxn ang="0">
+                    <a:pos x="connsiteX2" y="connsiteY2"/>
+                  </a:cxn>
+                  <a:cxn ang="0">
+                    <a:pos x="connsiteX3" y="connsiteY3"/>
+                  </a:cxn>
+                </a:cxnLst>
+                <a:rect l="l" t="t" r="r" b="b"/>
+                <a:pathLst>
+                  <a:path w="709332" h="346262">
+                    <a:moveTo>
+                      <a:pt x="0" y="84044"/>
+                    </a:moveTo>
+                    <a:lnTo>
+                      <a:pt x="457200" y="0"/>
+                    </a:lnTo>
+                    <a:lnTo>
+                      <a:pt x="709332" y="346262"/>
+                    </a:lnTo>
+                    <a:lnTo>
+                      <a:pt x="0" y="84044"/>
+                    </a:lnTo>
+                    <a:close/>
+                  </a:path>
+                </a:pathLst>
+              </a:custGeom>
+              <a:gradFill flip="none" rotWithShape="1">
+                <a:gsLst>
+                  <a:gs pos="47000">
+                    <a:schemeClr val="accent1">
+                      <a:lumMod val="5000"/>
+                      <a:lumOff val="95000"/>
+                      <a:alpha val="0"/>
+                    </a:schemeClr>
+                  </a:gs>
+                  <a:gs pos="80000">
+                    <a:schemeClr val="accent1">
+                      <a:lumMod val="60000"/>
+                      <a:lumOff val="40000"/>
+                    </a:schemeClr>
+                  </a:gs>
+                </a:gsLst>
+                <a:lin ang="17400000" scaled="0"/>
+                <a:tileRect/>
+              </a:gradFill>
+              <a:ln>
+                <a:noFill/>
+              </a:ln>
+            </p:spPr>
+            <p:style>
+              <a:lnRef idx="2">
+                <a:schemeClr val="accent1">
+                  <a:shade val="50000"/>
+                </a:schemeClr>
+              </a:lnRef>
+              <a:fillRef idx="1">
+                <a:schemeClr val="accent1"/>
+              </a:fillRef>
+              <a:effectRef idx="0">
+                <a:schemeClr val="accent1"/>
+              </a:effectRef>
+              <a:fontRef idx="minor">
+                <a:schemeClr val="lt1"/>
+              </a:fontRef>
+            </p:style>
+            <p:txBody>
+              <a:bodyPr rtlCol="0" anchor="ctr"/>
+              <a:lstStyle/>
+              <a:p>
+                <a:pPr algn="ctr"/>
+                <a:endParaRPr kumimoji="1" lang="zh-TW" altLang="en-US"/>
+              </a:p>
+            </p:txBody>
+          </p:sp>
+          <p:cxnSp>
+            <p:nvCxnSpPr>
+              <p:cNvPr id="117" name="直線箭頭接點 116">
+                <a:extLst>
+                  <a:ext uri="{FF2B5EF4-FFF2-40B4-BE49-F238E27FC236}">
+                    <a16:creationId xmlns:a16="http://schemas.microsoft.com/office/drawing/2014/main" id="{BFD7055D-744C-4A44-047C-472576A20F56}"/>
+                  </a:ext>
+                </a:extLst>
+              </p:cNvPr>
+              <p:cNvCxnSpPr>
+                <a:cxnSpLocks/>
+              </p:cNvCxnSpPr>
+              <p:nvPr/>
+            </p:nvCxnSpPr>
+            <p:spPr>
+              <a:xfrm flipV="1">
+                <a:off x="6262255" y="1912316"/>
+                <a:ext cx="0" cy="259531"/>
+              </a:xfrm>
+              <a:prstGeom prst="straightConnector1">
+                <a:avLst/>
+              </a:prstGeom>
+              <a:ln w="9525">
+                <a:solidFill>
+                  <a:schemeClr val="tx1">
+                    <a:lumMod val="95000"/>
+                    <a:lumOff val="5000"/>
+                  </a:schemeClr>
+                </a:solidFill>
+                <a:tailEnd type="stealth" w="sm" len="sm"/>
+              </a:ln>
+            </p:spPr>
+            <p:style>
+              <a:lnRef idx="1">
+                <a:schemeClr val="accent1"/>
+              </a:lnRef>
+              <a:fillRef idx="0">
+                <a:schemeClr val="accent1"/>
+              </a:fillRef>
+              <a:effectRef idx="0">
+                <a:schemeClr val="accent1"/>
+              </a:effectRef>
+              <a:fontRef idx="minor">
+                <a:schemeClr val="tx1"/>
+              </a:fontRef>
+            </p:style>
+          </p:cxnSp>
+          <p:cxnSp>
+            <p:nvCxnSpPr>
+              <p:cNvPr id="127" name="直線箭頭接點 126">
+                <a:extLst>
+                  <a:ext uri="{FF2B5EF4-FFF2-40B4-BE49-F238E27FC236}">
+                    <a16:creationId xmlns:a16="http://schemas.microsoft.com/office/drawing/2014/main" id="{EF6A0035-BD9C-99B9-7FCB-8E175ED648CE}"/>
+                  </a:ext>
+                </a:extLst>
+              </p:cNvPr>
+              <p:cNvCxnSpPr>
+                <a:cxnSpLocks/>
+              </p:cNvCxnSpPr>
+              <p:nvPr/>
+            </p:nvCxnSpPr>
+            <p:spPr>
+              <a:xfrm flipH="1">
+                <a:off x="5653773" y="2171846"/>
+                <a:ext cx="608482" cy="123799"/>
+              </a:xfrm>
+              <a:prstGeom prst="straightConnector1">
+                <a:avLst/>
+              </a:prstGeom>
+              <a:ln w="9525">
+                <a:solidFill>
+                  <a:schemeClr val="tx1">
+                    <a:lumMod val="95000"/>
+                    <a:lumOff val="5000"/>
+                  </a:schemeClr>
+                </a:solidFill>
+                <a:tailEnd type="stealth" w="sm" len="sm"/>
+              </a:ln>
+            </p:spPr>
+            <p:style>
+              <a:lnRef idx="1">
+                <a:schemeClr val="accent1"/>
+              </a:lnRef>
+              <a:fillRef idx="0">
+                <a:schemeClr val="accent1"/>
+              </a:fillRef>
+              <a:effectRef idx="0">
+                <a:schemeClr val="accent1"/>
+              </a:effectRef>
+              <a:fontRef idx="minor">
+                <a:schemeClr val="tx1"/>
+              </a:fontRef>
+            </p:style>
+          </p:cxnSp>
+          <p:cxnSp>
+            <p:nvCxnSpPr>
+              <p:cNvPr id="131" name="直線箭頭接點 130">
+                <a:extLst>
+                  <a:ext uri="{FF2B5EF4-FFF2-40B4-BE49-F238E27FC236}">
+                    <a16:creationId xmlns:a16="http://schemas.microsoft.com/office/drawing/2014/main" id="{9C127A46-3FD8-070C-B894-52F6C88C2F10}"/>
+                  </a:ext>
+                </a:extLst>
+              </p:cNvPr>
+              <p:cNvCxnSpPr>
+                <a:cxnSpLocks/>
+              </p:cNvCxnSpPr>
+              <p:nvPr/>
+            </p:nvCxnSpPr>
+            <p:spPr>
+              <a:xfrm>
+                <a:off x="6262254" y="2171846"/>
+                <a:ext cx="232981" cy="316903"/>
+              </a:xfrm>
+              <a:prstGeom prst="straightConnector1">
+                <a:avLst/>
+              </a:prstGeom>
+              <a:ln w="9525">
+                <a:solidFill>
+                  <a:schemeClr val="tx1">
+                    <a:lumMod val="95000"/>
+                    <a:lumOff val="5000"/>
+                  </a:schemeClr>
+                </a:solidFill>
+                <a:tailEnd type="stealth" w="sm" len="sm"/>
+              </a:ln>
+            </p:spPr>
+            <p:style>
+              <a:lnRef idx="1">
+                <a:schemeClr val="accent1"/>
+              </a:lnRef>
+              <a:fillRef idx="0">
+                <a:schemeClr val="accent1"/>
+              </a:fillRef>
+              <a:effectRef idx="0">
+                <a:schemeClr val="accent1"/>
+              </a:effectRef>
+              <a:fontRef idx="minor">
+                <a:schemeClr val="tx1"/>
+              </a:fontRef>
+            </p:style>
+          </p:cxnSp>
+          <p:sp>
+            <p:nvSpPr>
+              <p:cNvPr id="135" name="三角形 134">
+                <a:extLst>
+                  <a:ext uri="{FF2B5EF4-FFF2-40B4-BE49-F238E27FC236}">
+                    <a16:creationId xmlns:a16="http://schemas.microsoft.com/office/drawing/2014/main" id="{F7073272-29B2-D13F-6639-8138EBD16863}"/>
+                  </a:ext>
+                </a:extLst>
+              </p:cNvPr>
+              <p:cNvSpPr/>
+              <p:nvPr/>
+            </p:nvSpPr>
+            <p:spPr>
+              <a:xfrm rot="20926138" flipV="1">
+                <a:off x="5899153" y="2287082"/>
+                <a:ext cx="352832" cy="143073"/>
+              </a:xfrm>
+              <a:prstGeom prst="triangle">
+                <a:avLst>
+                  <a:gd name="adj" fmla="val 34058"/>
+                </a:avLst>
+              </a:prstGeom>
+              <a:noFill/>
+              <a:ln w="9525">
+                <a:solidFill>
+                  <a:schemeClr val="tx1">
+                    <a:lumMod val="85000"/>
+                    <a:lumOff val="15000"/>
+                  </a:schemeClr>
+                </a:solidFill>
+              </a:ln>
+            </p:spPr>
+            <p:style>
+              <a:lnRef idx="2">
+                <a:schemeClr val="accent1">
+                  <a:shade val="50000"/>
+                </a:schemeClr>
+              </a:lnRef>
+              <a:fillRef idx="1">
+                <a:schemeClr val="accent1"/>
+              </a:fillRef>
+              <a:effectRef idx="0">
+                <a:schemeClr val="accent1"/>
+              </a:effectRef>
+              <a:fontRef idx="minor">
+                <a:schemeClr val="lt1"/>
+              </a:fontRef>
+            </p:style>
+            <p:txBody>
+              <a:bodyPr rtlCol="0" anchor="ctr"/>
+              <a:lstStyle/>
+              <a:p>
+                <a:pPr algn="ctr"/>
+                <a:endParaRPr kumimoji="1" lang="zh-TW" altLang="en-US"/>
+              </a:p>
+            </p:txBody>
+          </p:sp>
+          <p:sp>
+            <p:nvSpPr>
+              <p:cNvPr id="139" name="文字方塊 138">
+                <a:extLst>
+                  <a:ext uri="{FF2B5EF4-FFF2-40B4-BE49-F238E27FC236}">
+                    <a16:creationId xmlns:a16="http://schemas.microsoft.com/office/drawing/2014/main" id="{5748195D-806D-0CCE-E3E8-D1D337D5CD7D}"/>
+                  </a:ext>
+                </a:extLst>
+              </p:cNvPr>
+              <p:cNvSpPr txBox="1"/>
+              <p:nvPr/>
+            </p:nvSpPr>
+            <p:spPr>
+              <a:xfrm>
+                <a:off x="5677393" y="2230420"/>
+                <a:ext cx="223138" cy="184666"/>
+              </a:xfrm>
+              <a:prstGeom prst="rect">
+                <a:avLst/>
+              </a:prstGeom>
+              <a:noFill/>
+            </p:spPr>
+            <p:txBody>
+              <a:bodyPr wrap="none" rtlCol="0">
+                <a:spAutoFit/>
+              </a:bodyPr>
+              <a:lstStyle/>
+              <a:p>
+                <a:r>
+                  <a:rPr kumimoji="1" lang="en-US" altLang="zh-TW" sz="600" dirty="0">
+                    <a:latin typeface="Myriad Pro" panose="020B0503030403020204" pitchFamily="34" charset="0"/>
+                  </a:rPr>
+                  <a:t>S</a:t>
+                </a:r>
+                <a:endParaRPr kumimoji="1" lang="zh-TW" altLang="en-US" sz="600" dirty="0">
+                  <a:latin typeface="Myriad Pro" panose="020B0503030403020204" pitchFamily="34" charset="0"/>
+                </a:endParaRPr>
+              </a:p>
+            </p:txBody>
+          </p:sp>
+          <p:sp>
+            <p:nvSpPr>
+              <p:cNvPr id="140" name="文字方塊 139">
+                <a:extLst>
+                  <a:ext uri="{FF2B5EF4-FFF2-40B4-BE49-F238E27FC236}">
+                    <a16:creationId xmlns:a16="http://schemas.microsoft.com/office/drawing/2014/main" id="{2D1188B9-E5B6-3B0A-D430-5133589F7D5B}"/>
+                  </a:ext>
+                </a:extLst>
+              </p:cNvPr>
+              <p:cNvSpPr txBox="1"/>
+              <p:nvPr/>
+            </p:nvSpPr>
+            <p:spPr>
+              <a:xfrm>
+                <a:off x="5908428" y="2412094"/>
+                <a:ext cx="234360" cy="184666"/>
+              </a:xfrm>
+              <a:prstGeom prst="rect">
+                <a:avLst/>
+              </a:prstGeom>
+              <a:noFill/>
+            </p:spPr>
+            <p:txBody>
+              <a:bodyPr wrap="none" rtlCol="0">
+                <a:spAutoFit/>
+              </a:bodyPr>
+              <a:lstStyle/>
+              <a:p>
+                <a:r>
+                  <a:rPr kumimoji="1" lang="en-US" altLang="zh-TW" sz="600" dirty="0">
+                    <a:latin typeface="Myriad Pro" panose="020B0503030403020204" pitchFamily="34" charset="0"/>
+                  </a:rPr>
+                  <a:t>G</a:t>
+                </a:r>
+                <a:endParaRPr kumimoji="1" lang="zh-TW" altLang="en-US" sz="600" dirty="0">
+                  <a:latin typeface="Myriad Pro" panose="020B0503030403020204" pitchFamily="34" charset="0"/>
+                </a:endParaRPr>
+              </a:p>
+            </p:txBody>
+          </p:sp>
+          <p:sp>
+            <p:nvSpPr>
+              <p:cNvPr id="145" name="文字方塊 144">
+                <a:extLst>
+                  <a:ext uri="{FF2B5EF4-FFF2-40B4-BE49-F238E27FC236}">
+                    <a16:creationId xmlns:a16="http://schemas.microsoft.com/office/drawing/2014/main" id="{F838D36C-2754-082A-710D-4C0731833E21}"/>
+                  </a:ext>
+                </a:extLst>
+              </p:cNvPr>
+              <p:cNvSpPr txBox="1"/>
+              <p:nvPr/>
+            </p:nvSpPr>
+            <p:spPr>
+              <a:xfrm>
+                <a:off x="6129783" y="2230462"/>
+                <a:ext cx="223138" cy="184666"/>
+              </a:xfrm>
+              <a:prstGeom prst="rect">
+                <a:avLst/>
+              </a:prstGeom>
+              <a:noFill/>
+            </p:spPr>
+            <p:txBody>
+              <a:bodyPr wrap="none" rtlCol="0">
+                <a:spAutoFit/>
+              </a:bodyPr>
+              <a:lstStyle/>
+              <a:p>
+                <a:r>
+                  <a:rPr kumimoji="1" lang="en-US" altLang="zh-TW" sz="600" dirty="0">
+                    <a:latin typeface="Myriad Pro" panose="020B0503030403020204" pitchFamily="34" charset="0"/>
+                  </a:rPr>
+                  <a:t>E</a:t>
+                </a:r>
+                <a:endParaRPr kumimoji="1" lang="zh-TW" altLang="en-US" sz="600" dirty="0">
+                  <a:latin typeface="Myriad Pro" panose="020B0503030403020204" pitchFamily="34" charset="0"/>
+                </a:endParaRPr>
+              </a:p>
+            </p:txBody>
+          </p:sp>
+        </p:grpSp>
+        <p:sp>
+          <p:nvSpPr>
+            <p:cNvPr id="157" name="文字方塊 156">
+              <a:extLst>
+                <a:ext uri="{FF2B5EF4-FFF2-40B4-BE49-F238E27FC236}">
+                  <a16:creationId xmlns:a16="http://schemas.microsoft.com/office/drawing/2014/main" id="{6064DAD2-76EA-1D13-901E-2C7C331D297D}"/>
+                </a:ext>
+              </a:extLst>
+            </p:cNvPr>
+            <p:cNvSpPr txBox="1"/>
+            <p:nvPr/>
+          </p:nvSpPr>
+          <p:spPr>
+            <a:xfrm>
+              <a:off x="2855939" y="1309692"/>
+              <a:ext cx="827471" cy="261610"/>
+            </a:xfrm>
+            <a:prstGeom prst="rect">
+              <a:avLst/>
+            </a:prstGeom>
+            <a:noFill/>
+          </p:spPr>
+          <p:txBody>
+            <a:bodyPr wrap="none" rtlCol="0">
+              <a:spAutoFit/>
+            </a:bodyPr>
+            <a:lstStyle/>
+            <a:p>
+              <a:r>
+                <a:rPr kumimoji="1" lang="en-US" altLang="zh-TW" sz="1100" dirty="0" err="1">
+                  <a:latin typeface="Minion Pro" panose="02040503050201020203" pitchFamily="18" charset="0"/>
+                </a:rPr>
+                <a:t>SN</a:t>
+              </a:r>
+              <a:r>
+                <a:rPr kumimoji="1" lang="en-US" altLang="zh-TW" sz="1100" i="1" dirty="0" err="1">
+                  <a:latin typeface="Minion Pro" panose="02040503050201020203" pitchFamily="18" charset="0"/>
+                </a:rPr>
+                <a:t>ν</a:t>
+              </a:r>
+              <a:r>
+                <a:rPr kumimoji="1" lang="en-US" altLang="zh-TW" sz="1100" dirty="0">
+                  <a:latin typeface="Minion Pro" panose="02040503050201020203" pitchFamily="18" charset="0"/>
+                </a:rPr>
+                <a:t> sphere</a:t>
+              </a:r>
+              <a:endParaRPr kumimoji="1" lang="zh-TW" altLang="en-US" sz="1100" dirty="0">
+                <a:latin typeface="Minion Pro" panose="02040503050201020203" pitchFamily="18" charset="0"/>
+              </a:endParaRPr>
+            </a:p>
+          </p:txBody>
+        </p:sp>
+        <p:sp>
+          <p:nvSpPr>
+            <p:cNvPr id="160" name="文字方塊 159">
+              <a:extLst>
+                <a:ext uri="{FF2B5EF4-FFF2-40B4-BE49-F238E27FC236}">
+                  <a16:creationId xmlns:a16="http://schemas.microsoft.com/office/drawing/2014/main" id="{3795BD78-F8D9-1A06-8AB4-B6F4E1EF6FFC}"/>
+                </a:ext>
+              </a:extLst>
+            </p:cNvPr>
+            <p:cNvSpPr txBox="1"/>
+            <p:nvPr/>
+          </p:nvSpPr>
+          <p:spPr>
+            <a:xfrm>
+              <a:off x="3954290" y="1891233"/>
+              <a:ext cx="235962" cy="261610"/>
+            </a:xfrm>
+            <a:prstGeom prst="rect">
+              <a:avLst/>
+            </a:prstGeom>
+            <a:noFill/>
+          </p:spPr>
+          <p:txBody>
+            <a:bodyPr wrap="none" rtlCol="0">
+              <a:spAutoFit/>
+            </a:bodyPr>
+            <a:lstStyle/>
+            <a:p>
+              <a:r>
+                <a:rPr kumimoji="1" lang="en-US" altLang="zh-TW" sz="1100" i="1" dirty="0">
+                  <a:latin typeface="Minion Pro" panose="02040503050201020203" pitchFamily="18" charset="0"/>
+                </a:rPr>
+                <a:t>r</a:t>
+              </a:r>
+              <a:endParaRPr kumimoji="1" lang="zh-TW" altLang="en-US" sz="1100" i="1" dirty="0">
+                <a:latin typeface="Minion Pro" panose="02040503050201020203" pitchFamily="18" charset="0"/>
+              </a:endParaRPr>
+            </a:p>
+          </p:txBody>
+        </p:sp>
+      </p:grpSp>
+    </p:spTree>
+    <p:extLst>
+      <p:ext uri="{BB962C8B-B14F-4D97-AF65-F5344CB8AC3E}">
+        <p14:creationId xmlns:p14="http://schemas.microsoft.com/office/powerpoint/2010/main" val="2966476492"/>
+      </p:ext>
+    </p:extLst>
+  </p:cSld>
+  <p:clrMapOvr>
+    <a:masterClrMapping/>
+  </p:clrMapOvr>
+</p:sld>
+</file>
+
+<file path=ppt/slides/slide4.xml><?xml version="1.0" encoding="utf-8"?>
 <p:sld xmlns:a="http://schemas.openxmlformats.org/drawingml/2006/main" xmlns:r="http://schemas.openxmlformats.org/officeDocument/2006/relationships" xmlns:p="http://schemas.openxmlformats.org/presentationml/2006/main">
   <p:cSld>
     <p:spTree>

--- a/doc/scheme.pptx
+++ b/doc/scheme.pptx
@@ -262,7 +262,7 @@
           <a:p>
             <a:fld id="{6BD79096-680F-844B-B1F1-7BBB7D6E1857}" type="datetimeFigureOut">
               <a:rPr kumimoji="1" lang="zh-TW" altLang="en-US" smtClean="0"/>
-              <a:t>2023/3/9</a:t>
+              <a:t>2023/3/10</a:t>
             </a:fld>
             <a:endParaRPr kumimoji="1" lang="zh-TW" altLang="en-US"/>
           </a:p>
@@ -460,7 +460,7 @@
           <a:p>
             <a:fld id="{6BD79096-680F-844B-B1F1-7BBB7D6E1857}" type="datetimeFigureOut">
               <a:rPr kumimoji="1" lang="zh-TW" altLang="en-US" smtClean="0"/>
-              <a:t>2023/3/9</a:t>
+              <a:t>2023/3/10</a:t>
             </a:fld>
             <a:endParaRPr kumimoji="1" lang="zh-TW" altLang="en-US"/>
           </a:p>
@@ -668,7 +668,7 @@
           <a:p>
             <a:fld id="{6BD79096-680F-844B-B1F1-7BBB7D6E1857}" type="datetimeFigureOut">
               <a:rPr kumimoji="1" lang="zh-TW" altLang="en-US" smtClean="0"/>
-              <a:t>2023/3/9</a:t>
+              <a:t>2023/3/10</a:t>
             </a:fld>
             <a:endParaRPr kumimoji="1" lang="zh-TW" altLang="en-US"/>
           </a:p>
@@ -866,7 +866,7 @@
           <a:p>
             <a:fld id="{6BD79096-680F-844B-B1F1-7BBB7D6E1857}" type="datetimeFigureOut">
               <a:rPr kumimoji="1" lang="zh-TW" altLang="en-US" smtClean="0"/>
-              <a:t>2023/3/9</a:t>
+              <a:t>2023/3/10</a:t>
             </a:fld>
             <a:endParaRPr kumimoji="1" lang="zh-TW" altLang="en-US"/>
           </a:p>
@@ -1141,7 +1141,7 @@
           <a:p>
             <a:fld id="{6BD79096-680F-844B-B1F1-7BBB7D6E1857}" type="datetimeFigureOut">
               <a:rPr kumimoji="1" lang="zh-TW" altLang="en-US" smtClean="0"/>
-              <a:t>2023/3/9</a:t>
+              <a:t>2023/3/10</a:t>
             </a:fld>
             <a:endParaRPr kumimoji="1" lang="zh-TW" altLang="en-US"/>
           </a:p>
@@ -1406,7 +1406,7 @@
           <a:p>
             <a:fld id="{6BD79096-680F-844B-B1F1-7BBB7D6E1857}" type="datetimeFigureOut">
               <a:rPr kumimoji="1" lang="zh-TW" altLang="en-US" smtClean="0"/>
-              <a:t>2023/3/9</a:t>
+              <a:t>2023/3/10</a:t>
             </a:fld>
             <a:endParaRPr kumimoji="1" lang="zh-TW" altLang="en-US"/>
           </a:p>
@@ -1818,7 +1818,7 @@
           <a:p>
             <a:fld id="{6BD79096-680F-844B-B1F1-7BBB7D6E1857}" type="datetimeFigureOut">
               <a:rPr kumimoji="1" lang="zh-TW" altLang="en-US" smtClean="0"/>
-              <a:t>2023/3/9</a:t>
+              <a:t>2023/3/10</a:t>
             </a:fld>
             <a:endParaRPr kumimoji="1" lang="zh-TW" altLang="en-US"/>
           </a:p>
@@ -1959,7 +1959,7 @@
           <a:p>
             <a:fld id="{6BD79096-680F-844B-B1F1-7BBB7D6E1857}" type="datetimeFigureOut">
               <a:rPr kumimoji="1" lang="zh-TW" altLang="en-US" smtClean="0"/>
-              <a:t>2023/3/9</a:t>
+              <a:t>2023/3/10</a:t>
             </a:fld>
             <a:endParaRPr kumimoji="1" lang="zh-TW" altLang="en-US"/>
           </a:p>
@@ -2072,7 +2072,7 @@
           <a:p>
             <a:fld id="{6BD79096-680F-844B-B1F1-7BBB7D6E1857}" type="datetimeFigureOut">
               <a:rPr kumimoji="1" lang="zh-TW" altLang="en-US" smtClean="0"/>
-              <a:t>2023/3/9</a:t>
+              <a:t>2023/3/10</a:t>
             </a:fld>
             <a:endParaRPr kumimoji="1" lang="zh-TW" altLang="en-US"/>
           </a:p>
@@ -2383,7 +2383,7 @@
           <a:p>
             <a:fld id="{6BD79096-680F-844B-B1F1-7BBB7D6E1857}" type="datetimeFigureOut">
               <a:rPr kumimoji="1" lang="zh-TW" altLang="en-US" smtClean="0"/>
-              <a:t>2023/3/9</a:t>
+              <a:t>2023/3/10</a:t>
             </a:fld>
             <a:endParaRPr kumimoji="1" lang="zh-TW" altLang="en-US"/>
           </a:p>
@@ -2671,7 +2671,7 @@
           <a:p>
             <a:fld id="{6BD79096-680F-844B-B1F1-7BBB7D6E1857}" type="datetimeFigureOut">
               <a:rPr kumimoji="1" lang="zh-TW" altLang="en-US" smtClean="0"/>
-              <a:t>2023/3/9</a:t>
+              <a:t>2023/3/10</a:t>
             </a:fld>
             <a:endParaRPr kumimoji="1" lang="zh-TW" altLang="en-US"/>
           </a:p>
@@ -2912,7 +2912,7 @@
           <a:p>
             <a:fld id="{6BD79096-680F-844B-B1F1-7BBB7D6E1857}" type="datetimeFigureOut">
               <a:rPr kumimoji="1" lang="zh-TW" altLang="en-US" smtClean="0"/>
-              <a:t>2023/3/9</a:t>
+              <a:t>2023/3/10</a:t>
             </a:fld>
             <a:endParaRPr kumimoji="1" lang="zh-TW" altLang="en-US"/>
           </a:p>
@@ -14073,10 +14073,10 @@
       </p:grpSpPr>
       <p:grpSp>
         <p:nvGrpSpPr>
-          <p:cNvPr id="161" name="群組 160">
+          <p:cNvPr id="10" name="群組 9">
             <a:extLst>
               <a:ext uri="{FF2B5EF4-FFF2-40B4-BE49-F238E27FC236}">
-                <a16:creationId xmlns:a16="http://schemas.microsoft.com/office/drawing/2014/main" id="{D36B0DCE-A043-0EA7-AAA4-6437D59D0DFF}"/>
+                <a16:creationId xmlns:a16="http://schemas.microsoft.com/office/drawing/2014/main" id="{EF729137-2FA2-67BE-2F27-7D0A5AC16FAE}"/>
               </a:ext>
             </a:extLst>
           </p:cNvPr>
@@ -14085,10 +14085,10 @@
         </p:nvGrpSpPr>
         <p:grpSpPr>
           <a:xfrm>
-            <a:off x="2855939" y="1267825"/>
-            <a:ext cx="2867757" cy="1625631"/>
-            <a:chOff x="2855939" y="1267825"/>
-            <a:chExt cx="2867757" cy="1625631"/>
+            <a:off x="2989079" y="1218359"/>
+            <a:ext cx="2734617" cy="1675097"/>
+            <a:chOff x="2989079" y="1218359"/>
+            <a:chExt cx="2734617" cy="1675097"/>
           </a:xfrm>
         </p:grpSpPr>
         <p:sp>
@@ -14213,61 +14213,53 @@
             </a:p>
           </p:txBody>
         </p:sp>
-        <p:sp>
-          <p:nvSpPr>
-            <p:cNvPr id="25" name="橢圓 24">
+        <p:cxnSp>
+          <p:nvCxnSpPr>
+            <p:cNvPr id="74" name="直線接點 73">
               <a:extLst>
                 <a:ext uri="{FF2B5EF4-FFF2-40B4-BE49-F238E27FC236}">
-                  <a16:creationId xmlns:a16="http://schemas.microsoft.com/office/drawing/2014/main" id="{595E6E42-9029-B750-0E29-E182CA6EE312}"/>
+                  <a16:creationId xmlns:a16="http://schemas.microsoft.com/office/drawing/2014/main" id="{4EA1BDEE-29CB-DA17-5D20-8BF6CF221E3A}"/>
                 </a:ext>
               </a:extLst>
             </p:cNvPr>
-            <p:cNvSpPr/>
+            <p:cNvCxnSpPr>
+              <a:cxnSpLocks/>
+            </p:cNvCxnSpPr>
             <p:nvPr/>
-          </p:nvSpPr>
+          </p:nvCxnSpPr>
           <p:spPr>
             <a:xfrm>
-              <a:off x="3077609" y="1551867"/>
-              <a:ext cx="1175657" cy="1175657"/>
+              <a:off x="3665437" y="2138489"/>
+              <a:ext cx="435435" cy="333119"/>
             </a:xfrm>
-            <a:prstGeom prst="ellipse">
+            <a:prstGeom prst="line">
               <a:avLst/>
             </a:prstGeom>
-            <a:noFill/>
-            <a:ln w="22225" cmpd="dbl">
+            <a:ln w="12700">
               <a:solidFill>
                 <a:schemeClr val="tx1">
                   <a:lumMod val="85000"/>
                   <a:lumOff val="15000"/>
                 </a:schemeClr>
               </a:solidFill>
+              <a:prstDash val="sysDash"/>
             </a:ln>
           </p:spPr>
           <p:style>
-            <a:lnRef idx="2">
-              <a:schemeClr val="accent1">
-                <a:shade val="50000"/>
-              </a:schemeClr>
+            <a:lnRef idx="1">
+              <a:schemeClr val="accent1"/>
             </a:lnRef>
-            <a:fillRef idx="1">
+            <a:fillRef idx="0">
               <a:schemeClr val="accent1"/>
             </a:fillRef>
             <a:effectRef idx="0">
               <a:schemeClr val="accent1"/>
             </a:effectRef>
             <a:fontRef idx="minor">
-              <a:schemeClr val="lt1"/>
+              <a:schemeClr val="tx1"/>
             </a:fontRef>
           </p:style>
-          <p:txBody>
-            <a:bodyPr rtlCol="0" anchor="ctr"/>
-            <a:lstStyle/>
-            <a:p>
-              <a:pPr algn="ctr"/>
-              <a:endParaRPr kumimoji="1" lang="zh-TW" altLang="en-US"/>
-            </a:p>
-          </p:txBody>
-        </p:sp>
+        </p:cxnSp>
         <p:cxnSp>
           <p:nvCxnSpPr>
             <p:cNvPr id="38" name="直線接點 37">
@@ -14323,7 +14315,6 @@
             </p:cNvPr>
             <p:cNvCxnSpPr>
               <a:cxnSpLocks/>
-              <a:endCxn id="25" idx="7"/>
             </p:cNvCxnSpPr>
             <p:nvPr/>
           </p:nvCxnSpPr>
@@ -14359,6 +14350,70 @@
             </a:fontRef>
           </p:style>
         </p:cxnSp>
+        <p:sp>
+          <p:nvSpPr>
+            <p:cNvPr id="2" name="橢圓 1">
+              <a:extLst>
+                <a:ext uri="{FF2B5EF4-FFF2-40B4-BE49-F238E27FC236}">
+                  <a16:creationId xmlns:a16="http://schemas.microsoft.com/office/drawing/2014/main" id="{468FBD5B-95FE-AAE8-AADE-673FB60B2458}"/>
+                </a:ext>
+              </a:extLst>
+            </p:cNvPr>
+            <p:cNvSpPr/>
+            <p:nvPr/>
+          </p:nvSpPr>
+          <p:spPr>
+            <a:xfrm>
+              <a:off x="3002077" y="1479969"/>
+              <a:ext cx="1313153" cy="1313153"/>
+            </a:xfrm>
+            <a:prstGeom prst="ellipse">
+              <a:avLst/>
+            </a:prstGeom>
+            <a:solidFill>
+              <a:schemeClr val="accent5">
+                <a:lumMod val="60000"/>
+                <a:lumOff val="40000"/>
+                <a:alpha val="60930"/>
+              </a:schemeClr>
+            </a:solidFill>
+            <a:ln w="22225" cmpd="dbl">
+              <a:noFill/>
+            </a:ln>
+            <a:scene3d>
+              <a:camera prst="orthographicFront"/>
+              <a:lightRig rig="threePt" dir="t"/>
+            </a:scene3d>
+            <a:sp3d prstMaterial="matte">
+              <a:bevelT w="635000" h="635000"/>
+              <a:bevelB w="635000" h="635000"/>
+            </a:sp3d>
+          </p:spPr>
+          <p:style>
+            <a:lnRef idx="2">
+              <a:schemeClr val="accent1">
+                <a:shade val="50000"/>
+              </a:schemeClr>
+            </a:lnRef>
+            <a:fillRef idx="1">
+              <a:schemeClr val="accent1"/>
+            </a:fillRef>
+            <a:effectRef idx="0">
+              <a:schemeClr val="accent1"/>
+            </a:effectRef>
+            <a:fontRef idx="minor">
+              <a:schemeClr val="lt1"/>
+            </a:fontRef>
+          </p:style>
+          <p:txBody>
+            <a:bodyPr rtlCol="0" anchor="ctr"/>
+            <a:lstStyle/>
+            <a:p>
+              <a:pPr algn="ctr"/>
+              <a:endParaRPr kumimoji="1" lang="zh-TW" altLang="en-US" dirty="0"/>
+            </a:p>
+          </p:txBody>
+        </p:sp>
         <p:cxnSp>
           <p:nvCxnSpPr>
             <p:cNvPr id="57" name="直線接點 56">
@@ -14419,7 +14474,7 @@
           </p:nvSpPr>
           <p:spPr>
             <a:xfrm>
-              <a:off x="3423806" y="1988217"/>
+              <a:off x="3429450" y="2010793"/>
               <a:ext cx="253596" cy="261610"/>
             </a:xfrm>
             <a:prstGeom prst="rect">
@@ -14459,7 +14514,7 @@
           </p:nvSpPr>
           <p:spPr>
             <a:xfrm>
-              <a:off x="5289562" y="1985806"/>
+              <a:off x="5289562" y="2002738"/>
               <a:ext cx="253596" cy="261610"/>
             </a:xfrm>
             <a:prstGeom prst="rect">
@@ -14499,7 +14554,7 @@
           </p:nvSpPr>
           <p:spPr>
             <a:xfrm>
-              <a:off x="3933201" y="1378848"/>
+              <a:off x="3894722" y="1468681"/>
               <a:ext cx="261610" cy="261610"/>
             </a:xfrm>
             <a:prstGeom prst="rect">
@@ -14612,99 +14667,6 @@
             </a:p>
           </p:txBody>
         </p:sp>
-        <p:cxnSp>
-          <p:nvCxnSpPr>
-            <p:cNvPr id="73" name="直線接點 72">
-              <a:extLst>
-                <a:ext uri="{FF2B5EF4-FFF2-40B4-BE49-F238E27FC236}">
-                  <a16:creationId xmlns:a16="http://schemas.microsoft.com/office/drawing/2014/main" id="{D54E4637-171B-F4FC-8CF4-381D53C8901F}"/>
-                </a:ext>
-              </a:extLst>
-            </p:cNvPr>
-            <p:cNvCxnSpPr>
-              <a:cxnSpLocks/>
-            </p:cNvCxnSpPr>
-            <p:nvPr/>
-          </p:nvCxnSpPr>
-          <p:spPr>
-            <a:xfrm flipH="1" flipV="1">
-              <a:off x="4081095" y="1724847"/>
-              <a:ext cx="229757" cy="907401"/>
-            </a:xfrm>
-            <a:prstGeom prst="line">
-              <a:avLst/>
-            </a:prstGeom>
-            <a:ln w="12700">
-              <a:solidFill>
-                <a:schemeClr val="tx1">
-                  <a:lumMod val="85000"/>
-                  <a:lumOff val="15000"/>
-                </a:schemeClr>
-              </a:solidFill>
-            </a:ln>
-          </p:spPr>
-          <p:style>
-            <a:lnRef idx="1">
-              <a:schemeClr val="accent1"/>
-            </a:lnRef>
-            <a:fillRef idx="0">
-              <a:schemeClr val="accent1"/>
-            </a:fillRef>
-            <a:effectRef idx="0">
-              <a:schemeClr val="accent1"/>
-            </a:effectRef>
-            <a:fontRef idx="minor">
-              <a:schemeClr val="tx1"/>
-            </a:fontRef>
-          </p:style>
-        </p:cxnSp>
-        <p:cxnSp>
-          <p:nvCxnSpPr>
-            <p:cNvPr id="74" name="直線接點 73">
-              <a:extLst>
-                <a:ext uri="{FF2B5EF4-FFF2-40B4-BE49-F238E27FC236}">
-                  <a16:creationId xmlns:a16="http://schemas.microsoft.com/office/drawing/2014/main" id="{4EA1BDEE-29CB-DA17-5D20-8BF6CF221E3A}"/>
-                </a:ext>
-              </a:extLst>
-            </p:cNvPr>
-            <p:cNvCxnSpPr>
-              <a:cxnSpLocks/>
-            </p:cNvCxnSpPr>
-            <p:nvPr/>
-          </p:nvCxnSpPr>
-          <p:spPr>
-            <a:xfrm>
-              <a:off x="3665437" y="2138489"/>
-              <a:ext cx="645415" cy="493759"/>
-            </a:xfrm>
-            <a:prstGeom prst="line">
-              <a:avLst/>
-            </a:prstGeom>
-            <a:ln w="12700">
-              <a:solidFill>
-                <a:schemeClr val="tx1">
-                  <a:lumMod val="85000"/>
-                  <a:lumOff val="15000"/>
-                </a:schemeClr>
-              </a:solidFill>
-              <a:prstDash val="sysDash"/>
-            </a:ln>
-          </p:spPr>
-          <p:style>
-            <a:lnRef idx="1">
-              <a:schemeClr val="accent1"/>
-            </a:lnRef>
-            <a:fillRef idx="0">
-              <a:schemeClr val="accent1"/>
-            </a:fillRef>
-            <a:effectRef idx="0">
-              <a:schemeClr val="accent1"/>
-            </a:effectRef>
-            <a:fontRef idx="minor">
-              <a:schemeClr val="tx1"/>
-            </a:fontRef>
-          </p:style>
-        </p:cxnSp>
         <p:cxnSp>
           <p:nvCxnSpPr>
             <p:cNvPr id="83" name="直線接點 82">
@@ -14891,7 +14853,7 @@
           </p:nvSpPr>
           <p:spPr>
             <a:xfrm>
-              <a:off x="4237677" y="1889453"/>
+              <a:off x="4273771" y="2145280"/>
               <a:ext cx="301686" cy="261610"/>
             </a:xfrm>
             <a:prstGeom prst="rect">
@@ -14989,8 +14951,8 @@
           </p:nvSpPr>
           <p:spPr>
             <a:xfrm>
-              <a:off x="4719509" y="2123758"/>
-              <a:ext cx="256802" cy="261610"/>
+              <a:off x="4730797" y="2118114"/>
+              <a:ext cx="250390" cy="246221"/>
             </a:xfrm>
             <a:prstGeom prst="rect">
               <a:avLst/>
@@ -15004,12 +14966,12 @@
             <a:lstStyle/>
             <a:p>
               <a:r>
-                <a:rPr kumimoji="1" lang="en-US" altLang="zh-TW" sz="1100" i="1" dirty="0">
+                <a:rPr kumimoji="1" lang="en-US" altLang="zh-TW" sz="1000" i="1" dirty="0">
                   <a:latin typeface="Minion Pro" panose="02040503050201020203" pitchFamily="18" charset="0"/>
                 </a:rPr>
                 <a:t>β</a:t>
               </a:r>
-              <a:endParaRPr kumimoji="1" lang="zh-TW" altLang="en-US" sz="1100" i="1" dirty="0">
+              <a:endParaRPr kumimoji="1" lang="zh-TW" altLang="en-US" sz="1000" i="1" dirty="0">
                 <a:latin typeface="Minion Pro" panose="02040503050201020203" pitchFamily="18" charset="0"/>
               </a:endParaRPr>
             </a:p>
@@ -15173,8 +15135,8 @@
           </p:nvSpPr>
           <p:spPr>
             <a:xfrm>
-              <a:off x="4601047" y="1931181"/>
-              <a:ext cx="251992" cy="261610"/>
+              <a:off x="4612335" y="1936825"/>
+              <a:ext cx="245580" cy="246221"/>
             </a:xfrm>
             <a:prstGeom prst="rect">
               <a:avLst/>
@@ -15188,12 +15150,12 @@
             <a:lstStyle/>
             <a:p>
               <a:r>
-                <a:rPr kumimoji="1" lang="en-US" altLang="zh-TW" sz="1100" i="1" dirty="0" err="1">
+                <a:rPr kumimoji="1" lang="en-US" altLang="zh-TW" sz="1000" i="1" dirty="0" err="1">
                   <a:latin typeface="Minion Pro" panose="02040503050201020203" pitchFamily="18" charset="0"/>
                 </a:rPr>
                 <a:t>θ</a:t>
               </a:r>
-              <a:endParaRPr kumimoji="1" lang="zh-TW" altLang="en-US" sz="1100" i="1" dirty="0">
+              <a:endParaRPr kumimoji="1" lang="zh-TW" altLang="en-US" sz="1000" i="1" dirty="0">
                 <a:latin typeface="Minion Pro" panose="02040503050201020203" pitchFamily="18" charset="0"/>
               </a:endParaRPr>
             </a:p>
@@ -15663,8 +15625,8 @@
           </p:nvSpPr>
           <p:spPr>
             <a:xfrm>
-              <a:off x="2855939" y="1309692"/>
-              <a:ext cx="827471" cy="261610"/>
+              <a:off x="2989079" y="1218359"/>
+              <a:ext cx="841897" cy="261610"/>
             </a:xfrm>
             <a:prstGeom prst="rect">
               <a:avLst/>
@@ -15679,24 +15641,44 @@
             <a:p>
               <a:r>
                 <a:rPr kumimoji="1" lang="en-US" altLang="zh-TW" sz="1100" dirty="0" err="1">
-                  <a:latin typeface="Minion Pro" panose="02040503050201020203" pitchFamily="18" charset="0"/>
+                  <a:solidFill>
+                    <a:schemeClr val="accent5">
+                      <a:lumMod val="75000"/>
+                    </a:schemeClr>
+                  </a:solidFill>
+                  <a:latin typeface="Myriad Pro" panose="020B0503030403020204" pitchFamily="34" charset="0"/>
                 </a:rPr>
                 <a:t>SN</a:t>
               </a:r>
               <a:r>
                 <a:rPr kumimoji="1" lang="en-US" altLang="zh-TW" sz="1100" i="1" dirty="0" err="1">
-                  <a:latin typeface="Minion Pro" panose="02040503050201020203" pitchFamily="18" charset="0"/>
+                  <a:solidFill>
+                    <a:schemeClr val="accent5">
+                      <a:lumMod val="75000"/>
+                    </a:schemeClr>
+                  </a:solidFill>
+                  <a:latin typeface="Myriad Pro" panose="020B0503030403020204" pitchFamily="34" charset="0"/>
                 </a:rPr>
                 <a:t>ν</a:t>
               </a:r>
               <a:r>
                 <a:rPr kumimoji="1" lang="en-US" altLang="zh-TW" sz="1100" dirty="0">
-                  <a:latin typeface="Minion Pro" panose="02040503050201020203" pitchFamily="18" charset="0"/>
+                  <a:solidFill>
+                    <a:schemeClr val="accent5">
+                      <a:lumMod val="75000"/>
+                    </a:schemeClr>
+                  </a:solidFill>
+                  <a:latin typeface="Myriad Pro" panose="020B0503030403020204" pitchFamily="34" charset="0"/>
                 </a:rPr>
                 <a:t> sphere</a:t>
               </a:r>
               <a:endParaRPr kumimoji="1" lang="zh-TW" altLang="en-US" sz="1100" dirty="0">
-                <a:latin typeface="Minion Pro" panose="02040503050201020203" pitchFamily="18" charset="0"/>
+                <a:solidFill>
+                  <a:schemeClr val="accent5">
+                    <a:lumMod val="75000"/>
+                  </a:schemeClr>
+                </a:solidFill>
+                <a:latin typeface="Myriad Pro" panose="020B0503030403020204" pitchFamily="34" charset="0"/>
               </a:endParaRPr>
             </a:p>
           </p:txBody>
@@ -15741,6 +15723,100 @@
             </a:p>
           </p:txBody>
         </p:sp>
+        <p:cxnSp>
+          <p:nvCxnSpPr>
+            <p:cNvPr id="73" name="直線接點 72">
+              <a:extLst>
+                <a:ext uri="{FF2B5EF4-FFF2-40B4-BE49-F238E27FC236}">
+                  <a16:creationId xmlns:a16="http://schemas.microsoft.com/office/drawing/2014/main" id="{D54E4637-171B-F4FC-8CF4-381D53C8901F}"/>
+                </a:ext>
+              </a:extLst>
+            </p:cNvPr>
+            <p:cNvCxnSpPr>
+              <a:cxnSpLocks/>
+            </p:cNvCxnSpPr>
+            <p:nvPr/>
+          </p:nvCxnSpPr>
+          <p:spPr>
+            <a:xfrm flipH="1" flipV="1">
+              <a:off x="4081095" y="1724847"/>
+              <a:ext cx="229757" cy="907401"/>
+            </a:xfrm>
+            <a:prstGeom prst="line">
+              <a:avLst/>
+            </a:prstGeom>
+            <a:ln w="12700">
+              <a:solidFill>
+                <a:schemeClr val="tx1">
+                  <a:lumMod val="85000"/>
+                  <a:lumOff val="15000"/>
+                </a:schemeClr>
+              </a:solidFill>
+            </a:ln>
+          </p:spPr>
+          <p:style>
+            <a:lnRef idx="1">
+              <a:schemeClr val="accent1"/>
+            </a:lnRef>
+            <a:fillRef idx="0">
+              <a:schemeClr val="accent1"/>
+            </a:fillRef>
+            <a:effectRef idx="0">
+              <a:schemeClr val="accent1"/>
+            </a:effectRef>
+            <a:fontRef idx="minor">
+              <a:schemeClr val="tx1"/>
+            </a:fontRef>
+          </p:style>
+        </p:cxnSp>
+        <p:cxnSp>
+          <p:nvCxnSpPr>
+            <p:cNvPr id="3" name="直線接點 2">
+              <a:extLst>
+                <a:ext uri="{FF2B5EF4-FFF2-40B4-BE49-F238E27FC236}">
+                  <a16:creationId xmlns:a16="http://schemas.microsoft.com/office/drawing/2014/main" id="{85F615C6-00BF-9607-C94C-371FC9D9EE29}"/>
+                </a:ext>
+              </a:extLst>
+            </p:cNvPr>
+            <p:cNvCxnSpPr>
+              <a:cxnSpLocks/>
+              <a:endCxn id="71" idx="0"/>
+            </p:cNvCxnSpPr>
+            <p:nvPr/>
+          </p:nvCxnSpPr>
+          <p:spPr>
+            <a:xfrm>
+              <a:off x="4092059" y="2463397"/>
+              <a:ext cx="218503" cy="168449"/>
+            </a:xfrm>
+            <a:prstGeom prst="line">
+              <a:avLst/>
+            </a:prstGeom>
+            <a:ln w="12700">
+              <a:solidFill>
+                <a:schemeClr val="tx1">
+                  <a:lumMod val="85000"/>
+                  <a:lumOff val="15000"/>
+                </a:schemeClr>
+              </a:solidFill>
+              <a:prstDash val="sysDash"/>
+            </a:ln>
+          </p:spPr>
+          <p:style>
+            <a:lnRef idx="1">
+              <a:schemeClr val="accent1"/>
+            </a:lnRef>
+            <a:fillRef idx="0">
+              <a:schemeClr val="accent1"/>
+            </a:fillRef>
+            <a:effectRef idx="0">
+              <a:schemeClr val="accent1"/>
+            </a:effectRef>
+            <a:fontRef idx="minor">
+              <a:schemeClr val="tx1"/>
+            </a:fontRef>
+          </p:style>
+        </p:cxnSp>
       </p:grpSp>
     </p:spTree>
     <p:extLst>

--- a/doc/scheme.pptx
+++ b/doc/scheme.pptx
@@ -14073,10 +14073,10 @@
       </p:grpSpPr>
       <p:grpSp>
         <p:nvGrpSpPr>
-          <p:cNvPr id="10" name="群組 9">
+          <p:cNvPr id="9" name="群組 8">
             <a:extLst>
               <a:ext uri="{FF2B5EF4-FFF2-40B4-BE49-F238E27FC236}">
-                <a16:creationId xmlns:a16="http://schemas.microsoft.com/office/drawing/2014/main" id="{EF729137-2FA2-67BE-2F27-7D0A5AC16FAE}"/>
+                <a16:creationId xmlns:a16="http://schemas.microsoft.com/office/drawing/2014/main" id="{CCBCAD64-A5A8-422A-8D10-981FD5B6E978}"/>
               </a:ext>
             </a:extLst>
           </p:cNvPr>
@@ -14085,10 +14085,10 @@
         </p:nvGrpSpPr>
         <p:grpSpPr>
           <a:xfrm>
-            <a:off x="2989079" y="1218359"/>
-            <a:ext cx="2734617" cy="1675097"/>
-            <a:chOff x="2989079" y="1218359"/>
-            <a:chExt cx="2734617" cy="1675097"/>
+            <a:off x="2989079" y="1246069"/>
+            <a:ext cx="2734617" cy="1647387"/>
+            <a:chOff x="2989079" y="1246069"/>
+            <a:chExt cx="2734617" cy="1647387"/>
           </a:xfrm>
         </p:grpSpPr>
         <p:sp>
@@ -14230,7 +14230,7 @@
           <p:spPr>
             <a:xfrm>
               <a:off x="3665437" y="2138489"/>
-              <a:ext cx="435435" cy="333119"/>
+              <a:ext cx="335365" cy="256563"/>
             </a:xfrm>
             <a:prstGeom prst="line">
               <a:avLst/>
@@ -14364,7 +14364,7 @@
           </p:nvSpPr>
           <p:spPr>
             <a:xfrm>
-              <a:off x="3002077" y="1479969"/>
+              <a:off x="3029191" y="1492927"/>
               <a:ext cx="1313153" cy="1313153"/>
             </a:xfrm>
             <a:prstGeom prst="ellipse">
@@ -14374,7 +14374,7 @@
               <a:schemeClr val="accent5">
                 <a:lumMod val="60000"/>
                 <a:lumOff val="40000"/>
-                <a:alpha val="60930"/>
+                <a:alpha val="72159"/>
               </a:schemeClr>
             </a:solidFill>
             <a:ln w="22225" cmpd="dbl">
@@ -15625,7 +15625,7 @@
           </p:nvSpPr>
           <p:spPr>
             <a:xfrm>
-              <a:off x="2989079" y="1218359"/>
+              <a:off x="2989079" y="1246069"/>
               <a:ext cx="841897" cy="261610"/>
             </a:xfrm>
             <a:prstGeom prst="rect">
@@ -15646,7 +15646,7 @@
                       <a:lumMod val="75000"/>
                     </a:schemeClr>
                   </a:solidFill>
-                  <a:latin typeface="Myriad Pro" panose="020B0503030403020204" pitchFamily="34" charset="0"/>
+                  <a:latin typeface="Minion Pro" panose="02040503050306020203" pitchFamily="18" charset="0"/>
                 </a:rPr>
                 <a:t>SN</a:t>
               </a:r>
@@ -15657,7 +15657,7 @@
                       <a:lumMod val="75000"/>
                     </a:schemeClr>
                   </a:solidFill>
-                  <a:latin typeface="Myriad Pro" panose="020B0503030403020204" pitchFamily="34" charset="0"/>
+                  <a:latin typeface="Minion Pro" panose="02040503050306020203" pitchFamily="18" charset="0"/>
                 </a:rPr>
                 <a:t>ν</a:t>
               </a:r>
@@ -15668,7 +15668,7 @@
                       <a:lumMod val="75000"/>
                     </a:schemeClr>
                   </a:solidFill>
-                  <a:latin typeface="Myriad Pro" panose="020B0503030403020204" pitchFamily="34" charset="0"/>
+                  <a:latin typeface="Minion Pro" panose="02040503050306020203" pitchFamily="18" charset="0"/>
                 </a:rPr>
                 <a:t> sphere</a:t>
               </a:r>
@@ -15678,7 +15678,7 @@
                     <a:lumMod val="75000"/>
                   </a:schemeClr>
                 </a:solidFill>
-                <a:latin typeface="Myriad Pro" panose="020B0503030403020204" pitchFamily="34" charset="0"/>
+                <a:latin typeface="Minion Pro" panose="02040503050306020203" pitchFamily="18" charset="0"/>
               </a:endParaRPr>
             </a:p>
           </p:txBody>
@@ -15786,8 +15786,8 @@
           </p:nvCxnSpPr>
           <p:spPr>
             <a:xfrm>
-              <a:off x="4092059" y="2463397"/>
-              <a:ext cx="218503" cy="168449"/>
+              <a:off x="3999307" y="2391892"/>
+              <a:ext cx="311255" cy="239954"/>
             </a:xfrm>
             <a:prstGeom prst="line">
               <a:avLst/>

--- a/doc/scheme.pptx
+++ b/doc/scheme.pptx
@@ -262,7 +262,7 @@
           <a:p>
             <a:fld id="{6BD79096-680F-844B-B1F1-7BBB7D6E1857}" type="datetimeFigureOut">
               <a:rPr kumimoji="1" lang="zh-TW" altLang="en-US" smtClean="0"/>
-              <a:t>2023/3/10</a:t>
+              <a:t>2023/3/13</a:t>
             </a:fld>
             <a:endParaRPr kumimoji="1" lang="zh-TW" altLang="en-US"/>
           </a:p>
@@ -460,7 +460,7 @@
           <a:p>
             <a:fld id="{6BD79096-680F-844B-B1F1-7BBB7D6E1857}" type="datetimeFigureOut">
               <a:rPr kumimoji="1" lang="zh-TW" altLang="en-US" smtClean="0"/>
-              <a:t>2023/3/10</a:t>
+              <a:t>2023/3/13</a:t>
             </a:fld>
             <a:endParaRPr kumimoji="1" lang="zh-TW" altLang="en-US"/>
           </a:p>
@@ -668,7 +668,7 @@
           <a:p>
             <a:fld id="{6BD79096-680F-844B-B1F1-7BBB7D6E1857}" type="datetimeFigureOut">
               <a:rPr kumimoji="1" lang="zh-TW" altLang="en-US" smtClean="0"/>
-              <a:t>2023/3/10</a:t>
+              <a:t>2023/3/13</a:t>
             </a:fld>
             <a:endParaRPr kumimoji="1" lang="zh-TW" altLang="en-US"/>
           </a:p>
@@ -866,7 +866,7 @@
           <a:p>
             <a:fld id="{6BD79096-680F-844B-B1F1-7BBB7D6E1857}" type="datetimeFigureOut">
               <a:rPr kumimoji="1" lang="zh-TW" altLang="en-US" smtClean="0"/>
-              <a:t>2023/3/10</a:t>
+              <a:t>2023/3/13</a:t>
             </a:fld>
             <a:endParaRPr kumimoji="1" lang="zh-TW" altLang="en-US"/>
           </a:p>
@@ -1141,7 +1141,7 @@
           <a:p>
             <a:fld id="{6BD79096-680F-844B-B1F1-7BBB7D6E1857}" type="datetimeFigureOut">
               <a:rPr kumimoji="1" lang="zh-TW" altLang="en-US" smtClean="0"/>
-              <a:t>2023/3/10</a:t>
+              <a:t>2023/3/13</a:t>
             </a:fld>
             <a:endParaRPr kumimoji="1" lang="zh-TW" altLang="en-US"/>
           </a:p>
@@ -1406,7 +1406,7 @@
           <a:p>
             <a:fld id="{6BD79096-680F-844B-B1F1-7BBB7D6E1857}" type="datetimeFigureOut">
               <a:rPr kumimoji="1" lang="zh-TW" altLang="en-US" smtClean="0"/>
-              <a:t>2023/3/10</a:t>
+              <a:t>2023/3/13</a:t>
             </a:fld>
             <a:endParaRPr kumimoji="1" lang="zh-TW" altLang="en-US"/>
           </a:p>
@@ -1818,7 +1818,7 @@
           <a:p>
             <a:fld id="{6BD79096-680F-844B-B1F1-7BBB7D6E1857}" type="datetimeFigureOut">
               <a:rPr kumimoji="1" lang="zh-TW" altLang="en-US" smtClean="0"/>
-              <a:t>2023/3/10</a:t>
+              <a:t>2023/3/13</a:t>
             </a:fld>
             <a:endParaRPr kumimoji="1" lang="zh-TW" altLang="en-US"/>
           </a:p>
@@ -1959,7 +1959,7 @@
           <a:p>
             <a:fld id="{6BD79096-680F-844B-B1F1-7BBB7D6E1857}" type="datetimeFigureOut">
               <a:rPr kumimoji="1" lang="zh-TW" altLang="en-US" smtClean="0"/>
-              <a:t>2023/3/10</a:t>
+              <a:t>2023/3/13</a:t>
             </a:fld>
             <a:endParaRPr kumimoji="1" lang="zh-TW" altLang="en-US"/>
           </a:p>
@@ -2072,7 +2072,7 @@
           <a:p>
             <a:fld id="{6BD79096-680F-844B-B1F1-7BBB7D6E1857}" type="datetimeFigureOut">
               <a:rPr kumimoji="1" lang="zh-TW" altLang="en-US" smtClean="0"/>
-              <a:t>2023/3/10</a:t>
+              <a:t>2023/3/13</a:t>
             </a:fld>
             <a:endParaRPr kumimoji="1" lang="zh-TW" altLang="en-US"/>
           </a:p>
@@ -2383,7 +2383,7 @@
           <a:p>
             <a:fld id="{6BD79096-680F-844B-B1F1-7BBB7D6E1857}" type="datetimeFigureOut">
               <a:rPr kumimoji="1" lang="zh-TW" altLang="en-US" smtClean="0"/>
-              <a:t>2023/3/10</a:t>
+              <a:t>2023/3/13</a:t>
             </a:fld>
             <a:endParaRPr kumimoji="1" lang="zh-TW" altLang="en-US"/>
           </a:p>
@@ -2671,7 +2671,7 @@
           <a:p>
             <a:fld id="{6BD79096-680F-844B-B1F1-7BBB7D6E1857}" type="datetimeFigureOut">
               <a:rPr kumimoji="1" lang="zh-TW" altLang="en-US" smtClean="0"/>
-              <a:t>2023/3/10</a:t>
+              <a:t>2023/3/13</a:t>
             </a:fld>
             <a:endParaRPr kumimoji="1" lang="zh-TW" altLang="en-US"/>
           </a:p>
@@ -2912,7 +2912,7 @@
           <a:p>
             <a:fld id="{6BD79096-680F-844B-B1F1-7BBB7D6E1857}" type="datetimeFigureOut">
               <a:rPr kumimoji="1" lang="zh-TW" altLang="en-US" smtClean="0"/>
-              <a:t>2023/3/10</a:t>
+              <a:t>2023/3/13</a:t>
             </a:fld>
             <a:endParaRPr kumimoji="1" lang="zh-TW" altLang="en-US"/>
           </a:p>
@@ -14073,10 +14073,10 @@
       </p:grpSpPr>
       <p:grpSp>
         <p:nvGrpSpPr>
-          <p:cNvPr id="9" name="群組 8">
+          <p:cNvPr id="6" name="群組 5">
             <a:extLst>
               <a:ext uri="{FF2B5EF4-FFF2-40B4-BE49-F238E27FC236}">
-                <a16:creationId xmlns:a16="http://schemas.microsoft.com/office/drawing/2014/main" id="{CCBCAD64-A5A8-422A-8D10-981FD5B6E978}"/>
+                <a16:creationId xmlns:a16="http://schemas.microsoft.com/office/drawing/2014/main" id="{92898540-4FC8-B113-DCFA-5D27499E9FF5}"/>
               </a:ext>
             </a:extLst>
           </p:cNvPr>
@@ -14091,6 +14091,60 @@
             <a:chExt cx="2734617" cy="1647387"/>
           </a:xfrm>
         </p:grpSpPr>
+        <p:sp>
+          <p:nvSpPr>
+            <p:cNvPr id="5" name="弧線 4">
+              <a:extLst>
+                <a:ext uri="{FF2B5EF4-FFF2-40B4-BE49-F238E27FC236}">
+                  <a16:creationId xmlns:a16="http://schemas.microsoft.com/office/drawing/2014/main" id="{D094438F-E4F3-6A44-F954-4DCD5EE04343}"/>
+                </a:ext>
+              </a:extLst>
+            </p:cNvPr>
+            <p:cNvSpPr/>
+            <p:nvPr/>
+          </p:nvSpPr>
+          <p:spPr>
+            <a:xfrm rot="10800000">
+              <a:off x="3031925" y="1858144"/>
+              <a:ext cx="1309441" cy="596393"/>
+            </a:xfrm>
+            <a:prstGeom prst="arc">
+              <a:avLst>
+                <a:gd name="adj1" fmla="val 31968"/>
+                <a:gd name="adj2" fmla="val 10723580"/>
+              </a:avLst>
+            </a:prstGeom>
+            <a:ln w="12700">
+              <a:solidFill>
+                <a:schemeClr val="accent1">
+                  <a:lumMod val="50000"/>
+                </a:schemeClr>
+              </a:solidFill>
+            </a:ln>
+          </p:spPr>
+          <p:style>
+            <a:lnRef idx="1">
+              <a:schemeClr val="accent1"/>
+            </a:lnRef>
+            <a:fillRef idx="0">
+              <a:schemeClr val="accent1"/>
+            </a:fillRef>
+            <a:effectRef idx="0">
+              <a:schemeClr val="accent1"/>
+            </a:effectRef>
+            <a:fontRef idx="minor">
+              <a:schemeClr val="tx1"/>
+            </a:fontRef>
+          </p:style>
+          <p:txBody>
+            <a:bodyPr rtlCol="0" anchor="ctr"/>
+            <a:lstStyle/>
+            <a:p>
+              <a:pPr algn="ctr"/>
+              <a:endParaRPr kumimoji="1" lang="zh-TW" altLang="en-US"/>
+            </a:p>
+          </p:txBody>
+        </p:sp>
         <p:sp>
           <p:nvSpPr>
             <p:cNvPr id="111" name="手繪多邊形 110">
@@ -14364,7 +14418,7 @@
           </p:nvSpPr>
           <p:spPr>
             <a:xfrm>
-              <a:off x="3029191" y="1492927"/>
+              <a:off x="3032366" y="1492927"/>
               <a:ext cx="1313153" cy="1313153"/>
             </a:xfrm>
             <a:prstGeom prst="ellipse">
@@ -14374,7 +14428,7 @@
               <a:schemeClr val="accent5">
                 <a:lumMod val="60000"/>
                 <a:lumOff val="40000"/>
-                <a:alpha val="72159"/>
+                <a:alpha val="77000"/>
               </a:schemeClr>
             </a:solidFill>
             <a:ln w="22225" cmpd="dbl">
@@ -14554,7 +14608,7 @@
           </p:nvSpPr>
           <p:spPr>
             <a:xfrm>
-              <a:off x="3894722" y="1468681"/>
+              <a:off x="3871718" y="1531942"/>
               <a:ext cx="261610" cy="261610"/>
             </a:xfrm>
             <a:prstGeom prst="rect">
@@ -14727,7 +14781,7 @@
           </p:nvSpPr>
           <p:spPr>
             <a:xfrm>
-              <a:off x="3625958" y="1704202"/>
+              <a:off x="3614456" y="1738708"/>
               <a:ext cx="284052" cy="261610"/>
             </a:xfrm>
             <a:prstGeom prst="rect">
@@ -14767,7 +14821,7 @@
           </p:nvSpPr>
           <p:spPr>
             <a:xfrm>
-              <a:off x="4602090" y="1678030"/>
+              <a:off x="4584837" y="1678030"/>
               <a:ext cx="256802" cy="261610"/>
             </a:xfrm>
             <a:prstGeom prst="rect">
@@ -15642,8 +15696,9 @@
               <a:r>
                 <a:rPr kumimoji="1" lang="en-US" altLang="zh-TW" sz="1100" dirty="0" err="1">
                   <a:solidFill>
-                    <a:schemeClr val="accent5">
-                      <a:lumMod val="75000"/>
+                    <a:schemeClr val="tx1">
+                      <a:lumMod val="85000"/>
+                      <a:lumOff val="15000"/>
                     </a:schemeClr>
                   </a:solidFill>
                   <a:latin typeface="Minion Pro" panose="02040503050306020203" pitchFamily="18" charset="0"/>
@@ -15653,8 +15708,9 @@
               <a:r>
                 <a:rPr kumimoji="1" lang="en-US" altLang="zh-TW" sz="1100" i="1" dirty="0" err="1">
                   <a:solidFill>
-                    <a:schemeClr val="accent5">
-                      <a:lumMod val="75000"/>
+                    <a:schemeClr val="tx1">
+                      <a:lumMod val="85000"/>
+                      <a:lumOff val="15000"/>
                     </a:schemeClr>
                   </a:solidFill>
                   <a:latin typeface="Minion Pro" panose="02040503050306020203" pitchFamily="18" charset="0"/>
@@ -15664,8 +15720,9 @@
               <a:r>
                 <a:rPr kumimoji="1" lang="en-US" altLang="zh-TW" sz="1100" dirty="0">
                   <a:solidFill>
-                    <a:schemeClr val="accent5">
-                      <a:lumMod val="75000"/>
+                    <a:schemeClr val="tx1">
+                      <a:lumMod val="85000"/>
+                      <a:lumOff val="15000"/>
                     </a:schemeClr>
                   </a:solidFill>
                   <a:latin typeface="Minion Pro" panose="02040503050306020203" pitchFamily="18" charset="0"/>
@@ -15674,8 +15731,9 @@
               </a:r>
               <a:endParaRPr kumimoji="1" lang="zh-TW" altLang="en-US" sz="1100" dirty="0">
                 <a:solidFill>
-                  <a:schemeClr val="accent5">
-                    <a:lumMod val="75000"/>
+                  <a:schemeClr val="tx1">
+                    <a:lumMod val="85000"/>
+                    <a:lumOff val="15000"/>
                   </a:schemeClr>
                 </a:solidFill>
                 <a:latin typeface="Minion Pro" panose="02040503050306020203" pitchFamily="18" charset="0"/>
@@ -15817,6 +15875,60 @@
             </a:fontRef>
           </p:style>
         </p:cxnSp>
+        <p:sp>
+          <p:nvSpPr>
+            <p:cNvPr id="4" name="弧線 3">
+              <a:extLst>
+                <a:ext uri="{FF2B5EF4-FFF2-40B4-BE49-F238E27FC236}">
+                  <a16:creationId xmlns:a16="http://schemas.microsoft.com/office/drawing/2014/main" id="{12297610-C9B6-36AD-18A8-CED232B255E5}"/>
+                </a:ext>
+              </a:extLst>
+            </p:cNvPr>
+            <p:cNvSpPr/>
+            <p:nvPr/>
+          </p:nvSpPr>
+          <p:spPr>
+            <a:xfrm>
+              <a:off x="3032902" y="1835657"/>
+              <a:ext cx="1309441" cy="596393"/>
+            </a:xfrm>
+            <a:prstGeom prst="arc">
+              <a:avLst>
+                <a:gd name="adj1" fmla="val 31968"/>
+                <a:gd name="adj2" fmla="val 10723580"/>
+              </a:avLst>
+            </a:prstGeom>
+            <a:ln w="12700">
+              <a:solidFill>
+                <a:schemeClr val="accent1">
+                  <a:lumMod val="50000"/>
+                </a:schemeClr>
+              </a:solidFill>
+            </a:ln>
+          </p:spPr>
+          <p:style>
+            <a:lnRef idx="1">
+              <a:schemeClr val="accent1"/>
+            </a:lnRef>
+            <a:fillRef idx="0">
+              <a:schemeClr val="accent1"/>
+            </a:fillRef>
+            <a:effectRef idx="0">
+              <a:schemeClr val="accent1"/>
+            </a:effectRef>
+            <a:fontRef idx="minor">
+              <a:schemeClr val="tx1"/>
+            </a:fontRef>
+          </p:style>
+          <p:txBody>
+            <a:bodyPr rtlCol="0" anchor="ctr"/>
+            <a:lstStyle/>
+            <a:p>
+              <a:pPr algn="ctr"/>
+              <a:endParaRPr kumimoji="1" lang="zh-TW" altLang="en-US"/>
+            </a:p>
+          </p:txBody>
+        </p:sp>
       </p:grpSp>
     </p:spTree>
     <p:extLst>

--- a/doc/scheme.pptx
+++ b/doc/scheme.pptx
@@ -7,8 +7,9 @@
   <p:sldIdLst>
     <p:sldId id="256" r:id="rId2"/>
     <p:sldId id="258" r:id="rId3"/>
-    <p:sldId id="259" r:id="rId4"/>
-    <p:sldId id="257" r:id="rId5"/>
+    <p:sldId id="260" r:id="rId4"/>
+    <p:sldId id="259" r:id="rId5"/>
+    <p:sldId id="257" r:id="rId6"/>
   </p:sldIdLst>
   <p:sldSz cx="12192000" cy="6858000"/>
   <p:notesSz cx="6858000" cy="9144000"/>
@@ -262,7 +263,7 @@
           <a:p>
             <a:fld id="{6BD79096-680F-844B-B1F1-7BBB7D6E1857}" type="datetimeFigureOut">
               <a:rPr kumimoji="1" lang="zh-TW" altLang="en-US" smtClean="0"/>
-              <a:t>2023/3/13</a:t>
+              <a:t>2023/8/27</a:t>
             </a:fld>
             <a:endParaRPr kumimoji="1" lang="zh-TW" altLang="en-US"/>
           </a:p>
@@ -460,7 +461,7 @@
           <a:p>
             <a:fld id="{6BD79096-680F-844B-B1F1-7BBB7D6E1857}" type="datetimeFigureOut">
               <a:rPr kumimoji="1" lang="zh-TW" altLang="en-US" smtClean="0"/>
-              <a:t>2023/3/13</a:t>
+              <a:t>2023/8/27</a:t>
             </a:fld>
             <a:endParaRPr kumimoji="1" lang="zh-TW" altLang="en-US"/>
           </a:p>
@@ -668,7 +669,7 @@
           <a:p>
             <a:fld id="{6BD79096-680F-844B-B1F1-7BBB7D6E1857}" type="datetimeFigureOut">
               <a:rPr kumimoji="1" lang="zh-TW" altLang="en-US" smtClean="0"/>
-              <a:t>2023/3/13</a:t>
+              <a:t>2023/8/27</a:t>
             </a:fld>
             <a:endParaRPr kumimoji="1" lang="zh-TW" altLang="en-US"/>
           </a:p>
@@ -866,7 +867,7 @@
           <a:p>
             <a:fld id="{6BD79096-680F-844B-B1F1-7BBB7D6E1857}" type="datetimeFigureOut">
               <a:rPr kumimoji="1" lang="zh-TW" altLang="en-US" smtClean="0"/>
-              <a:t>2023/3/13</a:t>
+              <a:t>2023/8/27</a:t>
             </a:fld>
             <a:endParaRPr kumimoji="1" lang="zh-TW" altLang="en-US"/>
           </a:p>
@@ -1141,7 +1142,7 @@
           <a:p>
             <a:fld id="{6BD79096-680F-844B-B1F1-7BBB7D6E1857}" type="datetimeFigureOut">
               <a:rPr kumimoji="1" lang="zh-TW" altLang="en-US" smtClean="0"/>
-              <a:t>2023/3/13</a:t>
+              <a:t>2023/8/27</a:t>
             </a:fld>
             <a:endParaRPr kumimoji="1" lang="zh-TW" altLang="en-US"/>
           </a:p>
@@ -1406,7 +1407,7 @@
           <a:p>
             <a:fld id="{6BD79096-680F-844B-B1F1-7BBB7D6E1857}" type="datetimeFigureOut">
               <a:rPr kumimoji="1" lang="zh-TW" altLang="en-US" smtClean="0"/>
-              <a:t>2023/3/13</a:t>
+              <a:t>2023/8/27</a:t>
             </a:fld>
             <a:endParaRPr kumimoji="1" lang="zh-TW" altLang="en-US"/>
           </a:p>
@@ -1818,7 +1819,7 @@
           <a:p>
             <a:fld id="{6BD79096-680F-844B-B1F1-7BBB7D6E1857}" type="datetimeFigureOut">
               <a:rPr kumimoji="1" lang="zh-TW" altLang="en-US" smtClean="0"/>
-              <a:t>2023/3/13</a:t>
+              <a:t>2023/8/27</a:t>
             </a:fld>
             <a:endParaRPr kumimoji="1" lang="zh-TW" altLang="en-US"/>
           </a:p>
@@ -1959,7 +1960,7 @@
           <a:p>
             <a:fld id="{6BD79096-680F-844B-B1F1-7BBB7D6E1857}" type="datetimeFigureOut">
               <a:rPr kumimoji="1" lang="zh-TW" altLang="en-US" smtClean="0"/>
-              <a:t>2023/3/13</a:t>
+              <a:t>2023/8/27</a:t>
             </a:fld>
             <a:endParaRPr kumimoji="1" lang="zh-TW" altLang="en-US"/>
           </a:p>
@@ -2072,7 +2073,7 @@
           <a:p>
             <a:fld id="{6BD79096-680F-844B-B1F1-7BBB7D6E1857}" type="datetimeFigureOut">
               <a:rPr kumimoji="1" lang="zh-TW" altLang="en-US" smtClean="0"/>
-              <a:t>2023/3/13</a:t>
+              <a:t>2023/8/27</a:t>
             </a:fld>
             <a:endParaRPr kumimoji="1" lang="zh-TW" altLang="en-US"/>
           </a:p>
@@ -2383,7 +2384,7 @@
           <a:p>
             <a:fld id="{6BD79096-680F-844B-B1F1-7BBB7D6E1857}" type="datetimeFigureOut">
               <a:rPr kumimoji="1" lang="zh-TW" altLang="en-US" smtClean="0"/>
-              <a:t>2023/3/13</a:t>
+              <a:t>2023/8/27</a:t>
             </a:fld>
             <a:endParaRPr kumimoji="1" lang="zh-TW" altLang="en-US"/>
           </a:p>
@@ -2671,7 +2672,7 @@
           <a:p>
             <a:fld id="{6BD79096-680F-844B-B1F1-7BBB7D6E1857}" type="datetimeFigureOut">
               <a:rPr kumimoji="1" lang="zh-TW" altLang="en-US" smtClean="0"/>
-              <a:t>2023/3/13</a:t>
+              <a:t>2023/8/27</a:t>
             </a:fld>
             <a:endParaRPr kumimoji="1" lang="zh-TW" altLang="en-US"/>
           </a:p>
@@ -2912,7 +2913,7 @@
           <a:p>
             <a:fld id="{6BD79096-680F-844B-B1F1-7BBB7D6E1857}" type="datetimeFigureOut">
               <a:rPr kumimoji="1" lang="zh-TW" altLang="en-US" smtClean="0"/>
-              <a:t>2023/3/13</a:t>
+              <a:t>2023/8/27</a:t>
             </a:fld>
             <a:endParaRPr kumimoji="1" lang="zh-TW" altLang="en-US"/>
           </a:p>
@@ -14073,6 +14074,5106 @@
       </p:grpSpPr>
       <p:grpSp>
         <p:nvGrpSpPr>
+          <p:cNvPr id="69" name="群組 68">
+            <a:extLst>
+              <a:ext uri="{FF2B5EF4-FFF2-40B4-BE49-F238E27FC236}">
+                <a16:creationId xmlns:a16="http://schemas.microsoft.com/office/drawing/2014/main" id="{3C700594-50C6-80D3-E2C1-6E5C710599D9}"/>
+              </a:ext>
+            </a:extLst>
+          </p:cNvPr>
+          <p:cNvGrpSpPr/>
+          <p:nvPr/>
+        </p:nvGrpSpPr>
+        <p:grpSpPr>
+          <a:xfrm>
+            <a:off x="1421404" y="628023"/>
+            <a:ext cx="8308070" cy="3548403"/>
+            <a:chOff x="1421404" y="628023"/>
+            <a:chExt cx="8308070" cy="3548403"/>
+          </a:xfrm>
+        </p:grpSpPr>
+        <p:sp>
+          <p:nvSpPr>
+            <p:cNvPr id="24" name="手繪多邊形 23">
+              <a:extLst>
+                <a:ext uri="{FF2B5EF4-FFF2-40B4-BE49-F238E27FC236}">
+                  <a16:creationId xmlns:a16="http://schemas.microsoft.com/office/drawing/2014/main" id="{251E70E7-1891-D932-FAB6-141B62B9A589}"/>
+                </a:ext>
+              </a:extLst>
+            </p:cNvPr>
+            <p:cNvSpPr/>
+            <p:nvPr/>
+          </p:nvSpPr>
+          <p:spPr>
+            <a:xfrm>
+              <a:off x="1736187" y="2726395"/>
+              <a:ext cx="2973313" cy="944678"/>
+            </a:xfrm>
+            <a:custGeom>
+              <a:avLst/>
+              <a:gdLst>
+                <a:gd name="connsiteX0" fmla="*/ 1380683 w 2973313"/>
+                <a:gd name="connsiteY0" fmla="*/ 0 h 944678"/>
+                <a:gd name="connsiteX1" fmla="*/ 0 w 2973313"/>
+                <a:gd name="connsiteY1" fmla="*/ 944678 h 944678"/>
+                <a:gd name="connsiteX2" fmla="*/ 2973313 w 2973313"/>
+                <a:gd name="connsiteY2" fmla="*/ 6056 h 944678"/>
+                <a:gd name="connsiteX3" fmla="*/ 1380683 w 2973313"/>
+                <a:gd name="connsiteY3" fmla="*/ 0 h 944678"/>
+              </a:gdLst>
+              <a:ahLst/>
+              <a:cxnLst>
+                <a:cxn ang="0">
+                  <a:pos x="connsiteX0" y="connsiteY0"/>
+                </a:cxn>
+                <a:cxn ang="0">
+                  <a:pos x="connsiteX1" y="connsiteY1"/>
+                </a:cxn>
+                <a:cxn ang="0">
+                  <a:pos x="connsiteX2" y="connsiteY2"/>
+                </a:cxn>
+                <a:cxn ang="0">
+                  <a:pos x="connsiteX3" y="connsiteY3"/>
+                </a:cxn>
+              </a:cxnLst>
+              <a:rect l="l" t="t" r="r" b="b"/>
+              <a:pathLst>
+                <a:path w="2973313" h="944678">
+                  <a:moveTo>
+                    <a:pt x="1380683" y="0"/>
+                  </a:moveTo>
+                  <a:lnTo>
+                    <a:pt x="0" y="944678"/>
+                  </a:lnTo>
+                  <a:lnTo>
+                    <a:pt x="2973313" y="6056"/>
+                  </a:lnTo>
+                  <a:lnTo>
+                    <a:pt x="1380683" y="0"/>
+                  </a:lnTo>
+                  <a:close/>
+                </a:path>
+              </a:pathLst>
+            </a:custGeom>
+            <a:solidFill>
+              <a:schemeClr val="accent6">
+                <a:lumMod val="40000"/>
+                <a:lumOff val="60000"/>
+              </a:schemeClr>
+            </a:solidFill>
+            <a:ln>
+              <a:noFill/>
+            </a:ln>
+          </p:spPr>
+          <p:style>
+            <a:lnRef idx="2">
+              <a:schemeClr val="accent1">
+                <a:shade val="50000"/>
+              </a:schemeClr>
+            </a:lnRef>
+            <a:fillRef idx="1">
+              <a:schemeClr val="accent1"/>
+            </a:fillRef>
+            <a:effectRef idx="0">
+              <a:schemeClr val="accent1"/>
+            </a:effectRef>
+            <a:fontRef idx="minor">
+              <a:schemeClr val="lt1"/>
+            </a:fontRef>
+          </p:style>
+          <p:txBody>
+            <a:bodyPr rtlCol="0" anchor="ctr"/>
+            <a:lstStyle/>
+            <a:p>
+              <a:pPr algn="ctr"/>
+              <a:endParaRPr kumimoji="1" lang="zh-TW" altLang="en-US"/>
+            </a:p>
+          </p:txBody>
+        </p:sp>
+        <p:cxnSp>
+          <p:nvCxnSpPr>
+            <p:cNvPr id="93" name="直線接點 92">
+              <a:extLst>
+                <a:ext uri="{FF2B5EF4-FFF2-40B4-BE49-F238E27FC236}">
+                  <a16:creationId xmlns:a16="http://schemas.microsoft.com/office/drawing/2014/main" id="{4054C3DE-8D85-9513-C0B8-B19A4C06499C}"/>
+                </a:ext>
+              </a:extLst>
+            </p:cNvPr>
+            <p:cNvCxnSpPr>
+              <a:cxnSpLocks/>
+            </p:cNvCxnSpPr>
+            <p:nvPr/>
+          </p:nvCxnSpPr>
+          <p:spPr>
+            <a:xfrm>
+              <a:off x="7122056" y="2555319"/>
+              <a:ext cx="185" cy="914355"/>
+            </a:xfrm>
+            <a:prstGeom prst="line">
+              <a:avLst/>
+            </a:prstGeom>
+            <a:ln w="12700">
+              <a:solidFill>
+                <a:srgbClr val="C00000"/>
+              </a:solidFill>
+              <a:prstDash val="sysDash"/>
+            </a:ln>
+          </p:spPr>
+          <p:style>
+            <a:lnRef idx="1">
+              <a:schemeClr val="accent1"/>
+            </a:lnRef>
+            <a:fillRef idx="0">
+              <a:schemeClr val="accent1"/>
+            </a:fillRef>
+            <a:effectRef idx="0">
+              <a:schemeClr val="accent1"/>
+            </a:effectRef>
+            <a:fontRef idx="minor">
+              <a:schemeClr val="tx1"/>
+            </a:fontRef>
+          </p:style>
+        </p:cxnSp>
+        <p:cxnSp>
+          <p:nvCxnSpPr>
+            <p:cNvPr id="94" name="直線箭頭接點 93">
+              <a:extLst>
+                <a:ext uri="{FF2B5EF4-FFF2-40B4-BE49-F238E27FC236}">
+                  <a16:creationId xmlns:a16="http://schemas.microsoft.com/office/drawing/2014/main" id="{06FCE9AA-6400-045D-F644-CBEDC6F6C0DA}"/>
+                </a:ext>
+              </a:extLst>
+            </p:cNvPr>
+            <p:cNvCxnSpPr>
+              <a:cxnSpLocks/>
+            </p:cNvCxnSpPr>
+            <p:nvPr/>
+          </p:nvCxnSpPr>
+          <p:spPr>
+            <a:xfrm flipH="1">
+              <a:off x="6576331" y="3460424"/>
+              <a:ext cx="548967" cy="525102"/>
+            </a:xfrm>
+            <a:prstGeom prst="straightConnector1">
+              <a:avLst/>
+            </a:prstGeom>
+            <a:ln w="15875">
+              <a:solidFill>
+                <a:schemeClr val="bg2">
+                  <a:lumMod val="75000"/>
+                </a:schemeClr>
+              </a:solidFill>
+              <a:prstDash val="solid"/>
+              <a:headEnd w="lg" len="lg"/>
+              <a:tailEnd type="none" w="lg" len="lg"/>
+            </a:ln>
+          </p:spPr>
+          <p:style>
+            <a:lnRef idx="1">
+              <a:schemeClr val="dk1"/>
+            </a:lnRef>
+            <a:fillRef idx="0">
+              <a:schemeClr val="dk1"/>
+            </a:fillRef>
+            <a:effectRef idx="0">
+              <a:schemeClr val="dk1"/>
+            </a:effectRef>
+            <a:fontRef idx="minor">
+              <a:schemeClr val="tx1"/>
+            </a:fontRef>
+          </p:style>
+        </p:cxnSp>
+        <p:cxnSp>
+          <p:nvCxnSpPr>
+            <p:cNvPr id="95" name="直線箭頭接點 94">
+              <a:extLst>
+                <a:ext uri="{FF2B5EF4-FFF2-40B4-BE49-F238E27FC236}">
+                  <a16:creationId xmlns:a16="http://schemas.microsoft.com/office/drawing/2014/main" id="{43FA0876-4C7D-B696-3D75-00B4DCCF9FB6}"/>
+                </a:ext>
+              </a:extLst>
+            </p:cNvPr>
+            <p:cNvCxnSpPr>
+              <a:cxnSpLocks/>
+            </p:cNvCxnSpPr>
+            <p:nvPr/>
+          </p:nvCxnSpPr>
+          <p:spPr>
+            <a:xfrm>
+              <a:off x="6043380" y="3986974"/>
+              <a:ext cx="532951" cy="0"/>
+            </a:xfrm>
+            <a:prstGeom prst="straightConnector1">
+              <a:avLst/>
+            </a:prstGeom>
+            <a:ln w="15875">
+              <a:solidFill>
+                <a:schemeClr val="bg2">
+                  <a:lumMod val="75000"/>
+                </a:schemeClr>
+              </a:solidFill>
+              <a:headEnd w="lg" len="lg"/>
+              <a:tailEnd type="none" w="lg" len="lg"/>
+            </a:ln>
+          </p:spPr>
+          <p:style>
+            <a:lnRef idx="1">
+              <a:schemeClr val="dk1"/>
+            </a:lnRef>
+            <a:fillRef idx="0">
+              <a:schemeClr val="dk1"/>
+            </a:fillRef>
+            <a:effectRef idx="0">
+              <a:schemeClr val="dk1"/>
+            </a:effectRef>
+            <a:fontRef idx="minor">
+              <a:schemeClr val="tx1"/>
+            </a:fontRef>
+          </p:style>
+        </p:cxnSp>
+        <p:cxnSp>
+          <p:nvCxnSpPr>
+            <p:cNvPr id="97" name="直線接點 96">
+              <a:extLst>
+                <a:ext uri="{FF2B5EF4-FFF2-40B4-BE49-F238E27FC236}">
+                  <a16:creationId xmlns:a16="http://schemas.microsoft.com/office/drawing/2014/main" id="{2E2E3F56-AEDA-B6D3-B893-C818C6251648}"/>
+                </a:ext>
+              </a:extLst>
+            </p:cNvPr>
+            <p:cNvCxnSpPr>
+              <a:cxnSpLocks/>
+            </p:cNvCxnSpPr>
+            <p:nvPr/>
+          </p:nvCxnSpPr>
+          <p:spPr>
+            <a:xfrm flipH="1">
+              <a:off x="6048085" y="2555319"/>
+              <a:ext cx="1074368" cy="1430261"/>
+            </a:xfrm>
+            <a:prstGeom prst="line">
+              <a:avLst/>
+            </a:prstGeom>
+            <a:ln w="12700">
+              <a:solidFill>
+                <a:srgbClr val="C00000"/>
+              </a:solidFill>
+              <a:prstDash val="solid"/>
+            </a:ln>
+          </p:spPr>
+          <p:style>
+            <a:lnRef idx="1">
+              <a:schemeClr val="accent1"/>
+            </a:lnRef>
+            <a:fillRef idx="0">
+              <a:schemeClr val="accent1"/>
+            </a:fillRef>
+            <a:effectRef idx="0">
+              <a:schemeClr val="accent1"/>
+            </a:effectRef>
+            <a:fontRef idx="minor">
+              <a:schemeClr val="tx1"/>
+            </a:fontRef>
+          </p:style>
+        </p:cxnSp>
+        <p:cxnSp>
+          <p:nvCxnSpPr>
+            <p:cNvPr id="99" name="直線接點 98">
+              <a:extLst>
+                <a:ext uri="{FF2B5EF4-FFF2-40B4-BE49-F238E27FC236}">
+                  <a16:creationId xmlns:a16="http://schemas.microsoft.com/office/drawing/2014/main" id="{8A8BDD30-D762-0187-40DA-D09C50007F6E}"/>
+                </a:ext>
+              </a:extLst>
+            </p:cNvPr>
+            <p:cNvCxnSpPr>
+              <a:cxnSpLocks/>
+            </p:cNvCxnSpPr>
+            <p:nvPr/>
+          </p:nvCxnSpPr>
+          <p:spPr>
+            <a:xfrm flipH="1">
+              <a:off x="6051860" y="3460424"/>
+              <a:ext cx="1073438" cy="525157"/>
+            </a:xfrm>
+            <a:prstGeom prst="line">
+              <a:avLst/>
+            </a:prstGeom>
+            <a:ln w="12700">
+              <a:solidFill>
+                <a:srgbClr val="C00000"/>
+              </a:solidFill>
+              <a:prstDash val="solid"/>
+            </a:ln>
+          </p:spPr>
+          <p:style>
+            <a:lnRef idx="1">
+              <a:schemeClr val="accent1"/>
+            </a:lnRef>
+            <a:fillRef idx="0">
+              <a:schemeClr val="accent1"/>
+            </a:fillRef>
+            <a:effectRef idx="0">
+              <a:schemeClr val="accent1"/>
+            </a:effectRef>
+            <a:fontRef idx="minor">
+              <a:schemeClr val="tx1"/>
+            </a:fontRef>
+          </p:style>
+        </p:cxnSp>
+        <p:sp>
+          <p:nvSpPr>
+            <p:cNvPr id="116" name="文字方塊 115">
+              <a:extLst>
+                <a:ext uri="{FF2B5EF4-FFF2-40B4-BE49-F238E27FC236}">
+                  <a16:creationId xmlns:a16="http://schemas.microsoft.com/office/drawing/2014/main" id="{23354E05-A503-7B5B-F86E-1D4849587ECC}"/>
+                </a:ext>
+              </a:extLst>
+            </p:cNvPr>
+            <p:cNvSpPr txBox="1"/>
+            <p:nvPr/>
+          </p:nvSpPr>
+          <p:spPr>
+            <a:xfrm>
+              <a:off x="6347880" y="3014998"/>
+              <a:ext cx="266420" cy="261610"/>
+            </a:xfrm>
+            <a:prstGeom prst="rect">
+              <a:avLst/>
+            </a:prstGeom>
+            <a:noFill/>
+          </p:spPr>
+          <p:txBody>
+            <a:bodyPr wrap="none" rtlCol="0">
+              <a:spAutoFit/>
+            </a:bodyPr>
+            <a:lstStyle/>
+            <a:p>
+              <a:r>
+                <a:rPr kumimoji="1" lang="en-US" altLang="zh-TW" sz="1100" i="1" dirty="0">
+                  <a:solidFill>
+                    <a:srgbClr val="C00000"/>
+                  </a:solidFill>
+                  <a:latin typeface="Minion Pro" panose="02040503050306020203" pitchFamily="18" charset="0"/>
+                </a:rPr>
+                <a:t>r′</a:t>
+              </a:r>
+              <a:endParaRPr kumimoji="1" lang="zh-TW" altLang="en-US" sz="1400" i="1" dirty="0">
+                <a:solidFill>
+                  <a:srgbClr val="C00000"/>
+                </a:solidFill>
+                <a:latin typeface="Minion Pro" panose="02040503050306020203" pitchFamily="18" charset="0"/>
+              </a:endParaRPr>
+            </a:p>
+          </p:txBody>
+        </p:sp>
+        <p:sp>
+          <p:nvSpPr>
+            <p:cNvPr id="118" name="文字方塊 117">
+              <a:extLst>
+                <a:ext uri="{FF2B5EF4-FFF2-40B4-BE49-F238E27FC236}">
+                  <a16:creationId xmlns:a16="http://schemas.microsoft.com/office/drawing/2014/main" id="{D30DADE6-B42E-39DF-B14F-609696199356}"/>
+                </a:ext>
+              </a:extLst>
+            </p:cNvPr>
+            <p:cNvSpPr txBox="1"/>
+            <p:nvPr/>
+          </p:nvSpPr>
+          <p:spPr>
+            <a:xfrm>
+              <a:off x="6653126" y="3068695"/>
+              <a:ext cx="521297" cy="261610"/>
+            </a:xfrm>
+            <a:prstGeom prst="rect">
+              <a:avLst/>
+            </a:prstGeom>
+            <a:noFill/>
+          </p:spPr>
+          <p:txBody>
+            <a:bodyPr wrap="none" rtlCol="0">
+              <a:spAutoFit/>
+            </a:bodyPr>
+            <a:lstStyle/>
+            <a:p>
+              <a:r>
+                <a:rPr kumimoji="1" lang="en-US" altLang="zh-TW" sz="1100" i="1" dirty="0" err="1">
+                  <a:solidFill>
+                    <a:srgbClr val="C00000"/>
+                  </a:solidFill>
+                  <a:latin typeface="Minion Pro" panose="02040503050306020203" pitchFamily="18" charset="0"/>
+                </a:rPr>
+                <a:t>h</a:t>
+              </a:r>
+              <a:r>
+                <a:rPr kumimoji="1" lang="en-US" altLang="zh-TW" sz="1100" dirty="0" err="1">
+                  <a:solidFill>
+                    <a:srgbClr val="C00000"/>
+                  </a:solidFill>
+                  <a:latin typeface="Minion Pro" panose="02040503050306020203" pitchFamily="18" charset="0"/>
+                </a:rPr>
+                <a:t>cos</a:t>
+              </a:r>
+              <a:r>
+                <a:rPr kumimoji="1" lang="en-US" altLang="zh-TW" sz="1100" i="1" dirty="0" err="1">
+                  <a:solidFill>
+                    <a:srgbClr val="C00000"/>
+                  </a:solidFill>
+                  <a:latin typeface="Minion Pro" panose="02040503050306020203" pitchFamily="18" charset="0"/>
+                </a:rPr>
+                <a:t>ϕ</a:t>
+              </a:r>
+              <a:endParaRPr kumimoji="1" lang="zh-TW" altLang="en-US" sz="1400" i="1" dirty="0">
+                <a:solidFill>
+                  <a:srgbClr val="C00000"/>
+                </a:solidFill>
+                <a:latin typeface="Minion Pro" panose="02040503050306020203" pitchFamily="18" charset="0"/>
+              </a:endParaRPr>
+            </a:p>
+          </p:txBody>
+        </p:sp>
+        <p:cxnSp>
+          <p:nvCxnSpPr>
+            <p:cNvPr id="119" name="直線箭頭接點 118">
+              <a:extLst>
+                <a:ext uri="{FF2B5EF4-FFF2-40B4-BE49-F238E27FC236}">
+                  <a16:creationId xmlns:a16="http://schemas.microsoft.com/office/drawing/2014/main" id="{6FB24D57-8BF9-A91E-18C5-D0ECE8AC855B}"/>
+                </a:ext>
+              </a:extLst>
+            </p:cNvPr>
+            <p:cNvCxnSpPr>
+              <a:cxnSpLocks/>
+            </p:cNvCxnSpPr>
+            <p:nvPr/>
+          </p:nvCxnSpPr>
+          <p:spPr>
+            <a:xfrm flipH="1">
+              <a:off x="6483196" y="3915709"/>
+              <a:ext cx="62567" cy="72815"/>
+            </a:xfrm>
+            <a:prstGeom prst="straightConnector1">
+              <a:avLst/>
+            </a:prstGeom>
+            <a:ln w="9525">
+              <a:solidFill>
+                <a:schemeClr val="bg2">
+                  <a:lumMod val="75000"/>
+                </a:schemeClr>
+              </a:solidFill>
+              <a:prstDash val="solid"/>
+              <a:headEnd w="lg" len="lg"/>
+              <a:tailEnd type="none" w="lg" len="lg"/>
+            </a:ln>
+          </p:spPr>
+          <p:style>
+            <a:lnRef idx="1">
+              <a:schemeClr val="dk1"/>
+            </a:lnRef>
+            <a:fillRef idx="0">
+              <a:schemeClr val="dk1"/>
+            </a:fillRef>
+            <a:effectRef idx="0">
+              <a:schemeClr val="dk1"/>
+            </a:effectRef>
+            <a:fontRef idx="minor">
+              <a:schemeClr val="tx1"/>
+            </a:fontRef>
+          </p:style>
+        </p:cxnSp>
+        <p:cxnSp>
+          <p:nvCxnSpPr>
+            <p:cNvPr id="120" name="直線箭頭接點 119">
+              <a:extLst>
+                <a:ext uri="{FF2B5EF4-FFF2-40B4-BE49-F238E27FC236}">
+                  <a16:creationId xmlns:a16="http://schemas.microsoft.com/office/drawing/2014/main" id="{59C32702-A08B-7C0F-C1FC-A613973F0F1C}"/>
+                </a:ext>
+              </a:extLst>
+            </p:cNvPr>
+            <p:cNvCxnSpPr>
+              <a:cxnSpLocks/>
+            </p:cNvCxnSpPr>
+            <p:nvPr/>
+          </p:nvCxnSpPr>
+          <p:spPr>
+            <a:xfrm flipH="1">
+              <a:off x="6542338" y="3919134"/>
+              <a:ext cx="100789" cy="0"/>
+            </a:xfrm>
+            <a:prstGeom prst="straightConnector1">
+              <a:avLst/>
+            </a:prstGeom>
+            <a:ln w="9525">
+              <a:solidFill>
+                <a:schemeClr val="bg2">
+                  <a:lumMod val="75000"/>
+                </a:schemeClr>
+              </a:solidFill>
+              <a:prstDash val="solid"/>
+              <a:headEnd w="lg" len="lg"/>
+              <a:tailEnd type="none" w="lg" len="lg"/>
+            </a:ln>
+          </p:spPr>
+          <p:style>
+            <a:lnRef idx="1">
+              <a:schemeClr val="dk1"/>
+            </a:lnRef>
+            <a:fillRef idx="0">
+              <a:schemeClr val="dk1"/>
+            </a:fillRef>
+            <a:effectRef idx="0">
+              <a:schemeClr val="dk1"/>
+            </a:effectRef>
+            <a:fontRef idx="minor">
+              <a:schemeClr val="tx1"/>
+            </a:fontRef>
+          </p:style>
+        </p:cxnSp>
+        <p:pic>
+          <p:nvPicPr>
+            <p:cNvPr id="122" name="圖片 121">
+              <a:extLst>
+                <a:ext uri="{FF2B5EF4-FFF2-40B4-BE49-F238E27FC236}">
+                  <a16:creationId xmlns:a16="http://schemas.microsoft.com/office/drawing/2014/main" id="{3EC32D69-97C7-E175-D570-8999D3E83F8F}"/>
+                </a:ext>
+              </a:extLst>
+            </p:cNvPr>
+            <p:cNvPicPr>
+              <a:picLocks noChangeAspect="1"/>
+            </p:cNvPicPr>
+            <p:nvPr/>
+          </p:nvPicPr>
+          <p:blipFill>
+            <a:blip r:embed="rId2"/>
+            <a:stretch>
+              <a:fillRect/>
+            </a:stretch>
+          </p:blipFill>
+          <p:spPr>
+            <a:xfrm>
+              <a:off x="6908279" y="3735431"/>
+              <a:ext cx="876300" cy="139700"/>
+            </a:xfrm>
+            <a:prstGeom prst="rect">
+              <a:avLst/>
+            </a:prstGeom>
+          </p:spPr>
+        </p:pic>
+        <p:pic>
+          <p:nvPicPr>
+            <p:cNvPr id="126" name="圖片 125">
+              <a:extLst>
+                <a:ext uri="{FF2B5EF4-FFF2-40B4-BE49-F238E27FC236}">
+                  <a16:creationId xmlns:a16="http://schemas.microsoft.com/office/drawing/2014/main" id="{030539DB-D83A-9E6A-6C88-0FDA30508CA2}"/>
+                </a:ext>
+              </a:extLst>
+            </p:cNvPr>
+            <p:cNvPicPr>
+              <a:picLocks noChangeAspect="1"/>
+            </p:cNvPicPr>
+            <p:nvPr/>
+          </p:nvPicPr>
+          <p:blipFill>
+            <a:blip r:embed="rId3"/>
+            <a:stretch>
+              <a:fillRect/>
+            </a:stretch>
+          </p:blipFill>
+          <p:spPr>
+            <a:xfrm>
+              <a:off x="6140429" y="4053257"/>
+              <a:ext cx="342900" cy="114300"/>
+            </a:xfrm>
+            <a:prstGeom prst="rect">
+              <a:avLst/>
+            </a:prstGeom>
+          </p:spPr>
+        </p:pic>
+        <p:sp>
+          <p:nvSpPr>
+            <p:cNvPr id="128" name="文字方塊 127">
+              <a:extLst>
+                <a:ext uri="{FF2B5EF4-FFF2-40B4-BE49-F238E27FC236}">
+                  <a16:creationId xmlns:a16="http://schemas.microsoft.com/office/drawing/2014/main" id="{DD0E95D9-5ABF-AEC8-AC61-7F1E050C679A}"/>
+                </a:ext>
+              </a:extLst>
+            </p:cNvPr>
+            <p:cNvSpPr txBox="1"/>
+            <p:nvPr/>
+          </p:nvSpPr>
+          <p:spPr>
+            <a:xfrm>
+              <a:off x="6544266" y="3437465"/>
+              <a:ext cx="253596" cy="261610"/>
+            </a:xfrm>
+            <a:prstGeom prst="rect">
+              <a:avLst/>
+            </a:prstGeom>
+            <a:noFill/>
+          </p:spPr>
+          <p:txBody>
+            <a:bodyPr wrap="none" rtlCol="0">
+              <a:spAutoFit/>
+            </a:bodyPr>
+            <a:lstStyle/>
+            <a:p>
+              <a:r>
+                <a:rPr kumimoji="1" lang="en-US" altLang="zh-TW" sz="1100" i="1" dirty="0">
+                  <a:solidFill>
+                    <a:srgbClr val="C00000"/>
+                  </a:solidFill>
+                  <a:latin typeface="Minion Pro" panose="02040503050306020203" pitchFamily="18" charset="0"/>
+                </a:rPr>
+                <a:t>a</a:t>
+              </a:r>
+              <a:endParaRPr kumimoji="1" lang="zh-TW" altLang="en-US" sz="1400" i="1" dirty="0">
+                <a:solidFill>
+                  <a:srgbClr val="C00000"/>
+                </a:solidFill>
+                <a:latin typeface="Minion Pro" panose="02040503050306020203" pitchFamily="18" charset="0"/>
+              </a:endParaRPr>
+            </a:p>
+          </p:txBody>
+        </p:sp>
+        <p:cxnSp>
+          <p:nvCxnSpPr>
+            <p:cNvPr id="132" name="直線接點 131">
+              <a:extLst>
+                <a:ext uri="{FF2B5EF4-FFF2-40B4-BE49-F238E27FC236}">
+                  <a16:creationId xmlns:a16="http://schemas.microsoft.com/office/drawing/2014/main" id="{95EFDC5D-29C6-B8D4-971B-BF1025E6F8C9}"/>
+                </a:ext>
+              </a:extLst>
+            </p:cNvPr>
+            <p:cNvCxnSpPr>
+              <a:cxnSpLocks/>
+            </p:cNvCxnSpPr>
+            <p:nvPr/>
+          </p:nvCxnSpPr>
+          <p:spPr>
+            <a:xfrm flipH="1">
+              <a:off x="7033474" y="3369086"/>
+              <a:ext cx="95599" cy="46770"/>
+            </a:xfrm>
+            <a:prstGeom prst="line">
+              <a:avLst/>
+            </a:prstGeom>
+            <a:ln w="6350">
+              <a:solidFill>
+                <a:srgbClr val="C00000"/>
+              </a:solidFill>
+              <a:prstDash val="solid"/>
+            </a:ln>
+          </p:spPr>
+          <p:style>
+            <a:lnRef idx="1">
+              <a:schemeClr val="accent1"/>
+            </a:lnRef>
+            <a:fillRef idx="0">
+              <a:schemeClr val="accent1"/>
+            </a:fillRef>
+            <a:effectRef idx="0">
+              <a:schemeClr val="accent1"/>
+            </a:effectRef>
+            <a:fontRef idx="minor">
+              <a:schemeClr val="tx1"/>
+            </a:fontRef>
+          </p:style>
+        </p:cxnSp>
+        <p:cxnSp>
+          <p:nvCxnSpPr>
+            <p:cNvPr id="137" name="直線接點 136">
+              <a:extLst>
+                <a:ext uri="{FF2B5EF4-FFF2-40B4-BE49-F238E27FC236}">
+                  <a16:creationId xmlns:a16="http://schemas.microsoft.com/office/drawing/2014/main" id="{E947950F-F33C-B9BA-273E-97F2ECB204C4}"/>
+                </a:ext>
+              </a:extLst>
+            </p:cNvPr>
+            <p:cNvCxnSpPr>
+              <a:cxnSpLocks/>
+            </p:cNvCxnSpPr>
+            <p:nvPr/>
+          </p:nvCxnSpPr>
+          <p:spPr>
+            <a:xfrm>
+              <a:off x="7034421" y="3414335"/>
+              <a:ext cx="0" cy="87664"/>
+            </a:xfrm>
+            <a:prstGeom prst="line">
+              <a:avLst/>
+            </a:prstGeom>
+            <a:ln w="6350">
+              <a:solidFill>
+                <a:srgbClr val="C00000"/>
+              </a:solidFill>
+              <a:prstDash val="solid"/>
+            </a:ln>
+          </p:spPr>
+          <p:style>
+            <a:lnRef idx="1">
+              <a:schemeClr val="accent1"/>
+            </a:lnRef>
+            <a:fillRef idx="0">
+              <a:schemeClr val="accent1"/>
+            </a:fillRef>
+            <a:effectRef idx="0">
+              <a:schemeClr val="accent1"/>
+            </a:effectRef>
+            <a:fontRef idx="minor">
+              <a:schemeClr val="tx1"/>
+            </a:fontRef>
+          </p:style>
+        </p:cxnSp>
+        <p:sp>
+          <p:nvSpPr>
+            <p:cNvPr id="194" name="文字方塊 193">
+              <a:extLst>
+                <a:ext uri="{FF2B5EF4-FFF2-40B4-BE49-F238E27FC236}">
+                  <a16:creationId xmlns:a16="http://schemas.microsoft.com/office/drawing/2014/main" id="{2651C8A9-E0A5-02B2-5195-D30B45DF1D35}"/>
+                </a:ext>
+              </a:extLst>
+            </p:cNvPr>
+            <p:cNvSpPr txBox="1"/>
+            <p:nvPr/>
+          </p:nvSpPr>
+          <p:spPr>
+            <a:xfrm>
+              <a:off x="5749891" y="3868649"/>
+              <a:ext cx="300082" cy="307777"/>
+            </a:xfrm>
+            <a:prstGeom prst="rect">
+              <a:avLst/>
+            </a:prstGeom>
+            <a:noFill/>
+          </p:spPr>
+          <p:txBody>
+            <a:bodyPr wrap="none" rtlCol="0">
+              <a:spAutoFit/>
+            </a:bodyPr>
+            <a:lstStyle/>
+            <a:p>
+              <a:r>
+                <a:rPr kumimoji="1" lang="en-US" altLang="zh-TW" sz="1400" dirty="0">
+                  <a:solidFill>
+                    <a:schemeClr val="tx1">
+                      <a:lumMod val="85000"/>
+                      <a:lumOff val="15000"/>
+                    </a:schemeClr>
+                  </a:solidFill>
+                  <a:latin typeface="Myriad Pro" panose="020B0503030403020204" pitchFamily="34" charset="0"/>
+                </a:rPr>
+                <a:t>G</a:t>
+              </a:r>
+              <a:endParaRPr kumimoji="1" lang="zh-TW" altLang="en-US" dirty="0">
+                <a:solidFill>
+                  <a:schemeClr val="tx1">
+                    <a:lumMod val="85000"/>
+                    <a:lumOff val="15000"/>
+                  </a:schemeClr>
+                </a:solidFill>
+                <a:latin typeface="Myriad Pro" panose="020B0503030403020204" pitchFamily="34" charset="0"/>
+              </a:endParaRPr>
+            </a:p>
+          </p:txBody>
+        </p:sp>
+        <p:grpSp>
+          <p:nvGrpSpPr>
+            <p:cNvPr id="30" name="群組 29">
+              <a:extLst>
+                <a:ext uri="{FF2B5EF4-FFF2-40B4-BE49-F238E27FC236}">
+                  <a16:creationId xmlns:a16="http://schemas.microsoft.com/office/drawing/2014/main" id="{144CBFF9-2DDC-7C4F-CA21-23ED444B2D97}"/>
+                </a:ext>
+              </a:extLst>
+            </p:cNvPr>
+            <p:cNvGrpSpPr/>
+            <p:nvPr/>
+          </p:nvGrpSpPr>
+          <p:grpSpPr>
+            <a:xfrm>
+              <a:off x="7886979" y="2677818"/>
+              <a:ext cx="1842495" cy="1432554"/>
+              <a:chOff x="5945196" y="3383542"/>
+              <a:chExt cx="1842495" cy="1432554"/>
+            </a:xfrm>
+          </p:grpSpPr>
+          <p:pic>
+            <p:nvPicPr>
+              <p:cNvPr id="167" name="圖片 166">
+                <a:extLst>
+                  <a:ext uri="{FF2B5EF4-FFF2-40B4-BE49-F238E27FC236}">
+                    <a16:creationId xmlns:a16="http://schemas.microsoft.com/office/drawing/2014/main" id="{3996C5FD-F277-40BB-4B1A-B2C3ECC99841}"/>
+                  </a:ext>
+                </a:extLst>
+              </p:cNvPr>
+              <p:cNvPicPr>
+                <a:picLocks noChangeAspect="1"/>
+              </p:cNvPicPr>
+              <p:nvPr/>
+            </p:nvPicPr>
+            <p:blipFill>
+              <a:blip r:embed="rId4"/>
+              <a:stretch>
+                <a:fillRect/>
+              </a:stretch>
+            </p:blipFill>
+            <p:spPr>
+              <a:xfrm>
+                <a:off x="6321161" y="3881551"/>
+                <a:ext cx="88900" cy="139700"/>
+              </a:xfrm>
+              <a:prstGeom prst="rect">
+                <a:avLst/>
+              </a:prstGeom>
+            </p:spPr>
+          </p:pic>
+          <p:sp>
+            <p:nvSpPr>
+              <p:cNvPr id="174" name="弧線 173">
+                <a:extLst>
+                  <a:ext uri="{FF2B5EF4-FFF2-40B4-BE49-F238E27FC236}">
+                    <a16:creationId xmlns:a16="http://schemas.microsoft.com/office/drawing/2014/main" id="{E656D155-CC12-3C65-7A42-07F07BE79E25}"/>
+                  </a:ext>
+                </a:extLst>
+              </p:cNvPr>
+              <p:cNvSpPr/>
+              <p:nvPr/>
+            </p:nvSpPr>
+            <p:spPr>
+              <a:xfrm flipH="1">
+                <a:off x="6619546" y="3592325"/>
+                <a:ext cx="209390" cy="180365"/>
+              </a:xfrm>
+              <a:prstGeom prst="arc">
+                <a:avLst>
+                  <a:gd name="adj1" fmla="val 2661013"/>
+                  <a:gd name="adj2" fmla="val 11257645"/>
+                </a:avLst>
+              </a:prstGeom>
+              <a:ln w="12700">
+                <a:solidFill>
+                  <a:schemeClr val="tx1">
+                    <a:lumMod val="85000"/>
+                    <a:lumOff val="15000"/>
+                  </a:schemeClr>
+                </a:solidFill>
+                <a:headEnd type="none"/>
+              </a:ln>
+            </p:spPr>
+            <p:style>
+              <a:lnRef idx="1">
+                <a:schemeClr val="accent1"/>
+              </a:lnRef>
+              <a:fillRef idx="0">
+                <a:schemeClr val="accent1"/>
+              </a:fillRef>
+              <a:effectRef idx="0">
+                <a:schemeClr val="accent1"/>
+              </a:effectRef>
+              <a:fontRef idx="minor">
+                <a:schemeClr val="tx1"/>
+              </a:fontRef>
+            </p:style>
+            <p:txBody>
+              <a:bodyPr rtlCol="0" anchor="ctr"/>
+              <a:lstStyle/>
+              <a:p>
+                <a:pPr algn="ctr"/>
+                <a:endParaRPr kumimoji="1" lang="zh-TW" altLang="en-US"/>
+              </a:p>
+            </p:txBody>
+          </p:sp>
+          <p:sp>
+            <p:nvSpPr>
+              <p:cNvPr id="181" name="三角形 180">
+                <a:extLst>
+                  <a:ext uri="{FF2B5EF4-FFF2-40B4-BE49-F238E27FC236}">
+                    <a16:creationId xmlns:a16="http://schemas.microsoft.com/office/drawing/2014/main" id="{3AE62518-64B6-0B1C-9FBB-56CB8382A59B}"/>
+                  </a:ext>
+                </a:extLst>
+              </p:cNvPr>
+              <p:cNvSpPr/>
+              <p:nvPr/>
+            </p:nvSpPr>
+            <p:spPr>
+              <a:xfrm rot="19371205">
+                <a:off x="5945196" y="3702454"/>
+                <a:ext cx="1556557" cy="470993"/>
+              </a:xfrm>
+              <a:prstGeom prst="triangle">
+                <a:avLst>
+                  <a:gd name="adj" fmla="val 59316"/>
+                </a:avLst>
+              </a:prstGeom>
+              <a:solidFill>
+                <a:schemeClr val="accent6">
+                  <a:lumMod val="40000"/>
+                  <a:lumOff val="60000"/>
+                </a:schemeClr>
+              </a:solidFill>
+              <a:ln>
+                <a:solidFill>
+                  <a:schemeClr val="tx1">
+                    <a:lumMod val="95000"/>
+                    <a:lumOff val="5000"/>
+                  </a:schemeClr>
+                </a:solidFill>
+              </a:ln>
+            </p:spPr>
+            <p:style>
+              <a:lnRef idx="2">
+                <a:schemeClr val="accent1">
+                  <a:shade val="50000"/>
+                </a:schemeClr>
+              </a:lnRef>
+              <a:fillRef idx="1">
+                <a:schemeClr val="accent1"/>
+              </a:fillRef>
+              <a:effectRef idx="0">
+                <a:schemeClr val="accent1"/>
+              </a:effectRef>
+              <a:fontRef idx="minor">
+                <a:schemeClr val="lt1"/>
+              </a:fontRef>
+            </p:style>
+            <p:txBody>
+              <a:bodyPr rtlCol="0" anchor="ctr"/>
+              <a:lstStyle/>
+              <a:p>
+                <a:pPr algn="ctr"/>
+                <a:endParaRPr kumimoji="1" lang="zh-TW" altLang="en-US" dirty="0"/>
+              </a:p>
+            </p:txBody>
+          </p:sp>
+          <p:sp>
+            <p:nvSpPr>
+              <p:cNvPr id="182" name="文字方塊 181">
+                <a:extLst>
+                  <a:ext uri="{FF2B5EF4-FFF2-40B4-BE49-F238E27FC236}">
+                    <a16:creationId xmlns:a16="http://schemas.microsoft.com/office/drawing/2014/main" id="{D1F14A55-4F72-463F-3BDB-87CAAA647E9A}"/>
+                  </a:ext>
+                </a:extLst>
+              </p:cNvPr>
+              <p:cNvSpPr txBox="1"/>
+              <p:nvPr/>
+            </p:nvSpPr>
+            <p:spPr>
+              <a:xfrm>
+                <a:off x="6883617" y="4104309"/>
+                <a:ext cx="340158" cy="307777"/>
+              </a:xfrm>
+              <a:prstGeom prst="rect">
+                <a:avLst/>
+              </a:prstGeom>
+              <a:noFill/>
+            </p:spPr>
+            <p:txBody>
+              <a:bodyPr wrap="none" rtlCol="0">
+                <a:spAutoFit/>
+              </a:bodyPr>
+              <a:lstStyle/>
+              <a:p>
+                <a:r>
+                  <a:rPr kumimoji="1" lang="en-US" altLang="zh-TW" sz="1400" i="1" dirty="0">
+                    <a:latin typeface="Minion Pro" panose="02040503050306020203" pitchFamily="18" charset="0"/>
+                  </a:rPr>
+                  <a:t>R</a:t>
+                </a:r>
+                <a:r>
+                  <a:rPr kumimoji="1" lang="en-US" altLang="zh-TW" sz="1400" i="1" baseline="-25000" dirty="0">
+                    <a:latin typeface="Minion Pro" panose="02040503050306020203" pitchFamily="18" charset="0"/>
+                  </a:rPr>
+                  <a:t>e</a:t>
+                </a:r>
+                <a:endParaRPr kumimoji="1" lang="zh-TW" altLang="en-US" i="1" dirty="0">
+                  <a:solidFill>
+                    <a:srgbClr val="2F528F"/>
+                  </a:solidFill>
+                  <a:latin typeface="Minion Pro" panose="02040503050306020203" pitchFamily="18" charset="0"/>
+                </a:endParaRPr>
+              </a:p>
+            </p:txBody>
+          </p:sp>
+          <p:sp>
+            <p:nvSpPr>
+              <p:cNvPr id="183" name="文字方塊 182">
+                <a:extLst>
+                  <a:ext uri="{FF2B5EF4-FFF2-40B4-BE49-F238E27FC236}">
+                    <a16:creationId xmlns:a16="http://schemas.microsoft.com/office/drawing/2014/main" id="{7432A2BC-76DE-164D-9397-75999F45CDD9}"/>
+                  </a:ext>
+                </a:extLst>
+              </p:cNvPr>
+              <p:cNvSpPr txBox="1"/>
+              <p:nvPr/>
+            </p:nvSpPr>
+            <p:spPr>
+              <a:xfrm>
+                <a:off x="6817436" y="3383542"/>
+                <a:ext cx="506870" cy="261610"/>
+              </a:xfrm>
+              <a:prstGeom prst="rect">
+                <a:avLst/>
+              </a:prstGeom>
+              <a:noFill/>
+            </p:spPr>
+            <p:txBody>
+              <a:bodyPr wrap="none" rtlCol="0">
+                <a:spAutoFit/>
+              </a:bodyPr>
+              <a:lstStyle/>
+              <a:p>
+                <a:r>
+                  <a:rPr kumimoji="1" lang="en-US" altLang="zh-TW" sz="1100" i="1" dirty="0" err="1">
+                    <a:solidFill>
+                      <a:srgbClr val="C00000"/>
+                    </a:solidFill>
+                    <a:latin typeface="Minion Pro" panose="02040503050306020203" pitchFamily="18" charset="0"/>
+                  </a:rPr>
+                  <a:t>d</a:t>
+                </a:r>
+                <a:r>
+                  <a:rPr kumimoji="1" lang="en-US" altLang="zh-TW" sz="1100" dirty="0" err="1">
+                    <a:solidFill>
+                      <a:srgbClr val="C00000"/>
+                    </a:solidFill>
+                    <a:latin typeface="Minion Pro" panose="02040503050306020203" pitchFamily="18" charset="0"/>
+                  </a:rPr>
+                  <a:t>cos</a:t>
+                </a:r>
+                <a:r>
+                  <a:rPr kumimoji="1" lang="en-US" altLang="zh-TW" sz="1100" i="1" dirty="0" err="1">
+                    <a:solidFill>
+                      <a:srgbClr val="B21D09"/>
+                    </a:solidFill>
+                    <a:latin typeface="Minion Pro" panose="02040503050306020203" pitchFamily="18" charset="0"/>
+                  </a:rPr>
+                  <a:t>θ</a:t>
+                </a:r>
+                <a:endParaRPr kumimoji="1" lang="zh-TW" altLang="en-US" sz="1400" i="1" dirty="0">
+                  <a:solidFill>
+                    <a:srgbClr val="B21D09"/>
+                  </a:solidFill>
+                  <a:latin typeface="Minion Pro" panose="02040503050306020203" pitchFamily="18" charset="0"/>
+                </a:endParaRPr>
+              </a:p>
+            </p:txBody>
+          </p:sp>
+          <p:pic>
+            <p:nvPicPr>
+              <p:cNvPr id="184" name="圖片 183">
+                <a:extLst>
+                  <a:ext uri="{FF2B5EF4-FFF2-40B4-BE49-F238E27FC236}">
+                    <a16:creationId xmlns:a16="http://schemas.microsoft.com/office/drawing/2014/main" id="{0A8F5718-6946-CDB8-7F45-E57D4516B684}"/>
+                  </a:ext>
+                </a:extLst>
+              </p:cNvPr>
+              <p:cNvPicPr>
+                <a:picLocks noChangeAspect="1"/>
+              </p:cNvPicPr>
+              <p:nvPr/>
+            </p:nvPicPr>
+            <p:blipFill>
+              <a:blip r:embed="rId5"/>
+              <a:stretch>
+                <a:fillRect/>
+              </a:stretch>
+            </p:blipFill>
+            <p:spPr>
+              <a:xfrm>
+                <a:off x="6658339" y="3792791"/>
+                <a:ext cx="393700" cy="88900"/>
+              </a:xfrm>
+              <a:prstGeom prst="rect">
+                <a:avLst/>
+              </a:prstGeom>
+            </p:spPr>
+          </p:pic>
+          <p:sp>
+            <p:nvSpPr>
+              <p:cNvPr id="191" name="文字方塊 190">
+                <a:extLst>
+                  <a:ext uri="{FF2B5EF4-FFF2-40B4-BE49-F238E27FC236}">
+                    <a16:creationId xmlns:a16="http://schemas.microsoft.com/office/drawing/2014/main" id="{D2B8DC1C-3470-5824-A38F-3030E23FDB26}"/>
+                  </a:ext>
+                </a:extLst>
+              </p:cNvPr>
+              <p:cNvSpPr txBox="1"/>
+              <p:nvPr/>
+            </p:nvSpPr>
+            <p:spPr>
+              <a:xfrm>
+                <a:off x="5976679" y="4508319"/>
+                <a:ext cx="300082" cy="307777"/>
+              </a:xfrm>
+              <a:prstGeom prst="rect">
+                <a:avLst/>
+              </a:prstGeom>
+              <a:noFill/>
+            </p:spPr>
+            <p:txBody>
+              <a:bodyPr wrap="none" rtlCol="0">
+                <a:spAutoFit/>
+              </a:bodyPr>
+              <a:lstStyle/>
+              <a:p>
+                <a:r>
+                  <a:rPr kumimoji="1" lang="en-US" altLang="zh-TW" sz="1400" dirty="0">
+                    <a:solidFill>
+                      <a:schemeClr val="tx1">
+                        <a:lumMod val="85000"/>
+                        <a:lumOff val="15000"/>
+                      </a:schemeClr>
+                    </a:solidFill>
+                    <a:latin typeface="Myriad Pro" panose="020B0503030403020204" pitchFamily="34" charset="0"/>
+                  </a:rPr>
+                  <a:t>G</a:t>
+                </a:r>
+                <a:endParaRPr kumimoji="1" lang="zh-TW" altLang="en-US" dirty="0">
+                  <a:solidFill>
+                    <a:schemeClr val="tx1">
+                      <a:lumMod val="85000"/>
+                      <a:lumOff val="15000"/>
+                    </a:schemeClr>
+                  </a:solidFill>
+                  <a:latin typeface="Myriad Pro" panose="020B0503030403020204" pitchFamily="34" charset="0"/>
+                </a:endParaRPr>
+              </a:p>
+            </p:txBody>
+          </p:sp>
+          <p:sp>
+            <p:nvSpPr>
+              <p:cNvPr id="192" name="文字方塊 191">
+                <a:extLst>
+                  <a:ext uri="{FF2B5EF4-FFF2-40B4-BE49-F238E27FC236}">
+                    <a16:creationId xmlns:a16="http://schemas.microsoft.com/office/drawing/2014/main" id="{C039C6A6-3147-0115-49D8-E03B81A35E7C}"/>
+                  </a:ext>
+                </a:extLst>
+              </p:cNvPr>
+              <p:cNvSpPr txBox="1"/>
+              <p:nvPr/>
+            </p:nvSpPr>
+            <p:spPr>
+              <a:xfrm>
+                <a:off x="7514859" y="3498850"/>
+                <a:ext cx="272832" cy="307777"/>
+              </a:xfrm>
+              <a:prstGeom prst="rect">
+                <a:avLst/>
+              </a:prstGeom>
+              <a:noFill/>
+            </p:spPr>
+            <p:txBody>
+              <a:bodyPr wrap="none" rtlCol="0">
+                <a:spAutoFit/>
+              </a:bodyPr>
+              <a:lstStyle/>
+              <a:p>
+                <a:r>
+                  <a:rPr kumimoji="1" lang="en-US" altLang="zh-TW" sz="1400" dirty="0">
+                    <a:solidFill>
+                      <a:schemeClr val="tx1">
+                        <a:lumMod val="85000"/>
+                        <a:lumOff val="15000"/>
+                      </a:schemeClr>
+                    </a:solidFill>
+                    <a:latin typeface="Myriad Pro" panose="020B0503030403020204" pitchFamily="34" charset="0"/>
+                  </a:rPr>
+                  <a:t>E</a:t>
+                </a:r>
+                <a:endParaRPr kumimoji="1" lang="zh-TW" altLang="en-US" dirty="0">
+                  <a:solidFill>
+                    <a:schemeClr val="tx1">
+                      <a:lumMod val="85000"/>
+                      <a:lumOff val="15000"/>
+                    </a:schemeClr>
+                  </a:solidFill>
+                  <a:latin typeface="Myriad Pro" panose="020B0503030403020204" pitchFamily="34" charset="0"/>
+                </a:endParaRPr>
+              </a:p>
+            </p:txBody>
+          </p:sp>
+          <p:pic>
+            <p:nvPicPr>
+              <p:cNvPr id="2" name="圖片 1">
+                <a:extLst>
+                  <a:ext uri="{FF2B5EF4-FFF2-40B4-BE49-F238E27FC236}">
+                    <a16:creationId xmlns:a16="http://schemas.microsoft.com/office/drawing/2014/main" id="{D8832195-5A04-F6B4-FC0E-229721C11788}"/>
+                  </a:ext>
+                </a:extLst>
+              </p:cNvPr>
+              <p:cNvPicPr>
+                <a:picLocks noChangeAspect="1"/>
+              </p:cNvPicPr>
+              <p:nvPr/>
+            </p:nvPicPr>
+            <p:blipFill>
+              <a:blip r:embed="rId6"/>
+              <a:stretch>
+                <a:fillRect/>
+              </a:stretch>
+            </p:blipFill>
+            <p:spPr>
+              <a:xfrm>
+                <a:off x="7147457" y="3682507"/>
+                <a:ext cx="88900" cy="139700"/>
+              </a:xfrm>
+              <a:prstGeom prst="rect">
+                <a:avLst/>
+              </a:prstGeom>
+            </p:spPr>
+          </p:pic>
+          <p:sp>
+            <p:nvSpPr>
+              <p:cNvPr id="3" name="弧線 2">
+                <a:extLst>
+                  <a:ext uri="{FF2B5EF4-FFF2-40B4-BE49-F238E27FC236}">
+                    <a16:creationId xmlns:a16="http://schemas.microsoft.com/office/drawing/2014/main" id="{FEC5B315-4B36-6A42-774F-6F2089B25EFA}"/>
+                  </a:ext>
+                </a:extLst>
+              </p:cNvPr>
+              <p:cNvSpPr/>
+              <p:nvPr/>
+            </p:nvSpPr>
+            <p:spPr>
+              <a:xfrm rot="4726273" flipH="1">
+                <a:off x="7270446" y="3624974"/>
+                <a:ext cx="209390" cy="180365"/>
+              </a:xfrm>
+              <a:prstGeom prst="arc">
+                <a:avLst>
+                  <a:gd name="adj1" fmla="val 2661013"/>
+                  <a:gd name="adj2" fmla="val 7880527"/>
+                </a:avLst>
+              </a:prstGeom>
+              <a:ln w="12700">
+                <a:solidFill>
+                  <a:schemeClr val="tx1">
+                    <a:lumMod val="85000"/>
+                    <a:lumOff val="15000"/>
+                  </a:schemeClr>
+                </a:solidFill>
+                <a:headEnd type="none"/>
+              </a:ln>
+            </p:spPr>
+            <p:style>
+              <a:lnRef idx="1">
+                <a:schemeClr val="accent1"/>
+              </a:lnRef>
+              <a:fillRef idx="0">
+                <a:schemeClr val="accent1"/>
+              </a:fillRef>
+              <a:effectRef idx="0">
+                <a:schemeClr val="accent1"/>
+              </a:effectRef>
+              <a:fontRef idx="minor">
+                <a:schemeClr val="tx1"/>
+              </a:fontRef>
+            </p:style>
+            <p:txBody>
+              <a:bodyPr rtlCol="0" anchor="ctr"/>
+              <a:lstStyle/>
+              <a:p>
+                <a:pPr algn="ctr"/>
+                <a:endParaRPr kumimoji="1" lang="zh-TW" altLang="en-US"/>
+              </a:p>
+            </p:txBody>
+          </p:sp>
+        </p:grpSp>
+        <p:grpSp>
+          <p:nvGrpSpPr>
+            <p:cNvPr id="199" name="群組 198">
+              <a:extLst>
+                <a:ext uri="{FF2B5EF4-FFF2-40B4-BE49-F238E27FC236}">
+                  <a16:creationId xmlns:a16="http://schemas.microsoft.com/office/drawing/2014/main" id="{340971D2-D1FE-0AFB-A78A-BADEAEB78608}"/>
+                </a:ext>
+              </a:extLst>
+            </p:cNvPr>
+            <p:cNvGrpSpPr/>
+            <p:nvPr/>
+          </p:nvGrpSpPr>
+          <p:grpSpPr>
+            <a:xfrm>
+              <a:off x="1421404" y="870942"/>
+              <a:ext cx="3546277" cy="3082817"/>
+              <a:chOff x="1077016" y="896225"/>
+              <a:chExt cx="3546277" cy="3082817"/>
+            </a:xfrm>
+          </p:grpSpPr>
+          <p:sp>
+            <p:nvSpPr>
+              <p:cNvPr id="12" name="三角形 11">
+                <a:extLst>
+                  <a:ext uri="{FF2B5EF4-FFF2-40B4-BE49-F238E27FC236}">
+                    <a16:creationId xmlns:a16="http://schemas.microsoft.com/office/drawing/2014/main" id="{7435879D-D981-A871-6756-25D5F9D58DC1}"/>
+                  </a:ext>
+                </a:extLst>
+              </p:cNvPr>
+              <p:cNvSpPr/>
+              <p:nvPr/>
+            </p:nvSpPr>
+            <p:spPr>
+              <a:xfrm>
+                <a:off x="1606321" y="1208079"/>
+                <a:ext cx="2770909" cy="1541150"/>
+              </a:xfrm>
+              <a:prstGeom prst="triangle">
+                <a:avLst>
+                  <a:gd name="adj" fmla="val 42584"/>
+                </a:avLst>
+              </a:prstGeom>
+              <a:solidFill>
+                <a:schemeClr val="accent1">
+                  <a:alpha val="32653"/>
+                </a:schemeClr>
+              </a:solidFill>
+            </p:spPr>
+            <p:style>
+              <a:lnRef idx="2">
+                <a:schemeClr val="accent1">
+                  <a:shade val="50000"/>
+                </a:schemeClr>
+              </a:lnRef>
+              <a:fillRef idx="1">
+                <a:schemeClr val="accent1"/>
+              </a:fillRef>
+              <a:effectRef idx="0">
+                <a:schemeClr val="accent1"/>
+              </a:effectRef>
+              <a:fontRef idx="minor">
+                <a:schemeClr val="lt1"/>
+              </a:fontRef>
+            </p:style>
+            <p:txBody>
+              <a:bodyPr rtlCol="0" anchor="ctr"/>
+              <a:lstStyle/>
+              <a:p>
+                <a:pPr algn="ctr"/>
+                <a:endParaRPr kumimoji="1" lang="zh-TW" altLang="en-US"/>
+              </a:p>
+            </p:txBody>
+          </p:sp>
+          <p:cxnSp>
+            <p:nvCxnSpPr>
+              <p:cNvPr id="16" name="直線接點 15">
+                <a:extLst>
+                  <a:ext uri="{FF2B5EF4-FFF2-40B4-BE49-F238E27FC236}">
+                    <a16:creationId xmlns:a16="http://schemas.microsoft.com/office/drawing/2014/main" id="{14D3F5EF-5CFB-9743-1D48-E0D53A389E36}"/>
+                  </a:ext>
+                </a:extLst>
+              </p:cNvPr>
+              <p:cNvCxnSpPr>
+                <a:cxnSpLocks/>
+              </p:cNvCxnSpPr>
+              <p:nvPr/>
+            </p:nvCxnSpPr>
+            <p:spPr>
+              <a:xfrm>
+                <a:off x="2783995" y="1215102"/>
+                <a:ext cx="0" cy="658803"/>
+              </a:xfrm>
+              <a:prstGeom prst="line">
+                <a:avLst/>
+              </a:prstGeom>
+              <a:ln w="12700">
+                <a:solidFill>
+                  <a:srgbClr val="2F528F"/>
+                </a:solidFill>
+              </a:ln>
+            </p:spPr>
+            <p:style>
+              <a:lnRef idx="1">
+                <a:schemeClr val="accent1"/>
+              </a:lnRef>
+              <a:fillRef idx="0">
+                <a:schemeClr val="accent1"/>
+              </a:fillRef>
+              <a:effectRef idx="0">
+                <a:schemeClr val="accent1"/>
+              </a:effectRef>
+              <a:fontRef idx="minor">
+                <a:schemeClr val="tx1"/>
+              </a:fontRef>
+            </p:style>
+          </p:cxnSp>
+          <p:cxnSp>
+            <p:nvCxnSpPr>
+              <p:cNvPr id="18" name="直線接點 17">
+                <a:extLst>
+                  <a:ext uri="{FF2B5EF4-FFF2-40B4-BE49-F238E27FC236}">
+                    <a16:creationId xmlns:a16="http://schemas.microsoft.com/office/drawing/2014/main" id="{547D0596-CFF3-BCDB-3B5F-6FD4F49241D6}"/>
+                  </a:ext>
+                </a:extLst>
+              </p:cNvPr>
+              <p:cNvCxnSpPr>
+                <a:cxnSpLocks/>
+              </p:cNvCxnSpPr>
+              <p:nvPr/>
+            </p:nvCxnSpPr>
+            <p:spPr>
+              <a:xfrm flipH="1">
+                <a:off x="2781431" y="1898969"/>
+                <a:ext cx="892" cy="854875"/>
+              </a:xfrm>
+              <a:prstGeom prst="line">
+                <a:avLst/>
+              </a:prstGeom>
+              <a:ln w="12700">
+                <a:prstDash val="dash"/>
+              </a:ln>
+            </p:spPr>
+            <p:style>
+              <a:lnRef idx="1">
+                <a:schemeClr val="accent1"/>
+              </a:lnRef>
+              <a:fillRef idx="0">
+                <a:schemeClr val="accent1"/>
+              </a:fillRef>
+              <a:effectRef idx="0">
+                <a:schemeClr val="accent1"/>
+              </a:effectRef>
+              <a:fontRef idx="minor">
+                <a:schemeClr val="tx1"/>
+              </a:fontRef>
+            </p:style>
+          </p:cxnSp>
+          <p:sp>
+            <p:nvSpPr>
+              <p:cNvPr id="14" name="三角形 13">
+                <a:extLst>
+                  <a:ext uri="{FF2B5EF4-FFF2-40B4-BE49-F238E27FC236}">
+                    <a16:creationId xmlns:a16="http://schemas.microsoft.com/office/drawing/2014/main" id="{6BE62F75-345D-5778-08EB-4C8AD9759B83}"/>
+                  </a:ext>
+                </a:extLst>
+              </p:cNvPr>
+              <p:cNvSpPr/>
+              <p:nvPr/>
+            </p:nvSpPr>
+            <p:spPr>
+              <a:xfrm>
+                <a:off x="1601580" y="1749626"/>
+                <a:ext cx="2770909" cy="1002810"/>
+              </a:xfrm>
+              <a:prstGeom prst="triangle">
+                <a:avLst>
+                  <a:gd name="adj" fmla="val 35339"/>
+                </a:avLst>
+              </a:prstGeom>
+              <a:solidFill>
+                <a:srgbClr val="FF2600">
+                  <a:alpha val="33000"/>
+                </a:srgbClr>
+              </a:solidFill>
+              <a:ln>
+                <a:solidFill>
+                  <a:srgbClr val="C00000"/>
+                </a:solidFill>
+              </a:ln>
+            </p:spPr>
+            <p:style>
+              <a:lnRef idx="2">
+                <a:schemeClr val="accent1">
+                  <a:shade val="50000"/>
+                </a:schemeClr>
+              </a:lnRef>
+              <a:fillRef idx="1">
+                <a:schemeClr val="accent1"/>
+              </a:fillRef>
+              <a:effectRef idx="0">
+                <a:schemeClr val="accent1"/>
+              </a:effectRef>
+              <a:fontRef idx="minor">
+                <a:schemeClr val="lt1"/>
+              </a:fontRef>
+            </p:style>
+            <p:txBody>
+              <a:bodyPr rtlCol="0" anchor="ctr"/>
+              <a:lstStyle/>
+              <a:p>
+                <a:pPr algn="ctr"/>
+                <a:endParaRPr kumimoji="1" lang="zh-TW" altLang="en-US" dirty="0"/>
+              </a:p>
+            </p:txBody>
+          </p:sp>
+          <p:cxnSp>
+            <p:nvCxnSpPr>
+              <p:cNvPr id="21" name="直線接點 20">
+                <a:extLst>
+                  <a:ext uri="{FF2B5EF4-FFF2-40B4-BE49-F238E27FC236}">
+                    <a16:creationId xmlns:a16="http://schemas.microsoft.com/office/drawing/2014/main" id="{183DC315-ACE9-9E8C-CFB1-11ABD7638104}"/>
+                  </a:ext>
+                </a:extLst>
+              </p:cNvPr>
+              <p:cNvCxnSpPr>
+                <a:cxnSpLocks/>
+              </p:cNvCxnSpPr>
+              <p:nvPr/>
+            </p:nvCxnSpPr>
+            <p:spPr>
+              <a:xfrm>
+                <a:off x="2578186" y="1754014"/>
+                <a:ext cx="206453" cy="998422"/>
+              </a:xfrm>
+              <a:prstGeom prst="line">
+                <a:avLst/>
+              </a:prstGeom>
+              <a:ln w="12700">
+                <a:solidFill>
+                  <a:srgbClr val="C00000"/>
+                </a:solidFill>
+              </a:ln>
+            </p:spPr>
+            <p:style>
+              <a:lnRef idx="1">
+                <a:schemeClr val="accent1"/>
+              </a:lnRef>
+              <a:fillRef idx="0">
+                <a:schemeClr val="accent1"/>
+              </a:fillRef>
+              <a:effectRef idx="0">
+                <a:schemeClr val="accent1"/>
+              </a:effectRef>
+              <a:fontRef idx="minor">
+                <a:schemeClr val="tx1"/>
+              </a:fontRef>
+            </p:style>
+          </p:cxnSp>
+          <p:sp>
+            <p:nvSpPr>
+              <p:cNvPr id="22" name="弧線 21">
+                <a:extLst>
+                  <a:ext uri="{FF2B5EF4-FFF2-40B4-BE49-F238E27FC236}">
+                    <a16:creationId xmlns:a16="http://schemas.microsoft.com/office/drawing/2014/main" id="{B64A0F94-1D27-44BB-4229-639297404B35}"/>
+                  </a:ext>
+                </a:extLst>
+              </p:cNvPr>
+              <p:cNvSpPr/>
+              <p:nvPr/>
+            </p:nvSpPr>
+            <p:spPr>
+              <a:xfrm>
+                <a:off x="2687772" y="2154122"/>
+                <a:ext cx="170609" cy="172284"/>
+              </a:xfrm>
+              <a:prstGeom prst="arc">
+                <a:avLst>
+                  <a:gd name="adj1" fmla="val 11131666"/>
+                  <a:gd name="adj2" fmla="val 16253523"/>
+                </a:avLst>
+              </a:prstGeom>
+              <a:ln w="9525">
+                <a:solidFill>
+                  <a:schemeClr val="tx1"/>
+                </a:solidFill>
+                <a:headEnd type="stealth" w="sm" len="sm"/>
+              </a:ln>
+            </p:spPr>
+            <p:style>
+              <a:lnRef idx="1">
+                <a:schemeClr val="accent1"/>
+              </a:lnRef>
+              <a:fillRef idx="0">
+                <a:schemeClr val="accent1"/>
+              </a:fillRef>
+              <a:effectRef idx="0">
+                <a:schemeClr val="accent1"/>
+              </a:effectRef>
+              <a:fontRef idx="minor">
+                <a:schemeClr val="tx1"/>
+              </a:fontRef>
+            </p:style>
+            <p:txBody>
+              <a:bodyPr rtlCol="0" anchor="ctr"/>
+              <a:lstStyle/>
+              <a:p>
+                <a:pPr algn="ctr"/>
+                <a:endParaRPr kumimoji="1" lang="zh-TW" altLang="en-US"/>
+              </a:p>
+            </p:txBody>
+          </p:sp>
+          <p:sp>
+            <p:nvSpPr>
+              <p:cNvPr id="28" name="文字方塊 27">
+                <a:extLst>
+                  <a:ext uri="{FF2B5EF4-FFF2-40B4-BE49-F238E27FC236}">
+                    <a16:creationId xmlns:a16="http://schemas.microsoft.com/office/drawing/2014/main" id="{08855A70-AF64-E8FC-299B-A27258D6FE61}"/>
+                  </a:ext>
+                </a:extLst>
+              </p:cNvPr>
+              <p:cNvSpPr txBox="1"/>
+              <p:nvPr/>
+            </p:nvSpPr>
+            <p:spPr>
+              <a:xfrm>
+                <a:off x="3433220" y="1581977"/>
+                <a:ext cx="276038" cy="307777"/>
+              </a:xfrm>
+              <a:prstGeom prst="rect">
+                <a:avLst/>
+              </a:prstGeom>
+              <a:noFill/>
+            </p:spPr>
+            <p:txBody>
+              <a:bodyPr wrap="none" rtlCol="0">
+                <a:spAutoFit/>
+              </a:bodyPr>
+              <a:lstStyle/>
+              <a:p>
+                <a:r>
+                  <a:rPr kumimoji="1" lang="en-US" altLang="zh-TW" sz="1400" i="1" dirty="0">
+                    <a:solidFill>
+                      <a:srgbClr val="2F528F"/>
+                    </a:solidFill>
+                    <a:latin typeface="Minion Pro" panose="02040503050306020203" pitchFamily="18" charset="0"/>
+                  </a:rPr>
+                  <a:t>d</a:t>
+                </a:r>
+                <a:endParaRPr kumimoji="1" lang="zh-TW" altLang="en-US" i="1" dirty="0">
+                  <a:solidFill>
+                    <a:srgbClr val="2F528F"/>
+                  </a:solidFill>
+                  <a:latin typeface="Minion Pro" panose="02040503050306020203" pitchFamily="18" charset="0"/>
+                </a:endParaRPr>
+              </a:p>
+            </p:txBody>
+          </p:sp>
+          <p:sp>
+            <p:nvSpPr>
+              <p:cNvPr id="29" name="文字方塊 28">
+                <a:extLst>
+                  <a:ext uri="{FF2B5EF4-FFF2-40B4-BE49-F238E27FC236}">
+                    <a16:creationId xmlns:a16="http://schemas.microsoft.com/office/drawing/2014/main" id="{14739C9E-AE93-445A-6415-791549FFC8CE}"/>
+                  </a:ext>
+                </a:extLst>
+              </p:cNvPr>
+              <p:cNvSpPr txBox="1"/>
+              <p:nvPr/>
+            </p:nvSpPr>
+            <p:spPr>
+              <a:xfrm>
+                <a:off x="1879388" y="1789957"/>
+                <a:ext cx="311304" cy="307777"/>
+              </a:xfrm>
+              <a:prstGeom prst="rect">
+                <a:avLst/>
+              </a:prstGeom>
+              <a:noFill/>
+            </p:spPr>
+            <p:txBody>
+              <a:bodyPr wrap="none" rtlCol="0">
+                <a:spAutoFit/>
+              </a:bodyPr>
+              <a:lstStyle/>
+              <a:p>
+                <a:r>
+                  <a:rPr kumimoji="1" lang="en-US" altLang="zh-TW" sz="1400" i="1" dirty="0">
+                    <a:solidFill>
+                      <a:srgbClr val="2F528F"/>
+                    </a:solidFill>
+                    <a:latin typeface="Minion Pro" panose="02040503050306020203" pitchFamily="18" charset="0"/>
+                  </a:rPr>
+                  <a:t>D</a:t>
+                </a:r>
+                <a:endParaRPr kumimoji="1" lang="zh-TW" altLang="en-US" i="1" dirty="0">
+                  <a:solidFill>
+                    <a:srgbClr val="2F528F"/>
+                  </a:solidFill>
+                  <a:latin typeface="Minion Pro" panose="02040503050306020203" pitchFamily="18" charset="0"/>
+                </a:endParaRPr>
+              </a:p>
+            </p:txBody>
+          </p:sp>
+          <p:cxnSp>
+            <p:nvCxnSpPr>
+              <p:cNvPr id="32" name="直線接點 31">
+                <a:extLst>
+                  <a:ext uri="{FF2B5EF4-FFF2-40B4-BE49-F238E27FC236}">
+                    <a16:creationId xmlns:a16="http://schemas.microsoft.com/office/drawing/2014/main" id="{B9FED0C7-B067-0DF0-BF25-F34361D9BB20}"/>
+                  </a:ext>
+                </a:extLst>
+              </p:cNvPr>
+              <p:cNvCxnSpPr>
+                <a:cxnSpLocks/>
+              </p:cNvCxnSpPr>
+              <p:nvPr/>
+            </p:nvCxnSpPr>
+            <p:spPr>
+              <a:xfrm flipH="1">
+                <a:off x="1377054" y="1203905"/>
+                <a:ext cx="1406487" cy="2495119"/>
+              </a:xfrm>
+              <a:prstGeom prst="line">
+                <a:avLst/>
+              </a:prstGeom>
+              <a:ln w="12700">
+                <a:solidFill>
+                  <a:srgbClr val="2F528F"/>
+                </a:solidFill>
+              </a:ln>
+            </p:spPr>
+            <p:style>
+              <a:lnRef idx="1">
+                <a:schemeClr val="accent1"/>
+              </a:lnRef>
+              <a:fillRef idx="0">
+                <a:schemeClr val="accent1"/>
+              </a:fillRef>
+              <a:effectRef idx="0">
+                <a:schemeClr val="accent1"/>
+              </a:effectRef>
+              <a:fontRef idx="minor">
+                <a:schemeClr val="tx1"/>
+              </a:fontRef>
+            </p:style>
+          </p:cxnSp>
+          <p:cxnSp>
+            <p:nvCxnSpPr>
+              <p:cNvPr id="34" name="直線接點 33">
+                <a:extLst>
+                  <a:ext uri="{FF2B5EF4-FFF2-40B4-BE49-F238E27FC236}">
+                    <a16:creationId xmlns:a16="http://schemas.microsoft.com/office/drawing/2014/main" id="{71CFD9F6-1E55-E6F4-324D-4A9A8BAE9E15}"/>
+                  </a:ext>
+                </a:extLst>
+              </p:cNvPr>
+              <p:cNvCxnSpPr>
+                <a:cxnSpLocks/>
+              </p:cNvCxnSpPr>
+              <p:nvPr/>
+            </p:nvCxnSpPr>
+            <p:spPr>
+              <a:xfrm>
+                <a:off x="2580368" y="1748217"/>
+                <a:ext cx="208" cy="1247717"/>
+              </a:xfrm>
+              <a:prstGeom prst="line">
+                <a:avLst/>
+              </a:prstGeom>
+              <a:ln w="12700">
+                <a:solidFill>
+                  <a:srgbClr val="C00000"/>
+                </a:solidFill>
+                <a:prstDash val="sysDash"/>
+              </a:ln>
+            </p:spPr>
+            <p:style>
+              <a:lnRef idx="1">
+                <a:schemeClr val="accent1"/>
+              </a:lnRef>
+              <a:fillRef idx="0">
+                <a:schemeClr val="accent1"/>
+              </a:fillRef>
+              <a:effectRef idx="0">
+                <a:schemeClr val="accent1"/>
+              </a:effectRef>
+              <a:fontRef idx="minor">
+                <a:schemeClr val="tx1"/>
+              </a:fontRef>
+            </p:style>
+          </p:cxnSp>
+          <p:sp>
+            <p:nvSpPr>
+              <p:cNvPr id="37" name="文字方塊 36">
+                <a:extLst>
+                  <a:ext uri="{FF2B5EF4-FFF2-40B4-BE49-F238E27FC236}">
+                    <a16:creationId xmlns:a16="http://schemas.microsoft.com/office/drawing/2014/main" id="{5D58791A-A901-2011-151F-4F474AD2C753}"/>
+                  </a:ext>
+                </a:extLst>
+              </p:cNvPr>
+              <p:cNvSpPr txBox="1"/>
+              <p:nvPr/>
+            </p:nvSpPr>
+            <p:spPr>
+              <a:xfrm>
+                <a:off x="2739210" y="1442374"/>
+                <a:ext cx="276038" cy="307777"/>
+              </a:xfrm>
+              <a:prstGeom prst="rect">
+                <a:avLst/>
+              </a:prstGeom>
+              <a:noFill/>
+            </p:spPr>
+            <p:txBody>
+              <a:bodyPr wrap="none" rtlCol="0">
+                <a:spAutoFit/>
+              </a:bodyPr>
+              <a:lstStyle/>
+              <a:p>
+                <a:r>
+                  <a:rPr kumimoji="1" lang="en-US" altLang="zh-TW" sz="1400" i="1" dirty="0">
+                    <a:solidFill>
+                      <a:srgbClr val="2F528F"/>
+                    </a:solidFill>
+                    <a:latin typeface="Minion Pro" panose="02040503050306020203" pitchFamily="18" charset="0"/>
+                  </a:rPr>
+                  <a:t>h</a:t>
+                </a:r>
+                <a:endParaRPr kumimoji="1" lang="zh-TW" altLang="en-US" i="1" dirty="0">
+                  <a:solidFill>
+                    <a:srgbClr val="2F528F"/>
+                  </a:solidFill>
+                  <a:latin typeface="Minion Pro" panose="02040503050306020203" pitchFamily="18" charset="0"/>
+                </a:endParaRPr>
+              </a:p>
+            </p:txBody>
+          </p:sp>
+          <p:cxnSp>
+            <p:nvCxnSpPr>
+              <p:cNvPr id="39" name="直線接點 38">
+                <a:extLst>
+                  <a:ext uri="{FF2B5EF4-FFF2-40B4-BE49-F238E27FC236}">
+                    <a16:creationId xmlns:a16="http://schemas.microsoft.com/office/drawing/2014/main" id="{15C69628-F719-0971-4EA7-52F7958FBEB6}"/>
+                  </a:ext>
+                </a:extLst>
+              </p:cNvPr>
+              <p:cNvCxnSpPr>
+                <a:cxnSpLocks/>
+              </p:cNvCxnSpPr>
+              <p:nvPr/>
+            </p:nvCxnSpPr>
+            <p:spPr>
+              <a:xfrm flipH="1">
+                <a:off x="1377105" y="2751735"/>
+                <a:ext cx="1404823" cy="943075"/>
+              </a:xfrm>
+              <a:prstGeom prst="line">
+                <a:avLst/>
+              </a:prstGeom>
+              <a:ln w="12700">
+                <a:solidFill>
+                  <a:schemeClr val="tx1">
+                    <a:lumMod val="75000"/>
+                    <a:lumOff val="25000"/>
+                  </a:schemeClr>
+                </a:solidFill>
+              </a:ln>
+            </p:spPr>
+            <p:style>
+              <a:lnRef idx="1">
+                <a:schemeClr val="accent1"/>
+              </a:lnRef>
+              <a:fillRef idx="0">
+                <a:schemeClr val="accent1"/>
+              </a:fillRef>
+              <a:effectRef idx="0">
+                <a:schemeClr val="accent1"/>
+              </a:effectRef>
+              <a:fontRef idx="minor">
+                <a:schemeClr val="tx1"/>
+              </a:fontRef>
+            </p:style>
+          </p:cxnSp>
+          <p:sp>
+            <p:nvSpPr>
+              <p:cNvPr id="41" name="文字方塊 40">
+                <a:extLst>
+                  <a:ext uri="{FF2B5EF4-FFF2-40B4-BE49-F238E27FC236}">
+                    <a16:creationId xmlns:a16="http://schemas.microsoft.com/office/drawing/2014/main" id="{1B6BF431-844C-C460-BD1F-CD758472B5E3}"/>
+                  </a:ext>
+                </a:extLst>
+              </p:cNvPr>
+              <p:cNvSpPr txBox="1"/>
+              <p:nvPr/>
+            </p:nvSpPr>
+            <p:spPr>
+              <a:xfrm>
+                <a:off x="1330465" y="2537995"/>
+                <a:ext cx="272832" cy="307777"/>
+              </a:xfrm>
+              <a:prstGeom prst="rect">
+                <a:avLst/>
+              </a:prstGeom>
+              <a:noFill/>
+            </p:spPr>
+            <p:txBody>
+              <a:bodyPr wrap="none" rtlCol="0">
+                <a:spAutoFit/>
+              </a:bodyPr>
+              <a:lstStyle/>
+              <a:p>
+                <a:r>
+                  <a:rPr kumimoji="1" lang="en-US" altLang="zh-TW" sz="1400" dirty="0">
+                    <a:solidFill>
+                      <a:schemeClr val="tx1">
+                        <a:lumMod val="85000"/>
+                        <a:lumOff val="15000"/>
+                      </a:schemeClr>
+                    </a:solidFill>
+                    <a:latin typeface="Myriad Pro" panose="020B0503030403020204" pitchFamily="34" charset="0"/>
+                  </a:rPr>
+                  <a:t>S</a:t>
+                </a:r>
+                <a:endParaRPr kumimoji="1" lang="zh-TW" altLang="en-US" dirty="0">
+                  <a:solidFill>
+                    <a:schemeClr val="tx1">
+                      <a:lumMod val="85000"/>
+                      <a:lumOff val="15000"/>
+                    </a:schemeClr>
+                  </a:solidFill>
+                  <a:latin typeface="Myriad Pro" panose="020B0503030403020204" pitchFamily="34" charset="0"/>
+                </a:endParaRPr>
+              </a:p>
+            </p:txBody>
+          </p:sp>
+          <p:sp>
+            <p:nvSpPr>
+              <p:cNvPr id="42" name="文字方塊 41">
+                <a:extLst>
+                  <a:ext uri="{FF2B5EF4-FFF2-40B4-BE49-F238E27FC236}">
+                    <a16:creationId xmlns:a16="http://schemas.microsoft.com/office/drawing/2014/main" id="{3D23BDCE-484E-171F-4F99-B696FC3C56FB}"/>
+                  </a:ext>
+                </a:extLst>
+              </p:cNvPr>
+              <p:cNvSpPr txBox="1"/>
+              <p:nvPr/>
+            </p:nvSpPr>
+            <p:spPr>
+              <a:xfrm>
+                <a:off x="4350461" y="2463633"/>
+                <a:ext cx="272832" cy="307777"/>
+              </a:xfrm>
+              <a:prstGeom prst="rect">
+                <a:avLst/>
+              </a:prstGeom>
+              <a:noFill/>
+            </p:spPr>
+            <p:txBody>
+              <a:bodyPr wrap="none" rtlCol="0">
+                <a:spAutoFit/>
+              </a:bodyPr>
+              <a:lstStyle/>
+              <a:p>
+                <a:r>
+                  <a:rPr kumimoji="1" lang="en-US" altLang="zh-TW" sz="1400" dirty="0">
+                    <a:solidFill>
+                      <a:schemeClr val="tx1">
+                        <a:lumMod val="85000"/>
+                        <a:lumOff val="15000"/>
+                      </a:schemeClr>
+                    </a:solidFill>
+                    <a:latin typeface="Myriad Pro" panose="020B0503030403020204" pitchFamily="34" charset="0"/>
+                  </a:rPr>
+                  <a:t>E</a:t>
+                </a:r>
+                <a:endParaRPr kumimoji="1" lang="zh-TW" altLang="en-US" dirty="0">
+                  <a:solidFill>
+                    <a:schemeClr val="tx1">
+                      <a:lumMod val="85000"/>
+                      <a:lumOff val="15000"/>
+                    </a:schemeClr>
+                  </a:solidFill>
+                  <a:latin typeface="Myriad Pro" panose="020B0503030403020204" pitchFamily="34" charset="0"/>
+                </a:endParaRPr>
+              </a:p>
+            </p:txBody>
+          </p:sp>
+          <p:cxnSp>
+            <p:nvCxnSpPr>
+              <p:cNvPr id="44" name="直線接點 43">
+                <a:extLst>
+                  <a:ext uri="{FF2B5EF4-FFF2-40B4-BE49-F238E27FC236}">
+                    <a16:creationId xmlns:a16="http://schemas.microsoft.com/office/drawing/2014/main" id="{2AEE3A88-8A74-2964-1DBF-0D49E1613951}"/>
+                  </a:ext>
+                </a:extLst>
+              </p:cNvPr>
+              <p:cNvCxnSpPr>
+                <a:cxnSpLocks/>
+              </p:cNvCxnSpPr>
+              <p:nvPr/>
+            </p:nvCxnSpPr>
+            <p:spPr>
+              <a:xfrm flipH="1">
+                <a:off x="1377054" y="2753845"/>
+                <a:ext cx="3000176" cy="945179"/>
+              </a:xfrm>
+              <a:prstGeom prst="line">
+                <a:avLst/>
+              </a:prstGeom>
+              <a:ln w="12700">
+                <a:solidFill>
+                  <a:schemeClr val="tx1">
+                    <a:lumMod val="75000"/>
+                    <a:lumOff val="25000"/>
+                  </a:schemeClr>
+                </a:solidFill>
+              </a:ln>
+            </p:spPr>
+            <p:style>
+              <a:lnRef idx="1">
+                <a:schemeClr val="accent1"/>
+              </a:lnRef>
+              <a:fillRef idx="0">
+                <a:schemeClr val="accent1"/>
+              </a:fillRef>
+              <a:effectRef idx="0">
+                <a:schemeClr val="accent1"/>
+              </a:effectRef>
+              <a:fontRef idx="minor">
+                <a:schemeClr val="tx1"/>
+              </a:fontRef>
+            </p:style>
+          </p:cxnSp>
+          <p:pic>
+            <p:nvPicPr>
+              <p:cNvPr id="51" name="圖片 50">
+                <a:extLst>
+                  <a:ext uri="{FF2B5EF4-FFF2-40B4-BE49-F238E27FC236}">
+                    <a16:creationId xmlns:a16="http://schemas.microsoft.com/office/drawing/2014/main" id="{8AB8F27A-6C0B-4A8A-6AB0-76B80930B44F}"/>
+                  </a:ext>
+                </a:extLst>
+              </p:cNvPr>
+              <p:cNvPicPr>
+                <a:picLocks noChangeAspect="1"/>
+              </p:cNvPicPr>
+              <p:nvPr/>
+            </p:nvPicPr>
+            <p:blipFill>
+              <a:blip r:embed="rId4"/>
+              <a:stretch>
+                <a:fillRect/>
+              </a:stretch>
+            </p:blipFill>
+            <p:spPr>
+              <a:xfrm>
+                <a:off x="1968299" y="3063386"/>
+                <a:ext cx="88900" cy="139700"/>
+              </a:xfrm>
+              <a:prstGeom prst="rect">
+                <a:avLst/>
+              </a:prstGeom>
+            </p:spPr>
+          </p:pic>
+          <p:sp>
+            <p:nvSpPr>
+              <p:cNvPr id="52" name="文字方塊 51">
+                <a:extLst>
+                  <a:ext uri="{FF2B5EF4-FFF2-40B4-BE49-F238E27FC236}">
+                    <a16:creationId xmlns:a16="http://schemas.microsoft.com/office/drawing/2014/main" id="{EFDC0A2C-E9CB-F366-37D4-BD8EB7B4FE2A}"/>
+                  </a:ext>
+                </a:extLst>
+              </p:cNvPr>
+              <p:cNvSpPr txBox="1"/>
+              <p:nvPr/>
+            </p:nvSpPr>
+            <p:spPr>
+              <a:xfrm>
+                <a:off x="2057199" y="1299331"/>
+                <a:ext cx="250390" cy="307777"/>
+              </a:xfrm>
+              <a:prstGeom prst="rect">
+                <a:avLst/>
+              </a:prstGeom>
+              <a:noFill/>
+            </p:spPr>
+            <p:txBody>
+              <a:bodyPr wrap="none" rtlCol="0">
+                <a:spAutoFit/>
+              </a:bodyPr>
+              <a:lstStyle/>
+              <a:p>
+                <a:r>
+                  <a:rPr kumimoji="1" lang="en-US" altLang="zh-TW" sz="1400" i="1" dirty="0">
+                    <a:solidFill>
+                      <a:srgbClr val="2F528F"/>
+                    </a:solidFill>
+                    <a:latin typeface="Minion Pro" panose="02040503050306020203" pitchFamily="18" charset="0"/>
+                  </a:rPr>
+                  <a:t>r</a:t>
+                </a:r>
+                <a:endParaRPr kumimoji="1" lang="zh-TW" altLang="en-US" i="1" dirty="0">
+                  <a:solidFill>
+                    <a:srgbClr val="2F528F"/>
+                  </a:solidFill>
+                  <a:latin typeface="Minion Pro" panose="02040503050306020203" pitchFamily="18" charset="0"/>
+                </a:endParaRPr>
+              </a:p>
+            </p:txBody>
+          </p:sp>
+          <p:sp>
+            <p:nvSpPr>
+              <p:cNvPr id="53" name="文字方塊 52">
+                <a:extLst>
+                  <a:ext uri="{FF2B5EF4-FFF2-40B4-BE49-F238E27FC236}">
+                    <a16:creationId xmlns:a16="http://schemas.microsoft.com/office/drawing/2014/main" id="{3AFA6232-E515-32B6-19A2-917FC5963C7B}"/>
+                  </a:ext>
+                </a:extLst>
+              </p:cNvPr>
+              <p:cNvSpPr txBox="1"/>
+              <p:nvPr/>
+            </p:nvSpPr>
+            <p:spPr>
+              <a:xfrm>
+                <a:off x="1661726" y="1942756"/>
+                <a:ext cx="290464" cy="307777"/>
+              </a:xfrm>
+              <a:prstGeom prst="rect">
+                <a:avLst/>
+              </a:prstGeom>
+              <a:noFill/>
+            </p:spPr>
+            <p:txBody>
+              <a:bodyPr wrap="none" rtlCol="0">
+                <a:spAutoFit/>
+              </a:bodyPr>
+              <a:lstStyle/>
+              <a:p>
+                <a:r>
+                  <a:rPr kumimoji="1" lang="en-US" altLang="zh-TW" sz="1400" i="1" dirty="0">
+                    <a:solidFill>
+                      <a:srgbClr val="C00000"/>
+                    </a:solidFill>
+                    <a:latin typeface="Minion Pro" panose="02040503050306020203" pitchFamily="18" charset="0"/>
+                  </a:rPr>
+                  <a:t>r′</a:t>
+                </a:r>
+                <a:endParaRPr kumimoji="1" lang="zh-TW" altLang="en-US" i="1" dirty="0">
+                  <a:solidFill>
+                    <a:srgbClr val="C00000"/>
+                  </a:solidFill>
+                  <a:latin typeface="Minion Pro" panose="02040503050306020203" pitchFamily="18" charset="0"/>
+                </a:endParaRPr>
+              </a:p>
+            </p:txBody>
+          </p:sp>
+          <p:sp>
+            <p:nvSpPr>
+              <p:cNvPr id="104" name="弧線 103">
+                <a:extLst>
+                  <a:ext uri="{FF2B5EF4-FFF2-40B4-BE49-F238E27FC236}">
+                    <a16:creationId xmlns:a16="http://schemas.microsoft.com/office/drawing/2014/main" id="{A32CDF0B-1326-4C5E-4A4A-AD20C290B84E}"/>
+                  </a:ext>
+                </a:extLst>
+              </p:cNvPr>
+              <p:cNvSpPr/>
+              <p:nvPr/>
+            </p:nvSpPr>
+            <p:spPr>
+              <a:xfrm>
+                <a:off x="3741092" y="2718614"/>
+                <a:ext cx="202145" cy="211675"/>
+              </a:xfrm>
+              <a:prstGeom prst="arc">
+                <a:avLst>
+                  <a:gd name="adj1" fmla="val 5960494"/>
+                  <a:gd name="adj2" fmla="val 13126385"/>
+                </a:avLst>
+              </a:prstGeom>
+              <a:ln w="12700">
+                <a:solidFill>
+                  <a:schemeClr val="tx1">
+                    <a:lumMod val="85000"/>
+                    <a:lumOff val="15000"/>
+                  </a:schemeClr>
+                </a:solidFill>
+                <a:headEnd type="none"/>
+              </a:ln>
+            </p:spPr>
+            <p:style>
+              <a:lnRef idx="1">
+                <a:schemeClr val="accent1"/>
+              </a:lnRef>
+              <a:fillRef idx="0">
+                <a:schemeClr val="accent1"/>
+              </a:fillRef>
+              <a:effectRef idx="0">
+                <a:schemeClr val="accent1"/>
+              </a:effectRef>
+              <a:fontRef idx="minor">
+                <a:schemeClr val="tx1"/>
+              </a:fontRef>
+            </p:style>
+            <p:txBody>
+              <a:bodyPr rtlCol="0" anchor="ctr"/>
+              <a:lstStyle/>
+              <a:p>
+                <a:pPr algn="ctr"/>
+                <a:endParaRPr kumimoji="1" lang="zh-TW" altLang="en-US"/>
+              </a:p>
+            </p:txBody>
+          </p:sp>
+          <p:pic>
+            <p:nvPicPr>
+              <p:cNvPr id="105" name="圖片 104">
+                <a:extLst>
+                  <a:ext uri="{FF2B5EF4-FFF2-40B4-BE49-F238E27FC236}">
+                    <a16:creationId xmlns:a16="http://schemas.microsoft.com/office/drawing/2014/main" id="{329BCF34-7C42-01F1-4954-55981179BE82}"/>
+                  </a:ext>
+                </a:extLst>
+              </p:cNvPr>
+              <p:cNvPicPr>
+                <a:picLocks noChangeAspect="1"/>
+              </p:cNvPicPr>
+              <p:nvPr/>
+            </p:nvPicPr>
+            <p:blipFill>
+              <a:blip r:embed="rId7"/>
+              <a:stretch>
+                <a:fillRect/>
+              </a:stretch>
+            </p:blipFill>
+            <p:spPr>
+              <a:xfrm>
+                <a:off x="3535160" y="2788813"/>
+                <a:ext cx="101600" cy="165100"/>
+              </a:xfrm>
+              <a:prstGeom prst="rect">
+                <a:avLst/>
+              </a:prstGeom>
+            </p:spPr>
+          </p:pic>
+          <p:cxnSp>
+            <p:nvCxnSpPr>
+              <p:cNvPr id="13" name="直線箭頭接點 12">
+                <a:extLst>
+                  <a:ext uri="{FF2B5EF4-FFF2-40B4-BE49-F238E27FC236}">
+                    <a16:creationId xmlns:a16="http://schemas.microsoft.com/office/drawing/2014/main" id="{9B512E5E-5622-42DF-81E7-CBE8C1C7183D}"/>
+                  </a:ext>
+                </a:extLst>
+              </p:cNvPr>
+              <p:cNvCxnSpPr>
+                <a:cxnSpLocks/>
+              </p:cNvCxnSpPr>
+              <p:nvPr/>
+            </p:nvCxnSpPr>
+            <p:spPr>
+              <a:xfrm flipH="1">
+                <a:off x="1728408" y="2983312"/>
+                <a:ext cx="855596" cy="995730"/>
+              </a:xfrm>
+              <a:prstGeom prst="straightConnector1">
+                <a:avLst/>
+              </a:prstGeom>
+              <a:ln w="15875">
+                <a:solidFill>
+                  <a:schemeClr val="bg2">
+                    <a:lumMod val="75000"/>
+                  </a:schemeClr>
+                </a:solidFill>
+                <a:prstDash val="solid"/>
+                <a:headEnd w="lg" len="lg"/>
+                <a:tailEnd type="none" w="lg" len="lg"/>
+              </a:ln>
+            </p:spPr>
+            <p:style>
+              <a:lnRef idx="1">
+                <a:schemeClr val="dk1"/>
+              </a:lnRef>
+              <a:fillRef idx="0">
+                <a:schemeClr val="dk1"/>
+              </a:fillRef>
+              <a:effectRef idx="0">
+                <a:schemeClr val="dk1"/>
+              </a:effectRef>
+              <a:fontRef idx="minor">
+                <a:schemeClr val="tx1"/>
+              </a:fontRef>
+            </p:style>
+          </p:cxnSp>
+          <p:sp>
+            <p:nvSpPr>
+              <p:cNvPr id="27" name="文字方塊 26">
+                <a:extLst>
+                  <a:ext uri="{FF2B5EF4-FFF2-40B4-BE49-F238E27FC236}">
+                    <a16:creationId xmlns:a16="http://schemas.microsoft.com/office/drawing/2014/main" id="{AE99CC1A-6351-4B23-9838-76F76048E563}"/>
+                  </a:ext>
+                </a:extLst>
+              </p:cNvPr>
+              <p:cNvSpPr txBox="1"/>
+              <p:nvPr/>
+            </p:nvSpPr>
+            <p:spPr>
+              <a:xfrm>
+                <a:off x="2125559" y="2401281"/>
+                <a:ext cx="518091" cy="261610"/>
+              </a:xfrm>
+              <a:prstGeom prst="rect">
+                <a:avLst/>
+              </a:prstGeom>
+              <a:noFill/>
+            </p:spPr>
+            <p:txBody>
+              <a:bodyPr wrap="none" rtlCol="0">
+                <a:spAutoFit/>
+              </a:bodyPr>
+              <a:lstStyle/>
+              <a:p>
+                <a:r>
+                  <a:rPr kumimoji="1" lang="en-US" altLang="zh-TW" sz="1100" i="1" dirty="0" err="1">
+                    <a:solidFill>
+                      <a:srgbClr val="C00000"/>
+                    </a:solidFill>
+                    <a:latin typeface="Minion Pro" panose="02040503050306020203" pitchFamily="18" charset="0"/>
+                  </a:rPr>
+                  <a:t>h</a:t>
+                </a:r>
+                <a:r>
+                  <a:rPr kumimoji="1" lang="en-US" altLang="zh-TW" sz="1100" dirty="0" err="1">
+                    <a:solidFill>
+                      <a:srgbClr val="C00000"/>
+                    </a:solidFill>
+                    <a:latin typeface="Minion Pro" panose="02040503050306020203" pitchFamily="18" charset="0"/>
+                  </a:rPr>
+                  <a:t>cos</a:t>
+                </a:r>
+                <a:r>
+                  <a:rPr kumimoji="1" lang="en-US" altLang="zh-TW" sz="1100" i="1" dirty="0" err="1">
+                    <a:solidFill>
+                      <a:srgbClr val="C00000"/>
+                    </a:solidFill>
+                    <a:latin typeface="Minion Pro" panose="02040503050306020203" pitchFamily="18" charset="0"/>
+                  </a:rPr>
+                  <a:t>ϕ</a:t>
+                </a:r>
+                <a:endParaRPr kumimoji="1" lang="zh-TW" altLang="en-US" sz="1400" i="1" dirty="0">
+                  <a:solidFill>
+                    <a:srgbClr val="C00000"/>
+                  </a:solidFill>
+                  <a:latin typeface="Minion Pro" panose="02040503050306020203" pitchFamily="18" charset="0"/>
+                </a:endParaRPr>
+              </a:p>
+            </p:txBody>
+          </p:sp>
+          <p:cxnSp>
+            <p:nvCxnSpPr>
+              <p:cNvPr id="31" name="直線箭頭接點 30">
+                <a:extLst>
+                  <a:ext uri="{FF2B5EF4-FFF2-40B4-BE49-F238E27FC236}">
+                    <a16:creationId xmlns:a16="http://schemas.microsoft.com/office/drawing/2014/main" id="{0BB9652A-8AB7-A770-DBCD-6A44A6155A5B}"/>
+                  </a:ext>
+                </a:extLst>
+              </p:cNvPr>
+              <p:cNvCxnSpPr>
+                <a:cxnSpLocks/>
+              </p:cNvCxnSpPr>
+              <p:nvPr/>
+            </p:nvCxnSpPr>
+            <p:spPr>
+              <a:xfrm>
+                <a:off x="1370556" y="3701835"/>
+                <a:ext cx="597743" cy="0"/>
+              </a:xfrm>
+              <a:prstGeom prst="straightConnector1">
+                <a:avLst/>
+              </a:prstGeom>
+              <a:ln w="15875">
+                <a:solidFill>
+                  <a:schemeClr val="bg2">
+                    <a:lumMod val="75000"/>
+                  </a:schemeClr>
+                </a:solidFill>
+                <a:headEnd w="lg" len="lg"/>
+                <a:tailEnd type="none" w="lg" len="lg"/>
+              </a:ln>
+            </p:spPr>
+            <p:style>
+              <a:lnRef idx="1">
+                <a:schemeClr val="dk1"/>
+              </a:lnRef>
+              <a:fillRef idx="0">
+                <a:schemeClr val="dk1"/>
+              </a:fillRef>
+              <a:effectRef idx="0">
+                <a:schemeClr val="dk1"/>
+              </a:effectRef>
+              <a:fontRef idx="minor">
+                <a:schemeClr val="tx1"/>
+              </a:fontRef>
+            </p:style>
+          </p:cxnSp>
+          <p:sp>
+            <p:nvSpPr>
+              <p:cNvPr id="36" name="文字方塊 35">
+                <a:extLst>
+                  <a:ext uri="{FF2B5EF4-FFF2-40B4-BE49-F238E27FC236}">
+                    <a16:creationId xmlns:a16="http://schemas.microsoft.com/office/drawing/2014/main" id="{354D32B8-D309-3013-6845-6BE938E7727A}"/>
+                  </a:ext>
+                </a:extLst>
+              </p:cNvPr>
+              <p:cNvSpPr txBox="1"/>
+              <p:nvPr/>
+            </p:nvSpPr>
+            <p:spPr>
+              <a:xfrm>
+                <a:off x="1077016" y="3616130"/>
+                <a:ext cx="300082" cy="307777"/>
+              </a:xfrm>
+              <a:prstGeom prst="rect">
+                <a:avLst/>
+              </a:prstGeom>
+              <a:noFill/>
+            </p:spPr>
+            <p:txBody>
+              <a:bodyPr wrap="none" rtlCol="0">
+                <a:spAutoFit/>
+              </a:bodyPr>
+              <a:lstStyle/>
+              <a:p>
+                <a:r>
+                  <a:rPr kumimoji="1" lang="en-US" altLang="zh-TW" sz="1400" dirty="0">
+                    <a:solidFill>
+                      <a:schemeClr val="tx1">
+                        <a:lumMod val="85000"/>
+                        <a:lumOff val="15000"/>
+                      </a:schemeClr>
+                    </a:solidFill>
+                    <a:latin typeface="Myriad Pro" panose="020B0503030403020204" pitchFamily="34" charset="0"/>
+                  </a:rPr>
+                  <a:t>G</a:t>
+                </a:r>
+                <a:endParaRPr kumimoji="1" lang="zh-TW" altLang="en-US" dirty="0">
+                  <a:solidFill>
+                    <a:schemeClr val="tx1">
+                      <a:lumMod val="85000"/>
+                      <a:lumOff val="15000"/>
+                    </a:schemeClr>
+                  </a:solidFill>
+                  <a:latin typeface="Myriad Pro" panose="020B0503030403020204" pitchFamily="34" charset="0"/>
+                </a:endParaRPr>
+              </a:p>
+            </p:txBody>
+          </p:sp>
+          <p:cxnSp>
+            <p:nvCxnSpPr>
+              <p:cNvPr id="45" name="直線箭頭接點 44">
+                <a:extLst>
+                  <a:ext uri="{FF2B5EF4-FFF2-40B4-BE49-F238E27FC236}">
+                    <a16:creationId xmlns:a16="http://schemas.microsoft.com/office/drawing/2014/main" id="{A3D9F7C3-9202-3939-DA19-19F8E5CD8610}"/>
+                  </a:ext>
+                </a:extLst>
+              </p:cNvPr>
+              <p:cNvCxnSpPr>
+                <a:cxnSpLocks/>
+              </p:cNvCxnSpPr>
+              <p:nvPr/>
+            </p:nvCxnSpPr>
+            <p:spPr>
+              <a:xfrm flipH="1">
+                <a:off x="1867530" y="3632934"/>
+                <a:ext cx="62567" cy="72815"/>
+              </a:xfrm>
+              <a:prstGeom prst="straightConnector1">
+                <a:avLst/>
+              </a:prstGeom>
+              <a:ln w="9525">
+                <a:solidFill>
+                  <a:schemeClr val="bg2">
+                    <a:lumMod val="75000"/>
+                  </a:schemeClr>
+                </a:solidFill>
+                <a:prstDash val="solid"/>
+                <a:headEnd w="lg" len="lg"/>
+                <a:tailEnd type="none" w="lg" len="lg"/>
+              </a:ln>
+            </p:spPr>
+            <p:style>
+              <a:lnRef idx="1">
+                <a:schemeClr val="dk1"/>
+              </a:lnRef>
+              <a:fillRef idx="0">
+                <a:schemeClr val="dk1"/>
+              </a:fillRef>
+              <a:effectRef idx="0">
+                <a:schemeClr val="dk1"/>
+              </a:effectRef>
+              <a:fontRef idx="minor">
+                <a:schemeClr val="tx1"/>
+              </a:fontRef>
+            </p:style>
+          </p:cxnSp>
+          <p:cxnSp>
+            <p:nvCxnSpPr>
+              <p:cNvPr id="47" name="直線箭頭接點 46">
+                <a:extLst>
+                  <a:ext uri="{FF2B5EF4-FFF2-40B4-BE49-F238E27FC236}">
+                    <a16:creationId xmlns:a16="http://schemas.microsoft.com/office/drawing/2014/main" id="{8C480BAA-FA47-EC0E-DF45-F2ABC1D6EB5D}"/>
+                  </a:ext>
+                </a:extLst>
+              </p:cNvPr>
+              <p:cNvCxnSpPr>
+                <a:cxnSpLocks/>
+              </p:cNvCxnSpPr>
+              <p:nvPr/>
+            </p:nvCxnSpPr>
+            <p:spPr>
+              <a:xfrm flipH="1">
+                <a:off x="1926672" y="3636359"/>
+                <a:ext cx="100789" cy="0"/>
+              </a:xfrm>
+              <a:prstGeom prst="straightConnector1">
+                <a:avLst/>
+              </a:prstGeom>
+              <a:ln w="9525">
+                <a:solidFill>
+                  <a:schemeClr val="bg2">
+                    <a:lumMod val="75000"/>
+                  </a:schemeClr>
+                </a:solidFill>
+                <a:prstDash val="solid"/>
+                <a:headEnd w="lg" len="lg"/>
+                <a:tailEnd type="none" w="lg" len="lg"/>
+              </a:ln>
+            </p:spPr>
+            <p:style>
+              <a:lnRef idx="1">
+                <a:schemeClr val="dk1"/>
+              </a:lnRef>
+              <a:fillRef idx="0">
+                <a:schemeClr val="dk1"/>
+              </a:fillRef>
+              <a:effectRef idx="0">
+                <a:schemeClr val="dk1"/>
+              </a:effectRef>
+              <a:fontRef idx="minor">
+                <a:schemeClr val="tx1"/>
+              </a:fontRef>
+            </p:style>
+          </p:cxnSp>
+          <p:pic>
+            <p:nvPicPr>
+              <p:cNvPr id="55" name="圖片 54">
+                <a:extLst>
+                  <a:ext uri="{FF2B5EF4-FFF2-40B4-BE49-F238E27FC236}">
+                    <a16:creationId xmlns:a16="http://schemas.microsoft.com/office/drawing/2014/main" id="{B38DC311-5AEA-8663-47DF-34DAF419C1D5}"/>
+                  </a:ext>
+                </a:extLst>
+              </p:cNvPr>
+              <p:cNvPicPr>
+                <a:picLocks noChangeAspect="1"/>
+              </p:cNvPicPr>
+              <p:nvPr/>
+            </p:nvPicPr>
+            <p:blipFill>
+              <a:blip r:embed="rId8"/>
+              <a:stretch>
+                <a:fillRect/>
+              </a:stretch>
+            </p:blipFill>
+            <p:spPr>
+              <a:xfrm>
+                <a:off x="2375649" y="2804437"/>
+                <a:ext cx="63500" cy="88900"/>
+              </a:xfrm>
+              <a:prstGeom prst="rect">
+                <a:avLst/>
+              </a:prstGeom>
+            </p:spPr>
+          </p:pic>
+          <p:sp>
+            <p:nvSpPr>
+              <p:cNvPr id="56" name="弧線 55">
+                <a:extLst>
+                  <a:ext uri="{FF2B5EF4-FFF2-40B4-BE49-F238E27FC236}">
+                    <a16:creationId xmlns:a16="http://schemas.microsoft.com/office/drawing/2014/main" id="{6AFE53D6-18F2-DB24-0C77-E6FE0393F7A1}"/>
+                  </a:ext>
+                </a:extLst>
+              </p:cNvPr>
+              <p:cNvSpPr/>
+              <p:nvPr/>
+            </p:nvSpPr>
+            <p:spPr>
+              <a:xfrm>
+                <a:off x="2488664" y="2703698"/>
+                <a:ext cx="142001" cy="211674"/>
+              </a:xfrm>
+              <a:prstGeom prst="arc">
+                <a:avLst>
+                  <a:gd name="adj1" fmla="val 5960494"/>
+                  <a:gd name="adj2" fmla="val 13126385"/>
+                </a:avLst>
+              </a:prstGeom>
+              <a:ln w="12700">
+                <a:solidFill>
+                  <a:schemeClr val="tx1">
+                    <a:lumMod val="85000"/>
+                    <a:lumOff val="15000"/>
+                  </a:schemeClr>
+                </a:solidFill>
+                <a:headEnd type="none"/>
+              </a:ln>
+            </p:spPr>
+            <p:style>
+              <a:lnRef idx="1">
+                <a:schemeClr val="accent1"/>
+              </a:lnRef>
+              <a:fillRef idx="0">
+                <a:schemeClr val="accent1"/>
+              </a:fillRef>
+              <a:effectRef idx="0">
+                <a:schemeClr val="accent1"/>
+              </a:effectRef>
+              <a:fontRef idx="minor">
+                <a:schemeClr val="tx1"/>
+              </a:fontRef>
+            </p:style>
+            <p:txBody>
+              <a:bodyPr rtlCol="0" anchor="ctr"/>
+              <a:lstStyle/>
+              <a:p>
+                <a:pPr algn="ctr"/>
+                <a:endParaRPr kumimoji="1" lang="zh-TW" altLang="en-US"/>
+              </a:p>
+            </p:txBody>
+          </p:sp>
+          <p:pic>
+            <p:nvPicPr>
+              <p:cNvPr id="59" name="圖片 58">
+                <a:extLst>
+                  <a:ext uri="{FF2B5EF4-FFF2-40B4-BE49-F238E27FC236}">
+                    <a16:creationId xmlns:a16="http://schemas.microsoft.com/office/drawing/2014/main" id="{46F76C4C-5F92-876F-4E0B-A20ACD6671B5}"/>
+                  </a:ext>
+                </a:extLst>
+              </p:cNvPr>
+              <p:cNvPicPr>
+                <a:picLocks noChangeAspect="1"/>
+              </p:cNvPicPr>
+              <p:nvPr/>
+            </p:nvPicPr>
+            <p:blipFill>
+              <a:blip r:embed="rId3"/>
+              <a:stretch>
+                <a:fillRect/>
+              </a:stretch>
+            </p:blipFill>
+            <p:spPr>
+              <a:xfrm>
+                <a:off x="1438080" y="3748915"/>
+                <a:ext cx="342900" cy="114300"/>
+              </a:xfrm>
+              <a:prstGeom prst="rect">
+                <a:avLst/>
+              </a:prstGeom>
+            </p:spPr>
+          </p:pic>
+          <p:cxnSp>
+            <p:nvCxnSpPr>
+              <p:cNvPr id="72" name="直線箭頭接點 71">
+                <a:extLst>
+                  <a:ext uri="{FF2B5EF4-FFF2-40B4-BE49-F238E27FC236}">
+                    <a16:creationId xmlns:a16="http://schemas.microsoft.com/office/drawing/2014/main" id="{4170E520-512D-67C3-863E-2D350BF44213}"/>
+                  </a:ext>
+                </a:extLst>
+              </p:cNvPr>
+              <p:cNvCxnSpPr>
+                <a:cxnSpLocks/>
+              </p:cNvCxnSpPr>
+              <p:nvPr/>
+            </p:nvCxnSpPr>
+            <p:spPr>
+              <a:xfrm flipH="1">
+                <a:off x="2586698" y="2760214"/>
+                <a:ext cx="191701" cy="223098"/>
+              </a:xfrm>
+              <a:prstGeom prst="straightConnector1">
+                <a:avLst/>
+              </a:prstGeom>
+              <a:ln w="15875">
+                <a:solidFill>
+                  <a:srgbClr val="B21D09"/>
+                </a:solidFill>
+                <a:prstDash val="sysDash"/>
+                <a:headEnd w="lg" len="lg"/>
+                <a:tailEnd type="none" w="lg" len="lg"/>
+              </a:ln>
+            </p:spPr>
+            <p:style>
+              <a:lnRef idx="1">
+                <a:schemeClr val="dk1"/>
+              </a:lnRef>
+              <a:fillRef idx="0">
+                <a:schemeClr val="dk1"/>
+              </a:fillRef>
+              <a:effectRef idx="0">
+                <a:schemeClr val="dk1"/>
+              </a:effectRef>
+              <a:fontRef idx="minor">
+                <a:schemeClr val="tx1"/>
+              </a:fontRef>
+            </p:style>
+          </p:cxnSp>
+          <p:pic>
+            <p:nvPicPr>
+              <p:cNvPr id="75" name="圖片 74">
+                <a:extLst>
+                  <a:ext uri="{FF2B5EF4-FFF2-40B4-BE49-F238E27FC236}">
+                    <a16:creationId xmlns:a16="http://schemas.microsoft.com/office/drawing/2014/main" id="{5AD9944B-E12A-DD9A-A0D7-1DF61AED76D5}"/>
+                  </a:ext>
+                </a:extLst>
+              </p:cNvPr>
+              <p:cNvPicPr>
+                <a:picLocks noChangeAspect="1"/>
+              </p:cNvPicPr>
+              <p:nvPr/>
+            </p:nvPicPr>
+            <p:blipFill>
+              <a:blip r:embed="rId2"/>
+              <a:stretch>
+                <a:fillRect/>
+              </a:stretch>
+            </p:blipFill>
+            <p:spPr>
+              <a:xfrm>
+                <a:off x="2190692" y="3483199"/>
+                <a:ext cx="876300" cy="139700"/>
+              </a:xfrm>
+              <a:prstGeom prst="rect">
+                <a:avLst/>
+              </a:prstGeom>
+            </p:spPr>
+          </p:pic>
+          <p:cxnSp>
+            <p:nvCxnSpPr>
+              <p:cNvPr id="82" name="直線接點 81">
+                <a:extLst>
+                  <a:ext uri="{FF2B5EF4-FFF2-40B4-BE49-F238E27FC236}">
+                    <a16:creationId xmlns:a16="http://schemas.microsoft.com/office/drawing/2014/main" id="{6F391132-A0B3-EC1C-49FC-7662A971CBC6}"/>
+                  </a:ext>
+                </a:extLst>
+              </p:cNvPr>
+              <p:cNvCxnSpPr>
+                <a:cxnSpLocks/>
+              </p:cNvCxnSpPr>
+              <p:nvPr/>
+            </p:nvCxnSpPr>
+            <p:spPr>
+              <a:xfrm flipH="1">
+                <a:off x="1375833" y="1748217"/>
+                <a:ext cx="1204980" cy="1951716"/>
+              </a:xfrm>
+              <a:prstGeom prst="line">
+                <a:avLst/>
+              </a:prstGeom>
+              <a:ln w="12700">
+                <a:solidFill>
+                  <a:srgbClr val="C00000"/>
+                </a:solidFill>
+                <a:prstDash val="solid"/>
+              </a:ln>
+            </p:spPr>
+            <p:style>
+              <a:lnRef idx="1">
+                <a:schemeClr val="accent1"/>
+              </a:lnRef>
+              <a:fillRef idx="0">
+                <a:schemeClr val="accent1"/>
+              </a:fillRef>
+              <a:effectRef idx="0">
+                <a:schemeClr val="accent1"/>
+              </a:effectRef>
+              <a:fontRef idx="minor">
+                <a:schemeClr val="tx1"/>
+              </a:fontRef>
+            </p:style>
+          </p:cxnSp>
+          <p:cxnSp>
+            <p:nvCxnSpPr>
+              <p:cNvPr id="90" name="直線接點 89">
+                <a:extLst>
+                  <a:ext uri="{FF2B5EF4-FFF2-40B4-BE49-F238E27FC236}">
+                    <a16:creationId xmlns:a16="http://schemas.microsoft.com/office/drawing/2014/main" id="{1AA78536-A272-991F-CF30-E76ED2A63989}"/>
+                  </a:ext>
+                </a:extLst>
+              </p:cNvPr>
+              <p:cNvCxnSpPr>
+                <a:cxnSpLocks/>
+              </p:cNvCxnSpPr>
+              <p:nvPr/>
+            </p:nvCxnSpPr>
+            <p:spPr>
+              <a:xfrm flipH="1">
+                <a:off x="1380067" y="2983311"/>
+                <a:ext cx="1203937" cy="716622"/>
+              </a:xfrm>
+              <a:prstGeom prst="line">
+                <a:avLst/>
+              </a:prstGeom>
+              <a:ln w="12700">
+                <a:solidFill>
+                  <a:srgbClr val="C00000"/>
+                </a:solidFill>
+                <a:prstDash val="solid"/>
+              </a:ln>
+            </p:spPr>
+            <p:style>
+              <a:lnRef idx="1">
+                <a:schemeClr val="accent1"/>
+              </a:lnRef>
+              <a:fillRef idx="0">
+                <a:schemeClr val="accent1"/>
+              </a:fillRef>
+              <a:effectRef idx="0">
+                <a:schemeClr val="accent1"/>
+              </a:effectRef>
+              <a:fontRef idx="minor">
+                <a:schemeClr val="tx1"/>
+              </a:fontRef>
+            </p:style>
+          </p:cxnSp>
+          <p:sp>
+            <p:nvSpPr>
+              <p:cNvPr id="141" name="文字方塊 140">
+                <a:extLst>
+                  <a:ext uri="{FF2B5EF4-FFF2-40B4-BE49-F238E27FC236}">
+                    <a16:creationId xmlns:a16="http://schemas.microsoft.com/office/drawing/2014/main" id="{CFCF08F3-37E7-E09D-6585-A50975178873}"/>
+                  </a:ext>
+                </a:extLst>
+              </p:cNvPr>
+              <p:cNvSpPr txBox="1"/>
+              <p:nvPr/>
+            </p:nvSpPr>
+            <p:spPr>
+              <a:xfrm>
+                <a:off x="2688204" y="2784567"/>
+                <a:ext cx="505267" cy="261610"/>
+              </a:xfrm>
+              <a:prstGeom prst="rect">
+                <a:avLst/>
+              </a:prstGeom>
+              <a:noFill/>
+            </p:spPr>
+            <p:txBody>
+              <a:bodyPr wrap="none" rtlCol="0">
+                <a:spAutoFit/>
+              </a:bodyPr>
+              <a:lstStyle/>
+              <a:p>
+                <a:r>
+                  <a:rPr kumimoji="1" lang="en-US" altLang="zh-TW" sz="1100" i="1" dirty="0" err="1">
+                    <a:solidFill>
+                      <a:srgbClr val="C00000"/>
+                    </a:solidFill>
+                    <a:latin typeface="Minion Pro" panose="02040503050306020203" pitchFamily="18" charset="0"/>
+                  </a:rPr>
+                  <a:t>h</a:t>
+                </a:r>
+                <a:r>
+                  <a:rPr kumimoji="1" lang="en-US" altLang="zh-TW" sz="1100" dirty="0" err="1">
+                    <a:solidFill>
+                      <a:srgbClr val="C00000"/>
+                    </a:solidFill>
+                    <a:latin typeface="Minion Pro" panose="02040503050306020203" pitchFamily="18" charset="0"/>
+                  </a:rPr>
+                  <a:t>sin</a:t>
+                </a:r>
+                <a:r>
+                  <a:rPr kumimoji="1" lang="en-US" altLang="zh-TW" sz="1100" i="1" dirty="0" err="1">
+                    <a:solidFill>
+                      <a:srgbClr val="C00000"/>
+                    </a:solidFill>
+                    <a:latin typeface="Minion Pro" panose="02040503050306020203" pitchFamily="18" charset="0"/>
+                  </a:rPr>
+                  <a:t>ϕ</a:t>
+                </a:r>
+                <a:endParaRPr kumimoji="1" lang="zh-TW" altLang="en-US" sz="1400" i="1" dirty="0">
+                  <a:solidFill>
+                    <a:srgbClr val="C00000"/>
+                  </a:solidFill>
+                  <a:latin typeface="Minion Pro" panose="02040503050306020203" pitchFamily="18" charset="0"/>
+                </a:endParaRPr>
+              </a:p>
+            </p:txBody>
+          </p:sp>
+          <p:sp>
+            <p:nvSpPr>
+              <p:cNvPr id="142" name="文字方塊 141">
+                <a:extLst>
+                  <a:ext uri="{FF2B5EF4-FFF2-40B4-BE49-F238E27FC236}">
+                    <a16:creationId xmlns:a16="http://schemas.microsoft.com/office/drawing/2014/main" id="{DEFFB9B6-384B-3488-8626-7E8EFFDD7A52}"/>
+                  </a:ext>
+                </a:extLst>
+              </p:cNvPr>
+              <p:cNvSpPr txBox="1"/>
+              <p:nvPr/>
+            </p:nvSpPr>
+            <p:spPr>
+              <a:xfrm>
+                <a:off x="3114967" y="2459641"/>
+                <a:ext cx="593432" cy="307777"/>
+              </a:xfrm>
+              <a:prstGeom prst="rect">
+                <a:avLst/>
+              </a:prstGeom>
+              <a:noFill/>
+            </p:spPr>
+            <p:txBody>
+              <a:bodyPr wrap="none" rtlCol="0">
+                <a:spAutoFit/>
+              </a:bodyPr>
+              <a:lstStyle/>
+              <a:p>
+                <a:r>
+                  <a:rPr kumimoji="1" lang="en-US" altLang="zh-TW" sz="1400" i="1" dirty="0" err="1">
+                    <a:solidFill>
+                      <a:srgbClr val="C00000"/>
+                    </a:solidFill>
+                    <a:latin typeface="Minion Pro" panose="02040503050306020203" pitchFamily="18" charset="0"/>
+                  </a:rPr>
+                  <a:t>d</a:t>
+                </a:r>
+                <a:r>
+                  <a:rPr kumimoji="1" lang="en-US" altLang="zh-TW" sz="1400" dirty="0" err="1">
+                    <a:solidFill>
+                      <a:srgbClr val="C00000"/>
+                    </a:solidFill>
+                    <a:latin typeface="Minion Pro" panose="02040503050306020203" pitchFamily="18" charset="0"/>
+                  </a:rPr>
+                  <a:t>cos</a:t>
+                </a:r>
+                <a:r>
+                  <a:rPr kumimoji="1" lang="en-US" altLang="zh-TW" sz="1400" i="1" dirty="0" err="1">
+                    <a:solidFill>
+                      <a:srgbClr val="C00000"/>
+                    </a:solidFill>
+                    <a:latin typeface="Minion Pro" panose="02040503050306020203" pitchFamily="18" charset="0"/>
+                  </a:rPr>
+                  <a:t>θ</a:t>
+                </a:r>
+                <a:endParaRPr kumimoji="1" lang="zh-TW" altLang="en-US" i="1" dirty="0">
+                  <a:solidFill>
+                    <a:srgbClr val="C00000"/>
+                  </a:solidFill>
+                  <a:latin typeface="Minion Pro" panose="02040503050306020203" pitchFamily="18" charset="0"/>
+                </a:endParaRPr>
+              </a:p>
+            </p:txBody>
+          </p:sp>
+          <p:cxnSp>
+            <p:nvCxnSpPr>
+              <p:cNvPr id="146" name="曲線接點 145">
+                <a:extLst>
+                  <a:ext uri="{FF2B5EF4-FFF2-40B4-BE49-F238E27FC236}">
+                    <a16:creationId xmlns:a16="http://schemas.microsoft.com/office/drawing/2014/main" id="{DD09C311-E1FA-7740-B743-95818ABC2BB8}"/>
+                  </a:ext>
+                </a:extLst>
+              </p:cNvPr>
+              <p:cNvCxnSpPr/>
+              <p:nvPr/>
+            </p:nvCxnSpPr>
+            <p:spPr>
+              <a:xfrm rot="16200000" flipV="1">
+                <a:off x="2144537" y="1602729"/>
+                <a:ext cx="317560" cy="203401"/>
+              </a:xfrm>
+              <a:prstGeom prst="curvedConnector3">
+                <a:avLst>
+                  <a:gd name="adj1" fmla="val 39002"/>
+                </a:avLst>
+              </a:prstGeom>
+              <a:ln w="9525">
+                <a:solidFill>
+                  <a:srgbClr val="2F528F"/>
+                </a:solidFill>
+                <a:tailEnd type="stealth" w="med" len="med"/>
+              </a:ln>
+            </p:spPr>
+            <p:style>
+              <a:lnRef idx="1">
+                <a:schemeClr val="accent1"/>
+              </a:lnRef>
+              <a:fillRef idx="0">
+                <a:schemeClr val="accent1"/>
+              </a:fillRef>
+              <a:effectRef idx="0">
+                <a:schemeClr val="accent1"/>
+              </a:effectRef>
+              <a:fontRef idx="minor">
+                <a:schemeClr val="tx1"/>
+              </a:fontRef>
+            </p:style>
+          </p:cxnSp>
+          <p:cxnSp>
+            <p:nvCxnSpPr>
+              <p:cNvPr id="148" name="曲線接點 147">
+                <a:extLst>
+                  <a:ext uri="{FF2B5EF4-FFF2-40B4-BE49-F238E27FC236}">
+                    <a16:creationId xmlns:a16="http://schemas.microsoft.com/office/drawing/2014/main" id="{F7B2D577-D5D0-B904-1212-100FBF92D648}"/>
+                  </a:ext>
+                </a:extLst>
+              </p:cNvPr>
+              <p:cNvCxnSpPr>
+                <a:cxnSpLocks/>
+              </p:cNvCxnSpPr>
+              <p:nvPr/>
+            </p:nvCxnSpPr>
+            <p:spPr>
+              <a:xfrm rot="10800000">
+                <a:off x="1875976" y="2119528"/>
+                <a:ext cx="310791" cy="269673"/>
+              </a:xfrm>
+              <a:prstGeom prst="curvedConnector3">
+                <a:avLst>
+                  <a:gd name="adj1" fmla="val 50000"/>
+                </a:avLst>
+              </a:prstGeom>
+              <a:ln w="9525">
+                <a:solidFill>
+                  <a:srgbClr val="C00000"/>
+                </a:solidFill>
+                <a:tailEnd type="stealth" w="med" len="med"/>
+              </a:ln>
+            </p:spPr>
+            <p:style>
+              <a:lnRef idx="1">
+                <a:schemeClr val="accent1"/>
+              </a:lnRef>
+              <a:fillRef idx="0">
+                <a:schemeClr val="accent1"/>
+              </a:fillRef>
+              <a:effectRef idx="0">
+                <a:schemeClr val="accent1"/>
+              </a:effectRef>
+              <a:fontRef idx="minor">
+                <a:schemeClr val="tx1"/>
+              </a:fontRef>
+            </p:style>
+          </p:cxnSp>
+          <p:sp>
+            <p:nvSpPr>
+              <p:cNvPr id="153" name="文字方塊 152">
+                <a:extLst>
+                  <a:ext uri="{FF2B5EF4-FFF2-40B4-BE49-F238E27FC236}">
+                    <a16:creationId xmlns:a16="http://schemas.microsoft.com/office/drawing/2014/main" id="{7D9F743A-8C96-F996-36B4-75A9694E2519}"/>
+                  </a:ext>
+                </a:extLst>
+              </p:cNvPr>
+              <p:cNvSpPr txBox="1"/>
+              <p:nvPr/>
+            </p:nvSpPr>
+            <p:spPr>
+              <a:xfrm>
+                <a:off x="2999273" y="3181602"/>
+                <a:ext cx="343364" cy="307777"/>
+              </a:xfrm>
+              <a:prstGeom prst="rect">
+                <a:avLst/>
+              </a:prstGeom>
+              <a:noFill/>
+            </p:spPr>
+            <p:txBody>
+              <a:bodyPr wrap="none" rtlCol="0">
+                <a:spAutoFit/>
+              </a:bodyPr>
+              <a:lstStyle/>
+              <a:p>
+                <a:r>
+                  <a:rPr kumimoji="1" lang="en-US" altLang="zh-TW" sz="1400" i="1" dirty="0">
+                    <a:latin typeface="Minion Pro" panose="02040503050306020203" pitchFamily="18" charset="0"/>
+                  </a:rPr>
+                  <a:t>R</a:t>
+                </a:r>
+                <a:r>
+                  <a:rPr kumimoji="1" lang="en-US" altLang="zh-TW" sz="1400" i="1" baseline="-25000" dirty="0">
+                    <a:latin typeface="Minion Pro" panose="02040503050306020203" pitchFamily="18" charset="0"/>
+                  </a:rPr>
+                  <a:t>e</a:t>
+                </a:r>
+                <a:endParaRPr kumimoji="1" lang="zh-TW" altLang="en-US" i="1" dirty="0">
+                  <a:solidFill>
+                    <a:srgbClr val="2F528F"/>
+                  </a:solidFill>
+                  <a:latin typeface="Minion Pro" panose="02040503050306020203" pitchFamily="18" charset="0"/>
+                </a:endParaRPr>
+              </a:p>
+            </p:txBody>
+          </p:sp>
+          <p:sp>
+            <p:nvSpPr>
+              <p:cNvPr id="193" name="文字方塊 192">
+                <a:extLst>
+                  <a:ext uri="{FF2B5EF4-FFF2-40B4-BE49-F238E27FC236}">
+                    <a16:creationId xmlns:a16="http://schemas.microsoft.com/office/drawing/2014/main" id="{665E3121-CE50-D308-7173-45B11F28B272}"/>
+                  </a:ext>
+                </a:extLst>
+              </p:cNvPr>
+              <p:cNvSpPr txBox="1"/>
+              <p:nvPr/>
+            </p:nvSpPr>
+            <p:spPr>
+              <a:xfrm>
+                <a:off x="1968719" y="3227354"/>
+                <a:ext cx="253596" cy="261610"/>
+              </a:xfrm>
+              <a:prstGeom prst="rect">
+                <a:avLst/>
+              </a:prstGeom>
+              <a:noFill/>
+            </p:spPr>
+            <p:txBody>
+              <a:bodyPr wrap="none" rtlCol="0">
+                <a:spAutoFit/>
+              </a:bodyPr>
+              <a:lstStyle/>
+              <a:p>
+                <a:r>
+                  <a:rPr kumimoji="1" lang="en-US" altLang="zh-TW" sz="1100" i="1" dirty="0">
+                    <a:solidFill>
+                      <a:srgbClr val="C00000"/>
+                    </a:solidFill>
+                    <a:latin typeface="Minion Pro" panose="02040503050306020203" pitchFamily="18" charset="0"/>
+                  </a:rPr>
+                  <a:t>a</a:t>
+                </a:r>
+                <a:endParaRPr kumimoji="1" lang="zh-TW" altLang="en-US" sz="1400" i="1" dirty="0">
+                  <a:solidFill>
+                    <a:srgbClr val="C00000"/>
+                  </a:solidFill>
+                  <a:latin typeface="Minion Pro" panose="02040503050306020203" pitchFamily="18" charset="0"/>
+                </a:endParaRPr>
+              </a:p>
+            </p:txBody>
+          </p:sp>
+          <p:sp>
+            <p:nvSpPr>
+              <p:cNvPr id="195" name="文字方塊 194">
+                <a:extLst>
+                  <a:ext uri="{FF2B5EF4-FFF2-40B4-BE49-F238E27FC236}">
+                    <a16:creationId xmlns:a16="http://schemas.microsoft.com/office/drawing/2014/main" id="{C76FDA56-C58A-A493-FA75-2C9FDD9066BF}"/>
+                  </a:ext>
+                </a:extLst>
+              </p:cNvPr>
+              <p:cNvSpPr txBox="1"/>
+              <p:nvPr/>
+            </p:nvSpPr>
+            <p:spPr>
+              <a:xfrm>
+                <a:off x="2646714" y="896225"/>
+                <a:ext cx="282450" cy="307777"/>
+              </a:xfrm>
+              <a:prstGeom prst="rect">
+                <a:avLst/>
+              </a:prstGeom>
+              <a:noFill/>
+            </p:spPr>
+            <p:txBody>
+              <a:bodyPr wrap="none" rtlCol="0">
+                <a:spAutoFit/>
+              </a:bodyPr>
+              <a:lstStyle/>
+              <a:p>
+                <a:r>
+                  <a:rPr kumimoji="1" lang="en-US" altLang="zh-TW" sz="1400" dirty="0">
+                    <a:solidFill>
+                      <a:srgbClr val="2F528F"/>
+                    </a:solidFill>
+                    <a:latin typeface="Myriad Pro" panose="020B0503030403020204" pitchFamily="34" charset="0"/>
+                  </a:rPr>
+                  <a:t>B</a:t>
+                </a:r>
+                <a:endParaRPr kumimoji="1" lang="zh-TW" altLang="en-US" sz="1400" dirty="0">
+                  <a:solidFill>
+                    <a:srgbClr val="2F528F"/>
+                  </a:solidFill>
+                  <a:latin typeface="Myriad Pro" panose="020B0503030403020204" pitchFamily="34" charset="0"/>
+                </a:endParaRPr>
+              </a:p>
+            </p:txBody>
+          </p:sp>
+        </p:grpSp>
+        <p:grpSp>
+          <p:nvGrpSpPr>
+            <p:cNvPr id="17" name="群組 16">
+              <a:extLst>
+                <a:ext uri="{FF2B5EF4-FFF2-40B4-BE49-F238E27FC236}">
+                  <a16:creationId xmlns:a16="http://schemas.microsoft.com/office/drawing/2014/main" id="{69F7AC7D-F9F2-08E8-0F6F-FD0099520C0D}"/>
+                </a:ext>
+              </a:extLst>
+            </p:cNvPr>
+            <p:cNvGrpSpPr/>
+            <p:nvPr/>
+          </p:nvGrpSpPr>
+          <p:grpSpPr>
+            <a:xfrm>
+              <a:off x="6139227" y="628023"/>
+              <a:ext cx="3024258" cy="1158584"/>
+              <a:chOff x="6213422" y="373205"/>
+              <a:chExt cx="3024258" cy="1158584"/>
+            </a:xfrm>
+          </p:grpSpPr>
+          <p:sp>
+            <p:nvSpPr>
+              <p:cNvPr id="58" name="三角形 57">
+                <a:extLst>
+                  <a:ext uri="{FF2B5EF4-FFF2-40B4-BE49-F238E27FC236}">
+                    <a16:creationId xmlns:a16="http://schemas.microsoft.com/office/drawing/2014/main" id="{9781865B-ACEA-E4F8-1091-7BFFE3C0C950}"/>
+                  </a:ext>
+                </a:extLst>
+              </p:cNvPr>
+              <p:cNvSpPr/>
+              <p:nvPr/>
+            </p:nvSpPr>
+            <p:spPr>
+              <a:xfrm>
+                <a:off x="6258658" y="653860"/>
+                <a:ext cx="1241799" cy="618826"/>
+              </a:xfrm>
+              <a:prstGeom prst="triangle">
+                <a:avLst>
+                  <a:gd name="adj" fmla="val 37000"/>
+                </a:avLst>
+              </a:prstGeom>
+              <a:solidFill>
+                <a:schemeClr val="accent1">
+                  <a:alpha val="32653"/>
+                </a:schemeClr>
+              </a:solidFill>
+            </p:spPr>
+            <p:style>
+              <a:lnRef idx="2">
+                <a:schemeClr val="accent1">
+                  <a:shade val="50000"/>
+                </a:schemeClr>
+              </a:lnRef>
+              <a:fillRef idx="1">
+                <a:schemeClr val="accent1"/>
+              </a:fillRef>
+              <a:effectRef idx="0">
+                <a:schemeClr val="accent1"/>
+              </a:effectRef>
+              <a:fontRef idx="minor">
+                <a:schemeClr val="lt1"/>
+              </a:fontRef>
+            </p:style>
+            <p:txBody>
+              <a:bodyPr rtlCol="0" anchor="ctr"/>
+              <a:lstStyle/>
+              <a:p>
+                <a:pPr algn="ctr"/>
+                <a:endParaRPr kumimoji="1" lang="zh-TW" altLang="en-US"/>
+              </a:p>
+            </p:txBody>
+          </p:sp>
+          <p:sp>
+            <p:nvSpPr>
+              <p:cNvPr id="60" name="三角形 59">
+                <a:extLst>
+                  <a:ext uri="{FF2B5EF4-FFF2-40B4-BE49-F238E27FC236}">
+                    <a16:creationId xmlns:a16="http://schemas.microsoft.com/office/drawing/2014/main" id="{7A433616-62F2-C9A9-DB6C-C2FA0C595EBB}"/>
+                  </a:ext>
+                </a:extLst>
+              </p:cNvPr>
+              <p:cNvSpPr/>
+              <p:nvPr/>
+            </p:nvSpPr>
+            <p:spPr>
+              <a:xfrm>
+                <a:off x="7995881" y="653860"/>
+                <a:ext cx="1241799" cy="618826"/>
+              </a:xfrm>
+              <a:prstGeom prst="triangle">
+                <a:avLst>
+                  <a:gd name="adj" fmla="val 37000"/>
+                </a:avLst>
+              </a:prstGeom>
+              <a:solidFill>
+                <a:srgbClr val="C00000">
+                  <a:alpha val="32653"/>
+                </a:srgbClr>
+              </a:solidFill>
+              <a:ln>
+                <a:solidFill>
+                  <a:srgbClr val="C00000"/>
+                </a:solidFill>
+              </a:ln>
+            </p:spPr>
+            <p:style>
+              <a:lnRef idx="2">
+                <a:schemeClr val="accent1">
+                  <a:shade val="50000"/>
+                </a:schemeClr>
+              </a:lnRef>
+              <a:fillRef idx="1">
+                <a:schemeClr val="accent1"/>
+              </a:fillRef>
+              <a:effectRef idx="0">
+                <a:schemeClr val="accent1"/>
+              </a:effectRef>
+              <a:fontRef idx="minor">
+                <a:schemeClr val="lt1"/>
+              </a:fontRef>
+            </p:style>
+            <p:txBody>
+              <a:bodyPr rtlCol="0" anchor="ctr"/>
+              <a:lstStyle/>
+              <a:p>
+                <a:pPr algn="ctr"/>
+                <a:endParaRPr kumimoji="1" lang="zh-TW" altLang="en-US"/>
+              </a:p>
+            </p:txBody>
+          </p:sp>
+          <p:sp>
+            <p:nvSpPr>
+              <p:cNvPr id="61" name="文字方塊 60">
+                <a:extLst>
+                  <a:ext uri="{FF2B5EF4-FFF2-40B4-BE49-F238E27FC236}">
+                    <a16:creationId xmlns:a16="http://schemas.microsoft.com/office/drawing/2014/main" id="{FABA1A7C-0171-E39B-A2F1-4731879830B2}"/>
+                  </a:ext>
+                </a:extLst>
+              </p:cNvPr>
+              <p:cNvSpPr txBox="1"/>
+              <p:nvPr/>
+            </p:nvSpPr>
+            <p:spPr>
+              <a:xfrm>
+                <a:off x="7484853" y="643887"/>
+                <a:ext cx="362600" cy="461665"/>
+              </a:xfrm>
+              <a:prstGeom prst="rect">
+                <a:avLst/>
+              </a:prstGeom>
+              <a:noFill/>
+            </p:spPr>
+            <p:txBody>
+              <a:bodyPr wrap="none" rtlCol="0">
+                <a:spAutoFit/>
+              </a:bodyPr>
+              <a:lstStyle/>
+              <a:p>
+                <a:r>
+                  <a:rPr kumimoji="1" lang="en-US" altLang="zh-TW" sz="2400" dirty="0">
+                    <a:latin typeface="Minion Pro" panose="02040503050306020203" pitchFamily="18" charset="0"/>
+                  </a:rPr>
+                  <a:t>=</a:t>
+                </a:r>
+                <a:endParaRPr kumimoji="1" lang="zh-TW" altLang="en-US" sz="3200" dirty="0">
+                  <a:latin typeface="Minion Pro" panose="02040503050306020203" pitchFamily="18" charset="0"/>
+                </a:endParaRPr>
+              </a:p>
+            </p:txBody>
+          </p:sp>
+          <p:cxnSp>
+            <p:nvCxnSpPr>
+              <p:cNvPr id="85" name="直線接點 84">
+                <a:extLst>
+                  <a:ext uri="{FF2B5EF4-FFF2-40B4-BE49-F238E27FC236}">
+                    <a16:creationId xmlns:a16="http://schemas.microsoft.com/office/drawing/2014/main" id="{27F11973-3A09-05B4-326F-2078FB72DA3C}"/>
+                  </a:ext>
+                </a:extLst>
+              </p:cNvPr>
+              <p:cNvCxnSpPr>
+                <a:stCxn id="58" idx="0"/>
+                <a:endCxn id="58" idx="3"/>
+              </p:cNvCxnSpPr>
+              <p:nvPr/>
+            </p:nvCxnSpPr>
+            <p:spPr>
+              <a:xfrm>
+                <a:off x="6718124" y="653860"/>
+                <a:ext cx="0" cy="618826"/>
+              </a:xfrm>
+              <a:prstGeom prst="line">
+                <a:avLst/>
+              </a:prstGeom>
+              <a:ln w="12700">
+                <a:solidFill>
+                  <a:srgbClr val="2F528F"/>
+                </a:solidFill>
+              </a:ln>
+            </p:spPr>
+            <p:style>
+              <a:lnRef idx="1">
+                <a:schemeClr val="accent1"/>
+              </a:lnRef>
+              <a:fillRef idx="0">
+                <a:schemeClr val="accent1"/>
+              </a:fillRef>
+              <a:effectRef idx="0">
+                <a:schemeClr val="accent1"/>
+              </a:effectRef>
+              <a:fontRef idx="minor">
+                <a:schemeClr val="tx1"/>
+              </a:fontRef>
+            </p:style>
+          </p:cxnSp>
+          <p:sp>
+            <p:nvSpPr>
+              <p:cNvPr id="86" name="文字方塊 85">
+                <a:extLst>
+                  <a:ext uri="{FF2B5EF4-FFF2-40B4-BE49-F238E27FC236}">
+                    <a16:creationId xmlns:a16="http://schemas.microsoft.com/office/drawing/2014/main" id="{9C2C8D90-7802-E853-6020-48A748528B7B}"/>
+                  </a:ext>
+                </a:extLst>
+              </p:cNvPr>
+              <p:cNvSpPr txBox="1"/>
+              <p:nvPr/>
+            </p:nvSpPr>
+            <p:spPr>
+              <a:xfrm>
+                <a:off x="6684070" y="907549"/>
+                <a:ext cx="250390" cy="246221"/>
+              </a:xfrm>
+              <a:prstGeom prst="rect">
+                <a:avLst/>
+              </a:prstGeom>
+              <a:noFill/>
+            </p:spPr>
+            <p:txBody>
+              <a:bodyPr wrap="none" rtlCol="0">
+                <a:spAutoFit/>
+              </a:bodyPr>
+              <a:lstStyle/>
+              <a:p>
+                <a:r>
+                  <a:rPr kumimoji="1" lang="en-US" altLang="zh-TW" sz="1000" i="1" dirty="0">
+                    <a:solidFill>
+                      <a:srgbClr val="2F528F"/>
+                    </a:solidFill>
+                    <a:latin typeface="Minion Pro" panose="02040503050306020203" pitchFamily="18" charset="0"/>
+                  </a:rPr>
+                  <a:t>h</a:t>
+                </a:r>
+                <a:endParaRPr kumimoji="1" lang="zh-TW" altLang="en-US" sz="1100" i="1" dirty="0">
+                  <a:solidFill>
+                    <a:srgbClr val="2F528F"/>
+                  </a:solidFill>
+                  <a:latin typeface="Minion Pro" panose="02040503050306020203" pitchFamily="18" charset="0"/>
+                </a:endParaRPr>
+              </a:p>
+            </p:txBody>
+          </p:sp>
+          <p:sp>
+            <p:nvSpPr>
+              <p:cNvPr id="87" name="文字方塊 86">
+                <a:extLst>
+                  <a:ext uri="{FF2B5EF4-FFF2-40B4-BE49-F238E27FC236}">
+                    <a16:creationId xmlns:a16="http://schemas.microsoft.com/office/drawing/2014/main" id="{745D00F3-9E45-64EE-0FF7-8BEC83D73EC3}"/>
+                  </a:ext>
+                </a:extLst>
+              </p:cNvPr>
+              <p:cNvSpPr txBox="1"/>
+              <p:nvPr/>
+            </p:nvSpPr>
+            <p:spPr>
+              <a:xfrm>
+                <a:off x="7047642" y="742124"/>
+                <a:ext cx="250390" cy="246221"/>
+              </a:xfrm>
+              <a:prstGeom prst="rect">
+                <a:avLst/>
+              </a:prstGeom>
+              <a:noFill/>
+            </p:spPr>
+            <p:txBody>
+              <a:bodyPr wrap="none" rtlCol="0">
+                <a:spAutoFit/>
+              </a:bodyPr>
+              <a:lstStyle/>
+              <a:p>
+                <a:r>
+                  <a:rPr kumimoji="1" lang="en-US" altLang="zh-TW" sz="1000" i="1" dirty="0">
+                    <a:solidFill>
+                      <a:srgbClr val="2F528F"/>
+                    </a:solidFill>
+                    <a:latin typeface="Minion Pro" panose="02040503050306020203" pitchFamily="18" charset="0"/>
+                  </a:rPr>
+                  <a:t>d</a:t>
+                </a:r>
+                <a:endParaRPr kumimoji="1" lang="zh-TW" altLang="en-US" sz="1100" i="1" dirty="0">
+                  <a:solidFill>
+                    <a:srgbClr val="2F528F"/>
+                  </a:solidFill>
+                  <a:latin typeface="Minion Pro" panose="02040503050306020203" pitchFamily="18" charset="0"/>
+                </a:endParaRPr>
+              </a:p>
+            </p:txBody>
+          </p:sp>
+          <p:sp>
+            <p:nvSpPr>
+              <p:cNvPr id="88" name="文字方塊 87">
+                <a:extLst>
+                  <a:ext uri="{FF2B5EF4-FFF2-40B4-BE49-F238E27FC236}">
+                    <a16:creationId xmlns:a16="http://schemas.microsoft.com/office/drawing/2014/main" id="{DB8B0FEE-CFD1-CCAC-E534-559A3965E424}"/>
+                  </a:ext>
+                </a:extLst>
+              </p:cNvPr>
+              <p:cNvSpPr txBox="1"/>
+              <p:nvPr/>
+            </p:nvSpPr>
+            <p:spPr>
+              <a:xfrm>
+                <a:off x="7047642" y="1057386"/>
+                <a:ext cx="250390" cy="246221"/>
+              </a:xfrm>
+              <a:prstGeom prst="rect">
+                <a:avLst/>
+              </a:prstGeom>
+              <a:noFill/>
+            </p:spPr>
+            <p:txBody>
+              <a:bodyPr wrap="none" rtlCol="0">
+                <a:spAutoFit/>
+              </a:bodyPr>
+              <a:lstStyle/>
+              <a:p>
+                <a:r>
+                  <a:rPr kumimoji="1" lang="en-US" altLang="zh-TW" sz="1000" i="1" dirty="0" err="1">
+                    <a:solidFill>
+                      <a:srgbClr val="2F528F"/>
+                    </a:solidFill>
+                    <a:latin typeface="Minion Pro" panose="02040503050306020203" pitchFamily="18" charset="0"/>
+                  </a:rPr>
+                  <a:t>θ</a:t>
+                </a:r>
+                <a:endParaRPr kumimoji="1" lang="zh-TW" altLang="en-US" sz="1100" i="1" dirty="0">
+                  <a:solidFill>
+                    <a:srgbClr val="2F528F"/>
+                  </a:solidFill>
+                  <a:latin typeface="Minion Pro" panose="02040503050306020203" pitchFamily="18" charset="0"/>
+                </a:endParaRPr>
+              </a:p>
+            </p:txBody>
+          </p:sp>
+          <p:sp>
+            <p:nvSpPr>
+              <p:cNvPr id="89" name="弧線 88">
+                <a:extLst>
+                  <a:ext uri="{FF2B5EF4-FFF2-40B4-BE49-F238E27FC236}">
+                    <a16:creationId xmlns:a16="http://schemas.microsoft.com/office/drawing/2014/main" id="{D7F1A100-4E4F-7844-1881-65E56B902896}"/>
+                  </a:ext>
+                </a:extLst>
+              </p:cNvPr>
+              <p:cNvSpPr/>
+              <p:nvPr/>
+            </p:nvSpPr>
+            <p:spPr>
+              <a:xfrm>
+                <a:off x="7233378" y="1147145"/>
+                <a:ext cx="222629" cy="276502"/>
+              </a:xfrm>
+              <a:prstGeom prst="arc">
+                <a:avLst>
+                  <a:gd name="adj1" fmla="val 11131666"/>
+                  <a:gd name="adj2" fmla="val 16253523"/>
+                </a:avLst>
+              </a:prstGeom>
+              <a:ln w="9525">
+                <a:solidFill>
+                  <a:srgbClr val="2F528F"/>
+                </a:solidFill>
+                <a:headEnd type="none"/>
+              </a:ln>
+            </p:spPr>
+            <p:style>
+              <a:lnRef idx="1">
+                <a:schemeClr val="accent1"/>
+              </a:lnRef>
+              <a:fillRef idx="0">
+                <a:schemeClr val="accent1"/>
+              </a:fillRef>
+              <a:effectRef idx="0">
+                <a:schemeClr val="accent1"/>
+              </a:effectRef>
+              <a:fontRef idx="minor">
+                <a:schemeClr val="tx1"/>
+              </a:fontRef>
+            </p:style>
+            <p:txBody>
+              <a:bodyPr rtlCol="0" anchor="ctr"/>
+              <a:lstStyle/>
+              <a:p>
+                <a:pPr algn="ctr"/>
+                <a:endParaRPr kumimoji="1" lang="zh-TW" altLang="en-US"/>
+              </a:p>
+            </p:txBody>
+          </p:sp>
+          <p:sp>
+            <p:nvSpPr>
+              <p:cNvPr id="102" name="文字方塊 101">
+                <a:extLst>
+                  <a:ext uri="{FF2B5EF4-FFF2-40B4-BE49-F238E27FC236}">
+                    <a16:creationId xmlns:a16="http://schemas.microsoft.com/office/drawing/2014/main" id="{42C5ADB3-5345-09BE-8A63-FEF8A7F3325C}"/>
+                  </a:ext>
+                </a:extLst>
+              </p:cNvPr>
+              <p:cNvSpPr txBox="1"/>
+              <p:nvPr/>
+            </p:nvSpPr>
+            <p:spPr>
+              <a:xfrm>
+                <a:off x="6860260" y="1264587"/>
+                <a:ext cx="478016" cy="246221"/>
+              </a:xfrm>
+              <a:prstGeom prst="rect">
+                <a:avLst/>
+              </a:prstGeom>
+              <a:noFill/>
+            </p:spPr>
+            <p:txBody>
+              <a:bodyPr wrap="none" rtlCol="0">
+                <a:spAutoFit/>
+              </a:bodyPr>
+              <a:lstStyle/>
+              <a:p>
+                <a:r>
+                  <a:rPr kumimoji="1" lang="en-US" altLang="zh-TW" sz="1000" i="1" dirty="0" err="1">
+                    <a:solidFill>
+                      <a:srgbClr val="2F528F"/>
+                    </a:solidFill>
+                    <a:latin typeface="Minion Pro" panose="02040503050306020203" pitchFamily="18" charset="0"/>
+                  </a:rPr>
+                  <a:t>d</a:t>
+                </a:r>
+                <a:r>
+                  <a:rPr kumimoji="1" lang="en-US" altLang="zh-TW" sz="1000" dirty="0" err="1">
+                    <a:solidFill>
+                      <a:srgbClr val="2F528F"/>
+                    </a:solidFill>
+                    <a:latin typeface="Minion Pro" panose="02040503050306020203" pitchFamily="18" charset="0"/>
+                  </a:rPr>
+                  <a:t>cos</a:t>
+                </a:r>
+                <a:r>
+                  <a:rPr kumimoji="1" lang="en-US" altLang="zh-TW" sz="1000" i="1" dirty="0" err="1">
+                    <a:solidFill>
+                      <a:srgbClr val="2F528F"/>
+                    </a:solidFill>
+                    <a:latin typeface="Minion Pro" panose="02040503050306020203" pitchFamily="18" charset="0"/>
+                  </a:rPr>
+                  <a:t>θ</a:t>
+                </a:r>
+                <a:endParaRPr kumimoji="1" lang="zh-TW" altLang="en-US" sz="1400" i="1" dirty="0">
+                  <a:solidFill>
+                    <a:srgbClr val="2F528F"/>
+                  </a:solidFill>
+                  <a:latin typeface="Minion Pro" panose="02040503050306020203" pitchFamily="18" charset="0"/>
+                </a:endParaRPr>
+              </a:p>
+            </p:txBody>
+          </p:sp>
+          <p:sp>
+            <p:nvSpPr>
+              <p:cNvPr id="112" name="文字方塊 111">
+                <a:extLst>
+                  <a:ext uri="{FF2B5EF4-FFF2-40B4-BE49-F238E27FC236}">
+                    <a16:creationId xmlns:a16="http://schemas.microsoft.com/office/drawing/2014/main" id="{3FE1F033-E777-94B9-F9CD-E5A0D9C1A543}"/>
+                  </a:ext>
+                </a:extLst>
+              </p:cNvPr>
+              <p:cNvSpPr txBox="1"/>
+              <p:nvPr/>
+            </p:nvSpPr>
+            <p:spPr>
+              <a:xfrm>
+                <a:off x="8881828" y="1077905"/>
+                <a:ext cx="250390" cy="246221"/>
+              </a:xfrm>
+              <a:prstGeom prst="rect">
+                <a:avLst/>
+              </a:prstGeom>
+              <a:noFill/>
+            </p:spPr>
+            <p:txBody>
+              <a:bodyPr wrap="none" rtlCol="0">
+                <a:spAutoFit/>
+              </a:bodyPr>
+              <a:lstStyle/>
+              <a:p>
+                <a:r>
+                  <a:rPr kumimoji="1" lang="en-US" altLang="zh-TW" sz="1000" i="1" dirty="0" err="1">
+                    <a:solidFill>
+                      <a:srgbClr val="B21D09"/>
+                    </a:solidFill>
+                    <a:latin typeface="Minion Pro" panose="02040503050306020203" pitchFamily="18" charset="0"/>
+                  </a:rPr>
+                  <a:t>θ</a:t>
+                </a:r>
+                <a:endParaRPr kumimoji="1" lang="zh-TW" altLang="en-US" sz="1100" i="1" dirty="0">
+                  <a:solidFill>
+                    <a:srgbClr val="B21D09"/>
+                  </a:solidFill>
+                  <a:latin typeface="Minion Pro" panose="02040503050306020203" pitchFamily="18" charset="0"/>
+                </a:endParaRPr>
+              </a:p>
+            </p:txBody>
+          </p:sp>
+          <p:sp>
+            <p:nvSpPr>
+              <p:cNvPr id="113" name="文字方塊 112">
+                <a:extLst>
+                  <a:ext uri="{FF2B5EF4-FFF2-40B4-BE49-F238E27FC236}">
+                    <a16:creationId xmlns:a16="http://schemas.microsoft.com/office/drawing/2014/main" id="{FE9FFFE7-5C3D-8652-9327-92E408D29DCA}"/>
+                  </a:ext>
+                </a:extLst>
+              </p:cNvPr>
+              <p:cNvSpPr txBox="1"/>
+              <p:nvPr/>
+            </p:nvSpPr>
+            <p:spPr>
+              <a:xfrm>
+                <a:off x="8045847" y="1068175"/>
+                <a:ext cx="279244" cy="246221"/>
+              </a:xfrm>
+              <a:prstGeom prst="rect">
+                <a:avLst/>
+              </a:prstGeom>
+              <a:noFill/>
+            </p:spPr>
+            <p:txBody>
+              <a:bodyPr wrap="none" rtlCol="0">
+                <a:spAutoFit/>
+              </a:bodyPr>
+              <a:lstStyle/>
+              <a:p>
+                <a:r>
+                  <a:rPr kumimoji="1" lang="en-US" altLang="zh-TW" sz="1000" dirty="0" err="1">
+                    <a:solidFill>
+                      <a:srgbClr val="B21D09"/>
+                    </a:solidFill>
+                    <a:latin typeface="Minion Pro" panose="02040503050306020203" pitchFamily="18" charset="0"/>
+                  </a:rPr>
+                  <a:t>Θ</a:t>
+                </a:r>
+                <a:endParaRPr kumimoji="1" lang="zh-TW" altLang="en-US" sz="1100" dirty="0">
+                  <a:solidFill>
+                    <a:srgbClr val="B21D09"/>
+                  </a:solidFill>
+                  <a:latin typeface="Minion Pro" panose="02040503050306020203" pitchFamily="18" charset="0"/>
+                </a:endParaRPr>
+              </a:p>
+            </p:txBody>
+          </p:sp>
+          <p:cxnSp>
+            <p:nvCxnSpPr>
+              <p:cNvPr id="115" name="直線接點 114">
+                <a:extLst>
+                  <a:ext uri="{FF2B5EF4-FFF2-40B4-BE49-F238E27FC236}">
+                    <a16:creationId xmlns:a16="http://schemas.microsoft.com/office/drawing/2014/main" id="{F44A8A1F-4FF7-0F92-5EA9-06DA4247DBDB}"/>
+                  </a:ext>
+                </a:extLst>
+              </p:cNvPr>
+              <p:cNvCxnSpPr>
+                <a:cxnSpLocks/>
+              </p:cNvCxnSpPr>
+              <p:nvPr/>
+            </p:nvCxnSpPr>
+            <p:spPr>
+              <a:xfrm flipV="1">
+                <a:off x="6720383" y="373205"/>
+                <a:ext cx="206499" cy="278119"/>
+              </a:xfrm>
+              <a:prstGeom prst="line">
+                <a:avLst/>
+              </a:prstGeom>
+              <a:ln w="12700">
+                <a:solidFill>
+                  <a:srgbClr val="2F528F"/>
+                </a:solidFill>
+                <a:prstDash val="sysDash"/>
+              </a:ln>
+            </p:spPr>
+            <p:style>
+              <a:lnRef idx="1">
+                <a:schemeClr val="accent1"/>
+              </a:lnRef>
+              <a:fillRef idx="0">
+                <a:schemeClr val="accent1"/>
+              </a:fillRef>
+              <a:effectRef idx="0">
+                <a:schemeClr val="accent1"/>
+              </a:effectRef>
+              <a:fontRef idx="minor">
+                <a:schemeClr val="tx1"/>
+              </a:fontRef>
+            </p:style>
+          </p:cxnSp>
+          <p:sp>
+            <p:nvSpPr>
+              <p:cNvPr id="121" name="文字方塊 120">
+                <a:extLst>
+                  <a:ext uri="{FF2B5EF4-FFF2-40B4-BE49-F238E27FC236}">
+                    <a16:creationId xmlns:a16="http://schemas.microsoft.com/office/drawing/2014/main" id="{82E5A43D-BE72-0611-9710-B8E493FB9BB4}"/>
+                  </a:ext>
+                </a:extLst>
+              </p:cNvPr>
+              <p:cNvSpPr txBox="1"/>
+              <p:nvPr/>
+            </p:nvSpPr>
+            <p:spPr>
+              <a:xfrm>
+                <a:off x="6721717" y="488809"/>
+                <a:ext cx="519579" cy="246221"/>
+              </a:xfrm>
+              <a:prstGeom prst="rect">
+                <a:avLst/>
+              </a:prstGeom>
+              <a:noFill/>
+            </p:spPr>
+            <p:txBody>
+              <a:bodyPr wrap="square" rtlCol="0">
+                <a:spAutoFit/>
+              </a:bodyPr>
+              <a:lstStyle/>
+              <a:p>
+                <a:r>
+                  <a:rPr kumimoji="1" lang="en-US" altLang="zh-TW" sz="1000" i="1" dirty="0" err="1">
+                    <a:solidFill>
+                      <a:srgbClr val="2F528F"/>
+                    </a:solidFill>
+                    <a:latin typeface="Minion Pro" panose="02040503050306020203" pitchFamily="18" charset="0"/>
+                  </a:rPr>
+                  <a:t>ψ</a:t>
+                </a:r>
+                <a:endParaRPr kumimoji="1" lang="zh-TW" altLang="en-US" sz="1100" i="1" dirty="0">
+                  <a:solidFill>
+                    <a:srgbClr val="2F528F"/>
+                  </a:solidFill>
+                  <a:latin typeface="Minion Pro" panose="02040503050306020203" pitchFamily="18" charset="0"/>
+                </a:endParaRPr>
+              </a:p>
+            </p:txBody>
+          </p:sp>
+          <p:sp>
+            <p:nvSpPr>
+              <p:cNvPr id="123" name="文字方塊 122">
+                <a:extLst>
+                  <a:ext uri="{FF2B5EF4-FFF2-40B4-BE49-F238E27FC236}">
+                    <a16:creationId xmlns:a16="http://schemas.microsoft.com/office/drawing/2014/main" id="{2B8D7E50-4F64-4CE0-7F34-48221168DE78}"/>
+                  </a:ext>
+                </a:extLst>
+              </p:cNvPr>
+              <p:cNvSpPr txBox="1"/>
+              <p:nvPr/>
+            </p:nvSpPr>
+            <p:spPr>
+              <a:xfrm>
+                <a:off x="8262591" y="757767"/>
+                <a:ext cx="461986" cy="246221"/>
+              </a:xfrm>
+              <a:prstGeom prst="rect">
+                <a:avLst/>
+              </a:prstGeom>
+              <a:noFill/>
+            </p:spPr>
+            <p:txBody>
+              <a:bodyPr wrap="none" rtlCol="0">
+                <a:spAutoFit/>
+              </a:bodyPr>
+              <a:lstStyle/>
+              <a:p>
+                <a:r>
+                  <a:rPr kumimoji="1" lang="en-US" altLang="zh-TW" sz="1000" i="1" dirty="0">
+                    <a:solidFill>
+                      <a:srgbClr val="B21D09"/>
+                    </a:solidFill>
+                    <a:latin typeface="Minion Pro" panose="02040503050306020203" pitchFamily="18" charset="0"/>
+                  </a:rPr>
+                  <a:t>π </a:t>
+                </a:r>
+                <a:r>
+                  <a:rPr kumimoji="1" lang="en-US" altLang="zh-TW" sz="1000" dirty="0">
+                    <a:solidFill>
+                      <a:srgbClr val="B21D09"/>
+                    </a:solidFill>
+                    <a:latin typeface="Minion Pro" panose="02040503050306020203" pitchFamily="18" charset="0"/>
+                  </a:rPr>
+                  <a:t>− </a:t>
+                </a:r>
+                <a:r>
+                  <a:rPr kumimoji="1" lang="en-US" altLang="zh-TW" sz="1000" i="1" dirty="0" err="1">
+                    <a:solidFill>
+                      <a:srgbClr val="B21D09"/>
+                    </a:solidFill>
+                    <a:latin typeface="Minion Pro" panose="02040503050306020203" pitchFamily="18" charset="0"/>
+                  </a:rPr>
+                  <a:t>ψ</a:t>
+                </a:r>
+                <a:endParaRPr kumimoji="1" lang="zh-TW" altLang="en-US" sz="1100" i="1" dirty="0">
+                  <a:solidFill>
+                    <a:srgbClr val="B21D09"/>
+                  </a:solidFill>
+                  <a:latin typeface="Minion Pro" panose="02040503050306020203" pitchFamily="18" charset="0"/>
+                </a:endParaRPr>
+              </a:p>
+            </p:txBody>
+          </p:sp>
+          <p:sp>
+            <p:nvSpPr>
+              <p:cNvPr id="124" name="文字方塊 123">
+                <a:extLst>
+                  <a:ext uri="{FF2B5EF4-FFF2-40B4-BE49-F238E27FC236}">
+                    <a16:creationId xmlns:a16="http://schemas.microsoft.com/office/drawing/2014/main" id="{73BF8CDC-B053-CB47-CD31-BC8FE576FA91}"/>
+                  </a:ext>
+                </a:extLst>
+              </p:cNvPr>
+              <p:cNvSpPr txBox="1"/>
+              <p:nvPr/>
+            </p:nvSpPr>
+            <p:spPr>
+              <a:xfrm>
+                <a:off x="8729905" y="700332"/>
+                <a:ext cx="250390" cy="246221"/>
+              </a:xfrm>
+              <a:prstGeom prst="rect">
+                <a:avLst/>
+              </a:prstGeom>
+              <a:noFill/>
+            </p:spPr>
+            <p:txBody>
+              <a:bodyPr wrap="none" rtlCol="0">
+                <a:spAutoFit/>
+              </a:bodyPr>
+              <a:lstStyle/>
+              <a:p>
+                <a:r>
+                  <a:rPr kumimoji="1" lang="en-US" altLang="zh-TW" sz="1000" i="1" dirty="0">
+                    <a:solidFill>
+                      <a:srgbClr val="B21D09"/>
+                    </a:solidFill>
+                    <a:latin typeface="Minion Pro" panose="02040503050306020203" pitchFamily="18" charset="0"/>
+                  </a:rPr>
+                  <a:t>d</a:t>
+                </a:r>
+                <a:endParaRPr kumimoji="1" lang="zh-TW" altLang="en-US" sz="1100" i="1" dirty="0">
+                  <a:solidFill>
+                    <a:srgbClr val="B21D09"/>
+                  </a:solidFill>
+                  <a:latin typeface="Minion Pro" panose="02040503050306020203" pitchFamily="18" charset="0"/>
+                </a:endParaRPr>
+              </a:p>
+            </p:txBody>
+          </p:sp>
+          <p:sp>
+            <p:nvSpPr>
+              <p:cNvPr id="125" name="文字方塊 124">
+                <a:extLst>
+                  <a:ext uri="{FF2B5EF4-FFF2-40B4-BE49-F238E27FC236}">
+                    <a16:creationId xmlns:a16="http://schemas.microsoft.com/office/drawing/2014/main" id="{FAA87C8D-CE98-7B28-82FA-9A8940899635}"/>
+                  </a:ext>
+                </a:extLst>
+              </p:cNvPr>
+              <p:cNvSpPr txBox="1"/>
+              <p:nvPr/>
+            </p:nvSpPr>
+            <p:spPr>
+              <a:xfrm>
+                <a:off x="6213422" y="741403"/>
+                <a:ext cx="276038" cy="246221"/>
+              </a:xfrm>
+              <a:prstGeom prst="rect">
+                <a:avLst/>
+              </a:prstGeom>
+              <a:noFill/>
+            </p:spPr>
+            <p:txBody>
+              <a:bodyPr wrap="none" rtlCol="0">
+                <a:spAutoFit/>
+              </a:bodyPr>
+              <a:lstStyle/>
+              <a:p>
+                <a:r>
+                  <a:rPr kumimoji="1" lang="en-US" altLang="zh-TW" sz="1000" i="1" dirty="0">
+                    <a:solidFill>
+                      <a:srgbClr val="2F528F"/>
+                    </a:solidFill>
+                    <a:latin typeface="Minion Pro" panose="02040503050306020203" pitchFamily="18" charset="0"/>
+                  </a:rPr>
+                  <a:t>D</a:t>
+                </a:r>
+                <a:endParaRPr kumimoji="1" lang="zh-TW" altLang="en-US" sz="1100" i="1" dirty="0">
+                  <a:solidFill>
+                    <a:srgbClr val="2F528F"/>
+                  </a:solidFill>
+                  <a:latin typeface="Minion Pro" panose="02040503050306020203" pitchFamily="18" charset="0"/>
+                </a:endParaRPr>
+              </a:p>
+            </p:txBody>
+          </p:sp>
+          <p:sp>
+            <p:nvSpPr>
+              <p:cNvPr id="143" name="弧線 142">
+                <a:extLst>
+                  <a:ext uri="{FF2B5EF4-FFF2-40B4-BE49-F238E27FC236}">
+                    <a16:creationId xmlns:a16="http://schemas.microsoft.com/office/drawing/2014/main" id="{FC8C177D-7153-0C0D-F9B4-43576AE81304}"/>
+                  </a:ext>
+                </a:extLst>
+              </p:cNvPr>
+              <p:cNvSpPr/>
+              <p:nvPr/>
+            </p:nvSpPr>
+            <p:spPr>
+              <a:xfrm rot="10800000">
+                <a:off x="6719753" y="1213051"/>
+                <a:ext cx="174235" cy="120677"/>
+              </a:xfrm>
+              <a:prstGeom prst="arc">
+                <a:avLst/>
+              </a:prstGeom>
+            </p:spPr>
+            <p:style>
+              <a:lnRef idx="1">
+                <a:schemeClr val="accent1"/>
+              </a:lnRef>
+              <a:fillRef idx="0">
+                <a:schemeClr val="accent1"/>
+              </a:fillRef>
+              <a:effectRef idx="0">
+                <a:schemeClr val="accent1"/>
+              </a:effectRef>
+              <a:fontRef idx="minor">
+                <a:schemeClr val="tx1"/>
+              </a:fontRef>
+            </p:style>
+            <p:txBody>
+              <a:bodyPr rtlCol="0" anchor="ctr"/>
+              <a:lstStyle/>
+              <a:p>
+                <a:pPr algn="ctr"/>
+                <a:endParaRPr kumimoji="1" lang="zh-TW" altLang="en-US"/>
+              </a:p>
+            </p:txBody>
+          </p:sp>
+          <p:sp>
+            <p:nvSpPr>
+              <p:cNvPr id="144" name="弧線 143">
+                <a:extLst>
+                  <a:ext uri="{FF2B5EF4-FFF2-40B4-BE49-F238E27FC236}">
+                    <a16:creationId xmlns:a16="http://schemas.microsoft.com/office/drawing/2014/main" id="{1DF03721-C698-DE55-28B8-E1A58C74C908}"/>
+                  </a:ext>
+                </a:extLst>
+              </p:cNvPr>
+              <p:cNvSpPr/>
+              <p:nvPr/>
+            </p:nvSpPr>
+            <p:spPr>
+              <a:xfrm rot="10800000" flipH="1">
+                <a:off x="7332615" y="1218524"/>
+                <a:ext cx="174235" cy="120677"/>
+              </a:xfrm>
+              <a:prstGeom prst="arc">
+                <a:avLst/>
+              </a:prstGeom>
+            </p:spPr>
+            <p:style>
+              <a:lnRef idx="1">
+                <a:schemeClr val="accent1"/>
+              </a:lnRef>
+              <a:fillRef idx="0">
+                <a:schemeClr val="accent1"/>
+              </a:fillRef>
+              <a:effectRef idx="0">
+                <a:schemeClr val="accent1"/>
+              </a:effectRef>
+              <a:fontRef idx="minor">
+                <a:schemeClr val="tx1"/>
+              </a:fontRef>
+            </p:style>
+            <p:txBody>
+              <a:bodyPr rtlCol="0" anchor="ctr"/>
+              <a:lstStyle/>
+              <a:p>
+                <a:pPr algn="ctr"/>
+                <a:endParaRPr kumimoji="1" lang="zh-TW" altLang="en-US"/>
+              </a:p>
+            </p:txBody>
+          </p:sp>
+          <p:sp>
+            <p:nvSpPr>
+              <p:cNvPr id="4" name="文字方塊 3">
+                <a:extLst>
+                  <a:ext uri="{FF2B5EF4-FFF2-40B4-BE49-F238E27FC236}">
+                    <a16:creationId xmlns:a16="http://schemas.microsoft.com/office/drawing/2014/main" id="{DB3D333E-AF30-3509-051B-CFFAADC73275}"/>
+                  </a:ext>
+                </a:extLst>
+              </p:cNvPr>
+              <p:cNvSpPr txBox="1"/>
+              <p:nvPr/>
+            </p:nvSpPr>
+            <p:spPr>
+              <a:xfrm>
+                <a:off x="8450217" y="1270179"/>
+                <a:ext cx="301686" cy="261610"/>
+              </a:xfrm>
+              <a:prstGeom prst="rect">
+                <a:avLst/>
+              </a:prstGeom>
+              <a:noFill/>
+            </p:spPr>
+            <p:txBody>
+              <a:bodyPr wrap="none" rtlCol="0">
+                <a:spAutoFit/>
+              </a:bodyPr>
+              <a:lstStyle/>
+              <a:p>
+                <a:r>
+                  <a:rPr kumimoji="1" lang="en-US" altLang="zh-TW" sz="1050" i="1" dirty="0">
+                    <a:solidFill>
+                      <a:srgbClr val="B21D09"/>
+                    </a:solidFill>
+                    <a:latin typeface="Minion Pro" panose="02040503050201020203" pitchFamily="18" charset="0"/>
+                  </a:rPr>
+                  <a:t>R</a:t>
+                </a:r>
+                <a:r>
+                  <a:rPr kumimoji="1" lang="en-US" altLang="zh-TW" sz="1050" i="1" baseline="-25000" dirty="0">
+                    <a:solidFill>
+                      <a:srgbClr val="B21D09"/>
+                    </a:solidFill>
+                    <a:latin typeface="Minion Pro" panose="02040503050201020203" pitchFamily="18" charset="0"/>
+                  </a:rPr>
+                  <a:t>s</a:t>
+                </a:r>
+                <a:endParaRPr kumimoji="1" lang="zh-TW" altLang="en-US" sz="1050" i="1" baseline="-25000" dirty="0">
+                  <a:solidFill>
+                    <a:srgbClr val="B21D09"/>
+                  </a:solidFill>
+                  <a:latin typeface="Minion Pro" panose="02040503050201020203" pitchFamily="18" charset="0"/>
+                </a:endParaRPr>
+              </a:p>
+            </p:txBody>
+          </p:sp>
+          <p:sp>
+            <p:nvSpPr>
+              <p:cNvPr id="8" name="文字方塊 7">
+                <a:extLst>
+                  <a:ext uri="{FF2B5EF4-FFF2-40B4-BE49-F238E27FC236}">
+                    <a16:creationId xmlns:a16="http://schemas.microsoft.com/office/drawing/2014/main" id="{46DA35E5-8666-5513-073B-888C7856D796}"/>
+                  </a:ext>
+                </a:extLst>
+              </p:cNvPr>
+              <p:cNvSpPr txBox="1"/>
+              <p:nvPr/>
+            </p:nvSpPr>
+            <p:spPr>
+              <a:xfrm>
+                <a:off x="6305777" y="1062513"/>
+                <a:ext cx="279244" cy="246221"/>
+              </a:xfrm>
+              <a:prstGeom prst="rect">
+                <a:avLst/>
+              </a:prstGeom>
+              <a:noFill/>
+            </p:spPr>
+            <p:txBody>
+              <a:bodyPr wrap="none" rtlCol="0">
+                <a:spAutoFit/>
+              </a:bodyPr>
+              <a:lstStyle/>
+              <a:p>
+                <a:r>
+                  <a:rPr kumimoji="1" lang="en-US" altLang="zh-TW" sz="1000" dirty="0" err="1">
+                    <a:solidFill>
+                      <a:srgbClr val="2F528F"/>
+                    </a:solidFill>
+                    <a:latin typeface="Minion Pro" panose="02040503050306020203" pitchFamily="18" charset="0"/>
+                  </a:rPr>
+                  <a:t>Θ</a:t>
+                </a:r>
+                <a:endParaRPr kumimoji="1" lang="zh-TW" altLang="en-US" sz="1100" dirty="0">
+                  <a:solidFill>
+                    <a:srgbClr val="2F528F"/>
+                  </a:solidFill>
+                  <a:latin typeface="Minion Pro" panose="02040503050306020203" pitchFamily="18" charset="0"/>
+                </a:endParaRPr>
+              </a:p>
+            </p:txBody>
+          </p:sp>
+          <p:sp>
+            <p:nvSpPr>
+              <p:cNvPr id="11" name="文字方塊 10">
+                <a:extLst>
+                  <a:ext uri="{FF2B5EF4-FFF2-40B4-BE49-F238E27FC236}">
+                    <a16:creationId xmlns:a16="http://schemas.microsoft.com/office/drawing/2014/main" id="{F101471F-8668-438F-9C66-7683BECBDEF4}"/>
+                  </a:ext>
+                </a:extLst>
+              </p:cNvPr>
+              <p:cNvSpPr txBox="1"/>
+              <p:nvPr/>
+            </p:nvSpPr>
+            <p:spPr>
+              <a:xfrm>
+                <a:off x="7982586" y="735030"/>
+                <a:ext cx="276038" cy="246221"/>
+              </a:xfrm>
+              <a:prstGeom prst="rect">
+                <a:avLst/>
+              </a:prstGeom>
+              <a:noFill/>
+            </p:spPr>
+            <p:txBody>
+              <a:bodyPr wrap="none" rtlCol="0">
+                <a:spAutoFit/>
+              </a:bodyPr>
+              <a:lstStyle/>
+              <a:p>
+                <a:r>
+                  <a:rPr kumimoji="1" lang="en-US" altLang="zh-TW" sz="1000" i="1" dirty="0">
+                    <a:solidFill>
+                      <a:srgbClr val="B21D09"/>
+                    </a:solidFill>
+                    <a:latin typeface="Minion Pro" panose="02040503050306020203" pitchFamily="18" charset="0"/>
+                  </a:rPr>
+                  <a:t>D</a:t>
+                </a:r>
+                <a:endParaRPr kumimoji="1" lang="zh-TW" altLang="en-US" sz="1100" i="1" dirty="0">
+                  <a:solidFill>
+                    <a:srgbClr val="B21D09"/>
+                  </a:solidFill>
+                  <a:latin typeface="Minion Pro" panose="02040503050306020203" pitchFamily="18" charset="0"/>
+                </a:endParaRPr>
+              </a:p>
+            </p:txBody>
+          </p:sp>
+        </p:grpSp>
+        <p:sp>
+          <p:nvSpPr>
+            <p:cNvPr id="20" name="手繪多邊形 19">
+              <a:extLst>
+                <a:ext uri="{FF2B5EF4-FFF2-40B4-BE49-F238E27FC236}">
+                  <a16:creationId xmlns:a16="http://schemas.microsoft.com/office/drawing/2014/main" id="{9C20BCEB-CEC0-9EAD-975E-7E5BA56ED825}"/>
+                </a:ext>
+              </a:extLst>
+            </p:cNvPr>
+            <p:cNvSpPr/>
+            <p:nvPr/>
+          </p:nvSpPr>
+          <p:spPr>
+            <a:xfrm>
+              <a:off x="3691719" y="929609"/>
+              <a:ext cx="2436126" cy="592116"/>
+            </a:xfrm>
+            <a:custGeom>
+              <a:avLst/>
+              <a:gdLst>
+                <a:gd name="connsiteX0" fmla="*/ 0 w 2436126"/>
+                <a:gd name="connsiteY0" fmla="*/ 592116 h 592116"/>
+                <a:gd name="connsiteX1" fmla="*/ 716508 w 2436126"/>
+                <a:gd name="connsiteY1" fmla="*/ 5263 h 592116"/>
+                <a:gd name="connsiteX2" fmla="*/ 2436126 w 2436126"/>
+                <a:gd name="connsiteY2" fmla="*/ 298690 h 592116"/>
+              </a:gdLst>
+              <a:ahLst/>
+              <a:cxnLst>
+                <a:cxn ang="0">
+                  <a:pos x="connsiteX0" y="connsiteY0"/>
+                </a:cxn>
+                <a:cxn ang="0">
+                  <a:pos x="connsiteX1" y="connsiteY1"/>
+                </a:cxn>
+                <a:cxn ang="0">
+                  <a:pos x="connsiteX2" y="connsiteY2"/>
+                </a:cxn>
+              </a:cxnLst>
+              <a:rect l="l" t="t" r="r" b="b"/>
+              <a:pathLst>
+                <a:path w="2436126" h="592116">
+                  <a:moveTo>
+                    <a:pt x="0" y="592116"/>
+                  </a:moveTo>
+                  <a:cubicBezTo>
+                    <a:pt x="155243" y="323141"/>
+                    <a:pt x="310487" y="54167"/>
+                    <a:pt x="716508" y="5263"/>
+                  </a:cubicBezTo>
+                  <a:cubicBezTo>
+                    <a:pt x="1122529" y="-43641"/>
+                    <a:pt x="2171132" y="263433"/>
+                    <a:pt x="2436126" y="298690"/>
+                  </a:cubicBezTo>
+                </a:path>
+              </a:pathLst>
+            </a:custGeom>
+            <a:noFill/>
+            <a:ln w="15875">
+              <a:tailEnd type="stealth" w="lg" len="lg"/>
+            </a:ln>
+          </p:spPr>
+          <p:style>
+            <a:lnRef idx="2">
+              <a:schemeClr val="accent1">
+                <a:shade val="50000"/>
+              </a:schemeClr>
+            </a:lnRef>
+            <a:fillRef idx="1">
+              <a:schemeClr val="accent1"/>
+            </a:fillRef>
+            <a:effectRef idx="0">
+              <a:schemeClr val="accent1"/>
+            </a:effectRef>
+            <a:fontRef idx="minor">
+              <a:schemeClr val="lt1"/>
+            </a:fontRef>
+          </p:style>
+          <p:txBody>
+            <a:bodyPr rtlCol="0" anchor="ctr"/>
+            <a:lstStyle/>
+            <a:p>
+              <a:pPr algn="ctr"/>
+              <a:endParaRPr kumimoji="1" lang="zh-TW" altLang="en-US"/>
+            </a:p>
+          </p:txBody>
+        </p:sp>
+        <p:sp>
+          <p:nvSpPr>
+            <p:cNvPr id="33" name="弧線 32">
+              <a:extLst>
+                <a:ext uri="{FF2B5EF4-FFF2-40B4-BE49-F238E27FC236}">
+                  <a16:creationId xmlns:a16="http://schemas.microsoft.com/office/drawing/2014/main" id="{3A188C7E-7E5A-F582-A9DC-7AB04FA9A8BA}"/>
+                </a:ext>
+              </a:extLst>
+            </p:cNvPr>
+            <p:cNvSpPr/>
+            <p:nvPr/>
+          </p:nvSpPr>
+          <p:spPr>
+            <a:xfrm rot="6489320">
+              <a:off x="8526318" y="2797617"/>
+              <a:ext cx="235231" cy="244975"/>
+            </a:xfrm>
+            <a:prstGeom prst="arc">
+              <a:avLst/>
+            </a:prstGeom>
+            <a:ln w="12700">
+              <a:solidFill>
+                <a:schemeClr val="tx1">
+                  <a:lumMod val="85000"/>
+                  <a:lumOff val="15000"/>
+                </a:schemeClr>
+              </a:solidFill>
+            </a:ln>
+          </p:spPr>
+          <p:style>
+            <a:lnRef idx="1">
+              <a:schemeClr val="accent1"/>
+            </a:lnRef>
+            <a:fillRef idx="0">
+              <a:schemeClr val="accent1"/>
+            </a:fillRef>
+            <a:effectRef idx="0">
+              <a:schemeClr val="accent1"/>
+            </a:effectRef>
+            <a:fontRef idx="minor">
+              <a:schemeClr val="tx1"/>
+            </a:fontRef>
+          </p:style>
+          <p:txBody>
+            <a:bodyPr rtlCol="0" anchor="ctr"/>
+            <a:lstStyle/>
+            <a:p>
+              <a:pPr algn="ctr"/>
+              <a:endParaRPr kumimoji="1" lang="zh-TW" altLang="en-US"/>
+            </a:p>
+          </p:txBody>
+        </p:sp>
+        <p:sp>
+          <p:nvSpPr>
+            <p:cNvPr id="6" name="文字方塊 5">
+              <a:extLst>
+                <a:ext uri="{FF2B5EF4-FFF2-40B4-BE49-F238E27FC236}">
+                  <a16:creationId xmlns:a16="http://schemas.microsoft.com/office/drawing/2014/main" id="{E606755A-A3EA-ED3E-B9FC-4B4EEE9DF3FC}"/>
+                </a:ext>
+              </a:extLst>
+            </p:cNvPr>
+            <p:cNvSpPr txBox="1"/>
+            <p:nvPr/>
+          </p:nvSpPr>
+          <p:spPr>
+            <a:xfrm>
+              <a:off x="2858512" y="1462625"/>
+              <a:ext cx="316112" cy="307777"/>
+            </a:xfrm>
+            <a:prstGeom prst="rect">
+              <a:avLst/>
+            </a:prstGeom>
+            <a:noFill/>
+          </p:spPr>
+          <p:txBody>
+            <a:bodyPr wrap="none" rtlCol="0">
+              <a:spAutoFit/>
+            </a:bodyPr>
+            <a:lstStyle/>
+            <a:p>
+              <a:r>
+                <a:rPr kumimoji="1" lang="en-US" altLang="zh-TW" sz="1400" dirty="0">
+                  <a:solidFill>
+                    <a:srgbClr val="B21D09"/>
+                  </a:solidFill>
+                  <a:latin typeface="Myriad Pro" panose="020B0503030403020204" pitchFamily="34" charset="0"/>
+                </a:rPr>
+                <a:t>B′</a:t>
+              </a:r>
+              <a:endParaRPr kumimoji="1" lang="zh-TW" altLang="en-US" sz="1400" dirty="0">
+                <a:solidFill>
+                  <a:srgbClr val="B21D09"/>
+                </a:solidFill>
+                <a:latin typeface="Myriad Pro" panose="020B0503030403020204" pitchFamily="34" charset="0"/>
+              </a:endParaRPr>
+            </a:p>
+          </p:txBody>
+        </p:sp>
+        <p:sp>
+          <p:nvSpPr>
+            <p:cNvPr id="9" name="文字方塊 8">
+              <a:extLst>
+                <a:ext uri="{FF2B5EF4-FFF2-40B4-BE49-F238E27FC236}">
+                  <a16:creationId xmlns:a16="http://schemas.microsoft.com/office/drawing/2014/main" id="{A2B003F5-4AA6-F93A-190A-4ECF2608E48B}"/>
+                </a:ext>
+              </a:extLst>
+            </p:cNvPr>
+            <p:cNvSpPr txBox="1"/>
+            <p:nvPr/>
+          </p:nvSpPr>
+          <p:spPr>
+            <a:xfrm>
+              <a:off x="6457040" y="690766"/>
+              <a:ext cx="253596" cy="246221"/>
+            </a:xfrm>
+            <a:prstGeom prst="rect">
+              <a:avLst/>
+            </a:prstGeom>
+            <a:noFill/>
+          </p:spPr>
+          <p:txBody>
+            <a:bodyPr wrap="none" rtlCol="0">
+              <a:spAutoFit/>
+            </a:bodyPr>
+            <a:lstStyle/>
+            <a:p>
+              <a:r>
+                <a:rPr kumimoji="1" lang="en-US" altLang="zh-TW" sz="1000" dirty="0">
+                  <a:solidFill>
+                    <a:srgbClr val="2F528F"/>
+                  </a:solidFill>
+                  <a:latin typeface="Myriad Pro" panose="020B0503030403020204" pitchFamily="34" charset="0"/>
+                </a:rPr>
+                <a:t>B</a:t>
+              </a:r>
+              <a:endParaRPr kumimoji="1" lang="zh-TW" altLang="en-US" sz="1050" dirty="0">
+                <a:solidFill>
+                  <a:srgbClr val="2F528F"/>
+                </a:solidFill>
+                <a:latin typeface="Myriad Pro" panose="020B0503030403020204" pitchFamily="34" charset="0"/>
+              </a:endParaRPr>
+            </a:p>
+          </p:txBody>
+        </p:sp>
+        <p:sp>
+          <p:nvSpPr>
+            <p:cNvPr id="15" name="文字方塊 14">
+              <a:extLst>
+                <a:ext uri="{FF2B5EF4-FFF2-40B4-BE49-F238E27FC236}">
+                  <a16:creationId xmlns:a16="http://schemas.microsoft.com/office/drawing/2014/main" id="{B327465B-3F3F-9E34-C97B-969EC4F627E4}"/>
+                </a:ext>
+              </a:extLst>
+            </p:cNvPr>
+            <p:cNvSpPr txBox="1"/>
+            <p:nvPr/>
+          </p:nvSpPr>
+          <p:spPr>
+            <a:xfrm>
+              <a:off x="8259209" y="652776"/>
+              <a:ext cx="277640" cy="246221"/>
+            </a:xfrm>
+            <a:prstGeom prst="rect">
+              <a:avLst/>
+            </a:prstGeom>
+            <a:noFill/>
+          </p:spPr>
+          <p:txBody>
+            <a:bodyPr wrap="none" rtlCol="0">
+              <a:spAutoFit/>
+            </a:bodyPr>
+            <a:lstStyle/>
+            <a:p>
+              <a:r>
+                <a:rPr kumimoji="1" lang="en-US" altLang="zh-TW" sz="1000" dirty="0">
+                  <a:solidFill>
+                    <a:srgbClr val="B21D09"/>
+                  </a:solidFill>
+                  <a:latin typeface="Myriad Pro" panose="020B0503030403020204" pitchFamily="34" charset="0"/>
+                </a:rPr>
+                <a:t>B′</a:t>
+              </a:r>
+              <a:endParaRPr kumimoji="1" lang="zh-TW" altLang="en-US" sz="1000" dirty="0">
+                <a:solidFill>
+                  <a:srgbClr val="B21D09"/>
+                </a:solidFill>
+                <a:latin typeface="Myriad Pro" panose="020B0503030403020204" pitchFamily="34" charset="0"/>
+              </a:endParaRPr>
+            </a:p>
+          </p:txBody>
+        </p:sp>
+        <p:sp>
+          <p:nvSpPr>
+            <p:cNvPr id="19" name="文字方塊 18">
+              <a:extLst>
+                <a:ext uri="{FF2B5EF4-FFF2-40B4-BE49-F238E27FC236}">
+                  <a16:creationId xmlns:a16="http://schemas.microsoft.com/office/drawing/2014/main" id="{B2EE986E-19D4-C73D-91B3-54129FEB1749}"/>
+                </a:ext>
+              </a:extLst>
+            </p:cNvPr>
+            <p:cNvSpPr txBox="1"/>
+            <p:nvPr/>
+          </p:nvSpPr>
+          <p:spPr>
+            <a:xfrm>
+              <a:off x="5962056" y="1459948"/>
+              <a:ext cx="253596" cy="246221"/>
+            </a:xfrm>
+            <a:prstGeom prst="rect">
+              <a:avLst/>
+            </a:prstGeom>
+            <a:noFill/>
+          </p:spPr>
+          <p:txBody>
+            <a:bodyPr wrap="none" rtlCol="0">
+              <a:spAutoFit/>
+            </a:bodyPr>
+            <a:lstStyle/>
+            <a:p>
+              <a:r>
+                <a:rPr kumimoji="1" lang="en-US" altLang="zh-TW" sz="1000" dirty="0">
+                  <a:solidFill>
+                    <a:schemeClr val="tx1">
+                      <a:lumMod val="85000"/>
+                      <a:lumOff val="15000"/>
+                    </a:schemeClr>
+                  </a:solidFill>
+                  <a:latin typeface="Myriad Pro" panose="020B0503030403020204" pitchFamily="34" charset="0"/>
+                </a:rPr>
+                <a:t>S</a:t>
+              </a:r>
+              <a:endParaRPr kumimoji="1" lang="zh-TW" altLang="en-US" sz="1050" dirty="0">
+                <a:solidFill>
+                  <a:schemeClr val="tx1">
+                    <a:lumMod val="85000"/>
+                    <a:lumOff val="15000"/>
+                  </a:schemeClr>
+                </a:solidFill>
+                <a:latin typeface="Myriad Pro" panose="020B0503030403020204" pitchFamily="34" charset="0"/>
+              </a:endParaRPr>
+            </a:p>
+          </p:txBody>
+        </p:sp>
+        <p:sp>
+          <p:nvSpPr>
+            <p:cNvPr id="35" name="文字方塊 34">
+              <a:extLst>
+                <a:ext uri="{FF2B5EF4-FFF2-40B4-BE49-F238E27FC236}">
+                  <a16:creationId xmlns:a16="http://schemas.microsoft.com/office/drawing/2014/main" id="{254A02C4-510A-4F81-63FF-D12300B7FB26}"/>
+                </a:ext>
+              </a:extLst>
+            </p:cNvPr>
+            <p:cNvSpPr txBox="1"/>
+            <p:nvPr/>
+          </p:nvSpPr>
+          <p:spPr>
+            <a:xfrm>
+              <a:off x="7414915" y="1455833"/>
+              <a:ext cx="253596" cy="246221"/>
+            </a:xfrm>
+            <a:prstGeom prst="rect">
+              <a:avLst/>
+            </a:prstGeom>
+            <a:noFill/>
+          </p:spPr>
+          <p:txBody>
+            <a:bodyPr wrap="none" rtlCol="0">
+              <a:spAutoFit/>
+            </a:bodyPr>
+            <a:lstStyle/>
+            <a:p>
+              <a:r>
+                <a:rPr kumimoji="1" lang="en-US" altLang="zh-TW" sz="1000" dirty="0">
+                  <a:solidFill>
+                    <a:schemeClr val="tx1">
+                      <a:lumMod val="85000"/>
+                      <a:lumOff val="15000"/>
+                    </a:schemeClr>
+                  </a:solidFill>
+                  <a:latin typeface="Myriad Pro" panose="020B0503030403020204" pitchFamily="34" charset="0"/>
+                </a:rPr>
+                <a:t>E</a:t>
+              </a:r>
+              <a:endParaRPr kumimoji="1" lang="zh-TW" altLang="en-US" sz="1050" dirty="0">
+                <a:solidFill>
+                  <a:schemeClr val="tx1">
+                    <a:lumMod val="85000"/>
+                    <a:lumOff val="15000"/>
+                  </a:schemeClr>
+                </a:solidFill>
+                <a:latin typeface="Myriad Pro" panose="020B0503030403020204" pitchFamily="34" charset="0"/>
+              </a:endParaRPr>
+            </a:p>
+          </p:txBody>
+        </p:sp>
+        <p:sp>
+          <p:nvSpPr>
+            <p:cNvPr id="40" name="手繪多邊形 39">
+              <a:extLst>
+                <a:ext uri="{FF2B5EF4-FFF2-40B4-BE49-F238E27FC236}">
+                  <a16:creationId xmlns:a16="http://schemas.microsoft.com/office/drawing/2014/main" id="{14F8E817-19C4-FCBA-CAA6-2D4B71C38D1B}"/>
+                </a:ext>
+              </a:extLst>
+            </p:cNvPr>
+            <p:cNvSpPr/>
+            <p:nvPr/>
+          </p:nvSpPr>
+          <p:spPr>
+            <a:xfrm>
+              <a:off x="4067299" y="1626919"/>
+              <a:ext cx="4013859" cy="774471"/>
+            </a:xfrm>
+            <a:custGeom>
+              <a:avLst/>
+              <a:gdLst>
+                <a:gd name="connsiteX0" fmla="*/ 0 w 4013859"/>
+                <a:gd name="connsiteY0" fmla="*/ 682832 h 774471"/>
+                <a:gd name="connsiteX1" fmla="*/ 1484415 w 4013859"/>
+                <a:gd name="connsiteY1" fmla="*/ 771897 h 774471"/>
+                <a:gd name="connsiteX2" fmla="*/ 2861953 w 4013859"/>
+                <a:gd name="connsiteY2" fmla="*/ 593767 h 774471"/>
+                <a:gd name="connsiteX3" fmla="*/ 4013859 w 4013859"/>
+                <a:gd name="connsiteY3" fmla="*/ 0 h 774471"/>
+              </a:gdLst>
+              <a:ahLst/>
+              <a:cxnLst>
+                <a:cxn ang="0">
+                  <a:pos x="connsiteX0" y="connsiteY0"/>
+                </a:cxn>
+                <a:cxn ang="0">
+                  <a:pos x="connsiteX1" y="connsiteY1"/>
+                </a:cxn>
+                <a:cxn ang="0">
+                  <a:pos x="connsiteX2" y="connsiteY2"/>
+                </a:cxn>
+                <a:cxn ang="0">
+                  <a:pos x="connsiteX3" y="connsiteY3"/>
+                </a:cxn>
+              </a:cxnLst>
+              <a:rect l="l" t="t" r="r" b="b"/>
+              <a:pathLst>
+                <a:path w="4013859" h="774471">
+                  <a:moveTo>
+                    <a:pt x="0" y="682832"/>
+                  </a:moveTo>
+                  <a:cubicBezTo>
+                    <a:pt x="503711" y="734786"/>
+                    <a:pt x="1007423" y="786741"/>
+                    <a:pt x="1484415" y="771897"/>
+                  </a:cubicBezTo>
+                  <a:cubicBezTo>
+                    <a:pt x="1961407" y="757053"/>
+                    <a:pt x="2440379" y="722417"/>
+                    <a:pt x="2861953" y="593767"/>
+                  </a:cubicBezTo>
+                  <a:cubicBezTo>
+                    <a:pt x="3283527" y="465117"/>
+                    <a:pt x="3648693" y="232558"/>
+                    <a:pt x="4013859" y="0"/>
+                  </a:cubicBezTo>
+                </a:path>
+              </a:pathLst>
+            </a:custGeom>
+            <a:noFill/>
+            <a:ln w="15875">
+              <a:solidFill>
+                <a:srgbClr val="B21D09"/>
+              </a:solidFill>
+              <a:tailEnd type="stealth" w="lg" len="lg"/>
+            </a:ln>
+          </p:spPr>
+          <p:style>
+            <a:lnRef idx="2">
+              <a:schemeClr val="accent1">
+                <a:shade val="50000"/>
+              </a:schemeClr>
+            </a:lnRef>
+            <a:fillRef idx="1">
+              <a:schemeClr val="accent1"/>
+            </a:fillRef>
+            <a:effectRef idx="0">
+              <a:schemeClr val="accent1"/>
+            </a:effectRef>
+            <a:fontRef idx="minor">
+              <a:schemeClr val="lt1"/>
+            </a:fontRef>
+          </p:style>
+          <p:txBody>
+            <a:bodyPr rtlCol="0" anchor="ctr"/>
+            <a:lstStyle/>
+            <a:p>
+              <a:pPr algn="ctr"/>
+              <a:endParaRPr kumimoji="1" lang="zh-TW" altLang="en-US" dirty="0"/>
+            </a:p>
+          </p:txBody>
+        </p:sp>
+        <p:cxnSp>
+          <p:nvCxnSpPr>
+            <p:cNvPr id="43" name="直線箭頭接點 42">
+              <a:extLst>
+                <a:ext uri="{FF2B5EF4-FFF2-40B4-BE49-F238E27FC236}">
+                  <a16:creationId xmlns:a16="http://schemas.microsoft.com/office/drawing/2014/main" id="{5EADA259-23B6-BE05-17D0-9C876AA6E90D}"/>
+                </a:ext>
+              </a:extLst>
+            </p:cNvPr>
+            <p:cNvCxnSpPr>
+              <a:cxnSpLocks/>
+            </p:cNvCxnSpPr>
+            <p:nvPr/>
+          </p:nvCxnSpPr>
+          <p:spPr>
+            <a:xfrm flipH="1">
+              <a:off x="7127986" y="3197989"/>
+              <a:ext cx="152494" cy="263256"/>
+            </a:xfrm>
+            <a:prstGeom prst="straightConnector1">
+              <a:avLst/>
+            </a:prstGeom>
+            <a:ln w="15875">
+              <a:solidFill>
+                <a:srgbClr val="B21D09"/>
+              </a:solidFill>
+              <a:prstDash val="sysDash"/>
+              <a:headEnd w="lg" len="lg"/>
+              <a:tailEnd type="none" w="lg" len="lg"/>
+            </a:ln>
+          </p:spPr>
+          <p:style>
+            <a:lnRef idx="1">
+              <a:schemeClr val="dk1"/>
+            </a:lnRef>
+            <a:fillRef idx="0">
+              <a:schemeClr val="dk1"/>
+            </a:fillRef>
+            <a:effectRef idx="0">
+              <a:schemeClr val="dk1"/>
+            </a:effectRef>
+            <a:fontRef idx="minor">
+              <a:schemeClr val="tx1"/>
+            </a:fontRef>
+          </p:style>
+        </p:cxnSp>
+        <p:cxnSp>
+          <p:nvCxnSpPr>
+            <p:cNvPr id="48" name="直線接點 47">
+              <a:extLst>
+                <a:ext uri="{FF2B5EF4-FFF2-40B4-BE49-F238E27FC236}">
+                  <a16:creationId xmlns:a16="http://schemas.microsoft.com/office/drawing/2014/main" id="{A8403ABF-A5CA-406B-F996-D61282AA5F7A}"/>
+                </a:ext>
+              </a:extLst>
+            </p:cNvPr>
+            <p:cNvCxnSpPr>
+              <a:cxnSpLocks/>
+            </p:cNvCxnSpPr>
+            <p:nvPr/>
+          </p:nvCxnSpPr>
+          <p:spPr>
+            <a:xfrm>
+              <a:off x="7125256" y="2556497"/>
+              <a:ext cx="161574" cy="644370"/>
+            </a:xfrm>
+            <a:prstGeom prst="line">
+              <a:avLst/>
+            </a:prstGeom>
+            <a:ln w="12700">
+              <a:solidFill>
+                <a:srgbClr val="C00000"/>
+              </a:solidFill>
+            </a:ln>
+          </p:spPr>
+          <p:style>
+            <a:lnRef idx="1">
+              <a:schemeClr val="accent1"/>
+            </a:lnRef>
+            <a:fillRef idx="0">
+              <a:schemeClr val="accent1"/>
+            </a:fillRef>
+            <a:effectRef idx="0">
+              <a:schemeClr val="accent1"/>
+            </a:effectRef>
+            <a:fontRef idx="minor">
+              <a:schemeClr val="tx1"/>
+            </a:fontRef>
+          </p:style>
+        </p:cxnSp>
+        <p:sp>
+          <p:nvSpPr>
+            <p:cNvPr id="50" name="文字方塊 49">
+              <a:extLst>
+                <a:ext uri="{FF2B5EF4-FFF2-40B4-BE49-F238E27FC236}">
+                  <a16:creationId xmlns:a16="http://schemas.microsoft.com/office/drawing/2014/main" id="{4336AB86-2BBB-7D0B-78FC-A4BC5F9CAC16}"/>
+                </a:ext>
+              </a:extLst>
+            </p:cNvPr>
+            <p:cNvSpPr txBox="1"/>
+            <p:nvPr/>
+          </p:nvSpPr>
+          <p:spPr>
+            <a:xfrm>
+              <a:off x="7199693" y="3237869"/>
+              <a:ext cx="505267" cy="261610"/>
+            </a:xfrm>
+            <a:prstGeom prst="rect">
+              <a:avLst/>
+            </a:prstGeom>
+            <a:noFill/>
+          </p:spPr>
+          <p:txBody>
+            <a:bodyPr wrap="none" rtlCol="0">
+              <a:spAutoFit/>
+            </a:bodyPr>
+            <a:lstStyle/>
+            <a:p>
+              <a:r>
+                <a:rPr kumimoji="1" lang="en-US" altLang="zh-TW" sz="1100" i="1" dirty="0" err="1">
+                  <a:solidFill>
+                    <a:srgbClr val="C00000"/>
+                  </a:solidFill>
+                  <a:latin typeface="Minion Pro" panose="02040503050306020203" pitchFamily="18" charset="0"/>
+                </a:rPr>
+                <a:t>h</a:t>
+              </a:r>
+              <a:r>
+                <a:rPr kumimoji="1" lang="en-US" altLang="zh-TW" sz="1100" dirty="0" err="1">
+                  <a:solidFill>
+                    <a:srgbClr val="C00000"/>
+                  </a:solidFill>
+                  <a:latin typeface="Minion Pro" panose="02040503050306020203" pitchFamily="18" charset="0"/>
+                </a:rPr>
+                <a:t>sin</a:t>
+              </a:r>
+              <a:r>
+                <a:rPr kumimoji="1" lang="en-US" altLang="zh-TW" sz="1100" i="1" dirty="0" err="1">
+                  <a:solidFill>
+                    <a:srgbClr val="C00000"/>
+                  </a:solidFill>
+                  <a:latin typeface="Minion Pro" panose="02040503050306020203" pitchFamily="18" charset="0"/>
+                </a:rPr>
+                <a:t>ϕ</a:t>
+              </a:r>
+              <a:endParaRPr kumimoji="1" lang="zh-TW" altLang="en-US" sz="1400" i="1" dirty="0">
+                <a:solidFill>
+                  <a:srgbClr val="C00000"/>
+                </a:solidFill>
+                <a:latin typeface="Minion Pro" panose="02040503050306020203" pitchFamily="18" charset="0"/>
+              </a:endParaRPr>
+            </a:p>
+          </p:txBody>
+        </p:sp>
+        <p:cxnSp>
+          <p:nvCxnSpPr>
+            <p:cNvPr id="54" name="直線接點 53">
+              <a:extLst>
+                <a:ext uri="{FF2B5EF4-FFF2-40B4-BE49-F238E27FC236}">
+                  <a16:creationId xmlns:a16="http://schemas.microsoft.com/office/drawing/2014/main" id="{4D82036E-2E58-6512-E661-CBD069C0E957}"/>
+                </a:ext>
+              </a:extLst>
+            </p:cNvPr>
+            <p:cNvCxnSpPr>
+              <a:cxnSpLocks/>
+            </p:cNvCxnSpPr>
+            <p:nvPr/>
+          </p:nvCxnSpPr>
+          <p:spPr>
+            <a:xfrm>
+              <a:off x="7289518" y="2401390"/>
+              <a:ext cx="0" cy="790830"/>
+            </a:xfrm>
+            <a:prstGeom prst="line">
+              <a:avLst/>
+            </a:prstGeom>
+            <a:ln w="12700">
+              <a:solidFill>
+                <a:schemeClr val="accent1">
+                  <a:lumMod val="75000"/>
+                </a:schemeClr>
+              </a:solidFill>
+              <a:prstDash val="solid"/>
+            </a:ln>
+          </p:spPr>
+          <p:style>
+            <a:lnRef idx="1">
+              <a:schemeClr val="accent1"/>
+            </a:lnRef>
+            <a:fillRef idx="0">
+              <a:schemeClr val="accent1"/>
+            </a:fillRef>
+            <a:effectRef idx="0">
+              <a:schemeClr val="accent1"/>
+            </a:effectRef>
+            <a:fontRef idx="minor">
+              <a:schemeClr val="tx1"/>
+            </a:fontRef>
+          </p:style>
+        </p:cxnSp>
+        <p:sp>
+          <p:nvSpPr>
+            <p:cNvPr id="65" name="弧線 64">
+              <a:extLst>
+                <a:ext uri="{FF2B5EF4-FFF2-40B4-BE49-F238E27FC236}">
+                  <a16:creationId xmlns:a16="http://schemas.microsoft.com/office/drawing/2014/main" id="{AE18947C-C0F1-EF8C-EB1E-698D801AEDF2}"/>
+                </a:ext>
+              </a:extLst>
+            </p:cNvPr>
+            <p:cNvSpPr/>
+            <p:nvPr/>
+          </p:nvSpPr>
+          <p:spPr>
+            <a:xfrm>
+              <a:off x="7195733" y="2705091"/>
+              <a:ext cx="170609" cy="172284"/>
+            </a:xfrm>
+            <a:prstGeom prst="arc">
+              <a:avLst>
+                <a:gd name="adj1" fmla="val 11131666"/>
+                <a:gd name="adj2" fmla="val 16253523"/>
+              </a:avLst>
+            </a:prstGeom>
+            <a:ln w="9525">
+              <a:solidFill>
+                <a:schemeClr val="tx1"/>
+              </a:solidFill>
+              <a:headEnd type="stealth" w="sm" len="sm"/>
+            </a:ln>
+          </p:spPr>
+          <p:style>
+            <a:lnRef idx="1">
+              <a:schemeClr val="accent1"/>
+            </a:lnRef>
+            <a:fillRef idx="0">
+              <a:schemeClr val="accent1"/>
+            </a:fillRef>
+            <a:effectRef idx="0">
+              <a:schemeClr val="accent1"/>
+            </a:effectRef>
+            <a:fontRef idx="minor">
+              <a:schemeClr val="tx1"/>
+            </a:fontRef>
+          </p:style>
+          <p:txBody>
+            <a:bodyPr rtlCol="0" anchor="ctr"/>
+            <a:lstStyle/>
+            <a:p>
+              <a:pPr algn="ctr"/>
+              <a:endParaRPr kumimoji="1" lang="zh-TW" altLang="en-US"/>
+            </a:p>
+          </p:txBody>
+        </p:sp>
+        <p:sp>
+          <p:nvSpPr>
+            <p:cNvPr id="67" name="文字方塊 66">
+              <a:extLst>
+                <a:ext uri="{FF2B5EF4-FFF2-40B4-BE49-F238E27FC236}">
+                  <a16:creationId xmlns:a16="http://schemas.microsoft.com/office/drawing/2014/main" id="{31809A97-397C-32F1-151B-F95AA7D63B22}"/>
+                </a:ext>
+              </a:extLst>
+            </p:cNvPr>
+            <p:cNvSpPr txBox="1"/>
+            <p:nvPr/>
+          </p:nvSpPr>
+          <p:spPr>
+            <a:xfrm>
+              <a:off x="7078634" y="2392743"/>
+              <a:ext cx="263214" cy="261610"/>
+            </a:xfrm>
+            <a:prstGeom prst="rect">
+              <a:avLst/>
+            </a:prstGeom>
+            <a:noFill/>
+          </p:spPr>
+          <p:txBody>
+            <a:bodyPr wrap="none" rtlCol="0">
+              <a:spAutoFit/>
+            </a:bodyPr>
+            <a:lstStyle/>
+            <a:p>
+              <a:r>
+                <a:rPr kumimoji="1" lang="en-US" altLang="zh-TW" sz="1100" i="1" dirty="0" err="1">
+                  <a:solidFill>
+                    <a:schemeClr val="tx1">
+                      <a:lumMod val="85000"/>
+                      <a:lumOff val="15000"/>
+                    </a:schemeClr>
+                  </a:solidFill>
+                  <a:latin typeface="Minion Pro" panose="02040503050306020203" pitchFamily="18" charset="0"/>
+                </a:rPr>
+                <a:t>ϕ</a:t>
+              </a:r>
+              <a:endParaRPr kumimoji="1" lang="zh-TW" altLang="en-US" sz="1400" i="1" dirty="0">
+                <a:solidFill>
+                  <a:schemeClr val="tx1">
+                    <a:lumMod val="85000"/>
+                    <a:lumOff val="15000"/>
+                  </a:schemeClr>
+                </a:solidFill>
+                <a:latin typeface="Minion Pro" panose="02040503050306020203" pitchFamily="18" charset="0"/>
+              </a:endParaRPr>
+            </a:p>
+          </p:txBody>
+        </p:sp>
+        <p:sp>
+          <p:nvSpPr>
+            <p:cNvPr id="68" name="文字方塊 67">
+              <a:extLst>
+                <a:ext uri="{FF2B5EF4-FFF2-40B4-BE49-F238E27FC236}">
+                  <a16:creationId xmlns:a16="http://schemas.microsoft.com/office/drawing/2014/main" id="{B1374BFB-66EB-72AD-A62D-0995DE0E993F}"/>
+                </a:ext>
+              </a:extLst>
+            </p:cNvPr>
+            <p:cNvSpPr txBox="1"/>
+            <p:nvPr/>
+          </p:nvSpPr>
+          <p:spPr>
+            <a:xfrm>
+              <a:off x="2905819" y="1772350"/>
+              <a:ext cx="284052" cy="307777"/>
+            </a:xfrm>
+            <a:prstGeom prst="rect">
+              <a:avLst/>
+            </a:prstGeom>
+            <a:noFill/>
+          </p:spPr>
+          <p:txBody>
+            <a:bodyPr wrap="none" rtlCol="0">
+              <a:spAutoFit/>
+            </a:bodyPr>
+            <a:lstStyle/>
+            <a:p>
+              <a:r>
+                <a:rPr kumimoji="1" lang="en-US" altLang="zh-TW" sz="1400" i="1" dirty="0" err="1">
+                  <a:solidFill>
+                    <a:schemeClr val="tx1">
+                      <a:lumMod val="85000"/>
+                      <a:lumOff val="15000"/>
+                    </a:schemeClr>
+                  </a:solidFill>
+                  <a:latin typeface="Minion Pro" panose="02040503050306020203" pitchFamily="18" charset="0"/>
+                </a:rPr>
+                <a:t>ϕ</a:t>
+              </a:r>
+              <a:endParaRPr kumimoji="1" lang="zh-TW" altLang="en-US" i="1" dirty="0">
+                <a:solidFill>
+                  <a:schemeClr val="tx1">
+                    <a:lumMod val="85000"/>
+                    <a:lumOff val="15000"/>
+                  </a:schemeClr>
+                </a:solidFill>
+                <a:latin typeface="Minion Pro" panose="02040503050306020203" pitchFamily="18" charset="0"/>
+              </a:endParaRPr>
+            </a:p>
+          </p:txBody>
+        </p:sp>
+      </p:grpSp>
+    </p:spTree>
+    <p:extLst>
+      <p:ext uri="{BB962C8B-B14F-4D97-AF65-F5344CB8AC3E}">
+        <p14:creationId xmlns:p14="http://schemas.microsoft.com/office/powerpoint/2010/main" val="2699617120"/>
+      </p:ext>
+    </p:extLst>
+  </p:cSld>
+  <p:clrMapOvr>
+    <a:masterClrMapping/>
+  </p:clrMapOvr>
+</p:sld>
+</file>
+
+<file path=ppt/slides/slide4.xml><?xml version="1.0" encoding="utf-8"?>
+<p:sld xmlns:a="http://schemas.openxmlformats.org/drawingml/2006/main" xmlns:r="http://schemas.openxmlformats.org/officeDocument/2006/relationships" xmlns:p="http://schemas.openxmlformats.org/presentationml/2006/main">
+  <p:cSld>
+    <p:spTree>
+      <p:nvGrpSpPr>
+        <p:cNvPr id="1" name=""/>
+        <p:cNvGrpSpPr/>
+        <p:nvPr/>
+      </p:nvGrpSpPr>
+      <p:grpSpPr>
+        <a:xfrm>
+          <a:off x="0" y="0"/>
+          <a:ext cx="0" cy="0"/>
+          <a:chOff x="0" y="0"/>
+          <a:chExt cx="0" cy="0"/>
+        </a:xfrm>
+      </p:grpSpPr>
+      <p:grpSp>
+        <p:nvGrpSpPr>
           <p:cNvPr id="6" name="群組 5">
             <a:extLst>
               <a:ext uri="{FF2B5EF4-FFF2-40B4-BE49-F238E27FC236}">
@@ -15943,7 +21044,7 @@
 </p:sld>
 </file>
 
-<file path=ppt/slides/slide4.xml><?xml version="1.0" encoding="utf-8"?>
+<file path=ppt/slides/slide5.xml><?xml version="1.0" encoding="utf-8"?>
 <p:sld xmlns:a="http://schemas.openxmlformats.org/drawingml/2006/main" xmlns:r="http://schemas.openxmlformats.org/officeDocument/2006/relationships" xmlns:p="http://schemas.openxmlformats.org/presentationml/2006/main">
   <p:cSld>
     <p:spTree>

--- a/doc/scheme.pptx
+++ b/doc/scheme.pptx
@@ -9,7 +9,8 @@
     <p:sldId id="258" r:id="rId3"/>
     <p:sldId id="260" r:id="rId4"/>
     <p:sldId id="259" r:id="rId5"/>
-    <p:sldId id="257" r:id="rId6"/>
+    <p:sldId id="261" r:id="rId6"/>
+    <p:sldId id="257" r:id="rId7"/>
   </p:sldIdLst>
   <p:sldSz cx="12192000" cy="6858000"/>
   <p:notesSz cx="6858000" cy="9144000"/>
@@ -263,7 +264,7 @@
           <a:p>
             <a:fld id="{6BD79096-680F-844B-B1F1-7BBB7D6E1857}" type="datetimeFigureOut">
               <a:rPr kumimoji="1" lang="zh-TW" altLang="en-US" smtClean="0"/>
-              <a:t>2023/8/27</a:t>
+              <a:t>2023/9/25</a:t>
             </a:fld>
             <a:endParaRPr kumimoji="1" lang="zh-TW" altLang="en-US"/>
           </a:p>
@@ -461,7 +462,7 @@
           <a:p>
             <a:fld id="{6BD79096-680F-844B-B1F1-7BBB7D6E1857}" type="datetimeFigureOut">
               <a:rPr kumimoji="1" lang="zh-TW" altLang="en-US" smtClean="0"/>
-              <a:t>2023/8/27</a:t>
+              <a:t>2023/9/25</a:t>
             </a:fld>
             <a:endParaRPr kumimoji="1" lang="zh-TW" altLang="en-US"/>
           </a:p>
@@ -669,7 +670,7 @@
           <a:p>
             <a:fld id="{6BD79096-680F-844B-B1F1-7BBB7D6E1857}" type="datetimeFigureOut">
               <a:rPr kumimoji="1" lang="zh-TW" altLang="en-US" smtClean="0"/>
-              <a:t>2023/8/27</a:t>
+              <a:t>2023/9/25</a:t>
             </a:fld>
             <a:endParaRPr kumimoji="1" lang="zh-TW" altLang="en-US"/>
           </a:p>
@@ -867,7 +868,7 @@
           <a:p>
             <a:fld id="{6BD79096-680F-844B-B1F1-7BBB7D6E1857}" type="datetimeFigureOut">
               <a:rPr kumimoji="1" lang="zh-TW" altLang="en-US" smtClean="0"/>
-              <a:t>2023/8/27</a:t>
+              <a:t>2023/9/25</a:t>
             </a:fld>
             <a:endParaRPr kumimoji="1" lang="zh-TW" altLang="en-US"/>
           </a:p>
@@ -1142,7 +1143,7 @@
           <a:p>
             <a:fld id="{6BD79096-680F-844B-B1F1-7BBB7D6E1857}" type="datetimeFigureOut">
               <a:rPr kumimoji="1" lang="zh-TW" altLang="en-US" smtClean="0"/>
-              <a:t>2023/8/27</a:t>
+              <a:t>2023/9/25</a:t>
             </a:fld>
             <a:endParaRPr kumimoji="1" lang="zh-TW" altLang="en-US"/>
           </a:p>
@@ -1407,7 +1408,7 @@
           <a:p>
             <a:fld id="{6BD79096-680F-844B-B1F1-7BBB7D6E1857}" type="datetimeFigureOut">
               <a:rPr kumimoji="1" lang="zh-TW" altLang="en-US" smtClean="0"/>
-              <a:t>2023/8/27</a:t>
+              <a:t>2023/9/25</a:t>
             </a:fld>
             <a:endParaRPr kumimoji="1" lang="zh-TW" altLang="en-US"/>
           </a:p>
@@ -1819,7 +1820,7 @@
           <a:p>
             <a:fld id="{6BD79096-680F-844B-B1F1-7BBB7D6E1857}" type="datetimeFigureOut">
               <a:rPr kumimoji="1" lang="zh-TW" altLang="en-US" smtClean="0"/>
-              <a:t>2023/8/27</a:t>
+              <a:t>2023/9/25</a:t>
             </a:fld>
             <a:endParaRPr kumimoji="1" lang="zh-TW" altLang="en-US"/>
           </a:p>
@@ -1960,7 +1961,7 @@
           <a:p>
             <a:fld id="{6BD79096-680F-844B-B1F1-7BBB7D6E1857}" type="datetimeFigureOut">
               <a:rPr kumimoji="1" lang="zh-TW" altLang="en-US" smtClean="0"/>
-              <a:t>2023/8/27</a:t>
+              <a:t>2023/9/25</a:t>
             </a:fld>
             <a:endParaRPr kumimoji="1" lang="zh-TW" altLang="en-US"/>
           </a:p>
@@ -2073,7 +2074,7 @@
           <a:p>
             <a:fld id="{6BD79096-680F-844B-B1F1-7BBB7D6E1857}" type="datetimeFigureOut">
               <a:rPr kumimoji="1" lang="zh-TW" altLang="en-US" smtClean="0"/>
-              <a:t>2023/8/27</a:t>
+              <a:t>2023/9/25</a:t>
             </a:fld>
             <a:endParaRPr kumimoji="1" lang="zh-TW" altLang="en-US"/>
           </a:p>
@@ -2384,7 +2385,7 @@
           <a:p>
             <a:fld id="{6BD79096-680F-844B-B1F1-7BBB7D6E1857}" type="datetimeFigureOut">
               <a:rPr kumimoji="1" lang="zh-TW" altLang="en-US" smtClean="0"/>
-              <a:t>2023/8/27</a:t>
+              <a:t>2023/9/25</a:t>
             </a:fld>
             <a:endParaRPr kumimoji="1" lang="zh-TW" altLang="en-US"/>
           </a:p>
@@ -2672,7 +2673,7 @@
           <a:p>
             <a:fld id="{6BD79096-680F-844B-B1F1-7BBB7D6E1857}" type="datetimeFigureOut">
               <a:rPr kumimoji="1" lang="zh-TW" altLang="en-US" smtClean="0"/>
-              <a:t>2023/8/27</a:t>
+              <a:t>2023/9/25</a:t>
             </a:fld>
             <a:endParaRPr kumimoji="1" lang="zh-TW" altLang="en-US"/>
           </a:p>
@@ -2913,7 +2914,7 @@
           <a:p>
             <a:fld id="{6BD79096-680F-844B-B1F1-7BBB7D6E1857}" type="datetimeFigureOut">
               <a:rPr kumimoji="1" lang="zh-TW" altLang="en-US" smtClean="0"/>
-              <a:t>2023/8/27</a:t>
+              <a:t>2023/9/25</a:t>
             </a:fld>
             <a:endParaRPr kumimoji="1" lang="zh-TW" altLang="en-US"/>
           </a:p>
@@ -21061,6 +21062,891 @@
           <a:chExt cx="0" cy="0"/>
         </a:xfrm>
       </p:grpSpPr>
+      <p:sp>
+        <p:nvSpPr>
+          <p:cNvPr id="5" name="弧線 4">
+            <a:extLst>
+              <a:ext uri="{FF2B5EF4-FFF2-40B4-BE49-F238E27FC236}">
+                <a16:creationId xmlns:a16="http://schemas.microsoft.com/office/drawing/2014/main" id="{D094438F-E4F3-6A44-F954-4DCD5EE04343}"/>
+              </a:ext>
+            </a:extLst>
+          </p:cNvPr>
+          <p:cNvSpPr/>
+          <p:nvPr/>
+        </p:nvSpPr>
+        <p:spPr>
+          <a:xfrm rot="10800000">
+            <a:off x="2923517" y="1796870"/>
+            <a:ext cx="1309441" cy="596393"/>
+          </a:xfrm>
+          <a:prstGeom prst="arc">
+            <a:avLst>
+              <a:gd name="adj1" fmla="val 31968"/>
+              <a:gd name="adj2" fmla="val 10723580"/>
+            </a:avLst>
+          </a:prstGeom>
+          <a:ln w="12700">
+            <a:solidFill>
+              <a:schemeClr val="accent1">
+                <a:lumMod val="50000"/>
+              </a:schemeClr>
+            </a:solidFill>
+          </a:ln>
+        </p:spPr>
+        <p:style>
+          <a:lnRef idx="1">
+            <a:schemeClr val="accent1"/>
+          </a:lnRef>
+          <a:fillRef idx="0">
+            <a:schemeClr val="accent1"/>
+          </a:fillRef>
+          <a:effectRef idx="0">
+            <a:schemeClr val="accent1"/>
+          </a:effectRef>
+          <a:fontRef idx="minor">
+            <a:schemeClr val="tx1"/>
+          </a:fontRef>
+        </p:style>
+        <p:txBody>
+          <a:bodyPr rtlCol="0" anchor="ctr"/>
+          <a:lstStyle/>
+          <a:p>
+            <a:pPr algn="ctr"/>
+            <a:endParaRPr kumimoji="1" lang="zh-TW" altLang="en-US"/>
+          </a:p>
+        </p:txBody>
+      </p:sp>
+      <p:cxnSp>
+        <p:nvCxnSpPr>
+          <p:cNvPr id="38" name="直線接點 37">
+            <a:extLst>
+              <a:ext uri="{FF2B5EF4-FFF2-40B4-BE49-F238E27FC236}">
+                <a16:creationId xmlns:a16="http://schemas.microsoft.com/office/drawing/2014/main" id="{5E402915-2567-322D-2DCB-3029ABB291D4}"/>
+              </a:ext>
+            </a:extLst>
+          </p:cNvPr>
+          <p:cNvCxnSpPr>
+            <a:cxnSpLocks/>
+          </p:cNvCxnSpPr>
+          <p:nvPr/>
+        </p:nvCxnSpPr>
+        <p:spPr>
+          <a:xfrm>
+            <a:off x="3557029" y="2083241"/>
+            <a:ext cx="1076245" cy="0"/>
+          </a:xfrm>
+          <a:prstGeom prst="line">
+            <a:avLst/>
+          </a:prstGeom>
+          <a:ln w="12700">
+            <a:solidFill>
+              <a:schemeClr val="tx1">
+                <a:lumMod val="85000"/>
+                <a:lumOff val="15000"/>
+              </a:schemeClr>
+            </a:solidFill>
+          </a:ln>
+        </p:spPr>
+        <p:style>
+          <a:lnRef idx="1">
+            <a:schemeClr val="accent1"/>
+          </a:lnRef>
+          <a:fillRef idx="0">
+            <a:schemeClr val="accent1"/>
+          </a:fillRef>
+          <a:effectRef idx="0">
+            <a:schemeClr val="accent1"/>
+          </a:effectRef>
+          <a:fontRef idx="minor">
+            <a:schemeClr val="tx1"/>
+          </a:fontRef>
+        </p:style>
+      </p:cxnSp>
+      <p:cxnSp>
+        <p:nvCxnSpPr>
+          <p:cNvPr id="46" name="直線接點 45">
+            <a:extLst>
+              <a:ext uri="{FF2B5EF4-FFF2-40B4-BE49-F238E27FC236}">
+                <a16:creationId xmlns:a16="http://schemas.microsoft.com/office/drawing/2014/main" id="{9DBB1BB8-905C-61F4-0F8D-589952F9A705}"/>
+              </a:ext>
+            </a:extLst>
+          </p:cNvPr>
+          <p:cNvCxnSpPr>
+            <a:cxnSpLocks/>
+          </p:cNvCxnSpPr>
+          <p:nvPr/>
+        </p:nvCxnSpPr>
+        <p:spPr>
+          <a:xfrm flipV="1">
+            <a:off x="3557029" y="1662764"/>
+            <a:ext cx="415658" cy="415657"/>
+          </a:xfrm>
+          <a:prstGeom prst="line">
+            <a:avLst/>
+          </a:prstGeom>
+          <a:ln w="12700">
+            <a:solidFill>
+              <a:schemeClr val="tx1">
+                <a:lumMod val="85000"/>
+                <a:lumOff val="15000"/>
+              </a:schemeClr>
+            </a:solidFill>
+          </a:ln>
+        </p:spPr>
+        <p:style>
+          <a:lnRef idx="1">
+            <a:schemeClr val="accent1"/>
+          </a:lnRef>
+          <a:fillRef idx="0">
+            <a:schemeClr val="accent1"/>
+          </a:fillRef>
+          <a:effectRef idx="0">
+            <a:schemeClr val="accent1"/>
+          </a:effectRef>
+          <a:fontRef idx="minor">
+            <a:schemeClr val="tx1"/>
+          </a:fontRef>
+        </p:style>
+      </p:cxnSp>
+      <p:sp>
+        <p:nvSpPr>
+          <p:cNvPr id="2" name="橢圓 1">
+            <a:extLst>
+              <a:ext uri="{FF2B5EF4-FFF2-40B4-BE49-F238E27FC236}">
+                <a16:creationId xmlns:a16="http://schemas.microsoft.com/office/drawing/2014/main" id="{468FBD5B-95FE-AAE8-AADE-673FB60B2458}"/>
+              </a:ext>
+            </a:extLst>
+          </p:cNvPr>
+          <p:cNvSpPr/>
+          <p:nvPr/>
+        </p:nvSpPr>
+        <p:spPr>
+          <a:xfrm>
+            <a:off x="2922583" y="1414321"/>
+            <a:ext cx="1313153" cy="1313153"/>
+          </a:xfrm>
+          <a:prstGeom prst="ellipse">
+            <a:avLst/>
+          </a:prstGeom>
+          <a:solidFill>
+            <a:schemeClr val="accent5">
+              <a:lumMod val="60000"/>
+              <a:lumOff val="40000"/>
+              <a:alpha val="77000"/>
+            </a:schemeClr>
+          </a:solidFill>
+          <a:ln w="22225" cmpd="dbl">
+            <a:noFill/>
+          </a:ln>
+          <a:scene3d>
+            <a:camera prst="orthographicFront"/>
+            <a:lightRig rig="threePt" dir="t"/>
+          </a:scene3d>
+          <a:sp3d prstMaterial="matte">
+            <a:bevelT w="635000" h="635000"/>
+            <a:bevelB w="635000" h="635000"/>
+          </a:sp3d>
+        </p:spPr>
+        <p:style>
+          <a:lnRef idx="2">
+            <a:schemeClr val="accent1">
+              <a:shade val="50000"/>
+            </a:schemeClr>
+          </a:lnRef>
+          <a:fillRef idx="1">
+            <a:schemeClr val="accent1"/>
+          </a:fillRef>
+          <a:effectRef idx="0">
+            <a:schemeClr val="accent1"/>
+          </a:effectRef>
+          <a:fontRef idx="minor">
+            <a:schemeClr val="lt1"/>
+          </a:fontRef>
+        </p:style>
+        <p:txBody>
+          <a:bodyPr rtlCol="0" anchor="ctr"/>
+          <a:lstStyle/>
+          <a:p>
+            <a:pPr algn="ctr"/>
+            <a:endParaRPr kumimoji="1" lang="zh-TW" altLang="en-US" dirty="0"/>
+          </a:p>
+        </p:txBody>
+      </p:sp>
+      <p:cxnSp>
+        <p:nvCxnSpPr>
+          <p:cNvPr id="57" name="直線接點 56">
+            <a:extLst>
+              <a:ext uri="{FF2B5EF4-FFF2-40B4-BE49-F238E27FC236}">
+                <a16:creationId xmlns:a16="http://schemas.microsoft.com/office/drawing/2014/main" id="{F921B772-F159-396A-9408-A0733B5B7E36}"/>
+              </a:ext>
+            </a:extLst>
+          </p:cNvPr>
+          <p:cNvCxnSpPr>
+            <a:cxnSpLocks/>
+          </p:cNvCxnSpPr>
+          <p:nvPr/>
+        </p:nvCxnSpPr>
+        <p:spPr>
+          <a:xfrm>
+            <a:off x="3972687" y="1660354"/>
+            <a:ext cx="656819" cy="427708"/>
+          </a:xfrm>
+          <a:prstGeom prst="line">
+            <a:avLst/>
+          </a:prstGeom>
+          <a:ln w="12700">
+            <a:solidFill>
+              <a:schemeClr val="tx1">
+                <a:lumMod val="85000"/>
+                <a:lumOff val="15000"/>
+              </a:schemeClr>
+            </a:solidFill>
+          </a:ln>
+        </p:spPr>
+        <p:style>
+          <a:lnRef idx="1">
+            <a:schemeClr val="accent1"/>
+          </a:lnRef>
+          <a:fillRef idx="0">
+            <a:schemeClr val="accent1"/>
+          </a:fillRef>
+          <a:effectRef idx="0">
+            <a:schemeClr val="accent1"/>
+          </a:effectRef>
+          <a:fontRef idx="minor">
+            <a:schemeClr val="tx1"/>
+          </a:fontRef>
+        </p:style>
+      </p:cxnSp>
+      <p:sp>
+        <p:nvSpPr>
+          <p:cNvPr id="63" name="文字方塊 62">
+            <a:extLst>
+              <a:ext uri="{FF2B5EF4-FFF2-40B4-BE49-F238E27FC236}">
+                <a16:creationId xmlns:a16="http://schemas.microsoft.com/office/drawing/2014/main" id="{1A02CCF3-8A87-40E4-E366-F545289665A3}"/>
+              </a:ext>
+            </a:extLst>
+          </p:cNvPr>
+          <p:cNvSpPr txBox="1"/>
+          <p:nvPr/>
+        </p:nvSpPr>
+        <p:spPr>
+          <a:xfrm>
+            <a:off x="3340585" y="1958860"/>
+            <a:ext cx="253596" cy="261610"/>
+          </a:xfrm>
+          <a:prstGeom prst="rect">
+            <a:avLst/>
+          </a:prstGeom>
+          <a:noFill/>
+        </p:spPr>
+        <p:txBody>
+          <a:bodyPr wrap="none" rtlCol="0">
+            <a:spAutoFit/>
+          </a:bodyPr>
+          <a:lstStyle/>
+          <a:p>
+            <a:r>
+              <a:rPr kumimoji="1" lang="en-US" altLang="zh-TW" sz="1100" dirty="0">
+                <a:latin typeface="Myriad Pro" panose="020B0503030403020204" pitchFamily="34" charset="0"/>
+              </a:rPr>
+              <a:t>S</a:t>
+            </a:r>
+            <a:endParaRPr kumimoji="1" lang="zh-TW" altLang="en-US" sz="1100" dirty="0">
+              <a:latin typeface="Myriad Pro" panose="020B0503030403020204" pitchFamily="34" charset="0"/>
+            </a:endParaRPr>
+          </a:p>
+        </p:txBody>
+      </p:sp>
+      <p:sp>
+        <p:nvSpPr>
+          <p:cNvPr id="66" name="文字方塊 65">
+            <a:extLst>
+              <a:ext uri="{FF2B5EF4-FFF2-40B4-BE49-F238E27FC236}">
+                <a16:creationId xmlns:a16="http://schemas.microsoft.com/office/drawing/2014/main" id="{676B1411-95FB-3C86-D796-CABE8444B094}"/>
+              </a:ext>
+            </a:extLst>
+          </p:cNvPr>
+          <p:cNvSpPr txBox="1"/>
+          <p:nvPr/>
+        </p:nvSpPr>
+        <p:spPr>
+          <a:xfrm>
+            <a:off x="3837882" y="1403335"/>
+            <a:ext cx="261610" cy="261610"/>
+          </a:xfrm>
+          <a:prstGeom prst="rect">
+            <a:avLst/>
+          </a:prstGeom>
+          <a:noFill/>
+        </p:spPr>
+        <p:txBody>
+          <a:bodyPr wrap="none" rtlCol="0">
+            <a:spAutoFit/>
+          </a:bodyPr>
+          <a:lstStyle/>
+          <a:p>
+            <a:r>
+              <a:rPr kumimoji="1" lang="en-US" altLang="zh-TW" sz="1100" dirty="0">
+                <a:latin typeface="Myriad Pro" panose="020B0503030403020204" pitchFamily="34" charset="0"/>
+              </a:rPr>
+              <a:t>B</a:t>
+            </a:r>
+            <a:endParaRPr kumimoji="1" lang="zh-TW" altLang="en-US" sz="1100" dirty="0">
+              <a:latin typeface="Myriad Pro" panose="020B0503030403020204" pitchFamily="34" charset="0"/>
+            </a:endParaRPr>
+          </a:p>
+        </p:txBody>
+      </p:sp>
+      <p:sp>
+        <p:nvSpPr>
+          <p:cNvPr id="71" name="文字方塊 70">
+            <a:extLst>
+              <a:ext uri="{FF2B5EF4-FFF2-40B4-BE49-F238E27FC236}">
+                <a16:creationId xmlns:a16="http://schemas.microsoft.com/office/drawing/2014/main" id="{A05488BB-2D1E-AADD-24BD-5488142C9D71}"/>
+              </a:ext>
+            </a:extLst>
+          </p:cNvPr>
+          <p:cNvSpPr txBox="1"/>
+          <p:nvPr/>
+        </p:nvSpPr>
+        <p:spPr>
+          <a:xfrm>
+            <a:off x="4620979" y="1964261"/>
+            <a:ext cx="276038" cy="261610"/>
+          </a:xfrm>
+          <a:prstGeom prst="rect">
+            <a:avLst/>
+          </a:prstGeom>
+          <a:noFill/>
+        </p:spPr>
+        <p:txBody>
+          <a:bodyPr wrap="none" rtlCol="0">
+            <a:spAutoFit/>
+          </a:bodyPr>
+          <a:lstStyle/>
+          <a:p>
+            <a:r>
+              <a:rPr kumimoji="1" lang="en-US" altLang="zh-TW" sz="1100" dirty="0">
+                <a:latin typeface="Myriad Pro" panose="020B0503030403020204" pitchFamily="34" charset="0"/>
+              </a:rPr>
+              <a:t>G</a:t>
+            </a:r>
+            <a:endParaRPr kumimoji="1" lang="zh-TW" altLang="en-US" sz="1100" dirty="0">
+              <a:latin typeface="Myriad Pro" panose="020B0503030403020204" pitchFamily="34" charset="0"/>
+            </a:endParaRPr>
+          </a:p>
+        </p:txBody>
+      </p:sp>
+      <p:sp>
+        <p:nvSpPr>
+          <p:cNvPr id="157" name="文字方塊 156">
+            <a:extLst>
+              <a:ext uri="{FF2B5EF4-FFF2-40B4-BE49-F238E27FC236}">
+                <a16:creationId xmlns:a16="http://schemas.microsoft.com/office/drawing/2014/main" id="{6064DAD2-76EA-1D13-901E-2C7C331D297D}"/>
+              </a:ext>
+            </a:extLst>
+          </p:cNvPr>
+          <p:cNvSpPr txBox="1"/>
+          <p:nvPr/>
+        </p:nvSpPr>
+        <p:spPr>
+          <a:xfrm>
+            <a:off x="2618460" y="1201049"/>
+            <a:ext cx="841897" cy="261610"/>
+          </a:xfrm>
+          <a:prstGeom prst="rect">
+            <a:avLst/>
+          </a:prstGeom>
+          <a:noFill/>
+        </p:spPr>
+        <p:txBody>
+          <a:bodyPr wrap="none" rtlCol="0">
+            <a:spAutoFit/>
+          </a:bodyPr>
+          <a:lstStyle/>
+          <a:p>
+            <a:r>
+              <a:rPr kumimoji="1" lang="en-US" altLang="zh-TW" sz="1100" dirty="0" err="1">
+                <a:solidFill>
+                  <a:schemeClr val="tx1">
+                    <a:lumMod val="85000"/>
+                    <a:lumOff val="15000"/>
+                  </a:schemeClr>
+                </a:solidFill>
+                <a:latin typeface="Minion Pro" panose="02040503050306020203" pitchFamily="18" charset="0"/>
+              </a:rPr>
+              <a:t>SN</a:t>
+            </a:r>
+            <a:r>
+              <a:rPr kumimoji="1" lang="en-US" altLang="zh-TW" sz="1100" i="1" dirty="0" err="1">
+                <a:solidFill>
+                  <a:schemeClr val="tx1">
+                    <a:lumMod val="85000"/>
+                    <a:lumOff val="15000"/>
+                  </a:schemeClr>
+                </a:solidFill>
+                <a:latin typeface="Minion Pro" panose="02040503050306020203" pitchFamily="18" charset="0"/>
+              </a:rPr>
+              <a:t>ν</a:t>
+            </a:r>
+            <a:r>
+              <a:rPr kumimoji="1" lang="en-US" altLang="zh-TW" sz="1100" dirty="0">
+                <a:solidFill>
+                  <a:schemeClr val="tx1">
+                    <a:lumMod val="85000"/>
+                    <a:lumOff val="15000"/>
+                  </a:schemeClr>
+                </a:solidFill>
+                <a:latin typeface="Minion Pro" panose="02040503050306020203" pitchFamily="18" charset="0"/>
+              </a:rPr>
+              <a:t> sphere</a:t>
+            </a:r>
+            <a:endParaRPr kumimoji="1" lang="zh-TW" altLang="en-US" sz="1100" dirty="0">
+              <a:solidFill>
+                <a:schemeClr val="tx1">
+                  <a:lumMod val="85000"/>
+                  <a:lumOff val="15000"/>
+                </a:schemeClr>
+              </a:solidFill>
+              <a:latin typeface="Minion Pro" panose="02040503050306020203" pitchFamily="18" charset="0"/>
+            </a:endParaRPr>
+          </a:p>
+        </p:txBody>
+      </p:sp>
+      <p:sp>
+        <p:nvSpPr>
+          <p:cNvPr id="4" name="弧線 3">
+            <a:extLst>
+              <a:ext uri="{FF2B5EF4-FFF2-40B4-BE49-F238E27FC236}">
+                <a16:creationId xmlns:a16="http://schemas.microsoft.com/office/drawing/2014/main" id="{12297610-C9B6-36AD-18A8-CED232B255E5}"/>
+              </a:ext>
+            </a:extLst>
+          </p:cNvPr>
+          <p:cNvSpPr/>
+          <p:nvPr/>
+        </p:nvSpPr>
+        <p:spPr>
+          <a:xfrm>
+            <a:off x="2924494" y="1774383"/>
+            <a:ext cx="1309441" cy="596393"/>
+          </a:xfrm>
+          <a:prstGeom prst="arc">
+            <a:avLst>
+              <a:gd name="adj1" fmla="val 31968"/>
+              <a:gd name="adj2" fmla="val 10723580"/>
+            </a:avLst>
+          </a:prstGeom>
+          <a:ln w="12700">
+            <a:solidFill>
+              <a:schemeClr val="accent1">
+                <a:lumMod val="50000"/>
+              </a:schemeClr>
+            </a:solidFill>
+          </a:ln>
+        </p:spPr>
+        <p:style>
+          <a:lnRef idx="1">
+            <a:schemeClr val="accent1"/>
+          </a:lnRef>
+          <a:fillRef idx="0">
+            <a:schemeClr val="accent1"/>
+          </a:fillRef>
+          <a:effectRef idx="0">
+            <a:schemeClr val="accent1"/>
+          </a:effectRef>
+          <a:fontRef idx="minor">
+            <a:schemeClr val="tx1"/>
+          </a:fontRef>
+        </p:style>
+        <p:txBody>
+          <a:bodyPr rtlCol="0" anchor="ctr"/>
+          <a:lstStyle/>
+          <a:p>
+            <a:pPr algn="ctr"/>
+            <a:endParaRPr kumimoji="1" lang="zh-TW" altLang="en-US"/>
+          </a:p>
+        </p:txBody>
+      </p:sp>
+      <p:pic>
+        <p:nvPicPr>
+          <p:cNvPr id="11" name="圖片 10">
+            <a:extLst>
+              <a:ext uri="{FF2B5EF4-FFF2-40B4-BE49-F238E27FC236}">
+                <a16:creationId xmlns:a16="http://schemas.microsoft.com/office/drawing/2014/main" id="{36B72E16-EDC6-3D7E-2B16-2F0F889205CF}"/>
+              </a:ext>
+            </a:extLst>
+          </p:cNvPr>
+          <p:cNvPicPr>
+            <a:picLocks noChangeAspect="1"/>
+          </p:cNvPicPr>
+          <p:nvPr/>
+        </p:nvPicPr>
+        <p:blipFill>
+          <a:blip r:embed="rId2"/>
+          <a:stretch>
+            <a:fillRect/>
+          </a:stretch>
+        </p:blipFill>
+        <p:spPr>
+          <a:xfrm>
+            <a:off x="5431591" y="1738703"/>
+            <a:ext cx="76200" cy="114300"/>
+          </a:xfrm>
+          <a:prstGeom prst="rect">
+            <a:avLst/>
+          </a:prstGeom>
+        </p:spPr>
+      </p:pic>
+      <p:pic>
+        <p:nvPicPr>
+          <p:cNvPr id="12" name="圖片 11">
+            <a:extLst>
+              <a:ext uri="{FF2B5EF4-FFF2-40B4-BE49-F238E27FC236}">
+                <a16:creationId xmlns:a16="http://schemas.microsoft.com/office/drawing/2014/main" id="{24F2E87E-D9D9-1013-C82F-591B22BD8049}"/>
+              </a:ext>
+            </a:extLst>
+          </p:cNvPr>
+          <p:cNvPicPr>
+            <a:picLocks noChangeAspect="1"/>
+          </p:cNvPicPr>
+          <p:nvPr/>
+        </p:nvPicPr>
+        <p:blipFill>
+          <a:blip r:embed="rId3"/>
+          <a:stretch>
+            <a:fillRect/>
+          </a:stretch>
+        </p:blipFill>
+        <p:spPr>
+          <a:xfrm>
+            <a:off x="6096000" y="1719653"/>
+            <a:ext cx="76200" cy="76200"/>
+          </a:xfrm>
+          <a:prstGeom prst="rect">
+            <a:avLst/>
+          </a:prstGeom>
+        </p:spPr>
+      </p:pic>
+      <p:pic>
+        <p:nvPicPr>
+          <p:cNvPr id="13" name="圖片 12">
+            <a:extLst>
+              <a:ext uri="{FF2B5EF4-FFF2-40B4-BE49-F238E27FC236}">
+                <a16:creationId xmlns:a16="http://schemas.microsoft.com/office/drawing/2014/main" id="{8423519A-DC2C-B0EA-1F6B-3AA2EDE6FD87}"/>
+              </a:ext>
+            </a:extLst>
+          </p:cNvPr>
+          <p:cNvPicPr>
+            <a:picLocks noChangeAspect="1"/>
+          </p:cNvPicPr>
+          <p:nvPr/>
+        </p:nvPicPr>
+        <p:blipFill>
+          <a:blip r:embed="rId4"/>
+          <a:stretch>
+            <a:fillRect/>
+          </a:stretch>
+        </p:blipFill>
+        <p:spPr>
+          <a:xfrm>
+            <a:off x="5775521" y="2168721"/>
+            <a:ext cx="114300" cy="114300"/>
+          </a:xfrm>
+          <a:prstGeom prst="rect">
+            <a:avLst/>
+          </a:prstGeom>
+        </p:spPr>
+      </p:pic>
+      <p:pic>
+        <p:nvPicPr>
+          <p:cNvPr id="14" name="圖片 13">
+            <a:extLst>
+              <a:ext uri="{FF2B5EF4-FFF2-40B4-BE49-F238E27FC236}">
+                <a16:creationId xmlns:a16="http://schemas.microsoft.com/office/drawing/2014/main" id="{74B05A80-093B-FB22-C0DD-C300DCB7C437}"/>
+              </a:ext>
+            </a:extLst>
+          </p:cNvPr>
+          <p:cNvPicPr>
+            <a:picLocks noChangeAspect="1"/>
+          </p:cNvPicPr>
+          <p:nvPr/>
+        </p:nvPicPr>
+        <p:blipFill>
+          <a:blip r:embed="rId5"/>
+          <a:stretch>
+            <a:fillRect/>
+          </a:stretch>
+        </p:blipFill>
+        <p:spPr>
+          <a:xfrm>
+            <a:off x="5539658" y="1954147"/>
+            <a:ext cx="76200" cy="114300"/>
+          </a:xfrm>
+          <a:prstGeom prst="rect">
+            <a:avLst/>
+          </a:prstGeom>
+        </p:spPr>
+      </p:pic>
+      <p:sp>
+        <p:nvSpPr>
+          <p:cNvPr id="17" name="三角形 16">
+            <a:extLst>
+              <a:ext uri="{FF2B5EF4-FFF2-40B4-BE49-F238E27FC236}">
+                <a16:creationId xmlns:a16="http://schemas.microsoft.com/office/drawing/2014/main" id="{BEE3AE6E-7CE3-2263-34EC-74643E66E26D}"/>
+              </a:ext>
+            </a:extLst>
+          </p:cNvPr>
+          <p:cNvSpPr/>
+          <p:nvPr/>
+        </p:nvSpPr>
+        <p:spPr>
+          <a:xfrm>
+            <a:off x="5362262" y="1681258"/>
+            <a:ext cx="1048193" cy="420477"/>
+          </a:xfrm>
+          <a:prstGeom prst="triangle">
+            <a:avLst>
+              <a:gd name="adj" fmla="val 40107"/>
+            </a:avLst>
+          </a:prstGeom>
+          <a:noFill/>
+        </p:spPr>
+        <p:style>
+          <a:lnRef idx="2">
+            <a:schemeClr val="accent1">
+              <a:shade val="15000"/>
+            </a:schemeClr>
+          </a:lnRef>
+          <a:fillRef idx="1">
+            <a:schemeClr val="accent1"/>
+          </a:fillRef>
+          <a:effectRef idx="0">
+            <a:schemeClr val="accent1"/>
+          </a:effectRef>
+          <a:fontRef idx="minor">
+            <a:schemeClr val="lt1"/>
+          </a:fontRef>
+        </p:style>
+        <p:txBody>
+          <a:bodyPr rtlCol="0" anchor="ctr"/>
+          <a:lstStyle/>
+          <a:p>
+            <a:pPr algn="ctr"/>
+            <a:endParaRPr kumimoji="1" lang="zh-TW" altLang="en-US" dirty="0"/>
+          </a:p>
+        </p:txBody>
+      </p:sp>
+      <p:sp>
+        <p:nvSpPr>
+          <p:cNvPr id="18" name="文字方塊 17">
+            <a:extLst>
+              <a:ext uri="{FF2B5EF4-FFF2-40B4-BE49-F238E27FC236}">
+                <a16:creationId xmlns:a16="http://schemas.microsoft.com/office/drawing/2014/main" id="{F9DE3C4F-1633-D84B-CCD1-FFB929AA1E64}"/>
+              </a:ext>
+            </a:extLst>
+          </p:cNvPr>
+          <p:cNvSpPr txBox="1"/>
+          <p:nvPr/>
+        </p:nvSpPr>
+        <p:spPr>
+          <a:xfrm>
+            <a:off x="5644716" y="1448004"/>
+            <a:ext cx="261610" cy="261610"/>
+          </a:xfrm>
+          <a:prstGeom prst="rect">
+            <a:avLst/>
+          </a:prstGeom>
+          <a:noFill/>
+        </p:spPr>
+        <p:txBody>
+          <a:bodyPr wrap="none" rtlCol="0">
+            <a:spAutoFit/>
+          </a:bodyPr>
+          <a:lstStyle/>
+          <a:p>
+            <a:r>
+              <a:rPr kumimoji="1" lang="en-US" altLang="zh-TW" sz="1100" dirty="0">
+                <a:latin typeface="Myriad Pro" panose="020B0503030403020204" pitchFamily="34" charset="0"/>
+              </a:rPr>
+              <a:t>B</a:t>
+            </a:r>
+            <a:endParaRPr kumimoji="1" lang="zh-TW" altLang="en-US" sz="1100" dirty="0">
+              <a:latin typeface="Myriad Pro" panose="020B0503030403020204" pitchFamily="34" charset="0"/>
+            </a:endParaRPr>
+          </a:p>
+        </p:txBody>
+      </p:sp>
+      <p:sp>
+        <p:nvSpPr>
+          <p:cNvPr id="19" name="文字方塊 18">
+            <a:extLst>
+              <a:ext uri="{FF2B5EF4-FFF2-40B4-BE49-F238E27FC236}">
+                <a16:creationId xmlns:a16="http://schemas.microsoft.com/office/drawing/2014/main" id="{48B6EC8E-FE85-308B-36F6-D705E66E19B5}"/>
+              </a:ext>
+            </a:extLst>
+          </p:cNvPr>
+          <p:cNvSpPr txBox="1"/>
+          <p:nvPr/>
+        </p:nvSpPr>
+        <p:spPr>
+          <a:xfrm>
+            <a:off x="5139011" y="2001134"/>
+            <a:ext cx="253596" cy="261610"/>
+          </a:xfrm>
+          <a:prstGeom prst="rect">
+            <a:avLst/>
+          </a:prstGeom>
+          <a:noFill/>
+        </p:spPr>
+        <p:txBody>
+          <a:bodyPr wrap="none" rtlCol="0">
+            <a:spAutoFit/>
+          </a:bodyPr>
+          <a:lstStyle/>
+          <a:p>
+            <a:r>
+              <a:rPr kumimoji="1" lang="en-US" altLang="zh-TW" sz="1100" dirty="0">
+                <a:latin typeface="Myriad Pro" panose="020B0503030403020204" pitchFamily="34" charset="0"/>
+              </a:rPr>
+              <a:t>S</a:t>
+            </a:r>
+            <a:endParaRPr kumimoji="1" lang="zh-TW" altLang="en-US" sz="1100" dirty="0">
+              <a:latin typeface="Myriad Pro" panose="020B0503030403020204" pitchFamily="34" charset="0"/>
+            </a:endParaRPr>
+          </a:p>
+        </p:txBody>
+      </p:sp>
+      <p:sp>
+        <p:nvSpPr>
+          <p:cNvPr id="20" name="文字方塊 19">
+            <a:extLst>
+              <a:ext uri="{FF2B5EF4-FFF2-40B4-BE49-F238E27FC236}">
+                <a16:creationId xmlns:a16="http://schemas.microsoft.com/office/drawing/2014/main" id="{D5531D84-BE1D-6C8D-A462-6142A6C6E9D5}"/>
+              </a:ext>
+            </a:extLst>
+          </p:cNvPr>
+          <p:cNvSpPr txBox="1"/>
+          <p:nvPr/>
+        </p:nvSpPr>
+        <p:spPr>
+          <a:xfrm>
+            <a:off x="6393238" y="2001134"/>
+            <a:ext cx="276038" cy="261610"/>
+          </a:xfrm>
+          <a:prstGeom prst="rect">
+            <a:avLst/>
+          </a:prstGeom>
+          <a:noFill/>
+        </p:spPr>
+        <p:txBody>
+          <a:bodyPr wrap="none" rtlCol="0">
+            <a:spAutoFit/>
+          </a:bodyPr>
+          <a:lstStyle/>
+          <a:p>
+            <a:r>
+              <a:rPr kumimoji="1" lang="en-US" altLang="zh-TW" sz="1100" dirty="0">
+                <a:latin typeface="Myriad Pro" panose="020B0503030403020204" pitchFamily="34" charset="0"/>
+              </a:rPr>
+              <a:t>G</a:t>
+            </a:r>
+            <a:endParaRPr kumimoji="1" lang="zh-TW" altLang="en-US" sz="1100" dirty="0">
+              <a:latin typeface="Myriad Pro" panose="020B0503030403020204" pitchFamily="34" charset="0"/>
+            </a:endParaRPr>
+          </a:p>
+        </p:txBody>
+      </p:sp>
+      <p:pic>
+        <p:nvPicPr>
+          <p:cNvPr id="21" name="圖片 20">
+            <a:extLst>
+              <a:ext uri="{FF2B5EF4-FFF2-40B4-BE49-F238E27FC236}">
+                <a16:creationId xmlns:a16="http://schemas.microsoft.com/office/drawing/2014/main" id="{B78F0F95-0C99-0E98-8A0F-0096001671D9}"/>
+              </a:ext>
+            </a:extLst>
+          </p:cNvPr>
+          <p:cNvPicPr>
+            <a:picLocks noChangeAspect="1"/>
+          </p:cNvPicPr>
+          <p:nvPr/>
+        </p:nvPicPr>
+        <p:blipFill>
+          <a:blip r:embed="rId6"/>
+          <a:stretch>
+            <a:fillRect/>
+          </a:stretch>
+        </p:blipFill>
+        <p:spPr>
+          <a:xfrm>
+            <a:off x="6016658" y="1943984"/>
+            <a:ext cx="114300" cy="114300"/>
+          </a:xfrm>
+          <a:prstGeom prst="rect">
+            <a:avLst/>
+          </a:prstGeom>
+        </p:spPr>
+      </p:pic>
+      <p:pic>
+        <p:nvPicPr>
+          <p:cNvPr id="22" name="圖片 21">
+            <a:extLst>
+              <a:ext uri="{FF2B5EF4-FFF2-40B4-BE49-F238E27FC236}">
+                <a16:creationId xmlns:a16="http://schemas.microsoft.com/office/drawing/2014/main" id="{8B6E64C9-FECC-5473-3915-F6445A412CFD}"/>
+              </a:ext>
+            </a:extLst>
+          </p:cNvPr>
+          <p:cNvPicPr>
+            <a:picLocks noChangeAspect="1"/>
+          </p:cNvPicPr>
+          <p:nvPr/>
+        </p:nvPicPr>
+        <p:blipFill>
+          <a:blip r:embed="rId7"/>
+          <a:stretch>
+            <a:fillRect/>
+          </a:stretch>
+        </p:blipFill>
+        <p:spPr>
+          <a:xfrm>
+            <a:off x="5747953" y="1767371"/>
+            <a:ext cx="101600" cy="76200"/>
+          </a:xfrm>
+          <a:prstGeom prst="rect">
+            <a:avLst/>
+          </a:prstGeom>
+        </p:spPr>
+      </p:pic>
+    </p:spTree>
+    <p:extLst>
+      <p:ext uri="{BB962C8B-B14F-4D97-AF65-F5344CB8AC3E}">
+        <p14:creationId xmlns:p14="http://schemas.microsoft.com/office/powerpoint/2010/main" val="183033977"/>
+      </p:ext>
+    </p:extLst>
+  </p:cSld>
+  <p:clrMapOvr>
+    <a:masterClrMapping/>
+  </p:clrMapOvr>
+</p:sld>
+</file>
+
+<file path=ppt/slides/slide6.xml><?xml version="1.0" encoding="utf-8"?>
+<p:sld xmlns:a="http://schemas.openxmlformats.org/drawingml/2006/main" xmlns:r="http://schemas.openxmlformats.org/officeDocument/2006/relationships" xmlns:p="http://schemas.openxmlformats.org/presentationml/2006/main">
+  <p:cSld>
+    <p:spTree>
+      <p:nvGrpSpPr>
+        <p:cNvPr id="1" name=""/>
+        <p:cNvGrpSpPr/>
+        <p:nvPr/>
+      </p:nvGrpSpPr>
+      <p:grpSpPr>
+        <a:xfrm>
+          <a:off x="0" y="0"/>
+          <a:ext cx="0" cy="0"/>
+          <a:chOff x="0" y="0"/>
+          <a:chExt cx="0" cy="0"/>
+        </a:xfrm>
+      </p:grpSpPr>
       <p:grpSp>
         <p:nvGrpSpPr>
           <p:cNvPr id="46" name="群組 45">
